--- a/A Low Latency Digital Filter using Recurrent Neural Network/PPT/Presentation.pptx
+++ b/A Low Latency Digital Filter using Recurrent Neural Network/PPT/Presentation.pptx
@@ -57,6 +57,8 @@
     <p:sldId id="270" r:id="rId52"/>
     <p:sldId id="271" r:id="rId53"/>
     <p:sldId id="272" r:id="rId54"/>
+    <p:sldId id="273" r:id="rId55"/>
+    <p:sldId id="274" r:id="rId56"/>
   </p:sldIdLst>
   <p:sldSz cx="10080625" cy="5670550"/>
   <p:notesSz cx="7559675" cy="10691813"/>
@@ -1042,7 +1044,7 @@
         <p:txBody>
           <a:bodyPr/>
           <a:p>
-            <a:fld id="{F96C49F3-AD29-49AB-A31B-9D4209F332D9}" type="slidenum">
+            <a:fld id="{A7C949DB-B4DD-420F-A937-937593E4D4EE}" type="slidenum">
               <a:t>&lt;#&gt;</a:t>
             </a:fld>
           </a:p>
@@ -1251,7 +1253,7 @@
         <p:txBody>
           <a:bodyPr/>
           <a:p>
-            <a:fld id="{53E3CC09-5AD2-4172-9BEC-FE4929B99ACF}" type="slidenum">
+            <a:fld id="{37B8B980-0027-475A-8EC1-DDACAB337065}" type="slidenum">
               <a:t>&lt;#&gt;</a:t>
             </a:fld>
           </a:p>
@@ -1546,7 +1548,7 @@
         <p:txBody>
           <a:bodyPr/>
           <a:p>
-            <a:fld id="{EB471C76-FB30-42A1-A1C2-B676055EB866}" type="slidenum">
+            <a:fld id="{4E698719-3171-4E8A-8A50-EEA6782B43E4}" type="slidenum">
               <a:t>&lt;#&gt;</a:t>
             </a:fld>
           </a:p>
@@ -1629,7 +1631,7 @@
         <p:txBody>
           <a:bodyPr/>
           <a:p>
-            <a:fld id="{C34E4CFA-2F01-458E-94D9-6ED07967004E}" type="slidenum">
+            <a:fld id="{19F65131-56D1-40FE-BF82-ED52F91AF92B}" type="slidenum">
               <a:t>&lt;#&gt;</a:t>
             </a:fld>
           </a:p>
@@ -1712,7 +1714,7 @@
         <p:txBody>
           <a:bodyPr/>
           <a:p>
-            <a:fld id="{1BB09E6E-61C9-4143-B53A-D4FC51294DCC}" type="slidenum">
+            <a:fld id="{4153F453-B018-4987-A331-3DF0656A4AC6}" type="slidenum">
               <a:t>&lt;#&gt;</a:t>
             </a:fld>
           </a:p>
@@ -1878,7 +1880,7 @@
         <p:txBody>
           <a:bodyPr/>
           <a:p>
-            <a:fld id="{3584D7C5-D0BD-4828-9757-DD1E5A44D679}" type="slidenum">
+            <a:fld id="{C5AD0E4A-E01F-45B1-BA68-1675F2181544}" type="slidenum">
               <a:t>&lt;#&gt;</a:t>
             </a:fld>
           </a:p>
@@ -2044,7 +2046,7 @@
         <p:txBody>
           <a:bodyPr/>
           <a:p>
-            <a:fld id="{F78F5CF7-AC3A-4F1D-970E-02F52EF52ADE}" type="slidenum">
+            <a:fld id="{A150EFD8-08E5-4048-B7E6-7304150F3D2A}" type="slidenum">
               <a:t>&lt;#&gt;</a:t>
             </a:fld>
           </a:p>
@@ -2442,7 +2444,7 @@
         <p:txBody>
           <a:bodyPr/>
           <a:p>
-            <a:fld id="{3AB43B0D-68D3-48FF-BFDE-206EB2447240}" type="slidenum">
+            <a:fld id="{D645D2D0-F146-43A0-AD78-28F4C3237C3C}" type="slidenum">
               <a:t>&lt;#&gt;</a:t>
             </a:fld>
           </a:p>
@@ -2565,7 +2567,7 @@
         <p:txBody>
           <a:bodyPr/>
           <a:p>
-            <a:fld id="{A6AB39B3-21A6-46D1-8500-B5215AF009D5}" type="slidenum">
+            <a:fld id="{99B4BA49-015C-41A8-AED4-2C750E2A2EEA}" type="slidenum">
               <a:t>&lt;#&gt;</a:t>
             </a:fld>
           </a:p>
@@ -2648,7 +2650,7 @@
         <p:txBody>
           <a:bodyPr/>
           <a:p>
-            <a:fld id="{DF7BC670-82F9-470E-9AA5-D2998512A346}" type="slidenum">
+            <a:fld id="{4CFC92B6-7640-44F0-8B78-366D4B612232}" type="slidenum">
               <a:t>&lt;#&gt;</a:t>
             </a:fld>
           </a:p>
@@ -2900,7 +2902,7 @@
         <p:txBody>
           <a:bodyPr/>
           <a:p>
-            <a:fld id="{2CC4F1B2-801D-4DED-A998-57F034A4786E}" type="slidenum">
+            <a:fld id="{55EE473C-2D19-4B4E-8AA3-CD20AB42282F}" type="slidenum">
               <a:t>&lt;#&gt;</a:t>
             </a:fld>
           </a:p>
@@ -3152,7 +3154,7 @@
         <p:txBody>
           <a:bodyPr/>
           <a:p>
-            <a:fld id="{63AE2C9D-27C5-4C4E-8B5A-C14C2E42EB39}" type="slidenum">
+            <a:fld id="{BB8BD3FA-B476-4B60-9997-B357F8E2E55C}" type="slidenum">
               <a:t>&lt;#&gt;</a:t>
             </a:fld>
           </a:p>
@@ -3404,7 +3406,7 @@
         <p:txBody>
           <a:bodyPr/>
           <a:p>
-            <a:fld id="{C93A7893-DC27-42C6-BCA1-7D9EAA130A7D}" type="slidenum">
+            <a:fld id="{BA97F346-58E6-4E9C-81EE-8DE46B0226BF}" type="slidenum">
               <a:t>&lt;#&gt;</a:t>
             </a:fld>
           </a:p>
@@ -3613,7 +3615,7 @@
         <p:txBody>
           <a:bodyPr/>
           <a:p>
-            <a:fld id="{21B40456-D7E4-4E70-A9F4-04353650CBD0}" type="slidenum">
+            <a:fld id="{219D2A8A-A13D-4912-B0CD-69A617322D82}" type="slidenum">
               <a:t>&lt;#&gt;</a:t>
             </a:fld>
           </a:p>
@@ -3908,7 +3910,7 @@
         <p:txBody>
           <a:bodyPr/>
           <a:p>
-            <a:fld id="{AB6D7545-4FAC-42D2-8992-80054934ADB2}" type="slidenum">
+            <a:fld id="{712C3B8A-56D2-4484-B899-CE14B3729793}" type="slidenum">
               <a:t>&lt;#&gt;</a:t>
             </a:fld>
           </a:p>
@@ -3991,7 +3993,7 @@
         <p:txBody>
           <a:bodyPr/>
           <a:p>
-            <a:fld id="{1BD69834-920E-4DBB-8E5A-CDB1C670F7EC}" type="slidenum">
+            <a:fld id="{41BDCD19-FE27-4C73-AA90-74CB84B0A22E}" type="slidenum">
               <a:t>&lt;#&gt;</a:t>
             </a:fld>
           </a:p>
@@ -4074,7 +4076,7 @@
         <p:txBody>
           <a:bodyPr/>
           <a:p>
-            <a:fld id="{FB2FBB29-D43D-487F-9D65-8B09F732B705}" type="slidenum">
+            <a:fld id="{04A8C297-08F9-4AE5-BA60-014239F3C302}" type="slidenum">
               <a:t>&lt;#&gt;</a:t>
             </a:fld>
           </a:p>
@@ -4515,7 +4517,7 @@
         <p:txBody>
           <a:bodyPr/>
           <a:p>
-            <a:fld id="{CA470BA3-28BD-424A-BFBD-C32BC8545BD6}" type="slidenum">
+            <a:fld id="{367FEEF0-8932-40C0-9C2F-E4173C377649}" type="slidenum">
               <a:t>&lt;#&gt;</a:t>
             </a:fld>
           </a:p>
@@ -4681,7 +4683,7 @@
         <p:txBody>
           <a:bodyPr/>
           <a:p>
-            <a:fld id="{A2B9C263-7E33-431D-9D04-65EF56ACC0E4}" type="slidenum">
+            <a:fld id="{4D508D83-2C58-45BF-A879-454572431C56}" type="slidenum">
               <a:t>&lt;#&gt;</a:t>
             </a:fld>
           </a:p>
@@ -4890,7 +4892,7 @@
         <p:txBody>
           <a:bodyPr/>
           <a:p>
-            <a:fld id="{360FD678-318F-46B6-A692-B50E07A0C7BC}" type="slidenum">
+            <a:fld id="{449344F9-FE39-4EC8-9A68-102CC2883E83}" type="slidenum">
               <a:t>&lt;#&gt;</a:t>
             </a:fld>
           </a:p>
@@ -5013,7 +5015,7 @@
         <p:txBody>
           <a:bodyPr/>
           <a:p>
-            <a:fld id="{0C2036C4-647F-47E8-BDD6-97A575450D16}" type="slidenum">
+            <a:fld id="{6118D9BC-39B2-4FF6-AFA3-D7A89550F761}" type="slidenum">
               <a:t>&lt;#&gt;</a:t>
             </a:fld>
           </a:p>
@@ -5096,7 +5098,7 @@
         <p:txBody>
           <a:bodyPr/>
           <a:p>
-            <a:fld id="{BE217163-084E-4453-9651-8A3995272C88}" type="slidenum">
+            <a:fld id="{E7AE69AD-5C69-4DE9-858C-E21500A5818E}" type="slidenum">
               <a:t>&lt;#&gt;</a:t>
             </a:fld>
           </a:p>
@@ -5348,7 +5350,7 @@
         <p:txBody>
           <a:bodyPr/>
           <a:p>
-            <a:fld id="{67ED6847-4A27-44FB-9F4D-93BBBDC6140A}" type="slidenum">
+            <a:fld id="{2108B1B6-F29B-49BF-9C40-227303321C52}" type="slidenum">
               <a:t>&lt;#&gt;</a:t>
             </a:fld>
           </a:p>
@@ -5600,7 +5602,7 @@
         <p:txBody>
           <a:bodyPr/>
           <a:p>
-            <a:fld id="{90956D89-A6BB-4636-9089-8F2C1D01E12D}" type="slidenum">
+            <a:fld id="{9A1C9348-DD84-4599-8B9D-55AF7130B756}" type="slidenum">
               <a:t>&lt;#&gt;</a:t>
             </a:fld>
           </a:p>
@@ -6538,7 +6540,7 @@
                 <a:spcPct val="100000"/>
               </a:lnSpc>
             </a:pPr>
-            <a:fld id="{5837C117-B8ED-42C9-8E70-C2A3FB7E6D8B}" type="slidenum">
+            <a:fld id="{7F82241B-97AF-4B69-A80D-382A2908A61F}" type="slidenum">
               <a:rPr b="1" lang="en-IN" sz="1800" spc="-1" strike="noStrike">
                 <a:solidFill>
                   <a:srgbClr val="ffffff"/>
@@ -7618,7 +7620,7 @@
                 <a:spcPct val="100000"/>
               </a:lnSpc>
             </a:pPr>
-            <a:fld id="{4FE36AA6-9ECC-4D29-8AE2-FDB77B8DA225}" type="slidenum">
+            <a:fld id="{2764ED56-3884-479D-A8C4-0D364E2F9AE8}" type="slidenum">
               <a:rPr b="1" lang="en-IN" sz="1800" spc="-1" strike="noStrike">
                 <a:solidFill>
                   <a:srgbClr val="ffffff"/>
@@ -7974,7 +7976,7 @@
                 <a:spcPct val="100000"/>
               </a:lnSpc>
             </a:pPr>
-            <a:fld id="{24497505-E3A7-4368-8373-425E484645D5}" type="slidenum">
+            <a:fld id="{11D2FEAB-8C18-4F93-A4A2-C65B56B54DD9}" type="slidenum">
               <a:rPr b="1" lang="en-IN" sz="1800" spc="-1" strike="noStrike">
                 <a:solidFill>
                   <a:srgbClr val="ffffff"/>
@@ -9054,7 +9056,7 @@
                 <a:spcPct val="100000"/>
               </a:lnSpc>
             </a:pPr>
-            <a:fld id="{3E3365D9-609D-4633-B89B-F977B07F0527}" type="slidenum">
+            <a:fld id="{F41839F3-FFC1-44B5-A1F6-5503DDEB343E}" type="slidenum">
               <a:rPr b="1" lang="en-IN" sz="1800" spc="-1" strike="noStrike">
                 <a:solidFill>
                   <a:srgbClr val="ffffff"/>
@@ -10902,7 +10904,7 @@
                 <a:tab algn="l" pos="0"/>
               </a:tabLst>
             </a:pPr>
-            <a:fld id="{65783B6A-7DB8-415E-83C0-1DFFFF1BEF2D}" type="slidenum">
+            <a:fld id="{264AB849-E46D-4103-B806-F94A96C3C4F1}" type="slidenum">
               <a:rPr b="1" lang="en-IN" sz="1800" spc="-1" strike="noStrike">
                 <a:solidFill>
                   <a:srgbClr val="ffffff"/>
@@ -11728,7 +11730,7 @@
                 <a:tab algn="l" pos="0"/>
               </a:tabLst>
             </a:pPr>
-            <a:fld id="{2072D42B-035E-4693-9E51-7FB0E8712306}" type="slidenum">
+            <a:fld id="{A1496646-EEDB-458A-A592-0BB394961344}" type="slidenum">
               <a:rPr b="1" lang="en-IN" sz="1800" spc="-1" strike="noStrike">
                 <a:solidFill>
                   <a:srgbClr val="ffffff"/>
@@ -13004,7 +13006,7 @@
                 <a:tab algn="l" pos="0"/>
               </a:tabLst>
             </a:pPr>
-            <a:fld id="{7C3F53B8-C8DC-4227-BF76-21C79D13AFB6}" type="slidenum">
+            <a:fld id="{87FE7272-A021-464E-AA4B-5EECA37FA30E}" type="slidenum">
               <a:rPr b="1" lang="en-IN" sz="1800" spc="-1" strike="noStrike">
                 <a:solidFill>
                   <a:srgbClr val="ffffff"/>
@@ -13331,7 +13333,7 @@
                 <a:tab algn="l" pos="0"/>
               </a:tabLst>
             </a:pPr>
-            <a:fld id="{1B6A9C33-D7F3-4964-B20D-DE47CA413C9A}" type="slidenum">
+            <a:fld id="{8895971A-8D71-46BB-A099-79713AA355BD}" type="slidenum">
               <a:rPr b="1" lang="en-IN" sz="1800" spc="-1" strike="noStrike">
                 <a:solidFill>
                   <a:srgbClr val="ffffff"/>
@@ -13658,7 +13660,7 @@
                 <a:tab algn="l" pos="0"/>
               </a:tabLst>
             </a:pPr>
-            <a:fld id="{4876B476-DA7F-4AE1-98B8-33AB7593B432}" type="slidenum">
+            <a:fld id="{111B1303-17BD-4023-AF8D-1A90D6E9F01B}" type="slidenum">
               <a:rPr b="1" lang="en-IN" sz="1800" spc="-1" strike="noStrike">
                 <a:solidFill>
                   <a:srgbClr val="ffffff"/>
@@ -14259,7 +14261,7 @@
                 <a:tab algn="l" pos="0"/>
               </a:tabLst>
             </a:pPr>
-            <a:fld id="{5E8F00F1-18E4-47E0-A958-20AE930B6F19}" type="slidenum">
+            <a:fld id="{E998A341-E23B-4B3A-A14C-123680B6026B}" type="slidenum">
               <a:rPr b="1" lang="en-IN" sz="1800" spc="-1" strike="noStrike">
                 <a:solidFill>
                   <a:srgbClr val="ffffff"/>
@@ -14860,7 +14862,7 @@
                 <a:tab algn="l" pos="0"/>
               </a:tabLst>
             </a:pPr>
-            <a:fld id="{F6D97998-E513-4388-BF0E-4AB29BE5E727}" type="slidenum">
+            <a:fld id="{002EA3B6-05BA-4404-BDE2-E9288137A097}" type="slidenum">
               <a:rPr b="1" lang="en-IN" sz="1800" spc="-1" strike="noStrike">
                 <a:solidFill>
                   <a:srgbClr val="ffffff"/>
@@ -15143,7 +15145,7 @@
                 <a:spcPct val="100000"/>
               </a:lnSpc>
             </a:pPr>
-            <a:fld id="{B991E387-1C51-475F-BE69-44662EA726B4}" type="slidenum">
+            <a:fld id="{9093893B-D26D-4000-A003-A36AB51AD4DB}" type="slidenum">
               <a:rPr b="1" lang="en-IN" sz="1800" spc="-1" strike="noStrike">
                 <a:solidFill>
                   <a:srgbClr val="ffffff"/>
@@ -16541,7 +16543,7 @@
                 <a:tab algn="l" pos="0"/>
               </a:tabLst>
             </a:pPr>
-            <a:fld id="{7A35A150-F841-41C4-937A-0C9C92ECE60D}" type="slidenum">
+            <a:fld id="{4482A682-1641-49EF-A358-9EB88D268A6B}" type="slidenum">
               <a:rPr b="1" lang="en-IN" sz="1800" spc="-1" strike="noStrike">
                 <a:solidFill>
                   <a:srgbClr val="ffffff"/>
@@ -16917,7 +16919,7 @@
                 <a:tab algn="l" pos="0"/>
               </a:tabLst>
             </a:pPr>
-            <a:fld id="{05E97BAA-5BCB-4B71-A08A-7002CB33BB7E}" type="slidenum">
+            <a:fld id="{137C5F74-214F-42A7-B24A-839235328C3A}" type="slidenum">
               <a:rPr b="1" lang="en-IN" sz="1800" spc="-1" strike="noStrike">
                 <a:solidFill>
                   <a:srgbClr val="ffffff"/>
@@ -17244,7 +17246,7 @@
                 <a:tab algn="l" pos="0"/>
               </a:tabLst>
             </a:pPr>
-            <a:fld id="{22414E51-CC33-44F9-A080-3554B6CBC0A2}" type="slidenum">
+            <a:fld id="{A0E4FD85-1D18-4B16-A22C-8E016B0BF82D}" type="slidenum">
               <a:rPr b="1" lang="en-IN" sz="1800" spc="-1" strike="noStrike">
                 <a:solidFill>
                   <a:srgbClr val="ffffff"/>
@@ -18295,7 +18297,7 @@
                 <a:tab algn="l" pos="0"/>
               </a:tabLst>
             </a:pPr>
-            <a:fld id="{6239599E-836D-44CD-9133-3AF31844F257}" type="slidenum">
+            <a:fld id="{F0533BA7-4472-44C1-947F-D55BBCF5E9E1}" type="slidenum">
               <a:rPr b="1" lang="en-IN" sz="1800" spc="-1" strike="noStrike">
                 <a:solidFill>
                   <a:srgbClr val="ffffff"/>
@@ -19346,7 +19348,7 @@
                 <a:tab algn="l" pos="0"/>
               </a:tabLst>
             </a:pPr>
-            <a:fld id="{E7A1F9B9-DDE7-47F4-9DF9-3FA87C698A50}" type="slidenum">
+            <a:fld id="{FD5D68E0-07E0-4EC4-9A20-F6E7337B5A4B}" type="slidenum">
               <a:rPr b="1" lang="en-IN" sz="1800" spc="-1" strike="noStrike">
                 <a:solidFill>
                   <a:srgbClr val="ffffff"/>
@@ -20400,7 +20402,7 @@
                 <a:tab algn="l" pos="0"/>
               </a:tabLst>
             </a:pPr>
-            <a:fld id="{3B6A9DC3-5A3B-4466-85A0-3057BB56C3ED}" type="slidenum">
+            <a:fld id="{DDE0869E-58C9-4CFF-A629-4793ED5BF812}" type="slidenum">
               <a:rPr b="1" lang="en-IN" sz="1800" spc="-1" strike="noStrike">
                 <a:solidFill>
                   <a:srgbClr val="ffffff"/>
@@ -21229,7 +21231,7 @@
                 <a:tab algn="l" pos="0"/>
               </a:tabLst>
             </a:pPr>
-            <a:fld id="{D829D903-A173-404B-8C0E-D4409E3F6395}" type="slidenum">
+            <a:fld id="{B496799E-25F1-43A0-B3EF-7864C6E428FD}" type="slidenum">
               <a:rPr b="1" lang="en-IN" sz="1800" spc="-1" strike="noStrike">
                 <a:solidFill>
                   <a:srgbClr val="ffffff"/>
@@ -22508,7 +22510,7 @@
                 <a:tab algn="l" pos="0"/>
               </a:tabLst>
             </a:pPr>
-            <a:fld id="{E7552956-B355-43D1-9D0D-52CAF7E1E893}" type="slidenum">
+            <a:fld id="{858656A4-D679-47FF-9BE4-1F60D8503B46}" type="slidenum">
               <a:rPr b="1" lang="en-IN" sz="1800" spc="-1" strike="noStrike">
                 <a:solidFill>
                   <a:srgbClr val="ffffff"/>
@@ -22838,7 +22840,7 @@
                 <a:tab algn="l" pos="0"/>
               </a:tabLst>
             </a:pPr>
-            <a:fld id="{F6AA07B8-3F98-4457-902B-36CBE1900998}" type="slidenum">
+            <a:fld id="{A4BE6B01-A240-4054-B151-BAECEE807292}" type="slidenum">
               <a:rPr b="1" lang="en-IN" sz="1800" spc="-1" strike="noStrike">
                 <a:solidFill>
                   <a:srgbClr val="ffffff"/>
@@ -23168,7 +23170,7 @@
                 <a:tab algn="l" pos="0"/>
               </a:tabLst>
             </a:pPr>
-            <a:fld id="{F9083F07-5BED-4124-BA1D-8EDA1F4BEA5A}" type="slidenum">
+            <a:fld id="{EA012BA0-3EAF-4CA0-88DC-1B0AB83E76C4}" type="slidenum">
               <a:rPr b="1" lang="en-IN" sz="1800" spc="-1" strike="noStrike">
                 <a:solidFill>
                   <a:srgbClr val="ffffff"/>
@@ -23451,7 +23453,7 @@
                 <a:spcPct val="100000"/>
               </a:lnSpc>
             </a:pPr>
-            <a:fld id="{C4D81B92-3AEB-4920-96A5-115028FC0264}" type="slidenum">
+            <a:fld id="{863F1126-A49F-491C-8257-6A9C4CC8178E}" type="slidenum">
               <a:rPr b="1" lang="en-IN" sz="1800" spc="-1" strike="noStrike">
                 <a:solidFill>
                   <a:srgbClr val="ffffff"/>
@@ -25077,7 +25079,7 @@
                 <a:tab algn="l" pos="0"/>
               </a:tabLst>
             </a:pPr>
-            <a:fld id="{2A239A7A-F6A7-4511-9E1B-631462A890C2}" type="slidenum">
+            <a:fld id="{844EF747-6DA8-46A4-9C0E-27188C4F31AB}" type="slidenum">
               <a:rPr b="1" lang="en-IN" sz="1800" spc="-1" strike="noStrike">
                 <a:solidFill>
                   <a:srgbClr val="ffffff"/>
@@ -25681,7 +25683,7 @@
                 <a:tab algn="l" pos="0"/>
               </a:tabLst>
             </a:pPr>
-            <a:fld id="{ACE46D48-7618-466B-BC12-ADDEB25515B2}" type="slidenum">
+            <a:fld id="{867CBDAF-FC1B-4FEB-9B87-33884EF6D827}" type="slidenum">
               <a:rPr b="1" lang="en-IN" sz="1800" spc="-1" strike="noStrike">
                 <a:solidFill>
                   <a:srgbClr val="ffffff"/>
@@ -26510,7 +26512,7 @@
                 <a:tab algn="l" pos="0"/>
               </a:tabLst>
             </a:pPr>
-            <a:fld id="{F2D8A13E-A164-4A28-9D43-99582A44A2D0}" type="slidenum">
+            <a:fld id="{A53DC843-0A33-4866-BE5F-2B6E90EFBD95}" type="slidenum">
               <a:rPr b="1" lang="en-IN" sz="1800" spc="-1" strike="noStrike">
                 <a:solidFill>
                   <a:srgbClr val="ffffff"/>
@@ -26889,7 +26891,7 @@
                 <a:tab algn="l" pos="0"/>
               </a:tabLst>
             </a:pPr>
-            <a:fld id="{99B5E802-45C1-45CE-861D-84089A94E64B}" type="slidenum">
+            <a:fld id="{B6B2C304-89BD-4DA1-ACC2-E7746CAB15BE}" type="slidenum">
               <a:rPr b="1" lang="en-IN" sz="1800" spc="-1" strike="noStrike">
                 <a:solidFill>
                   <a:srgbClr val="ffffff"/>
@@ -27219,7 +27221,7 @@
                 <a:tab algn="l" pos="0"/>
               </a:tabLst>
             </a:pPr>
-            <a:fld id="{4454780C-5CC9-4EED-ACC5-A96B5A627E8A}" type="slidenum">
+            <a:fld id="{1EC5BC58-63EE-4D2F-9159-1C90AB7E79D5}" type="slidenum">
               <a:rPr b="1" lang="en-IN" sz="1800" spc="-1" strike="noStrike">
                 <a:solidFill>
                   <a:srgbClr val="ffffff"/>
@@ -28273,7 +28275,7 @@
                 <a:tab algn="l" pos="0"/>
               </a:tabLst>
             </a:pPr>
-            <a:fld id="{57D9EC49-E759-4DF7-98FF-A646B0E35E0C}" type="slidenum">
+            <a:fld id="{DAA9CF66-3570-4C4D-8E3E-CB5B50E47924}" type="slidenum">
               <a:rPr b="1" lang="en-IN" sz="1800" spc="-1" strike="noStrike">
                 <a:solidFill>
                   <a:srgbClr val="ffffff"/>
@@ -29327,7 +29329,7 @@
                 <a:tab algn="l" pos="0"/>
               </a:tabLst>
             </a:pPr>
-            <a:fld id="{A405AA78-4DF5-4594-86DC-25D4B7F79251}" type="slidenum">
+            <a:fld id="{BE5EA162-DAD0-4E43-91B9-99AB044ECBC5}" type="slidenum">
               <a:rPr b="1" lang="en-IN" sz="1800" spc="-1" strike="noStrike">
                 <a:solidFill>
                   <a:srgbClr val="ffffff"/>
@@ -29610,7 +29612,7 @@
                 <a:spcPct val="100000"/>
               </a:lnSpc>
             </a:pPr>
-            <a:fld id="{BD2D8491-AF19-40F1-9CF0-06A5777F5FA1}" type="slidenum">
+            <a:fld id="{EDA2F302-D5C2-4720-AD0F-CBD3F488E3AF}" type="slidenum">
               <a:rPr b="1" lang="en-IN" sz="1800" spc="-1" strike="noStrike">
                 <a:solidFill>
                   <a:srgbClr val="ffffff"/>
@@ -29966,7 +29968,7 @@
                 <a:spcPct val="100000"/>
               </a:lnSpc>
             </a:pPr>
-            <a:fld id="{D52EBF82-DFD9-4553-B4F2-84C0BC78BB03}" type="slidenum">
+            <a:fld id="{B6859FD9-6042-4EF4-80B4-76C7B4E8718E}" type="slidenum">
               <a:rPr b="1" lang="en-IN" sz="1800" spc="-1" strike="noStrike">
                 <a:solidFill>
                   <a:srgbClr val="ffffff"/>
@@ -30322,7 +30324,7 @@
                 <a:spcPct val="100000"/>
               </a:lnSpc>
             </a:pPr>
-            <a:fld id="{3639DF50-5A3E-4FCD-B4E0-F931141D54C2}" type="slidenum">
+            <a:fld id="{CEAE30F7-A7AF-4C04-90D9-CE1A1AC3AABE}" type="slidenum">
               <a:rPr b="1" lang="en-IN" sz="1800" spc="-1" strike="noStrike">
                 <a:solidFill>
                   <a:srgbClr val="ffffff"/>
@@ -30952,7 +30954,7 @@
                 <a:spcPct val="100000"/>
               </a:lnSpc>
             </a:pPr>
-            <a:fld id="{86B4E070-E374-4D98-81DA-DD422C53EE38}" type="slidenum">
+            <a:fld id="{006C06D9-4FCC-48FF-A889-B54710F7B90B}" type="slidenum">
               <a:rPr b="1" lang="en-IN" sz="1800" spc="-1" strike="noStrike">
                 <a:solidFill>
                   <a:srgbClr val="ffffff"/>
@@ -31582,7 +31584,7 @@
                 <a:spcPct val="100000"/>
               </a:lnSpc>
             </a:pPr>
-            <a:fld id="{A82FB517-F74D-4C8A-A3A0-ACCC28F75F14}" type="slidenum">
+            <a:fld id="{9B22C805-ACB2-4F86-86E2-3038441FFB7B}" type="slidenum">
               <a:rPr b="1" lang="en-IN" sz="1800" spc="-1" strike="noStrike">
                 <a:solidFill>
                   <a:srgbClr val="ffffff"/>
@@ -32437,7 +32439,7 @@
                 <a:spcPct val="100000"/>
               </a:lnSpc>
             </a:pPr>
-            <a:fld id="{4789D0E7-61FF-444B-BD4D-6535B33EDE57}" type="slidenum">
+            <a:fld id="{B719C396-AA70-4CC8-BC98-E9BDC4F4B0B8}" type="slidenum">
               <a:rPr b="1" lang="en-IN" sz="1800" spc="-1" strike="noStrike">
                 <a:solidFill>
                   <a:srgbClr val="ffffff"/>
@@ -33212,7 +33214,7 @@
       </p:grpSpPr>
       <p:sp>
         <p:nvSpPr>
-          <p:cNvPr id="387" name="PlaceHolder 1"/>
+          <p:cNvPr id="381" name="PlaceHolder 1"/>
           <p:cNvSpPr>
             <a:spLocks noGrp="1"/>
           </p:cNvSpPr>
@@ -33254,7 +33256,7 @@
                 </a:solidFill>
                 <a:latin typeface="Noto Sans"/>
               </a:rPr>
-              <a:t>Flowchart</a:t>
+              <a:t>Research Methodology</a:t>
             </a:r>
             <a:endParaRPr b="0" lang="en-IN" sz="2700" spc="-1" strike="noStrike">
               <a:solidFill>
@@ -33267,7 +33269,7 @@
       </p:sp>
       <p:sp>
         <p:nvSpPr>
-          <p:cNvPr id="388" name="PlaceHolder 2"/>
+          <p:cNvPr id="382" name="PlaceHolder 2"/>
           <p:cNvSpPr>
             <a:spLocks noGrp="1"/>
           </p:cNvSpPr>
@@ -33315,7 +33317,7 @@
                 </a:solidFill>
                 <a:latin typeface="Noto Sans"/>
               </a:rPr>
-              <a:t>Calculating Filter Coefficients</a:t>
+              <a:t>Calculation of Filter Coefficients</a:t>
             </a:r>
             <a:endParaRPr b="0" lang="en-IN" sz="2400" spc="-1" strike="noStrike">
               <a:solidFill>
@@ -33328,7 +33330,7 @@
       </p:sp>
       <p:sp>
         <p:nvSpPr>
-          <p:cNvPr id="389" name=""/>
+          <p:cNvPr id="383" name=""/>
           <p:cNvSpPr/>
           <p:nvPr/>
         </p:nvSpPr>
@@ -33388,7 +33390,7 @@
       </p:sp>
       <p:sp>
         <p:nvSpPr>
-          <p:cNvPr id="390" name=""/>
+          <p:cNvPr id="384" name=""/>
           <p:cNvSpPr/>
           <p:nvPr/>
         </p:nvSpPr>
@@ -33416,7 +33418,7 @@
         </p:style>
         <p:txBody>
           <a:bodyPr lIns="37800" rIns="37800" tIns="37800" bIns="37800" anchor="t">
-            <a:normAutofit fontScale="96666"/>
+            <a:normAutofit/>
           </a:bodyPr>
           <a:p>
             <a:pPr algn="ctr">
@@ -33435,7 +33437,7 @@
                 <a:latin typeface="Noto Sans"/>
                 <a:ea typeface="DejaVu Sans"/>
               </a:rPr>
-              <a:t>Programming (Python, Java, C++)</a:t>
+              <a:t>Python Code</a:t>
             </a:r>
             <a:endParaRPr b="0" lang="en-IN" sz="2400" spc="-1" strike="noStrike">
               <a:solidFill>
@@ -33448,7 +33450,7 @@
       </p:sp>
       <p:sp>
         <p:nvSpPr>
-          <p:cNvPr id="391" name=""/>
+          <p:cNvPr id="385" name=""/>
           <p:cNvSpPr/>
           <p:nvPr/>
         </p:nvSpPr>
@@ -33495,7 +33497,7 @@
                 <a:latin typeface="Noto Sans"/>
                 <a:ea typeface="DejaVu Sans"/>
               </a:rPr>
-              <a:t>Testing</a:t>
+              <a:t>Latency Testing</a:t>
             </a:r>
             <a:endParaRPr b="0" lang="en-IN" sz="2400" spc="-1" strike="noStrike">
               <a:solidFill>
@@ -33508,7 +33510,7 @@
       </p:sp>
       <p:sp>
         <p:nvSpPr>
-          <p:cNvPr id="392" name=""/>
+          <p:cNvPr id="386" name=""/>
           <p:cNvSpPr/>
           <p:nvPr/>
         </p:nvSpPr>
@@ -33556,7 +33558,7 @@
       </p:sp>
       <p:sp>
         <p:nvSpPr>
-          <p:cNvPr id="393" name=""/>
+          <p:cNvPr id="387" name=""/>
           <p:cNvSpPr/>
           <p:nvPr/>
         </p:nvSpPr>
@@ -33604,7 +33606,7 @@
       </p:sp>
       <p:sp>
         <p:nvSpPr>
-          <p:cNvPr id="394" name=""/>
+          <p:cNvPr id="388" name=""/>
           <p:cNvSpPr/>
           <p:nvPr/>
         </p:nvSpPr>
@@ -33663,32 +33665,261 @@
   <p:timing>
     <p:tnLst>
       <p:par>
-        <p:cTn id="69" dur="indefinite" restart="never" nodeType="tmRoot">
+        <p:cTn id="38" dur="indefinite" restart="never" nodeType="tmRoot">
           <p:childTnLst>
             <p:seq>
-              <p:cTn id="70" dur="indefinite" nodeType="mainSeq">
+              <p:cTn id="39" dur="indefinite" nodeType="mainSeq">
                 <p:childTnLst>
                   <p:par>
-                    <p:cTn id="71" fill="hold">
+                    <p:cTn id="40" fill="hold">
                       <p:stCondLst>
                         <p:cond delay="indefinite"/>
                       </p:stCondLst>
                       <p:childTnLst>
                         <p:par>
-                          <p:cTn id="72" fill="hold">
+                          <p:cTn id="41" fill="hold">
                             <p:stCondLst>
                               <p:cond delay="0"/>
                             </p:stCondLst>
                             <p:childTnLst>
                               <p:par>
-                                <p:cTn id="73" nodeType="clickEffect" fill="hold" presetClass="entr" presetID="14" presetSubtype="10">
+                                <p:cTn id="42" nodeType="clickEffect" fill="hold" presetClass="entr" presetID="14" presetSubtype="10">
                                   <p:stCondLst>
                                     <p:cond delay="0"/>
                                   </p:stCondLst>
                                   <p:childTnLst>
                                     <p:set>
                                       <p:cBhvr>
-                                        <p:cTn id="74" dur="1" fill="hold">
+                                        <p:cTn id="43" dur="1" fill="hold">
+                                          <p:stCondLst>
+                                            <p:cond delay="0"/>
+                                          </p:stCondLst>
+                                        </p:cTn>
+                                        <p:tgtEl>
+                                          <p:spTgt spid="382"/>
+                                        </p:tgtEl>
+                                        <p:attrNameLst>
+                                          <p:attrName>style.visibility</p:attrName>
+                                        </p:attrNameLst>
+                                      </p:cBhvr>
+                                      <p:to>
+                                        <p:strVal val="visible"/>
+                                      </p:to>
+                                    </p:set>
+                                    <p:animEffect filter="randombar(horizontal)" transition="in">
+                                      <p:cBhvr additive="repl">
+                                        <p:cTn id="44" dur="500"/>
+                                        <p:tgtEl>
+                                          <p:spTgt spid="382"/>
+                                        </p:tgtEl>
+                                      </p:cBhvr>
+                                    </p:animEffect>
+                                  </p:childTnLst>
+                                </p:cTn>
+                              </p:par>
+                            </p:childTnLst>
+                          </p:cTn>
+                        </p:par>
+                      </p:childTnLst>
+                    </p:cTn>
+                  </p:par>
+                  <p:par>
+                    <p:cTn id="45" fill="hold">
+                      <p:stCondLst>
+                        <p:cond delay="indefinite"/>
+                      </p:stCondLst>
+                      <p:childTnLst>
+                        <p:par>
+                          <p:cTn id="46" fill="hold">
+                            <p:stCondLst>
+                              <p:cond delay="0"/>
+                            </p:stCondLst>
+                            <p:childTnLst>
+                              <p:par>
+                                <p:cTn id="47" nodeType="clickEffect" fill="hold" presetClass="entr" presetID="14" presetSubtype="10">
+                                  <p:stCondLst>
+                                    <p:cond delay="0"/>
+                                  </p:stCondLst>
+                                  <p:childTnLst>
+                                    <p:set>
+                                      <p:cBhvr>
+                                        <p:cTn id="48" dur="1" fill="hold">
+                                          <p:stCondLst>
+                                            <p:cond delay="0"/>
+                                          </p:stCondLst>
+                                        </p:cTn>
+                                        <p:tgtEl>
+                                          <p:spTgt spid="386"/>
+                                        </p:tgtEl>
+                                        <p:attrNameLst>
+                                          <p:attrName>style.visibility</p:attrName>
+                                        </p:attrNameLst>
+                                      </p:cBhvr>
+                                      <p:to>
+                                        <p:strVal val="visible"/>
+                                      </p:to>
+                                    </p:set>
+                                    <p:animEffect filter="randombar(horizontal)" transition="in">
+                                      <p:cBhvr additive="repl">
+                                        <p:cTn id="49" dur="500"/>
+                                        <p:tgtEl>
+                                          <p:spTgt spid="386"/>
+                                        </p:tgtEl>
+                                      </p:cBhvr>
+                                    </p:animEffect>
+                                  </p:childTnLst>
+                                </p:cTn>
+                              </p:par>
+                              <p:par>
+                                <p:cTn id="50" nodeType="withEffect" fill="hold" presetClass="entr" presetID="14" presetSubtype="10">
+                                  <p:stCondLst>
+                                    <p:cond delay="0"/>
+                                  </p:stCondLst>
+                                  <p:childTnLst>
+                                    <p:set>
+                                      <p:cBhvr>
+                                        <p:cTn id="51" dur="1" fill="hold">
+                                          <p:stCondLst>
+                                            <p:cond delay="0"/>
+                                          </p:stCondLst>
+                                        </p:cTn>
+                                        <p:tgtEl>
+                                          <p:spTgt spid="383"/>
+                                        </p:tgtEl>
+                                        <p:attrNameLst>
+                                          <p:attrName>style.visibility</p:attrName>
+                                        </p:attrNameLst>
+                                      </p:cBhvr>
+                                      <p:to>
+                                        <p:strVal val="visible"/>
+                                      </p:to>
+                                    </p:set>
+                                    <p:animEffect filter="randombar(horizontal)" transition="in">
+                                      <p:cBhvr additive="repl">
+                                        <p:cTn id="52" dur="500"/>
+                                        <p:tgtEl>
+                                          <p:spTgt spid="383"/>
+                                        </p:tgtEl>
+                                      </p:cBhvr>
+                                    </p:animEffect>
+                                  </p:childTnLst>
+                                </p:cTn>
+                              </p:par>
+                            </p:childTnLst>
+                          </p:cTn>
+                        </p:par>
+                      </p:childTnLst>
+                    </p:cTn>
+                  </p:par>
+                  <p:par>
+                    <p:cTn id="53" fill="hold">
+                      <p:stCondLst>
+                        <p:cond delay="indefinite"/>
+                      </p:stCondLst>
+                      <p:childTnLst>
+                        <p:par>
+                          <p:cTn id="54" fill="hold">
+                            <p:stCondLst>
+                              <p:cond delay="0"/>
+                            </p:stCondLst>
+                            <p:childTnLst>
+                              <p:par>
+                                <p:cTn id="55" nodeType="clickEffect" fill="hold" presetClass="entr" presetID="14" presetSubtype="10">
+                                  <p:stCondLst>
+                                    <p:cond delay="0"/>
+                                  </p:stCondLst>
+                                  <p:childTnLst>
+                                    <p:set>
+                                      <p:cBhvr>
+                                        <p:cTn id="56" dur="1" fill="hold">
+                                          <p:stCondLst>
+                                            <p:cond delay="0"/>
+                                          </p:stCondLst>
+                                        </p:cTn>
+                                        <p:tgtEl>
+                                          <p:spTgt spid="387"/>
+                                        </p:tgtEl>
+                                        <p:attrNameLst>
+                                          <p:attrName>style.visibility</p:attrName>
+                                        </p:attrNameLst>
+                                      </p:cBhvr>
+                                      <p:to>
+                                        <p:strVal val="visible"/>
+                                      </p:to>
+                                    </p:set>
+                                    <p:animEffect filter="randombar(horizontal)" transition="in">
+                                      <p:cBhvr additive="repl">
+                                        <p:cTn id="57" dur="500"/>
+                                        <p:tgtEl>
+                                          <p:spTgt spid="387"/>
+                                        </p:tgtEl>
+                                      </p:cBhvr>
+                                    </p:animEffect>
+                                  </p:childTnLst>
+                                </p:cTn>
+                              </p:par>
+                              <p:par>
+                                <p:cTn id="58" nodeType="withEffect" fill="hold" presetClass="entr" presetID="14" presetSubtype="10">
+                                  <p:stCondLst>
+                                    <p:cond delay="0"/>
+                                  </p:stCondLst>
+                                  <p:childTnLst>
+                                    <p:set>
+                                      <p:cBhvr>
+                                        <p:cTn id="59" dur="1" fill="hold">
+                                          <p:stCondLst>
+                                            <p:cond delay="0"/>
+                                          </p:stCondLst>
+                                        </p:cTn>
+                                        <p:tgtEl>
+                                          <p:spTgt spid="384"/>
+                                        </p:tgtEl>
+                                        <p:attrNameLst>
+                                          <p:attrName>style.visibility</p:attrName>
+                                        </p:attrNameLst>
+                                      </p:cBhvr>
+                                      <p:to>
+                                        <p:strVal val="visible"/>
+                                      </p:to>
+                                    </p:set>
+                                    <p:animEffect filter="randombar(horizontal)" transition="in">
+                                      <p:cBhvr additive="repl">
+                                        <p:cTn id="60" dur="500"/>
+                                        <p:tgtEl>
+                                          <p:spTgt spid="384"/>
+                                        </p:tgtEl>
+                                      </p:cBhvr>
+                                    </p:animEffect>
+                                  </p:childTnLst>
+                                </p:cTn>
+                              </p:par>
+                            </p:childTnLst>
+                          </p:cTn>
+                        </p:par>
+                      </p:childTnLst>
+                    </p:cTn>
+                  </p:par>
+                  <p:par>
+                    <p:cTn id="61" fill="hold">
+                      <p:stCondLst>
+                        <p:cond delay="indefinite"/>
+                      </p:stCondLst>
+                      <p:childTnLst>
+                        <p:par>
+                          <p:cTn id="62" fill="hold">
+                            <p:stCondLst>
+                              <p:cond delay="0"/>
+                            </p:stCondLst>
+                            <p:childTnLst>
+                              <p:par>
+                                <p:cTn id="63" nodeType="clickEffect" fill="hold" presetClass="entr" presetID="14" presetSubtype="10">
+                                  <p:stCondLst>
+                                    <p:cond delay="0"/>
+                                  </p:stCondLst>
+                                  <p:childTnLst>
+                                    <p:set>
+                                      <p:cBhvr>
+                                        <p:cTn id="64" dur="1" fill="hold">
                                           <p:stCondLst>
                                             <p:cond delay="0"/>
                                           </p:stCondLst>
@@ -33706,7 +33937,7 @@
                                     </p:set>
                                     <p:animEffect filter="randombar(horizontal)" transition="in">
                                       <p:cBhvr additive="repl">
-                                        <p:cTn id="75" dur="500"/>
+                                        <p:cTn id="65" dur="500"/>
                                         <p:tgtEl>
                                           <p:spTgt spid="388"/>
                                         </p:tgtEl>
@@ -33715,39 +33946,21 @@
                                   </p:childTnLst>
                                 </p:cTn>
                               </p:par>
-                            </p:childTnLst>
-                          </p:cTn>
-                        </p:par>
-                      </p:childTnLst>
-                    </p:cTn>
-                  </p:par>
-                  <p:par>
-                    <p:cTn id="76" fill="hold">
-                      <p:stCondLst>
-                        <p:cond delay="indefinite"/>
-                      </p:stCondLst>
-                      <p:childTnLst>
-                        <p:par>
-                          <p:cTn id="77" fill="hold">
-                            <p:stCondLst>
-                              <p:cond delay="0"/>
-                            </p:stCondLst>
-                            <p:childTnLst>
                               <p:par>
-                                <p:cTn id="78" nodeType="clickEffect" fill="hold" presetClass="entr" presetID="14" presetSubtype="10">
+                                <p:cTn id="66" nodeType="withEffect" fill="hold" presetClass="entr" presetID="14" presetSubtype="10">
                                   <p:stCondLst>
                                     <p:cond delay="0"/>
                                   </p:stCondLst>
                                   <p:childTnLst>
                                     <p:set>
                                       <p:cBhvr>
-                                        <p:cTn id="79" dur="1" fill="hold">
+                                        <p:cTn id="67" dur="1" fill="hold">
                                           <p:stCondLst>
                                             <p:cond delay="0"/>
                                           </p:stCondLst>
                                         </p:cTn>
                                         <p:tgtEl>
-                                          <p:spTgt spid="392"/>
+                                          <p:spTgt spid="385"/>
                                         </p:tgtEl>
                                         <p:attrNameLst>
                                           <p:attrName>style.visibility</p:attrName>
@@ -33759,220 +33972,9 @@
                                     </p:set>
                                     <p:animEffect filter="randombar(horizontal)" transition="in">
                                       <p:cBhvr additive="repl">
-                                        <p:cTn id="80" dur="500"/>
+                                        <p:cTn id="68" dur="500"/>
                                         <p:tgtEl>
-                                          <p:spTgt spid="392"/>
-                                        </p:tgtEl>
-                                      </p:cBhvr>
-                                    </p:animEffect>
-                                  </p:childTnLst>
-                                </p:cTn>
-                              </p:par>
-                              <p:par>
-                                <p:cTn id="81" nodeType="withEffect" fill="hold" presetClass="entr" presetID="14" presetSubtype="10">
-                                  <p:stCondLst>
-                                    <p:cond delay="0"/>
-                                  </p:stCondLst>
-                                  <p:childTnLst>
-                                    <p:set>
-                                      <p:cBhvr>
-                                        <p:cTn id="82" dur="1" fill="hold">
-                                          <p:stCondLst>
-                                            <p:cond delay="0"/>
-                                          </p:stCondLst>
-                                        </p:cTn>
-                                        <p:tgtEl>
-                                          <p:spTgt spid="389"/>
-                                        </p:tgtEl>
-                                        <p:attrNameLst>
-                                          <p:attrName>style.visibility</p:attrName>
-                                        </p:attrNameLst>
-                                      </p:cBhvr>
-                                      <p:to>
-                                        <p:strVal val="visible"/>
-                                      </p:to>
-                                    </p:set>
-                                    <p:animEffect filter="randombar(horizontal)" transition="in">
-                                      <p:cBhvr additive="repl">
-                                        <p:cTn id="83" dur="500"/>
-                                        <p:tgtEl>
-                                          <p:spTgt spid="389"/>
-                                        </p:tgtEl>
-                                      </p:cBhvr>
-                                    </p:animEffect>
-                                  </p:childTnLst>
-                                </p:cTn>
-                              </p:par>
-                            </p:childTnLst>
-                          </p:cTn>
-                        </p:par>
-                      </p:childTnLst>
-                    </p:cTn>
-                  </p:par>
-                  <p:par>
-                    <p:cTn id="84" fill="hold">
-                      <p:stCondLst>
-                        <p:cond delay="indefinite"/>
-                      </p:stCondLst>
-                      <p:childTnLst>
-                        <p:par>
-                          <p:cTn id="85" fill="hold">
-                            <p:stCondLst>
-                              <p:cond delay="0"/>
-                            </p:stCondLst>
-                            <p:childTnLst>
-                              <p:par>
-                                <p:cTn id="86" nodeType="clickEffect" fill="hold" presetClass="entr" presetID="14" presetSubtype="10">
-                                  <p:stCondLst>
-                                    <p:cond delay="0"/>
-                                  </p:stCondLst>
-                                  <p:childTnLst>
-                                    <p:set>
-                                      <p:cBhvr>
-                                        <p:cTn id="87" dur="1" fill="hold">
-                                          <p:stCondLst>
-                                            <p:cond delay="0"/>
-                                          </p:stCondLst>
-                                        </p:cTn>
-                                        <p:tgtEl>
-                                          <p:spTgt spid="393"/>
-                                        </p:tgtEl>
-                                        <p:attrNameLst>
-                                          <p:attrName>style.visibility</p:attrName>
-                                        </p:attrNameLst>
-                                      </p:cBhvr>
-                                      <p:to>
-                                        <p:strVal val="visible"/>
-                                      </p:to>
-                                    </p:set>
-                                    <p:animEffect filter="randombar(horizontal)" transition="in">
-                                      <p:cBhvr additive="repl">
-                                        <p:cTn id="88" dur="500"/>
-                                        <p:tgtEl>
-                                          <p:spTgt spid="393"/>
-                                        </p:tgtEl>
-                                      </p:cBhvr>
-                                    </p:animEffect>
-                                  </p:childTnLst>
-                                </p:cTn>
-                              </p:par>
-                              <p:par>
-                                <p:cTn id="89" nodeType="withEffect" fill="hold" presetClass="entr" presetID="14" presetSubtype="10">
-                                  <p:stCondLst>
-                                    <p:cond delay="0"/>
-                                  </p:stCondLst>
-                                  <p:childTnLst>
-                                    <p:set>
-                                      <p:cBhvr>
-                                        <p:cTn id="90" dur="1" fill="hold">
-                                          <p:stCondLst>
-                                            <p:cond delay="0"/>
-                                          </p:stCondLst>
-                                        </p:cTn>
-                                        <p:tgtEl>
-                                          <p:spTgt spid="390"/>
-                                        </p:tgtEl>
-                                        <p:attrNameLst>
-                                          <p:attrName>style.visibility</p:attrName>
-                                        </p:attrNameLst>
-                                      </p:cBhvr>
-                                      <p:to>
-                                        <p:strVal val="visible"/>
-                                      </p:to>
-                                    </p:set>
-                                    <p:animEffect filter="randombar(horizontal)" transition="in">
-                                      <p:cBhvr additive="repl">
-                                        <p:cTn id="91" dur="500"/>
-                                        <p:tgtEl>
-                                          <p:spTgt spid="390"/>
-                                        </p:tgtEl>
-                                      </p:cBhvr>
-                                    </p:animEffect>
-                                  </p:childTnLst>
-                                </p:cTn>
-                              </p:par>
-                            </p:childTnLst>
-                          </p:cTn>
-                        </p:par>
-                      </p:childTnLst>
-                    </p:cTn>
-                  </p:par>
-                  <p:par>
-                    <p:cTn id="92" fill="hold">
-                      <p:stCondLst>
-                        <p:cond delay="indefinite"/>
-                      </p:stCondLst>
-                      <p:childTnLst>
-                        <p:par>
-                          <p:cTn id="93" fill="hold">
-                            <p:stCondLst>
-                              <p:cond delay="0"/>
-                            </p:stCondLst>
-                            <p:childTnLst>
-                              <p:par>
-                                <p:cTn id="94" nodeType="clickEffect" fill="hold" presetClass="entr" presetID="14" presetSubtype="10">
-                                  <p:stCondLst>
-                                    <p:cond delay="0"/>
-                                  </p:stCondLst>
-                                  <p:childTnLst>
-                                    <p:set>
-                                      <p:cBhvr>
-                                        <p:cTn id="95" dur="1" fill="hold">
-                                          <p:stCondLst>
-                                            <p:cond delay="0"/>
-                                          </p:stCondLst>
-                                        </p:cTn>
-                                        <p:tgtEl>
-                                          <p:spTgt spid="394"/>
-                                        </p:tgtEl>
-                                        <p:attrNameLst>
-                                          <p:attrName>style.visibility</p:attrName>
-                                        </p:attrNameLst>
-                                      </p:cBhvr>
-                                      <p:to>
-                                        <p:strVal val="visible"/>
-                                      </p:to>
-                                    </p:set>
-                                    <p:animEffect filter="randombar(horizontal)" transition="in">
-                                      <p:cBhvr additive="repl">
-                                        <p:cTn id="96" dur="500"/>
-                                        <p:tgtEl>
-                                          <p:spTgt spid="394"/>
-                                        </p:tgtEl>
-                                      </p:cBhvr>
-                                    </p:animEffect>
-                                  </p:childTnLst>
-                                </p:cTn>
-                              </p:par>
-                              <p:par>
-                                <p:cTn id="97" nodeType="withEffect" fill="hold" presetClass="entr" presetID="14" presetSubtype="10">
-                                  <p:stCondLst>
-                                    <p:cond delay="0"/>
-                                  </p:stCondLst>
-                                  <p:childTnLst>
-                                    <p:set>
-                                      <p:cBhvr>
-                                        <p:cTn id="98" dur="1" fill="hold">
-                                          <p:stCondLst>
-                                            <p:cond delay="0"/>
-                                          </p:stCondLst>
-                                        </p:cTn>
-                                        <p:tgtEl>
-                                          <p:spTgt spid="391"/>
-                                        </p:tgtEl>
-                                        <p:attrNameLst>
-                                          <p:attrName>style.visibility</p:attrName>
-                                        </p:attrNameLst>
-                                      </p:cBhvr>
-                                      <p:to>
-                                        <p:strVal val="visible"/>
-                                      </p:to>
-                                    </p:set>
-                                    <p:animEffect filter="randombar(horizontal)" transition="in">
-                                      <p:cBhvr additive="repl">
-                                        <p:cTn id="99" dur="500"/>
-                                        <p:tgtEl>
-                                          <p:spTgt spid="391"/>
+                                          <p:spTgt spid="385"/>
                                         </p:tgtEl>
                                       </p:cBhvr>
                                     </p:animEffect>
@@ -34029,7 +34031,7 @@
       </p:grpSpPr>
       <p:sp>
         <p:nvSpPr>
-          <p:cNvPr id="395" name="PlaceHolder 1"/>
+          <p:cNvPr id="389" name="PlaceHolder 1"/>
           <p:cNvSpPr>
             <a:spLocks noGrp="1"/>
           </p:cNvSpPr>
@@ -34071,7 +34073,7 @@
                 </a:solidFill>
                 <a:latin typeface="Noto Sans"/>
               </a:rPr>
-              <a:t>Proposed Algorithm</a:t>
+              <a:t>Flowchart</a:t>
             </a:r>
             <a:endParaRPr b="0" lang="en-IN" sz="2700" spc="-1" strike="noStrike">
               <a:solidFill>
@@ -34084,7 +34086,7 @@
       </p:sp>
       <p:sp>
         <p:nvSpPr>
-          <p:cNvPr id="396" name="PlaceHolder 2"/>
+          <p:cNvPr id="390" name="PlaceHolder 2"/>
           <p:cNvSpPr>
             <a:spLocks noGrp="1"/>
           </p:cNvSpPr>
@@ -34145,7 +34147,7 @@
       </p:sp>
       <p:sp>
         <p:nvSpPr>
-          <p:cNvPr id="397" name=""/>
+          <p:cNvPr id="391" name=""/>
           <p:cNvSpPr/>
           <p:nvPr/>
         </p:nvSpPr>
@@ -34205,7 +34207,7 @@
       </p:sp>
       <p:sp>
         <p:nvSpPr>
-          <p:cNvPr id="398" name=""/>
+          <p:cNvPr id="392" name=""/>
           <p:cNvSpPr/>
           <p:nvPr/>
         </p:nvSpPr>
@@ -34265,7 +34267,7 @@
       </p:sp>
       <p:sp>
         <p:nvSpPr>
-          <p:cNvPr id="399" name=""/>
+          <p:cNvPr id="393" name=""/>
           <p:cNvSpPr/>
           <p:nvPr/>
         </p:nvSpPr>
@@ -34325,7 +34327,7 @@
       </p:sp>
       <p:sp>
         <p:nvSpPr>
-          <p:cNvPr id="400" name=""/>
+          <p:cNvPr id="394" name=""/>
           <p:cNvSpPr/>
           <p:nvPr/>
         </p:nvSpPr>
@@ -34373,7 +34375,7 @@
       </p:sp>
       <p:sp>
         <p:nvSpPr>
-          <p:cNvPr id="401" name=""/>
+          <p:cNvPr id="395" name=""/>
           <p:cNvSpPr/>
           <p:nvPr/>
         </p:nvSpPr>
@@ -34421,7 +34423,7 @@
       </p:sp>
       <p:sp>
         <p:nvSpPr>
-          <p:cNvPr id="402" name=""/>
+          <p:cNvPr id="396" name=""/>
           <p:cNvSpPr/>
           <p:nvPr/>
         </p:nvSpPr>
@@ -34480,32 +34482,261 @@
   <p:timing>
     <p:tnLst>
       <p:par>
-        <p:cTn id="100" dur="indefinite" restart="never" nodeType="tmRoot">
+        <p:cTn id="69" dur="indefinite" restart="never" nodeType="tmRoot">
           <p:childTnLst>
             <p:seq>
-              <p:cTn id="101" dur="indefinite" nodeType="mainSeq">
+              <p:cTn id="70" dur="indefinite" nodeType="mainSeq">
                 <p:childTnLst>
                   <p:par>
-                    <p:cTn id="102" fill="hold">
+                    <p:cTn id="71" fill="hold">
                       <p:stCondLst>
                         <p:cond delay="indefinite"/>
                       </p:stCondLst>
                       <p:childTnLst>
                         <p:par>
-                          <p:cTn id="103" fill="hold">
+                          <p:cTn id="72" fill="hold">
                             <p:stCondLst>
                               <p:cond delay="0"/>
                             </p:stCondLst>
                             <p:childTnLst>
                               <p:par>
-                                <p:cTn id="104" nodeType="clickEffect" fill="hold" presetClass="entr" presetID="14" presetSubtype="10">
+                                <p:cTn id="73" nodeType="clickEffect" fill="hold" presetClass="entr" presetID="14" presetSubtype="10">
                                   <p:stCondLst>
                                     <p:cond delay="0"/>
                                   </p:stCondLst>
                                   <p:childTnLst>
                                     <p:set>
                                       <p:cBhvr>
-                                        <p:cTn id="105" dur="1" fill="hold">
+                                        <p:cTn id="74" dur="1" fill="hold">
+                                          <p:stCondLst>
+                                            <p:cond delay="0"/>
+                                          </p:stCondLst>
+                                        </p:cTn>
+                                        <p:tgtEl>
+                                          <p:spTgt spid="390"/>
+                                        </p:tgtEl>
+                                        <p:attrNameLst>
+                                          <p:attrName>style.visibility</p:attrName>
+                                        </p:attrNameLst>
+                                      </p:cBhvr>
+                                      <p:to>
+                                        <p:strVal val="visible"/>
+                                      </p:to>
+                                    </p:set>
+                                    <p:animEffect filter="randombar(horizontal)" transition="in">
+                                      <p:cBhvr additive="repl">
+                                        <p:cTn id="75" dur="500"/>
+                                        <p:tgtEl>
+                                          <p:spTgt spid="390"/>
+                                        </p:tgtEl>
+                                      </p:cBhvr>
+                                    </p:animEffect>
+                                  </p:childTnLst>
+                                </p:cTn>
+                              </p:par>
+                            </p:childTnLst>
+                          </p:cTn>
+                        </p:par>
+                      </p:childTnLst>
+                    </p:cTn>
+                  </p:par>
+                  <p:par>
+                    <p:cTn id="76" fill="hold">
+                      <p:stCondLst>
+                        <p:cond delay="indefinite"/>
+                      </p:stCondLst>
+                      <p:childTnLst>
+                        <p:par>
+                          <p:cTn id="77" fill="hold">
+                            <p:stCondLst>
+                              <p:cond delay="0"/>
+                            </p:stCondLst>
+                            <p:childTnLst>
+                              <p:par>
+                                <p:cTn id="78" nodeType="clickEffect" fill="hold" presetClass="entr" presetID="14" presetSubtype="10">
+                                  <p:stCondLst>
+                                    <p:cond delay="0"/>
+                                  </p:stCondLst>
+                                  <p:childTnLst>
+                                    <p:set>
+                                      <p:cBhvr>
+                                        <p:cTn id="79" dur="1" fill="hold">
+                                          <p:stCondLst>
+                                            <p:cond delay="0"/>
+                                          </p:stCondLst>
+                                        </p:cTn>
+                                        <p:tgtEl>
+                                          <p:spTgt spid="394"/>
+                                        </p:tgtEl>
+                                        <p:attrNameLst>
+                                          <p:attrName>style.visibility</p:attrName>
+                                        </p:attrNameLst>
+                                      </p:cBhvr>
+                                      <p:to>
+                                        <p:strVal val="visible"/>
+                                      </p:to>
+                                    </p:set>
+                                    <p:animEffect filter="randombar(horizontal)" transition="in">
+                                      <p:cBhvr additive="repl">
+                                        <p:cTn id="80" dur="500"/>
+                                        <p:tgtEl>
+                                          <p:spTgt spid="394"/>
+                                        </p:tgtEl>
+                                      </p:cBhvr>
+                                    </p:animEffect>
+                                  </p:childTnLst>
+                                </p:cTn>
+                              </p:par>
+                              <p:par>
+                                <p:cTn id="81" nodeType="withEffect" fill="hold" presetClass="entr" presetID="14" presetSubtype="10">
+                                  <p:stCondLst>
+                                    <p:cond delay="0"/>
+                                  </p:stCondLst>
+                                  <p:childTnLst>
+                                    <p:set>
+                                      <p:cBhvr>
+                                        <p:cTn id="82" dur="1" fill="hold">
+                                          <p:stCondLst>
+                                            <p:cond delay="0"/>
+                                          </p:stCondLst>
+                                        </p:cTn>
+                                        <p:tgtEl>
+                                          <p:spTgt spid="391"/>
+                                        </p:tgtEl>
+                                        <p:attrNameLst>
+                                          <p:attrName>style.visibility</p:attrName>
+                                        </p:attrNameLst>
+                                      </p:cBhvr>
+                                      <p:to>
+                                        <p:strVal val="visible"/>
+                                      </p:to>
+                                    </p:set>
+                                    <p:animEffect filter="randombar(horizontal)" transition="in">
+                                      <p:cBhvr additive="repl">
+                                        <p:cTn id="83" dur="500"/>
+                                        <p:tgtEl>
+                                          <p:spTgt spid="391"/>
+                                        </p:tgtEl>
+                                      </p:cBhvr>
+                                    </p:animEffect>
+                                  </p:childTnLst>
+                                </p:cTn>
+                              </p:par>
+                            </p:childTnLst>
+                          </p:cTn>
+                        </p:par>
+                      </p:childTnLst>
+                    </p:cTn>
+                  </p:par>
+                  <p:par>
+                    <p:cTn id="84" fill="hold">
+                      <p:stCondLst>
+                        <p:cond delay="indefinite"/>
+                      </p:stCondLst>
+                      <p:childTnLst>
+                        <p:par>
+                          <p:cTn id="85" fill="hold">
+                            <p:stCondLst>
+                              <p:cond delay="0"/>
+                            </p:stCondLst>
+                            <p:childTnLst>
+                              <p:par>
+                                <p:cTn id="86" nodeType="clickEffect" fill="hold" presetClass="entr" presetID="14" presetSubtype="10">
+                                  <p:stCondLst>
+                                    <p:cond delay="0"/>
+                                  </p:stCondLst>
+                                  <p:childTnLst>
+                                    <p:set>
+                                      <p:cBhvr>
+                                        <p:cTn id="87" dur="1" fill="hold">
+                                          <p:stCondLst>
+                                            <p:cond delay="0"/>
+                                          </p:stCondLst>
+                                        </p:cTn>
+                                        <p:tgtEl>
+                                          <p:spTgt spid="395"/>
+                                        </p:tgtEl>
+                                        <p:attrNameLst>
+                                          <p:attrName>style.visibility</p:attrName>
+                                        </p:attrNameLst>
+                                      </p:cBhvr>
+                                      <p:to>
+                                        <p:strVal val="visible"/>
+                                      </p:to>
+                                    </p:set>
+                                    <p:animEffect filter="randombar(horizontal)" transition="in">
+                                      <p:cBhvr additive="repl">
+                                        <p:cTn id="88" dur="500"/>
+                                        <p:tgtEl>
+                                          <p:spTgt spid="395"/>
+                                        </p:tgtEl>
+                                      </p:cBhvr>
+                                    </p:animEffect>
+                                  </p:childTnLst>
+                                </p:cTn>
+                              </p:par>
+                              <p:par>
+                                <p:cTn id="89" nodeType="withEffect" fill="hold" presetClass="entr" presetID="14" presetSubtype="10">
+                                  <p:stCondLst>
+                                    <p:cond delay="0"/>
+                                  </p:stCondLst>
+                                  <p:childTnLst>
+                                    <p:set>
+                                      <p:cBhvr>
+                                        <p:cTn id="90" dur="1" fill="hold">
+                                          <p:stCondLst>
+                                            <p:cond delay="0"/>
+                                          </p:stCondLst>
+                                        </p:cTn>
+                                        <p:tgtEl>
+                                          <p:spTgt spid="392"/>
+                                        </p:tgtEl>
+                                        <p:attrNameLst>
+                                          <p:attrName>style.visibility</p:attrName>
+                                        </p:attrNameLst>
+                                      </p:cBhvr>
+                                      <p:to>
+                                        <p:strVal val="visible"/>
+                                      </p:to>
+                                    </p:set>
+                                    <p:animEffect filter="randombar(horizontal)" transition="in">
+                                      <p:cBhvr additive="repl">
+                                        <p:cTn id="91" dur="500"/>
+                                        <p:tgtEl>
+                                          <p:spTgt spid="392"/>
+                                        </p:tgtEl>
+                                      </p:cBhvr>
+                                    </p:animEffect>
+                                  </p:childTnLst>
+                                </p:cTn>
+                              </p:par>
+                            </p:childTnLst>
+                          </p:cTn>
+                        </p:par>
+                      </p:childTnLst>
+                    </p:cTn>
+                  </p:par>
+                  <p:par>
+                    <p:cTn id="92" fill="hold">
+                      <p:stCondLst>
+                        <p:cond delay="indefinite"/>
+                      </p:stCondLst>
+                      <p:childTnLst>
+                        <p:par>
+                          <p:cTn id="93" fill="hold">
+                            <p:stCondLst>
+                              <p:cond delay="0"/>
+                            </p:stCondLst>
+                            <p:childTnLst>
+                              <p:par>
+                                <p:cTn id="94" nodeType="clickEffect" fill="hold" presetClass="entr" presetID="14" presetSubtype="10">
+                                  <p:stCondLst>
+                                    <p:cond delay="0"/>
+                                  </p:stCondLst>
+                                  <p:childTnLst>
+                                    <p:set>
+                                      <p:cBhvr>
+                                        <p:cTn id="95" dur="1" fill="hold">
                                           <p:stCondLst>
                                             <p:cond delay="0"/>
                                           </p:stCondLst>
@@ -34523,7 +34754,7 @@
                                     </p:set>
                                     <p:animEffect filter="randombar(horizontal)" transition="in">
                                       <p:cBhvr additive="repl">
-                                        <p:cTn id="106" dur="500"/>
+                                        <p:cTn id="96" dur="500"/>
                                         <p:tgtEl>
                                           <p:spTgt spid="396"/>
                                         </p:tgtEl>
@@ -34532,39 +34763,21 @@
                                   </p:childTnLst>
                                 </p:cTn>
                               </p:par>
-                            </p:childTnLst>
-                          </p:cTn>
-                        </p:par>
-                      </p:childTnLst>
-                    </p:cTn>
-                  </p:par>
-                  <p:par>
-                    <p:cTn id="107" fill="hold">
-                      <p:stCondLst>
-                        <p:cond delay="indefinite"/>
-                      </p:stCondLst>
-                      <p:childTnLst>
-                        <p:par>
-                          <p:cTn id="108" fill="hold">
-                            <p:stCondLst>
-                              <p:cond delay="0"/>
-                            </p:stCondLst>
-                            <p:childTnLst>
                               <p:par>
-                                <p:cTn id="109" nodeType="clickEffect" fill="hold" presetClass="entr" presetID="14" presetSubtype="10">
+                                <p:cTn id="97" nodeType="withEffect" fill="hold" presetClass="entr" presetID="14" presetSubtype="10">
                                   <p:stCondLst>
                                     <p:cond delay="0"/>
                                   </p:stCondLst>
                                   <p:childTnLst>
                                     <p:set>
                                       <p:cBhvr>
-                                        <p:cTn id="110" dur="1" fill="hold">
+                                        <p:cTn id="98" dur="1" fill="hold">
                                           <p:stCondLst>
                                             <p:cond delay="0"/>
                                           </p:stCondLst>
                                         </p:cTn>
                                         <p:tgtEl>
-                                          <p:spTgt spid="400"/>
+                                          <p:spTgt spid="393"/>
                                         </p:tgtEl>
                                         <p:attrNameLst>
                                           <p:attrName>style.visibility</p:attrName>
@@ -34576,220 +34789,9 @@
                                     </p:set>
                                     <p:animEffect filter="randombar(horizontal)" transition="in">
                                       <p:cBhvr additive="repl">
-                                        <p:cTn id="111" dur="500"/>
+                                        <p:cTn id="99" dur="500"/>
                                         <p:tgtEl>
-                                          <p:spTgt spid="400"/>
-                                        </p:tgtEl>
-                                      </p:cBhvr>
-                                    </p:animEffect>
-                                  </p:childTnLst>
-                                </p:cTn>
-                              </p:par>
-                              <p:par>
-                                <p:cTn id="112" nodeType="withEffect" fill="hold" presetClass="entr" presetID="14" presetSubtype="10">
-                                  <p:stCondLst>
-                                    <p:cond delay="0"/>
-                                  </p:stCondLst>
-                                  <p:childTnLst>
-                                    <p:set>
-                                      <p:cBhvr>
-                                        <p:cTn id="113" dur="1" fill="hold">
-                                          <p:stCondLst>
-                                            <p:cond delay="0"/>
-                                          </p:stCondLst>
-                                        </p:cTn>
-                                        <p:tgtEl>
-                                          <p:spTgt spid="397"/>
-                                        </p:tgtEl>
-                                        <p:attrNameLst>
-                                          <p:attrName>style.visibility</p:attrName>
-                                        </p:attrNameLst>
-                                      </p:cBhvr>
-                                      <p:to>
-                                        <p:strVal val="visible"/>
-                                      </p:to>
-                                    </p:set>
-                                    <p:animEffect filter="randombar(horizontal)" transition="in">
-                                      <p:cBhvr additive="repl">
-                                        <p:cTn id="114" dur="500"/>
-                                        <p:tgtEl>
-                                          <p:spTgt spid="397"/>
-                                        </p:tgtEl>
-                                      </p:cBhvr>
-                                    </p:animEffect>
-                                  </p:childTnLst>
-                                </p:cTn>
-                              </p:par>
-                            </p:childTnLst>
-                          </p:cTn>
-                        </p:par>
-                      </p:childTnLst>
-                    </p:cTn>
-                  </p:par>
-                  <p:par>
-                    <p:cTn id="115" fill="hold">
-                      <p:stCondLst>
-                        <p:cond delay="indefinite"/>
-                      </p:stCondLst>
-                      <p:childTnLst>
-                        <p:par>
-                          <p:cTn id="116" fill="hold">
-                            <p:stCondLst>
-                              <p:cond delay="0"/>
-                            </p:stCondLst>
-                            <p:childTnLst>
-                              <p:par>
-                                <p:cTn id="117" nodeType="clickEffect" fill="hold" presetClass="entr" presetID="14" presetSubtype="10">
-                                  <p:stCondLst>
-                                    <p:cond delay="0"/>
-                                  </p:stCondLst>
-                                  <p:childTnLst>
-                                    <p:set>
-                                      <p:cBhvr>
-                                        <p:cTn id="118" dur="1" fill="hold">
-                                          <p:stCondLst>
-                                            <p:cond delay="0"/>
-                                          </p:stCondLst>
-                                        </p:cTn>
-                                        <p:tgtEl>
-                                          <p:spTgt spid="401"/>
-                                        </p:tgtEl>
-                                        <p:attrNameLst>
-                                          <p:attrName>style.visibility</p:attrName>
-                                        </p:attrNameLst>
-                                      </p:cBhvr>
-                                      <p:to>
-                                        <p:strVal val="visible"/>
-                                      </p:to>
-                                    </p:set>
-                                    <p:animEffect filter="randombar(horizontal)" transition="in">
-                                      <p:cBhvr additive="repl">
-                                        <p:cTn id="119" dur="500"/>
-                                        <p:tgtEl>
-                                          <p:spTgt spid="401"/>
-                                        </p:tgtEl>
-                                      </p:cBhvr>
-                                    </p:animEffect>
-                                  </p:childTnLst>
-                                </p:cTn>
-                              </p:par>
-                              <p:par>
-                                <p:cTn id="120" nodeType="withEffect" fill="hold" presetClass="entr" presetID="14" presetSubtype="10">
-                                  <p:stCondLst>
-                                    <p:cond delay="0"/>
-                                  </p:stCondLst>
-                                  <p:childTnLst>
-                                    <p:set>
-                                      <p:cBhvr>
-                                        <p:cTn id="121" dur="1" fill="hold">
-                                          <p:stCondLst>
-                                            <p:cond delay="0"/>
-                                          </p:stCondLst>
-                                        </p:cTn>
-                                        <p:tgtEl>
-                                          <p:spTgt spid="398"/>
-                                        </p:tgtEl>
-                                        <p:attrNameLst>
-                                          <p:attrName>style.visibility</p:attrName>
-                                        </p:attrNameLst>
-                                      </p:cBhvr>
-                                      <p:to>
-                                        <p:strVal val="visible"/>
-                                      </p:to>
-                                    </p:set>
-                                    <p:animEffect filter="randombar(horizontal)" transition="in">
-                                      <p:cBhvr additive="repl">
-                                        <p:cTn id="122" dur="500"/>
-                                        <p:tgtEl>
-                                          <p:spTgt spid="398"/>
-                                        </p:tgtEl>
-                                      </p:cBhvr>
-                                    </p:animEffect>
-                                  </p:childTnLst>
-                                </p:cTn>
-                              </p:par>
-                            </p:childTnLst>
-                          </p:cTn>
-                        </p:par>
-                      </p:childTnLst>
-                    </p:cTn>
-                  </p:par>
-                  <p:par>
-                    <p:cTn id="123" fill="hold">
-                      <p:stCondLst>
-                        <p:cond delay="indefinite"/>
-                      </p:stCondLst>
-                      <p:childTnLst>
-                        <p:par>
-                          <p:cTn id="124" fill="hold">
-                            <p:stCondLst>
-                              <p:cond delay="0"/>
-                            </p:stCondLst>
-                            <p:childTnLst>
-                              <p:par>
-                                <p:cTn id="125" nodeType="clickEffect" fill="hold" presetClass="entr" presetID="14" presetSubtype="10">
-                                  <p:stCondLst>
-                                    <p:cond delay="0"/>
-                                  </p:stCondLst>
-                                  <p:childTnLst>
-                                    <p:set>
-                                      <p:cBhvr>
-                                        <p:cTn id="126" dur="1" fill="hold">
-                                          <p:stCondLst>
-                                            <p:cond delay="0"/>
-                                          </p:stCondLst>
-                                        </p:cTn>
-                                        <p:tgtEl>
-                                          <p:spTgt spid="402"/>
-                                        </p:tgtEl>
-                                        <p:attrNameLst>
-                                          <p:attrName>style.visibility</p:attrName>
-                                        </p:attrNameLst>
-                                      </p:cBhvr>
-                                      <p:to>
-                                        <p:strVal val="visible"/>
-                                      </p:to>
-                                    </p:set>
-                                    <p:animEffect filter="randombar(horizontal)" transition="in">
-                                      <p:cBhvr additive="repl">
-                                        <p:cTn id="127" dur="500"/>
-                                        <p:tgtEl>
-                                          <p:spTgt spid="402"/>
-                                        </p:tgtEl>
-                                      </p:cBhvr>
-                                    </p:animEffect>
-                                  </p:childTnLst>
-                                </p:cTn>
-                              </p:par>
-                              <p:par>
-                                <p:cTn id="128" nodeType="withEffect" fill="hold" presetClass="entr" presetID="14" presetSubtype="10">
-                                  <p:stCondLst>
-                                    <p:cond delay="0"/>
-                                  </p:stCondLst>
-                                  <p:childTnLst>
-                                    <p:set>
-                                      <p:cBhvr>
-                                        <p:cTn id="129" dur="1" fill="hold">
-                                          <p:stCondLst>
-                                            <p:cond delay="0"/>
-                                          </p:stCondLst>
-                                        </p:cTn>
-                                        <p:tgtEl>
-                                          <p:spTgt spid="399"/>
-                                        </p:tgtEl>
-                                        <p:attrNameLst>
-                                          <p:attrName>style.visibility</p:attrName>
-                                        </p:attrNameLst>
-                                      </p:cBhvr>
-                                      <p:to>
-                                        <p:strVal val="visible"/>
-                                      </p:to>
-                                    </p:set>
-                                    <p:animEffect filter="randombar(horizontal)" transition="in">
-                                      <p:cBhvr additive="repl">
-                                        <p:cTn id="130" dur="500"/>
-                                        <p:tgtEl>
-                                          <p:spTgt spid="399"/>
+                                          <p:spTgt spid="393"/>
                                         </p:tgtEl>
                                       </p:cBhvr>
                                     </p:animEffect>
@@ -34846,7 +34848,7 @@
       </p:grpSpPr>
       <p:sp>
         <p:nvSpPr>
-          <p:cNvPr id="403" name="PlaceHolder 1"/>
+          <p:cNvPr id="397" name="PlaceHolder 1"/>
           <p:cNvSpPr>
             <a:spLocks noGrp="1"/>
           </p:cNvSpPr>
@@ -34888,13 +34890,398 @@
                 </a:solidFill>
                 <a:latin typeface="Noto Sans"/>
               </a:rPr>
-              <a:t>Comparison Table</a:t>
+              <a:t>Proposed Algorithm</a:t>
             </a:r>
             <a:endParaRPr b="0" lang="en-IN" sz="2700" spc="-1" strike="noStrike">
               <a:solidFill>
                 <a:srgbClr val="000000"/>
               </a:solidFill>
               <a:latin typeface="Arial"/>
+            </a:endParaRPr>
+          </a:p>
+        </p:txBody>
+      </p:sp>
+      <p:sp>
+        <p:nvSpPr>
+          <p:cNvPr id="398" name="PlaceHolder 2"/>
+          <p:cNvSpPr>
+            <a:spLocks noGrp="1"/>
+          </p:cNvSpPr>
+          <p:nvPr>
+            <p:ph/>
+          </p:nvPr>
+        </p:nvSpPr>
+        <p:spPr>
+          <a:xfrm>
+            <a:off x="2520000" y="1485000"/>
+            <a:ext cx="5039280" cy="494280"/>
+          </a:xfrm>
+          <a:prstGeom prst="rect">
+            <a:avLst/>
+          </a:prstGeom>
+          <a:noFill/>
+          <a:ln w="76320">
+            <a:solidFill>
+              <a:srgbClr val="3465a4"/>
+            </a:solidFill>
+            <a:round/>
+          </a:ln>
+        </p:spPr>
+        <p:txBody>
+          <a:bodyPr lIns="37800" rIns="37800" tIns="37800" bIns="37800" anchor="t">
+            <a:normAutofit/>
+          </a:bodyPr>
+          <a:p>
+            <a:pPr indent="0" algn="ctr">
+              <a:lnSpc>
+                <a:spcPct val="100000"/>
+              </a:lnSpc>
+              <a:spcAft>
+                <a:spcPts val="1057"/>
+              </a:spcAft>
+              <a:buNone/>
+              <a:tabLst>
+                <a:tab algn="l" pos="0"/>
+              </a:tabLst>
+            </a:pPr>
+            <a:r>
+              <a:rPr b="1" lang="en-IN" sz="2400" spc="-1" strike="noStrike">
+                <a:solidFill>
+                  <a:srgbClr val="2c3e50"/>
+                </a:solidFill>
+                <a:latin typeface="Noto Sans"/>
+              </a:rPr>
+              <a:t>Calculating Filter Coefficients</a:t>
+            </a:r>
+            <a:endParaRPr b="0" lang="en-IN" sz="2400" spc="-1" strike="noStrike">
+              <a:solidFill>
+                <a:srgbClr val="000000"/>
+              </a:solidFill>
+              <a:latin typeface="Arial"/>
+            </a:endParaRPr>
+          </a:p>
+        </p:txBody>
+      </p:sp>
+      <p:sp>
+        <p:nvSpPr>
+          <p:cNvPr id="399" name=""/>
+          <p:cNvSpPr/>
+          <p:nvPr/>
+        </p:nvSpPr>
+        <p:spPr>
+          <a:xfrm>
+            <a:off x="2520000" y="2565360"/>
+            <a:ext cx="5039280" cy="494280"/>
+          </a:xfrm>
+          <a:prstGeom prst="rect">
+            <a:avLst/>
+          </a:prstGeom>
+          <a:noFill/>
+          <a:ln w="76320">
+            <a:solidFill>
+              <a:srgbClr val="3465a4"/>
+            </a:solidFill>
+            <a:round/>
+          </a:ln>
+        </p:spPr>
+        <p:style>
+          <a:lnRef idx="0"/>
+          <a:fillRef idx="0"/>
+          <a:effectRef idx="0"/>
+          <a:fontRef idx="minor"/>
+        </p:style>
+        <p:txBody>
+          <a:bodyPr lIns="37800" rIns="37800" tIns="37800" bIns="37800" anchor="t">
+            <a:normAutofit/>
+          </a:bodyPr>
+          <a:p>
+            <a:pPr algn="ctr">
+              <a:lnSpc>
+                <a:spcPct val="100000"/>
+              </a:lnSpc>
+              <a:spcAft>
+                <a:spcPts val="1057"/>
+              </a:spcAft>
+            </a:pPr>
+            <a:r>
+              <a:rPr b="1" lang="en-IN" sz="2400" spc="-1" strike="noStrike">
+                <a:solidFill>
+                  <a:srgbClr val="2c3e50"/>
+                </a:solidFill>
+                <a:latin typeface="Noto Sans"/>
+                <a:ea typeface="DejaVu Sans"/>
+              </a:rPr>
+              <a:t>Modelling RNN Digital Filter</a:t>
+            </a:r>
+            <a:endParaRPr b="0" lang="en-IN" sz="2400" spc="-1" strike="noStrike">
+              <a:solidFill>
+                <a:srgbClr val="000000"/>
+              </a:solidFill>
+              <a:latin typeface="Arial"/>
+            </a:endParaRPr>
+          </a:p>
+        </p:txBody>
+      </p:sp>
+      <p:sp>
+        <p:nvSpPr>
+          <p:cNvPr id="400" name=""/>
+          <p:cNvSpPr/>
+          <p:nvPr/>
+        </p:nvSpPr>
+        <p:spPr>
+          <a:xfrm>
+            <a:off x="2520000" y="3609720"/>
+            <a:ext cx="5039280" cy="494280"/>
+          </a:xfrm>
+          <a:prstGeom prst="rect">
+            <a:avLst/>
+          </a:prstGeom>
+          <a:noFill/>
+          <a:ln w="76320">
+            <a:solidFill>
+              <a:srgbClr val="3465a4"/>
+            </a:solidFill>
+            <a:round/>
+          </a:ln>
+        </p:spPr>
+        <p:style>
+          <a:lnRef idx="0"/>
+          <a:fillRef idx="0"/>
+          <a:effectRef idx="0"/>
+          <a:fontRef idx="minor"/>
+        </p:style>
+        <p:txBody>
+          <a:bodyPr lIns="37800" rIns="37800" tIns="37800" bIns="37800" anchor="t">
+            <a:normAutofit fontScale="96666"/>
+          </a:bodyPr>
+          <a:p>
+            <a:pPr algn="ctr">
+              <a:lnSpc>
+                <a:spcPct val="100000"/>
+              </a:lnSpc>
+              <a:spcAft>
+                <a:spcPts val="1057"/>
+              </a:spcAft>
+            </a:pPr>
+            <a:r>
+              <a:rPr b="1" lang="en-IN" sz="2400" spc="-1" strike="noStrike">
+                <a:solidFill>
+                  <a:srgbClr val="2c3e50"/>
+                </a:solidFill>
+                <a:latin typeface="Noto Sans"/>
+                <a:ea typeface="DejaVu Sans"/>
+              </a:rPr>
+              <a:t>Programming (Python, Java, C++)</a:t>
+            </a:r>
+            <a:endParaRPr b="0" lang="en-IN" sz="2400" spc="-1" strike="noStrike">
+              <a:solidFill>
+                <a:srgbClr val="000000"/>
+              </a:solidFill>
+              <a:latin typeface="Arial"/>
+            </a:endParaRPr>
+          </a:p>
+        </p:txBody>
+      </p:sp>
+      <p:sp>
+        <p:nvSpPr>
+          <p:cNvPr id="401" name=""/>
+          <p:cNvSpPr/>
+          <p:nvPr/>
+        </p:nvSpPr>
+        <p:spPr>
+          <a:xfrm>
+            <a:off x="2520000" y="4690080"/>
+            <a:ext cx="5039280" cy="494280"/>
+          </a:xfrm>
+          <a:prstGeom prst="rect">
+            <a:avLst/>
+          </a:prstGeom>
+          <a:noFill/>
+          <a:ln w="76320">
+            <a:solidFill>
+              <a:srgbClr val="3465a4"/>
+            </a:solidFill>
+            <a:round/>
+          </a:ln>
+        </p:spPr>
+        <p:style>
+          <a:lnRef idx="0"/>
+          <a:fillRef idx="0"/>
+          <a:effectRef idx="0"/>
+          <a:fontRef idx="minor"/>
+        </p:style>
+        <p:txBody>
+          <a:bodyPr lIns="37800" rIns="37800" tIns="37800" bIns="37800" anchor="t">
+            <a:normAutofit/>
+          </a:bodyPr>
+          <a:p>
+            <a:pPr algn="ctr">
+              <a:lnSpc>
+                <a:spcPct val="100000"/>
+              </a:lnSpc>
+              <a:spcAft>
+                <a:spcPts val="1057"/>
+              </a:spcAft>
+            </a:pPr>
+            <a:r>
+              <a:rPr b="1" lang="en-IN" sz="2400" spc="-1" strike="noStrike">
+                <a:solidFill>
+                  <a:srgbClr val="2c3e50"/>
+                </a:solidFill>
+                <a:latin typeface="Noto Sans"/>
+                <a:ea typeface="DejaVu Sans"/>
+              </a:rPr>
+              <a:t>Testing</a:t>
+            </a:r>
+            <a:endParaRPr b="0" lang="en-IN" sz="2400" spc="-1" strike="noStrike">
+              <a:solidFill>
+                <a:srgbClr val="000000"/>
+              </a:solidFill>
+              <a:latin typeface="Arial"/>
+            </a:endParaRPr>
+          </a:p>
+        </p:txBody>
+      </p:sp>
+      <p:sp>
+        <p:nvSpPr>
+          <p:cNvPr id="402" name=""/>
+          <p:cNvSpPr/>
+          <p:nvPr/>
+        </p:nvSpPr>
+        <p:spPr>
+          <a:xfrm>
+            <a:off x="5040000" y="2016000"/>
+            <a:ext cx="360" cy="585360"/>
+          </a:xfrm>
+          <a:prstGeom prst="line">
+            <a:avLst/>
+          </a:prstGeom>
+          <a:ln w="76320">
+            <a:solidFill>
+              <a:srgbClr val="355269"/>
+            </a:solidFill>
+            <a:round/>
+            <a:tailEnd len="med" type="triangle" w="med"/>
+          </a:ln>
+        </p:spPr>
+        <p:style>
+          <a:lnRef idx="0"/>
+          <a:fillRef idx="0"/>
+          <a:effectRef idx="0"/>
+          <a:fontRef idx="minor"/>
+        </p:style>
+        <p:txBody>
+          <a:bodyPr lIns="90000" rIns="90000" tIns="45000" bIns="45000" anchor="t" anchorCtr="1">
+            <a:noAutofit/>
+          </a:bodyPr>
+          <a:p>
+            <a:pPr>
+              <a:lnSpc>
+                <a:spcPct val="100000"/>
+              </a:lnSpc>
+            </a:pPr>
+            <a:endParaRPr b="0" lang="en-IN" sz="1800" spc="-1" strike="noStrike">
+              <a:solidFill>
+                <a:srgbClr val="000000"/>
+              </a:solidFill>
+              <a:latin typeface="Arial"/>
+              <a:ea typeface="DejaVu Sans"/>
+            </a:endParaRPr>
+          </a:p>
+        </p:txBody>
+      </p:sp>
+      <p:sp>
+        <p:nvSpPr>
+          <p:cNvPr id="403" name=""/>
+          <p:cNvSpPr/>
+          <p:nvPr/>
+        </p:nvSpPr>
+        <p:spPr>
+          <a:xfrm>
+            <a:off x="5040000" y="3040920"/>
+            <a:ext cx="360" cy="585360"/>
+          </a:xfrm>
+          <a:prstGeom prst="line">
+            <a:avLst/>
+          </a:prstGeom>
+          <a:ln w="76320">
+            <a:solidFill>
+              <a:srgbClr val="355269"/>
+            </a:solidFill>
+            <a:round/>
+            <a:tailEnd len="med" type="triangle" w="med"/>
+          </a:ln>
+        </p:spPr>
+        <p:style>
+          <a:lnRef idx="0"/>
+          <a:fillRef idx="0"/>
+          <a:effectRef idx="0"/>
+          <a:fontRef idx="minor"/>
+        </p:style>
+        <p:txBody>
+          <a:bodyPr lIns="90000" rIns="90000" tIns="45000" bIns="45000" anchor="t" anchorCtr="1">
+            <a:noAutofit/>
+          </a:bodyPr>
+          <a:p>
+            <a:pPr>
+              <a:lnSpc>
+                <a:spcPct val="100000"/>
+              </a:lnSpc>
+            </a:pPr>
+            <a:endParaRPr b="0" lang="en-IN" sz="1800" spc="-1" strike="noStrike">
+              <a:solidFill>
+                <a:srgbClr val="000000"/>
+              </a:solidFill>
+              <a:latin typeface="Arial"/>
+              <a:ea typeface="DejaVu Sans"/>
+            </a:endParaRPr>
+          </a:p>
+        </p:txBody>
+      </p:sp>
+      <p:sp>
+        <p:nvSpPr>
+          <p:cNvPr id="404" name=""/>
+          <p:cNvSpPr/>
+          <p:nvPr/>
+        </p:nvSpPr>
+        <p:spPr>
+          <a:xfrm>
+            <a:off x="5040000" y="4137840"/>
+            <a:ext cx="360" cy="585360"/>
+          </a:xfrm>
+          <a:prstGeom prst="line">
+            <a:avLst/>
+          </a:prstGeom>
+          <a:ln w="76320">
+            <a:solidFill>
+              <a:srgbClr val="355269"/>
+            </a:solidFill>
+            <a:round/>
+            <a:tailEnd len="med" type="triangle" w="med"/>
+          </a:ln>
+        </p:spPr>
+        <p:style>
+          <a:lnRef idx="0"/>
+          <a:fillRef idx="0"/>
+          <a:effectRef idx="0"/>
+          <a:fontRef idx="minor"/>
+        </p:style>
+        <p:txBody>
+          <a:bodyPr lIns="90000" rIns="90000" tIns="45000" bIns="45000" anchor="t" anchorCtr="1">
+            <a:noAutofit/>
+          </a:bodyPr>
+          <a:p>
+            <a:pPr>
+              <a:lnSpc>
+                <a:spcPct val="100000"/>
+              </a:lnSpc>
+            </a:pPr>
+            <a:endParaRPr b="0" lang="en-IN" sz="1800" spc="-1" strike="noStrike">
+              <a:solidFill>
+                <a:srgbClr val="000000"/>
+              </a:solidFill>
+              <a:latin typeface="Arial"/>
+              <a:ea typeface="DejaVu Sans"/>
             </a:endParaRPr>
           </a:p>
         </p:txBody>
@@ -34909,6 +35296,353 @@
       <p:transition spd="slow"/>
     </mc:Fallback>
   </mc:AlternateContent>
+  <p:timing>
+    <p:tnLst>
+      <p:par>
+        <p:cTn id="100" dur="indefinite" restart="never" nodeType="tmRoot">
+          <p:childTnLst>
+            <p:seq>
+              <p:cTn id="101" dur="indefinite" nodeType="mainSeq">
+                <p:childTnLst>
+                  <p:par>
+                    <p:cTn id="102" fill="hold">
+                      <p:stCondLst>
+                        <p:cond delay="indefinite"/>
+                      </p:stCondLst>
+                      <p:childTnLst>
+                        <p:par>
+                          <p:cTn id="103" fill="hold">
+                            <p:stCondLst>
+                              <p:cond delay="0"/>
+                            </p:stCondLst>
+                            <p:childTnLst>
+                              <p:par>
+                                <p:cTn id="104" nodeType="clickEffect" fill="hold" presetClass="entr" presetID="14" presetSubtype="10">
+                                  <p:stCondLst>
+                                    <p:cond delay="0"/>
+                                  </p:stCondLst>
+                                  <p:childTnLst>
+                                    <p:set>
+                                      <p:cBhvr>
+                                        <p:cTn id="105" dur="1" fill="hold">
+                                          <p:stCondLst>
+                                            <p:cond delay="0"/>
+                                          </p:stCondLst>
+                                        </p:cTn>
+                                        <p:tgtEl>
+                                          <p:spTgt spid="398"/>
+                                        </p:tgtEl>
+                                        <p:attrNameLst>
+                                          <p:attrName>style.visibility</p:attrName>
+                                        </p:attrNameLst>
+                                      </p:cBhvr>
+                                      <p:to>
+                                        <p:strVal val="visible"/>
+                                      </p:to>
+                                    </p:set>
+                                    <p:animEffect filter="randombar(horizontal)" transition="in">
+                                      <p:cBhvr additive="repl">
+                                        <p:cTn id="106" dur="500"/>
+                                        <p:tgtEl>
+                                          <p:spTgt spid="398"/>
+                                        </p:tgtEl>
+                                      </p:cBhvr>
+                                    </p:animEffect>
+                                  </p:childTnLst>
+                                </p:cTn>
+                              </p:par>
+                            </p:childTnLst>
+                          </p:cTn>
+                        </p:par>
+                      </p:childTnLst>
+                    </p:cTn>
+                  </p:par>
+                  <p:par>
+                    <p:cTn id="107" fill="hold">
+                      <p:stCondLst>
+                        <p:cond delay="indefinite"/>
+                      </p:stCondLst>
+                      <p:childTnLst>
+                        <p:par>
+                          <p:cTn id="108" fill="hold">
+                            <p:stCondLst>
+                              <p:cond delay="0"/>
+                            </p:stCondLst>
+                            <p:childTnLst>
+                              <p:par>
+                                <p:cTn id="109" nodeType="clickEffect" fill="hold" presetClass="entr" presetID="14" presetSubtype="10">
+                                  <p:stCondLst>
+                                    <p:cond delay="0"/>
+                                  </p:stCondLst>
+                                  <p:childTnLst>
+                                    <p:set>
+                                      <p:cBhvr>
+                                        <p:cTn id="110" dur="1" fill="hold">
+                                          <p:stCondLst>
+                                            <p:cond delay="0"/>
+                                          </p:stCondLst>
+                                        </p:cTn>
+                                        <p:tgtEl>
+                                          <p:spTgt spid="402"/>
+                                        </p:tgtEl>
+                                        <p:attrNameLst>
+                                          <p:attrName>style.visibility</p:attrName>
+                                        </p:attrNameLst>
+                                      </p:cBhvr>
+                                      <p:to>
+                                        <p:strVal val="visible"/>
+                                      </p:to>
+                                    </p:set>
+                                    <p:animEffect filter="randombar(horizontal)" transition="in">
+                                      <p:cBhvr additive="repl">
+                                        <p:cTn id="111" dur="500"/>
+                                        <p:tgtEl>
+                                          <p:spTgt spid="402"/>
+                                        </p:tgtEl>
+                                      </p:cBhvr>
+                                    </p:animEffect>
+                                  </p:childTnLst>
+                                </p:cTn>
+                              </p:par>
+                              <p:par>
+                                <p:cTn id="112" nodeType="withEffect" fill="hold" presetClass="entr" presetID="14" presetSubtype="10">
+                                  <p:stCondLst>
+                                    <p:cond delay="0"/>
+                                  </p:stCondLst>
+                                  <p:childTnLst>
+                                    <p:set>
+                                      <p:cBhvr>
+                                        <p:cTn id="113" dur="1" fill="hold">
+                                          <p:stCondLst>
+                                            <p:cond delay="0"/>
+                                          </p:stCondLst>
+                                        </p:cTn>
+                                        <p:tgtEl>
+                                          <p:spTgt spid="399"/>
+                                        </p:tgtEl>
+                                        <p:attrNameLst>
+                                          <p:attrName>style.visibility</p:attrName>
+                                        </p:attrNameLst>
+                                      </p:cBhvr>
+                                      <p:to>
+                                        <p:strVal val="visible"/>
+                                      </p:to>
+                                    </p:set>
+                                    <p:animEffect filter="randombar(horizontal)" transition="in">
+                                      <p:cBhvr additive="repl">
+                                        <p:cTn id="114" dur="500"/>
+                                        <p:tgtEl>
+                                          <p:spTgt spid="399"/>
+                                        </p:tgtEl>
+                                      </p:cBhvr>
+                                    </p:animEffect>
+                                  </p:childTnLst>
+                                </p:cTn>
+                              </p:par>
+                            </p:childTnLst>
+                          </p:cTn>
+                        </p:par>
+                      </p:childTnLst>
+                    </p:cTn>
+                  </p:par>
+                  <p:par>
+                    <p:cTn id="115" fill="hold">
+                      <p:stCondLst>
+                        <p:cond delay="indefinite"/>
+                      </p:stCondLst>
+                      <p:childTnLst>
+                        <p:par>
+                          <p:cTn id="116" fill="hold">
+                            <p:stCondLst>
+                              <p:cond delay="0"/>
+                            </p:stCondLst>
+                            <p:childTnLst>
+                              <p:par>
+                                <p:cTn id="117" nodeType="clickEffect" fill="hold" presetClass="entr" presetID="14" presetSubtype="10">
+                                  <p:stCondLst>
+                                    <p:cond delay="0"/>
+                                  </p:stCondLst>
+                                  <p:childTnLst>
+                                    <p:set>
+                                      <p:cBhvr>
+                                        <p:cTn id="118" dur="1" fill="hold">
+                                          <p:stCondLst>
+                                            <p:cond delay="0"/>
+                                          </p:stCondLst>
+                                        </p:cTn>
+                                        <p:tgtEl>
+                                          <p:spTgt spid="403"/>
+                                        </p:tgtEl>
+                                        <p:attrNameLst>
+                                          <p:attrName>style.visibility</p:attrName>
+                                        </p:attrNameLst>
+                                      </p:cBhvr>
+                                      <p:to>
+                                        <p:strVal val="visible"/>
+                                      </p:to>
+                                    </p:set>
+                                    <p:animEffect filter="randombar(horizontal)" transition="in">
+                                      <p:cBhvr additive="repl">
+                                        <p:cTn id="119" dur="500"/>
+                                        <p:tgtEl>
+                                          <p:spTgt spid="403"/>
+                                        </p:tgtEl>
+                                      </p:cBhvr>
+                                    </p:animEffect>
+                                  </p:childTnLst>
+                                </p:cTn>
+                              </p:par>
+                              <p:par>
+                                <p:cTn id="120" nodeType="withEffect" fill="hold" presetClass="entr" presetID="14" presetSubtype="10">
+                                  <p:stCondLst>
+                                    <p:cond delay="0"/>
+                                  </p:stCondLst>
+                                  <p:childTnLst>
+                                    <p:set>
+                                      <p:cBhvr>
+                                        <p:cTn id="121" dur="1" fill="hold">
+                                          <p:stCondLst>
+                                            <p:cond delay="0"/>
+                                          </p:stCondLst>
+                                        </p:cTn>
+                                        <p:tgtEl>
+                                          <p:spTgt spid="400"/>
+                                        </p:tgtEl>
+                                        <p:attrNameLst>
+                                          <p:attrName>style.visibility</p:attrName>
+                                        </p:attrNameLst>
+                                      </p:cBhvr>
+                                      <p:to>
+                                        <p:strVal val="visible"/>
+                                      </p:to>
+                                    </p:set>
+                                    <p:animEffect filter="randombar(horizontal)" transition="in">
+                                      <p:cBhvr additive="repl">
+                                        <p:cTn id="122" dur="500"/>
+                                        <p:tgtEl>
+                                          <p:spTgt spid="400"/>
+                                        </p:tgtEl>
+                                      </p:cBhvr>
+                                    </p:animEffect>
+                                  </p:childTnLst>
+                                </p:cTn>
+                              </p:par>
+                            </p:childTnLst>
+                          </p:cTn>
+                        </p:par>
+                      </p:childTnLst>
+                    </p:cTn>
+                  </p:par>
+                  <p:par>
+                    <p:cTn id="123" fill="hold">
+                      <p:stCondLst>
+                        <p:cond delay="indefinite"/>
+                      </p:stCondLst>
+                      <p:childTnLst>
+                        <p:par>
+                          <p:cTn id="124" fill="hold">
+                            <p:stCondLst>
+                              <p:cond delay="0"/>
+                            </p:stCondLst>
+                            <p:childTnLst>
+                              <p:par>
+                                <p:cTn id="125" nodeType="clickEffect" fill="hold" presetClass="entr" presetID="14" presetSubtype="10">
+                                  <p:stCondLst>
+                                    <p:cond delay="0"/>
+                                  </p:stCondLst>
+                                  <p:childTnLst>
+                                    <p:set>
+                                      <p:cBhvr>
+                                        <p:cTn id="126" dur="1" fill="hold">
+                                          <p:stCondLst>
+                                            <p:cond delay="0"/>
+                                          </p:stCondLst>
+                                        </p:cTn>
+                                        <p:tgtEl>
+                                          <p:spTgt spid="404"/>
+                                        </p:tgtEl>
+                                        <p:attrNameLst>
+                                          <p:attrName>style.visibility</p:attrName>
+                                        </p:attrNameLst>
+                                      </p:cBhvr>
+                                      <p:to>
+                                        <p:strVal val="visible"/>
+                                      </p:to>
+                                    </p:set>
+                                    <p:animEffect filter="randombar(horizontal)" transition="in">
+                                      <p:cBhvr additive="repl">
+                                        <p:cTn id="127" dur="500"/>
+                                        <p:tgtEl>
+                                          <p:spTgt spid="404"/>
+                                        </p:tgtEl>
+                                      </p:cBhvr>
+                                    </p:animEffect>
+                                  </p:childTnLst>
+                                </p:cTn>
+                              </p:par>
+                              <p:par>
+                                <p:cTn id="128" nodeType="withEffect" fill="hold" presetClass="entr" presetID="14" presetSubtype="10">
+                                  <p:stCondLst>
+                                    <p:cond delay="0"/>
+                                  </p:stCondLst>
+                                  <p:childTnLst>
+                                    <p:set>
+                                      <p:cBhvr>
+                                        <p:cTn id="129" dur="1" fill="hold">
+                                          <p:stCondLst>
+                                            <p:cond delay="0"/>
+                                          </p:stCondLst>
+                                        </p:cTn>
+                                        <p:tgtEl>
+                                          <p:spTgt spid="401"/>
+                                        </p:tgtEl>
+                                        <p:attrNameLst>
+                                          <p:attrName>style.visibility</p:attrName>
+                                        </p:attrNameLst>
+                                      </p:cBhvr>
+                                      <p:to>
+                                        <p:strVal val="visible"/>
+                                      </p:to>
+                                    </p:set>
+                                    <p:animEffect filter="randombar(horizontal)" transition="in">
+                                      <p:cBhvr additive="repl">
+                                        <p:cTn id="130" dur="500"/>
+                                        <p:tgtEl>
+                                          <p:spTgt spid="401"/>
+                                        </p:tgtEl>
+                                      </p:cBhvr>
+                                    </p:animEffect>
+                                  </p:childTnLst>
+                                </p:cTn>
+                              </p:par>
+                            </p:childTnLst>
+                          </p:cTn>
+                        </p:par>
+                      </p:childTnLst>
+                    </p:cTn>
+                  </p:par>
+                </p:childTnLst>
+              </p:cTn>
+              <p:prevCondLst>
+                <p:cond evt="onPrev">
+                  <p:tgtEl>
+                    <p:sldTgt/>
+                  </p:tgtEl>
+                </p:cond>
+              </p:prevCondLst>
+              <p:nextCondLst>
+                <p:cond evt="onNext">
+                  <p:tgtEl>
+                    <p:sldTgt/>
+                  </p:tgtEl>
+                </p:cond>
+              </p:nextCondLst>
+            </p:seq>
+          </p:childTnLst>
+        </p:cTn>
+      </p:par>
+    </p:tnLst>
+  </p:timing>
 </p:sld>
 </file>
 
@@ -34931,7 +35665,7 @@
       </p:grpSpPr>
       <p:sp>
         <p:nvSpPr>
-          <p:cNvPr id="404" name="PlaceHolder 1"/>
+          <p:cNvPr id="405" name="PlaceHolder 1"/>
           <p:cNvSpPr>
             <a:spLocks noGrp="1"/>
           </p:cNvSpPr>
@@ -34973,6 +35707,91 @@
                 </a:solidFill>
                 <a:latin typeface="Noto Sans"/>
               </a:rPr>
+              <a:t>Comparison Table</a:t>
+            </a:r>
+            <a:endParaRPr b="0" lang="en-IN" sz="2700" spc="-1" strike="noStrike">
+              <a:solidFill>
+                <a:srgbClr val="000000"/>
+              </a:solidFill>
+              <a:latin typeface="Arial"/>
+            </a:endParaRPr>
+          </a:p>
+        </p:txBody>
+      </p:sp>
+    </p:spTree>
+  </p:cSld>
+  <mc:AlternateContent>
+    <mc:Choice Requires="p14">
+      <p:transition spd="slow" p14:dur="2000"/>
+    </mc:Choice>
+    <mc:Fallback>
+      <p:transition spd="slow"/>
+    </mc:Fallback>
+  </mc:AlternateContent>
+</p:sld>
+</file>
+
+<file path=ppt/slides/slide14.xml><?xml version="1.0" encoding="utf-8"?>
+<p:sld xmlns:a="http://schemas.openxmlformats.org/drawingml/2006/main" xmlns:p="http://schemas.openxmlformats.org/presentationml/2006/main" xmlns:r="http://schemas.openxmlformats.org/officeDocument/2006/relationships" xmlns:p14="http://schemas.microsoft.com/office/powerpoint/2010/main" xmlns:p15="http://schemas.microsoft.com/office/powerpoint/2012/main" xmlns:mc="http://schemas.openxmlformats.org/markup-compatibility/2006">
+  <p:cSld>
+    <p:spTree>
+      <p:nvGrpSpPr>
+        <p:cNvPr id="1" name=""/>
+        <p:cNvGrpSpPr/>
+        <p:nvPr/>
+      </p:nvGrpSpPr>
+      <p:grpSpPr>
+        <a:xfrm>
+          <a:off x="0" y="0"/>
+          <a:ext cx="0" cy="0"/>
+          <a:chOff x="0" y="0"/>
+          <a:chExt cx="0" cy="0"/>
+        </a:xfrm>
+      </p:grpSpPr>
+      <p:sp>
+        <p:nvSpPr>
+          <p:cNvPr id="406" name="PlaceHolder 1"/>
+          <p:cNvSpPr>
+            <a:spLocks noGrp="1"/>
+          </p:cNvSpPr>
+          <p:nvPr>
+            <p:ph type="title"/>
+          </p:nvPr>
+        </p:nvSpPr>
+        <p:spPr>
+          <a:xfrm>
+            <a:off x="360000" y="225720"/>
+            <a:ext cx="9359280" cy="719280"/>
+          </a:xfrm>
+          <a:prstGeom prst="rect">
+            <a:avLst/>
+          </a:prstGeom>
+          <a:noFill/>
+          <a:ln w="0">
+            <a:noFill/>
+          </a:ln>
+        </p:spPr>
+        <p:txBody>
+          <a:bodyPr lIns="0" rIns="0" tIns="0" bIns="0" anchor="ctr">
+            <a:noAutofit/>
+          </a:bodyPr>
+          <a:p>
+            <a:pPr indent="0">
+              <a:lnSpc>
+                <a:spcPct val="100000"/>
+              </a:lnSpc>
+              <a:buNone/>
+              <a:tabLst>
+                <a:tab algn="l" pos="0"/>
+              </a:tabLst>
+            </a:pPr>
+            <a:r>
+              <a:rPr b="1" lang="en-IN" sz="2700" spc="-1" strike="noStrike">
+                <a:solidFill>
+                  <a:srgbClr val="ffffff"/>
+                </a:solidFill>
+                <a:latin typeface="Noto Sans"/>
+              </a:rPr>
               <a:t>Tools Used</a:t>
             </a:r>
             <a:endParaRPr b="0" lang="en-IN" sz="2700" spc="-1" strike="noStrike">
@@ -34986,7 +35805,7 @@
       </p:sp>
       <p:pic>
         <p:nvPicPr>
-          <p:cNvPr id="405" name="" descr=""/>
+          <p:cNvPr id="407" name="" descr=""/>
           <p:cNvPicPr/>
           <p:nvPr/>
         </p:nvPicPr>
@@ -35009,7 +35828,7 @@
       </p:pic>
       <p:pic>
         <p:nvPicPr>
-          <p:cNvPr id="406" name="" descr=""/>
+          <p:cNvPr id="408" name="" descr=""/>
           <p:cNvPicPr/>
           <p:nvPr/>
         </p:nvPicPr>
@@ -35032,7 +35851,7 @@
       </p:pic>
       <p:pic>
         <p:nvPicPr>
-          <p:cNvPr id="407" name="" descr=""/>
+          <p:cNvPr id="409" name="" descr=""/>
           <p:cNvPicPr/>
           <p:nvPr/>
         </p:nvPicPr>
@@ -35055,7 +35874,7 @@
       </p:pic>
       <p:pic>
         <p:nvPicPr>
-          <p:cNvPr id="408" name="" descr=""/>
+          <p:cNvPr id="410" name="" descr=""/>
           <p:cNvPicPr/>
           <p:nvPr/>
         </p:nvPicPr>
@@ -35078,7 +35897,7 @@
       </p:pic>
       <p:pic>
         <p:nvPicPr>
-          <p:cNvPr id="409" name="" descr=""/>
+          <p:cNvPr id="411" name="" descr=""/>
           <p:cNvPicPr/>
           <p:nvPr/>
         </p:nvPicPr>
@@ -35143,7 +35962,7 @@
                                           </p:stCondLst>
                                         </p:cTn>
                                         <p:tgtEl>
-                                          <p:spTgt spid="405"/>
+                                          <p:spTgt spid="407"/>
                                         </p:tgtEl>
                                         <p:attrNameLst>
                                           <p:attrName>style.visibility</p:attrName>
@@ -35157,7 +35976,7 @@
                                       <p:cBhvr additive="repl">
                                         <p:cTn id="137" dur="500" fill="hold"/>
                                         <p:tgtEl>
-                                          <p:spTgt spid="405"/>
+                                          <p:spTgt spid="407"/>
                                         </p:tgtEl>
                                         <p:attrNameLst>
                                           <p:attrName>ppt_w</p:attrName>
@@ -35180,7 +35999,7 @@
                                       <p:cBhvr additive="repl">
                                         <p:cTn id="138" dur="500" fill="hold"/>
                                         <p:tgtEl>
-                                          <p:spTgt spid="405"/>
+                                          <p:spTgt spid="407"/>
                                         </p:tgtEl>
                                         <p:attrNameLst>
                                           <p:attrName>ppt_h</p:attrName>
@@ -35203,7 +36022,7 @@
                                       <p:cBhvr additive="repl">
                                         <p:cTn id="139" dur="500"/>
                                         <p:tgtEl>
-                                          <p:spTgt spid="405"/>
+                                          <p:spTgt spid="407"/>
                                         </p:tgtEl>
                                       </p:cBhvr>
                                     </p:animEffect>
@@ -35242,7 +36061,7 @@
                                           </p:stCondLst>
                                         </p:cTn>
                                         <p:tgtEl>
-                                          <p:spTgt spid="409"/>
+                                          <p:spTgt spid="411"/>
                                         </p:tgtEl>
                                         <p:attrNameLst>
                                           <p:attrName>style.visibility</p:attrName>
@@ -35256,7 +36075,7 @@
                                       <p:cBhvr additive="repl">
                                         <p:cTn id="144" dur="500" fill="hold"/>
                                         <p:tgtEl>
-                                          <p:spTgt spid="409"/>
+                                          <p:spTgt spid="411"/>
                                         </p:tgtEl>
                                         <p:attrNameLst>
                                           <p:attrName>ppt_w</p:attrName>
@@ -35279,7 +36098,7 @@
                                       <p:cBhvr additive="repl">
                                         <p:cTn id="145" dur="500" fill="hold"/>
                                         <p:tgtEl>
-                                          <p:spTgt spid="409"/>
+                                          <p:spTgt spid="411"/>
                                         </p:tgtEl>
                                         <p:attrNameLst>
                                           <p:attrName>ppt_h</p:attrName>
@@ -35302,7 +36121,7 @@
                                       <p:cBhvr additive="repl">
                                         <p:cTn id="146" dur="500"/>
                                         <p:tgtEl>
-                                          <p:spTgt spid="409"/>
+                                          <p:spTgt spid="411"/>
                                         </p:tgtEl>
                                       </p:cBhvr>
                                     </p:animEffect>
@@ -35341,7 +36160,7 @@
                                           </p:stCondLst>
                                         </p:cTn>
                                         <p:tgtEl>
-                                          <p:spTgt spid="407"/>
+                                          <p:spTgt spid="409"/>
                                         </p:tgtEl>
                                         <p:attrNameLst>
                                           <p:attrName>style.visibility</p:attrName>
@@ -35355,7 +36174,7 @@
                                       <p:cBhvr additive="repl">
                                         <p:cTn id="151" dur="500" fill="hold"/>
                                         <p:tgtEl>
-                                          <p:spTgt spid="407"/>
+                                          <p:spTgt spid="409"/>
                                         </p:tgtEl>
                                         <p:attrNameLst>
                                           <p:attrName>ppt_w</p:attrName>
@@ -35378,7 +36197,7 @@
                                       <p:cBhvr additive="repl">
                                         <p:cTn id="152" dur="500" fill="hold"/>
                                         <p:tgtEl>
-                                          <p:spTgt spid="407"/>
+                                          <p:spTgt spid="409"/>
                                         </p:tgtEl>
                                         <p:attrNameLst>
                                           <p:attrName>ppt_h</p:attrName>
@@ -35401,7 +36220,7 @@
                                       <p:cBhvr additive="repl">
                                         <p:cTn id="153" dur="500"/>
                                         <p:tgtEl>
-                                          <p:spTgt spid="407"/>
+                                          <p:spTgt spid="409"/>
                                         </p:tgtEl>
                                       </p:cBhvr>
                                     </p:animEffect>
@@ -35440,7 +36259,7 @@
                                           </p:stCondLst>
                                         </p:cTn>
                                         <p:tgtEl>
-                                          <p:spTgt spid="406"/>
+                                          <p:spTgt spid="408"/>
                                         </p:tgtEl>
                                         <p:attrNameLst>
                                           <p:attrName>style.visibility</p:attrName>
@@ -35454,7 +36273,7 @@
                                       <p:cBhvr additive="repl">
                                         <p:cTn id="158" dur="500" fill="hold"/>
                                         <p:tgtEl>
-                                          <p:spTgt spid="406"/>
+                                          <p:spTgt spid="408"/>
                                         </p:tgtEl>
                                         <p:attrNameLst>
                                           <p:attrName>ppt_w</p:attrName>
@@ -35477,7 +36296,7 @@
                                       <p:cBhvr additive="repl">
                                         <p:cTn id="159" dur="500" fill="hold"/>
                                         <p:tgtEl>
-                                          <p:spTgt spid="406"/>
+                                          <p:spTgt spid="408"/>
                                         </p:tgtEl>
                                         <p:attrNameLst>
                                           <p:attrName>ppt_h</p:attrName>
@@ -35500,7 +36319,7 @@
                                       <p:cBhvr additive="repl">
                                         <p:cTn id="160" dur="500"/>
                                         <p:tgtEl>
-                                          <p:spTgt spid="406"/>
+                                          <p:spTgt spid="408"/>
                                         </p:tgtEl>
                                       </p:cBhvr>
                                     </p:animEffect>
@@ -35539,7 +36358,7 @@
                                           </p:stCondLst>
                                         </p:cTn>
                                         <p:tgtEl>
-                                          <p:spTgt spid="408"/>
+                                          <p:spTgt spid="410"/>
                                         </p:tgtEl>
                                         <p:attrNameLst>
                                           <p:attrName>style.visibility</p:attrName>
@@ -35553,7 +36372,7 @@
                                       <p:cBhvr additive="repl">
                                         <p:cTn id="165" dur="500" fill="hold"/>
                                         <p:tgtEl>
-                                          <p:spTgt spid="408"/>
+                                          <p:spTgt spid="410"/>
                                         </p:tgtEl>
                                         <p:attrNameLst>
                                           <p:attrName>ppt_w</p:attrName>
@@ -35576,7 +36395,7 @@
                                       <p:cBhvr additive="repl">
                                         <p:cTn id="166" dur="500" fill="hold"/>
                                         <p:tgtEl>
-                                          <p:spTgt spid="408"/>
+                                          <p:spTgt spid="410"/>
                                         </p:tgtEl>
                                         <p:attrNameLst>
                                           <p:attrName>ppt_h</p:attrName>
@@ -35599,7 +36418,7 @@
                                       <p:cBhvr additive="repl">
                                         <p:cTn id="167" dur="500"/>
                                         <p:tgtEl>
-                                          <p:spTgt spid="408"/>
+                                          <p:spTgt spid="410"/>
                                         </p:tgtEl>
                                       </p:cBhvr>
                                     </p:animEffect>
@@ -35637,7 +36456,7 @@
 </p:sld>
 </file>
 
-<file path=ppt/slides/slide14.xml><?xml version="1.0" encoding="utf-8"?>
+<file path=ppt/slides/slide15.xml><?xml version="1.0" encoding="utf-8"?>
 <p:sld xmlns:a="http://schemas.openxmlformats.org/drawingml/2006/main" xmlns:p="http://schemas.openxmlformats.org/presentationml/2006/main" xmlns:r="http://schemas.openxmlformats.org/officeDocument/2006/relationships" xmlns:p14="http://schemas.microsoft.com/office/powerpoint/2010/main" xmlns:p15="http://schemas.microsoft.com/office/powerpoint/2012/main" xmlns:mc="http://schemas.openxmlformats.org/markup-compatibility/2006">
   <p:cSld>
     <p:spTree>
@@ -35656,7 +36475,7 @@
       </p:grpSpPr>
       <p:sp>
         <p:nvSpPr>
-          <p:cNvPr id="410" name="PlaceHolder 1"/>
+          <p:cNvPr id="412" name="PlaceHolder 1"/>
           <p:cNvSpPr>
             <a:spLocks noGrp="1"/>
           </p:cNvSpPr>
@@ -35711,7 +36530,7 @@
       </p:sp>
       <p:sp>
         <p:nvSpPr>
-          <p:cNvPr id="411" name=""/>
+          <p:cNvPr id="413" name=""/>
           <p:cNvSpPr/>
           <p:nvPr/>
         </p:nvSpPr>
@@ -35755,250 +36574,6 @@
               <a:t>Current research indicates the potential of RNN-based filters in various applications, with ongoing efforts aimed at improving training efficiency, generalization capabilities, and interpretability. As the field continues to evolve, the combination of advanced neural network architectures and signal processing expertise holds the key to unlocking the full potential of digital filters using RNNs.</a:t>
             </a:r>
             <a:endParaRPr b="0" lang="en-IN" sz="2400" spc="-1" strike="noStrike">
-              <a:solidFill>
-                <a:srgbClr val="000000"/>
-              </a:solidFill>
-              <a:latin typeface="Arial"/>
-            </a:endParaRPr>
-          </a:p>
-        </p:txBody>
-      </p:sp>
-    </p:spTree>
-  </p:cSld>
-  <mc:AlternateContent>
-    <mc:Choice Requires="p14">
-      <p:transition spd="slow" p14:dur="2000"/>
-    </mc:Choice>
-    <mc:Fallback>
-      <p:transition spd="slow"/>
-    </mc:Fallback>
-  </mc:AlternateContent>
-</p:sld>
-</file>
-
-<file path=ppt/slides/slide15.xml><?xml version="1.0" encoding="utf-8"?>
-<p:sld xmlns:a="http://schemas.openxmlformats.org/drawingml/2006/main" xmlns:p="http://schemas.openxmlformats.org/presentationml/2006/main" xmlns:r="http://schemas.openxmlformats.org/officeDocument/2006/relationships" xmlns:p14="http://schemas.microsoft.com/office/powerpoint/2010/main" xmlns:p15="http://schemas.microsoft.com/office/powerpoint/2012/main" xmlns:mc="http://schemas.openxmlformats.org/markup-compatibility/2006">
-  <p:cSld>
-    <p:spTree>
-      <p:nvGrpSpPr>
-        <p:cNvPr id="1" name=""/>
-        <p:cNvGrpSpPr/>
-        <p:nvPr/>
-      </p:nvGrpSpPr>
-      <p:grpSpPr>
-        <a:xfrm>
-          <a:off x="0" y="0"/>
-          <a:ext cx="0" cy="0"/>
-          <a:chOff x="0" y="0"/>
-          <a:chExt cx="0" cy="0"/>
-        </a:xfrm>
-      </p:grpSpPr>
-      <p:sp>
-        <p:nvSpPr>
-          <p:cNvPr id="412" name="PlaceHolder 1"/>
-          <p:cNvSpPr>
-            <a:spLocks noGrp="1"/>
-          </p:cNvSpPr>
-          <p:nvPr>
-            <p:ph type="title"/>
-          </p:nvPr>
-        </p:nvSpPr>
-        <p:spPr>
-          <a:xfrm>
-            <a:off x="360000" y="225720"/>
-            <a:ext cx="9359280" cy="719280"/>
-          </a:xfrm>
-          <a:prstGeom prst="rect">
-            <a:avLst/>
-          </a:prstGeom>
-          <a:noFill/>
-          <a:ln w="0">
-            <a:noFill/>
-          </a:ln>
-        </p:spPr>
-        <p:txBody>
-          <a:bodyPr lIns="0" rIns="0" tIns="0" bIns="0" anchor="ctr">
-            <a:noAutofit/>
-          </a:bodyPr>
-          <a:p>
-            <a:pPr indent="0">
-              <a:lnSpc>
-                <a:spcPct val="100000"/>
-              </a:lnSpc>
-              <a:buNone/>
-              <a:tabLst>
-                <a:tab algn="l" pos="0"/>
-              </a:tabLst>
-            </a:pPr>
-            <a:r>
-              <a:rPr b="1" lang="en-IN" sz="2700" spc="-1" strike="noStrike">
-                <a:solidFill>
-                  <a:srgbClr val="ffffff"/>
-                </a:solidFill>
-                <a:latin typeface="Noto Sans"/>
-              </a:rPr>
-              <a:t>References</a:t>
-            </a:r>
-            <a:endParaRPr b="0" lang="en-IN" sz="2700" spc="-1" strike="noStrike">
-              <a:solidFill>
-                <a:srgbClr val="000000"/>
-              </a:solidFill>
-              <a:latin typeface="Arial"/>
-            </a:endParaRPr>
-          </a:p>
-        </p:txBody>
-      </p:sp>
-      <p:sp>
-        <p:nvSpPr>
-          <p:cNvPr id="413" name=""/>
-          <p:cNvSpPr/>
-          <p:nvPr/>
-        </p:nvSpPr>
-        <p:spPr>
-          <a:xfrm>
-            <a:off x="360000" y="1485000"/>
-            <a:ext cx="9359280" cy="3779280"/>
-          </a:xfrm>
-          <a:prstGeom prst="rect">
-            <a:avLst/>
-          </a:prstGeom>
-          <a:noFill/>
-          <a:ln w="0">
-            <a:noFill/>
-          </a:ln>
-        </p:spPr>
-        <p:style>
-          <a:lnRef idx="0"/>
-          <a:fillRef idx="0"/>
-          <a:effectRef idx="0"/>
-          <a:fontRef idx="minor"/>
-        </p:style>
-        <p:txBody>
-          <a:bodyPr lIns="0" rIns="0" tIns="0" bIns="0" anchor="t">
-            <a:normAutofit/>
-          </a:bodyPr>
-          <a:p>
-            <a:pPr marL="432000" indent="-324000">
-              <a:lnSpc>
-                <a:spcPct val="100000"/>
-              </a:lnSpc>
-              <a:spcAft>
-                <a:spcPts val="1057"/>
-              </a:spcAft>
-              <a:buClr>
-                <a:srgbClr val="2c3e50"/>
-              </a:buClr>
-              <a:buSzPct val="45000"/>
-              <a:buFont typeface="Wingdings" charset="2"/>
-              <a:buChar char=""/>
-            </a:pPr>
-            <a:r>
-              <a:rPr b="1" lang="en-IN" sz="1800" spc="-1" strike="noStrike">
-                <a:solidFill>
-                  <a:srgbClr val="2c3e50"/>
-                </a:solidFill>
-                <a:latin typeface="Noto Sans"/>
-                <a:ea typeface="DejaVu Sans"/>
-              </a:rPr>
-              <a:t>K. Hossain, R. Ahmed, A. Haque, and M. Rahman, “A Review of Digital FIR Filter Design in Communication Systems,” International Journal of Science and Research (IJSR), vol. 10, p. 09, 03 2021.</a:t>
-            </a:r>
-            <a:endParaRPr b="0" lang="en-IN" sz="1800" spc="-1" strike="noStrike">
-              <a:solidFill>
-                <a:srgbClr val="000000"/>
-              </a:solidFill>
-              <a:latin typeface="Arial"/>
-            </a:endParaRPr>
-          </a:p>
-          <a:p>
-            <a:pPr marL="432000" indent="-324000">
-              <a:lnSpc>
-                <a:spcPct val="100000"/>
-              </a:lnSpc>
-              <a:spcAft>
-                <a:spcPts val="1057"/>
-              </a:spcAft>
-              <a:buClr>
-                <a:srgbClr val="2c3e50"/>
-              </a:buClr>
-              <a:buSzPct val="45000"/>
-              <a:buFont typeface="Wingdings" charset="2"/>
-              <a:buChar char=""/>
-            </a:pPr>
-            <a:r>
-              <a:rPr b="1" lang="en-IN" sz="1800" spc="-1" strike="noStrike">
-                <a:solidFill>
-                  <a:srgbClr val="2c3e50"/>
-                </a:solidFill>
-                <a:latin typeface="Noto Sans"/>
-                <a:ea typeface="DejaVu Sans"/>
-              </a:rPr>
-              <a:t>R. Hinojosa-Meza, M. M. Rivera, P. Vacas-Jacques, N. Escalante-Garcia, J. A. Dena-Aguilar, A. B. Sanchez, and E. Olvera-Gonzalez, “Comparative Analysis of RNN Versus IIR Digital Filtering to Optimize Resilience to Dynamic Perturbations in pH Sensing for Vertical Farming,” Preprints, May 2023.</a:t>
-            </a:r>
-            <a:endParaRPr b="0" lang="en-IN" sz="1800" spc="-1" strike="noStrike">
-              <a:solidFill>
-                <a:srgbClr val="000000"/>
-              </a:solidFill>
-              <a:latin typeface="Arial"/>
-            </a:endParaRPr>
-          </a:p>
-          <a:p>
-            <a:pPr marL="432000" indent="-324000">
-              <a:lnSpc>
-                <a:spcPct val="100000"/>
-              </a:lnSpc>
-              <a:spcAft>
-                <a:spcPts val="1057"/>
-              </a:spcAft>
-              <a:buClr>
-                <a:srgbClr val="2c3e50"/>
-              </a:buClr>
-              <a:buSzPct val="45000"/>
-              <a:buFont typeface="Wingdings" charset="2"/>
-              <a:buChar char=""/>
-            </a:pPr>
-            <a:r>
-              <a:rPr b="1" lang="en-IN" sz="1800" spc="-1" strike="noStrike">
-                <a:solidFill>
-                  <a:srgbClr val="2c3e50"/>
-                </a:solidFill>
-                <a:latin typeface="Noto Sans"/>
-                <a:ea typeface="DejaVu Sans"/>
-              </a:rPr>
-              <a:t>D. Kumar, “Comparison of Different Types of IIR Filters,” 04 2016.</a:t>
-            </a:r>
-            <a:endParaRPr b="0" lang="en-IN" sz="1800" spc="-1" strike="noStrike">
-              <a:solidFill>
-                <a:srgbClr val="000000"/>
-              </a:solidFill>
-              <a:latin typeface="Arial"/>
-            </a:endParaRPr>
-          </a:p>
-          <a:p>
-            <a:pPr marL="432000" indent="-324000">
-              <a:lnSpc>
-                <a:spcPct val="100000"/>
-              </a:lnSpc>
-              <a:spcAft>
-                <a:spcPts val="1057"/>
-              </a:spcAft>
-              <a:buClr>
-                <a:srgbClr val="2c3e50"/>
-              </a:buClr>
-              <a:buSzPct val="45000"/>
-              <a:buFont typeface="Wingdings" charset="2"/>
-              <a:buChar char=""/>
-            </a:pPr>
-            <a:r>
-              <a:rPr b="1" lang="en-IN" sz="1800" spc="-1" strike="noStrike">
-                <a:solidFill>
-                  <a:srgbClr val="2c3e50"/>
-                </a:solidFill>
-                <a:latin typeface="Noto Sans"/>
-                <a:ea typeface="DejaVu Sans"/>
-              </a:rPr>
-              <a:t>R. Pal, “Comparison of the design of FIR and IIR filters for a given specification and removal of phase distortion from IIR filters,” 12 2017.</a:t>
-            </a:r>
-            <a:endParaRPr b="0" lang="en-IN" sz="1800" spc="-1" strike="noStrike">
               <a:solidFill>
                 <a:srgbClr val="000000"/>
               </a:solidFill>
@@ -36144,7 +36719,7 @@
                 <a:latin typeface="Noto Sans"/>
                 <a:ea typeface="DejaVu Sans"/>
               </a:rPr>
-              <a:t>S. Zargar, “Introduction to Sequence Learning Models: RNN, LSTM, GRU,” 04 2021.</a:t>
+              <a:t>K. Hossain, R. Ahmed, A. Haque, and M. Rahman, “A Review of Digital FIR Filter Design in Communication Systems,” International Journal of Science and Research (IJSR), vol. 10, p. 09, 03 2021.</a:t>
             </a:r>
             <a:endParaRPr b="0" lang="en-IN" sz="1800" spc="-1" strike="noStrike">
               <a:solidFill>
@@ -36176,7 +36751,7 @@
                 <a:latin typeface="Noto Sans"/>
                 <a:ea typeface="DejaVu Sans"/>
               </a:rPr>
-              <a:t>A. Ali, A. U. Rehman, A. Almogren, E. T. Eldin, and M. Kaleem, “Application of Deep Learning Gated Recurrent Unit in Hybrid Shunt Active Power Filter for Power Quality Enhancement,” Energies, vol. 15, no. 20, 2022.</a:t>
+              <a:t>R. Hinojosa-Meza, M. M. Rivera, P. Vacas-Jacques, N. Escalante-Garcia, J. A. Dena-Aguilar, A. B. Sanchez, and E. Olvera-Gonzalez, “Comparative Analysis of RNN Versus IIR Digital Filtering to Optimize Resilience to Dynamic Perturbations in pH Sensing for Vertical Farming,” Preprints, May 2023.</a:t>
             </a:r>
             <a:endParaRPr b="0" lang="en-IN" sz="1800" spc="-1" strike="noStrike">
               <a:solidFill>
@@ -36208,7 +36783,7 @@
                 <a:latin typeface="Noto Sans"/>
                 <a:ea typeface="DejaVu Sans"/>
               </a:rPr>
-              <a:t>A. Sherstinsky, “Fundamentals of recurrent neural network (RNN) and long short term memory (LSTM) network,” Physica D: Nonlinear Phenomena, vol. 404, p. 132306, 2020.</a:t>
+              <a:t>D. Kumar, “Comparison of Different Types of IIR Filters,” 04 2016.</a:t>
             </a:r>
             <a:endParaRPr b="0" lang="en-IN" sz="1800" spc="-1" strike="noStrike">
               <a:solidFill>
@@ -36240,7 +36815,7 @@
                 <a:latin typeface="Noto Sans"/>
                 <a:ea typeface="DejaVu Sans"/>
               </a:rPr>
-              <a:t>M. Ashraf, F. Abid, I. U. Din, J. Rasheed, M. Yesiltepe, S. F. Yeo, and M. T. Ersoy, “A Hybrid CNN and RNN Variant Model for Music Classification,” Applied Sciences, vol. 13, no. 3, 2023.</a:t>
+              <a:t>R. Pal, “Comparison of the design of FIR and IIR filters for a given specification and removal of phase distortion from IIR filters,” 12 2017.</a:t>
             </a:r>
             <a:endParaRPr b="0" lang="en-IN" sz="1800" spc="-1" strike="noStrike">
               <a:solidFill>
@@ -36293,6 +36868,494 @@
         </p:nvSpPr>
         <p:spPr>
           <a:xfrm>
+            <a:off x="360000" y="225720"/>
+            <a:ext cx="9359280" cy="719280"/>
+          </a:xfrm>
+          <a:prstGeom prst="rect">
+            <a:avLst/>
+          </a:prstGeom>
+          <a:noFill/>
+          <a:ln w="0">
+            <a:noFill/>
+          </a:ln>
+        </p:spPr>
+        <p:txBody>
+          <a:bodyPr lIns="0" rIns="0" tIns="0" bIns="0" anchor="ctr">
+            <a:noAutofit/>
+          </a:bodyPr>
+          <a:p>
+            <a:pPr indent="0">
+              <a:lnSpc>
+                <a:spcPct val="100000"/>
+              </a:lnSpc>
+              <a:buNone/>
+              <a:tabLst>
+                <a:tab algn="l" pos="0"/>
+              </a:tabLst>
+            </a:pPr>
+            <a:r>
+              <a:rPr b="1" lang="en-IN" sz="2700" spc="-1" strike="noStrike">
+                <a:solidFill>
+                  <a:srgbClr val="ffffff"/>
+                </a:solidFill>
+                <a:latin typeface="Noto Sans"/>
+              </a:rPr>
+              <a:t>References</a:t>
+            </a:r>
+            <a:endParaRPr b="0" lang="en-IN" sz="2700" spc="-1" strike="noStrike">
+              <a:solidFill>
+                <a:srgbClr val="000000"/>
+              </a:solidFill>
+              <a:latin typeface="Arial"/>
+            </a:endParaRPr>
+          </a:p>
+        </p:txBody>
+      </p:sp>
+      <p:sp>
+        <p:nvSpPr>
+          <p:cNvPr id="417" name=""/>
+          <p:cNvSpPr/>
+          <p:nvPr/>
+        </p:nvSpPr>
+        <p:spPr>
+          <a:xfrm>
+            <a:off x="360000" y="1485000"/>
+            <a:ext cx="9359280" cy="3779280"/>
+          </a:xfrm>
+          <a:prstGeom prst="rect">
+            <a:avLst/>
+          </a:prstGeom>
+          <a:noFill/>
+          <a:ln w="0">
+            <a:noFill/>
+          </a:ln>
+        </p:spPr>
+        <p:style>
+          <a:lnRef idx="0"/>
+          <a:fillRef idx="0"/>
+          <a:effectRef idx="0"/>
+          <a:fontRef idx="minor"/>
+        </p:style>
+        <p:txBody>
+          <a:bodyPr lIns="0" rIns="0" tIns="0" bIns="0" anchor="t">
+            <a:normAutofit/>
+          </a:bodyPr>
+          <a:p>
+            <a:pPr marL="432000" indent="-324000">
+              <a:lnSpc>
+                <a:spcPct val="100000"/>
+              </a:lnSpc>
+              <a:spcAft>
+                <a:spcPts val="1057"/>
+              </a:spcAft>
+              <a:buClr>
+                <a:srgbClr val="2c3e50"/>
+              </a:buClr>
+              <a:buSzPct val="45000"/>
+              <a:buFont typeface="Wingdings" charset="2"/>
+              <a:buChar char=""/>
+            </a:pPr>
+            <a:r>
+              <a:rPr b="1" lang="en-IN" sz="1800" spc="-1" strike="noStrike">
+                <a:solidFill>
+                  <a:srgbClr val="2c3e50"/>
+                </a:solidFill>
+                <a:latin typeface="Noto Sans"/>
+                <a:ea typeface="DejaVu Sans"/>
+              </a:rPr>
+              <a:t>S. Zargar, “Introduction to Sequence Learning Models: RNN, LSTM, GRU,” 04 2021.</a:t>
+            </a:r>
+            <a:endParaRPr b="0" lang="en-IN" sz="1800" spc="-1" strike="noStrike">
+              <a:solidFill>
+                <a:srgbClr val="000000"/>
+              </a:solidFill>
+              <a:latin typeface="Arial"/>
+            </a:endParaRPr>
+          </a:p>
+          <a:p>
+            <a:pPr marL="432000" indent="-324000">
+              <a:lnSpc>
+                <a:spcPct val="100000"/>
+              </a:lnSpc>
+              <a:spcAft>
+                <a:spcPts val="1057"/>
+              </a:spcAft>
+              <a:buClr>
+                <a:srgbClr val="2c3e50"/>
+              </a:buClr>
+              <a:buSzPct val="45000"/>
+              <a:buFont typeface="Wingdings" charset="2"/>
+              <a:buChar char=""/>
+            </a:pPr>
+            <a:r>
+              <a:rPr b="1" lang="en-IN" sz="1800" spc="-1" strike="noStrike">
+                <a:solidFill>
+                  <a:srgbClr val="2c3e50"/>
+                </a:solidFill>
+                <a:latin typeface="Noto Sans"/>
+                <a:ea typeface="DejaVu Sans"/>
+              </a:rPr>
+              <a:t>A. Ali, A. U. Rehman, A. Almogren, E. T. Eldin, and M. Kaleem, “Application of Deep Learning Gated Recurrent Unit in Hybrid Shunt Active Power Filter for Power Quality Enhancement,” Energies, vol. 15, no. 20, 2022.</a:t>
+            </a:r>
+            <a:endParaRPr b="0" lang="en-IN" sz="1800" spc="-1" strike="noStrike">
+              <a:solidFill>
+                <a:srgbClr val="000000"/>
+              </a:solidFill>
+              <a:latin typeface="Arial"/>
+            </a:endParaRPr>
+          </a:p>
+          <a:p>
+            <a:pPr marL="432000" indent="-324000">
+              <a:lnSpc>
+                <a:spcPct val="100000"/>
+              </a:lnSpc>
+              <a:spcAft>
+                <a:spcPts val="1057"/>
+              </a:spcAft>
+              <a:buClr>
+                <a:srgbClr val="2c3e50"/>
+              </a:buClr>
+              <a:buSzPct val="45000"/>
+              <a:buFont typeface="Wingdings" charset="2"/>
+              <a:buChar char=""/>
+            </a:pPr>
+            <a:r>
+              <a:rPr b="1" lang="en-IN" sz="1800" spc="-1" strike="noStrike">
+                <a:solidFill>
+                  <a:srgbClr val="2c3e50"/>
+                </a:solidFill>
+                <a:latin typeface="Noto Sans"/>
+                <a:ea typeface="DejaVu Sans"/>
+              </a:rPr>
+              <a:t>A. Sherstinsky, “Fundamentals of recurrent neural network (RNN) and long short term memory (LSTM) network,” Physica D: Nonlinear Phenomena, vol. 404, p. 132306, 2020.</a:t>
+            </a:r>
+            <a:endParaRPr b="0" lang="en-IN" sz="1800" spc="-1" strike="noStrike">
+              <a:solidFill>
+                <a:srgbClr val="000000"/>
+              </a:solidFill>
+              <a:latin typeface="Arial"/>
+            </a:endParaRPr>
+          </a:p>
+          <a:p>
+            <a:pPr marL="432000" indent="-324000">
+              <a:lnSpc>
+                <a:spcPct val="100000"/>
+              </a:lnSpc>
+              <a:spcAft>
+                <a:spcPts val="1057"/>
+              </a:spcAft>
+              <a:buClr>
+                <a:srgbClr val="2c3e50"/>
+              </a:buClr>
+              <a:buSzPct val="45000"/>
+              <a:buFont typeface="Wingdings" charset="2"/>
+              <a:buChar char=""/>
+            </a:pPr>
+            <a:r>
+              <a:rPr b="1" lang="en-IN" sz="1800" spc="-1" strike="noStrike">
+                <a:solidFill>
+                  <a:srgbClr val="2c3e50"/>
+                </a:solidFill>
+                <a:latin typeface="Noto Sans"/>
+                <a:ea typeface="DejaVu Sans"/>
+              </a:rPr>
+              <a:t>M. Ashraf, F. Abid, I. U. Din, J. Rasheed, M. Yesiltepe, S. F. Yeo, and M. T. Ersoy, “A Hybrid CNN and RNN Variant Model for Music Classification,” Applied Sciences, vol. 13, no. 3, 2023.</a:t>
+            </a:r>
+            <a:endParaRPr b="0" lang="en-IN" sz="1800" spc="-1" strike="noStrike">
+              <a:solidFill>
+                <a:srgbClr val="000000"/>
+              </a:solidFill>
+              <a:latin typeface="Arial"/>
+            </a:endParaRPr>
+          </a:p>
+        </p:txBody>
+      </p:sp>
+    </p:spTree>
+  </p:cSld>
+  <mc:AlternateContent>
+    <mc:Choice Requires="p14">
+      <p:transition spd="slow" p14:dur="2000"/>
+    </mc:Choice>
+    <mc:Fallback>
+      <p:transition spd="slow"/>
+    </mc:Fallback>
+  </mc:AlternateContent>
+</p:sld>
+</file>
+
+<file path=ppt/slides/slide18.xml><?xml version="1.0" encoding="utf-8"?>
+<p:sld xmlns:a="http://schemas.openxmlformats.org/drawingml/2006/main" xmlns:p="http://schemas.openxmlformats.org/presentationml/2006/main" xmlns:r="http://schemas.openxmlformats.org/officeDocument/2006/relationships" xmlns:p14="http://schemas.microsoft.com/office/powerpoint/2010/main" xmlns:p15="http://schemas.microsoft.com/office/powerpoint/2012/main" xmlns:mc="http://schemas.openxmlformats.org/markup-compatibility/2006">
+  <p:cSld>
+    <p:spTree>
+      <p:nvGrpSpPr>
+        <p:cNvPr id="1" name=""/>
+        <p:cNvGrpSpPr/>
+        <p:nvPr/>
+      </p:nvGrpSpPr>
+      <p:grpSpPr>
+        <a:xfrm>
+          <a:off x="0" y="0"/>
+          <a:ext cx="0" cy="0"/>
+          <a:chOff x="0" y="0"/>
+          <a:chExt cx="0" cy="0"/>
+        </a:xfrm>
+      </p:grpSpPr>
+      <p:sp>
+        <p:nvSpPr>
+          <p:cNvPr id="418" name="PlaceHolder 1"/>
+          <p:cNvSpPr>
+            <a:spLocks noGrp="1"/>
+          </p:cNvSpPr>
+          <p:nvPr>
+            <p:ph type="title"/>
+          </p:nvPr>
+        </p:nvSpPr>
+        <p:spPr>
+          <a:xfrm>
+            <a:off x="360000" y="225720"/>
+            <a:ext cx="9359280" cy="719280"/>
+          </a:xfrm>
+          <a:prstGeom prst="rect">
+            <a:avLst/>
+          </a:prstGeom>
+          <a:noFill/>
+          <a:ln w="0">
+            <a:noFill/>
+          </a:ln>
+        </p:spPr>
+        <p:txBody>
+          <a:bodyPr lIns="0" rIns="0" tIns="0" bIns="0" anchor="ctr">
+            <a:noAutofit/>
+          </a:bodyPr>
+          <a:p>
+            <a:pPr indent="0">
+              <a:lnSpc>
+                <a:spcPct val="100000"/>
+              </a:lnSpc>
+              <a:buNone/>
+              <a:tabLst>
+                <a:tab algn="l" pos="0"/>
+              </a:tabLst>
+            </a:pPr>
+            <a:r>
+              <a:rPr b="1" lang="en-IN" sz="2700" spc="-1" strike="noStrike">
+                <a:solidFill>
+                  <a:srgbClr val="ffffff"/>
+                </a:solidFill>
+                <a:latin typeface="Noto Sans"/>
+              </a:rPr>
+              <a:t>References</a:t>
+            </a:r>
+            <a:endParaRPr b="0" lang="en-IN" sz="2700" spc="-1" strike="noStrike">
+              <a:solidFill>
+                <a:srgbClr val="000000"/>
+              </a:solidFill>
+              <a:latin typeface="Arial"/>
+            </a:endParaRPr>
+          </a:p>
+        </p:txBody>
+      </p:sp>
+      <p:sp>
+        <p:nvSpPr>
+          <p:cNvPr id="419" name=""/>
+          <p:cNvSpPr/>
+          <p:nvPr/>
+        </p:nvSpPr>
+        <p:spPr>
+          <a:xfrm>
+            <a:off x="360000" y="1485000"/>
+            <a:ext cx="9359280" cy="3779280"/>
+          </a:xfrm>
+          <a:prstGeom prst="rect">
+            <a:avLst/>
+          </a:prstGeom>
+          <a:noFill/>
+          <a:ln w="0">
+            <a:noFill/>
+          </a:ln>
+        </p:spPr>
+        <p:style>
+          <a:lnRef idx="0"/>
+          <a:fillRef idx="0"/>
+          <a:effectRef idx="0"/>
+          <a:fontRef idx="minor"/>
+        </p:style>
+        <p:txBody>
+          <a:bodyPr lIns="0" rIns="0" tIns="0" bIns="0" anchor="t">
+            <a:normAutofit fontScale="93333" lnSpcReduction="10000"/>
+          </a:bodyPr>
+          <a:p>
+            <a:pPr marL="432000" indent="-324000">
+              <a:lnSpc>
+                <a:spcPct val="100000"/>
+              </a:lnSpc>
+              <a:spcAft>
+                <a:spcPts val="1049"/>
+              </a:spcAft>
+              <a:buClr>
+                <a:srgbClr val="2c3e50"/>
+              </a:buClr>
+              <a:buSzPct val="45000"/>
+              <a:buFont typeface="Wingdings" charset="2"/>
+              <a:buChar char=""/>
+            </a:pPr>
+            <a:r>
+              <a:rPr b="1" lang="en-IN" sz="1800" spc="-1" strike="noStrike">
+                <a:solidFill>
+                  <a:srgbClr val="2c3e50"/>
+                </a:solidFill>
+                <a:latin typeface="Noto Sans"/>
+                <a:ea typeface="DejaVu Sans"/>
+              </a:rPr>
+              <a:t>S. Stefanova, “One Approach for Training of Recurrent Neural Network Model of IIR Digital Filter,” in Technological Developments in Net working, Education and Automation (K. Elleithy, T. Sobh, M. Iskander, V. Kapila, M. A. Karim, and A. Mahmood, eds.), (Dordrecht), pp. 219 224, Springer Netherlands, 2010.</a:t>
+            </a:r>
+            <a:endParaRPr b="0" lang="en-IN" sz="1800" spc="-1" strike="noStrike">
+              <a:solidFill>
+                <a:srgbClr val="000000"/>
+              </a:solidFill>
+              <a:latin typeface="Arial"/>
+            </a:endParaRPr>
+          </a:p>
+          <a:p>
+            <a:pPr marL="432000" indent="-324000">
+              <a:lnSpc>
+                <a:spcPct val="100000"/>
+              </a:lnSpc>
+              <a:spcAft>
+                <a:spcPts val="1049"/>
+              </a:spcAft>
+              <a:buClr>
+                <a:srgbClr val="2c3e50"/>
+              </a:buClr>
+              <a:buSzPct val="45000"/>
+              <a:buFont typeface="Wingdings" charset="2"/>
+              <a:buChar char=""/>
+            </a:pPr>
+            <a:r>
+              <a:rPr b="1" lang="en-IN" sz="1800" spc="-1" strike="noStrike">
+                <a:solidFill>
+                  <a:srgbClr val="2c3e50"/>
+                </a:solidFill>
+                <a:latin typeface="Noto Sans"/>
+                <a:ea typeface="DejaVu Sans"/>
+              </a:rPr>
+              <a:t>L. Ma, H. Huang, P. Zhao, and T. Su, “Acoustic Echo Cancellation by Combining Adaptive Digital Filter and Recurrent Neural Network,” CoRR, vol. Abs/2005.09237, 2020.</a:t>
+            </a:r>
+            <a:endParaRPr b="0" lang="en-IN" sz="1800" spc="-1" strike="noStrike">
+              <a:solidFill>
+                <a:srgbClr val="000000"/>
+              </a:solidFill>
+              <a:latin typeface="Arial"/>
+            </a:endParaRPr>
+          </a:p>
+          <a:p>
+            <a:pPr marL="432000" indent="-324000">
+              <a:lnSpc>
+                <a:spcPct val="100000"/>
+              </a:lnSpc>
+              <a:spcAft>
+                <a:spcPts val="1049"/>
+              </a:spcAft>
+              <a:buClr>
+                <a:srgbClr val="2c3e50"/>
+              </a:buClr>
+              <a:buSzPct val="45000"/>
+              <a:buFont typeface="Wingdings" charset="2"/>
+              <a:buChar char=""/>
+            </a:pPr>
+            <a:r>
+              <a:rPr b="1" lang="en-IN" sz="1800" spc="-1" strike="noStrike">
+                <a:solidFill>
+                  <a:srgbClr val="2c3e50"/>
+                </a:solidFill>
+                <a:latin typeface="Noto Sans"/>
+                <a:ea typeface="DejaVu Sans"/>
+              </a:rPr>
+              <a:t>S. A. Skogstad, S. Holm, and M. Høvin, “Digital IIR filters with minimal group delay for real-time applications,” in 2012 International Conference on Engineering and Technology (ICET), pp. 1–6, 2012.</a:t>
+            </a:r>
+            <a:endParaRPr b="0" lang="en-IN" sz="1800" spc="-1" strike="noStrike">
+              <a:solidFill>
+                <a:srgbClr val="000000"/>
+              </a:solidFill>
+              <a:latin typeface="Arial"/>
+            </a:endParaRPr>
+          </a:p>
+          <a:p>
+            <a:pPr marL="432000" indent="-324000">
+              <a:lnSpc>
+                <a:spcPct val="100000"/>
+              </a:lnSpc>
+              <a:spcAft>
+                <a:spcPts val="1049"/>
+              </a:spcAft>
+              <a:buClr>
+                <a:srgbClr val="2c3e50"/>
+              </a:buClr>
+              <a:buSzPct val="45000"/>
+              <a:buFont typeface="Wingdings" charset="2"/>
+              <a:buChar char=""/>
+            </a:pPr>
+            <a:r>
+              <a:rPr b="1" lang="en-IN" sz="1800" spc="-1" strike="noStrike">
+                <a:solidFill>
+                  <a:srgbClr val="2c3e50"/>
+                </a:solidFill>
+                <a:latin typeface="Noto Sans"/>
+                <a:ea typeface="DejaVu Sans"/>
+              </a:rPr>
+              <a:t>S. S.A., “One Dimensional IIR Digital Filter Modeling Based on Recur rent Neural Network,” in Technological Developments in Education and Automation (M. Iskander, V. Kapila, and M. A. Karim, eds.), (Dordrecht), pp. 281–286, Springer Netherlands, 2010.</a:t>
+            </a:r>
+            <a:endParaRPr b="0" lang="en-IN" sz="1800" spc="-1" strike="noStrike">
+              <a:solidFill>
+                <a:srgbClr val="000000"/>
+              </a:solidFill>
+              <a:latin typeface="Arial"/>
+            </a:endParaRPr>
+          </a:p>
+        </p:txBody>
+      </p:sp>
+    </p:spTree>
+  </p:cSld>
+  <mc:AlternateContent>
+    <mc:Choice Requires="p14">
+      <p:transition spd="slow" p14:dur="2000"/>
+    </mc:Choice>
+    <mc:Fallback>
+      <p:transition spd="slow"/>
+    </mc:Fallback>
+  </mc:AlternateContent>
+</p:sld>
+</file>
+
+<file path=ppt/slides/slide19.xml><?xml version="1.0" encoding="utf-8"?>
+<p:sld xmlns:a="http://schemas.openxmlformats.org/drawingml/2006/main" xmlns:p="http://schemas.openxmlformats.org/presentationml/2006/main" xmlns:r="http://schemas.openxmlformats.org/officeDocument/2006/relationships" xmlns:p14="http://schemas.microsoft.com/office/powerpoint/2010/main" xmlns:p15="http://schemas.microsoft.com/office/powerpoint/2012/main" xmlns:mc="http://schemas.openxmlformats.org/markup-compatibility/2006">
+  <p:cSld>
+    <p:spTree>
+      <p:nvGrpSpPr>
+        <p:cNvPr id="1" name=""/>
+        <p:cNvGrpSpPr/>
+        <p:nvPr/>
+      </p:nvGrpSpPr>
+      <p:grpSpPr>
+        <a:xfrm>
+          <a:off x="0" y="0"/>
+          <a:ext cx="0" cy="0"/>
+          <a:chOff x="0" y="0"/>
+          <a:chExt cx="0" cy="0"/>
+        </a:xfrm>
+      </p:grpSpPr>
+      <p:sp>
+        <p:nvSpPr>
+          <p:cNvPr id="420" name="PlaceHolder 1"/>
+          <p:cNvSpPr>
+            <a:spLocks noGrp="1"/>
+          </p:cNvSpPr>
+          <p:nvPr>
+            <p:ph type="title"/>
+          </p:nvPr>
+        </p:nvSpPr>
+        <p:spPr>
+          <a:xfrm>
             <a:off x="2700000" y="1440000"/>
             <a:ext cx="4679280" cy="1619280"/>
           </a:xfrm>
@@ -36350,8 +37413,8 @@
         <p:txBody>
           <a:bodyPr/>
           <a:p>
-            <a:fld id="{86EF1E99-C0F3-427A-B070-4A6F2099656A}" type="slidenum">
-              <a:t>17</a:t>
+            <a:fld id="{331B619B-29AA-4332-99F8-FCA0A2A6FD32}" type="slidenum">
+              <a:t>19</a:t>
             </a:fld>
           </a:p>
         </p:txBody>
@@ -40164,7 +41227,7 @@
                 </a:solidFill>
                 <a:latin typeface="Noto Sans"/>
               </a:rPr>
-              <a:t>Hypothesis Formulation</a:t>
+              <a:t>Literature Review</a:t>
             </a:r>
             <a:endParaRPr b="0" lang="en-IN" sz="2700" spc="-1" strike="noStrike">
               <a:solidFill>
@@ -40175,60 +41238,1216 @@
           </a:p>
         </p:txBody>
       </p:sp>
-      <p:sp>
-        <p:nvSpPr>
+      <p:graphicFrame>
+        <p:nvGraphicFramePr>
           <p:cNvPr id="378" name=""/>
-          <p:cNvSpPr/>
+          <p:cNvGraphicFramePr/>
           <p:nvPr/>
-        </p:nvSpPr>
-        <p:spPr>
-          <a:xfrm>
-            <a:off x="360000" y="1485000"/>
-            <a:ext cx="9359280" cy="3779280"/>
-          </a:xfrm>
-          <a:prstGeom prst="rect">
-            <a:avLst/>
-          </a:prstGeom>
-          <a:noFill/>
-          <a:ln w="0">
-            <a:noFill/>
-          </a:ln>
-        </p:spPr>
-        <p:style>
-          <a:lnRef idx="0"/>
-          <a:fillRef idx="0"/>
-          <a:effectRef idx="0"/>
-          <a:fontRef idx="minor"/>
-        </p:style>
-        <p:txBody>
-          <a:bodyPr lIns="0" rIns="0" tIns="0" bIns="0" anchor="t">
-            <a:normAutofit/>
-          </a:bodyPr>
-          <a:p>
-            <a:pPr>
-              <a:lnSpc>
-                <a:spcPct val="100000"/>
-              </a:lnSpc>
-            </a:pPr>
-            <a:r>
-              <a:rPr b="1" lang="en-IN" sz="2400" spc="-1" strike="noStrike">
-                <a:solidFill>
-                  <a:srgbClr val="2c3e50"/>
-                </a:solidFill>
-                <a:latin typeface="Noto Sans"/>
-                <a:ea typeface="DejaVu Sans"/>
-              </a:rPr>
-              <a:t>Better performance of a digital filter can be achived in terms of latency using RNN with filter coefficients. Incorporating RNNs into digital filter design will enhance adaptability and performance, particularly in handling non-stationary signals and complex patterns.</a:t>
-            </a:r>
-            <a:endParaRPr b="0" lang="en-IN" sz="2400" spc="-1" strike="noStrike">
-              <a:solidFill>
-                <a:srgbClr val="000000"/>
-              </a:solidFill>
-              <a:latin typeface="Arial"/>
-            </a:endParaRPr>
-          </a:p>
-        </p:txBody>
-      </p:sp>
+        </p:nvGraphicFramePr>
+        <p:xfrm>
+          <a:off x="504360" y="1512000"/>
+          <a:ext cx="9071640" cy="3599640"/>
+        </p:xfrm>
+        <a:graphic>
+          <a:graphicData uri="http://schemas.openxmlformats.org/drawingml/2006/table">
+            <a:tbl>
+              <a:tblPr/>
+              <a:tblGrid>
+                <a:gridCol w="846360"/>
+                <a:gridCol w="3440520"/>
+                <a:gridCol w="3809880"/>
+                <a:gridCol w="975240"/>
+              </a:tblGrid>
+              <a:tr h="492840">
+                <a:tc>
+                  <a:txBody>
+                    <a:bodyPr lIns="90000" rIns="90000" anchor="t">
+                      <a:noAutofit/>
+                    </a:bodyPr>
+                    <a:p>
+                      <a:pPr algn="ctr">
+                        <a:lnSpc>
+                          <a:spcPct val="100000"/>
+                        </a:lnSpc>
+                      </a:pPr>
+                      <a:r>
+                        <a:rPr b="1" lang="en-IN" sz="1800" spc="-1" strike="noStrike">
+                          <a:solidFill>
+                            <a:srgbClr val="2c3e50"/>
+                          </a:solidFill>
+                          <a:latin typeface="Noto Sans"/>
+                        </a:rPr>
+                        <a:t>S.No.</a:t>
+                      </a:r>
+                      <a:endParaRPr b="0" lang="en-IN" sz="1800" spc="-1" strike="noStrike">
+                        <a:solidFill>
+                          <a:srgbClr val="000000"/>
+                        </a:solidFill>
+                        <a:latin typeface="Arial"/>
+                      </a:endParaRPr>
+                    </a:p>
+                  </a:txBody>
+                  <a:tcPr anchor="t" marL="90000" marR="90000">
+                    <a:lnL w="720">
+                      <a:solidFill>
+                        <a:srgbClr val="ffffff"/>
+                      </a:solidFill>
+                      <a:prstDash val="solid"/>
+                    </a:lnL>
+                    <a:lnR w="720">
+                      <a:solidFill>
+                        <a:srgbClr val="ffffff"/>
+                      </a:solidFill>
+                      <a:prstDash val="solid"/>
+                    </a:lnR>
+                    <a:lnT w="720">
+                      <a:solidFill>
+                        <a:srgbClr val="ffffff"/>
+                      </a:solidFill>
+                      <a:prstDash val="solid"/>
+                    </a:lnT>
+                    <a:lnB w="720">
+                      <a:solidFill>
+                        <a:srgbClr val="ffffff"/>
+                      </a:solidFill>
+                      <a:prstDash val="solid"/>
+                    </a:lnB>
+                    <a:solidFill>
+                      <a:srgbClr val="b3b3b3"/>
+                    </a:solidFill>
+                  </a:tcPr>
+                </a:tc>
+                <a:tc>
+                  <a:txBody>
+                    <a:bodyPr lIns="90000" rIns="90000" anchor="t">
+                      <a:noAutofit/>
+                    </a:bodyPr>
+                    <a:p>
+                      <a:pPr algn="ctr">
+                        <a:lnSpc>
+                          <a:spcPct val="100000"/>
+                        </a:lnSpc>
+                      </a:pPr>
+                      <a:r>
+                        <a:rPr b="1" lang="en-IN" sz="1800" spc="-1" strike="noStrike">
+                          <a:solidFill>
+                            <a:srgbClr val="2c3e50"/>
+                          </a:solidFill>
+                          <a:latin typeface="Noto Sans"/>
+                        </a:rPr>
+                        <a:t>Paper Title</a:t>
+                      </a:r>
+                      <a:endParaRPr b="0" lang="en-IN" sz="1800" spc="-1" strike="noStrike">
+                        <a:solidFill>
+                          <a:srgbClr val="000000"/>
+                        </a:solidFill>
+                        <a:latin typeface="Arial"/>
+                      </a:endParaRPr>
+                    </a:p>
+                  </a:txBody>
+                  <a:tcPr anchor="t" marL="90000" marR="90000">
+                    <a:lnL w="720">
+                      <a:solidFill>
+                        <a:srgbClr val="ffffff"/>
+                      </a:solidFill>
+                      <a:prstDash val="solid"/>
+                    </a:lnL>
+                    <a:lnR w="720">
+                      <a:solidFill>
+                        <a:srgbClr val="ffffff"/>
+                      </a:solidFill>
+                      <a:prstDash val="solid"/>
+                    </a:lnR>
+                    <a:lnT w="720">
+                      <a:solidFill>
+                        <a:srgbClr val="ffffff"/>
+                      </a:solidFill>
+                      <a:prstDash val="solid"/>
+                    </a:lnT>
+                    <a:lnB w="720">
+                      <a:solidFill>
+                        <a:srgbClr val="ffffff"/>
+                      </a:solidFill>
+                      <a:prstDash val="solid"/>
+                    </a:lnB>
+                    <a:solidFill>
+                      <a:srgbClr val="b3b3b3"/>
+                    </a:solidFill>
+                  </a:tcPr>
+                </a:tc>
+                <a:tc>
+                  <a:txBody>
+                    <a:bodyPr lIns="90000" rIns="90000" anchor="t">
+                      <a:noAutofit/>
+                    </a:bodyPr>
+                    <a:p>
+                      <a:pPr algn="ctr">
+                        <a:lnSpc>
+                          <a:spcPct val="100000"/>
+                        </a:lnSpc>
+                      </a:pPr>
+                      <a:r>
+                        <a:rPr b="1" lang="en-IN" sz="1800" spc="-1" strike="noStrike">
+                          <a:solidFill>
+                            <a:srgbClr val="2c3e50"/>
+                          </a:solidFill>
+                          <a:latin typeface="Noto Sans"/>
+                        </a:rPr>
+                        <a:t>Findings</a:t>
+                      </a:r>
+                      <a:endParaRPr b="0" lang="en-IN" sz="1800" spc="-1" strike="noStrike">
+                        <a:solidFill>
+                          <a:srgbClr val="000000"/>
+                        </a:solidFill>
+                        <a:latin typeface="Arial"/>
+                      </a:endParaRPr>
+                    </a:p>
+                  </a:txBody>
+                  <a:tcPr anchor="t" marL="90000" marR="90000">
+                    <a:lnL w="720">
+                      <a:solidFill>
+                        <a:srgbClr val="ffffff"/>
+                      </a:solidFill>
+                      <a:prstDash val="solid"/>
+                    </a:lnL>
+                    <a:lnR w="720">
+                      <a:solidFill>
+                        <a:srgbClr val="ffffff"/>
+                      </a:solidFill>
+                      <a:prstDash val="solid"/>
+                    </a:lnR>
+                    <a:lnT w="720">
+                      <a:solidFill>
+                        <a:srgbClr val="ffffff"/>
+                      </a:solidFill>
+                      <a:prstDash val="solid"/>
+                    </a:lnT>
+                    <a:lnB w="720">
+                      <a:solidFill>
+                        <a:srgbClr val="ffffff"/>
+                      </a:solidFill>
+                      <a:prstDash val="solid"/>
+                    </a:lnB>
+                    <a:solidFill>
+                      <a:srgbClr val="b3b3b3"/>
+                    </a:solidFill>
+                  </a:tcPr>
+                </a:tc>
+                <a:tc>
+                  <a:txBody>
+                    <a:bodyPr lIns="90000" rIns="90000" anchor="t">
+                      <a:noAutofit/>
+                    </a:bodyPr>
+                    <a:p>
+                      <a:pPr algn="ctr">
+                        <a:lnSpc>
+                          <a:spcPct val="100000"/>
+                        </a:lnSpc>
+                      </a:pPr>
+                      <a:r>
+                        <a:rPr b="1" lang="en-IN" sz="1800" spc="-1" strike="noStrike">
+                          <a:solidFill>
+                            <a:srgbClr val="2c3e50"/>
+                          </a:solidFill>
+                          <a:latin typeface="Noto Sans"/>
+                        </a:rPr>
+                        <a:t>Year</a:t>
+                      </a:r>
+                      <a:endParaRPr b="0" lang="en-IN" sz="1800" spc="-1" strike="noStrike">
+                        <a:solidFill>
+                          <a:srgbClr val="000000"/>
+                        </a:solidFill>
+                        <a:latin typeface="Arial"/>
+                      </a:endParaRPr>
+                    </a:p>
+                  </a:txBody>
+                  <a:tcPr anchor="t" marL="90000" marR="90000">
+                    <a:lnL w="720">
+                      <a:solidFill>
+                        <a:srgbClr val="ffffff"/>
+                      </a:solidFill>
+                      <a:prstDash val="solid"/>
+                    </a:lnL>
+                    <a:lnR w="720">
+                      <a:solidFill>
+                        <a:srgbClr val="ffffff"/>
+                      </a:solidFill>
+                      <a:prstDash val="solid"/>
+                    </a:lnR>
+                    <a:lnT w="720">
+                      <a:solidFill>
+                        <a:srgbClr val="ffffff"/>
+                      </a:solidFill>
+                      <a:prstDash val="solid"/>
+                    </a:lnT>
+                    <a:lnB w="720">
+                      <a:solidFill>
+                        <a:srgbClr val="ffffff"/>
+                      </a:solidFill>
+                      <a:prstDash val="solid"/>
+                    </a:lnB>
+                    <a:solidFill>
+                      <a:srgbClr val="b3b3b3"/>
+                    </a:solidFill>
+                  </a:tcPr>
+                </a:tc>
+              </a:tr>
+              <a:tr h="776520">
+                <a:tc>
+                  <a:txBody>
+                    <a:bodyPr lIns="90000" rIns="90000" anchor="t">
+                      <a:noAutofit/>
+                    </a:bodyPr>
+                    <a:p>
+                      <a:pPr algn="ctr">
+                        <a:lnSpc>
+                          <a:spcPct val="100000"/>
+                        </a:lnSpc>
+                      </a:pPr>
+                      <a:r>
+                        <a:rPr b="0" lang="en-IN" sz="1800" spc="-1" strike="noStrike">
+                          <a:solidFill>
+                            <a:srgbClr val="2c3e50"/>
+                          </a:solidFill>
+                          <a:latin typeface="Noto Sans"/>
+                        </a:rPr>
+                        <a:t>9.</a:t>
+                      </a:r>
+                      <a:endParaRPr b="0" lang="en-IN" sz="1800" spc="-1" strike="noStrike">
+                        <a:solidFill>
+                          <a:srgbClr val="000000"/>
+                        </a:solidFill>
+                        <a:latin typeface="Arial"/>
+                      </a:endParaRPr>
+                    </a:p>
+                  </a:txBody>
+                  <a:tcPr anchor="t" marL="90000" marR="90000">
+                    <a:lnL w="720">
+                      <a:solidFill>
+                        <a:srgbClr val="ffffff"/>
+                      </a:solidFill>
+                      <a:prstDash val="solid"/>
+                    </a:lnL>
+                    <a:lnR w="720">
+                      <a:solidFill>
+                        <a:srgbClr val="ffffff"/>
+                      </a:solidFill>
+                      <a:prstDash val="solid"/>
+                    </a:lnR>
+                    <a:lnT w="720">
+                      <a:solidFill>
+                        <a:srgbClr val="ffffff"/>
+                      </a:solidFill>
+                      <a:prstDash val="solid"/>
+                    </a:lnT>
+                    <a:lnB w="720">
+                      <a:solidFill>
+                        <a:srgbClr val="ffffff"/>
+                      </a:solidFill>
+                      <a:prstDash val="solid"/>
+                    </a:lnB>
+                    <a:solidFill>
+                      <a:srgbClr val="cccccc"/>
+                    </a:solidFill>
+                  </a:tcPr>
+                </a:tc>
+                <a:tc>
+                  <a:txBody>
+                    <a:bodyPr lIns="90000" rIns="90000" anchor="t">
+                      <a:noAutofit/>
+                    </a:bodyPr>
+                    <a:p>
+                      <a:pPr>
+                        <a:lnSpc>
+                          <a:spcPct val="100000"/>
+                        </a:lnSpc>
+                        <a:spcAft>
+                          <a:spcPts val="1049"/>
+                        </a:spcAft>
+                      </a:pPr>
+                      <a:r>
+                        <a:rPr b="0" lang="en-IN" sz="1800" spc="-1" strike="noStrike">
+                          <a:solidFill>
+                            <a:srgbClr val="2c3e50"/>
+                          </a:solidFill>
+                          <a:latin typeface="Noto Sans"/>
+                          <a:ea typeface="DejaVu Sans"/>
+                        </a:rPr>
+                        <a:t>One Approach for Training of Recurrent Neural Network Model of IIR Digital Filter</a:t>
+                      </a:r>
+                      <a:endParaRPr b="0" lang="en-IN" sz="1800" spc="-1" strike="noStrike">
+                        <a:solidFill>
+                          <a:srgbClr val="000000"/>
+                        </a:solidFill>
+                        <a:latin typeface="Arial"/>
+                      </a:endParaRPr>
+                    </a:p>
+                  </a:txBody>
+                  <a:tcPr anchor="t" marL="90000" marR="90000">
+                    <a:lnL w="720">
+                      <a:solidFill>
+                        <a:srgbClr val="ffffff"/>
+                      </a:solidFill>
+                      <a:prstDash val="solid"/>
+                    </a:lnL>
+                    <a:lnR w="720">
+                      <a:solidFill>
+                        <a:srgbClr val="ffffff"/>
+                      </a:solidFill>
+                      <a:prstDash val="solid"/>
+                    </a:lnR>
+                    <a:lnT w="720">
+                      <a:solidFill>
+                        <a:srgbClr val="ffffff"/>
+                      </a:solidFill>
+                      <a:prstDash val="solid"/>
+                    </a:lnT>
+                    <a:lnB w="720">
+                      <a:solidFill>
+                        <a:srgbClr val="ffffff"/>
+                      </a:solidFill>
+                      <a:prstDash val="solid"/>
+                    </a:lnB>
+                    <a:solidFill>
+                      <a:srgbClr val="cccccc"/>
+                    </a:solidFill>
+                  </a:tcPr>
+                </a:tc>
+                <a:tc>
+                  <a:txBody>
+                    <a:bodyPr lIns="90000" rIns="90000" anchor="t">
+                      <a:noAutofit/>
+                    </a:bodyPr>
+                    <a:p>
+                      <a:pPr algn="ctr">
+                        <a:lnSpc>
+                          <a:spcPct val="100000"/>
+                        </a:lnSpc>
+                      </a:pPr>
+                      <a:r>
+                        <a:rPr b="0" lang="en-IN" sz="1800" spc="-1" strike="noStrike">
+                          <a:solidFill>
+                            <a:srgbClr val="2c3e50"/>
+                          </a:solidFill>
+                          <a:latin typeface="Noto Sans"/>
+                        </a:rPr>
+                        <a:t>Limitations of basic RNN and introduces LSTM, GRU &amp; BRNN</a:t>
+                      </a:r>
+                      <a:endParaRPr b="0" lang="en-IN" sz="1800" spc="-1" strike="noStrike">
+                        <a:solidFill>
+                          <a:srgbClr val="000000"/>
+                        </a:solidFill>
+                        <a:latin typeface="Arial"/>
+                      </a:endParaRPr>
+                    </a:p>
+                  </a:txBody>
+                  <a:tcPr anchor="t" marL="90000" marR="90000">
+                    <a:lnL w="720">
+                      <a:solidFill>
+                        <a:srgbClr val="ffffff"/>
+                      </a:solidFill>
+                      <a:prstDash val="solid"/>
+                    </a:lnL>
+                    <a:lnR w="720">
+                      <a:solidFill>
+                        <a:srgbClr val="ffffff"/>
+                      </a:solidFill>
+                      <a:prstDash val="solid"/>
+                    </a:lnR>
+                    <a:lnT w="720">
+                      <a:solidFill>
+                        <a:srgbClr val="ffffff"/>
+                      </a:solidFill>
+                      <a:prstDash val="solid"/>
+                    </a:lnT>
+                    <a:lnB w="720">
+                      <a:solidFill>
+                        <a:srgbClr val="ffffff"/>
+                      </a:solidFill>
+                      <a:prstDash val="solid"/>
+                    </a:lnB>
+                    <a:solidFill>
+                      <a:srgbClr val="cccccc"/>
+                    </a:solidFill>
+                  </a:tcPr>
+                </a:tc>
+                <a:tc>
+                  <a:txBody>
+                    <a:bodyPr lIns="90000" rIns="90000" anchor="t">
+                      <a:noAutofit/>
+                    </a:bodyPr>
+                    <a:p>
+                      <a:pPr algn="ctr">
+                        <a:lnSpc>
+                          <a:spcPct val="100000"/>
+                        </a:lnSpc>
+                      </a:pPr>
+                      <a:r>
+                        <a:rPr b="0" lang="en-IN" sz="1800" spc="-1" strike="noStrike">
+                          <a:solidFill>
+                            <a:srgbClr val="2c3e50"/>
+                          </a:solidFill>
+                          <a:latin typeface="Noto Sans"/>
+                        </a:rPr>
+                        <a:t>2010</a:t>
+                      </a:r>
+                      <a:endParaRPr b="0" lang="en-IN" sz="1800" spc="-1" strike="noStrike">
+                        <a:solidFill>
+                          <a:srgbClr val="000000"/>
+                        </a:solidFill>
+                        <a:latin typeface="Arial"/>
+                      </a:endParaRPr>
+                    </a:p>
+                  </a:txBody>
+                  <a:tcPr anchor="t" marL="90000" marR="90000">
+                    <a:lnL w="720">
+                      <a:solidFill>
+                        <a:srgbClr val="ffffff"/>
+                      </a:solidFill>
+                      <a:prstDash val="solid"/>
+                    </a:lnL>
+                    <a:lnR w="720">
+                      <a:solidFill>
+                        <a:srgbClr val="ffffff"/>
+                      </a:solidFill>
+                      <a:prstDash val="solid"/>
+                    </a:lnR>
+                    <a:lnT w="720">
+                      <a:solidFill>
+                        <a:srgbClr val="ffffff"/>
+                      </a:solidFill>
+                      <a:prstDash val="solid"/>
+                    </a:lnT>
+                    <a:lnB w="720">
+                      <a:solidFill>
+                        <a:srgbClr val="ffffff"/>
+                      </a:solidFill>
+                      <a:prstDash val="solid"/>
+                    </a:lnB>
+                    <a:solidFill>
+                      <a:srgbClr val="cccccc"/>
+                    </a:solidFill>
+                  </a:tcPr>
+                </a:tc>
+              </a:tr>
+              <a:tr h="776520">
+                <a:tc>
+                  <a:txBody>
+                    <a:bodyPr lIns="90000" rIns="90000" anchor="t">
+                      <a:noAutofit/>
+                    </a:bodyPr>
+                    <a:p>
+                      <a:pPr algn="ctr">
+                        <a:lnSpc>
+                          <a:spcPct val="100000"/>
+                        </a:lnSpc>
+                      </a:pPr>
+                      <a:r>
+                        <a:rPr b="0" lang="en-IN" sz="1800" spc="-1" strike="noStrike">
+                          <a:solidFill>
+                            <a:srgbClr val="2c3e50"/>
+                          </a:solidFill>
+                          <a:latin typeface="Noto Sans"/>
+                        </a:rPr>
+                        <a:t>10.</a:t>
+                      </a:r>
+                      <a:endParaRPr b="0" lang="en-IN" sz="1800" spc="-1" strike="noStrike">
+                        <a:solidFill>
+                          <a:srgbClr val="000000"/>
+                        </a:solidFill>
+                        <a:latin typeface="Arial"/>
+                      </a:endParaRPr>
+                    </a:p>
+                  </a:txBody>
+                  <a:tcPr anchor="t" marL="90000" marR="90000">
+                    <a:lnL w="720">
+                      <a:solidFill>
+                        <a:srgbClr val="ffffff"/>
+                      </a:solidFill>
+                      <a:prstDash val="solid"/>
+                    </a:lnL>
+                    <a:lnR w="720">
+                      <a:solidFill>
+                        <a:srgbClr val="ffffff"/>
+                      </a:solidFill>
+                      <a:prstDash val="solid"/>
+                    </a:lnR>
+                    <a:lnT w="720">
+                      <a:solidFill>
+                        <a:srgbClr val="ffffff"/>
+                      </a:solidFill>
+                      <a:prstDash val="solid"/>
+                    </a:lnT>
+                    <a:lnB w="720">
+                      <a:solidFill>
+                        <a:srgbClr val="ffffff"/>
+                      </a:solidFill>
+                      <a:prstDash val="solid"/>
+                    </a:lnB>
+                    <a:solidFill>
+                      <a:srgbClr val="e6e6e6"/>
+                    </a:solidFill>
+                  </a:tcPr>
+                </a:tc>
+                <a:tc>
+                  <a:txBody>
+                    <a:bodyPr lIns="90000" rIns="90000" anchor="t">
+                      <a:noAutofit/>
+                    </a:bodyPr>
+                    <a:p>
+                      <a:pPr>
+                        <a:lnSpc>
+                          <a:spcPct val="100000"/>
+                        </a:lnSpc>
+                        <a:spcAft>
+                          <a:spcPts val="1049"/>
+                        </a:spcAft>
+                      </a:pPr>
+                      <a:r>
+                        <a:rPr b="0" lang="en-IN" sz="1800" spc="-1" strike="noStrike">
+                          <a:solidFill>
+                            <a:srgbClr val="2c3e50"/>
+                          </a:solidFill>
+                          <a:latin typeface="Noto Sans"/>
+                          <a:ea typeface="DejaVu Sans"/>
+                        </a:rPr>
+                        <a:t>Acoustic Echo Cancellation by Combining Adaptive Digital Filter and Recurrent Neural Network</a:t>
+                      </a:r>
+                      <a:endParaRPr b="0" lang="en-IN" sz="1800" spc="-1" strike="noStrike">
+                        <a:solidFill>
+                          <a:srgbClr val="000000"/>
+                        </a:solidFill>
+                        <a:latin typeface="Arial"/>
+                      </a:endParaRPr>
+                    </a:p>
+                  </a:txBody>
+                  <a:tcPr anchor="t" marL="90000" marR="90000">
+                    <a:lnL w="720">
+                      <a:solidFill>
+                        <a:srgbClr val="ffffff"/>
+                      </a:solidFill>
+                      <a:prstDash val="solid"/>
+                    </a:lnL>
+                    <a:lnR w="720">
+                      <a:solidFill>
+                        <a:srgbClr val="ffffff"/>
+                      </a:solidFill>
+                      <a:prstDash val="solid"/>
+                    </a:lnR>
+                    <a:lnT w="720">
+                      <a:solidFill>
+                        <a:srgbClr val="ffffff"/>
+                      </a:solidFill>
+                      <a:prstDash val="solid"/>
+                    </a:lnT>
+                    <a:lnB w="720">
+                      <a:solidFill>
+                        <a:srgbClr val="ffffff"/>
+                      </a:solidFill>
+                      <a:prstDash val="solid"/>
+                    </a:lnB>
+                    <a:solidFill>
+                      <a:srgbClr val="e6e6e6"/>
+                    </a:solidFill>
+                  </a:tcPr>
+                </a:tc>
+                <a:tc>
+                  <a:txBody>
+                    <a:bodyPr lIns="90000" rIns="90000" anchor="t">
+                      <a:noAutofit/>
+                    </a:bodyPr>
+                    <a:p>
+                      <a:pPr algn="ctr">
+                        <a:lnSpc>
+                          <a:spcPct val="100000"/>
+                        </a:lnSpc>
+                      </a:pPr>
+                      <a:r>
+                        <a:rPr b="0" lang="en-IN" sz="1800" spc="-1" strike="noStrike">
+                          <a:solidFill>
+                            <a:srgbClr val="2c3e50"/>
+                          </a:solidFill>
+                          <a:latin typeface="Noto Sans"/>
+                        </a:rPr>
+                        <a:t>Unified filtering capability for power quality improvement</a:t>
+                      </a:r>
+                      <a:endParaRPr b="0" lang="en-IN" sz="1800" spc="-1" strike="noStrike">
+                        <a:solidFill>
+                          <a:srgbClr val="000000"/>
+                        </a:solidFill>
+                        <a:latin typeface="Arial"/>
+                      </a:endParaRPr>
+                    </a:p>
+                  </a:txBody>
+                  <a:tcPr anchor="t" marL="90000" marR="90000">
+                    <a:lnL w="720">
+                      <a:solidFill>
+                        <a:srgbClr val="ffffff"/>
+                      </a:solidFill>
+                      <a:prstDash val="solid"/>
+                    </a:lnL>
+                    <a:lnR w="720">
+                      <a:solidFill>
+                        <a:srgbClr val="ffffff"/>
+                      </a:solidFill>
+                      <a:prstDash val="solid"/>
+                    </a:lnR>
+                    <a:lnT w="720">
+                      <a:solidFill>
+                        <a:srgbClr val="ffffff"/>
+                      </a:solidFill>
+                      <a:prstDash val="solid"/>
+                    </a:lnT>
+                    <a:lnB w="720">
+                      <a:solidFill>
+                        <a:srgbClr val="ffffff"/>
+                      </a:solidFill>
+                      <a:prstDash val="solid"/>
+                    </a:lnB>
+                    <a:solidFill>
+                      <a:srgbClr val="e6e6e6"/>
+                    </a:solidFill>
+                  </a:tcPr>
+                </a:tc>
+                <a:tc>
+                  <a:txBody>
+                    <a:bodyPr lIns="90000" rIns="90000" anchor="t">
+                      <a:noAutofit/>
+                    </a:bodyPr>
+                    <a:p>
+                      <a:pPr algn="ctr">
+                        <a:lnSpc>
+                          <a:spcPct val="100000"/>
+                        </a:lnSpc>
+                      </a:pPr>
+                      <a:r>
+                        <a:rPr b="0" lang="en-IN" sz="1800" spc="-1" strike="noStrike">
+                          <a:solidFill>
+                            <a:srgbClr val="2c3e50"/>
+                          </a:solidFill>
+                          <a:latin typeface="Noto Sans"/>
+                        </a:rPr>
+                        <a:t>2020</a:t>
+                      </a:r>
+                      <a:endParaRPr b="0" lang="en-IN" sz="1800" spc="-1" strike="noStrike">
+                        <a:solidFill>
+                          <a:srgbClr val="000000"/>
+                        </a:solidFill>
+                        <a:latin typeface="Arial"/>
+                      </a:endParaRPr>
+                    </a:p>
+                  </a:txBody>
+                  <a:tcPr anchor="t" marL="90000" marR="90000">
+                    <a:lnL w="720">
+                      <a:solidFill>
+                        <a:srgbClr val="ffffff"/>
+                      </a:solidFill>
+                      <a:prstDash val="solid"/>
+                    </a:lnL>
+                    <a:lnR w="720">
+                      <a:solidFill>
+                        <a:srgbClr val="ffffff"/>
+                      </a:solidFill>
+                      <a:prstDash val="solid"/>
+                    </a:lnR>
+                    <a:lnT w="720">
+                      <a:solidFill>
+                        <a:srgbClr val="ffffff"/>
+                      </a:solidFill>
+                      <a:prstDash val="solid"/>
+                    </a:lnT>
+                    <a:lnB w="720">
+                      <a:solidFill>
+                        <a:srgbClr val="ffffff"/>
+                      </a:solidFill>
+                      <a:prstDash val="solid"/>
+                    </a:lnB>
+                    <a:solidFill>
+                      <a:srgbClr val="e6e6e6"/>
+                    </a:solidFill>
+                  </a:tcPr>
+                </a:tc>
+              </a:tr>
+              <a:tr h="776520">
+                <a:tc>
+                  <a:txBody>
+                    <a:bodyPr lIns="90000" rIns="90000" anchor="t">
+                      <a:noAutofit/>
+                    </a:bodyPr>
+                    <a:p>
+                      <a:pPr algn="ctr">
+                        <a:lnSpc>
+                          <a:spcPct val="100000"/>
+                        </a:lnSpc>
+                      </a:pPr>
+                      <a:r>
+                        <a:rPr b="0" lang="en-IN" sz="1800" spc="-1" strike="noStrike">
+                          <a:solidFill>
+                            <a:srgbClr val="2c3e50"/>
+                          </a:solidFill>
+                          <a:latin typeface="Noto Sans"/>
+                        </a:rPr>
+                        <a:t>11.</a:t>
+                      </a:r>
+                      <a:endParaRPr b="0" lang="en-IN" sz="1800" spc="-1" strike="noStrike">
+                        <a:solidFill>
+                          <a:srgbClr val="000000"/>
+                        </a:solidFill>
+                        <a:latin typeface="Arial"/>
+                      </a:endParaRPr>
+                    </a:p>
+                  </a:txBody>
+                  <a:tcPr anchor="t" marL="90000" marR="90000">
+                    <a:lnL w="720">
+                      <a:solidFill>
+                        <a:srgbClr val="ffffff"/>
+                      </a:solidFill>
+                      <a:prstDash val="solid"/>
+                    </a:lnL>
+                    <a:lnR w="720">
+                      <a:solidFill>
+                        <a:srgbClr val="ffffff"/>
+                      </a:solidFill>
+                      <a:prstDash val="solid"/>
+                    </a:lnR>
+                    <a:lnT w="720">
+                      <a:solidFill>
+                        <a:srgbClr val="ffffff"/>
+                      </a:solidFill>
+                      <a:prstDash val="solid"/>
+                    </a:lnT>
+                    <a:lnB w="720">
+                      <a:solidFill>
+                        <a:srgbClr val="ffffff"/>
+                      </a:solidFill>
+                      <a:prstDash val="solid"/>
+                    </a:lnB>
+                    <a:solidFill>
+                      <a:srgbClr val="cccccc"/>
+                    </a:solidFill>
+                  </a:tcPr>
+                </a:tc>
+                <a:tc>
+                  <a:txBody>
+                    <a:bodyPr lIns="90000" rIns="90000" anchor="t">
+                      <a:noAutofit/>
+                    </a:bodyPr>
+                    <a:p>
+                      <a:pPr>
+                        <a:lnSpc>
+                          <a:spcPct val="100000"/>
+                        </a:lnSpc>
+                        <a:spcAft>
+                          <a:spcPts val="1049"/>
+                        </a:spcAft>
+                      </a:pPr>
+                      <a:r>
+                        <a:rPr b="0" lang="en-IN" sz="1800" spc="-1" strike="noStrike">
+                          <a:solidFill>
+                            <a:srgbClr val="2c3e50"/>
+                          </a:solidFill>
+                          <a:latin typeface="Noto Sans"/>
+                          <a:ea typeface="DejaVu Sans"/>
+                        </a:rPr>
+                        <a:t>Digital IIR filters with minimal group delay for real-time applications</a:t>
+                      </a:r>
+                      <a:endParaRPr b="0" lang="en-IN" sz="1800" spc="-1" strike="noStrike">
+                        <a:solidFill>
+                          <a:srgbClr val="000000"/>
+                        </a:solidFill>
+                        <a:latin typeface="Arial"/>
+                      </a:endParaRPr>
+                    </a:p>
+                  </a:txBody>
+                  <a:tcPr anchor="t" marL="90000" marR="90000">
+                    <a:lnL w="720">
+                      <a:solidFill>
+                        <a:srgbClr val="ffffff"/>
+                      </a:solidFill>
+                      <a:prstDash val="solid"/>
+                    </a:lnL>
+                    <a:lnR w="720">
+                      <a:solidFill>
+                        <a:srgbClr val="ffffff"/>
+                      </a:solidFill>
+                      <a:prstDash val="solid"/>
+                    </a:lnR>
+                    <a:lnT w="720">
+                      <a:solidFill>
+                        <a:srgbClr val="ffffff"/>
+                      </a:solidFill>
+                      <a:prstDash val="solid"/>
+                    </a:lnT>
+                    <a:lnB w="720">
+                      <a:solidFill>
+                        <a:srgbClr val="ffffff"/>
+                      </a:solidFill>
+                      <a:prstDash val="solid"/>
+                    </a:lnB>
+                    <a:solidFill>
+                      <a:srgbClr val="cccccc"/>
+                    </a:solidFill>
+                  </a:tcPr>
+                </a:tc>
+                <a:tc>
+                  <a:txBody>
+                    <a:bodyPr lIns="90000" rIns="90000" anchor="t">
+                      <a:noAutofit/>
+                    </a:bodyPr>
+                    <a:p>
+                      <a:pPr algn="ctr">
+                        <a:lnSpc>
+                          <a:spcPct val="100000"/>
+                        </a:lnSpc>
+                      </a:pPr>
+                      <a:r>
+                        <a:rPr b="0" lang="en-IN" sz="1800" spc="-1" strike="noStrike">
+                          <a:solidFill>
+                            <a:srgbClr val="2c3e50"/>
+                          </a:solidFill>
+                          <a:latin typeface="Noto Sans"/>
+                        </a:rPr>
+                        <a:t>Approximating an IIR system by an FIR model using LSTM</a:t>
+                      </a:r>
+                      <a:endParaRPr b="0" lang="en-IN" sz="1800" spc="-1" strike="noStrike">
+                        <a:solidFill>
+                          <a:srgbClr val="000000"/>
+                        </a:solidFill>
+                        <a:latin typeface="Arial"/>
+                      </a:endParaRPr>
+                    </a:p>
+                  </a:txBody>
+                  <a:tcPr anchor="t" marL="90000" marR="90000">
+                    <a:lnL w="720">
+                      <a:solidFill>
+                        <a:srgbClr val="ffffff"/>
+                      </a:solidFill>
+                      <a:prstDash val="solid"/>
+                    </a:lnL>
+                    <a:lnR w="720">
+                      <a:solidFill>
+                        <a:srgbClr val="ffffff"/>
+                      </a:solidFill>
+                      <a:prstDash val="solid"/>
+                    </a:lnR>
+                    <a:lnT w="720">
+                      <a:solidFill>
+                        <a:srgbClr val="ffffff"/>
+                      </a:solidFill>
+                      <a:prstDash val="solid"/>
+                    </a:lnT>
+                    <a:lnB w="720">
+                      <a:solidFill>
+                        <a:srgbClr val="ffffff"/>
+                      </a:solidFill>
+                      <a:prstDash val="solid"/>
+                    </a:lnB>
+                    <a:solidFill>
+                      <a:srgbClr val="cccccc"/>
+                    </a:solidFill>
+                  </a:tcPr>
+                </a:tc>
+                <a:tc>
+                  <a:txBody>
+                    <a:bodyPr lIns="90000" rIns="90000" anchor="t">
+                      <a:noAutofit/>
+                    </a:bodyPr>
+                    <a:p>
+                      <a:pPr algn="ctr">
+                        <a:lnSpc>
+                          <a:spcPct val="100000"/>
+                        </a:lnSpc>
+                      </a:pPr>
+                      <a:r>
+                        <a:rPr b="0" lang="en-IN" sz="1800" spc="-1" strike="noStrike">
+                          <a:solidFill>
+                            <a:srgbClr val="2c3e50"/>
+                          </a:solidFill>
+                          <a:latin typeface="Noto Sans"/>
+                        </a:rPr>
+                        <a:t>2012</a:t>
+                      </a:r>
+                      <a:endParaRPr b="0" lang="en-IN" sz="1800" spc="-1" strike="noStrike">
+                        <a:solidFill>
+                          <a:srgbClr val="000000"/>
+                        </a:solidFill>
+                        <a:latin typeface="Arial"/>
+                      </a:endParaRPr>
+                    </a:p>
+                  </a:txBody>
+                  <a:tcPr anchor="t" marL="90000" marR="90000">
+                    <a:lnL w="720">
+                      <a:solidFill>
+                        <a:srgbClr val="ffffff"/>
+                      </a:solidFill>
+                      <a:prstDash val="solid"/>
+                    </a:lnL>
+                    <a:lnR w="720">
+                      <a:solidFill>
+                        <a:srgbClr val="ffffff"/>
+                      </a:solidFill>
+                      <a:prstDash val="solid"/>
+                    </a:lnR>
+                    <a:lnT w="720">
+                      <a:solidFill>
+                        <a:srgbClr val="ffffff"/>
+                      </a:solidFill>
+                      <a:prstDash val="solid"/>
+                    </a:lnT>
+                    <a:lnB w="720">
+                      <a:solidFill>
+                        <a:srgbClr val="ffffff"/>
+                      </a:solidFill>
+                      <a:prstDash val="solid"/>
+                    </a:lnB>
+                    <a:solidFill>
+                      <a:srgbClr val="cccccc"/>
+                    </a:solidFill>
+                  </a:tcPr>
+                </a:tc>
+              </a:tr>
+              <a:tr h="777240">
+                <a:tc>
+                  <a:txBody>
+                    <a:bodyPr lIns="90000" rIns="90000" anchor="t">
+                      <a:noAutofit/>
+                    </a:bodyPr>
+                    <a:p>
+                      <a:pPr algn="ctr">
+                        <a:lnSpc>
+                          <a:spcPct val="100000"/>
+                        </a:lnSpc>
+                      </a:pPr>
+                      <a:r>
+                        <a:rPr b="0" lang="en-IN" sz="1800" spc="-1" strike="noStrike">
+                          <a:solidFill>
+                            <a:srgbClr val="2c3e50"/>
+                          </a:solidFill>
+                          <a:latin typeface="Noto Sans"/>
+                        </a:rPr>
+                        <a:t>12.</a:t>
+                      </a:r>
+                      <a:endParaRPr b="0" lang="en-IN" sz="1800" spc="-1" strike="noStrike">
+                        <a:solidFill>
+                          <a:srgbClr val="000000"/>
+                        </a:solidFill>
+                        <a:latin typeface="Arial"/>
+                      </a:endParaRPr>
+                    </a:p>
+                  </a:txBody>
+                  <a:tcPr anchor="t" marL="90000" marR="90000">
+                    <a:lnL w="720">
+                      <a:solidFill>
+                        <a:srgbClr val="ffffff"/>
+                      </a:solidFill>
+                      <a:prstDash val="solid"/>
+                    </a:lnL>
+                    <a:lnR w="720">
+                      <a:solidFill>
+                        <a:srgbClr val="ffffff"/>
+                      </a:solidFill>
+                      <a:prstDash val="solid"/>
+                    </a:lnR>
+                    <a:lnT w="720">
+                      <a:solidFill>
+                        <a:srgbClr val="ffffff"/>
+                      </a:solidFill>
+                      <a:prstDash val="solid"/>
+                    </a:lnT>
+                    <a:lnB w="720">
+                      <a:solidFill>
+                        <a:srgbClr val="ffffff"/>
+                      </a:solidFill>
+                      <a:prstDash val="solid"/>
+                    </a:lnB>
+                    <a:solidFill>
+                      <a:srgbClr val="e6e6e6"/>
+                    </a:solidFill>
+                  </a:tcPr>
+                </a:tc>
+                <a:tc>
+                  <a:txBody>
+                    <a:bodyPr lIns="90000" rIns="90000" anchor="t">
+                      <a:noAutofit/>
+                    </a:bodyPr>
+                    <a:p>
+                      <a:pPr>
+                        <a:lnSpc>
+                          <a:spcPct val="100000"/>
+                        </a:lnSpc>
+                        <a:spcAft>
+                          <a:spcPts val="1049"/>
+                        </a:spcAft>
+                      </a:pPr>
+                      <a:r>
+                        <a:rPr b="0" lang="en-IN" sz="1800" spc="-1" strike="noStrike">
+                          <a:solidFill>
+                            <a:srgbClr val="2c3e50"/>
+                          </a:solidFill>
+                          <a:latin typeface="Noto Sans"/>
+                          <a:ea typeface="DejaVu Sans"/>
+                        </a:rPr>
+                        <a:t>One Dimensional IIR Digital Filter Modeling Based on Recur rent Neural Network</a:t>
+                      </a:r>
+                      <a:endParaRPr b="0" lang="en-IN" sz="1800" spc="-1" strike="noStrike">
+                        <a:solidFill>
+                          <a:srgbClr val="000000"/>
+                        </a:solidFill>
+                        <a:latin typeface="Arial"/>
+                      </a:endParaRPr>
+                    </a:p>
+                  </a:txBody>
+                  <a:tcPr anchor="t" marL="90000" marR="90000">
+                    <a:lnL w="720">
+                      <a:solidFill>
+                        <a:srgbClr val="ffffff"/>
+                      </a:solidFill>
+                      <a:prstDash val="solid"/>
+                    </a:lnL>
+                    <a:lnR w="720">
+                      <a:solidFill>
+                        <a:srgbClr val="ffffff"/>
+                      </a:solidFill>
+                      <a:prstDash val="solid"/>
+                    </a:lnR>
+                    <a:lnT w="720">
+                      <a:solidFill>
+                        <a:srgbClr val="ffffff"/>
+                      </a:solidFill>
+                      <a:prstDash val="solid"/>
+                    </a:lnT>
+                    <a:lnB w="720">
+                      <a:solidFill>
+                        <a:srgbClr val="ffffff"/>
+                      </a:solidFill>
+                      <a:prstDash val="solid"/>
+                    </a:lnB>
+                    <a:solidFill>
+                      <a:srgbClr val="e6e6e6"/>
+                    </a:solidFill>
+                  </a:tcPr>
+                </a:tc>
+                <a:tc>
+                  <a:txBody>
+                    <a:bodyPr lIns="90000" rIns="90000" anchor="t">
+                      <a:noAutofit/>
+                    </a:bodyPr>
+                    <a:p>
+                      <a:pPr algn="ctr">
+                        <a:lnSpc>
+                          <a:spcPct val="100000"/>
+                        </a:lnSpc>
+                      </a:pPr>
+                      <a:r>
+                        <a:rPr b="0" lang="en-IN" sz="1800" spc="-1" strike="noStrike">
+                          <a:solidFill>
+                            <a:srgbClr val="2c3e50"/>
+                          </a:solidFill>
+                          <a:latin typeface="Noto Sans"/>
+                        </a:rPr>
+                        <a:t>Music classification task by CNN and variants of RNN</a:t>
+                      </a:r>
+                      <a:endParaRPr b="0" lang="en-IN" sz="1800" spc="-1" strike="noStrike">
+                        <a:solidFill>
+                          <a:srgbClr val="000000"/>
+                        </a:solidFill>
+                        <a:latin typeface="Arial"/>
+                      </a:endParaRPr>
+                    </a:p>
+                  </a:txBody>
+                  <a:tcPr anchor="t" marL="90000" marR="90000">
+                    <a:lnL w="720">
+                      <a:solidFill>
+                        <a:srgbClr val="ffffff"/>
+                      </a:solidFill>
+                      <a:prstDash val="solid"/>
+                    </a:lnL>
+                    <a:lnR w="720">
+                      <a:solidFill>
+                        <a:srgbClr val="ffffff"/>
+                      </a:solidFill>
+                      <a:prstDash val="solid"/>
+                    </a:lnR>
+                    <a:lnT w="720">
+                      <a:solidFill>
+                        <a:srgbClr val="ffffff"/>
+                      </a:solidFill>
+                      <a:prstDash val="solid"/>
+                    </a:lnT>
+                    <a:lnB w="720">
+                      <a:solidFill>
+                        <a:srgbClr val="ffffff"/>
+                      </a:solidFill>
+                      <a:prstDash val="solid"/>
+                    </a:lnB>
+                    <a:solidFill>
+                      <a:srgbClr val="e6e6e6"/>
+                    </a:solidFill>
+                  </a:tcPr>
+                </a:tc>
+                <a:tc>
+                  <a:txBody>
+                    <a:bodyPr lIns="90000" rIns="90000" anchor="t">
+                      <a:noAutofit/>
+                    </a:bodyPr>
+                    <a:p>
+                      <a:pPr algn="ctr">
+                        <a:lnSpc>
+                          <a:spcPct val="100000"/>
+                        </a:lnSpc>
+                      </a:pPr>
+                      <a:r>
+                        <a:rPr b="0" lang="en-IN" sz="1800" spc="-1" strike="noStrike">
+                          <a:solidFill>
+                            <a:srgbClr val="2c3e50"/>
+                          </a:solidFill>
+                          <a:latin typeface="Noto Sans"/>
+                        </a:rPr>
+                        <a:t>2010</a:t>
+                      </a:r>
+                      <a:endParaRPr b="0" lang="en-IN" sz="1800" spc="-1" strike="noStrike">
+                        <a:solidFill>
+                          <a:srgbClr val="000000"/>
+                        </a:solidFill>
+                        <a:latin typeface="Arial"/>
+                      </a:endParaRPr>
+                    </a:p>
+                  </a:txBody>
+                  <a:tcPr anchor="t" marL="90000" marR="90000">
+                    <a:lnL w="720">
+                      <a:solidFill>
+                        <a:srgbClr val="ffffff"/>
+                      </a:solidFill>
+                      <a:prstDash val="solid"/>
+                    </a:lnL>
+                    <a:lnR w="720">
+                      <a:solidFill>
+                        <a:srgbClr val="ffffff"/>
+                      </a:solidFill>
+                      <a:prstDash val="solid"/>
+                    </a:lnR>
+                    <a:lnT w="720">
+                      <a:solidFill>
+                        <a:srgbClr val="ffffff"/>
+                      </a:solidFill>
+                      <a:prstDash val="solid"/>
+                    </a:lnT>
+                    <a:lnB w="720">
+                      <a:solidFill>
+                        <a:srgbClr val="ffffff"/>
+                      </a:solidFill>
+                      <a:prstDash val="solid"/>
+                    </a:lnB>
+                    <a:solidFill>
+                      <a:srgbClr val="e6e6e6"/>
+                    </a:solidFill>
+                  </a:tcPr>
+                </a:tc>
+              </a:tr>
+            </a:tbl>
+          </a:graphicData>
+        </a:graphic>
+      </p:graphicFrame>
     </p:spTree>
   </p:cSld>
   <mc:AlternateContent>
@@ -40303,7 +42522,7 @@
                 </a:solidFill>
                 <a:latin typeface="Noto Sans"/>
               </a:rPr>
-              <a:t>Research Methodology</a:t>
+              <a:t>Hypothesis Formulation</a:t>
             </a:r>
             <a:endParaRPr b="0" lang="en-IN" sz="2700" spc="-1" strike="noStrike">
               <a:solidFill>
@@ -40316,85 +42535,21 @@
       </p:sp>
       <p:sp>
         <p:nvSpPr>
-          <p:cNvPr id="380" name="PlaceHolder 2"/>
-          <p:cNvSpPr>
-            <a:spLocks noGrp="1"/>
-          </p:cNvSpPr>
-          <p:nvPr>
-            <p:ph/>
-          </p:nvPr>
+          <p:cNvPr id="380" name=""/>
+          <p:cNvSpPr/>
+          <p:nvPr/>
         </p:nvSpPr>
         <p:spPr>
           <a:xfrm>
-            <a:off x="2520000" y="1485000"/>
-            <a:ext cx="5039280" cy="494280"/>
+            <a:off x="360000" y="1485000"/>
+            <a:ext cx="9359280" cy="3779280"/>
           </a:xfrm>
           <a:prstGeom prst="rect">
             <a:avLst/>
           </a:prstGeom>
           <a:noFill/>
-          <a:ln w="76320">
-            <a:solidFill>
-              <a:srgbClr val="3465a4"/>
-            </a:solidFill>
-            <a:round/>
-          </a:ln>
-        </p:spPr>
-        <p:txBody>
-          <a:bodyPr lIns="37800" rIns="37800" tIns="37800" bIns="37800" anchor="t">
-            <a:normAutofit/>
-          </a:bodyPr>
-          <a:p>
-            <a:pPr indent="0" algn="ctr">
-              <a:lnSpc>
-                <a:spcPct val="100000"/>
-              </a:lnSpc>
-              <a:spcAft>
-                <a:spcPts val="1057"/>
-              </a:spcAft>
-              <a:buNone/>
-              <a:tabLst>
-                <a:tab algn="l" pos="0"/>
-              </a:tabLst>
-            </a:pPr>
-            <a:r>
-              <a:rPr b="1" lang="en-IN" sz="2400" spc="-1" strike="noStrike">
-                <a:solidFill>
-                  <a:srgbClr val="2c3e50"/>
-                </a:solidFill>
-                <a:latin typeface="Noto Sans"/>
-              </a:rPr>
-              <a:t>Calculation of Filter Coefficients</a:t>
-            </a:r>
-            <a:endParaRPr b="0" lang="en-IN" sz="2400" spc="-1" strike="noStrike">
-              <a:solidFill>
-                <a:srgbClr val="000000"/>
-              </a:solidFill>
-              <a:latin typeface="Arial"/>
-            </a:endParaRPr>
-          </a:p>
-        </p:txBody>
-      </p:sp>
-      <p:sp>
-        <p:nvSpPr>
-          <p:cNvPr id="381" name=""/>
-          <p:cNvSpPr/>
-          <p:nvPr/>
-        </p:nvSpPr>
-        <p:spPr>
-          <a:xfrm>
-            <a:off x="2520000" y="2565360"/>
-            <a:ext cx="5039280" cy="494280"/>
-          </a:xfrm>
-          <a:prstGeom prst="rect">
-            <a:avLst/>
-          </a:prstGeom>
-          <a:noFill/>
-          <a:ln w="76320">
-            <a:solidFill>
-              <a:srgbClr val="3465a4"/>
-            </a:solidFill>
-            <a:round/>
+          <a:ln w="0">
+            <a:noFill/>
           </a:ln>
         </p:spPr>
         <p:style>
@@ -40404,188 +42559,8 @@
           <a:fontRef idx="minor"/>
         </p:style>
         <p:txBody>
-          <a:bodyPr lIns="37800" rIns="37800" tIns="37800" bIns="37800" anchor="t">
+          <a:bodyPr lIns="0" rIns="0" tIns="0" bIns="0" anchor="t">
             <a:normAutofit/>
-          </a:bodyPr>
-          <a:p>
-            <a:pPr algn="ctr">
-              <a:lnSpc>
-                <a:spcPct val="100000"/>
-              </a:lnSpc>
-              <a:spcAft>
-                <a:spcPts val="1057"/>
-              </a:spcAft>
-            </a:pPr>
-            <a:r>
-              <a:rPr b="1" lang="en-IN" sz="2400" spc="-1" strike="noStrike">
-                <a:solidFill>
-                  <a:srgbClr val="2c3e50"/>
-                </a:solidFill>
-                <a:latin typeface="Noto Sans"/>
-                <a:ea typeface="DejaVu Sans"/>
-              </a:rPr>
-              <a:t>Modelling RNN Digital Filter</a:t>
-            </a:r>
-            <a:endParaRPr b="0" lang="en-IN" sz="2400" spc="-1" strike="noStrike">
-              <a:solidFill>
-                <a:srgbClr val="000000"/>
-              </a:solidFill>
-              <a:latin typeface="Arial"/>
-            </a:endParaRPr>
-          </a:p>
-        </p:txBody>
-      </p:sp>
-      <p:sp>
-        <p:nvSpPr>
-          <p:cNvPr id="382" name=""/>
-          <p:cNvSpPr/>
-          <p:nvPr/>
-        </p:nvSpPr>
-        <p:spPr>
-          <a:xfrm>
-            <a:off x="2520000" y="3609720"/>
-            <a:ext cx="5039280" cy="494280"/>
-          </a:xfrm>
-          <a:prstGeom prst="rect">
-            <a:avLst/>
-          </a:prstGeom>
-          <a:noFill/>
-          <a:ln w="76320">
-            <a:solidFill>
-              <a:srgbClr val="3465a4"/>
-            </a:solidFill>
-            <a:round/>
-          </a:ln>
-        </p:spPr>
-        <p:style>
-          <a:lnRef idx="0"/>
-          <a:fillRef idx="0"/>
-          <a:effectRef idx="0"/>
-          <a:fontRef idx="minor"/>
-        </p:style>
-        <p:txBody>
-          <a:bodyPr lIns="37800" rIns="37800" tIns="37800" bIns="37800" anchor="t">
-            <a:normAutofit/>
-          </a:bodyPr>
-          <a:p>
-            <a:pPr algn="ctr">
-              <a:lnSpc>
-                <a:spcPct val="100000"/>
-              </a:lnSpc>
-              <a:spcAft>
-                <a:spcPts val="1057"/>
-              </a:spcAft>
-            </a:pPr>
-            <a:r>
-              <a:rPr b="1" lang="en-IN" sz="2400" spc="-1" strike="noStrike">
-                <a:solidFill>
-                  <a:srgbClr val="2c3e50"/>
-                </a:solidFill>
-                <a:latin typeface="Noto Sans"/>
-                <a:ea typeface="DejaVu Sans"/>
-              </a:rPr>
-              <a:t>Python Code</a:t>
-            </a:r>
-            <a:endParaRPr b="0" lang="en-IN" sz="2400" spc="-1" strike="noStrike">
-              <a:solidFill>
-                <a:srgbClr val="000000"/>
-              </a:solidFill>
-              <a:latin typeface="Arial"/>
-            </a:endParaRPr>
-          </a:p>
-        </p:txBody>
-      </p:sp>
-      <p:sp>
-        <p:nvSpPr>
-          <p:cNvPr id="383" name=""/>
-          <p:cNvSpPr/>
-          <p:nvPr/>
-        </p:nvSpPr>
-        <p:spPr>
-          <a:xfrm>
-            <a:off x="2520000" y="4690080"/>
-            <a:ext cx="5039280" cy="494280"/>
-          </a:xfrm>
-          <a:prstGeom prst="rect">
-            <a:avLst/>
-          </a:prstGeom>
-          <a:noFill/>
-          <a:ln w="76320">
-            <a:solidFill>
-              <a:srgbClr val="3465a4"/>
-            </a:solidFill>
-            <a:round/>
-          </a:ln>
-        </p:spPr>
-        <p:style>
-          <a:lnRef idx="0"/>
-          <a:fillRef idx="0"/>
-          <a:effectRef idx="0"/>
-          <a:fontRef idx="minor"/>
-        </p:style>
-        <p:txBody>
-          <a:bodyPr lIns="37800" rIns="37800" tIns="37800" bIns="37800" anchor="t">
-            <a:normAutofit/>
-          </a:bodyPr>
-          <a:p>
-            <a:pPr algn="ctr">
-              <a:lnSpc>
-                <a:spcPct val="100000"/>
-              </a:lnSpc>
-              <a:spcAft>
-                <a:spcPts val="1057"/>
-              </a:spcAft>
-            </a:pPr>
-            <a:r>
-              <a:rPr b="1" lang="en-IN" sz="2400" spc="-1" strike="noStrike">
-                <a:solidFill>
-                  <a:srgbClr val="2c3e50"/>
-                </a:solidFill>
-                <a:latin typeface="Noto Sans"/>
-                <a:ea typeface="DejaVu Sans"/>
-              </a:rPr>
-              <a:t>Latency Testing</a:t>
-            </a:r>
-            <a:endParaRPr b="0" lang="en-IN" sz="2400" spc="-1" strike="noStrike">
-              <a:solidFill>
-                <a:srgbClr val="000000"/>
-              </a:solidFill>
-              <a:latin typeface="Arial"/>
-            </a:endParaRPr>
-          </a:p>
-        </p:txBody>
-      </p:sp>
-      <p:sp>
-        <p:nvSpPr>
-          <p:cNvPr id="384" name=""/>
-          <p:cNvSpPr/>
-          <p:nvPr/>
-        </p:nvSpPr>
-        <p:spPr>
-          <a:xfrm>
-            <a:off x="5040000" y="2016000"/>
-            <a:ext cx="360" cy="585360"/>
-          </a:xfrm>
-          <a:prstGeom prst="line">
-            <a:avLst/>
-          </a:prstGeom>
-          <a:ln w="76320">
-            <a:solidFill>
-              <a:srgbClr val="355269"/>
-            </a:solidFill>
-            <a:round/>
-            <a:tailEnd len="med" type="triangle" w="med"/>
-          </a:ln>
-        </p:spPr>
-        <p:style>
-          <a:lnRef idx="0"/>
-          <a:fillRef idx="0"/>
-          <a:effectRef idx="0"/>
-          <a:fontRef idx="minor"/>
-        </p:style>
-        <p:txBody>
-          <a:bodyPr lIns="90000" rIns="90000" tIns="45000" bIns="45000" anchor="t" anchorCtr="1">
-            <a:noAutofit/>
           </a:bodyPr>
           <a:p>
             <a:pPr>
@@ -40593,108 +42568,21 @@
                 <a:spcPct val="100000"/>
               </a:lnSpc>
             </a:pPr>
-            <a:endParaRPr b="0" lang="en-IN" sz="1800" spc="-1" strike="noStrike">
-              <a:solidFill>
-                <a:srgbClr val="000000"/>
-              </a:solidFill>
-              <a:latin typeface="Arial"/>
-              <a:ea typeface="DejaVu Sans"/>
-            </a:endParaRPr>
-          </a:p>
-        </p:txBody>
-      </p:sp>
-      <p:sp>
-        <p:nvSpPr>
-          <p:cNvPr id="385" name=""/>
-          <p:cNvSpPr/>
-          <p:nvPr/>
-        </p:nvSpPr>
-        <p:spPr>
-          <a:xfrm>
-            <a:off x="5040000" y="3040920"/>
-            <a:ext cx="360" cy="585360"/>
-          </a:xfrm>
-          <a:prstGeom prst="line">
-            <a:avLst/>
-          </a:prstGeom>
-          <a:ln w="76320">
-            <a:solidFill>
-              <a:srgbClr val="355269"/>
-            </a:solidFill>
-            <a:round/>
-            <a:tailEnd len="med" type="triangle" w="med"/>
-          </a:ln>
-        </p:spPr>
-        <p:style>
-          <a:lnRef idx="0"/>
-          <a:fillRef idx="0"/>
-          <a:effectRef idx="0"/>
-          <a:fontRef idx="minor"/>
-        </p:style>
-        <p:txBody>
-          <a:bodyPr lIns="90000" rIns="90000" tIns="45000" bIns="45000" anchor="t" anchorCtr="1">
-            <a:noAutofit/>
-          </a:bodyPr>
-          <a:p>
-            <a:pPr>
-              <a:lnSpc>
-                <a:spcPct val="100000"/>
-              </a:lnSpc>
-            </a:pPr>
-            <a:endParaRPr b="0" lang="en-IN" sz="1800" spc="-1" strike="noStrike">
-              <a:solidFill>
-                <a:srgbClr val="000000"/>
-              </a:solidFill>
-              <a:latin typeface="Arial"/>
-              <a:ea typeface="DejaVu Sans"/>
-            </a:endParaRPr>
-          </a:p>
-        </p:txBody>
-      </p:sp>
-      <p:sp>
-        <p:nvSpPr>
-          <p:cNvPr id="386" name=""/>
-          <p:cNvSpPr/>
-          <p:nvPr/>
-        </p:nvSpPr>
-        <p:spPr>
-          <a:xfrm>
-            <a:off x="5040000" y="4137840"/>
-            <a:ext cx="360" cy="585360"/>
-          </a:xfrm>
-          <a:prstGeom prst="line">
-            <a:avLst/>
-          </a:prstGeom>
-          <a:ln w="76320">
-            <a:solidFill>
-              <a:srgbClr val="355269"/>
-            </a:solidFill>
-            <a:round/>
-            <a:tailEnd len="med" type="triangle" w="med"/>
-          </a:ln>
-        </p:spPr>
-        <p:style>
-          <a:lnRef idx="0"/>
-          <a:fillRef idx="0"/>
-          <a:effectRef idx="0"/>
-          <a:fontRef idx="minor"/>
-        </p:style>
-        <p:txBody>
-          <a:bodyPr lIns="90000" rIns="90000" tIns="45000" bIns="45000" anchor="t" anchorCtr="1">
-            <a:noAutofit/>
-          </a:bodyPr>
-          <a:p>
-            <a:pPr>
-              <a:lnSpc>
-                <a:spcPct val="100000"/>
-              </a:lnSpc>
-            </a:pPr>
-            <a:endParaRPr b="0" lang="en-IN" sz="1800" spc="-1" strike="noStrike">
-              <a:solidFill>
-                <a:srgbClr val="000000"/>
-              </a:solidFill>
-              <a:latin typeface="Arial"/>
-              <a:ea typeface="DejaVu Sans"/>
+            <a:r>
+              <a:rPr b="1" lang="en-IN" sz="2400" spc="-1" strike="noStrike">
+                <a:solidFill>
+                  <a:srgbClr val="2c3e50"/>
+                </a:solidFill>
+                <a:latin typeface="Noto Sans"/>
+                <a:ea typeface="DejaVu Sans"/>
+              </a:rPr>
+              <a:t>Better performance of a digital filter can be achieved in terms of latency using RNN with filter coefficients. Incorporating RNNs into digital filter design will enhance adaptability and performance, particularly in handling non-stationary signals and complex patterns.</a:t>
+            </a:r>
+            <a:endParaRPr b="0" lang="en-IN" sz="2400" spc="-1" strike="noStrike">
+              <a:solidFill>
+                <a:srgbClr val="000000"/>
+              </a:solidFill>
+              <a:latin typeface="Arial"/>
             </a:endParaRPr>
           </a:p>
         </p:txBody>
@@ -40709,353 +42597,6 @@
       <p:transition spd="slow"/>
     </mc:Fallback>
   </mc:AlternateContent>
-  <p:timing>
-    <p:tnLst>
-      <p:par>
-        <p:cTn id="38" dur="indefinite" restart="never" nodeType="tmRoot">
-          <p:childTnLst>
-            <p:seq>
-              <p:cTn id="39" dur="indefinite" nodeType="mainSeq">
-                <p:childTnLst>
-                  <p:par>
-                    <p:cTn id="40" fill="hold">
-                      <p:stCondLst>
-                        <p:cond delay="indefinite"/>
-                      </p:stCondLst>
-                      <p:childTnLst>
-                        <p:par>
-                          <p:cTn id="41" fill="hold">
-                            <p:stCondLst>
-                              <p:cond delay="0"/>
-                            </p:stCondLst>
-                            <p:childTnLst>
-                              <p:par>
-                                <p:cTn id="42" nodeType="clickEffect" fill="hold" presetClass="entr" presetID="14" presetSubtype="10">
-                                  <p:stCondLst>
-                                    <p:cond delay="0"/>
-                                  </p:stCondLst>
-                                  <p:childTnLst>
-                                    <p:set>
-                                      <p:cBhvr>
-                                        <p:cTn id="43" dur="1" fill="hold">
-                                          <p:stCondLst>
-                                            <p:cond delay="0"/>
-                                          </p:stCondLst>
-                                        </p:cTn>
-                                        <p:tgtEl>
-                                          <p:spTgt spid="380"/>
-                                        </p:tgtEl>
-                                        <p:attrNameLst>
-                                          <p:attrName>style.visibility</p:attrName>
-                                        </p:attrNameLst>
-                                      </p:cBhvr>
-                                      <p:to>
-                                        <p:strVal val="visible"/>
-                                      </p:to>
-                                    </p:set>
-                                    <p:animEffect filter="randombar(horizontal)" transition="in">
-                                      <p:cBhvr additive="repl">
-                                        <p:cTn id="44" dur="500"/>
-                                        <p:tgtEl>
-                                          <p:spTgt spid="380"/>
-                                        </p:tgtEl>
-                                      </p:cBhvr>
-                                    </p:animEffect>
-                                  </p:childTnLst>
-                                </p:cTn>
-                              </p:par>
-                            </p:childTnLst>
-                          </p:cTn>
-                        </p:par>
-                      </p:childTnLst>
-                    </p:cTn>
-                  </p:par>
-                  <p:par>
-                    <p:cTn id="45" fill="hold">
-                      <p:stCondLst>
-                        <p:cond delay="indefinite"/>
-                      </p:stCondLst>
-                      <p:childTnLst>
-                        <p:par>
-                          <p:cTn id="46" fill="hold">
-                            <p:stCondLst>
-                              <p:cond delay="0"/>
-                            </p:stCondLst>
-                            <p:childTnLst>
-                              <p:par>
-                                <p:cTn id="47" nodeType="clickEffect" fill="hold" presetClass="entr" presetID="14" presetSubtype="10">
-                                  <p:stCondLst>
-                                    <p:cond delay="0"/>
-                                  </p:stCondLst>
-                                  <p:childTnLst>
-                                    <p:set>
-                                      <p:cBhvr>
-                                        <p:cTn id="48" dur="1" fill="hold">
-                                          <p:stCondLst>
-                                            <p:cond delay="0"/>
-                                          </p:stCondLst>
-                                        </p:cTn>
-                                        <p:tgtEl>
-                                          <p:spTgt spid="384"/>
-                                        </p:tgtEl>
-                                        <p:attrNameLst>
-                                          <p:attrName>style.visibility</p:attrName>
-                                        </p:attrNameLst>
-                                      </p:cBhvr>
-                                      <p:to>
-                                        <p:strVal val="visible"/>
-                                      </p:to>
-                                    </p:set>
-                                    <p:animEffect filter="randombar(horizontal)" transition="in">
-                                      <p:cBhvr additive="repl">
-                                        <p:cTn id="49" dur="500"/>
-                                        <p:tgtEl>
-                                          <p:spTgt spid="384"/>
-                                        </p:tgtEl>
-                                      </p:cBhvr>
-                                    </p:animEffect>
-                                  </p:childTnLst>
-                                </p:cTn>
-                              </p:par>
-                              <p:par>
-                                <p:cTn id="50" nodeType="withEffect" fill="hold" presetClass="entr" presetID="14" presetSubtype="10">
-                                  <p:stCondLst>
-                                    <p:cond delay="0"/>
-                                  </p:stCondLst>
-                                  <p:childTnLst>
-                                    <p:set>
-                                      <p:cBhvr>
-                                        <p:cTn id="51" dur="1" fill="hold">
-                                          <p:stCondLst>
-                                            <p:cond delay="0"/>
-                                          </p:stCondLst>
-                                        </p:cTn>
-                                        <p:tgtEl>
-                                          <p:spTgt spid="381"/>
-                                        </p:tgtEl>
-                                        <p:attrNameLst>
-                                          <p:attrName>style.visibility</p:attrName>
-                                        </p:attrNameLst>
-                                      </p:cBhvr>
-                                      <p:to>
-                                        <p:strVal val="visible"/>
-                                      </p:to>
-                                    </p:set>
-                                    <p:animEffect filter="randombar(horizontal)" transition="in">
-                                      <p:cBhvr additive="repl">
-                                        <p:cTn id="52" dur="500"/>
-                                        <p:tgtEl>
-                                          <p:spTgt spid="381"/>
-                                        </p:tgtEl>
-                                      </p:cBhvr>
-                                    </p:animEffect>
-                                  </p:childTnLst>
-                                </p:cTn>
-                              </p:par>
-                            </p:childTnLst>
-                          </p:cTn>
-                        </p:par>
-                      </p:childTnLst>
-                    </p:cTn>
-                  </p:par>
-                  <p:par>
-                    <p:cTn id="53" fill="hold">
-                      <p:stCondLst>
-                        <p:cond delay="indefinite"/>
-                      </p:stCondLst>
-                      <p:childTnLst>
-                        <p:par>
-                          <p:cTn id="54" fill="hold">
-                            <p:stCondLst>
-                              <p:cond delay="0"/>
-                            </p:stCondLst>
-                            <p:childTnLst>
-                              <p:par>
-                                <p:cTn id="55" nodeType="clickEffect" fill="hold" presetClass="entr" presetID="14" presetSubtype="10">
-                                  <p:stCondLst>
-                                    <p:cond delay="0"/>
-                                  </p:stCondLst>
-                                  <p:childTnLst>
-                                    <p:set>
-                                      <p:cBhvr>
-                                        <p:cTn id="56" dur="1" fill="hold">
-                                          <p:stCondLst>
-                                            <p:cond delay="0"/>
-                                          </p:stCondLst>
-                                        </p:cTn>
-                                        <p:tgtEl>
-                                          <p:spTgt spid="385"/>
-                                        </p:tgtEl>
-                                        <p:attrNameLst>
-                                          <p:attrName>style.visibility</p:attrName>
-                                        </p:attrNameLst>
-                                      </p:cBhvr>
-                                      <p:to>
-                                        <p:strVal val="visible"/>
-                                      </p:to>
-                                    </p:set>
-                                    <p:animEffect filter="randombar(horizontal)" transition="in">
-                                      <p:cBhvr additive="repl">
-                                        <p:cTn id="57" dur="500"/>
-                                        <p:tgtEl>
-                                          <p:spTgt spid="385"/>
-                                        </p:tgtEl>
-                                      </p:cBhvr>
-                                    </p:animEffect>
-                                  </p:childTnLst>
-                                </p:cTn>
-                              </p:par>
-                              <p:par>
-                                <p:cTn id="58" nodeType="withEffect" fill="hold" presetClass="entr" presetID="14" presetSubtype="10">
-                                  <p:stCondLst>
-                                    <p:cond delay="0"/>
-                                  </p:stCondLst>
-                                  <p:childTnLst>
-                                    <p:set>
-                                      <p:cBhvr>
-                                        <p:cTn id="59" dur="1" fill="hold">
-                                          <p:stCondLst>
-                                            <p:cond delay="0"/>
-                                          </p:stCondLst>
-                                        </p:cTn>
-                                        <p:tgtEl>
-                                          <p:spTgt spid="382"/>
-                                        </p:tgtEl>
-                                        <p:attrNameLst>
-                                          <p:attrName>style.visibility</p:attrName>
-                                        </p:attrNameLst>
-                                      </p:cBhvr>
-                                      <p:to>
-                                        <p:strVal val="visible"/>
-                                      </p:to>
-                                    </p:set>
-                                    <p:animEffect filter="randombar(horizontal)" transition="in">
-                                      <p:cBhvr additive="repl">
-                                        <p:cTn id="60" dur="500"/>
-                                        <p:tgtEl>
-                                          <p:spTgt spid="382"/>
-                                        </p:tgtEl>
-                                      </p:cBhvr>
-                                    </p:animEffect>
-                                  </p:childTnLst>
-                                </p:cTn>
-                              </p:par>
-                            </p:childTnLst>
-                          </p:cTn>
-                        </p:par>
-                      </p:childTnLst>
-                    </p:cTn>
-                  </p:par>
-                  <p:par>
-                    <p:cTn id="61" fill="hold">
-                      <p:stCondLst>
-                        <p:cond delay="indefinite"/>
-                      </p:stCondLst>
-                      <p:childTnLst>
-                        <p:par>
-                          <p:cTn id="62" fill="hold">
-                            <p:stCondLst>
-                              <p:cond delay="0"/>
-                            </p:stCondLst>
-                            <p:childTnLst>
-                              <p:par>
-                                <p:cTn id="63" nodeType="clickEffect" fill="hold" presetClass="entr" presetID="14" presetSubtype="10">
-                                  <p:stCondLst>
-                                    <p:cond delay="0"/>
-                                  </p:stCondLst>
-                                  <p:childTnLst>
-                                    <p:set>
-                                      <p:cBhvr>
-                                        <p:cTn id="64" dur="1" fill="hold">
-                                          <p:stCondLst>
-                                            <p:cond delay="0"/>
-                                          </p:stCondLst>
-                                        </p:cTn>
-                                        <p:tgtEl>
-                                          <p:spTgt spid="386"/>
-                                        </p:tgtEl>
-                                        <p:attrNameLst>
-                                          <p:attrName>style.visibility</p:attrName>
-                                        </p:attrNameLst>
-                                      </p:cBhvr>
-                                      <p:to>
-                                        <p:strVal val="visible"/>
-                                      </p:to>
-                                    </p:set>
-                                    <p:animEffect filter="randombar(horizontal)" transition="in">
-                                      <p:cBhvr additive="repl">
-                                        <p:cTn id="65" dur="500"/>
-                                        <p:tgtEl>
-                                          <p:spTgt spid="386"/>
-                                        </p:tgtEl>
-                                      </p:cBhvr>
-                                    </p:animEffect>
-                                  </p:childTnLst>
-                                </p:cTn>
-                              </p:par>
-                              <p:par>
-                                <p:cTn id="66" nodeType="withEffect" fill="hold" presetClass="entr" presetID="14" presetSubtype="10">
-                                  <p:stCondLst>
-                                    <p:cond delay="0"/>
-                                  </p:stCondLst>
-                                  <p:childTnLst>
-                                    <p:set>
-                                      <p:cBhvr>
-                                        <p:cTn id="67" dur="1" fill="hold">
-                                          <p:stCondLst>
-                                            <p:cond delay="0"/>
-                                          </p:stCondLst>
-                                        </p:cTn>
-                                        <p:tgtEl>
-                                          <p:spTgt spid="383"/>
-                                        </p:tgtEl>
-                                        <p:attrNameLst>
-                                          <p:attrName>style.visibility</p:attrName>
-                                        </p:attrNameLst>
-                                      </p:cBhvr>
-                                      <p:to>
-                                        <p:strVal val="visible"/>
-                                      </p:to>
-                                    </p:set>
-                                    <p:animEffect filter="randombar(horizontal)" transition="in">
-                                      <p:cBhvr additive="repl">
-                                        <p:cTn id="68" dur="500"/>
-                                        <p:tgtEl>
-                                          <p:spTgt spid="383"/>
-                                        </p:tgtEl>
-                                      </p:cBhvr>
-                                    </p:animEffect>
-                                  </p:childTnLst>
-                                </p:cTn>
-                              </p:par>
-                            </p:childTnLst>
-                          </p:cTn>
-                        </p:par>
-                      </p:childTnLst>
-                    </p:cTn>
-                  </p:par>
-                </p:childTnLst>
-              </p:cTn>
-              <p:prevCondLst>
-                <p:cond evt="onPrev">
-                  <p:tgtEl>
-                    <p:sldTgt/>
-                  </p:tgtEl>
-                </p:cond>
-              </p:prevCondLst>
-              <p:nextCondLst>
-                <p:cond evt="onNext">
-                  <p:tgtEl>
-                    <p:sldTgt/>
-                  </p:tgtEl>
-                </p:cond>
-              </p:nextCondLst>
-            </p:seq>
-          </p:childTnLst>
-        </p:cTn>
-      </p:par>
-    </p:tnLst>
-  </p:timing>
 </p:sld>
 </file>
 

--- a/A Low Latency Digital Filter using Recurrent Neural Network/PPT/Presentation.pptx
+++ b/A Low Latency Digital Filter using Recurrent Neural Network/PPT/Presentation.pptx
@@ -1044,7 +1044,7 @@
         <p:txBody>
           <a:bodyPr/>
           <a:p>
-            <a:fld id="{A7C949DB-B4DD-420F-A937-937593E4D4EE}" type="slidenum">
+            <a:fld id="{18464250-0FF1-43D3-A7E1-3D76591CEEF2}" type="slidenum">
               <a:t>&lt;#&gt;</a:t>
             </a:fld>
           </a:p>
@@ -1253,7 +1253,7 @@
         <p:txBody>
           <a:bodyPr/>
           <a:p>
-            <a:fld id="{37B8B980-0027-475A-8EC1-DDACAB337065}" type="slidenum">
+            <a:fld id="{0D0EF99F-CD94-497D-A901-58EE57E189B9}" type="slidenum">
               <a:t>&lt;#&gt;</a:t>
             </a:fld>
           </a:p>
@@ -1548,7 +1548,7 @@
         <p:txBody>
           <a:bodyPr/>
           <a:p>
-            <a:fld id="{4E698719-3171-4E8A-8A50-EEA6782B43E4}" type="slidenum">
+            <a:fld id="{5D57191D-08E2-4F51-BDBB-0649C6367329}" type="slidenum">
               <a:t>&lt;#&gt;</a:t>
             </a:fld>
           </a:p>
@@ -1631,7 +1631,7 @@
         <p:txBody>
           <a:bodyPr/>
           <a:p>
-            <a:fld id="{19F65131-56D1-40FE-BF82-ED52F91AF92B}" type="slidenum">
+            <a:fld id="{BCE0603F-BCD5-4EA6-9002-8B1156E90DAB}" type="slidenum">
               <a:t>&lt;#&gt;</a:t>
             </a:fld>
           </a:p>
@@ -1714,7 +1714,7 @@
         <p:txBody>
           <a:bodyPr/>
           <a:p>
-            <a:fld id="{4153F453-B018-4987-A331-3DF0656A4AC6}" type="slidenum">
+            <a:fld id="{26C145AB-92C2-4711-8722-53A4AA3B0530}" type="slidenum">
               <a:t>&lt;#&gt;</a:t>
             </a:fld>
           </a:p>
@@ -1880,7 +1880,7 @@
         <p:txBody>
           <a:bodyPr/>
           <a:p>
-            <a:fld id="{C5AD0E4A-E01F-45B1-BA68-1675F2181544}" type="slidenum">
+            <a:fld id="{9247FE0F-6FB4-447D-9002-40D1F0889EEB}" type="slidenum">
               <a:t>&lt;#&gt;</a:t>
             </a:fld>
           </a:p>
@@ -2046,7 +2046,7 @@
         <p:txBody>
           <a:bodyPr/>
           <a:p>
-            <a:fld id="{A150EFD8-08E5-4048-B7E6-7304150F3D2A}" type="slidenum">
+            <a:fld id="{E2BAAFEE-E746-4203-8D14-CC9DBF48D79E}" type="slidenum">
               <a:t>&lt;#&gt;</a:t>
             </a:fld>
           </a:p>
@@ -2444,7 +2444,7 @@
         <p:txBody>
           <a:bodyPr/>
           <a:p>
-            <a:fld id="{D645D2D0-F146-43A0-AD78-28F4C3237C3C}" type="slidenum">
+            <a:fld id="{B19F0B97-5E30-4F35-868A-334CB513D17C}" type="slidenum">
               <a:t>&lt;#&gt;</a:t>
             </a:fld>
           </a:p>
@@ -2567,7 +2567,7 @@
         <p:txBody>
           <a:bodyPr/>
           <a:p>
-            <a:fld id="{99B4BA49-015C-41A8-AED4-2C750E2A2EEA}" type="slidenum">
+            <a:fld id="{363AB4F2-B57A-4017-A099-5C280129C8B7}" type="slidenum">
               <a:t>&lt;#&gt;</a:t>
             </a:fld>
           </a:p>
@@ -2650,7 +2650,7 @@
         <p:txBody>
           <a:bodyPr/>
           <a:p>
-            <a:fld id="{4CFC92B6-7640-44F0-8B78-366D4B612232}" type="slidenum">
+            <a:fld id="{EA84EDAE-9C4E-4B6C-8FE8-F429D71C0C7F}" type="slidenum">
               <a:t>&lt;#&gt;</a:t>
             </a:fld>
           </a:p>
@@ -2902,7 +2902,7 @@
         <p:txBody>
           <a:bodyPr/>
           <a:p>
-            <a:fld id="{55EE473C-2D19-4B4E-8AA3-CD20AB42282F}" type="slidenum">
+            <a:fld id="{50BF6D5C-08B6-453A-926D-CCF9C82A27EC}" type="slidenum">
               <a:t>&lt;#&gt;</a:t>
             </a:fld>
           </a:p>
@@ -3154,7 +3154,7 @@
         <p:txBody>
           <a:bodyPr/>
           <a:p>
-            <a:fld id="{BB8BD3FA-B476-4B60-9997-B357F8E2E55C}" type="slidenum">
+            <a:fld id="{38B37866-E727-45A8-AE14-9223A648449A}" type="slidenum">
               <a:t>&lt;#&gt;</a:t>
             </a:fld>
           </a:p>
@@ -3406,7 +3406,7 @@
         <p:txBody>
           <a:bodyPr/>
           <a:p>
-            <a:fld id="{BA97F346-58E6-4E9C-81EE-8DE46B0226BF}" type="slidenum">
+            <a:fld id="{8B3CC7DF-1204-4E5B-A634-13ABD2B2E5A1}" type="slidenum">
               <a:t>&lt;#&gt;</a:t>
             </a:fld>
           </a:p>
@@ -3615,7 +3615,7 @@
         <p:txBody>
           <a:bodyPr/>
           <a:p>
-            <a:fld id="{219D2A8A-A13D-4912-B0CD-69A617322D82}" type="slidenum">
+            <a:fld id="{FFFC5E88-6288-45DD-8D0A-286927978CB6}" type="slidenum">
               <a:t>&lt;#&gt;</a:t>
             </a:fld>
           </a:p>
@@ -3910,7 +3910,7 @@
         <p:txBody>
           <a:bodyPr/>
           <a:p>
-            <a:fld id="{712C3B8A-56D2-4484-B899-CE14B3729793}" type="slidenum">
+            <a:fld id="{EDAF0FE2-9CB3-4582-98BF-6E33A682FCAA}" type="slidenum">
               <a:t>&lt;#&gt;</a:t>
             </a:fld>
           </a:p>
@@ -3993,7 +3993,7 @@
         <p:txBody>
           <a:bodyPr/>
           <a:p>
-            <a:fld id="{41BDCD19-FE27-4C73-AA90-74CB84B0A22E}" type="slidenum">
+            <a:fld id="{DFFBFCEF-DD09-42EF-AA84-2D1CBB700B09}" type="slidenum">
               <a:t>&lt;#&gt;</a:t>
             </a:fld>
           </a:p>
@@ -4076,7 +4076,7 @@
         <p:txBody>
           <a:bodyPr/>
           <a:p>
-            <a:fld id="{04A8C297-08F9-4AE5-BA60-014239F3C302}" type="slidenum">
+            <a:fld id="{88143D05-3729-4BE9-A116-72F25F9CA4B4}" type="slidenum">
               <a:t>&lt;#&gt;</a:t>
             </a:fld>
           </a:p>
@@ -4517,7 +4517,7 @@
         <p:txBody>
           <a:bodyPr/>
           <a:p>
-            <a:fld id="{367FEEF0-8932-40C0-9C2F-E4173C377649}" type="slidenum">
+            <a:fld id="{17FA2E78-0596-450D-A3CE-EDC97F6F50D0}" type="slidenum">
               <a:t>&lt;#&gt;</a:t>
             </a:fld>
           </a:p>
@@ -4683,7 +4683,7 @@
         <p:txBody>
           <a:bodyPr/>
           <a:p>
-            <a:fld id="{4D508D83-2C58-45BF-A879-454572431C56}" type="slidenum">
+            <a:fld id="{A6F42A5D-18C0-461A-83D7-8E11E10D8195}" type="slidenum">
               <a:t>&lt;#&gt;</a:t>
             </a:fld>
           </a:p>
@@ -4892,7 +4892,7 @@
         <p:txBody>
           <a:bodyPr/>
           <a:p>
-            <a:fld id="{449344F9-FE39-4EC8-9A68-102CC2883E83}" type="slidenum">
+            <a:fld id="{271F5C76-9736-4C1E-93C3-B9117C7D2871}" type="slidenum">
               <a:t>&lt;#&gt;</a:t>
             </a:fld>
           </a:p>
@@ -5015,7 +5015,7 @@
         <p:txBody>
           <a:bodyPr/>
           <a:p>
-            <a:fld id="{6118D9BC-39B2-4FF6-AFA3-D7A89550F761}" type="slidenum">
+            <a:fld id="{7D9E1C95-68E4-4071-8DCC-6CEC7679528D}" type="slidenum">
               <a:t>&lt;#&gt;</a:t>
             </a:fld>
           </a:p>
@@ -5098,7 +5098,7 @@
         <p:txBody>
           <a:bodyPr/>
           <a:p>
-            <a:fld id="{E7AE69AD-5C69-4DE9-858C-E21500A5818E}" type="slidenum">
+            <a:fld id="{0DC03445-52C6-4A0A-A72C-F2D201F0F0F2}" type="slidenum">
               <a:t>&lt;#&gt;</a:t>
             </a:fld>
           </a:p>
@@ -5350,7 +5350,7 @@
         <p:txBody>
           <a:bodyPr/>
           <a:p>
-            <a:fld id="{2108B1B6-F29B-49BF-9C40-227303321C52}" type="slidenum">
+            <a:fld id="{CC8F3206-A40D-4567-B246-59198DE3EFDD}" type="slidenum">
               <a:t>&lt;#&gt;</a:t>
             </a:fld>
           </a:p>
@@ -5602,7 +5602,7 @@
         <p:txBody>
           <a:bodyPr/>
           <a:p>
-            <a:fld id="{9A1C9348-DD84-4599-8B9D-55AF7130B756}" type="slidenum">
+            <a:fld id="{8E3E7D66-F531-4E4E-8F6E-1C3D80290F23}" type="slidenum">
               <a:t>&lt;#&gt;</a:t>
             </a:fld>
           </a:p>
@@ -6540,7 +6540,7 @@
                 <a:spcPct val="100000"/>
               </a:lnSpc>
             </a:pPr>
-            <a:fld id="{7F82241B-97AF-4B69-A80D-382A2908A61F}" type="slidenum">
+            <a:fld id="{E0367ECD-78CF-4499-9777-C43E348E7338}" type="slidenum">
               <a:rPr b="1" lang="en-IN" sz="1800" spc="-1" strike="noStrike">
                 <a:solidFill>
                   <a:srgbClr val="ffffff"/>
@@ -7620,7 +7620,7 @@
                 <a:spcPct val="100000"/>
               </a:lnSpc>
             </a:pPr>
-            <a:fld id="{2764ED56-3884-479D-A8C4-0D364E2F9AE8}" type="slidenum">
+            <a:fld id="{64B3A363-40C3-4E3F-96B9-F0B1021FA484}" type="slidenum">
               <a:rPr b="1" lang="en-IN" sz="1800" spc="-1" strike="noStrike">
                 <a:solidFill>
                   <a:srgbClr val="ffffff"/>
@@ -7976,7 +7976,7 @@
                 <a:spcPct val="100000"/>
               </a:lnSpc>
             </a:pPr>
-            <a:fld id="{11D2FEAB-8C18-4F93-A4A2-C65B56B54DD9}" type="slidenum">
+            <a:fld id="{29603F48-1EF4-47C2-8AB0-EA775C3CD3C6}" type="slidenum">
               <a:rPr b="1" lang="en-IN" sz="1800" spc="-1" strike="noStrike">
                 <a:solidFill>
                   <a:srgbClr val="ffffff"/>
@@ -9056,7 +9056,7 @@
                 <a:spcPct val="100000"/>
               </a:lnSpc>
             </a:pPr>
-            <a:fld id="{F41839F3-FFC1-44B5-A1F6-5503DDEB343E}" type="slidenum">
+            <a:fld id="{766FD469-C095-4DF4-8615-405380262886}" type="slidenum">
               <a:rPr b="1" lang="en-IN" sz="1800" spc="-1" strike="noStrike">
                 <a:solidFill>
                   <a:srgbClr val="ffffff"/>
@@ -10904,7 +10904,7 @@
                 <a:tab algn="l" pos="0"/>
               </a:tabLst>
             </a:pPr>
-            <a:fld id="{264AB849-E46D-4103-B806-F94A96C3C4F1}" type="slidenum">
+            <a:fld id="{ABB4342B-7044-4CB1-9C97-994B50040738}" type="slidenum">
               <a:rPr b="1" lang="en-IN" sz="1800" spc="-1" strike="noStrike">
                 <a:solidFill>
                   <a:srgbClr val="ffffff"/>
@@ -11730,7 +11730,7 @@
                 <a:tab algn="l" pos="0"/>
               </a:tabLst>
             </a:pPr>
-            <a:fld id="{A1496646-EEDB-458A-A592-0BB394961344}" type="slidenum">
+            <a:fld id="{D57A85C7-9B1A-4A5F-9DED-F66711E8418B}" type="slidenum">
               <a:rPr b="1" lang="en-IN" sz="1800" spc="-1" strike="noStrike">
                 <a:solidFill>
                   <a:srgbClr val="ffffff"/>
@@ -13006,7 +13006,7 @@
                 <a:tab algn="l" pos="0"/>
               </a:tabLst>
             </a:pPr>
-            <a:fld id="{87FE7272-A021-464E-AA4B-5EECA37FA30E}" type="slidenum">
+            <a:fld id="{6F9AA837-ADAF-4E67-AC3E-0278CBF43656}" type="slidenum">
               <a:rPr b="1" lang="en-IN" sz="1800" spc="-1" strike="noStrike">
                 <a:solidFill>
                   <a:srgbClr val="ffffff"/>
@@ -13333,7 +13333,7 @@
                 <a:tab algn="l" pos="0"/>
               </a:tabLst>
             </a:pPr>
-            <a:fld id="{8895971A-8D71-46BB-A099-79713AA355BD}" type="slidenum">
+            <a:fld id="{2B4538D5-A15B-4E3E-B43E-2B2155E2EFB0}" type="slidenum">
               <a:rPr b="1" lang="en-IN" sz="1800" spc="-1" strike="noStrike">
                 <a:solidFill>
                   <a:srgbClr val="ffffff"/>
@@ -13660,7 +13660,7 @@
                 <a:tab algn="l" pos="0"/>
               </a:tabLst>
             </a:pPr>
-            <a:fld id="{111B1303-17BD-4023-AF8D-1A90D6E9F01B}" type="slidenum">
+            <a:fld id="{46F2FCC6-7ADC-4857-8AAF-7F76D748D36C}" type="slidenum">
               <a:rPr b="1" lang="en-IN" sz="1800" spc="-1" strike="noStrike">
                 <a:solidFill>
                   <a:srgbClr val="ffffff"/>
@@ -14261,7 +14261,7 @@
                 <a:tab algn="l" pos="0"/>
               </a:tabLst>
             </a:pPr>
-            <a:fld id="{E998A341-E23B-4B3A-A14C-123680B6026B}" type="slidenum">
+            <a:fld id="{C81234C7-4BE9-4DEC-A92A-D00A07A00668}" type="slidenum">
               <a:rPr b="1" lang="en-IN" sz="1800" spc="-1" strike="noStrike">
                 <a:solidFill>
                   <a:srgbClr val="ffffff"/>
@@ -14862,7 +14862,7 @@
                 <a:tab algn="l" pos="0"/>
               </a:tabLst>
             </a:pPr>
-            <a:fld id="{002EA3B6-05BA-4404-BDE2-E9288137A097}" type="slidenum">
+            <a:fld id="{65668932-6975-4CBF-92C6-F0C82CE53168}" type="slidenum">
               <a:rPr b="1" lang="en-IN" sz="1800" spc="-1" strike="noStrike">
                 <a:solidFill>
                   <a:srgbClr val="ffffff"/>
@@ -15145,7 +15145,7 @@
                 <a:spcPct val="100000"/>
               </a:lnSpc>
             </a:pPr>
-            <a:fld id="{9093893B-D26D-4000-A003-A36AB51AD4DB}" type="slidenum">
+            <a:fld id="{291A3036-09EA-429F-9109-F7AC85EE4D87}" type="slidenum">
               <a:rPr b="1" lang="en-IN" sz="1800" spc="-1" strike="noStrike">
                 <a:solidFill>
                   <a:srgbClr val="ffffff"/>
@@ -16543,7 +16543,7 @@
                 <a:tab algn="l" pos="0"/>
               </a:tabLst>
             </a:pPr>
-            <a:fld id="{4482A682-1641-49EF-A358-9EB88D268A6B}" type="slidenum">
+            <a:fld id="{EC780E1D-8A74-424C-A7C6-7416A2587BCE}" type="slidenum">
               <a:rPr b="1" lang="en-IN" sz="1800" spc="-1" strike="noStrike">
                 <a:solidFill>
                   <a:srgbClr val="ffffff"/>
@@ -16919,7 +16919,7 @@
                 <a:tab algn="l" pos="0"/>
               </a:tabLst>
             </a:pPr>
-            <a:fld id="{137C5F74-214F-42A7-B24A-839235328C3A}" type="slidenum">
+            <a:fld id="{B60BD51F-95CF-41BD-876D-98FFE3F13DE1}" type="slidenum">
               <a:rPr b="1" lang="en-IN" sz="1800" spc="-1" strike="noStrike">
                 <a:solidFill>
                   <a:srgbClr val="ffffff"/>
@@ -17246,7 +17246,7 @@
                 <a:tab algn="l" pos="0"/>
               </a:tabLst>
             </a:pPr>
-            <a:fld id="{A0E4FD85-1D18-4B16-A22C-8E016B0BF82D}" type="slidenum">
+            <a:fld id="{1E94CC6A-B8FB-482E-A877-21F8352DF14F}" type="slidenum">
               <a:rPr b="1" lang="en-IN" sz="1800" spc="-1" strike="noStrike">
                 <a:solidFill>
                   <a:srgbClr val="ffffff"/>
@@ -18297,7 +18297,7 @@
                 <a:tab algn="l" pos="0"/>
               </a:tabLst>
             </a:pPr>
-            <a:fld id="{F0533BA7-4472-44C1-947F-D55BBCF5E9E1}" type="slidenum">
+            <a:fld id="{319F2185-4B10-41F5-8918-4E2DBADB2084}" type="slidenum">
               <a:rPr b="1" lang="en-IN" sz="1800" spc="-1" strike="noStrike">
                 <a:solidFill>
                   <a:srgbClr val="ffffff"/>
@@ -19348,7 +19348,7 @@
                 <a:tab algn="l" pos="0"/>
               </a:tabLst>
             </a:pPr>
-            <a:fld id="{FD5D68E0-07E0-4EC4-9A20-F6E7337B5A4B}" type="slidenum">
+            <a:fld id="{3193645E-9C49-405C-A56D-3E7DF36F2A23}" type="slidenum">
               <a:rPr b="1" lang="en-IN" sz="1800" spc="-1" strike="noStrike">
                 <a:solidFill>
                   <a:srgbClr val="ffffff"/>
@@ -20402,7 +20402,7 @@
                 <a:tab algn="l" pos="0"/>
               </a:tabLst>
             </a:pPr>
-            <a:fld id="{DDE0869E-58C9-4CFF-A629-4793ED5BF812}" type="slidenum">
+            <a:fld id="{BE59BCC8-F9A6-4C44-8029-CA7E74C5FBCE}" type="slidenum">
               <a:rPr b="1" lang="en-IN" sz="1800" spc="-1" strike="noStrike">
                 <a:solidFill>
                   <a:srgbClr val="ffffff"/>
@@ -21231,7 +21231,7 @@
                 <a:tab algn="l" pos="0"/>
               </a:tabLst>
             </a:pPr>
-            <a:fld id="{B496799E-25F1-43A0-B3EF-7864C6E428FD}" type="slidenum">
+            <a:fld id="{D07009A2-2BC2-4D88-8443-ADC323F4DB5A}" type="slidenum">
               <a:rPr b="1" lang="en-IN" sz="1800" spc="-1" strike="noStrike">
                 <a:solidFill>
                   <a:srgbClr val="ffffff"/>
@@ -22510,7 +22510,7 @@
                 <a:tab algn="l" pos="0"/>
               </a:tabLst>
             </a:pPr>
-            <a:fld id="{858656A4-D679-47FF-9BE4-1F60D8503B46}" type="slidenum">
+            <a:fld id="{D1C79A9D-B235-4C95-89F0-FF6BD8A29137}" type="slidenum">
               <a:rPr b="1" lang="en-IN" sz="1800" spc="-1" strike="noStrike">
                 <a:solidFill>
                   <a:srgbClr val="ffffff"/>
@@ -22840,7 +22840,7 @@
                 <a:tab algn="l" pos="0"/>
               </a:tabLst>
             </a:pPr>
-            <a:fld id="{A4BE6B01-A240-4054-B151-BAECEE807292}" type="slidenum">
+            <a:fld id="{993D7C89-93A3-484E-95AF-0DACDAF45D76}" type="slidenum">
               <a:rPr b="1" lang="en-IN" sz="1800" spc="-1" strike="noStrike">
                 <a:solidFill>
                   <a:srgbClr val="ffffff"/>
@@ -23170,7 +23170,7 @@
                 <a:tab algn="l" pos="0"/>
               </a:tabLst>
             </a:pPr>
-            <a:fld id="{EA012BA0-3EAF-4CA0-88DC-1B0AB83E76C4}" type="slidenum">
+            <a:fld id="{984BAFFB-43C6-4A95-BC11-8616EBCFDD17}" type="slidenum">
               <a:rPr b="1" lang="en-IN" sz="1800" spc="-1" strike="noStrike">
                 <a:solidFill>
                   <a:srgbClr val="ffffff"/>
@@ -23453,7 +23453,7 @@
                 <a:spcPct val="100000"/>
               </a:lnSpc>
             </a:pPr>
-            <a:fld id="{863F1126-A49F-491C-8257-6A9C4CC8178E}" type="slidenum">
+            <a:fld id="{0E94C2F9-6398-4BF5-BFC9-0CD71FF47DA6}" type="slidenum">
               <a:rPr b="1" lang="en-IN" sz="1800" spc="-1" strike="noStrike">
                 <a:solidFill>
                   <a:srgbClr val="ffffff"/>
@@ -25079,7 +25079,7 @@
                 <a:tab algn="l" pos="0"/>
               </a:tabLst>
             </a:pPr>
-            <a:fld id="{844EF747-6DA8-46A4-9C0E-27188C4F31AB}" type="slidenum">
+            <a:fld id="{3149BCDF-2B94-47E4-86EF-7E4A1546DACD}" type="slidenum">
               <a:rPr b="1" lang="en-IN" sz="1800" spc="-1" strike="noStrike">
                 <a:solidFill>
                   <a:srgbClr val="ffffff"/>
@@ -25683,7 +25683,7 @@
                 <a:tab algn="l" pos="0"/>
               </a:tabLst>
             </a:pPr>
-            <a:fld id="{867CBDAF-FC1B-4FEB-9B87-33884EF6D827}" type="slidenum">
+            <a:fld id="{5542091B-A22A-4281-84AF-8D0365109794}" type="slidenum">
               <a:rPr b="1" lang="en-IN" sz="1800" spc="-1" strike="noStrike">
                 <a:solidFill>
                   <a:srgbClr val="ffffff"/>
@@ -26512,7 +26512,7 @@
                 <a:tab algn="l" pos="0"/>
               </a:tabLst>
             </a:pPr>
-            <a:fld id="{A53DC843-0A33-4866-BE5F-2B6E90EFBD95}" type="slidenum">
+            <a:fld id="{BFB05D68-0E71-43C6-801B-B1BD0C30573A}" type="slidenum">
               <a:rPr b="1" lang="en-IN" sz="1800" spc="-1" strike="noStrike">
                 <a:solidFill>
                   <a:srgbClr val="ffffff"/>
@@ -26891,7 +26891,7 @@
                 <a:tab algn="l" pos="0"/>
               </a:tabLst>
             </a:pPr>
-            <a:fld id="{B6B2C304-89BD-4DA1-ACC2-E7746CAB15BE}" type="slidenum">
+            <a:fld id="{DFFA8324-E51E-4766-8C57-4986DB412764}" type="slidenum">
               <a:rPr b="1" lang="en-IN" sz="1800" spc="-1" strike="noStrike">
                 <a:solidFill>
                   <a:srgbClr val="ffffff"/>
@@ -27221,7 +27221,7 @@
                 <a:tab algn="l" pos="0"/>
               </a:tabLst>
             </a:pPr>
-            <a:fld id="{1EC5BC58-63EE-4D2F-9159-1C90AB7E79D5}" type="slidenum">
+            <a:fld id="{EEAB0F43-ADCE-4059-95D8-B889445E00EC}" type="slidenum">
               <a:rPr b="1" lang="en-IN" sz="1800" spc="-1" strike="noStrike">
                 <a:solidFill>
                   <a:srgbClr val="ffffff"/>
@@ -28275,7 +28275,7 @@
                 <a:tab algn="l" pos="0"/>
               </a:tabLst>
             </a:pPr>
-            <a:fld id="{DAA9CF66-3570-4C4D-8E3E-CB5B50E47924}" type="slidenum">
+            <a:fld id="{D867ED54-EA8C-44C7-8B8E-26E5223A9873}" type="slidenum">
               <a:rPr b="1" lang="en-IN" sz="1800" spc="-1" strike="noStrike">
                 <a:solidFill>
                   <a:srgbClr val="ffffff"/>
@@ -29329,7 +29329,7 @@
                 <a:tab algn="l" pos="0"/>
               </a:tabLst>
             </a:pPr>
-            <a:fld id="{BE5EA162-DAD0-4E43-91B9-99AB044ECBC5}" type="slidenum">
+            <a:fld id="{23497BFD-F0D5-4DFE-B842-966D8E42B4D9}" type="slidenum">
               <a:rPr b="1" lang="en-IN" sz="1800" spc="-1" strike="noStrike">
                 <a:solidFill>
                   <a:srgbClr val="ffffff"/>
@@ -29612,7 +29612,7 @@
                 <a:spcPct val="100000"/>
               </a:lnSpc>
             </a:pPr>
-            <a:fld id="{EDA2F302-D5C2-4720-AD0F-CBD3F488E3AF}" type="slidenum">
+            <a:fld id="{5F7D3A7E-DBD2-4B5C-ABC9-EBB6833BAC95}" type="slidenum">
               <a:rPr b="1" lang="en-IN" sz="1800" spc="-1" strike="noStrike">
                 <a:solidFill>
                   <a:srgbClr val="ffffff"/>
@@ -29968,7 +29968,7 @@
                 <a:spcPct val="100000"/>
               </a:lnSpc>
             </a:pPr>
-            <a:fld id="{B6859FD9-6042-4EF4-80B4-76C7B4E8718E}" type="slidenum">
+            <a:fld id="{00891C9C-86E3-4C29-A139-6A84644AD507}" type="slidenum">
               <a:rPr b="1" lang="en-IN" sz="1800" spc="-1" strike="noStrike">
                 <a:solidFill>
                   <a:srgbClr val="ffffff"/>
@@ -30324,7 +30324,7 @@
                 <a:spcPct val="100000"/>
               </a:lnSpc>
             </a:pPr>
-            <a:fld id="{CEAE30F7-A7AF-4C04-90D9-CE1A1AC3AABE}" type="slidenum">
+            <a:fld id="{49A29FDC-1CE6-4604-9C67-9F28816F893F}" type="slidenum">
               <a:rPr b="1" lang="en-IN" sz="1800" spc="-1" strike="noStrike">
                 <a:solidFill>
                   <a:srgbClr val="ffffff"/>
@@ -30954,7 +30954,7 @@
                 <a:spcPct val="100000"/>
               </a:lnSpc>
             </a:pPr>
-            <a:fld id="{006C06D9-4FCC-48FF-A889-B54710F7B90B}" type="slidenum">
+            <a:fld id="{93FDE5F5-691B-494A-B231-E0F51E9DA4CF}" type="slidenum">
               <a:rPr b="1" lang="en-IN" sz="1800" spc="-1" strike="noStrike">
                 <a:solidFill>
                   <a:srgbClr val="ffffff"/>
@@ -31584,7 +31584,7 @@
                 <a:spcPct val="100000"/>
               </a:lnSpc>
             </a:pPr>
-            <a:fld id="{9B22C805-ACB2-4F86-86E2-3038441FFB7B}" type="slidenum">
+            <a:fld id="{9EAAE3E5-CF7C-4E86-9AE7-84DD197B72AE}" type="slidenum">
               <a:rPr b="1" lang="en-IN" sz="1800" spc="-1" strike="noStrike">
                 <a:solidFill>
                   <a:srgbClr val="ffffff"/>
@@ -32439,7 +32439,7 @@
                 <a:spcPct val="100000"/>
               </a:lnSpc>
             </a:pPr>
-            <a:fld id="{B719C396-AA70-4CC8-BC98-E9BDC4F4B0B8}" type="slidenum">
+            <a:fld id="{5A1E5954-F048-40BA-B109-E86B61BC72C1}" type="slidenum">
               <a:rPr b="1" lang="en-IN" sz="1800" spc="-1" strike="noStrike">
                 <a:solidFill>
                   <a:srgbClr val="ffffff"/>
@@ -34084,391 +34084,6 @@
           </a:p>
         </p:txBody>
       </p:sp>
-      <p:sp>
-        <p:nvSpPr>
-          <p:cNvPr id="390" name="PlaceHolder 2"/>
-          <p:cNvSpPr>
-            <a:spLocks noGrp="1"/>
-          </p:cNvSpPr>
-          <p:nvPr>
-            <p:ph/>
-          </p:nvPr>
-        </p:nvSpPr>
-        <p:spPr>
-          <a:xfrm>
-            <a:off x="2520000" y="1485000"/>
-            <a:ext cx="5039280" cy="494280"/>
-          </a:xfrm>
-          <a:prstGeom prst="rect">
-            <a:avLst/>
-          </a:prstGeom>
-          <a:noFill/>
-          <a:ln w="76320">
-            <a:solidFill>
-              <a:srgbClr val="3465a4"/>
-            </a:solidFill>
-            <a:round/>
-          </a:ln>
-        </p:spPr>
-        <p:txBody>
-          <a:bodyPr lIns="37800" rIns="37800" tIns="37800" bIns="37800" anchor="t">
-            <a:normAutofit/>
-          </a:bodyPr>
-          <a:p>
-            <a:pPr indent="0" algn="ctr">
-              <a:lnSpc>
-                <a:spcPct val="100000"/>
-              </a:lnSpc>
-              <a:spcAft>
-                <a:spcPts val="1057"/>
-              </a:spcAft>
-              <a:buNone/>
-              <a:tabLst>
-                <a:tab algn="l" pos="0"/>
-              </a:tabLst>
-            </a:pPr>
-            <a:r>
-              <a:rPr b="1" lang="en-IN" sz="2400" spc="-1" strike="noStrike">
-                <a:solidFill>
-                  <a:srgbClr val="2c3e50"/>
-                </a:solidFill>
-                <a:latin typeface="Noto Sans"/>
-              </a:rPr>
-              <a:t>Calculating Filter Coefficients</a:t>
-            </a:r>
-            <a:endParaRPr b="0" lang="en-IN" sz="2400" spc="-1" strike="noStrike">
-              <a:solidFill>
-                <a:srgbClr val="000000"/>
-              </a:solidFill>
-              <a:latin typeface="Arial"/>
-            </a:endParaRPr>
-          </a:p>
-        </p:txBody>
-      </p:sp>
-      <p:sp>
-        <p:nvSpPr>
-          <p:cNvPr id="391" name=""/>
-          <p:cNvSpPr/>
-          <p:nvPr/>
-        </p:nvSpPr>
-        <p:spPr>
-          <a:xfrm>
-            <a:off x="2520000" y="2565360"/>
-            <a:ext cx="5039280" cy="494280"/>
-          </a:xfrm>
-          <a:prstGeom prst="rect">
-            <a:avLst/>
-          </a:prstGeom>
-          <a:noFill/>
-          <a:ln w="76320">
-            <a:solidFill>
-              <a:srgbClr val="3465a4"/>
-            </a:solidFill>
-            <a:round/>
-          </a:ln>
-        </p:spPr>
-        <p:style>
-          <a:lnRef idx="0"/>
-          <a:fillRef idx="0"/>
-          <a:effectRef idx="0"/>
-          <a:fontRef idx="minor"/>
-        </p:style>
-        <p:txBody>
-          <a:bodyPr lIns="37800" rIns="37800" tIns="37800" bIns="37800" anchor="t">
-            <a:normAutofit/>
-          </a:bodyPr>
-          <a:p>
-            <a:pPr algn="ctr">
-              <a:lnSpc>
-                <a:spcPct val="100000"/>
-              </a:lnSpc>
-              <a:spcAft>
-                <a:spcPts val="1057"/>
-              </a:spcAft>
-            </a:pPr>
-            <a:r>
-              <a:rPr b="1" lang="en-IN" sz="2400" spc="-1" strike="noStrike">
-                <a:solidFill>
-                  <a:srgbClr val="2c3e50"/>
-                </a:solidFill>
-                <a:latin typeface="Noto Sans"/>
-                <a:ea typeface="DejaVu Sans"/>
-              </a:rPr>
-              <a:t>Modelling RNN Digital Filter</a:t>
-            </a:r>
-            <a:endParaRPr b="0" lang="en-IN" sz="2400" spc="-1" strike="noStrike">
-              <a:solidFill>
-                <a:srgbClr val="000000"/>
-              </a:solidFill>
-              <a:latin typeface="Arial"/>
-            </a:endParaRPr>
-          </a:p>
-        </p:txBody>
-      </p:sp>
-      <p:sp>
-        <p:nvSpPr>
-          <p:cNvPr id="392" name=""/>
-          <p:cNvSpPr/>
-          <p:nvPr/>
-        </p:nvSpPr>
-        <p:spPr>
-          <a:xfrm>
-            <a:off x="2520000" y="3609720"/>
-            <a:ext cx="5039280" cy="494280"/>
-          </a:xfrm>
-          <a:prstGeom prst="rect">
-            <a:avLst/>
-          </a:prstGeom>
-          <a:noFill/>
-          <a:ln w="76320">
-            <a:solidFill>
-              <a:srgbClr val="3465a4"/>
-            </a:solidFill>
-            <a:round/>
-          </a:ln>
-        </p:spPr>
-        <p:style>
-          <a:lnRef idx="0"/>
-          <a:fillRef idx="0"/>
-          <a:effectRef idx="0"/>
-          <a:fontRef idx="minor"/>
-        </p:style>
-        <p:txBody>
-          <a:bodyPr lIns="37800" rIns="37800" tIns="37800" bIns="37800" anchor="t">
-            <a:normAutofit fontScale="96666"/>
-          </a:bodyPr>
-          <a:p>
-            <a:pPr algn="ctr">
-              <a:lnSpc>
-                <a:spcPct val="100000"/>
-              </a:lnSpc>
-              <a:spcAft>
-                <a:spcPts val="1057"/>
-              </a:spcAft>
-            </a:pPr>
-            <a:r>
-              <a:rPr b="1" lang="en-IN" sz="2400" spc="-1" strike="noStrike">
-                <a:solidFill>
-                  <a:srgbClr val="2c3e50"/>
-                </a:solidFill>
-                <a:latin typeface="Noto Sans"/>
-                <a:ea typeface="DejaVu Sans"/>
-              </a:rPr>
-              <a:t>Programming (Python, Java, C++)</a:t>
-            </a:r>
-            <a:endParaRPr b="0" lang="en-IN" sz="2400" spc="-1" strike="noStrike">
-              <a:solidFill>
-                <a:srgbClr val="000000"/>
-              </a:solidFill>
-              <a:latin typeface="Arial"/>
-            </a:endParaRPr>
-          </a:p>
-        </p:txBody>
-      </p:sp>
-      <p:sp>
-        <p:nvSpPr>
-          <p:cNvPr id="393" name=""/>
-          <p:cNvSpPr/>
-          <p:nvPr/>
-        </p:nvSpPr>
-        <p:spPr>
-          <a:xfrm>
-            <a:off x="2520000" y="4690080"/>
-            <a:ext cx="5039280" cy="494280"/>
-          </a:xfrm>
-          <a:prstGeom prst="rect">
-            <a:avLst/>
-          </a:prstGeom>
-          <a:noFill/>
-          <a:ln w="76320">
-            <a:solidFill>
-              <a:srgbClr val="3465a4"/>
-            </a:solidFill>
-            <a:round/>
-          </a:ln>
-        </p:spPr>
-        <p:style>
-          <a:lnRef idx="0"/>
-          <a:fillRef idx="0"/>
-          <a:effectRef idx="0"/>
-          <a:fontRef idx="minor"/>
-        </p:style>
-        <p:txBody>
-          <a:bodyPr lIns="37800" rIns="37800" tIns="37800" bIns="37800" anchor="t">
-            <a:normAutofit/>
-          </a:bodyPr>
-          <a:p>
-            <a:pPr algn="ctr">
-              <a:lnSpc>
-                <a:spcPct val="100000"/>
-              </a:lnSpc>
-              <a:spcAft>
-                <a:spcPts val="1057"/>
-              </a:spcAft>
-            </a:pPr>
-            <a:r>
-              <a:rPr b="1" lang="en-IN" sz="2400" spc="-1" strike="noStrike">
-                <a:solidFill>
-                  <a:srgbClr val="2c3e50"/>
-                </a:solidFill>
-                <a:latin typeface="Noto Sans"/>
-                <a:ea typeface="DejaVu Sans"/>
-              </a:rPr>
-              <a:t>Testing</a:t>
-            </a:r>
-            <a:endParaRPr b="0" lang="en-IN" sz="2400" spc="-1" strike="noStrike">
-              <a:solidFill>
-                <a:srgbClr val="000000"/>
-              </a:solidFill>
-              <a:latin typeface="Arial"/>
-            </a:endParaRPr>
-          </a:p>
-        </p:txBody>
-      </p:sp>
-      <p:sp>
-        <p:nvSpPr>
-          <p:cNvPr id="394" name=""/>
-          <p:cNvSpPr/>
-          <p:nvPr/>
-        </p:nvSpPr>
-        <p:spPr>
-          <a:xfrm>
-            <a:off x="5040000" y="2016000"/>
-            <a:ext cx="360" cy="585360"/>
-          </a:xfrm>
-          <a:prstGeom prst="line">
-            <a:avLst/>
-          </a:prstGeom>
-          <a:ln w="76320">
-            <a:solidFill>
-              <a:srgbClr val="355269"/>
-            </a:solidFill>
-            <a:round/>
-            <a:tailEnd len="med" type="triangle" w="med"/>
-          </a:ln>
-        </p:spPr>
-        <p:style>
-          <a:lnRef idx="0"/>
-          <a:fillRef idx="0"/>
-          <a:effectRef idx="0"/>
-          <a:fontRef idx="minor"/>
-        </p:style>
-        <p:txBody>
-          <a:bodyPr lIns="90000" rIns="90000" tIns="45000" bIns="45000" anchor="t" anchorCtr="1">
-            <a:noAutofit/>
-          </a:bodyPr>
-          <a:p>
-            <a:pPr>
-              <a:lnSpc>
-                <a:spcPct val="100000"/>
-              </a:lnSpc>
-            </a:pPr>
-            <a:endParaRPr b="0" lang="en-IN" sz="1800" spc="-1" strike="noStrike">
-              <a:solidFill>
-                <a:srgbClr val="000000"/>
-              </a:solidFill>
-              <a:latin typeface="Arial"/>
-              <a:ea typeface="DejaVu Sans"/>
-            </a:endParaRPr>
-          </a:p>
-        </p:txBody>
-      </p:sp>
-      <p:sp>
-        <p:nvSpPr>
-          <p:cNvPr id="395" name=""/>
-          <p:cNvSpPr/>
-          <p:nvPr/>
-        </p:nvSpPr>
-        <p:spPr>
-          <a:xfrm>
-            <a:off x="5040000" y="3040920"/>
-            <a:ext cx="360" cy="585360"/>
-          </a:xfrm>
-          <a:prstGeom prst="line">
-            <a:avLst/>
-          </a:prstGeom>
-          <a:ln w="76320">
-            <a:solidFill>
-              <a:srgbClr val="355269"/>
-            </a:solidFill>
-            <a:round/>
-            <a:tailEnd len="med" type="triangle" w="med"/>
-          </a:ln>
-        </p:spPr>
-        <p:style>
-          <a:lnRef idx="0"/>
-          <a:fillRef idx="0"/>
-          <a:effectRef idx="0"/>
-          <a:fontRef idx="minor"/>
-        </p:style>
-        <p:txBody>
-          <a:bodyPr lIns="90000" rIns="90000" tIns="45000" bIns="45000" anchor="t" anchorCtr="1">
-            <a:noAutofit/>
-          </a:bodyPr>
-          <a:p>
-            <a:pPr>
-              <a:lnSpc>
-                <a:spcPct val="100000"/>
-              </a:lnSpc>
-            </a:pPr>
-            <a:endParaRPr b="0" lang="en-IN" sz="1800" spc="-1" strike="noStrike">
-              <a:solidFill>
-                <a:srgbClr val="000000"/>
-              </a:solidFill>
-              <a:latin typeface="Arial"/>
-              <a:ea typeface="DejaVu Sans"/>
-            </a:endParaRPr>
-          </a:p>
-        </p:txBody>
-      </p:sp>
-      <p:sp>
-        <p:nvSpPr>
-          <p:cNvPr id="396" name=""/>
-          <p:cNvSpPr/>
-          <p:nvPr/>
-        </p:nvSpPr>
-        <p:spPr>
-          <a:xfrm>
-            <a:off x="5040000" y="4137840"/>
-            <a:ext cx="360" cy="585360"/>
-          </a:xfrm>
-          <a:prstGeom prst="line">
-            <a:avLst/>
-          </a:prstGeom>
-          <a:ln w="76320">
-            <a:solidFill>
-              <a:srgbClr val="355269"/>
-            </a:solidFill>
-            <a:round/>
-            <a:tailEnd len="med" type="triangle" w="med"/>
-          </a:ln>
-        </p:spPr>
-        <p:style>
-          <a:lnRef idx="0"/>
-          <a:fillRef idx="0"/>
-          <a:effectRef idx="0"/>
-          <a:fontRef idx="minor"/>
-        </p:style>
-        <p:txBody>
-          <a:bodyPr lIns="90000" rIns="90000" tIns="45000" bIns="45000" anchor="t" anchorCtr="1">
-            <a:noAutofit/>
-          </a:bodyPr>
-          <a:p>
-            <a:pPr>
-              <a:lnSpc>
-                <a:spcPct val="100000"/>
-              </a:lnSpc>
-            </a:pPr>
-            <a:endParaRPr b="0" lang="en-IN" sz="1800" spc="-1" strike="noStrike">
-              <a:solidFill>
-                <a:srgbClr val="000000"/>
-              </a:solidFill>
-              <a:latin typeface="Arial"/>
-              <a:ea typeface="DejaVu Sans"/>
-            </a:endParaRPr>
-          </a:p>
-        </p:txBody>
-      </p:sp>
     </p:spTree>
   </p:cSld>
   <mc:AlternateContent>
@@ -34479,353 +34094,6 @@
       <p:transition spd="slow"/>
     </mc:Fallback>
   </mc:AlternateContent>
-  <p:timing>
-    <p:tnLst>
-      <p:par>
-        <p:cTn id="69" dur="indefinite" restart="never" nodeType="tmRoot">
-          <p:childTnLst>
-            <p:seq>
-              <p:cTn id="70" dur="indefinite" nodeType="mainSeq">
-                <p:childTnLst>
-                  <p:par>
-                    <p:cTn id="71" fill="hold">
-                      <p:stCondLst>
-                        <p:cond delay="indefinite"/>
-                      </p:stCondLst>
-                      <p:childTnLst>
-                        <p:par>
-                          <p:cTn id="72" fill="hold">
-                            <p:stCondLst>
-                              <p:cond delay="0"/>
-                            </p:stCondLst>
-                            <p:childTnLst>
-                              <p:par>
-                                <p:cTn id="73" nodeType="clickEffect" fill="hold" presetClass="entr" presetID="14" presetSubtype="10">
-                                  <p:stCondLst>
-                                    <p:cond delay="0"/>
-                                  </p:stCondLst>
-                                  <p:childTnLst>
-                                    <p:set>
-                                      <p:cBhvr>
-                                        <p:cTn id="74" dur="1" fill="hold">
-                                          <p:stCondLst>
-                                            <p:cond delay="0"/>
-                                          </p:stCondLst>
-                                        </p:cTn>
-                                        <p:tgtEl>
-                                          <p:spTgt spid="390"/>
-                                        </p:tgtEl>
-                                        <p:attrNameLst>
-                                          <p:attrName>style.visibility</p:attrName>
-                                        </p:attrNameLst>
-                                      </p:cBhvr>
-                                      <p:to>
-                                        <p:strVal val="visible"/>
-                                      </p:to>
-                                    </p:set>
-                                    <p:animEffect filter="randombar(horizontal)" transition="in">
-                                      <p:cBhvr additive="repl">
-                                        <p:cTn id="75" dur="500"/>
-                                        <p:tgtEl>
-                                          <p:spTgt spid="390"/>
-                                        </p:tgtEl>
-                                      </p:cBhvr>
-                                    </p:animEffect>
-                                  </p:childTnLst>
-                                </p:cTn>
-                              </p:par>
-                            </p:childTnLst>
-                          </p:cTn>
-                        </p:par>
-                      </p:childTnLst>
-                    </p:cTn>
-                  </p:par>
-                  <p:par>
-                    <p:cTn id="76" fill="hold">
-                      <p:stCondLst>
-                        <p:cond delay="indefinite"/>
-                      </p:stCondLst>
-                      <p:childTnLst>
-                        <p:par>
-                          <p:cTn id="77" fill="hold">
-                            <p:stCondLst>
-                              <p:cond delay="0"/>
-                            </p:stCondLst>
-                            <p:childTnLst>
-                              <p:par>
-                                <p:cTn id="78" nodeType="clickEffect" fill="hold" presetClass="entr" presetID="14" presetSubtype="10">
-                                  <p:stCondLst>
-                                    <p:cond delay="0"/>
-                                  </p:stCondLst>
-                                  <p:childTnLst>
-                                    <p:set>
-                                      <p:cBhvr>
-                                        <p:cTn id="79" dur="1" fill="hold">
-                                          <p:stCondLst>
-                                            <p:cond delay="0"/>
-                                          </p:stCondLst>
-                                        </p:cTn>
-                                        <p:tgtEl>
-                                          <p:spTgt spid="394"/>
-                                        </p:tgtEl>
-                                        <p:attrNameLst>
-                                          <p:attrName>style.visibility</p:attrName>
-                                        </p:attrNameLst>
-                                      </p:cBhvr>
-                                      <p:to>
-                                        <p:strVal val="visible"/>
-                                      </p:to>
-                                    </p:set>
-                                    <p:animEffect filter="randombar(horizontal)" transition="in">
-                                      <p:cBhvr additive="repl">
-                                        <p:cTn id="80" dur="500"/>
-                                        <p:tgtEl>
-                                          <p:spTgt spid="394"/>
-                                        </p:tgtEl>
-                                      </p:cBhvr>
-                                    </p:animEffect>
-                                  </p:childTnLst>
-                                </p:cTn>
-                              </p:par>
-                              <p:par>
-                                <p:cTn id="81" nodeType="withEffect" fill="hold" presetClass="entr" presetID="14" presetSubtype="10">
-                                  <p:stCondLst>
-                                    <p:cond delay="0"/>
-                                  </p:stCondLst>
-                                  <p:childTnLst>
-                                    <p:set>
-                                      <p:cBhvr>
-                                        <p:cTn id="82" dur="1" fill="hold">
-                                          <p:stCondLst>
-                                            <p:cond delay="0"/>
-                                          </p:stCondLst>
-                                        </p:cTn>
-                                        <p:tgtEl>
-                                          <p:spTgt spid="391"/>
-                                        </p:tgtEl>
-                                        <p:attrNameLst>
-                                          <p:attrName>style.visibility</p:attrName>
-                                        </p:attrNameLst>
-                                      </p:cBhvr>
-                                      <p:to>
-                                        <p:strVal val="visible"/>
-                                      </p:to>
-                                    </p:set>
-                                    <p:animEffect filter="randombar(horizontal)" transition="in">
-                                      <p:cBhvr additive="repl">
-                                        <p:cTn id="83" dur="500"/>
-                                        <p:tgtEl>
-                                          <p:spTgt spid="391"/>
-                                        </p:tgtEl>
-                                      </p:cBhvr>
-                                    </p:animEffect>
-                                  </p:childTnLst>
-                                </p:cTn>
-                              </p:par>
-                            </p:childTnLst>
-                          </p:cTn>
-                        </p:par>
-                      </p:childTnLst>
-                    </p:cTn>
-                  </p:par>
-                  <p:par>
-                    <p:cTn id="84" fill="hold">
-                      <p:stCondLst>
-                        <p:cond delay="indefinite"/>
-                      </p:stCondLst>
-                      <p:childTnLst>
-                        <p:par>
-                          <p:cTn id="85" fill="hold">
-                            <p:stCondLst>
-                              <p:cond delay="0"/>
-                            </p:stCondLst>
-                            <p:childTnLst>
-                              <p:par>
-                                <p:cTn id="86" nodeType="clickEffect" fill="hold" presetClass="entr" presetID="14" presetSubtype="10">
-                                  <p:stCondLst>
-                                    <p:cond delay="0"/>
-                                  </p:stCondLst>
-                                  <p:childTnLst>
-                                    <p:set>
-                                      <p:cBhvr>
-                                        <p:cTn id="87" dur="1" fill="hold">
-                                          <p:stCondLst>
-                                            <p:cond delay="0"/>
-                                          </p:stCondLst>
-                                        </p:cTn>
-                                        <p:tgtEl>
-                                          <p:spTgt spid="395"/>
-                                        </p:tgtEl>
-                                        <p:attrNameLst>
-                                          <p:attrName>style.visibility</p:attrName>
-                                        </p:attrNameLst>
-                                      </p:cBhvr>
-                                      <p:to>
-                                        <p:strVal val="visible"/>
-                                      </p:to>
-                                    </p:set>
-                                    <p:animEffect filter="randombar(horizontal)" transition="in">
-                                      <p:cBhvr additive="repl">
-                                        <p:cTn id="88" dur="500"/>
-                                        <p:tgtEl>
-                                          <p:spTgt spid="395"/>
-                                        </p:tgtEl>
-                                      </p:cBhvr>
-                                    </p:animEffect>
-                                  </p:childTnLst>
-                                </p:cTn>
-                              </p:par>
-                              <p:par>
-                                <p:cTn id="89" nodeType="withEffect" fill="hold" presetClass="entr" presetID="14" presetSubtype="10">
-                                  <p:stCondLst>
-                                    <p:cond delay="0"/>
-                                  </p:stCondLst>
-                                  <p:childTnLst>
-                                    <p:set>
-                                      <p:cBhvr>
-                                        <p:cTn id="90" dur="1" fill="hold">
-                                          <p:stCondLst>
-                                            <p:cond delay="0"/>
-                                          </p:stCondLst>
-                                        </p:cTn>
-                                        <p:tgtEl>
-                                          <p:spTgt spid="392"/>
-                                        </p:tgtEl>
-                                        <p:attrNameLst>
-                                          <p:attrName>style.visibility</p:attrName>
-                                        </p:attrNameLst>
-                                      </p:cBhvr>
-                                      <p:to>
-                                        <p:strVal val="visible"/>
-                                      </p:to>
-                                    </p:set>
-                                    <p:animEffect filter="randombar(horizontal)" transition="in">
-                                      <p:cBhvr additive="repl">
-                                        <p:cTn id="91" dur="500"/>
-                                        <p:tgtEl>
-                                          <p:spTgt spid="392"/>
-                                        </p:tgtEl>
-                                      </p:cBhvr>
-                                    </p:animEffect>
-                                  </p:childTnLst>
-                                </p:cTn>
-                              </p:par>
-                            </p:childTnLst>
-                          </p:cTn>
-                        </p:par>
-                      </p:childTnLst>
-                    </p:cTn>
-                  </p:par>
-                  <p:par>
-                    <p:cTn id="92" fill="hold">
-                      <p:stCondLst>
-                        <p:cond delay="indefinite"/>
-                      </p:stCondLst>
-                      <p:childTnLst>
-                        <p:par>
-                          <p:cTn id="93" fill="hold">
-                            <p:stCondLst>
-                              <p:cond delay="0"/>
-                            </p:stCondLst>
-                            <p:childTnLst>
-                              <p:par>
-                                <p:cTn id="94" nodeType="clickEffect" fill="hold" presetClass="entr" presetID="14" presetSubtype="10">
-                                  <p:stCondLst>
-                                    <p:cond delay="0"/>
-                                  </p:stCondLst>
-                                  <p:childTnLst>
-                                    <p:set>
-                                      <p:cBhvr>
-                                        <p:cTn id="95" dur="1" fill="hold">
-                                          <p:stCondLst>
-                                            <p:cond delay="0"/>
-                                          </p:stCondLst>
-                                        </p:cTn>
-                                        <p:tgtEl>
-                                          <p:spTgt spid="396"/>
-                                        </p:tgtEl>
-                                        <p:attrNameLst>
-                                          <p:attrName>style.visibility</p:attrName>
-                                        </p:attrNameLst>
-                                      </p:cBhvr>
-                                      <p:to>
-                                        <p:strVal val="visible"/>
-                                      </p:to>
-                                    </p:set>
-                                    <p:animEffect filter="randombar(horizontal)" transition="in">
-                                      <p:cBhvr additive="repl">
-                                        <p:cTn id="96" dur="500"/>
-                                        <p:tgtEl>
-                                          <p:spTgt spid="396"/>
-                                        </p:tgtEl>
-                                      </p:cBhvr>
-                                    </p:animEffect>
-                                  </p:childTnLst>
-                                </p:cTn>
-                              </p:par>
-                              <p:par>
-                                <p:cTn id="97" nodeType="withEffect" fill="hold" presetClass="entr" presetID="14" presetSubtype="10">
-                                  <p:stCondLst>
-                                    <p:cond delay="0"/>
-                                  </p:stCondLst>
-                                  <p:childTnLst>
-                                    <p:set>
-                                      <p:cBhvr>
-                                        <p:cTn id="98" dur="1" fill="hold">
-                                          <p:stCondLst>
-                                            <p:cond delay="0"/>
-                                          </p:stCondLst>
-                                        </p:cTn>
-                                        <p:tgtEl>
-                                          <p:spTgt spid="393"/>
-                                        </p:tgtEl>
-                                        <p:attrNameLst>
-                                          <p:attrName>style.visibility</p:attrName>
-                                        </p:attrNameLst>
-                                      </p:cBhvr>
-                                      <p:to>
-                                        <p:strVal val="visible"/>
-                                      </p:to>
-                                    </p:set>
-                                    <p:animEffect filter="randombar(horizontal)" transition="in">
-                                      <p:cBhvr additive="repl">
-                                        <p:cTn id="99" dur="500"/>
-                                        <p:tgtEl>
-                                          <p:spTgt spid="393"/>
-                                        </p:tgtEl>
-                                      </p:cBhvr>
-                                    </p:animEffect>
-                                  </p:childTnLst>
-                                </p:cTn>
-                              </p:par>
-                            </p:childTnLst>
-                          </p:cTn>
-                        </p:par>
-                      </p:childTnLst>
-                    </p:cTn>
-                  </p:par>
-                </p:childTnLst>
-              </p:cTn>
-              <p:prevCondLst>
-                <p:cond evt="onPrev">
-                  <p:tgtEl>
-                    <p:sldTgt/>
-                  </p:tgtEl>
-                </p:cond>
-              </p:prevCondLst>
-              <p:nextCondLst>
-                <p:cond evt="onNext">
-                  <p:tgtEl>
-                    <p:sldTgt/>
-                  </p:tgtEl>
-                </p:cond>
-              </p:nextCondLst>
-            </p:seq>
-          </p:childTnLst>
-        </p:cTn>
-      </p:par>
-    </p:tnLst>
-  </p:timing>
 </p:sld>
 </file>
 
@@ -34848,7 +34116,7 @@
       </p:grpSpPr>
       <p:sp>
         <p:nvSpPr>
-          <p:cNvPr id="397" name="PlaceHolder 1"/>
+          <p:cNvPr id="390" name="PlaceHolder 1"/>
           <p:cNvSpPr>
             <a:spLocks noGrp="1"/>
           </p:cNvSpPr>
@@ -34901,391 +34169,6 @@
           </a:p>
         </p:txBody>
       </p:sp>
-      <p:sp>
-        <p:nvSpPr>
-          <p:cNvPr id="398" name="PlaceHolder 2"/>
-          <p:cNvSpPr>
-            <a:spLocks noGrp="1"/>
-          </p:cNvSpPr>
-          <p:nvPr>
-            <p:ph/>
-          </p:nvPr>
-        </p:nvSpPr>
-        <p:spPr>
-          <a:xfrm>
-            <a:off x="2520000" y="1485000"/>
-            <a:ext cx="5039280" cy="494280"/>
-          </a:xfrm>
-          <a:prstGeom prst="rect">
-            <a:avLst/>
-          </a:prstGeom>
-          <a:noFill/>
-          <a:ln w="76320">
-            <a:solidFill>
-              <a:srgbClr val="3465a4"/>
-            </a:solidFill>
-            <a:round/>
-          </a:ln>
-        </p:spPr>
-        <p:txBody>
-          <a:bodyPr lIns="37800" rIns="37800" tIns="37800" bIns="37800" anchor="t">
-            <a:normAutofit/>
-          </a:bodyPr>
-          <a:p>
-            <a:pPr indent="0" algn="ctr">
-              <a:lnSpc>
-                <a:spcPct val="100000"/>
-              </a:lnSpc>
-              <a:spcAft>
-                <a:spcPts val="1057"/>
-              </a:spcAft>
-              <a:buNone/>
-              <a:tabLst>
-                <a:tab algn="l" pos="0"/>
-              </a:tabLst>
-            </a:pPr>
-            <a:r>
-              <a:rPr b="1" lang="en-IN" sz="2400" spc="-1" strike="noStrike">
-                <a:solidFill>
-                  <a:srgbClr val="2c3e50"/>
-                </a:solidFill>
-                <a:latin typeface="Noto Sans"/>
-              </a:rPr>
-              <a:t>Calculating Filter Coefficients</a:t>
-            </a:r>
-            <a:endParaRPr b="0" lang="en-IN" sz="2400" spc="-1" strike="noStrike">
-              <a:solidFill>
-                <a:srgbClr val="000000"/>
-              </a:solidFill>
-              <a:latin typeface="Arial"/>
-            </a:endParaRPr>
-          </a:p>
-        </p:txBody>
-      </p:sp>
-      <p:sp>
-        <p:nvSpPr>
-          <p:cNvPr id="399" name=""/>
-          <p:cNvSpPr/>
-          <p:nvPr/>
-        </p:nvSpPr>
-        <p:spPr>
-          <a:xfrm>
-            <a:off x="2520000" y="2565360"/>
-            <a:ext cx="5039280" cy="494280"/>
-          </a:xfrm>
-          <a:prstGeom prst="rect">
-            <a:avLst/>
-          </a:prstGeom>
-          <a:noFill/>
-          <a:ln w="76320">
-            <a:solidFill>
-              <a:srgbClr val="3465a4"/>
-            </a:solidFill>
-            <a:round/>
-          </a:ln>
-        </p:spPr>
-        <p:style>
-          <a:lnRef idx="0"/>
-          <a:fillRef idx="0"/>
-          <a:effectRef idx="0"/>
-          <a:fontRef idx="minor"/>
-        </p:style>
-        <p:txBody>
-          <a:bodyPr lIns="37800" rIns="37800" tIns="37800" bIns="37800" anchor="t">
-            <a:normAutofit/>
-          </a:bodyPr>
-          <a:p>
-            <a:pPr algn="ctr">
-              <a:lnSpc>
-                <a:spcPct val="100000"/>
-              </a:lnSpc>
-              <a:spcAft>
-                <a:spcPts val="1057"/>
-              </a:spcAft>
-            </a:pPr>
-            <a:r>
-              <a:rPr b="1" lang="en-IN" sz="2400" spc="-1" strike="noStrike">
-                <a:solidFill>
-                  <a:srgbClr val="2c3e50"/>
-                </a:solidFill>
-                <a:latin typeface="Noto Sans"/>
-                <a:ea typeface="DejaVu Sans"/>
-              </a:rPr>
-              <a:t>Modelling RNN Digital Filter</a:t>
-            </a:r>
-            <a:endParaRPr b="0" lang="en-IN" sz="2400" spc="-1" strike="noStrike">
-              <a:solidFill>
-                <a:srgbClr val="000000"/>
-              </a:solidFill>
-              <a:latin typeface="Arial"/>
-            </a:endParaRPr>
-          </a:p>
-        </p:txBody>
-      </p:sp>
-      <p:sp>
-        <p:nvSpPr>
-          <p:cNvPr id="400" name=""/>
-          <p:cNvSpPr/>
-          <p:nvPr/>
-        </p:nvSpPr>
-        <p:spPr>
-          <a:xfrm>
-            <a:off x="2520000" y="3609720"/>
-            <a:ext cx="5039280" cy="494280"/>
-          </a:xfrm>
-          <a:prstGeom prst="rect">
-            <a:avLst/>
-          </a:prstGeom>
-          <a:noFill/>
-          <a:ln w="76320">
-            <a:solidFill>
-              <a:srgbClr val="3465a4"/>
-            </a:solidFill>
-            <a:round/>
-          </a:ln>
-        </p:spPr>
-        <p:style>
-          <a:lnRef idx="0"/>
-          <a:fillRef idx="0"/>
-          <a:effectRef idx="0"/>
-          <a:fontRef idx="minor"/>
-        </p:style>
-        <p:txBody>
-          <a:bodyPr lIns="37800" rIns="37800" tIns="37800" bIns="37800" anchor="t">
-            <a:normAutofit fontScale="96666"/>
-          </a:bodyPr>
-          <a:p>
-            <a:pPr algn="ctr">
-              <a:lnSpc>
-                <a:spcPct val="100000"/>
-              </a:lnSpc>
-              <a:spcAft>
-                <a:spcPts val="1057"/>
-              </a:spcAft>
-            </a:pPr>
-            <a:r>
-              <a:rPr b="1" lang="en-IN" sz="2400" spc="-1" strike="noStrike">
-                <a:solidFill>
-                  <a:srgbClr val="2c3e50"/>
-                </a:solidFill>
-                <a:latin typeface="Noto Sans"/>
-                <a:ea typeface="DejaVu Sans"/>
-              </a:rPr>
-              <a:t>Programming (Python, Java, C++)</a:t>
-            </a:r>
-            <a:endParaRPr b="0" lang="en-IN" sz="2400" spc="-1" strike="noStrike">
-              <a:solidFill>
-                <a:srgbClr val="000000"/>
-              </a:solidFill>
-              <a:latin typeface="Arial"/>
-            </a:endParaRPr>
-          </a:p>
-        </p:txBody>
-      </p:sp>
-      <p:sp>
-        <p:nvSpPr>
-          <p:cNvPr id="401" name=""/>
-          <p:cNvSpPr/>
-          <p:nvPr/>
-        </p:nvSpPr>
-        <p:spPr>
-          <a:xfrm>
-            <a:off x="2520000" y="4690080"/>
-            <a:ext cx="5039280" cy="494280"/>
-          </a:xfrm>
-          <a:prstGeom prst="rect">
-            <a:avLst/>
-          </a:prstGeom>
-          <a:noFill/>
-          <a:ln w="76320">
-            <a:solidFill>
-              <a:srgbClr val="3465a4"/>
-            </a:solidFill>
-            <a:round/>
-          </a:ln>
-        </p:spPr>
-        <p:style>
-          <a:lnRef idx="0"/>
-          <a:fillRef idx="0"/>
-          <a:effectRef idx="0"/>
-          <a:fontRef idx="minor"/>
-        </p:style>
-        <p:txBody>
-          <a:bodyPr lIns="37800" rIns="37800" tIns="37800" bIns="37800" anchor="t">
-            <a:normAutofit/>
-          </a:bodyPr>
-          <a:p>
-            <a:pPr algn="ctr">
-              <a:lnSpc>
-                <a:spcPct val="100000"/>
-              </a:lnSpc>
-              <a:spcAft>
-                <a:spcPts val="1057"/>
-              </a:spcAft>
-            </a:pPr>
-            <a:r>
-              <a:rPr b="1" lang="en-IN" sz="2400" spc="-1" strike="noStrike">
-                <a:solidFill>
-                  <a:srgbClr val="2c3e50"/>
-                </a:solidFill>
-                <a:latin typeface="Noto Sans"/>
-                <a:ea typeface="DejaVu Sans"/>
-              </a:rPr>
-              <a:t>Testing</a:t>
-            </a:r>
-            <a:endParaRPr b="0" lang="en-IN" sz="2400" spc="-1" strike="noStrike">
-              <a:solidFill>
-                <a:srgbClr val="000000"/>
-              </a:solidFill>
-              <a:latin typeface="Arial"/>
-            </a:endParaRPr>
-          </a:p>
-        </p:txBody>
-      </p:sp>
-      <p:sp>
-        <p:nvSpPr>
-          <p:cNvPr id="402" name=""/>
-          <p:cNvSpPr/>
-          <p:nvPr/>
-        </p:nvSpPr>
-        <p:spPr>
-          <a:xfrm>
-            <a:off x="5040000" y="2016000"/>
-            <a:ext cx="360" cy="585360"/>
-          </a:xfrm>
-          <a:prstGeom prst="line">
-            <a:avLst/>
-          </a:prstGeom>
-          <a:ln w="76320">
-            <a:solidFill>
-              <a:srgbClr val="355269"/>
-            </a:solidFill>
-            <a:round/>
-            <a:tailEnd len="med" type="triangle" w="med"/>
-          </a:ln>
-        </p:spPr>
-        <p:style>
-          <a:lnRef idx="0"/>
-          <a:fillRef idx="0"/>
-          <a:effectRef idx="0"/>
-          <a:fontRef idx="minor"/>
-        </p:style>
-        <p:txBody>
-          <a:bodyPr lIns="90000" rIns="90000" tIns="45000" bIns="45000" anchor="t" anchorCtr="1">
-            <a:noAutofit/>
-          </a:bodyPr>
-          <a:p>
-            <a:pPr>
-              <a:lnSpc>
-                <a:spcPct val="100000"/>
-              </a:lnSpc>
-            </a:pPr>
-            <a:endParaRPr b="0" lang="en-IN" sz="1800" spc="-1" strike="noStrike">
-              <a:solidFill>
-                <a:srgbClr val="000000"/>
-              </a:solidFill>
-              <a:latin typeface="Arial"/>
-              <a:ea typeface="DejaVu Sans"/>
-            </a:endParaRPr>
-          </a:p>
-        </p:txBody>
-      </p:sp>
-      <p:sp>
-        <p:nvSpPr>
-          <p:cNvPr id="403" name=""/>
-          <p:cNvSpPr/>
-          <p:nvPr/>
-        </p:nvSpPr>
-        <p:spPr>
-          <a:xfrm>
-            <a:off x="5040000" y="3040920"/>
-            <a:ext cx="360" cy="585360"/>
-          </a:xfrm>
-          <a:prstGeom prst="line">
-            <a:avLst/>
-          </a:prstGeom>
-          <a:ln w="76320">
-            <a:solidFill>
-              <a:srgbClr val="355269"/>
-            </a:solidFill>
-            <a:round/>
-            <a:tailEnd len="med" type="triangle" w="med"/>
-          </a:ln>
-        </p:spPr>
-        <p:style>
-          <a:lnRef idx="0"/>
-          <a:fillRef idx="0"/>
-          <a:effectRef idx="0"/>
-          <a:fontRef idx="minor"/>
-        </p:style>
-        <p:txBody>
-          <a:bodyPr lIns="90000" rIns="90000" tIns="45000" bIns="45000" anchor="t" anchorCtr="1">
-            <a:noAutofit/>
-          </a:bodyPr>
-          <a:p>
-            <a:pPr>
-              <a:lnSpc>
-                <a:spcPct val="100000"/>
-              </a:lnSpc>
-            </a:pPr>
-            <a:endParaRPr b="0" lang="en-IN" sz="1800" spc="-1" strike="noStrike">
-              <a:solidFill>
-                <a:srgbClr val="000000"/>
-              </a:solidFill>
-              <a:latin typeface="Arial"/>
-              <a:ea typeface="DejaVu Sans"/>
-            </a:endParaRPr>
-          </a:p>
-        </p:txBody>
-      </p:sp>
-      <p:sp>
-        <p:nvSpPr>
-          <p:cNvPr id="404" name=""/>
-          <p:cNvSpPr/>
-          <p:nvPr/>
-        </p:nvSpPr>
-        <p:spPr>
-          <a:xfrm>
-            <a:off x="5040000" y="4137840"/>
-            <a:ext cx="360" cy="585360"/>
-          </a:xfrm>
-          <a:prstGeom prst="line">
-            <a:avLst/>
-          </a:prstGeom>
-          <a:ln w="76320">
-            <a:solidFill>
-              <a:srgbClr val="355269"/>
-            </a:solidFill>
-            <a:round/>
-            <a:tailEnd len="med" type="triangle" w="med"/>
-          </a:ln>
-        </p:spPr>
-        <p:style>
-          <a:lnRef idx="0"/>
-          <a:fillRef idx="0"/>
-          <a:effectRef idx="0"/>
-          <a:fontRef idx="minor"/>
-        </p:style>
-        <p:txBody>
-          <a:bodyPr lIns="90000" rIns="90000" tIns="45000" bIns="45000" anchor="t" anchorCtr="1">
-            <a:noAutofit/>
-          </a:bodyPr>
-          <a:p>
-            <a:pPr>
-              <a:lnSpc>
-                <a:spcPct val="100000"/>
-              </a:lnSpc>
-            </a:pPr>
-            <a:endParaRPr b="0" lang="en-IN" sz="1800" spc="-1" strike="noStrike">
-              <a:solidFill>
-                <a:srgbClr val="000000"/>
-              </a:solidFill>
-              <a:latin typeface="Arial"/>
-              <a:ea typeface="DejaVu Sans"/>
-            </a:endParaRPr>
-          </a:p>
-        </p:txBody>
-      </p:sp>
     </p:spTree>
   </p:cSld>
   <mc:AlternateContent>
@@ -35296,353 +34179,6 @@
       <p:transition spd="slow"/>
     </mc:Fallback>
   </mc:AlternateContent>
-  <p:timing>
-    <p:tnLst>
-      <p:par>
-        <p:cTn id="100" dur="indefinite" restart="never" nodeType="tmRoot">
-          <p:childTnLst>
-            <p:seq>
-              <p:cTn id="101" dur="indefinite" nodeType="mainSeq">
-                <p:childTnLst>
-                  <p:par>
-                    <p:cTn id="102" fill="hold">
-                      <p:stCondLst>
-                        <p:cond delay="indefinite"/>
-                      </p:stCondLst>
-                      <p:childTnLst>
-                        <p:par>
-                          <p:cTn id="103" fill="hold">
-                            <p:stCondLst>
-                              <p:cond delay="0"/>
-                            </p:stCondLst>
-                            <p:childTnLst>
-                              <p:par>
-                                <p:cTn id="104" nodeType="clickEffect" fill="hold" presetClass="entr" presetID="14" presetSubtype="10">
-                                  <p:stCondLst>
-                                    <p:cond delay="0"/>
-                                  </p:stCondLst>
-                                  <p:childTnLst>
-                                    <p:set>
-                                      <p:cBhvr>
-                                        <p:cTn id="105" dur="1" fill="hold">
-                                          <p:stCondLst>
-                                            <p:cond delay="0"/>
-                                          </p:stCondLst>
-                                        </p:cTn>
-                                        <p:tgtEl>
-                                          <p:spTgt spid="398"/>
-                                        </p:tgtEl>
-                                        <p:attrNameLst>
-                                          <p:attrName>style.visibility</p:attrName>
-                                        </p:attrNameLst>
-                                      </p:cBhvr>
-                                      <p:to>
-                                        <p:strVal val="visible"/>
-                                      </p:to>
-                                    </p:set>
-                                    <p:animEffect filter="randombar(horizontal)" transition="in">
-                                      <p:cBhvr additive="repl">
-                                        <p:cTn id="106" dur="500"/>
-                                        <p:tgtEl>
-                                          <p:spTgt spid="398"/>
-                                        </p:tgtEl>
-                                      </p:cBhvr>
-                                    </p:animEffect>
-                                  </p:childTnLst>
-                                </p:cTn>
-                              </p:par>
-                            </p:childTnLst>
-                          </p:cTn>
-                        </p:par>
-                      </p:childTnLst>
-                    </p:cTn>
-                  </p:par>
-                  <p:par>
-                    <p:cTn id="107" fill="hold">
-                      <p:stCondLst>
-                        <p:cond delay="indefinite"/>
-                      </p:stCondLst>
-                      <p:childTnLst>
-                        <p:par>
-                          <p:cTn id="108" fill="hold">
-                            <p:stCondLst>
-                              <p:cond delay="0"/>
-                            </p:stCondLst>
-                            <p:childTnLst>
-                              <p:par>
-                                <p:cTn id="109" nodeType="clickEffect" fill="hold" presetClass="entr" presetID="14" presetSubtype="10">
-                                  <p:stCondLst>
-                                    <p:cond delay="0"/>
-                                  </p:stCondLst>
-                                  <p:childTnLst>
-                                    <p:set>
-                                      <p:cBhvr>
-                                        <p:cTn id="110" dur="1" fill="hold">
-                                          <p:stCondLst>
-                                            <p:cond delay="0"/>
-                                          </p:stCondLst>
-                                        </p:cTn>
-                                        <p:tgtEl>
-                                          <p:spTgt spid="402"/>
-                                        </p:tgtEl>
-                                        <p:attrNameLst>
-                                          <p:attrName>style.visibility</p:attrName>
-                                        </p:attrNameLst>
-                                      </p:cBhvr>
-                                      <p:to>
-                                        <p:strVal val="visible"/>
-                                      </p:to>
-                                    </p:set>
-                                    <p:animEffect filter="randombar(horizontal)" transition="in">
-                                      <p:cBhvr additive="repl">
-                                        <p:cTn id="111" dur="500"/>
-                                        <p:tgtEl>
-                                          <p:spTgt spid="402"/>
-                                        </p:tgtEl>
-                                      </p:cBhvr>
-                                    </p:animEffect>
-                                  </p:childTnLst>
-                                </p:cTn>
-                              </p:par>
-                              <p:par>
-                                <p:cTn id="112" nodeType="withEffect" fill="hold" presetClass="entr" presetID="14" presetSubtype="10">
-                                  <p:stCondLst>
-                                    <p:cond delay="0"/>
-                                  </p:stCondLst>
-                                  <p:childTnLst>
-                                    <p:set>
-                                      <p:cBhvr>
-                                        <p:cTn id="113" dur="1" fill="hold">
-                                          <p:stCondLst>
-                                            <p:cond delay="0"/>
-                                          </p:stCondLst>
-                                        </p:cTn>
-                                        <p:tgtEl>
-                                          <p:spTgt spid="399"/>
-                                        </p:tgtEl>
-                                        <p:attrNameLst>
-                                          <p:attrName>style.visibility</p:attrName>
-                                        </p:attrNameLst>
-                                      </p:cBhvr>
-                                      <p:to>
-                                        <p:strVal val="visible"/>
-                                      </p:to>
-                                    </p:set>
-                                    <p:animEffect filter="randombar(horizontal)" transition="in">
-                                      <p:cBhvr additive="repl">
-                                        <p:cTn id="114" dur="500"/>
-                                        <p:tgtEl>
-                                          <p:spTgt spid="399"/>
-                                        </p:tgtEl>
-                                      </p:cBhvr>
-                                    </p:animEffect>
-                                  </p:childTnLst>
-                                </p:cTn>
-                              </p:par>
-                            </p:childTnLst>
-                          </p:cTn>
-                        </p:par>
-                      </p:childTnLst>
-                    </p:cTn>
-                  </p:par>
-                  <p:par>
-                    <p:cTn id="115" fill="hold">
-                      <p:stCondLst>
-                        <p:cond delay="indefinite"/>
-                      </p:stCondLst>
-                      <p:childTnLst>
-                        <p:par>
-                          <p:cTn id="116" fill="hold">
-                            <p:stCondLst>
-                              <p:cond delay="0"/>
-                            </p:stCondLst>
-                            <p:childTnLst>
-                              <p:par>
-                                <p:cTn id="117" nodeType="clickEffect" fill="hold" presetClass="entr" presetID="14" presetSubtype="10">
-                                  <p:stCondLst>
-                                    <p:cond delay="0"/>
-                                  </p:stCondLst>
-                                  <p:childTnLst>
-                                    <p:set>
-                                      <p:cBhvr>
-                                        <p:cTn id="118" dur="1" fill="hold">
-                                          <p:stCondLst>
-                                            <p:cond delay="0"/>
-                                          </p:stCondLst>
-                                        </p:cTn>
-                                        <p:tgtEl>
-                                          <p:spTgt spid="403"/>
-                                        </p:tgtEl>
-                                        <p:attrNameLst>
-                                          <p:attrName>style.visibility</p:attrName>
-                                        </p:attrNameLst>
-                                      </p:cBhvr>
-                                      <p:to>
-                                        <p:strVal val="visible"/>
-                                      </p:to>
-                                    </p:set>
-                                    <p:animEffect filter="randombar(horizontal)" transition="in">
-                                      <p:cBhvr additive="repl">
-                                        <p:cTn id="119" dur="500"/>
-                                        <p:tgtEl>
-                                          <p:spTgt spid="403"/>
-                                        </p:tgtEl>
-                                      </p:cBhvr>
-                                    </p:animEffect>
-                                  </p:childTnLst>
-                                </p:cTn>
-                              </p:par>
-                              <p:par>
-                                <p:cTn id="120" nodeType="withEffect" fill="hold" presetClass="entr" presetID="14" presetSubtype="10">
-                                  <p:stCondLst>
-                                    <p:cond delay="0"/>
-                                  </p:stCondLst>
-                                  <p:childTnLst>
-                                    <p:set>
-                                      <p:cBhvr>
-                                        <p:cTn id="121" dur="1" fill="hold">
-                                          <p:stCondLst>
-                                            <p:cond delay="0"/>
-                                          </p:stCondLst>
-                                        </p:cTn>
-                                        <p:tgtEl>
-                                          <p:spTgt spid="400"/>
-                                        </p:tgtEl>
-                                        <p:attrNameLst>
-                                          <p:attrName>style.visibility</p:attrName>
-                                        </p:attrNameLst>
-                                      </p:cBhvr>
-                                      <p:to>
-                                        <p:strVal val="visible"/>
-                                      </p:to>
-                                    </p:set>
-                                    <p:animEffect filter="randombar(horizontal)" transition="in">
-                                      <p:cBhvr additive="repl">
-                                        <p:cTn id="122" dur="500"/>
-                                        <p:tgtEl>
-                                          <p:spTgt spid="400"/>
-                                        </p:tgtEl>
-                                      </p:cBhvr>
-                                    </p:animEffect>
-                                  </p:childTnLst>
-                                </p:cTn>
-                              </p:par>
-                            </p:childTnLst>
-                          </p:cTn>
-                        </p:par>
-                      </p:childTnLst>
-                    </p:cTn>
-                  </p:par>
-                  <p:par>
-                    <p:cTn id="123" fill="hold">
-                      <p:stCondLst>
-                        <p:cond delay="indefinite"/>
-                      </p:stCondLst>
-                      <p:childTnLst>
-                        <p:par>
-                          <p:cTn id="124" fill="hold">
-                            <p:stCondLst>
-                              <p:cond delay="0"/>
-                            </p:stCondLst>
-                            <p:childTnLst>
-                              <p:par>
-                                <p:cTn id="125" nodeType="clickEffect" fill="hold" presetClass="entr" presetID="14" presetSubtype="10">
-                                  <p:stCondLst>
-                                    <p:cond delay="0"/>
-                                  </p:stCondLst>
-                                  <p:childTnLst>
-                                    <p:set>
-                                      <p:cBhvr>
-                                        <p:cTn id="126" dur="1" fill="hold">
-                                          <p:stCondLst>
-                                            <p:cond delay="0"/>
-                                          </p:stCondLst>
-                                        </p:cTn>
-                                        <p:tgtEl>
-                                          <p:spTgt spid="404"/>
-                                        </p:tgtEl>
-                                        <p:attrNameLst>
-                                          <p:attrName>style.visibility</p:attrName>
-                                        </p:attrNameLst>
-                                      </p:cBhvr>
-                                      <p:to>
-                                        <p:strVal val="visible"/>
-                                      </p:to>
-                                    </p:set>
-                                    <p:animEffect filter="randombar(horizontal)" transition="in">
-                                      <p:cBhvr additive="repl">
-                                        <p:cTn id="127" dur="500"/>
-                                        <p:tgtEl>
-                                          <p:spTgt spid="404"/>
-                                        </p:tgtEl>
-                                      </p:cBhvr>
-                                    </p:animEffect>
-                                  </p:childTnLst>
-                                </p:cTn>
-                              </p:par>
-                              <p:par>
-                                <p:cTn id="128" nodeType="withEffect" fill="hold" presetClass="entr" presetID="14" presetSubtype="10">
-                                  <p:stCondLst>
-                                    <p:cond delay="0"/>
-                                  </p:stCondLst>
-                                  <p:childTnLst>
-                                    <p:set>
-                                      <p:cBhvr>
-                                        <p:cTn id="129" dur="1" fill="hold">
-                                          <p:stCondLst>
-                                            <p:cond delay="0"/>
-                                          </p:stCondLst>
-                                        </p:cTn>
-                                        <p:tgtEl>
-                                          <p:spTgt spid="401"/>
-                                        </p:tgtEl>
-                                        <p:attrNameLst>
-                                          <p:attrName>style.visibility</p:attrName>
-                                        </p:attrNameLst>
-                                      </p:cBhvr>
-                                      <p:to>
-                                        <p:strVal val="visible"/>
-                                      </p:to>
-                                    </p:set>
-                                    <p:animEffect filter="randombar(horizontal)" transition="in">
-                                      <p:cBhvr additive="repl">
-                                        <p:cTn id="130" dur="500"/>
-                                        <p:tgtEl>
-                                          <p:spTgt spid="401"/>
-                                        </p:tgtEl>
-                                      </p:cBhvr>
-                                    </p:animEffect>
-                                  </p:childTnLst>
-                                </p:cTn>
-                              </p:par>
-                            </p:childTnLst>
-                          </p:cTn>
-                        </p:par>
-                      </p:childTnLst>
-                    </p:cTn>
-                  </p:par>
-                </p:childTnLst>
-              </p:cTn>
-              <p:prevCondLst>
-                <p:cond evt="onPrev">
-                  <p:tgtEl>
-                    <p:sldTgt/>
-                  </p:tgtEl>
-                </p:cond>
-              </p:prevCondLst>
-              <p:nextCondLst>
-                <p:cond evt="onNext">
-                  <p:tgtEl>
-                    <p:sldTgt/>
-                  </p:tgtEl>
-                </p:cond>
-              </p:nextCondLst>
-            </p:seq>
-          </p:childTnLst>
-        </p:cTn>
-      </p:par>
-    </p:tnLst>
-  </p:timing>
 </p:sld>
 </file>
 
@@ -35665,7 +34201,7 @@
       </p:grpSpPr>
       <p:sp>
         <p:nvSpPr>
-          <p:cNvPr id="405" name="PlaceHolder 1"/>
+          <p:cNvPr id="391" name="PlaceHolder 1"/>
           <p:cNvSpPr>
             <a:spLocks noGrp="1"/>
           </p:cNvSpPr>
@@ -35750,7 +34286,7 @@
       </p:grpSpPr>
       <p:sp>
         <p:nvSpPr>
-          <p:cNvPr id="406" name="PlaceHolder 1"/>
+          <p:cNvPr id="392" name="PlaceHolder 1"/>
           <p:cNvSpPr>
             <a:spLocks noGrp="1"/>
           </p:cNvSpPr>
@@ -35805,7 +34341,7 @@
       </p:sp>
       <p:pic>
         <p:nvPicPr>
-          <p:cNvPr id="407" name="" descr=""/>
+          <p:cNvPr id="393" name="" descr=""/>
           <p:cNvPicPr/>
           <p:nvPr/>
         </p:nvPicPr>
@@ -35828,7 +34364,7 @@
       </p:pic>
       <p:pic>
         <p:nvPicPr>
-          <p:cNvPr id="408" name="" descr=""/>
+          <p:cNvPr id="394" name="" descr=""/>
           <p:cNvPicPr/>
           <p:nvPr/>
         </p:nvPicPr>
@@ -35851,7 +34387,7 @@
       </p:pic>
       <p:pic>
         <p:nvPicPr>
-          <p:cNvPr id="409" name="" descr=""/>
+          <p:cNvPr id="395" name="" descr=""/>
           <p:cNvPicPr/>
           <p:nvPr/>
         </p:nvPicPr>
@@ -35874,7 +34410,7 @@
       </p:pic>
       <p:pic>
         <p:nvPicPr>
-          <p:cNvPr id="410" name="" descr=""/>
+          <p:cNvPr id="396" name="" descr=""/>
           <p:cNvPicPr/>
           <p:nvPr/>
         </p:nvPicPr>
@@ -35897,7 +34433,7 @@
       </p:pic>
       <p:pic>
         <p:nvPicPr>
-          <p:cNvPr id="411" name="" descr=""/>
+          <p:cNvPr id="397" name="" descr=""/>
           <p:cNvPicPr/>
           <p:nvPr/>
         </p:nvPicPr>
@@ -35931,38 +34467,38 @@
   <p:timing>
     <p:tnLst>
       <p:par>
-        <p:cTn id="131" dur="indefinite" restart="never" nodeType="tmRoot">
+        <p:cTn id="69" dur="indefinite" restart="never" nodeType="tmRoot">
           <p:childTnLst>
             <p:seq>
-              <p:cTn id="132" dur="indefinite" nodeType="mainSeq">
+              <p:cTn id="70" dur="indefinite" nodeType="mainSeq">
                 <p:childTnLst>
                   <p:par>
-                    <p:cTn id="133" fill="hold">
+                    <p:cTn id="71" fill="hold">
                       <p:stCondLst>
                         <p:cond delay="indefinite"/>
                       </p:stCondLst>
                       <p:childTnLst>
                         <p:par>
-                          <p:cTn id="134" fill="hold">
+                          <p:cTn id="72" fill="hold">
                             <p:stCondLst>
                               <p:cond delay="0"/>
                             </p:stCondLst>
                             <p:childTnLst>
                               <p:par>
-                                <p:cTn id="135" nodeType="clickEffect" fill="hold" presetClass="entr" presetID="53">
+                                <p:cTn id="73" nodeType="clickEffect" fill="hold" presetClass="entr" presetID="53">
                                   <p:stCondLst>
                                     <p:cond delay="0"/>
                                   </p:stCondLst>
                                   <p:childTnLst>
                                     <p:set>
                                       <p:cBhvr>
-                                        <p:cTn id="136" dur="1" fill="hold">
+                                        <p:cTn id="74" dur="1" fill="hold">
                                           <p:stCondLst>
                                             <p:cond delay="0"/>
                                           </p:stCondLst>
                                         </p:cTn>
                                         <p:tgtEl>
-                                          <p:spTgt spid="407"/>
+                                          <p:spTgt spid="393"/>
                                         </p:tgtEl>
                                         <p:attrNameLst>
                                           <p:attrName>style.visibility</p:attrName>
@@ -35974,9 +34510,9 @@
                                     </p:set>
                                     <p:anim calcmode="lin" valueType="num">
                                       <p:cBhvr additive="repl">
-                                        <p:cTn id="137" dur="500" fill="hold"/>
+                                        <p:cTn id="75" dur="500" fill="hold"/>
                                         <p:tgtEl>
-                                          <p:spTgt spid="407"/>
+                                          <p:spTgt spid="393"/>
                                         </p:tgtEl>
                                         <p:attrNameLst>
                                           <p:attrName>ppt_w</p:attrName>
@@ -35997,9 +34533,9 @@
                                     </p:anim>
                                     <p:anim calcmode="lin" valueType="num">
                                       <p:cBhvr additive="repl">
-                                        <p:cTn id="138" dur="500" fill="hold"/>
+                                        <p:cTn id="76" dur="500" fill="hold"/>
                                         <p:tgtEl>
-                                          <p:spTgt spid="407"/>
+                                          <p:spTgt spid="393"/>
                                         </p:tgtEl>
                                         <p:attrNameLst>
                                           <p:attrName>ppt_h</p:attrName>
@@ -36020,9 +34556,9 @@
                                     </p:anim>
                                     <p:animEffect filter="fade" transition="in">
                                       <p:cBhvr additive="repl">
-                                        <p:cTn id="139" dur="500"/>
+                                        <p:cTn id="77" dur="500"/>
                                         <p:tgtEl>
-                                          <p:spTgt spid="407"/>
+                                          <p:spTgt spid="393"/>
                                         </p:tgtEl>
                                       </p:cBhvr>
                                     </p:animEffect>
@@ -36036,32 +34572,32 @@
                     </p:cTn>
                   </p:par>
                   <p:par>
-                    <p:cTn id="140" fill="hold">
+                    <p:cTn id="78" fill="hold">
                       <p:stCondLst>
                         <p:cond delay="indefinite"/>
                       </p:stCondLst>
                       <p:childTnLst>
                         <p:par>
-                          <p:cTn id="141" fill="hold">
+                          <p:cTn id="79" fill="hold">
                             <p:stCondLst>
                               <p:cond delay="0"/>
                             </p:stCondLst>
                             <p:childTnLst>
                               <p:par>
-                                <p:cTn id="142" nodeType="clickEffect" fill="hold" presetClass="entr" presetID="53">
+                                <p:cTn id="80" nodeType="clickEffect" fill="hold" presetClass="entr" presetID="53">
                                   <p:stCondLst>
                                     <p:cond delay="0"/>
                                   </p:stCondLst>
                                   <p:childTnLst>
                                     <p:set>
                                       <p:cBhvr>
-                                        <p:cTn id="143" dur="1" fill="hold">
+                                        <p:cTn id="81" dur="1" fill="hold">
                                           <p:stCondLst>
                                             <p:cond delay="0"/>
                                           </p:stCondLst>
                                         </p:cTn>
                                         <p:tgtEl>
-                                          <p:spTgt spid="411"/>
+                                          <p:spTgt spid="397"/>
                                         </p:tgtEl>
                                         <p:attrNameLst>
                                           <p:attrName>style.visibility</p:attrName>
@@ -36073,9 +34609,9 @@
                                     </p:set>
                                     <p:anim calcmode="lin" valueType="num">
                                       <p:cBhvr additive="repl">
-                                        <p:cTn id="144" dur="500" fill="hold"/>
+                                        <p:cTn id="82" dur="500" fill="hold"/>
                                         <p:tgtEl>
-                                          <p:spTgt spid="411"/>
+                                          <p:spTgt spid="397"/>
                                         </p:tgtEl>
                                         <p:attrNameLst>
                                           <p:attrName>ppt_w</p:attrName>
@@ -36096,9 +34632,9 @@
                                     </p:anim>
                                     <p:anim calcmode="lin" valueType="num">
                                       <p:cBhvr additive="repl">
-                                        <p:cTn id="145" dur="500" fill="hold"/>
+                                        <p:cTn id="83" dur="500" fill="hold"/>
                                         <p:tgtEl>
-                                          <p:spTgt spid="411"/>
+                                          <p:spTgt spid="397"/>
                                         </p:tgtEl>
                                         <p:attrNameLst>
                                           <p:attrName>ppt_h</p:attrName>
@@ -36119,9 +34655,9 @@
                                     </p:anim>
                                     <p:animEffect filter="fade" transition="in">
                                       <p:cBhvr additive="repl">
-                                        <p:cTn id="146" dur="500"/>
+                                        <p:cTn id="84" dur="500"/>
                                         <p:tgtEl>
-                                          <p:spTgt spid="411"/>
+                                          <p:spTgt spid="397"/>
                                         </p:tgtEl>
                                       </p:cBhvr>
                                     </p:animEffect>
@@ -36135,32 +34671,32 @@
                     </p:cTn>
                   </p:par>
                   <p:par>
-                    <p:cTn id="147" fill="hold">
+                    <p:cTn id="85" fill="hold">
                       <p:stCondLst>
                         <p:cond delay="indefinite"/>
                       </p:stCondLst>
                       <p:childTnLst>
                         <p:par>
-                          <p:cTn id="148" fill="hold">
+                          <p:cTn id="86" fill="hold">
                             <p:stCondLst>
                               <p:cond delay="0"/>
                             </p:stCondLst>
                             <p:childTnLst>
                               <p:par>
-                                <p:cTn id="149" nodeType="clickEffect" fill="hold" presetClass="entr" presetID="53">
+                                <p:cTn id="87" nodeType="clickEffect" fill="hold" presetClass="entr" presetID="53">
                                   <p:stCondLst>
                                     <p:cond delay="0"/>
                                   </p:stCondLst>
                                   <p:childTnLst>
                                     <p:set>
                                       <p:cBhvr>
-                                        <p:cTn id="150" dur="1" fill="hold">
+                                        <p:cTn id="88" dur="1" fill="hold">
                                           <p:stCondLst>
                                             <p:cond delay="0"/>
                                           </p:stCondLst>
                                         </p:cTn>
                                         <p:tgtEl>
-                                          <p:spTgt spid="409"/>
+                                          <p:spTgt spid="395"/>
                                         </p:tgtEl>
                                         <p:attrNameLst>
                                           <p:attrName>style.visibility</p:attrName>
@@ -36172,9 +34708,9 @@
                                     </p:set>
                                     <p:anim calcmode="lin" valueType="num">
                                       <p:cBhvr additive="repl">
-                                        <p:cTn id="151" dur="500" fill="hold"/>
+                                        <p:cTn id="89" dur="500" fill="hold"/>
                                         <p:tgtEl>
-                                          <p:spTgt spid="409"/>
+                                          <p:spTgt spid="395"/>
                                         </p:tgtEl>
                                         <p:attrNameLst>
                                           <p:attrName>ppt_w</p:attrName>
@@ -36195,9 +34731,9 @@
                                     </p:anim>
                                     <p:anim calcmode="lin" valueType="num">
                                       <p:cBhvr additive="repl">
-                                        <p:cTn id="152" dur="500" fill="hold"/>
+                                        <p:cTn id="90" dur="500" fill="hold"/>
                                         <p:tgtEl>
-                                          <p:spTgt spid="409"/>
+                                          <p:spTgt spid="395"/>
                                         </p:tgtEl>
                                         <p:attrNameLst>
                                           <p:attrName>ppt_h</p:attrName>
@@ -36218,9 +34754,9 @@
                                     </p:anim>
                                     <p:animEffect filter="fade" transition="in">
                                       <p:cBhvr additive="repl">
-                                        <p:cTn id="153" dur="500"/>
+                                        <p:cTn id="91" dur="500"/>
                                         <p:tgtEl>
-                                          <p:spTgt spid="409"/>
+                                          <p:spTgt spid="395"/>
                                         </p:tgtEl>
                                       </p:cBhvr>
                                     </p:animEffect>
@@ -36234,32 +34770,32 @@
                     </p:cTn>
                   </p:par>
                   <p:par>
-                    <p:cTn id="154" fill="hold">
+                    <p:cTn id="92" fill="hold">
                       <p:stCondLst>
                         <p:cond delay="indefinite"/>
                       </p:stCondLst>
                       <p:childTnLst>
                         <p:par>
-                          <p:cTn id="155" fill="hold">
+                          <p:cTn id="93" fill="hold">
                             <p:stCondLst>
                               <p:cond delay="0"/>
                             </p:stCondLst>
                             <p:childTnLst>
                               <p:par>
-                                <p:cTn id="156" nodeType="clickEffect" fill="hold" presetClass="entr" presetID="53">
+                                <p:cTn id="94" nodeType="clickEffect" fill="hold" presetClass="entr" presetID="53">
                                   <p:stCondLst>
                                     <p:cond delay="0"/>
                                   </p:stCondLst>
                                   <p:childTnLst>
                                     <p:set>
                                       <p:cBhvr>
-                                        <p:cTn id="157" dur="1" fill="hold">
+                                        <p:cTn id="95" dur="1" fill="hold">
                                           <p:stCondLst>
                                             <p:cond delay="0"/>
                                           </p:stCondLst>
                                         </p:cTn>
                                         <p:tgtEl>
-                                          <p:spTgt spid="408"/>
+                                          <p:spTgt spid="394"/>
                                         </p:tgtEl>
                                         <p:attrNameLst>
                                           <p:attrName>style.visibility</p:attrName>
@@ -36271,9 +34807,9 @@
                                     </p:set>
                                     <p:anim calcmode="lin" valueType="num">
                                       <p:cBhvr additive="repl">
-                                        <p:cTn id="158" dur="500" fill="hold"/>
+                                        <p:cTn id="96" dur="500" fill="hold"/>
                                         <p:tgtEl>
-                                          <p:spTgt spid="408"/>
+                                          <p:spTgt spid="394"/>
                                         </p:tgtEl>
                                         <p:attrNameLst>
                                           <p:attrName>ppt_w</p:attrName>
@@ -36294,9 +34830,9 @@
                                     </p:anim>
                                     <p:anim calcmode="lin" valueType="num">
                                       <p:cBhvr additive="repl">
-                                        <p:cTn id="159" dur="500" fill="hold"/>
+                                        <p:cTn id="97" dur="500" fill="hold"/>
                                         <p:tgtEl>
-                                          <p:spTgt spid="408"/>
+                                          <p:spTgt spid="394"/>
                                         </p:tgtEl>
                                         <p:attrNameLst>
                                           <p:attrName>ppt_h</p:attrName>
@@ -36317,9 +34853,9 @@
                                     </p:anim>
                                     <p:animEffect filter="fade" transition="in">
                                       <p:cBhvr additive="repl">
-                                        <p:cTn id="160" dur="500"/>
+                                        <p:cTn id="98" dur="500"/>
                                         <p:tgtEl>
-                                          <p:spTgt spid="408"/>
+                                          <p:spTgt spid="394"/>
                                         </p:tgtEl>
                                       </p:cBhvr>
                                     </p:animEffect>
@@ -36333,32 +34869,32 @@
                     </p:cTn>
                   </p:par>
                   <p:par>
-                    <p:cTn id="161" fill="hold">
+                    <p:cTn id="99" fill="hold">
                       <p:stCondLst>
                         <p:cond delay="indefinite"/>
                       </p:stCondLst>
                       <p:childTnLst>
                         <p:par>
-                          <p:cTn id="162" fill="hold">
+                          <p:cTn id="100" fill="hold">
                             <p:stCondLst>
                               <p:cond delay="0"/>
                             </p:stCondLst>
                             <p:childTnLst>
                               <p:par>
-                                <p:cTn id="163" nodeType="clickEffect" fill="hold" presetClass="entr" presetID="53">
+                                <p:cTn id="101" nodeType="clickEffect" fill="hold" presetClass="entr" presetID="53">
                                   <p:stCondLst>
                                     <p:cond delay="0"/>
                                   </p:stCondLst>
                                   <p:childTnLst>
                                     <p:set>
                                       <p:cBhvr>
-                                        <p:cTn id="164" dur="1" fill="hold">
+                                        <p:cTn id="102" dur="1" fill="hold">
                                           <p:stCondLst>
                                             <p:cond delay="0"/>
                                           </p:stCondLst>
                                         </p:cTn>
                                         <p:tgtEl>
-                                          <p:spTgt spid="410"/>
+                                          <p:spTgt spid="396"/>
                                         </p:tgtEl>
                                         <p:attrNameLst>
                                           <p:attrName>style.visibility</p:attrName>
@@ -36370,9 +34906,9 @@
                                     </p:set>
                                     <p:anim calcmode="lin" valueType="num">
                                       <p:cBhvr additive="repl">
-                                        <p:cTn id="165" dur="500" fill="hold"/>
+                                        <p:cTn id="103" dur="500" fill="hold"/>
                                         <p:tgtEl>
-                                          <p:spTgt spid="410"/>
+                                          <p:spTgt spid="396"/>
                                         </p:tgtEl>
                                         <p:attrNameLst>
                                           <p:attrName>ppt_w</p:attrName>
@@ -36393,9 +34929,9 @@
                                     </p:anim>
                                     <p:anim calcmode="lin" valueType="num">
                                       <p:cBhvr additive="repl">
-                                        <p:cTn id="166" dur="500" fill="hold"/>
+                                        <p:cTn id="104" dur="500" fill="hold"/>
                                         <p:tgtEl>
-                                          <p:spTgt spid="410"/>
+                                          <p:spTgt spid="396"/>
                                         </p:tgtEl>
                                         <p:attrNameLst>
                                           <p:attrName>ppt_h</p:attrName>
@@ -36416,9 +34952,9 @@
                                     </p:anim>
                                     <p:animEffect filter="fade" transition="in">
                                       <p:cBhvr additive="repl">
-                                        <p:cTn id="167" dur="500"/>
+                                        <p:cTn id="105" dur="500"/>
                                         <p:tgtEl>
-                                          <p:spTgt spid="410"/>
+                                          <p:spTgt spid="396"/>
                                         </p:tgtEl>
                                       </p:cBhvr>
                                     </p:animEffect>
@@ -36475,7 +35011,7 @@
       </p:grpSpPr>
       <p:sp>
         <p:nvSpPr>
-          <p:cNvPr id="412" name="PlaceHolder 1"/>
+          <p:cNvPr id="398" name="PlaceHolder 1"/>
           <p:cNvSpPr>
             <a:spLocks noGrp="1"/>
           </p:cNvSpPr>
@@ -36530,7 +35066,7 @@
       </p:sp>
       <p:sp>
         <p:nvSpPr>
-          <p:cNvPr id="413" name=""/>
+          <p:cNvPr id="399" name=""/>
           <p:cNvSpPr/>
           <p:nvPr/>
         </p:nvSpPr>
@@ -36614,7 +35150,7 @@
       </p:grpSpPr>
       <p:sp>
         <p:nvSpPr>
-          <p:cNvPr id="414" name="PlaceHolder 1"/>
+          <p:cNvPr id="400" name="PlaceHolder 1"/>
           <p:cNvSpPr>
             <a:spLocks noGrp="1"/>
           </p:cNvSpPr>
@@ -36669,7 +35205,7 @@
       </p:sp>
       <p:sp>
         <p:nvSpPr>
-          <p:cNvPr id="415" name=""/>
+          <p:cNvPr id="401" name=""/>
           <p:cNvSpPr/>
           <p:nvPr/>
         </p:nvSpPr>
@@ -36858,7 +35394,7 @@
       </p:grpSpPr>
       <p:sp>
         <p:nvSpPr>
-          <p:cNvPr id="416" name="PlaceHolder 1"/>
+          <p:cNvPr id="402" name="PlaceHolder 1"/>
           <p:cNvSpPr>
             <a:spLocks noGrp="1"/>
           </p:cNvSpPr>
@@ -36913,7 +35449,7 @@
       </p:sp>
       <p:sp>
         <p:nvSpPr>
-          <p:cNvPr id="417" name=""/>
+          <p:cNvPr id="403" name=""/>
           <p:cNvSpPr/>
           <p:nvPr/>
         </p:nvSpPr>
@@ -37102,7 +35638,7 @@
       </p:grpSpPr>
       <p:sp>
         <p:nvSpPr>
-          <p:cNvPr id="418" name="PlaceHolder 1"/>
+          <p:cNvPr id="404" name="PlaceHolder 1"/>
           <p:cNvSpPr>
             <a:spLocks noGrp="1"/>
           </p:cNvSpPr>
@@ -37157,7 +35693,7 @@
       </p:sp>
       <p:sp>
         <p:nvSpPr>
-          <p:cNvPr id="419" name=""/>
+          <p:cNvPr id="405" name=""/>
           <p:cNvSpPr/>
           <p:nvPr/>
         </p:nvSpPr>
@@ -37346,7 +35882,7 @@
       </p:grpSpPr>
       <p:sp>
         <p:nvSpPr>
-          <p:cNvPr id="420" name="PlaceHolder 1"/>
+          <p:cNvPr id="406" name="PlaceHolder 1"/>
           <p:cNvSpPr>
             <a:spLocks noGrp="1"/>
           </p:cNvSpPr>
@@ -37413,7 +35949,7 @@
         <p:txBody>
           <a:bodyPr/>
           <a:p>
-            <a:fld id="{331B619B-29AA-4332-99F8-FCA0A2A6FD32}" type="slidenum">
+            <a:fld id="{7C5068ED-A953-4721-9974-1AF5A67F55BE}" type="slidenum">
               <a:t>19</a:t>
             </a:fld>
           </a:p>

--- a/A Low Latency Digital Filter using Recurrent Neural Network/PPT/Presentation.pptx
+++ b/A Low Latency Digital Filter using Recurrent Neural Network/PPT/Presentation.pptx
@@ -1044,7 +1044,7 @@
         <p:txBody>
           <a:bodyPr/>
           <a:p>
-            <a:fld id="{18464250-0FF1-43D3-A7E1-3D76591CEEF2}" type="slidenum">
+            <a:fld id="{BC3F81B4-A544-4FF9-A21C-8F1F5B1F116E}" type="slidenum">
               <a:t>&lt;#&gt;</a:t>
             </a:fld>
           </a:p>
@@ -1253,7 +1253,7 @@
         <p:txBody>
           <a:bodyPr/>
           <a:p>
-            <a:fld id="{0D0EF99F-CD94-497D-A901-58EE57E189B9}" type="slidenum">
+            <a:fld id="{F0585439-AE55-4E21-96C9-E53B22B64526}" type="slidenum">
               <a:t>&lt;#&gt;</a:t>
             </a:fld>
           </a:p>
@@ -1548,7 +1548,7 @@
         <p:txBody>
           <a:bodyPr/>
           <a:p>
-            <a:fld id="{5D57191D-08E2-4F51-BDBB-0649C6367329}" type="slidenum">
+            <a:fld id="{5829B787-68EF-45C1-B400-A60CF0583492}" type="slidenum">
               <a:t>&lt;#&gt;</a:t>
             </a:fld>
           </a:p>
@@ -1631,7 +1631,7 @@
         <p:txBody>
           <a:bodyPr/>
           <a:p>
-            <a:fld id="{BCE0603F-BCD5-4EA6-9002-8B1156E90DAB}" type="slidenum">
+            <a:fld id="{EB4EE95C-7EED-4DC4-BC31-6726A9ECA824}" type="slidenum">
               <a:t>&lt;#&gt;</a:t>
             </a:fld>
           </a:p>
@@ -1714,7 +1714,7 @@
         <p:txBody>
           <a:bodyPr/>
           <a:p>
-            <a:fld id="{26C145AB-92C2-4711-8722-53A4AA3B0530}" type="slidenum">
+            <a:fld id="{B9F7AA42-ED61-46BF-8AD5-03BB60488FF7}" type="slidenum">
               <a:t>&lt;#&gt;</a:t>
             </a:fld>
           </a:p>
@@ -1880,7 +1880,7 @@
         <p:txBody>
           <a:bodyPr/>
           <a:p>
-            <a:fld id="{9247FE0F-6FB4-447D-9002-40D1F0889EEB}" type="slidenum">
+            <a:fld id="{70E186C5-DE5C-447F-929E-884F872FD076}" type="slidenum">
               <a:t>&lt;#&gt;</a:t>
             </a:fld>
           </a:p>
@@ -2046,7 +2046,7 @@
         <p:txBody>
           <a:bodyPr/>
           <a:p>
-            <a:fld id="{E2BAAFEE-E746-4203-8D14-CC9DBF48D79E}" type="slidenum">
+            <a:fld id="{DACBBF5A-23DE-4CC2-BA53-6A1CE4479936}" type="slidenum">
               <a:t>&lt;#&gt;</a:t>
             </a:fld>
           </a:p>
@@ -2444,7 +2444,7 @@
         <p:txBody>
           <a:bodyPr/>
           <a:p>
-            <a:fld id="{B19F0B97-5E30-4F35-868A-334CB513D17C}" type="slidenum">
+            <a:fld id="{E0A9DC1A-16FC-4E29-80BD-14EB4695601A}" type="slidenum">
               <a:t>&lt;#&gt;</a:t>
             </a:fld>
           </a:p>
@@ -2567,7 +2567,7 @@
         <p:txBody>
           <a:bodyPr/>
           <a:p>
-            <a:fld id="{363AB4F2-B57A-4017-A099-5C280129C8B7}" type="slidenum">
+            <a:fld id="{29ED378B-1775-45E6-BFF2-CEEDA28D9978}" type="slidenum">
               <a:t>&lt;#&gt;</a:t>
             </a:fld>
           </a:p>
@@ -2650,7 +2650,7 @@
         <p:txBody>
           <a:bodyPr/>
           <a:p>
-            <a:fld id="{EA84EDAE-9C4E-4B6C-8FE8-F429D71C0C7F}" type="slidenum">
+            <a:fld id="{E84BB14F-9644-4646-9B5A-3344BA5FED62}" type="slidenum">
               <a:t>&lt;#&gt;</a:t>
             </a:fld>
           </a:p>
@@ -2902,7 +2902,7 @@
         <p:txBody>
           <a:bodyPr/>
           <a:p>
-            <a:fld id="{50BF6D5C-08B6-453A-926D-CCF9C82A27EC}" type="slidenum">
+            <a:fld id="{794500C6-BE07-4857-A9DF-5ACABC0B5111}" type="slidenum">
               <a:t>&lt;#&gt;</a:t>
             </a:fld>
           </a:p>
@@ -3154,7 +3154,7 @@
         <p:txBody>
           <a:bodyPr/>
           <a:p>
-            <a:fld id="{38B37866-E727-45A8-AE14-9223A648449A}" type="slidenum">
+            <a:fld id="{768FCFAA-9C53-40AF-90B7-448759E993D8}" type="slidenum">
               <a:t>&lt;#&gt;</a:t>
             </a:fld>
           </a:p>
@@ -3406,7 +3406,7 @@
         <p:txBody>
           <a:bodyPr/>
           <a:p>
-            <a:fld id="{8B3CC7DF-1204-4E5B-A634-13ABD2B2E5A1}" type="slidenum">
+            <a:fld id="{E4BF6ECA-2A9E-4A4C-9BEC-58A98E4710D5}" type="slidenum">
               <a:t>&lt;#&gt;</a:t>
             </a:fld>
           </a:p>
@@ -3615,7 +3615,7 @@
         <p:txBody>
           <a:bodyPr/>
           <a:p>
-            <a:fld id="{FFFC5E88-6288-45DD-8D0A-286927978CB6}" type="slidenum">
+            <a:fld id="{6D973E51-AD6A-402A-9FBB-30A34B8DCCB3}" type="slidenum">
               <a:t>&lt;#&gt;</a:t>
             </a:fld>
           </a:p>
@@ -3910,7 +3910,7 @@
         <p:txBody>
           <a:bodyPr/>
           <a:p>
-            <a:fld id="{EDAF0FE2-9CB3-4582-98BF-6E33A682FCAA}" type="slidenum">
+            <a:fld id="{72394839-CF9C-4996-8871-7CB0A1CED192}" type="slidenum">
               <a:t>&lt;#&gt;</a:t>
             </a:fld>
           </a:p>
@@ -3993,7 +3993,7 @@
         <p:txBody>
           <a:bodyPr/>
           <a:p>
-            <a:fld id="{DFFBFCEF-DD09-42EF-AA84-2D1CBB700B09}" type="slidenum">
+            <a:fld id="{1229E63F-8AE6-4D24-9EEB-5E73A7AF9B24}" type="slidenum">
               <a:t>&lt;#&gt;</a:t>
             </a:fld>
           </a:p>
@@ -4076,7 +4076,7 @@
         <p:txBody>
           <a:bodyPr/>
           <a:p>
-            <a:fld id="{88143D05-3729-4BE9-A116-72F25F9CA4B4}" type="slidenum">
+            <a:fld id="{8A7A3BC8-6868-4AD2-B26C-A97791696427}" type="slidenum">
               <a:t>&lt;#&gt;</a:t>
             </a:fld>
           </a:p>
@@ -4517,7 +4517,7 @@
         <p:txBody>
           <a:bodyPr/>
           <a:p>
-            <a:fld id="{17FA2E78-0596-450D-A3CE-EDC97F6F50D0}" type="slidenum">
+            <a:fld id="{2603F132-2B63-4CDE-A4DD-B9D176C5FA0E}" type="slidenum">
               <a:t>&lt;#&gt;</a:t>
             </a:fld>
           </a:p>
@@ -4683,7 +4683,7 @@
         <p:txBody>
           <a:bodyPr/>
           <a:p>
-            <a:fld id="{A6F42A5D-18C0-461A-83D7-8E11E10D8195}" type="slidenum">
+            <a:fld id="{484C8C78-7734-4E79-9FA3-6B80F7E547E8}" type="slidenum">
               <a:t>&lt;#&gt;</a:t>
             </a:fld>
           </a:p>
@@ -4892,7 +4892,7 @@
         <p:txBody>
           <a:bodyPr/>
           <a:p>
-            <a:fld id="{271F5C76-9736-4C1E-93C3-B9117C7D2871}" type="slidenum">
+            <a:fld id="{1EEC31A5-7695-4346-B8EB-50C4EBFAB66E}" type="slidenum">
               <a:t>&lt;#&gt;</a:t>
             </a:fld>
           </a:p>
@@ -5015,7 +5015,7 @@
         <p:txBody>
           <a:bodyPr/>
           <a:p>
-            <a:fld id="{7D9E1C95-68E4-4071-8DCC-6CEC7679528D}" type="slidenum">
+            <a:fld id="{79300916-CC2A-4756-8F1F-BCF3CE8F1F73}" type="slidenum">
               <a:t>&lt;#&gt;</a:t>
             </a:fld>
           </a:p>
@@ -5098,7 +5098,7 @@
         <p:txBody>
           <a:bodyPr/>
           <a:p>
-            <a:fld id="{0DC03445-52C6-4A0A-A72C-F2D201F0F0F2}" type="slidenum">
+            <a:fld id="{C56C95E7-C6E8-423E-9F25-6CA5BB5A3F54}" type="slidenum">
               <a:t>&lt;#&gt;</a:t>
             </a:fld>
           </a:p>
@@ -5350,7 +5350,7 @@
         <p:txBody>
           <a:bodyPr/>
           <a:p>
-            <a:fld id="{CC8F3206-A40D-4567-B246-59198DE3EFDD}" type="slidenum">
+            <a:fld id="{1C88C8A8-1D48-46E7-B90A-838FE3493CA7}" type="slidenum">
               <a:t>&lt;#&gt;</a:t>
             </a:fld>
           </a:p>
@@ -5602,7 +5602,7 @@
         <p:txBody>
           <a:bodyPr/>
           <a:p>
-            <a:fld id="{8E3E7D66-F531-4E4E-8F6E-1C3D80290F23}" type="slidenum">
+            <a:fld id="{7974B6B2-2C72-4905-83A7-766C488CC295}" type="slidenum">
               <a:t>&lt;#&gt;</a:t>
             </a:fld>
           </a:p>
@@ -6540,7 +6540,7 @@
                 <a:spcPct val="100000"/>
               </a:lnSpc>
             </a:pPr>
-            <a:fld id="{E0367ECD-78CF-4499-9777-C43E348E7338}" type="slidenum">
+            <a:fld id="{C4960384-43CE-446B-847B-5AEBABC32936}" type="slidenum">
               <a:rPr b="1" lang="en-IN" sz="1800" spc="-1" strike="noStrike">
                 <a:solidFill>
                   <a:srgbClr val="ffffff"/>
@@ -7620,7 +7620,7 @@
                 <a:spcPct val="100000"/>
               </a:lnSpc>
             </a:pPr>
-            <a:fld id="{64B3A363-40C3-4E3F-96B9-F0B1021FA484}" type="slidenum">
+            <a:fld id="{D9D1893B-71B6-4B80-9D85-71C8E08B749C}" type="slidenum">
               <a:rPr b="1" lang="en-IN" sz="1800" spc="-1" strike="noStrike">
                 <a:solidFill>
                   <a:srgbClr val="ffffff"/>
@@ -7976,7 +7976,7 @@
                 <a:spcPct val="100000"/>
               </a:lnSpc>
             </a:pPr>
-            <a:fld id="{29603F48-1EF4-47C2-8AB0-EA775C3CD3C6}" type="slidenum">
+            <a:fld id="{7E029AEE-79C6-41A5-8F18-8D213B628D7F}" type="slidenum">
               <a:rPr b="1" lang="en-IN" sz="1800" spc="-1" strike="noStrike">
                 <a:solidFill>
                   <a:srgbClr val="ffffff"/>
@@ -9056,7 +9056,7 @@
                 <a:spcPct val="100000"/>
               </a:lnSpc>
             </a:pPr>
-            <a:fld id="{766FD469-C095-4DF4-8615-405380262886}" type="slidenum">
+            <a:fld id="{BF899267-3078-4EC7-9C88-AA62273E8536}" type="slidenum">
               <a:rPr b="1" lang="en-IN" sz="1800" spc="-1" strike="noStrike">
                 <a:solidFill>
                   <a:srgbClr val="ffffff"/>
@@ -10904,7 +10904,7 @@
                 <a:tab algn="l" pos="0"/>
               </a:tabLst>
             </a:pPr>
-            <a:fld id="{ABB4342B-7044-4CB1-9C97-994B50040738}" type="slidenum">
+            <a:fld id="{9E3C57E3-FD32-403A-B860-1691D09A6119}" type="slidenum">
               <a:rPr b="1" lang="en-IN" sz="1800" spc="-1" strike="noStrike">
                 <a:solidFill>
                   <a:srgbClr val="ffffff"/>
@@ -11730,7 +11730,7 @@
                 <a:tab algn="l" pos="0"/>
               </a:tabLst>
             </a:pPr>
-            <a:fld id="{D57A85C7-9B1A-4A5F-9DED-F66711E8418B}" type="slidenum">
+            <a:fld id="{B1CA3810-C573-4EB8-9770-0DDBC897B027}" type="slidenum">
               <a:rPr b="1" lang="en-IN" sz="1800" spc="-1" strike="noStrike">
                 <a:solidFill>
                   <a:srgbClr val="ffffff"/>
@@ -13006,7 +13006,7 @@
                 <a:tab algn="l" pos="0"/>
               </a:tabLst>
             </a:pPr>
-            <a:fld id="{6F9AA837-ADAF-4E67-AC3E-0278CBF43656}" type="slidenum">
+            <a:fld id="{8F57C321-7046-424A-ADFD-E6AA46433CA7}" type="slidenum">
               <a:rPr b="1" lang="en-IN" sz="1800" spc="-1" strike="noStrike">
                 <a:solidFill>
                   <a:srgbClr val="ffffff"/>
@@ -13333,7 +13333,7 @@
                 <a:tab algn="l" pos="0"/>
               </a:tabLst>
             </a:pPr>
-            <a:fld id="{2B4538D5-A15B-4E3E-B43E-2B2155E2EFB0}" type="slidenum">
+            <a:fld id="{286C7F43-8FA6-4ABB-91B0-5A6D2EA58161}" type="slidenum">
               <a:rPr b="1" lang="en-IN" sz="1800" spc="-1" strike="noStrike">
                 <a:solidFill>
                   <a:srgbClr val="ffffff"/>
@@ -13660,7 +13660,7 @@
                 <a:tab algn="l" pos="0"/>
               </a:tabLst>
             </a:pPr>
-            <a:fld id="{46F2FCC6-7ADC-4857-8AAF-7F76D748D36C}" type="slidenum">
+            <a:fld id="{B026DB89-BB22-4FEF-A538-8C924801F735}" type="slidenum">
               <a:rPr b="1" lang="en-IN" sz="1800" spc="-1" strike="noStrike">
                 <a:solidFill>
                   <a:srgbClr val="ffffff"/>
@@ -14261,7 +14261,7 @@
                 <a:tab algn="l" pos="0"/>
               </a:tabLst>
             </a:pPr>
-            <a:fld id="{C81234C7-4BE9-4DEC-A92A-D00A07A00668}" type="slidenum">
+            <a:fld id="{82BBE00A-9AF8-467F-B927-FDD4D84FC837}" type="slidenum">
               <a:rPr b="1" lang="en-IN" sz="1800" spc="-1" strike="noStrike">
                 <a:solidFill>
                   <a:srgbClr val="ffffff"/>
@@ -14862,7 +14862,7 @@
                 <a:tab algn="l" pos="0"/>
               </a:tabLst>
             </a:pPr>
-            <a:fld id="{65668932-6975-4CBF-92C6-F0C82CE53168}" type="slidenum">
+            <a:fld id="{8AAEB305-F894-42D9-BDA6-7C178E0883CF}" type="slidenum">
               <a:rPr b="1" lang="en-IN" sz="1800" spc="-1" strike="noStrike">
                 <a:solidFill>
                   <a:srgbClr val="ffffff"/>
@@ -15145,7 +15145,7 @@
                 <a:spcPct val="100000"/>
               </a:lnSpc>
             </a:pPr>
-            <a:fld id="{291A3036-09EA-429F-9109-F7AC85EE4D87}" type="slidenum">
+            <a:fld id="{90DEE22D-1D97-473F-B177-712BC38E67B1}" type="slidenum">
               <a:rPr b="1" lang="en-IN" sz="1800" spc="-1" strike="noStrike">
                 <a:solidFill>
                   <a:srgbClr val="ffffff"/>
@@ -16543,7 +16543,7 @@
                 <a:tab algn="l" pos="0"/>
               </a:tabLst>
             </a:pPr>
-            <a:fld id="{EC780E1D-8A74-424C-A7C6-7416A2587BCE}" type="slidenum">
+            <a:fld id="{B165A945-CBCC-49A0-A31C-07CC203FEF61}" type="slidenum">
               <a:rPr b="1" lang="en-IN" sz="1800" spc="-1" strike="noStrike">
                 <a:solidFill>
                   <a:srgbClr val="ffffff"/>
@@ -16919,7 +16919,7 @@
                 <a:tab algn="l" pos="0"/>
               </a:tabLst>
             </a:pPr>
-            <a:fld id="{B60BD51F-95CF-41BD-876D-98FFE3F13DE1}" type="slidenum">
+            <a:fld id="{98EDF9AB-5BF3-4BCF-8EC6-25B10593AA60}" type="slidenum">
               <a:rPr b="1" lang="en-IN" sz="1800" spc="-1" strike="noStrike">
                 <a:solidFill>
                   <a:srgbClr val="ffffff"/>
@@ -17246,7 +17246,7 @@
                 <a:tab algn="l" pos="0"/>
               </a:tabLst>
             </a:pPr>
-            <a:fld id="{1E94CC6A-B8FB-482E-A877-21F8352DF14F}" type="slidenum">
+            <a:fld id="{B5832F5A-3076-4F4B-85B6-B28D82799F59}" type="slidenum">
               <a:rPr b="1" lang="en-IN" sz="1800" spc="-1" strike="noStrike">
                 <a:solidFill>
                   <a:srgbClr val="ffffff"/>
@@ -18297,7 +18297,7 @@
                 <a:tab algn="l" pos="0"/>
               </a:tabLst>
             </a:pPr>
-            <a:fld id="{319F2185-4B10-41F5-8918-4E2DBADB2084}" type="slidenum">
+            <a:fld id="{E69562BA-F287-483A-A289-56C6331045CE}" type="slidenum">
               <a:rPr b="1" lang="en-IN" sz="1800" spc="-1" strike="noStrike">
                 <a:solidFill>
                   <a:srgbClr val="ffffff"/>
@@ -19348,7 +19348,7 @@
                 <a:tab algn="l" pos="0"/>
               </a:tabLst>
             </a:pPr>
-            <a:fld id="{3193645E-9C49-405C-A56D-3E7DF36F2A23}" type="slidenum">
+            <a:fld id="{D64FD1B8-34E6-4D2C-AD41-3A1A3CF04615}" type="slidenum">
               <a:rPr b="1" lang="en-IN" sz="1800" spc="-1" strike="noStrike">
                 <a:solidFill>
                   <a:srgbClr val="ffffff"/>
@@ -20402,7 +20402,7 @@
                 <a:tab algn="l" pos="0"/>
               </a:tabLst>
             </a:pPr>
-            <a:fld id="{BE59BCC8-F9A6-4C44-8029-CA7E74C5FBCE}" type="slidenum">
+            <a:fld id="{BDAD6BB9-3116-4B29-8F7A-563C1FCAA6EC}" type="slidenum">
               <a:rPr b="1" lang="en-IN" sz="1800" spc="-1" strike="noStrike">
                 <a:solidFill>
                   <a:srgbClr val="ffffff"/>
@@ -21231,7 +21231,7 @@
                 <a:tab algn="l" pos="0"/>
               </a:tabLst>
             </a:pPr>
-            <a:fld id="{D07009A2-2BC2-4D88-8443-ADC323F4DB5A}" type="slidenum">
+            <a:fld id="{BC57B004-40D9-450D-8741-4B4D9EE68C45}" type="slidenum">
               <a:rPr b="1" lang="en-IN" sz="1800" spc="-1" strike="noStrike">
                 <a:solidFill>
                   <a:srgbClr val="ffffff"/>
@@ -22510,7 +22510,7 @@
                 <a:tab algn="l" pos="0"/>
               </a:tabLst>
             </a:pPr>
-            <a:fld id="{D1C79A9D-B235-4C95-89F0-FF6BD8A29137}" type="slidenum">
+            <a:fld id="{C4EF8DC7-BE07-4901-B6F6-9419FC3E9A98}" type="slidenum">
               <a:rPr b="1" lang="en-IN" sz="1800" spc="-1" strike="noStrike">
                 <a:solidFill>
                   <a:srgbClr val="ffffff"/>
@@ -22840,7 +22840,7 @@
                 <a:tab algn="l" pos="0"/>
               </a:tabLst>
             </a:pPr>
-            <a:fld id="{993D7C89-93A3-484E-95AF-0DACDAF45D76}" type="slidenum">
+            <a:fld id="{DCEFEA0B-EB12-48C0-8D96-48DE2A869B5C}" type="slidenum">
               <a:rPr b="1" lang="en-IN" sz="1800" spc="-1" strike="noStrike">
                 <a:solidFill>
                   <a:srgbClr val="ffffff"/>
@@ -23170,7 +23170,7 @@
                 <a:tab algn="l" pos="0"/>
               </a:tabLst>
             </a:pPr>
-            <a:fld id="{984BAFFB-43C6-4A95-BC11-8616EBCFDD17}" type="slidenum">
+            <a:fld id="{57651C6A-0600-48D2-B490-724185D7674F}" type="slidenum">
               <a:rPr b="1" lang="en-IN" sz="1800" spc="-1" strike="noStrike">
                 <a:solidFill>
                   <a:srgbClr val="ffffff"/>
@@ -23453,7 +23453,7 @@
                 <a:spcPct val="100000"/>
               </a:lnSpc>
             </a:pPr>
-            <a:fld id="{0E94C2F9-6398-4BF5-BFC9-0CD71FF47DA6}" type="slidenum">
+            <a:fld id="{B78E8A84-262D-4A1C-8614-85D299FF23A4}" type="slidenum">
               <a:rPr b="1" lang="en-IN" sz="1800" spc="-1" strike="noStrike">
                 <a:solidFill>
                   <a:srgbClr val="ffffff"/>
@@ -25079,7 +25079,7 @@
                 <a:tab algn="l" pos="0"/>
               </a:tabLst>
             </a:pPr>
-            <a:fld id="{3149BCDF-2B94-47E4-86EF-7E4A1546DACD}" type="slidenum">
+            <a:fld id="{F0D27BB4-1164-40D1-ABBF-E204D7AE5526}" type="slidenum">
               <a:rPr b="1" lang="en-IN" sz="1800" spc="-1" strike="noStrike">
                 <a:solidFill>
                   <a:srgbClr val="ffffff"/>
@@ -25683,7 +25683,7 @@
                 <a:tab algn="l" pos="0"/>
               </a:tabLst>
             </a:pPr>
-            <a:fld id="{5542091B-A22A-4281-84AF-8D0365109794}" type="slidenum">
+            <a:fld id="{A9DC9B9A-3F20-4766-A464-E3D59FDDBEE3}" type="slidenum">
               <a:rPr b="1" lang="en-IN" sz="1800" spc="-1" strike="noStrike">
                 <a:solidFill>
                   <a:srgbClr val="ffffff"/>
@@ -26512,7 +26512,7 @@
                 <a:tab algn="l" pos="0"/>
               </a:tabLst>
             </a:pPr>
-            <a:fld id="{BFB05D68-0E71-43C6-801B-B1BD0C30573A}" type="slidenum">
+            <a:fld id="{DE83B926-92E7-4C6A-8324-B278AA0CCC1A}" type="slidenum">
               <a:rPr b="1" lang="en-IN" sz="1800" spc="-1" strike="noStrike">
                 <a:solidFill>
                   <a:srgbClr val="ffffff"/>
@@ -26891,7 +26891,7 @@
                 <a:tab algn="l" pos="0"/>
               </a:tabLst>
             </a:pPr>
-            <a:fld id="{DFFA8324-E51E-4766-8C57-4986DB412764}" type="slidenum">
+            <a:fld id="{B6E6692C-EB6D-4F3B-8077-084C7AD9193F}" type="slidenum">
               <a:rPr b="1" lang="en-IN" sz="1800" spc="-1" strike="noStrike">
                 <a:solidFill>
                   <a:srgbClr val="ffffff"/>
@@ -27221,7 +27221,7 @@
                 <a:tab algn="l" pos="0"/>
               </a:tabLst>
             </a:pPr>
-            <a:fld id="{EEAB0F43-ADCE-4059-95D8-B889445E00EC}" type="slidenum">
+            <a:fld id="{11E6DAD3-C8F4-48D8-96A6-8DAB50130B2E}" type="slidenum">
               <a:rPr b="1" lang="en-IN" sz="1800" spc="-1" strike="noStrike">
                 <a:solidFill>
                   <a:srgbClr val="ffffff"/>
@@ -28275,7 +28275,7 @@
                 <a:tab algn="l" pos="0"/>
               </a:tabLst>
             </a:pPr>
-            <a:fld id="{D867ED54-EA8C-44C7-8B8E-26E5223A9873}" type="slidenum">
+            <a:fld id="{43C53108-320D-4B0D-9D78-4BD67A0B2996}" type="slidenum">
               <a:rPr b="1" lang="en-IN" sz="1800" spc="-1" strike="noStrike">
                 <a:solidFill>
                   <a:srgbClr val="ffffff"/>
@@ -29329,7 +29329,7 @@
                 <a:tab algn="l" pos="0"/>
               </a:tabLst>
             </a:pPr>
-            <a:fld id="{23497BFD-F0D5-4DFE-B842-966D8E42B4D9}" type="slidenum">
+            <a:fld id="{A5B58708-0EB8-4661-9A14-C013095E4556}" type="slidenum">
               <a:rPr b="1" lang="en-IN" sz="1800" spc="-1" strike="noStrike">
                 <a:solidFill>
                   <a:srgbClr val="ffffff"/>
@@ -29612,7 +29612,7 @@
                 <a:spcPct val="100000"/>
               </a:lnSpc>
             </a:pPr>
-            <a:fld id="{5F7D3A7E-DBD2-4B5C-ABC9-EBB6833BAC95}" type="slidenum">
+            <a:fld id="{C7F27E35-1801-4C67-874A-C5A33818F36E}" type="slidenum">
               <a:rPr b="1" lang="en-IN" sz="1800" spc="-1" strike="noStrike">
                 <a:solidFill>
                   <a:srgbClr val="ffffff"/>
@@ -29968,7 +29968,7 @@
                 <a:spcPct val="100000"/>
               </a:lnSpc>
             </a:pPr>
-            <a:fld id="{00891C9C-86E3-4C29-A139-6A84644AD507}" type="slidenum">
+            <a:fld id="{7A05E3D1-F03A-43F2-9FB6-6FBB8AC6A1C6}" type="slidenum">
               <a:rPr b="1" lang="en-IN" sz="1800" spc="-1" strike="noStrike">
                 <a:solidFill>
                   <a:srgbClr val="ffffff"/>
@@ -30324,7 +30324,7 @@
                 <a:spcPct val="100000"/>
               </a:lnSpc>
             </a:pPr>
-            <a:fld id="{49A29FDC-1CE6-4604-9C67-9F28816F893F}" type="slidenum">
+            <a:fld id="{D14CE861-E8B5-424E-BF8A-141DACBA5D9F}" type="slidenum">
               <a:rPr b="1" lang="en-IN" sz="1800" spc="-1" strike="noStrike">
                 <a:solidFill>
                   <a:srgbClr val="ffffff"/>
@@ -30954,7 +30954,7 @@
                 <a:spcPct val="100000"/>
               </a:lnSpc>
             </a:pPr>
-            <a:fld id="{93FDE5F5-691B-494A-B231-E0F51E9DA4CF}" type="slidenum">
+            <a:fld id="{9D1F890D-1726-475E-9D5E-1DD694E97279}" type="slidenum">
               <a:rPr b="1" lang="en-IN" sz="1800" spc="-1" strike="noStrike">
                 <a:solidFill>
                   <a:srgbClr val="ffffff"/>
@@ -31584,7 +31584,7 @@
                 <a:spcPct val="100000"/>
               </a:lnSpc>
             </a:pPr>
-            <a:fld id="{9EAAE3E5-CF7C-4E86-9AE7-84DD197B72AE}" type="slidenum">
+            <a:fld id="{DA5B33B3-1FE6-4390-A11C-A359C1353D81}" type="slidenum">
               <a:rPr b="1" lang="en-IN" sz="1800" spc="-1" strike="noStrike">
                 <a:solidFill>
                   <a:srgbClr val="ffffff"/>
@@ -32439,7 +32439,7 @@
                 <a:spcPct val="100000"/>
               </a:lnSpc>
             </a:pPr>
-            <a:fld id="{5A1E5954-F048-40BA-B109-E86B61BC72C1}" type="slidenum">
+            <a:fld id="{FE1A8879-6BDE-4FA3-8C6C-F252B6DBA5BA}" type="slidenum">
               <a:rPr b="1" lang="en-IN" sz="1800" spc="-1" strike="noStrike">
                 <a:solidFill>
                   <a:srgbClr val="ffffff"/>
@@ -32915,7 +32915,7 @@
                 <a:latin typeface="Noto Sans"/>
                 <a:ea typeface="DejaVu Sans"/>
               </a:rPr>
-              <a:t>Jan 6, 2024</a:t>
+              <a:t>Feb 17, 2024</a:t>
             </a:r>
             <a:endParaRPr b="0" lang="en-IN" sz="2000" spc="-1" strike="noStrike">
               <a:solidFill>
@@ -35949,7 +35949,7 @@
         <p:txBody>
           <a:bodyPr/>
           <a:p>
-            <a:fld id="{7C5068ED-A953-4721-9974-1AF5A67F55BE}" type="slidenum">
+            <a:fld id="{615B31DC-AC15-48F2-AD4E-E1ABF9347DAC}" type="slidenum">
               <a:t>19</a:t>
             </a:fld>
           </a:p>

--- a/A Low Latency Digital Filter using Recurrent Neural Network/PPT/Presentation.pptx
+++ b/A Low Latency Digital Filter using Recurrent Neural Network/PPT/Presentation.pptx
@@ -58,7 +58,6 @@
     <p:sldId id="271" r:id="rId53"/>
     <p:sldId id="272" r:id="rId54"/>
     <p:sldId id="273" r:id="rId55"/>
-    <p:sldId id="274" r:id="rId56"/>
   </p:sldIdLst>
   <p:sldSz cx="10080625" cy="5670550"/>
   <p:notesSz cx="7559675" cy="10691813"/>
@@ -1044,7 +1043,7 @@
         <p:txBody>
           <a:bodyPr/>
           <a:p>
-            <a:fld id="{BC3F81B4-A544-4FF9-A21C-8F1F5B1F116E}" type="slidenum">
+            <a:fld id="{ECCC2E60-D8B7-4698-B1CB-1D0A45EEEEFA}" type="slidenum">
               <a:t>&lt;#&gt;</a:t>
             </a:fld>
           </a:p>
@@ -1253,7 +1252,7 @@
         <p:txBody>
           <a:bodyPr/>
           <a:p>
-            <a:fld id="{F0585439-AE55-4E21-96C9-E53B22B64526}" type="slidenum">
+            <a:fld id="{7A58C7C3-E59A-40C8-A580-EA7A8FFA4F03}" type="slidenum">
               <a:t>&lt;#&gt;</a:t>
             </a:fld>
           </a:p>
@@ -1548,7 +1547,7 @@
         <p:txBody>
           <a:bodyPr/>
           <a:p>
-            <a:fld id="{5829B787-68EF-45C1-B400-A60CF0583492}" type="slidenum">
+            <a:fld id="{21219B56-1541-46E9-B35A-4DD8EFC5CB12}" type="slidenum">
               <a:t>&lt;#&gt;</a:t>
             </a:fld>
           </a:p>
@@ -1631,7 +1630,7 @@
         <p:txBody>
           <a:bodyPr/>
           <a:p>
-            <a:fld id="{EB4EE95C-7EED-4DC4-BC31-6726A9ECA824}" type="slidenum">
+            <a:fld id="{4CBEECB7-AF12-47DF-94E4-90130A666A31}" type="slidenum">
               <a:t>&lt;#&gt;</a:t>
             </a:fld>
           </a:p>
@@ -1714,7 +1713,7 @@
         <p:txBody>
           <a:bodyPr/>
           <a:p>
-            <a:fld id="{B9F7AA42-ED61-46BF-8AD5-03BB60488FF7}" type="slidenum">
+            <a:fld id="{0EEA1002-4F73-463D-8476-E12080C0F72C}" type="slidenum">
               <a:t>&lt;#&gt;</a:t>
             </a:fld>
           </a:p>
@@ -1880,7 +1879,7 @@
         <p:txBody>
           <a:bodyPr/>
           <a:p>
-            <a:fld id="{70E186C5-DE5C-447F-929E-884F872FD076}" type="slidenum">
+            <a:fld id="{D97B7F2D-C7D8-4146-8624-DA34EF2B82D7}" type="slidenum">
               <a:t>&lt;#&gt;</a:t>
             </a:fld>
           </a:p>
@@ -2046,7 +2045,7 @@
         <p:txBody>
           <a:bodyPr/>
           <a:p>
-            <a:fld id="{DACBBF5A-23DE-4CC2-BA53-6A1CE4479936}" type="slidenum">
+            <a:fld id="{5FBE0D55-238F-4590-8D79-C401C27086F6}" type="slidenum">
               <a:t>&lt;#&gt;</a:t>
             </a:fld>
           </a:p>
@@ -2444,7 +2443,7 @@
         <p:txBody>
           <a:bodyPr/>
           <a:p>
-            <a:fld id="{E0A9DC1A-16FC-4E29-80BD-14EB4695601A}" type="slidenum">
+            <a:fld id="{000F8993-C889-409E-BAAF-FF6C48FD493D}" type="slidenum">
               <a:t>&lt;#&gt;</a:t>
             </a:fld>
           </a:p>
@@ -2567,7 +2566,7 @@
         <p:txBody>
           <a:bodyPr/>
           <a:p>
-            <a:fld id="{29ED378B-1775-45E6-BFF2-CEEDA28D9978}" type="slidenum">
+            <a:fld id="{36AD2E63-4BFE-43BC-AED8-1382DDFFB53F}" type="slidenum">
               <a:t>&lt;#&gt;</a:t>
             </a:fld>
           </a:p>
@@ -2650,7 +2649,7 @@
         <p:txBody>
           <a:bodyPr/>
           <a:p>
-            <a:fld id="{E84BB14F-9644-4646-9B5A-3344BA5FED62}" type="slidenum">
+            <a:fld id="{BBF34A99-41F9-4608-A973-64AA780301E7}" type="slidenum">
               <a:t>&lt;#&gt;</a:t>
             </a:fld>
           </a:p>
@@ -2902,7 +2901,7 @@
         <p:txBody>
           <a:bodyPr/>
           <a:p>
-            <a:fld id="{794500C6-BE07-4857-A9DF-5ACABC0B5111}" type="slidenum">
+            <a:fld id="{3D3FF804-AED6-408A-A1C5-BFD95BCCE30E}" type="slidenum">
               <a:t>&lt;#&gt;</a:t>
             </a:fld>
           </a:p>
@@ -3154,7 +3153,7 @@
         <p:txBody>
           <a:bodyPr/>
           <a:p>
-            <a:fld id="{768FCFAA-9C53-40AF-90B7-448759E993D8}" type="slidenum">
+            <a:fld id="{D109D10D-A584-4234-A3C9-6B626575C1E3}" type="slidenum">
               <a:t>&lt;#&gt;</a:t>
             </a:fld>
           </a:p>
@@ -3406,7 +3405,7 @@
         <p:txBody>
           <a:bodyPr/>
           <a:p>
-            <a:fld id="{E4BF6ECA-2A9E-4A4C-9BEC-58A98E4710D5}" type="slidenum">
+            <a:fld id="{965E1194-350B-479D-8FA6-7232B268B96C}" type="slidenum">
               <a:t>&lt;#&gt;</a:t>
             </a:fld>
           </a:p>
@@ -3615,7 +3614,7 @@
         <p:txBody>
           <a:bodyPr/>
           <a:p>
-            <a:fld id="{6D973E51-AD6A-402A-9FBB-30A34B8DCCB3}" type="slidenum">
+            <a:fld id="{5F970E87-350B-40CB-AECB-E7BB7CA475C7}" type="slidenum">
               <a:t>&lt;#&gt;</a:t>
             </a:fld>
           </a:p>
@@ -3910,7 +3909,7 @@
         <p:txBody>
           <a:bodyPr/>
           <a:p>
-            <a:fld id="{72394839-CF9C-4996-8871-7CB0A1CED192}" type="slidenum">
+            <a:fld id="{4D734F9D-81C7-4F01-A926-C73E5C7A3E01}" type="slidenum">
               <a:t>&lt;#&gt;</a:t>
             </a:fld>
           </a:p>
@@ -3993,7 +3992,7 @@
         <p:txBody>
           <a:bodyPr/>
           <a:p>
-            <a:fld id="{1229E63F-8AE6-4D24-9EEB-5E73A7AF9B24}" type="slidenum">
+            <a:fld id="{F9F9931E-8ADA-44B7-8ACC-5409E9F64D76}" type="slidenum">
               <a:t>&lt;#&gt;</a:t>
             </a:fld>
           </a:p>
@@ -4076,7 +4075,7 @@
         <p:txBody>
           <a:bodyPr/>
           <a:p>
-            <a:fld id="{8A7A3BC8-6868-4AD2-B26C-A97791696427}" type="slidenum">
+            <a:fld id="{BB6B2E32-FC29-466B-ACDD-2ADB85F71901}" type="slidenum">
               <a:t>&lt;#&gt;</a:t>
             </a:fld>
           </a:p>
@@ -4517,7 +4516,7 @@
         <p:txBody>
           <a:bodyPr/>
           <a:p>
-            <a:fld id="{2603F132-2B63-4CDE-A4DD-B9D176C5FA0E}" type="slidenum">
+            <a:fld id="{BE7EBBBC-AAA2-4658-BE58-CBE5676E23AD}" type="slidenum">
               <a:t>&lt;#&gt;</a:t>
             </a:fld>
           </a:p>
@@ -4683,7 +4682,7 @@
         <p:txBody>
           <a:bodyPr/>
           <a:p>
-            <a:fld id="{484C8C78-7734-4E79-9FA3-6B80F7E547E8}" type="slidenum">
+            <a:fld id="{68B294A4-872F-4604-86CE-2FEE852B71E0}" type="slidenum">
               <a:t>&lt;#&gt;</a:t>
             </a:fld>
           </a:p>
@@ -4892,7 +4891,7 @@
         <p:txBody>
           <a:bodyPr/>
           <a:p>
-            <a:fld id="{1EEC31A5-7695-4346-B8EB-50C4EBFAB66E}" type="slidenum">
+            <a:fld id="{498DAA85-A141-4E72-B41B-C9F80C2AA6FF}" type="slidenum">
               <a:t>&lt;#&gt;</a:t>
             </a:fld>
           </a:p>
@@ -5015,7 +5014,7 @@
         <p:txBody>
           <a:bodyPr/>
           <a:p>
-            <a:fld id="{79300916-CC2A-4756-8F1F-BCF3CE8F1F73}" type="slidenum">
+            <a:fld id="{BE73B73C-6E0B-4C0E-8A27-912D839BD10E}" type="slidenum">
               <a:t>&lt;#&gt;</a:t>
             </a:fld>
           </a:p>
@@ -5098,7 +5097,7 @@
         <p:txBody>
           <a:bodyPr/>
           <a:p>
-            <a:fld id="{C56C95E7-C6E8-423E-9F25-6CA5BB5A3F54}" type="slidenum">
+            <a:fld id="{8CA68496-41B9-43E9-9AE6-6621CE4EC21B}" type="slidenum">
               <a:t>&lt;#&gt;</a:t>
             </a:fld>
           </a:p>
@@ -5350,7 +5349,7 @@
         <p:txBody>
           <a:bodyPr/>
           <a:p>
-            <a:fld id="{1C88C8A8-1D48-46E7-B90A-838FE3493CA7}" type="slidenum">
+            <a:fld id="{E06EABCC-23E6-4DF8-A837-D92546007EFB}" type="slidenum">
               <a:t>&lt;#&gt;</a:t>
             </a:fld>
           </a:p>
@@ -5602,7 +5601,7 @@
         <p:txBody>
           <a:bodyPr/>
           <a:p>
-            <a:fld id="{7974B6B2-2C72-4905-83A7-766C488CC295}" type="slidenum">
+            <a:fld id="{6FC32BBE-0F76-4150-B2B5-511C56C48821}" type="slidenum">
               <a:t>&lt;#&gt;</a:t>
             </a:fld>
           </a:p>
@@ -6540,7 +6539,7 @@
                 <a:spcPct val="100000"/>
               </a:lnSpc>
             </a:pPr>
-            <a:fld id="{C4960384-43CE-446B-847B-5AEBABC32936}" type="slidenum">
+            <a:fld id="{60A613C5-97DF-46CC-B654-F202D4248B0B}" type="slidenum">
               <a:rPr b="1" lang="en-IN" sz="1800" spc="-1" strike="noStrike">
                 <a:solidFill>
                   <a:srgbClr val="ffffff"/>
@@ -7620,7 +7619,7 @@
                 <a:spcPct val="100000"/>
               </a:lnSpc>
             </a:pPr>
-            <a:fld id="{D9D1893B-71B6-4B80-9D85-71C8E08B749C}" type="slidenum">
+            <a:fld id="{E248B8DE-E47E-4FFF-A3AD-9BEFAF611492}" type="slidenum">
               <a:rPr b="1" lang="en-IN" sz="1800" spc="-1" strike="noStrike">
                 <a:solidFill>
                   <a:srgbClr val="ffffff"/>
@@ -7976,7 +7975,7 @@
                 <a:spcPct val="100000"/>
               </a:lnSpc>
             </a:pPr>
-            <a:fld id="{7E029AEE-79C6-41A5-8F18-8D213B628D7F}" type="slidenum">
+            <a:fld id="{084463DC-5522-4089-9123-0338B4C6C1BA}" type="slidenum">
               <a:rPr b="1" lang="en-IN" sz="1800" spc="-1" strike="noStrike">
                 <a:solidFill>
                   <a:srgbClr val="ffffff"/>
@@ -9056,7 +9055,7 @@
                 <a:spcPct val="100000"/>
               </a:lnSpc>
             </a:pPr>
-            <a:fld id="{BF899267-3078-4EC7-9C88-AA62273E8536}" type="slidenum">
+            <a:fld id="{527BA04C-A945-4D1D-ABD9-5A8AB07C9FD9}" type="slidenum">
               <a:rPr b="1" lang="en-IN" sz="1800" spc="-1" strike="noStrike">
                 <a:solidFill>
                   <a:srgbClr val="ffffff"/>
@@ -10904,7 +10903,7 @@
                 <a:tab algn="l" pos="0"/>
               </a:tabLst>
             </a:pPr>
-            <a:fld id="{9E3C57E3-FD32-403A-B860-1691D09A6119}" type="slidenum">
+            <a:fld id="{7CBA6ED9-E97E-4131-A5DA-85D487CDD9E5}" type="slidenum">
               <a:rPr b="1" lang="en-IN" sz="1800" spc="-1" strike="noStrike">
                 <a:solidFill>
                   <a:srgbClr val="ffffff"/>
@@ -11730,7 +11729,7 @@
                 <a:tab algn="l" pos="0"/>
               </a:tabLst>
             </a:pPr>
-            <a:fld id="{B1CA3810-C573-4EB8-9770-0DDBC897B027}" type="slidenum">
+            <a:fld id="{447158E9-2927-4065-887B-FB1DBAD75DAD}" type="slidenum">
               <a:rPr b="1" lang="en-IN" sz="1800" spc="-1" strike="noStrike">
                 <a:solidFill>
                   <a:srgbClr val="ffffff"/>
@@ -13006,7 +13005,7 @@
                 <a:tab algn="l" pos="0"/>
               </a:tabLst>
             </a:pPr>
-            <a:fld id="{8F57C321-7046-424A-ADFD-E6AA46433CA7}" type="slidenum">
+            <a:fld id="{5C951CC7-6F5B-4268-A72D-AA7262452FEF}" type="slidenum">
               <a:rPr b="1" lang="en-IN" sz="1800" spc="-1" strike="noStrike">
                 <a:solidFill>
                   <a:srgbClr val="ffffff"/>
@@ -13333,7 +13332,7 @@
                 <a:tab algn="l" pos="0"/>
               </a:tabLst>
             </a:pPr>
-            <a:fld id="{286C7F43-8FA6-4ABB-91B0-5A6D2EA58161}" type="slidenum">
+            <a:fld id="{B02F738C-4835-4C34-B91D-C099ED36E98F}" type="slidenum">
               <a:rPr b="1" lang="en-IN" sz="1800" spc="-1" strike="noStrike">
                 <a:solidFill>
                   <a:srgbClr val="ffffff"/>
@@ -13660,7 +13659,7 @@
                 <a:tab algn="l" pos="0"/>
               </a:tabLst>
             </a:pPr>
-            <a:fld id="{B026DB89-BB22-4FEF-A538-8C924801F735}" type="slidenum">
+            <a:fld id="{15510340-BDA5-4EB2-ACE9-9F12A4371ACE}" type="slidenum">
               <a:rPr b="1" lang="en-IN" sz="1800" spc="-1" strike="noStrike">
                 <a:solidFill>
                   <a:srgbClr val="ffffff"/>
@@ -14261,7 +14260,7 @@
                 <a:tab algn="l" pos="0"/>
               </a:tabLst>
             </a:pPr>
-            <a:fld id="{82BBE00A-9AF8-467F-B927-FDD4D84FC837}" type="slidenum">
+            <a:fld id="{171F66D9-9E94-4D11-9F8E-7CCABE9BA747}" type="slidenum">
               <a:rPr b="1" lang="en-IN" sz="1800" spc="-1" strike="noStrike">
                 <a:solidFill>
                   <a:srgbClr val="ffffff"/>
@@ -14862,7 +14861,7 @@
                 <a:tab algn="l" pos="0"/>
               </a:tabLst>
             </a:pPr>
-            <a:fld id="{8AAEB305-F894-42D9-BDA6-7C178E0883CF}" type="slidenum">
+            <a:fld id="{4C612D79-EBFB-4B5E-9DA7-E98E9B2B518A}" type="slidenum">
               <a:rPr b="1" lang="en-IN" sz="1800" spc="-1" strike="noStrike">
                 <a:solidFill>
                   <a:srgbClr val="ffffff"/>
@@ -15145,7 +15144,7 @@
                 <a:spcPct val="100000"/>
               </a:lnSpc>
             </a:pPr>
-            <a:fld id="{90DEE22D-1D97-473F-B177-712BC38E67B1}" type="slidenum">
+            <a:fld id="{EF7012B5-0F3B-4106-BF81-594B078A36F0}" type="slidenum">
               <a:rPr b="1" lang="en-IN" sz="1800" spc="-1" strike="noStrike">
                 <a:solidFill>
                   <a:srgbClr val="ffffff"/>
@@ -16543,7 +16542,7 @@
                 <a:tab algn="l" pos="0"/>
               </a:tabLst>
             </a:pPr>
-            <a:fld id="{B165A945-CBCC-49A0-A31C-07CC203FEF61}" type="slidenum">
+            <a:fld id="{ED4483BF-D407-4669-8EC1-5CAA5B462AD8}" type="slidenum">
               <a:rPr b="1" lang="en-IN" sz="1800" spc="-1" strike="noStrike">
                 <a:solidFill>
                   <a:srgbClr val="ffffff"/>
@@ -16919,7 +16918,7 @@
                 <a:tab algn="l" pos="0"/>
               </a:tabLst>
             </a:pPr>
-            <a:fld id="{98EDF9AB-5BF3-4BCF-8EC6-25B10593AA60}" type="slidenum">
+            <a:fld id="{DD84A440-E906-4386-B26A-F9D80D52D6E1}" type="slidenum">
               <a:rPr b="1" lang="en-IN" sz="1800" spc="-1" strike="noStrike">
                 <a:solidFill>
                   <a:srgbClr val="ffffff"/>
@@ -17246,7 +17245,7 @@
                 <a:tab algn="l" pos="0"/>
               </a:tabLst>
             </a:pPr>
-            <a:fld id="{B5832F5A-3076-4F4B-85B6-B28D82799F59}" type="slidenum">
+            <a:fld id="{9B82DA78-FD4C-4CA1-B21B-4F3C084F81C7}" type="slidenum">
               <a:rPr b="1" lang="en-IN" sz="1800" spc="-1" strike="noStrike">
                 <a:solidFill>
                   <a:srgbClr val="ffffff"/>
@@ -18297,7 +18296,7 @@
                 <a:tab algn="l" pos="0"/>
               </a:tabLst>
             </a:pPr>
-            <a:fld id="{E69562BA-F287-483A-A289-56C6331045CE}" type="slidenum">
+            <a:fld id="{18F6504A-6E48-4D52-83C6-758F8DFD4151}" type="slidenum">
               <a:rPr b="1" lang="en-IN" sz="1800" spc="-1" strike="noStrike">
                 <a:solidFill>
                   <a:srgbClr val="ffffff"/>
@@ -19348,7 +19347,7 @@
                 <a:tab algn="l" pos="0"/>
               </a:tabLst>
             </a:pPr>
-            <a:fld id="{D64FD1B8-34E6-4D2C-AD41-3A1A3CF04615}" type="slidenum">
+            <a:fld id="{FF4C0471-09D0-4E77-BB0A-B537A5227179}" type="slidenum">
               <a:rPr b="1" lang="en-IN" sz="1800" spc="-1" strike="noStrike">
                 <a:solidFill>
                   <a:srgbClr val="ffffff"/>
@@ -20402,7 +20401,7 @@
                 <a:tab algn="l" pos="0"/>
               </a:tabLst>
             </a:pPr>
-            <a:fld id="{BDAD6BB9-3116-4B29-8F7A-563C1FCAA6EC}" type="slidenum">
+            <a:fld id="{2D02C33C-07C2-4008-AB91-E663C6342AE8}" type="slidenum">
               <a:rPr b="1" lang="en-IN" sz="1800" spc="-1" strike="noStrike">
                 <a:solidFill>
                   <a:srgbClr val="ffffff"/>
@@ -21231,7 +21230,7 @@
                 <a:tab algn="l" pos="0"/>
               </a:tabLst>
             </a:pPr>
-            <a:fld id="{BC57B004-40D9-450D-8741-4B4D9EE68C45}" type="slidenum">
+            <a:fld id="{3B77DCAE-E9C1-49A5-A829-D1BF302DC9D5}" type="slidenum">
               <a:rPr b="1" lang="en-IN" sz="1800" spc="-1" strike="noStrike">
                 <a:solidFill>
                   <a:srgbClr val="ffffff"/>
@@ -22510,7 +22509,7 @@
                 <a:tab algn="l" pos="0"/>
               </a:tabLst>
             </a:pPr>
-            <a:fld id="{C4EF8DC7-BE07-4901-B6F6-9419FC3E9A98}" type="slidenum">
+            <a:fld id="{C5567B6D-F2B3-4204-B1A3-4511F88C0896}" type="slidenum">
               <a:rPr b="1" lang="en-IN" sz="1800" spc="-1" strike="noStrike">
                 <a:solidFill>
                   <a:srgbClr val="ffffff"/>
@@ -22840,7 +22839,7 @@
                 <a:tab algn="l" pos="0"/>
               </a:tabLst>
             </a:pPr>
-            <a:fld id="{DCEFEA0B-EB12-48C0-8D96-48DE2A869B5C}" type="slidenum">
+            <a:fld id="{32742CBB-A0E1-45F9-8FC2-260CD72E1C28}" type="slidenum">
               <a:rPr b="1" lang="en-IN" sz="1800" spc="-1" strike="noStrike">
                 <a:solidFill>
                   <a:srgbClr val="ffffff"/>
@@ -23170,7 +23169,7 @@
                 <a:tab algn="l" pos="0"/>
               </a:tabLst>
             </a:pPr>
-            <a:fld id="{57651C6A-0600-48D2-B490-724185D7674F}" type="slidenum">
+            <a:fld id="{8980532E-440E-4334-8E67-3B316BFBD876}" type="slidenum">
               <a:rPr b="1" lang="en-IN" sz="1800" spc="-1" strike="noStrike">
                 <a:solidFill>
                   <a:srgbClr val="ffffff"/>
@@ -23453,7 +23452,7 @@
                 <a:spcPct val="100000"/>
               </a:lnSpc>
             </a:pPr>
-            <a:fld id="{B78E8A84-262D-4A1C-8614-85D299FF23A4}" type="slidenum">
+            <a:fld id="{16116BB8-E7EB-46D3-AECA-3D052036AC6B}" type="slidenum">
               <a:rPr b="1" lang="en-IN" sz="1800" spc="-1" strike="noStrike">
                 <a:solidFill>
                   <a:srgbClr val="ffffff"/>
@@ -25079,7 +25078,7 @@
                 <a:tab algn="l" pos="0"/>
               </a:tabLst>
             </a:pPr>
-            <a:fld id="{F0D27BB4-1164-40D1-ABBF-E204D7AE5526}" type="slidenum">
+            <a:fld id="{7988CA7D-A8E5-4AD3-986C-06DB063A523B}" type="slidenum">
               <a:rPr b="1" lang="en-IN" sz="1800" spc="-1" strike="noStrike">
                 <a:solidFill>
                   <a:srgbClr val="ffffff"/>
@@ -25683,7 +25682,7 @@
                 <a:tab algn="l" pos="0"/>
               </a:tabLst>
             </a:pPr>
-            <a:fld id="{A9DC9B9A-3F20-4766-A464-E3D59FDDBEE3}" type="slidenum">
+            <a:fld id="{73E088D2-873C-4359-A961-C39407A97A08}" type="slidenum">
               <a:rPr b="1" lang="en-IN" sz="1800" spc="-1" strike="noStrike">
                 <a:solidFill>
                   <a:srgbClr val="ffffff"/>
@@ -26512,7 +26511,7 @@
                 <a:tab algn="l" pos="0"/>
               </a:tabLst>
             </a:pPr>
-            <a:fld id="{DE83B926-92E7-4C6A-8324-B278AA0CCC1A}" type="slidenum">
+            <a:fld id="{4F4DECED-6BAF-4145-BDCE-459DF742BCE9}" type="slidenum">
               <a:rPr b="1" lang="en-IN" sz="1800" spc="-1" strike="noStrike">
                 <a:solidFill>
                   <a:srgbClr val="ffffff"/>
@@ -26891,7 +26890,7 @@
                 <a:tab algn="l" pos="0"/>
               </a:tabLst>
             </a:pPr>
-            <a:fld id="{B6E6692C-EB6D-4F3B-8077-084C7AD9193F}" type="slidenum">
+            <a:fld id="{965B0D33-4ED6-4CD7-8B2A-D5DB7FDB9DF9}" type="slidenum">
               <a:rPr b="1" lang="en-IN" sz="1800" spc="-1" strike="noStrike">
                 <a:solidFill>
                   <a:srgbClr val="ffffff"/>
@@ -27221,7 +27220,7 @@
                 <a:tab algn="l" pos="0"/>
               </a:tabLst>
             </a:pPr>
-            <a:fld id="{11E6DAD3-C8F4-48D8-96A6-8DAB50130B2E}" type="slidenum">
+            <a:fld id="{945BCAFB-B3B9-44AE-8CD4-021F02B66364}" type="slidenum">
               <a:rPr b="1" lang="en-IN" sz="1800" spc="-1" strike="noStrike">
                 <a:solidFill>
                   <a:srgbClr val="ffffff"/>
@@ -28275,7 +28274,7 @@
                 <a:tab algn="l" pos="0"/>
               </a:tabLst>
             </a:pPr>
-            <a:fld id="{43C53108-320D-4B0D-9D78-4BD67A0B2996}" type="slidenum">
+            <a:fld id="{2BF539A6-EFE4-4C94-BCE1-5CFEC840470E}" type="slidenum">
               <a:rPr b="1" lang="en-IN" sz="1800" spc="-1" strike="noStrike">
                 <a:solidFill>
                   <a:srgbClr val="ffffff"/>
@@ -29329,7 +29328,7 @@
                 <a:tab algn="l" pos="0"/>
               </a:tabLst>
             </a:pPr>
-            <a:fld id="{A5B58708-0EB8-4661-9A14-C013095E4556}" type="slidenum">
+            <a:fld id="{304997B4-99DE-42BD-81EF-7327ADE42856}" type="slidenum">
               <a:rPr b="1" lang="en-IN" sz="1800" spc="-1" strike="noStrike">
                 <a:solidFill>
                   <a:srgbClr val="ffffff"/>
@@ -29612,7 +29611,7 @@
                 <a:spcPct val="100000"/>
               </a:lnSpc>
             </a:pPr>
-            <a:fld id="{C7F27E35-1801-4C67-874A-C5A33818F36E}" type="slidenum">
+            <a:fld id="{FBA2ABDF-A46D-4C17-A958-AF2E2BF712DC}" type="slidenum">
               <a:rPr b="1" lang="en-IN" sz="1800" spc="-1" strike="noStrike">
                 <a:solidFill>
                   <a:srgbClr val="ffffff"/>
@@ -29968,7 +29967,7 @@
                 <a:spcPct val="100000"/>
               </a:lnSpc>
             </a:pPr>
-            <a:fld id="{7A05E3D1-F03A-43F2-9FB6-6FBB8AC6A1C6}" type="slidenum">
+            <a:fld id="{11882C24-B9C8-44A4-9F35-CEC4003F74EE}" type="slidenum">
               <a:rPr b="1" lang="en-IN" sz="1800" spc="-1" strike="noStrike">
                 <a:solidFill>
                   <a:srgbClr val="ffffff"/>
@@ -30324,7 +30323,7 @@
                 <a:spcPct val="100000"/>
               </a:lnSpc>
             </a:pPr>
-            <a:fld id="{D14CE861-E8B5-424E-BF8A-141DACBA5D9F}" type="slidenum">
+            <a:fld id="{35DDECEF-4EA7-4D4E-B9A1-9F0B742DE75F}" type="slidenum">
               <a:rPr b="1" lang="en-IN" sz="1800" spc="-1" strike="noStrike">
                 <a:solidFill>
                   <a:srgbClr val="ffffff"/>
@@ -30954,7 +30953,7 @@
                 <a:spcPct val="100000"/>
               </a:lnSpc>
             </a:pPr>
-            <a:fld id="{9D1F890D-1726-475E-9D5E-1DD694E97279}" type="slidenum">
+            <a:fld id="{69F580B2-9CA5-4668-B033-FC23F5BC8B5A}" type="slidenum">
               <a:rPr b="1" lang="en-IN" sz="1800" spc="-1" strike="noStrike">
                 <a:solidFill>
                   <a:srgbClr val="ffffff"/>
@@ -31584,7 +31583,7 @@
                 <a:spcPct val="100000"/>
               </a:lnSpc>
             </a:pPr>
-            <a:fld id="{DA5B33B3-1FE6-4390-A11C-A359C1353D81}" type="slidenum">
+            <a:fld id="{F9DC22DB-8321-4654-9E2E-CD69223E8AE5}" type="slidenum">
               <a:rPr b="1" lang="en-IN" sz="1800" spc="-1" strike="noStrike">
                 <a:solidFill>
                   <a:srgbClr val="ffffff"/>
@@ -32439,7 +32438,7 @@
                 <a:spcPct val="100000"/>
               </a:lnSpc>
             </a:pPr>
-            <a:fld id="{FE1A8879-6BDE-4FA3-8C6C-F252B6DBA5BA}" type="slidenum">
+            <a:fld id="{49404D6E-F86B-4ADC-B01C-D9F08D4708E2}" type="slidenum">
               <a:rPr b="1" lang="en-IN" sz="1800" spc="-1" strike="noStrike">
                 <a:solidFill>
                   <a:srgbClr val="ffffff"/>
@@ -33214,7 +33213,7 @@
       </p:grpSpPr>
       <p:sp>
         <p:nvSpPr>
-          <p:cNvPr id="381" name="PlaceHolder 1"/>
+          <p:cNvPr id="388" name="PlaceHolder 1"/>
           <p:cNvSpPr>
             <a:spLocks noGrp="1"/>
           </p:cNvSpPr>
@@ -33256,7 +33255,7 @@
                 </a:solidFill>
                 <a:latin typeface="Noto Sans"/>
               </a:rPr>
-              <a:t>Research Methodology</a:t>
+              <a:t>Proposed Algorithm</a:t>
             </a:r>
             <a:endParaRPr b="0" lang="en-IN" sz="2700" spc="-1" strike="noStrike">
               <a:solidFill>
@@ -33267,391 +33266,376 @@
           </a:p>
         </p:txBody>
       </p:sp>
-      <p:sp>
-        <p:nvSpPr>
-          <p:cNvPr id="382" name="PlaceHolder 2"/>
+    </p:spTree>
+  </p:cSld>
+  <mc:AlternateContent>
+    <mc:Choice Requires="p14">
+      <p:transition spd="slow" p14:dur="2000"/>
+    </mc:Choice>
+    <mc:Fallback>
+      <p:transition spd="slow"/>
+    </mc:Fallback>
+  </mc:AlternateContent>
+</p:sld>
+</file>
+
+<file path=ppt/slides/slide11.xml><?xml version="1.0" encoding="utf-8"?>
+<p:sld xmlns:a="http://schemas.openxmlformats.org/drawingml/2006/main" xmlns:p="http://schemas.openxmlformats.org/presentationml/2006/main" xmlns:r="http://schemas.openxmlformats.org/officeDocument/2006/relationships" xmlns:p14="http://schemas.microsoft.com/office/powerpoint/2010/main" xmlns:p15="http://schemas.microsoft.com/office/powerpoint/2012/main" xmlns:mc="http://schemas.openxmlformats.org/markup-compatibility/2006">
+  <p:cSld>
+    <p:spTree>
+      <p:nvGrpSpPr>
+        <p:cNvPr id="1" name=""/>
+        <p:cNvGrpSpPr/>
+        <p:nvPr/>
+      </p:nvGrpSpPr>
+      <p:grpSpPr>
+        <a:xfrm>
+          <a:off x="0" y="0"/>
+          <a:ext cx="0" cy="0"/>
+          <a:chOff x="0" y="0"/>
+          <a:chExt cx="0" cy="0"/>
+        </a:xfrm>
+      </p:grpSpPr>
+      <p:sp>
+        <p:nvSpPr>
+          <p:cNvPr id="389" name="PlaceHolder 1"/>
           <p:cNvSpPr>
             <a:spLocks noGrp="1"/>
           </p:cNvSpPr>
           <p:nvPr>
-            <p:ph/>
+            <p:ph type="title"/>
           </p:nvPr>
         </p:nvSpPr>
         <p:spPr>
           <a:xfrm>
-            <a:off x="2520000" y="1485000"/>
-            <a:ext cx="5039280" cy="494280"/>
+            <a:off x="360000" y="225720"/>
+            <a:ext cx="9359280" cy="719280"/>
           </a:xfrm>
           <a:prstGeom prst="rect">
             <a:avLst/>
           </a:prstGeom>
           <a:noFill/>
-          <a:ln w="76320">
-            <a:solidFill>
-              <a:srgbClr val="3465a4"/>
-            </a:solidFill>
-            <a:round/>
+          <a:ln w="0">
+            <a:noFill/>
           </a:ln>
         </p:spPr>
         <p:txBody>
-          <a:bodyPr lIns="37800" rIns="37800" tIns="37800" bIns="37800" anchor="t">
-            <a:normAutofit/>
+          <a:bodyPr lIns="0" rIns="0" tIns="0" bIns="0" anchor="ctr">
+            <a:noAutofit/>
           </a:bodyPr>
           <a:p>
-            <a:pPr indent="0" algn="ctr">
+            <a:pPr indent="0">
               <a:lnSpc>
                 <a:spcPct val="100000"/>
               </a:lnSpc>
-              <a:spcAft>
-                <a:spcPts val="1057"/>
-              </a:spcAft>
               <a:buNone/>
               <a:tabLst>
                 <a:tab algn="l" pos="0"/>
               </a:tabLst>
             </a:pPr>
             <a:r>
-              <a:rPr b="1" lang="en-IN" sz="2400" spc="-1" strike="noStrike">
-                <a:solidFill>
-                  <a:srgbClr val="2c3e50"/>
+              <a:rPr b="1" lang="en-IN" sz="2700" spc="-1" strike="noStrike">
+                <a:solidFill>
+                  <a:srgbClr val="ffffff"/>
                 </a:solidFill>
                 <a:latin typeface="Noto Sans"/>
               </a:rPr>
-              <a:t>Calculation of Filter Coefficients</a:t>
-            </a:r>
-            <a:endParaRPr b="0" lang="en-IN" sz="2400" spc="-1" strike="noStrike">
-              <a:solidFill>
-                <a:srgbClr val="000000"/>
-              </a:solidFill>
-              <a:latin typeface="Arial"/>
-            </a:endParaRPr>
-          </a:p>
-        </p:txBody>
-      </p:sp>
-      <p:sp>
-        <p:nvSpPr>
-          <p:cNvPr id="383" name=""/>
-          <p:cNvSpPr/>
-          <p:nvPr/>
+              <a:t>Flowchart</a:t>
+            </a:r>
+            <a:endParaRPr b="0" lang="en-IN" sz="2700" spc="-1" strike="noStrike">
+              <a:solidFill>
+                <a:srgbClr val="000000"/>
+              </a:solidFill>
+              <a:latin typeface="Arial"/>
+            </a:endParaRPr>
+          </a:p>
+        </p:txBody>
+      </p:sp>
+    </p:spTree>
+  </p:cSld>
+  <mc:AlternateContent>
+    <mc:Choice Requires="p14">
+      <p:transition spd="slow" p14:dur="2000"/>
+    </mc:Choice>
+    <mc:Fallback>
+      <p:transition spd="slow"/>
+    </mc:Fallback>
+  </mc:AlternateContent>
+</p:sld>
+</file>
+
+<file path=ppt/slides/slide12.xml><?xml version="1.0" encoding="utf-8"?>
+<p:sld xmlns:a="http://schemas.openxmlformats.org/drawingml/2006/main" xmlns:p="http://schemas.openxmlformats.org/presentationml/2006/main" xmlns:r="http://schemas.openxmlformats.org/officeDocument/2006/relationships" xmlns:p14="http://schemas.microsoft.com/office/powerpoint/2010/main" xmlns:p15="http://schemas.microsoft.com/office/powerpoint/2012/main" xmlns:mc="http://schemas.openxmlformats.org/markup-compatibility/2006">
+  <p:cSld>
+    <p:spTree>
+      <p:nvGrpSpPr>
+        <p:cNvPr id="1" name=""/>
+        <p:cNvGrpSpPr/>
+        <p:nvPr/>
+      </p:nvGrpSpPr>
+      <p:grpSpPr>
+        <a:xfrm>
+          <a:off x="0" y="0"/>
+          <a:ext cx="0" cy="0"/>
+          <a:chOff x="0" y="0"/>
+          <a:chExt cx="0" cy="0"/>
+        </a:xfrm>
+      </p:grpSpPr>
+      <p:sp>
+        <p:nvSpPr>
+          <p:cNvPr id="390" name="PlaceHolder 1"/>
+          <p:cNvSpPr>
+            <a:spLocks noGrp="1"/>
+          </p:cNvSpPr>
+          <p:nvPr>
+            <p:ph type="title"/>
+          </p:nvPr>
         </p:nvSpPr>
         <p:spPr>
           <a:xfrm>
-            <a:off x="2520000" y="2565360"/>
-            <a:ext cx="5039280" cy="494280"/>
+            <a:off x="360000" y="225720"/>
+            <a:ext cx="9359280" cy="719280"/>
           </a:xfrm>
           <a:prstGeom prst="rect">
             <a:avLst/>
           </a:prstGeom>
           <a:noFill/>
-          <a:ln w="76320">
-            <a:solidFill>
-              <a:srgbClr val="3465a4"/>
-            </a:solidFill>
-            <a:round/>
+          <a:ln w="0">
+            <a:noFill/>
           </a:ln>
         </p:spPr>
-        <p:style>
-          <a:lnRef idx="0"/>
-          <a:fillRef idx="0"/>
-          <a:effectRef idx="0"/>
-          <a:fontRef idx="minor"/>
-        </p:style>
-        <p:txBody>
-          <a:bodyPr lIns="37800" rIns="37800" tIns="37800" bIns="37800" anchor="t">
-            <a:normAutofit/>
+        <p:txBody>
+          <a:bodyPr lIns="0" rIns="0" tIns="0" bIns="0" anchor="ctr">
+            <a:noAutofit/>
           </a:bodyPr>
           <a:p>
-            <a:pPr algn="ctr">
+            <a:pPr indent="0">
               <a:lnSpc>
                 <a:spcPct val="100000"/>
               </a:lnSpc>
-              <a:spcAft>
-                <a:spcPts val="1057"/>
-              </a:spcAft>
-            </a:pPr>
-            <a:r>
-              <a:rPr b="1" lang="en-IN" sz="2400" spc="-1" strike="noStrike">
-                <a:solidFill>
-                  <a:srgbClr val="2c3e50"/>
+              <a:buNone/>
+              <a:tabLst>
+                <a:tab algn="l" pos="0"/>
+              </a:tabLst>
+            </a:pPr>
+            <a:r>
+              <a:rPr b="1" lang="en-IN" sz="2700" spc="-1" strike="noStrike">
+                <a:solidFill>
+                  <a:srgbClr val="ffffff"/>
                 </a:solidFill>
                 <a:latin typeface="Noto Sans"/>
-                <a:ea typeface="DejaVu Sans"/>
-              </a:rPr>
-              <a:t>Modelling RNN Digital Filter</a:t>
-            </a:r>
-            <a:endParaRPr b="0" lang="en-IN" sz="2400" spc="-1" strike="noStrike">
-              <a:solidFill>
-                <a:srgbClr val="000000"/>
-              </a:solidFill>
-              <a:latin typeface="Arial"/>
-            </a:endParaRPr>
-          </a:p>
-        </p:txBody>
-      </p:sp>
-      <p:sp>
-        <p:nvSpPr>
-          <p:cNvPr id="384" name=""/>
-          <p:cNvSpPr/>
-          <p:nvPr/>
+              </a:rPr>
+              <a:t>Comparison Table</a:t>
+            </a:r>
+            <a:endParaRPr b="0" lang="en-IN" sz="2700" spc="-1" strike="noStrike">
+              <a:solidFill>
+                <a:srgbClr val="000000"/>
+              </a:solidFill>
+              <a:latin typeface="Arial"/>
+            </a:endParaRPr>
+          </a:p>
+        </p:txBody>
+      </p:sp>
+    </p:spTree>
+  </p:cSld>
+  <mc:AlternateContent>
+    <mc:Choice Requires="p14">
+      <p:transition spd="slow" p14:dur="2000"/>
+    </mc:Choice>
+    <mc:Fallback>
+      <p:transition spd="slow"/>
+    </mc:Fallback>
+  </mc:AlternateContent>
+</p:sld>
+</file>
+
+<file path=ppt/slides/slide13.xml><?xml version="1.0" encoding="utf-8"?>
+<p:sld xmlns:a="http://schemas.openxmlformats.org/drawingml/2006/main" xmlns:p="http://schemas.openxmlformats.org/presentationml/2006/main" xmlns:r="http://schemas.openxmlformats.org/officeDocument/2006/relationships" xmlns:p14="http://schemas.microsoft.com/office/powerpoint/2010/main" xmlns:p15="http://schemas.microsoft.com/office/powerpoint/2012/main" xmlns:mc="http://schemas.openxmlformats.org/markup-compatibility/2006">
+  <p:cSld>
+    <p:spTree>
+      <p:nvGrpSpPr>
+        <p:cNvPr id="1" name=""/>
+        <p:cNvGrpSpPr/>
+        <p:nvPr/>
+      </p:nvGrpSpPr>
+      <p:grpSpPr>
+        <a:xfrm>
+          <a:off x="0" y="0"/>
+          <a:ext cx="0" cy="0"/>
+          <a:chOff x="0" y="0"/>
+          <a:chExt cx="0" cy="0"/>
+        </a:xfrm>
+      </p:grpSpPr>
+      <p:sp>
+        <p:nvSpPr>
+          <p:cNvPr id="391" name="PlaceHolder 1"/>
+          <p:cNvSpPr>
+            <a:spLocks noGrp="1"/>
+          </p:cNvSpPr>
+          <p:nvPr>
+            <p:ph type="title"/>
+          </p:nvPr>
         </p:nvSpPr>
         <p:spPr>
           <a:xfrm>
-            <a:off x="2520000" y="3609720"/>
-            <a:ext cx="5039280" cy="494280"/>
+            <a:off x="360000" y="225720"/>
+            <a:ext cx="9359280" cy="719280"/>
           </a:xfrm>
           <a:prstGeom prst="rect">
             <a:avLst/>
           </a:prstGeom>
           <a:noFill/>
-          <a:ln w="76320">
-            <a:solidFill>
-              <a:srgbClr val="3465a4"/>
-            </a:solidFill>
-            <a:round/>
+          <a:ln w="0">
+            <a:noFill/>
           </a:ln>
         </p:spPr>
-        <p:style>
-          <a:lnRef idx="0"/>
-          <a:fillRef idx="0"/>
-          <a:effectRef idx="0"/>
-          <a:fontRef idx="minor"/>
-        </p:style>
-        <p:txBody>
-          <a:bodyPr lIns="37800" rIns="37800" tIns="37800" bIns="37800" anchor="t">
-            <a:normAutofit/>
+        <p:txBody>
+          <a:bodyPr lIns="0" rIns="0" tIns="0" bIns="0" anchor="ctr">
+            <a:noAutofit/>
           </a:bodyPr>
           <a:p>
-            <a:pPr algn="ctr">
+            <a:pPr indent="0">
               <a:lnSpc>
                 <a:spcPct val="100000"/>
               </a:lnSpc>
-              <a:spcAft>
-                <a:spcPts val="1057"/>
-              </a:spcAft>
-            </a:pPr>
-            <a:r>
-              <a:rPr b="1" lang="en-IN" sz="2400" spc="-1" strike="noStrike">
-                <a:solidFill>
-                  <a:srgbClr val="2c3e50"/>
+              <a:buNone/>
+              <a:tabLst>
+                <a:tab algn="l" pos="0"/>
+              </a:tabLst>
+            </a:pPr>
+            <a:r>
+              <a:rPr b="1" lang="en-IN" sz="2700" spc="-1" strike="noStrike">
+                <a:solidFill>
+                  <a:srgbClr val="ffffff"/>
                 </a:solidFill>
                 <a:latin typeface="Noto Sans"/>
-                <a:ea typeface="DejaVu Sans"/>
-              </a:rPr>
-              <a:t>Python Code</a:t>
-            </a:r>
-            <a:endParaRPr b="0" lang="en-IN" sz="2400" spc="-1" strike="noStrike">
-              <a:solidFill>
-                <a:srgbClr val="000000"/>
-              </a:solidFill>
-              <a:latin typeface="Arial"/>
-            </a:endParaRPr>
-          </a:p>
-        </p:txBody>
-      </p:sp>
-      <p:sp>
-        <p:nvSpPr>
-          <p:cNvPr id="385" name=""/>
-          <p:cNvSpPr/>
+              </a:rPr>
+              <a:t>Tools Used</a:t>
+            </a:r>
+            <a:endParaRPr b="0" lang="en-IN" sz="2700" spc="-1" strike="noStrike">
+              <a:solidFill>
+                <a:srgbClr val="000000"/>
+              </a:solidFill>
+              <a:latin typeface="Arial"/>
+            </a:endParaRPr>
+          </a:p>
+        </p:txBody>
+      </p:sp>
+      <p:pic>
+        <p:nvPicPr>
+          <p:cNvPr id="392" name="" descr=""/>
+          <p:cNvPicPr/>
           <p:nvPr/>
-        </p:nvSpPr>
+        </p:nvPicPr>
+        <p:blipFill>
+          <a:blip r:embed="rId1"/>
+          <a:stretch/>
+        </p:blipFill>
         <p:spPr>
           <a:xfrm>
-            <a:off x="2520000" y="4690080"/>
-            <a:ext cx="5039280" cy="494280"/>
+            <a:off x="1080000" y="1440000"/>
+            <a:ext cx="2800440" cy="1260000"/>
           </a:xfrm>
           <a:prstGeom prst="rect">
             <a:avLst/>
           </a:prstGeom>
-          <a:noFill/>
-          <a:ln w="76320">
-            <a:solidFill>
-              <a:srgbClr val="3465a4"/>
-            </a:solidFill>
-            <a:round/>
+          <a:ln w="0">
+            <a:noFill/>
           </a:ln>
         </p:spPr>
-        <p:style>
-          <a:lnRef idx="0"/>
-          <a:fillRef idx="0"/>
-          <a:effectRef idx="0"/>
-          <a:fontRef idx="minor"/>
-        </p:style>
-        <p:txBody>
-          <a:bodyPr lIns="37800" rIns="37800" tIns="37800" bIns="37800" anchor="t">
-            <a:normAutofit/>
-          </a:bodyPr>
-          <a:p>
-            <a:pPr algn="ctr">
-              <a:lnSpc>
-                <a:spcPct val="100000"/>
-              </a:lnSpc>
-              <a:spcAft>
-                <a:spcPts val="1057"/>
-              </a:spcAft>
-            </a:pPr>
-            <a:r>
-              <a:rPr b="1" lang="en-IN" sz="2400" spc="-1" strike="noStrike">
-                <a:solidFill>
-                  <a:srgbClr val="2c3e50"/>
-                </a:solidFill>
-                <a:latin typeface="Noto Sans"/>
-                <a:ea typeface="DejaVu Sans"/>
-              </a:rPr>
-              <a:t>Latency Testing</a:t>
-            </a:r>
-            <a:endParaRPr b="0" lang="en-IN" sz="2400" spc="-1" strike="noStrike">
-              <a:solidFill>
-                <a:srgbClr val="000000"/>
-              </a:solidFill>
-              <a:latin typeface="Arial"/>
-            </a:endParaRPr>
-          </a:p>
-        </p:txBody>
-      </p:sp>
-      <p:sp>
-        <p:nvSpPr>
-          <p:cNvPr id="386" name=""/>
-          <p:cNvSpPr/>
+      </p:pic>
+      <p:pic>
+        <p:nvPicPr>
+          <p:cNvPr id="393" name="" descr=""/>
+          <p:cNvPicPr/>
           <p:nvPr/>
-        </p:nvSpPr>
+        </p:nvPicPr>
+        <p:blipFill>
+          <a:blip r:embed="rId2"/>
+          <a:stretch/>
+        </p:blipFill>
         <p:spPr>
           <a:xfrm>
-            <a:off x="5040000" y="2016000"/>
-            <a:ext cx="360" cy="585360"/>
+            <a:off x="5531760" y="4176000"/>
+            <a:ext cx="2748240" cy="682560"/>
           </a:xfrm>
-          <a:prstGeom prst="line">
+          <a:prstGeom prst="rect">
             <a:avLst/>
           </a:prstGeom>
-          <a:ln w="76320">
-            <a:solidFill>
-              <a:srgbClr val="355269"/>
-            </a:solidFill>
-            <a:round/>
-            <a:tailEnd len="med" type="triangle" w="med"/>
+          <a:ln w="0">
+            <a:noFill/>
           </a:ln>
         </p:spPr>
-        <p:style>
-          <a:lnRef idx="0"/>
-          <a:fillRef idx="0"/>
-          <a:effectRef idx="0"/>
-          <a:fontRef idx="minor"/>
-        </p:style>
-        <p:txBody>
-          <a:bodyPr lIns="90000" rIns="90000" tIns="45000" bIns="45000" anchor="t" anchorCtr="1">
-            <a:noAutofit/>
-          </a:bodyPr>
-          <a:p>
-            <a:pPr>
-              <a:lnSpc>
-                <a:spcPct val="100000"/>
-              </a:lnSpc>
-            </a:pPr>
-            <a:endParaRPr b="0" lang="en-IN" sz="1800" spc="-1" strike="noStrike">
-              <a:solidFill>
-                <a:srgbClr val="000000"/>
-              </a:solidFill>
-              <a:latin typeface="Arial"/>
-              <a:ea typeface="DejaVu Sans"/>
-            </a:endParaRPr>
-          </a:p>
-        </p:txBody>
-      </p:sp>
-      <p:sp>
-        <p:nvSpPr>
-          <p:cNvPr id="387" name=""/>
-          <p:cNvSpPr/>
+      </p:pic>
+      <p:pic>
+        <p:nvPicPr>
+          <p:cNvPr id="394" name="" descr=""/>
+          <p:cNvPicPr/>
           <p:nvPr/>
-        </p:nvSpPr>
+        </p:nvPicPr>
+        <p:blipFill>
+          <a:blip r:embed="rId3"/>
+          <a:stretch/>
+        </p:blipFill>
         <p:spPr>
           <a:xfrm>
-            <a:off x="5040000" y="3040920"/>
-            <a:ext cx="360" cy="585360"/>
+            <a:off x="1215720" y="4035960"/>
+            <a:ext cx="2348280" cy="932760"/>
           </a:xfrm>
-          <a:prstGeom prst="line">
+          <a:prstGeom prst="rect">
             <a:avLst/>
           </a:prstGeom>
-          <a:ln w="76320">
-            <a:solidFill>
-              <a:srgbClr val="355269"/>
-            </a:solidFill>
-            <a:round/>
-            <a:tailEnd len="med" type="triangle" w="med"/>
+          <a:ln w="0">
+            <a:noFill/>
           </a:ln>
         </p:spPr>
-        <p:style>
-          <a:lnRef idx="0"/>
-          <a:fillRef idx="0"/>
-          <a:effectRef idx="0"/>
-          <a:fontRef idx="minor"/>
-        </p:style>
-        <p:txBody>
-          <a:bodyPr lIns="90000" rIns="90000" tIns="45000" bIns="45000" anchor="t" anchorCtr="1">
-            <a:noAutofit/>
-          </a:bodyPr>
-          <a:p>
-            <a:pPr>
-              <a:lnSpc>
-                <a:spcPct val="100000"/>
-              </a:lnSpc>
-            </a:pPr>
-            <a:endParaRPr b="0" lang="en-IN" sz="1800" spc="-1" strike="noStrike">
-              <a:solidFill>
-                <a:srgbClr val="000000"/>
-              </a:solidFill>
-              <a:latin typeface="Arial"/>
-              <a:ea typeface="DejaVu Sans"/>
-            </a:endParaRPr>
-          </a:p>
-        </p:txBody>
-      </p:sp>
-      <p:sp>
-        <p:nvSpPr>
-          <p:cNvPr id="388" name=""/>
-          <p:cNvSpPr/>
+      </p:pic>
+      <p:pic>
+        <p:nvPicPr>
+          <p:cNvPr id="395" name="" descr=""/>
+          <p:cNvPicPr/>
           <p:nvPr/>
-        </p:nvSpPr>
+        </p:nvPicPr>
+        <p:blipFill>
+          <a:blip r:embed="rId4"/>
+          <a:stretch/>
+        </p:blipFill>
         <p:spPr>
           <a:xfrm>
-            <a:off x="5040000" y="4137840"/>
-            <a:ext cx="360" cy="585360"/>
+            <a:off x="2680200" y="2956320"/>
+            <a:ext cx="4879800" cy="628560"/>
           </a:xfrm>
-          <a:prstGeom prst="line">
+          <a:prstGeom prst="rect">
             <a:avLst/>
           </a:prstGeom>
-          <a:ln w="76320">
-            <a:solidFill>
-              <a:srgbClr val="355269"/>
-            </a:solidFill>
-            <a:round/>
-            <a:tailEnd len="med" type="triangle" w="med"/>
+          <a:ln w="0">
+            <a:noFill/>
           </a:ln>
         </p:spPr>
-        <p:style>
-          <a:lnRef idx="0"/>
-          <a:fillRef idx="0"/>
-          <a:effectRef idx="0"/>
-          <a:fontRef idx="minor"/>
-        </p:style>
-        <p:txBody>
-          <a:bodyPr lIns="90000" rIns="90000" tIns="45000" bIns="45000" anchor="t" anchorCtr="1">
-            <a:noAutofit/>
-          </a:bodyPr>
-          <a:p>
-            <a:pPr>
-              <a:lnSpc>
-                <a:spcPct val="100000"/>
-              </a:lnSpc>
-            </a:pPr>
-            <a:endParaRPr b="0" lang="en-IN" sz="1800" spc="-1" strike="noStrike">
-              <a:solidFill>
-                <a:srgbClr val="000000"/>
-              </a:solidFill>
-              <a:latin typeface="Arial"/>
-              <a:ea typeface="DejaVu Sans"/>
-            </a:endParaRPr>
-          </a:p>
-        </p:txBody>
-      </p:sp>
+      </p:pic>
+      <p:pic>
+        <p:nvPicPr>
+          <p:cNvPr id="396" name="" descr=""/>
+          <p:cNvPicPr/>
+          <p:nvPr/>
+        </p:nvPicPr>
+        <p:blipFill>
+          <a:blip r:embed="rId5"/>
+          <a:stretch/>
+        </p:blipFill>
+        <p:spPr>
+          <a:xfrm>
+            <a:off x="4890240" y="1462320"/>
+            <a:ext cx="3929760" cy="1309680"/>
+          </a:xfrm>
+          <a:prstGeom prst="rect">
+            <a:avLst/>
+          </a:prstGeom>
+          <a:ln w="0">
+            <a:noFill/>
+          </a:ln>
+        </p:spPr>
+      </p:pic>
     </p:spTree>
   </p:cSld>
   <mc:AlternateContent>
@@ -33665,38 +33649,38 @@
   <p:timing>
     <p:tnLst>
       <p:par>
-        <p:cTn id="38" dur="indefinite" restart="never" nodeType="tmRoot">
+        <p:cTn id="64" dur="indefinite" restart="never" nodeType="tmRoot">
           <p:childTnLst>
             <p:seq>
-              <p:cTn id="39" dur="indefinite" nodeType="mainSeq">
+              <p:cTn id="65" dur="indefinite" nodeType="mainSeq">
                 <p:childTnLst>
                   <p:par>
-                    <p:cTn id="40" fill="hold">
+                    <p:cTn id="66" fill="hold">
                       <p:stCondLst>
                         <p:cond delay="indefinite"/>
                       </p:stCondLst>
                       <p:childTnLst>
                         <p:par>
-                          <p:cTn id="41" fill="hold">
+                          <p:cTn id="67" fill="hold">
                             <p:stCondLst>
                               <p:cond delay="0"/>
                             </p:stCondLst>
                             <p:childTnLst>
                               <p:par>
-                                <p:cTn id="42" nodeType="clickEffect" fill="hold" presetClass="entr" presetID="14" presetSubtype="10">
+                                <p:cTn id="68" nodeType="clickEffect" fill="hold" presetClass="entr" presetID="53">
                                   <p:stCondLst>
                                     <p:cond delay="0"/>
                                   </p:stCondLst>
                                   <p:childTnLst>
                                     <p:set>
                                       <p:cBhvr>
-                                        <p:cTn id="43" dur="1" fill="hold">
+                                        <p:cTn id="69" dur="1" fill="hold">
                                           <p:stCondLst>
                                             <p:cond delay="0"/>
                                           </p:stCondLst>
                                         </p:cTn>
                                         <p:tgtEl>
-                                          <p:spTgt spid="382"/>
+                                          <p:spTgt spid="392"/>
                                         </p:tgtEl>
                                         <p:attrNameLst>
                                           <p:attrName>style.visibility</p:attrName>
@@ -33706,11 +33690,57 @@
                                         <p:strVal val="visible"/>
                                       </p:to>
                                     </p:set>
-                                    <p:animEffect filter="randombar(horizontal)" transition="in">
+                                    <p:anim calcmode="lin" valueType="num">
                                       <p:cBhvr additive="repl">
-                                        <p:cTn id="44" dur="500"/>
+                                        <p:cTn id="70" dur="500" fill="hold"/>
                                         <p:tgtEl>
-                                          <p:spTgt spid="382"/>
+                                          <p:spTgt spid="392"/>
+                                        </p:tgtEl>
+                                        <p:attrNameLst>
+                                          <p:attrName>ppt_w</p:attrName>
+                                        </p:attrNameLst>
+                                      </p:cBhvr>
+                                      <p:tavLst>
+                                        <p:tav tm="0">
+                                          <p:val>
+                                            <p:strVal val="0"/>
+                                          </p:val>
+                                        </p:tav>
+                                        <p:tav tm="100000">
+                                          <p:val>
+                                            <p:strVal val="#ppt_w"/>
+                                          </p:val>
+                                        </p:tav>
+                                      </p:tavLst>
+                                    </p:anim>
+                                    <p:anim calcmode="lin" valueType="num">
+                                      <p:cBhvr additive="repl">
+                                        <p:cTn id="71" dur="500" fill="hold"/>
+                                        <p:tgtEl>
+                                          <p:spTgt spid="392"/>
+                                        </p:tgtEl>
+                                        <p:attrNameLst>
+                                          <p:attrName>ppt_h</p:attrName>
+                                        </p:attrNameLst>
+                                      </p:cBhvr>
+                                      <p:tavLst>
+                                        <p:tav tm="0">
+                                          <p:val>
+                                            <p:strVal val="0"/>
+                                          </p:val>
+                                        </p:tav>
+                                        <p:tav tm="100000">
+                                          <p:val>
+                                            <p:strVal val="#ppt_h"/>
+                                          </p:val>
+                                        </p:tav>
+                                      </p:tavLst>
+                                    </p:anim>
+                                    <p:animEffect filter="fade" transition="in">
+                                      <p:cBhvr additive="repl">
+                                        <p:cTn id="72" dur="500"/>
+                                        <p:tgtEl>
+                                          <p:spTgt spid="392"/>
                                         </p:tgtEl>
                                       </p:cBhvr>
                                     </p:animEffect>
@@ -33724,32 +33754,32 @@
                     </p:cTn>
                   </p:par>
                   <p:par>
-                    <p:cTn id="45" fill="hold">
+                    <p:cTn id="73" fill="hold">
                       <p:stCondLst>
                         <p:cond delay="indefinite"/>
                       </p:stCondLst>
                       <p:childTnLst>
                         <p:par>
-                          <p:cTn id="46" fill="hold">
+                          <p:cTn id="74" fill="hold">
                             <p:stCondLst>
                               <p:cond delay="0"/>
                             </p:stCondLst>
                             <p:childTnLst>
                               <p:par>
-                                <p:cTn id="47" nodeType="clickEffect" fill="hold" presetClass="entr" presetID="14" presetSubtype="10">
+                                <p:cTn id="75" nodeType="clickEffect" fill="hold" presetClass="entr" presetID="53">
                                   <p:stCondLst>
                                     <p:cond delay="0"/>
                                   </p:stCondLst>
                                   <p:childTnLst>
                                     <p:set>
                                       <p:cBhvr>
-                                        <p:cTn id="48" dur="1" fill="hold">
+                                        <p:cTn id="76" dur="1" fill="hold">
                                           <p:stCondLst>
                                             <p:cond delay="0"/>
                                           </p:stCondLst>
                                         </p:cTn>
                                         <p:tgtEl>
-                                          <p:spTgt spid="386"/>
+                                          <p:spTgt spid="396"/>
                                         </p:tgtEl>
                                         <p:attrNameLst>
                                           <p:attrName>style.visibility</p:attrName>
@@ -33759,46 +33789,57 @@
                                         <p:strVal val="visible"/>
                                       </p:to>
                                     </p:set>
-                                    <p:animEffect filter="randombar(horizontal)" transition="in">
+                                    <p:anim calcmode="lin" valueType="num">
                                       <p:cBhvr additive="repl">
-                                        <p:cTn id="49" dur="500"/>
+                                        <p:cTn id="77" dur="500" fill="hold"/>
                                         <p:tgtEl>
-                                          <p:spTgt spid="386"/>
-                                        </p:tgtEl>
-                                      </p:cBhvr>
-                                    </p:animEffect>
-                                  </p:childTnLst>
-                                </p:cTn>
-                              </p:par>
-                              <p:par>
-                                <p:cTn id="50" nodeType="withEffect" fill="hold" presetClass="entr" presetID="14" presetSubtype="10">
-                                  <p:stCondLst>
-                                    <p:cond delay="0"/>
-                                  </p:stCondLst>
-                                  <p:childTnLst>
-                                    <p:set>
-                                      <p:cBhvr>
-                                        <p:cTn id="51" dur="1" fill="hold">
-                                          <p:stCondLst>
-                                            <p:cond delay="0"/>
-                                          </p:stCondLst>
-                                        </p:cTn>
-                                        <p:tgtEl>
-                                          <p:spTgt spid="383"/>
+                                          <p:spTgt spid="396"/>
                                         </p:tgtEl>
                                         <p:attrNameLst>
-                                          <p:attrName>style.visibility</p:attrName>
+                                          <p:attrName>ppt_w</p:attrName>
                                         </p:attrNameLst>
                                       </p:cBhvr>
-                                      <p:to>
-                                        <p:strVal val="visible"/>
-                                      </p:to>
-                                    </p:set>
-                                    <p:animEffect filter="randombar(horizontal)" transition="in">
+                                      <p:tavLst>
+                                        <p:tav tm="0">
+                                          <p:val>
+                                            <p:strVal val="0"/>
+                                          </p:val>
+                                        </p:tav>
+                                        <p:tav tm="100000">
+                                          <p:val>
+                                            <p:strVal val="#ppt_w"/>
+                                          </p:val>
+                                        </p:tav>
+                                      </p:tavLst>
+                                    </p:anim>
+                                    <p:anim calcmode="lin" valueType="num">
                                       <p:cBhvr additive="repl">
-                                        <p:cTn id="52" dur="500"/>
+                                        <p:cTn id="78" dur="500" fill="hold"/>
                                         <p:tgtEl>
-                                          <p:spTgt spid="383"/>
+                                          <p:spTgt spid="396"/>
+                                        </p:tgtEl>
+                                        <p:attrNameLst>
+                                          <p:attrName>ppt_h</p:attrName>
+                                        </p:attrNameLst>
+                                      </p:cBhvr>
+                                      <p:tavLst>
+                                        <p:tav tm="0">
+                                          <p:val>
+                                            <p:strVal val="0"/>
+                                          </p:val>
+                                        </p:tav>
+                                        <p:tav tm="100000">
+                                          <p:val>
+                                            <p:strVal val="#ppt_h"/>
+                                          </p:val>
+                                        </p:tav>
+                                      </p:tavLst>
+                                    </p:anim>
+                                    <p:animEffect filter="fade" transition="in">
+                                      <p:cBhvr additive="repl">
+                                        <p:cTn id="79" dur="500"/>
+                                        <p:tgtEl>
+                                          <p:spTgt spid="396"/>
                                         </p:tgtEl>
                                       </p:cBhvr>
                                     </p:animEffect>
@@ -33812,32 +33853,32 @@
                     </p:cTn>
                   </p:par>
                   <p:par>
-                    <p:cTn id="53" fill="hold">
+                    <p:cTn id="80" fill="hold">
                       <p:stCondLst>
                         <p:cond delay="indefinite"/>
                       </p:stCondLst>
                       <p:childTnLst>
                         <p:par>
-                          <p:cTn id="54" fill="hold">
+                          <p:cTn id="81" fill="hold">
                             <p:stCondLst>
                               <p:cond delay="0"/>
                             </p:stCondLst>
                             <p:childTnLst>
                               <p:par>
-                                <p:cTn id="55" nodeType="clickEffect" fill="hold" presetClass="entr" presetID="14" presetSubtype="10">
+                                <p:cTn id="82" nodeType="clickEffect" fill="hold" presetClass="entr" presetID="53">
                                   <p:stCondLst>
                                     <p:cond delay="0"/>
                                   </p:stCondLst>
                                   <p:childTnLst>
                                     <p:set>
                                       <p:cBhvr>
-                                        <p:cTn id="56" dur="1" fill="hold">
+                                        <p:cTn id="83" dur="1" fill="hold">
                                           <p:stCondLst>
                                             <p:cond delay="0"/>
                                           </p:stCondLst>
                                         </p:cTn>
                                         <p:tgtEl>
-                                          <p:spTgt spid="387"/>
+                                          <p:spTgt spid="394"/>
                                         </p:tgtEl>
                                         <p:attrNameLst>
                                           <p:attrName>style.visibility</p:attrName>
@@ -33847,46 +33888,57 @@
                                         <p:strVal val="visible"/>
                                       </p:to>
                                     </p:set>
-                                    <p:animEffect filter="randombar(horizontal)" transition="in">
+                                    <p:anim calcmode="lin" valueType="num">
                                       <p:cBhvr additive="repl">
-                                        <p:cTn id="57" dur="500"/>
+                                        <p:cTn id="84" dur="500" fill="hold"/>
                                         <p:tgtEl>
-                                          <p:spTgt spid="387"/>
-                                        </p:tgtEl>
-                                      </p:cBhvr>
-                                    </p:animEffect>
-                                  </p:childTnLst>
-                                </p:cTn>
-                              </p:par>
-                              <p:par>
-                                <p:cTn id="58" nodeType="withEffect" fill="hold" presetClass="entr" presetID="14" presetSubtype="10">
-                                  <p:stCondLst>
-                                    <p:cond delay="0"/>
-                                  </p:stCondLst>
-                                  <p:childTnLst>
-                                    <p:set>
-                                      <p:cBhvr>
-                                        <p:cTn id="59" dur="1" fill="hold">
-                                          <p:stCondLst>
-                                            <p:cond delay="0"/>
-                                          </p:stCondLst>
-                                        </p:cTn>
-                                        <p:tgtEl>
-                                          <p:spTgt spid="384"/>
+                                          <p:spTgt spid="394"/>
                                         </p:tgtEl>
                                         <p:attrNameLst>
-                                          <p:attrName>style.visibility</p:attrName>
+                                          <p:attrName>ppt_w</p:attrName>
                                         </p:attrNameLst>
                                       </p:cBhvr>
-                                      <p:to>
-                                        <p:strVal val="visible"/>
-                                      </p:to>
-                                    </p:set>
-                                    <p:animEffect filter="randombar(horizontal)" transition="in">
+                                      <p:tavLst>
+                                        <p:tav tm="0">
+                                          <p:val>
+                                            <p:strVal val="0"/>
+                                          </p:val>
+                                        </p:tav>
+                                        <p:tav tm="100000">
+                                          <p:val>
+                                            <p:strVal val="#ppt_w"/>
+                                          </p:val>
+                                        </p:tav>
+                                      </p:tavLst>
+                                    </p:anim>
+                                    <p:anim calcmode="lin" valueType="num">
                                       <p:cBhvr additive="repl">
-                                        <p:cTn id="60" dur="500"/>
+                                        <p:cTn id="85" dur="500" fill="hold"/>
                                         <p:tgtEl>
-                                          <p:spTgt spid="384"/>
+                                          <p:spTgt spid="394"/>
+                                        </p:tgtEl>
+                                        <p:attrNameLst>
+                                          <p:attrName>ppt_h</p:attrName>
+                                        </p:attrNameLst>
+                                      </p:cBhvr>
+                                      <p:tavLst>
+                                        <p:tav tm="0">
+                                          <p:val>
+                                            <p:strVal val="0"/>
+                                          </p:val>
+                                        </p:tav>
+                                        <p:tav tm="100000">
+                                          <p:val>
+                                            <p:strVal val="#ppt_h"/>
+                                          </p:val>
+                                        </p:tav>
+                                      </p:tavLst>
+                                    </p:anim>
+                                    <p:animEffect filter="fade" transition="in">
+                                      <p:cBhvr additive="repl">
+                                        <p:cTn id="86" dur="500"/>
+                                        <p:tgtEl>
+                                          <p:spTgt spid="394"/>
                                         </p:tgtEl>
                                       </p:cBhvr>
                                     </p:animEffect>
@@ -33900,32 +33952,32 @@
                     </p:cTn>
                   </p:par>
                   <p:par>
-                    <p:cTn id="61" fill="hold">
+                    <p:cTn id="87" fill="hold">
                       <p:stCondLst>
                         <p:cond delay="indefinite"/>
                       </p:stCondLst>
                       <p:childTnLst>
                         <p:par>
-                          <p:cTn id="62" fill="hold">
+                          <p:cTn id="88" fill="hold">
                             <p:stCondLst>
                               <p:cond delay="0"/>
                             </p:stCondLst>
                             <p:childTnLst>
                               <p:par>
-                                <p:cTn id="63" nodeType="clickEffect" fill="hold" presetClass="entr" presetID="14" presetSubtype="10">
+                                <p:cTn id="89" nodeType="clickEffect" fill="hold" presetClass="entr" presetID="53">
                                   <p:stCondLst>
                                     <p:cond delay="0"/>
                                   </p:stCondLst>
                                   <p:childTnLst>
                                     <p:set>
                                       <p:cBhvr>
-                                        <p:cTn id="64" dur="1" fill="hold">
+                                        <p:cTn id="90" dur="1" fill="hold">
                                           <p:stCondLst>
                                             <p:cond delay="0"/>
                                           </p:stCondLst>
                                         </p:cTn>
                                         <p:tgtEl>
-                                          <p:spTgt spid="388"/>
+                                          <p:spTgt spid="393"/>
                                         </p:tgtEl>
                                         <p:attrNameLst>
                                           <p:attrName>style.visibility</p:attrName>
@@ -33935,32 +33987,96 @@
                                         <p:strVal val="visible"/>
                                       </p:to>
                                     </p:set>
-                                    <p:animEffect filter="randombar(horizontal)" transition="in">
+                                    <p:anim calcmode="lin" valueType="num">
                                       <p:cBhvr additive="repl">
-                                        <p:cTn id="65" dur="500"/>
+                                        <p:cTn id="91" dur="500" fill="hold"/>
                                         <p:tgtEl>
-                                          <p:spTgt spid="388"/>
+                                          <p:spTgt spid="393"/>
+                                        </p:tgtEl>
+                                        <p:attrNameLst>
+                                          <p:attrName>ppt_w</p:attrName>
+                                        </p:attrNameLst>
+                                      </p:cBhvr>
+                                      <p:tavLst>
+                                        <p:tav tm="0">
+                                          <p:val>
+                                            <p:strVal val="0"/>
+                                          </p:val>
+                                        </p:tav>
+                                        <p:tav tm="100000">
+                                          <p:val>
+                                            <p:strVal val="#ppt_w"/>
+                                          </p:val>
+                                        </p:tav>
+                                      </p:tavLst>
+                                    </p:anim>
+                                    <p:anim calcmode="lin" valueType="num">
+                                      <p:cBhvr additive="repl">
+                                        <p:cTn id="92" dur="500" fill="hold"/>
+                                        <p:tgtEl>
+                                          <p:spTgt spid="393"/>
+                                        </p:tgtEl>
+                                        <p:attrNameLst>
+                                          <p:attrName>ppt_h</p:attrName>
+                                        </p:attrNameLst>
+                                      </p:cBhvr>
+                                      <p:tavLst>
+                                        <p:tav tm="0">
+                                          <p:val>
+                                            <p:strVal val="0"/>
+                                          </p:val>
+                                        </p:tav>
+                                        <p:tav tm="100000">
+                                          <p:val>
+                                            <p:strVal val="#ppt_h"/>
+                                          </p:val>
+                                        </p:tav>
+                                      </p:tavLst>
+                                    </p:anim>
+                                    <p:animEffect filter="fade" transition="in">
+                                      <p:cBhvr additive="repl">
+                                        <p:cTn id="93" dur="500"/>
+                                        <p:tgtEl>
+                                          <p:spTgt spid="393"/>
                                         </p:tgtEl>
                                       </p:cBhvr>
                                     </p:animEffect>
                                   </p:childTnLst>
                                 </p:cTn>
                               </p:par>
+                            </p:childTnLst>
+                          </p:cTn>
+                        </p:par>
+                      </p:childTnLst>
+                    </p:cTn>
+                  </p:par>
+                  <p:par>
+                    <p:cTn id="94" fill="hold">
+                      <p:stCondLst>
+                        <p:cond delay="indefinite"/>
+                      </p:stCondLst>
+                      <p:childTnLst>
+                        <p:par>
+                          <p:cTn id="95" fill="hold">
+                            <p:stCondLst>
+                              <p:cond delay="0"/>
+                            </p:stCondLst>
+                            <p:childTnLst>
                               <p:par>
-                                <p:cTn id="66" nodeType="withEffect" fill="hold" presetClass="entr" presetID="14" presetSubtype="10">
+                                <p:cTn id="96" nodeType="clickEffect" fill="hold" presetClass="entr" presetID="53">
                                   <p:stCondLst>
                                     <p:cond delay="0"/>
                                   </p:stCondLst>
                                   <p:childTnLst>
                                     <p:set>
                                       <p:cBhvr>
-                                        <p:cTn id="67" dur="1" fill="hold">
+                                        <p:cTn id="97" dur="1" fill="hold">
                                           <p:stCondLst>
                                             <p:cond delay="0"/>
                                           </p:stCondLst>
                                         </p:cTn>
                                         <p:tgtEl>
-                                          <p:spTgt spid="385"/>
+                                          <p:spTgt spid="395"/>
                                         </p:tgtEl>
                                         <p:attrNameLst>
                                           <p:attrName>style.visibility</p:attrName>
@@ -33970,11 +34086,57 @@
                                         <p:strVal val="visible"/>
                                       </p:to>
                                     </p:set>
-                                    <p:animEffect filter="randombar(horizontal)" transition="in">
+                                    <p:anim calcmode="lin" valueType="num">
                                       <p:cBhvr additive="repl">
-                                        <p:cTn id="68" dur="500"/>
+                                        <p:cTn id="98" dur="500" fill="hold"/>
                                         <p:tgtEl>
-                                          <p:spTgt spid="385"/>
+                                          <p:spTgt spid="395"/>
+                                        </p:tgtEl>
+                                        <p:attrNameLst>
+                                          <p:attrName>ppt_w</p:attrName>
+                                        </p:attrNameLst>
+                                      </p:cBhvr>
+                                      <p:tavLst>
+                                        <p:tav tm="0">
+                                          <p:val>
+                                            <p:strVal val="0"/>
+                                          </p:val>
+                                        </p:tav>
+                                        <p:tav tm="100000">
+                                          <p:val>
+                                            <p:strVal val="#ppt_w"/>
+                                          </p:val>
+                                        </p:tav>
+                                      </p:tavLst>
+                                    </p:anim>
+                                    <p:anim calcmode="lin" valueType="num">
+                                      <p:cBhvr additive="repl">
+                                        <p:cTn id="99" dur="500" fill="hold"/>
+                                        <p:tgtEl>
+                                          <p:spTgt spid="395"/>
+                                        </p:tgtEl>
+                                        <p:attrNameLst>
+                                          <p:attrName>ppt_h</p:attrName>
+                                        </p:attrNameLst>
+                                      </p:cBhvr>
+                                      <p:tavLst>
+                                        <p:tav tm="0">
+                                          <p:val>
+                                            <p:strVal val="0"/>
+                                          </p:val>
+                                        </p:tav>
+                                        <p:tav tm="100000">
+                                          <p:val>
+                                            <p:strVal val="#ppt_h"/>
+                                          </p:val>
+                                        </p:tav>
+                                      </p:tavLst>
+                                    </p:anim>
+                                    <p:animEffect filter="fade" transition="in">
+                                      <p:cBhvr additive="repl">
+                                        <p:cTn id="100" dur="500"/>
+                                        <p:tgtEl>
+                                          <p:spTgt spid="395"/>
                                         </p:tgtEl>
                                       </p:cBhvr>
                                     </p:animEffect>
@@ -34012,261 +34174,6 @@
 </p:sld>
 </file>
 
-<file path=ppt/slides/slide11.xml><?xml version="1.0" encoding="utf-8"?>
-<p:sld xmlns:a="http://schemas.openxmlformats.org/drawingml/2006/main" xmlns:p="http://schemas.openxmlformats.org/presentationml/2006/main" xmlns:r="http://schemas.openxmlformats.org/officeDocument/2006/relationships" xmlns:p14="http://schemas.microsoft.com/office/powerpoint/2010/main" xmlns:p15="http://schemas.microsoft.com/office/powerpoint/2012/main" xmlns:mc="http://schemas.openxmlformats.org/markup-compatibility/2006">
-  <p:cSld>
-    <p:spTree>
-      <p:nvGrpSpPr>
-        <p:cNvPr id="1" name=""/>
-        <p:cNvGrpSpPr/>
-        <p:nvPr/>
-      </p:nvGrpSpPr>
-      <p:grpSpPr>
-        <a:xfrm>
-          <a:off x="0" y="0"/>
-          <a:ext cx="0" cy="0"/>
-          <a:chOff x="0" y="0"/>
-          <a:chExt cx="0" cy="0"/>
-        </a:xfrm>
-      </p:grpSpPr>
-      <p:sp>
-        <p:nvSpPr>
-          <p:cNvPr id="389" name="PlaceHolder 1"/>
-          <p:cNvSpPr>
-            <a:spLocks noGrp="1"/>
-          </p:cNvSpPr>
-          <p:nvPr>
-            <p:ph type="title"/>
-          </p:nvPr>
-        </p:nvSpPr>
-        <p:spPr>
-          <a:xfrm>
-            <a:off x="360000" y="225720"/>
-            <a:ext cx="9359280" cy="719280"/>
-          </a:xfrm>
-          <a:prstGeom prst="rect">
-            <a:avLst/>
-          </a:prstGeom>
-          <a:noFill/>
-          <a:ln w="0">
-            <a:noFill/>
-          </a:ln>
-        </p:spPr>
-        <p:txBody>
-          <a:bodyPr lIns="0" rIns="0" tIns="0" bIns="0" anchor="ctr">
-            <a:noAutofit/>
-          </a:bodyPr>
-          <a:p>
-            <a:pPr indent="0">
-              <a:lnSpc>
-                <a:spcPct val="100000"/>
-              </a:lnSpc>
-              <a:buNone/>
-              <a:tabLst>
-                <a:tab algn="l" pos="0"/>
-              </a:tabLst>
-            </a:pPr>
-            <a:r>
-              <a:rPr b="1" lang="en-IN" sz="2700" spc="-1" strike="noStrike">
-                <a:solidFill>
-                  <a:srgbClr val="ffffff"/>
-                </a:solidFill>
-                <a:latin typeface="Noto Sans"/>
-              </a:rPr>
-              <a:t>Flowchart</a:t>
-            </a:r>
-            <a:endParaRPr b="0" lang="en-IN" sz="2700" spc="-1" strike="noStrike">
-              <a:solidFill>
-                <a:srgbClr val="000000"/>
-              </a:solidFill>
-              <a:latin typeface="Arial"/>
-            </a:endParaRPr>
-          </a:p>
-        </p:txBody>
-      </p:sp>
-    </p:spTree>
-  </p:cSld>
-  <mc:AlternateContent>
-    <mc:Choice Requires="p14">
-      <p:transition spd="slow" p14:dur="2000"/>
-    </mc:Choice>
-    <mc:Fallback>
-      <p:transition spd="slow"/>
-    </mc:Fallback>
-  </mc:AlternateContent>
-</p:sld>
-</file>
-
-<file path=ppt/slides/slide12.xml><?xml version="1.0" encoding="utf-8"?>
-<p:sld xmlns:a="http://schemas.openxmlformats.org/drawingml/2006/main" xmlns:p="http://schemas.openxmlformats.org/presentationml/2006/main" xmlns:r="http://schemas.openxmlformats.org/officeDocument/2006/relationships" xmlns:p14="http://schemas.microsoft.com/office/powerpoint/2010/main" xmlns:p15="http://schemas.microsoft.com/office/powerpoint/2012/main" xmlns:mc="http://schemas.openxmlformats.org/markup-compatibility/2006">
-  <p:cSld>
-    <p:spTree>
-      <p:nvGrpSpPr>
-        <p:cNvPr id="1" name=""/>
-        <p:cNvGrpSpPr/>
-        <p:nvPr/>
-      </p:nvGrpSpPr>
-      <p:grpSpPr>
-        <a:xfrm>
-          <a:off x="0" y="0"/>
-          <a:ext cx="0" cy="0"/>
-          <a:chOff x="0" y="0"/>
-          <a:chExt cx="0" cy="0"/>
-        </a:xfrm>
-      </p:grpSpPr>
-      <p:sp>
-        <p:nvSpPr>
-          <p:cNvPr id="390" name="PlaceHolder 1"/>
-          <p:cNvSpPr>
-            <a:spLocks noGrp="1"/>
-          </p:cNvSpPr>
-          <p:nvPr>
-            <p:ph type="title"/>
-          </p:nvPr>
-        </p:nvSpPr>
-        <p:spPr>
-          <a:xfrm>
-            <a:off x="360000" y="225720"/>
-            <a:ext cx="9359280" cy="719280"/>
-          </a:xfrm>
-          <a:prstGeom prst="rect">
-            <a:avLst/>
-          </a:prstGeom>
-          <a:noFill/>
-          <a:ln w="0">
-            <a:noFill/>
-          </a:ln>
-        </p:spPr>
-        <p:txBody>
-          <a:bodyPr lIns="0" rIns="0" tIns="0" bIns="0" anchor="ctr">
-            <a:noAutofit/>
-          </a:bodyPr>
-          <a:p>
-            <a:pPr indent="0">
-              <a:lnSpc>
-                <a:spcPct val="100000"/>
-              </a:lnSpc>
-              <a:buNone/>
-              <a:tabLst>
-                <a:tab algn="l" pos="0"/>
-              </a:tabLst>
-            </a:pPr>
-            <a:r>
-              <a:rPr b="1" lang="en-IN" sz="2700" spc="-1" strike="noStrike">
-                <a:solidFill>
-                  <a:srgbClr val="ffffff"/>
-                </a:solidFill>
-                <a:latin typeface="Noto Sans"/>
-              </a:rPr>
-              <a:t>Proposed Algorithm</a:t>
-            </a:r>
-            <a:endParaRPr b="0" lang="en-IN" sz="2700" spc="-1" strike="noStrike">
-              <a:solidFill>
-                <a:srgbClr val="000000"/>
-              </a:solidFill>
-              <a:latin typeface="Arial"/>
-            </a:endParaRPr>
-          </a:p>
-        </p:txBody>
-      </p:sp>
-    </p:spTree>
-  </p:cSld>
-  <mc:AlternateContent>
-    <mc:Choice Requires="p14">
-      <p:transition spd="slow" p14:dur="2000"/>
-    </mc:Choice>
-    <mc:Fallback>
-      <p:transition spd="slow"/>
-    </mc:Fallback>
-  </mc:AlternateContent>
-</p:sld>
-</file>
-
-<file path=ppt/slides/slide13.xml><?xml version="1.0" encoding="utf-8"?>
-<p:sld xmlns:a="http://schemas.openxmlformats.org/drawingml/2006/main" xmlns:p="http://schemas.openxmlformats.org/presentationml/2006/main" xmlns:r="http://schemas.openxmlformats.org/officeDocument/2006/relationships" xmlns:p14="http://schemas.microsoft.com/office/powerpoint/2010/main" xmlns:p15="http://schemas.microsoft.com/office/powerpoint/2012/main" xmlns:mc="http://schemas.openxmlformats.org/markup-compatibility/2006">
-  <p:cSld>
-    <p:spTree>
-      <p:nvGrpSpPr>
-        <p:cNvPr id="1" name=""/>
-        <p:cNvGrpSpPr/>
-        <p:nvPr/>
-      </p:nvGrpSpPr>
-      <p:grpSpPr>
-        <a:xfrm>
-          <a:off x="0" y="0"/>
-          <a:ext cx="0" cy="0"/>
-          <a:chOff x="0" y="0"/>
-          <a:chExt cx="0" cy="0"/>
-        </a:xfrm>
-      </p:grpSpPr>
-      <p:sp>
-        <p:nvSpPr>
-          <p:cNvPr id="391" name="PlaceHolder 1"/>
-          <p:cNvSpPr>
-            <a:spLocks noGrp="1"/>
-          </p:cNvSpPr>
-          <p:nvPr>
-            <p:ph type="title"/>
-          </p:nvPr>
-        </p:nvSpPr>
-        <p:spPr>
-          <a:xfrm>
-            <a:off x="360000" y="225720"/>
-            <a:ext cx="9359280" cy="719280"/>
-          </a:xfrm>
-          <a:prstGeom prst="rect">
-            <a:avLst/>
-          </a:prstGeom>
-          <a:noFill/>
-          <a:ln w="0">
-            <a:noFill/>
-          </a:ln>
-        </p:spPr>
-        <p:txBody>
-          <a:bodyPr lIns="0" rIns="0" tIns="0" bIns="0" anchor="ctr">
-            <a:noAutofit/>
-          </a:bodyPr>
-          <a:p>
-            <a:pPr indent="0">
-              <a:lnSpc>
-                <a:spcPct val="100000"/>
-              </a:lnSpc>
-              <a:buNone/>
-              <a:tabLst>
-                <a:tab algn="l" pos="0"/>
-              </a:tabLst>
-            </a:pPr>
-            <a:r>
-              <a:rPr b="1" lang="en-IN" sz="2700" spc="-1" strike="noStrike">
-                <a:solidFill>
-                  <a:srgbClr val="ffffff"/>
-                </a:solidFill>
-                <a:latin typeface="Noto Sans"/>
-              </a:rPr>
-              <a:t>Comparison Table</a:t>
-            </a:r>
-            <a:endParaRPr b="0" lang="en-IN" sz="2700" spc="-1" strike="noStrike">
-              <a:solidFill>
-                <a:srgbClr val="000000"/>
-              </a:solidFill>
-              <a:latin typeface="Arial"/>
-            </a:endParaRPr>
-          </a:p>
-        </p:txBody>
-      </p:sp>
-    </p:spTree>
-  </p:cSld>
-  <mc:AlternateContent>
-    <mc:Choice Requires="p14">
-      <p:transition spd="slow" p14:dur="2000"/>
-    </mc:Choice>
-    <mc:Fallback>
-      <p:transition spd="slow"/>
-    </mc:Fallback>
-  </mc:AlternateContent>
-</p:sld>
-</file>
-
 <file path=ppt/slides/slide14.xml><?xml version="1.0" encoding="utf-8"?>
 <p:sld xmlns:a="http://schemas.openxmlformats.org/drawingml/2006/main" xmlns:p="http://schemas.openxmlformats.org/presentationml/2006/main" xmlns:r="http://schemas.openxmlformats.org/officeDocument/2006/relationships" xmlns:p14="http://schemas.microsoft.com/office/powerpoint/2010/main" xmlns:p15="http://schemas.microsoft.com/office/powerpoint/2012/main" xmlns:mc="http://schemas.openxmlformats.org/markup-compatibility/2006">
   <p:cSld>
@@ -34286,7 +34193,7 @@
       </p:grpSpPr>
       <p:sp>
         <p:nvSpPr>
-          <p:cNvPr id="392" name="PlaceHolder 1"/>
+          <p:cNvPr id="397" name="PlaceHolder 1"/>
           <p:cNvSpPr>
             <a:spLocks noGrp="1"/>
           </p:cNvSpPr>
@@ -34328,7 +34235,7 @@
                 </a:solidFill>
                 <a:latin typeface="Noto Sans"/>
               </a:rPr>
-              <a:t>Tools Used</a:t>
+              <a:t>Conclusion</a:t>
             </a:r>
             <a:endParaRPr b="0" lang="en-IN" sz="2700" spc="-1" strike="noStrike">
               <a:solidFill>
@@ -34339,121 +34246,60 @@
           </a:p>
         </p:txBody>
       </p:sp>
-      <p:pic>
-        <p:nvPicPr>
-          <p:cNvPr id="393" name="" descr=""/>
-          <p:cNvPicPr/>
+      <p:sp>
+        <p:nvSpPr>
+          <p:cNvPr id="398" name=""/>
+          <p:cNvSpPr/>
           <p:nvPr/>
-        </p:nvPicPr>
-        <p:blipFill>
-          <a:blip r:embed="rId1"/>
-          <a:stretch/>
-        </p:blipFill>
+        </p:nvSpPr>
         <p:spPr>
           <a:xfrm>
-            <a:off x="1080000" y="1440000"/>
-            <a:ext cx="2800440" cy="1260000"/>
+            <a:off x="360000" y="1485000"/>
+            <a:ext cx="9359280" cy="3779280"/>
           </a:xfrm>
           <a:prstGeom prst="rect">
             <a:avLst/>
           </a:prstGeom>
+          <a:noFill/>
           <a:ln w="0">
             <a:noFill/>
           </a:ln>
         </p:spPr>
-      </p:pic>
-      <p:pic>
-        <p:nvPicPr>
-          <p:cNvPr id="394" name="" descr=""/>
-          <p:cNvPicPr/>
-          <p:nvPr/>
-        </p:nvPicPr>
-        <p:blipFill>
-          <a:blip r:embed="rId2"/>
-          <a:stretch/>
-        </p:blipFill>
-        <p:spPr>
-          <a:xfrm>
-            <a:off x="5531760" y="4176000"/>
-            <a:ext cx="2748240" cy="682560"/>
-          </a:xfrm>
-          <a:prstGeom prst="rect">
-            <a:avLst/>
-          </a:prstGeom>
-          <a:ln w="0">
-            <a:noFill/>
-          </a:ln>
-        </p:spPr>
-      </p:pic>
-      <p:pic>
-        <p:nvPicPr>
-          <p:cNvPr id="395" name="" descr=""/>
-          <p:cNvPicPr/>
-          <p:nvPr/>
-        </p:nvPicPr>
-        <p:blipFill>
-          <a:blip r:embed="rId3"/>
-          <a:stretch/>
-        </p:blipFill>
-        <p:spPr>
-          <a:xfrm>
-            <a:off x="1215720" y="4035960"/>
-            <a:ext cx="2348280" cy="932760"/>
-          </a:xfrm>
-          <a:prstGeom prst="rect">
-            <a:avLst/>
-          </a:prstGeom>
-          <a:ln w="0">
-            <a:noFill/>
-          </a:ln>
-        </p:spPr>
-      </p:pic>
-      <p:pic>
-        <p:nvPicPr>
-          <p:cNvPr id="396" name="" descr=""/>
-          <p:cNvPicPr/>
-          <p:nvPr/>
-        </p:nvPicPr>
-        <p:blipFill>
-          <a:blip r:embed="rId4"/>
-          <a:stretch/>
-        </p:blipFill>
-        <p:spPr>
-          <a:xfrm>
-            <a:off x="2680200" y="2956320"/>
-            <a:ext cx="4879800" cy="628560"/>
-          </a:xfrm>
-          <a:prstGeom prst="rect">
-            <a:avLst/>
-          </a:prstGeom>
-          <a:ln w="0">
-            <a:noFill/>
-          </a:ln>
-        </p:spPr>
-      </p:pic>
-      <p:pic>
-        <p:nvPicPr>
-          <p:cNvPr id="397" name="" descr=""/>
-          <p:cNvPicPr/>
-          <p:nvPr/>
-        </p:nvPicPr>
-        <p:blipFill>
-          <a:blip r:embed="rId5"/>
-          <a:stretch/>
-        </p:blipFill>
-        <p:spPr>
-          <a:xfrm>
-            <a:off x="4890240" y="1462320"/>
-            <a:ext cx="3929760" cy="1309680"/>
-          </a:xfrm>
-          <a:prstGeom prst="rect">
-            <a:avLst/>
-          </a:prstGeom>
-          <a:ln w="0">
-            <a:noFill/>
-          </a:ln>
-        </p:spPr>
-      </p:pic>
+        <p:style>
+          <a:lnRef idx="0"/>
+          <a:fillRef idx="0"/>
+          <a:effectRef idx="0"/>
+          <a:fontRef idx="minor"/>
+        </p:style>
+        <p:txBody>
+          <a:bodyPr lIns="0" rIns="0" tIns="0" bIns="0" anchor="t">
+            <a:normAutofit/>
+          </a:bodyPr>
+          <a:p>
+            <a:pPr>
+              <a:lnSpc>
+                <a:spcPct val="100000"/>
+              </a:lnSpc>
+            </a:pPr>
+            <a:r>
+              <a:rPr b="1" lang="en-IN" sz="2400" spc="-1" strike="noStrike">
+                <a:solidFill>
+                  <a:srgbClr val="2c3e50"/>
+                </a:solidFill>
+                <a:latin typeface="Noto Sans"/>
+                <a:ea typeface="DejaVu Sans"/>
+              </a:rPr>
+              <a:t>Current research indicates the potential of RNN-based filters in various applications, with ongoing efforts aimed at improving training efficiency, generalization capabilities, and interpretability. As the field continues to evolve, the combination of advanced neural network architectures and signal processing expertise holds the key to unlocking the full potential of digital filters using RNNs.</a:t>
+            </a:r>
+            <a:endParaRPr b="0" lang="en-IN" sz="2400" spc="-1" strike="noStrike">
+              <a:solidFill>
+                <a:srgbClr val="000000"/>
+              </a:solidFill>
+              <a:latin typeface="Arial"/>
+            </a:endParaRPr>
+          </a:p>
+        </p:txBody>
+      </p:sp>
     </p:spTree>
   </p:cSld>
   <mc:AlternateContent>
@@ -34464,531 +34310,6 @@
       <p:transition spd="slow"/>
     </mc:Fallback>
   </mc:AlternateContent>
-  <p:timing>
-    <p:tnLst>
-      <p:par>
-        <p:cTn id="69" dur="indefinite" restart="never" nodeType="tmRoot">
-          <p:childTnLst>
-            <p:seq>
-              <p:cTn id="70" dur="indefinite" nodeType="mainSeq">
-                <p:childTnLst>
-                  <p:par>
-                    <p:cTn id="71" fill="hold">
-                      <p:stCondLst>
-                        <p:cond delay="indefinite"/>
-                      </p:stCondLst>
-                      <p:childTnLst>
-                        <p:par>
-                          <p:cTn id="72" fill="hold">
-                            <p:stCondLst>
-                              <p:cond delay="0"/>
-                            </p:stCondLst>
-                            <p:childTnLst>
-                              <p:par>
-                                <p:cTn id="73" nodeType="clickEffect" fill="hold" presetClass="entr" presetID="53">
-                                  <p:stCondLst>
-                                    <p:cond delay="0"/>
-                                  </p:stCondLst>
-                                  <p:childTnLst>
-                                    <p:set>
-                                      <p:cBhvr>
-                                        <p:cTn id="74" dur="1" fill="hold">
-                                          <p:stCondLst>
-                                            <p:cond delay="0"/>
-                                          </p:stCondLst>
-                                        </p:cTn>
-                                        <p:tgtEl>
-                                          <p:spTgt spid="393"/>
-                                        </p:tgtEl>
-                                        <p:attrNameLst>
-                                          <p:attrName>style.visibility</p:attrName>
-                                        </p:attrNameLst>
-                                      </p:cBhvr>
-                                      <p:to>
-                                        <p:strVal val="visible"/>
-                                      </p:to>
-                                    </p:set>
-                                    <p:anim calcmode="lin" valueType="num">
-                                      <p:cBhvr additive="repl">
-                                        <p:cTn id="75" dur="500" fill="hold"/>
-                                        <p:tgtEl>
-                                          <p:spTgt spid="393"/>
-                                        </p:tgtEl>
-                                        <p:attrNameLst>
-                                          <p:attrName>ppt_w</p:attrName>
-                                        </p:attrNameLst>
-                                      </p:cBhvr>
-                                      <p:tavLst>
-                                        <p:tav tm="0">
-                                          <p:val>
-                                            <p:strVal val="0"/>
-                                          </p:val>
-                                        </p:tav>
-                                        <p:tav tm="100000">
-                                          <p:val>
-                                            <p:strVal val="#ppt_w"/>
-                                          </p:val>
-                                        </p:tav>
-                                      </p:tavLst>
-                                    </p:anim>
-                                    <p:anim calcmode="lin" valueType="num">
-                                      <p:cBhvr additive="repl">
-                                        <p:cTn id="76" dur="500" fill="hold"/>
-                                        <p:tgtEl>
-                                          <p:spTgt spid="393"/>
-                                        </p:tgtEl>
-                                        <p:attrNameLst>
-                                          <p:attrName>ppt_h</p:attrName>
-                                        </p:attrNameLst>
-                                      </p:cBhvr>
-                                      <p:tavLst>
-                                        <p:tav tm="0">
-                                          <p:val>
-                                            <p:strVal val="0"/>
-                                          </p:val>
-                                        </p:tav>
-                                        <p:tav tm="100000">
-                                          <p:val>
-                                            <p:strVal val="#ppt_h"/>
-                                          </p:val>
-                                        </p:tav>
-                                      </p:tavLst>
-                                    </p:anim>
-                                    <p:animEffect filter="fade" transition="in">
-                                      <p:cBhvr additive="repl">
-                                        <p:cTn id="77" dur="500"/>
-                                        <p:tgtEl>
-                                          <p:spTgt spid="393"/>
-                                        </p:tgtEl>
-                                      </p:cBhvr>
-                                    </p:animEffect>
-                                  </p:childTnLst>
-                                </p:cTn>
-                              </p:par>
-                            </p:childTnLst>
-                          </p:cTn>
-                        </p:par>
-                      </p:childTnLst>
-                    </p:cTn>
-                  </p:par>
-                  <p:par>
-                    <p:cTn id="78" fill="hold">
-                      <p:stCondLst>
-                        <p:cond delay="indefinite"/>
-                      </p:stCondLst>
-                      <p:childTnLst>
-                        <p:par>
-                          <p:cTn id="79" fill="hold">
-                            <p:stCondLst>
-                              <p:cond delay="0"/>
-                            </p:stCondLst>
-                            <p:childTnLst>
-                              <p:par>
-                                <p:cTn id="80" nodeType="clickEffect" fill="hold" presetClass="entr" presetID="53">
-                                  <p:stCondLst>
-                                    <p:cond delay="0"/>
-                                  </p:stCondLst>
-                                  <p:childTnLst>
-                                    <p:set>
-                                      <p:cBhvr>
-                                        <p:cTn id="81" dur="1" fill="hold">
-                                          <p:stCondLst>
-                                            <p:cond delay="0"/>
-                                          </p:stCondLst>
-                                        </p:cTn>
-                                        <p:tgtEl>
-                                          <p:spTgt spid="397"/>
-                                        </p:tgtEl>
-                                        <p:attrNameLst>
-                                          <p:attrName>style.visibility</p:attrName>
-                                        </p:attrNameLst>
-                                      </p:cBhvr>
-                                      <p:to>
-                                        <p:strVal val="visible"/>
-                                      </p:to>
-                                    </p:set>
-                                    <p:anim calcmode="lin" valueType="num">
-                                      <p:cBhvr additive="repl">
-                                        <p:cTn id="82" dur="500" fill="hold"/>
-                                        <p:tgtEl>
-                                          <p:spTgt spid="397"/>
-                                        </p:tgtEl>
-                                        <p:attrNameLst>
-                                          <p:attrName>ppt_w</p:attrName>
-                                        </p:attrNameLst>
-                                      </p:cBhvr>
-                                      <p:tavLst>
-                                        <p:tav tm="0">
-                                          <p:val>
-                                            <p:strVal val="0"/>
-                                          </p:val>
-                                        </p:tav>
-                                        <p:tav tm="100000">
-                                          <p:val>
-                                            <p:strVal val="#ppt_w"/>
-                                          </p:val>
-                                        </p:tav>
-                                      </p:tavLst>
-                                    </p:anim>
-                                    <p:anim calcmode="lin" valueType="num">
-                                      <p:cBhvr additive="repl">
-                                        <p:cTn id="83" dur="500" fill="hold"/>
-                                        <p:tgtEl>
-                                          <p:spTgt spid="397"/>
-                                        </p:tgtEl>
-                                        <p:attrNameLst>
-                                          <p:attrName>ppt_h</p:attrName>
-                                        </p:attrNameLst>
-                                      </p:cBhvr>
-                                      <p:tavLst>
-                                        <p:tav tm="0">
-                                          <p:val>
-                                            <p:strVal val="0"/>
-                                          </p:val>
-                                        </p:tav>
-                                        <p:tav tm="100000">
-                                          <p:val>
-                                            <p:strVal val="#ppt_h"/>
-                                          </p:val>
-                                        </p:tav>
-                                      </p:tavLst>
-                                    </p:anim>
-                                    <p:animEffect filter="fade" transition="in">
-                                      <p:cBhvr additive="repl">
-                                        <p:cTn id="84" dur="500"/>
-                                        <p:tgtEl>
-                                          <p:spTgt spid="397"/>
-                                        </p:tgtEl>
-                                      </p:cBhvr>
-                                    </p:animEffect>
-                                  </p:childTnLst>
-                                </p:cTn>
-                              </p:par>
-                            </p:childTnLst>
-                          </p:cTn>
-                        </p:par>
-                      </p:childTnLst>
-                    </p:cTn>
-                  </p:par>
-                  <p:par>
-                    <p:cTn id="85" fill="hold">
-                      <p:stCondLst>
-                        <p:cond delay="indefinite"/>
-                      </p:stCondLst>
-                      <p:childTnLst>
-                        <p:par>
-                          <p:cTn id="86" fill="hold">
-                            <p:stCondLst>
-                              <p:cond delay="0"/>
-                            </p:stCondLst>
-                            <p:childTnLst>
-                              <p:par>
-                                <p:cTn id="87" nodeType="clickEffect" fill="hold" presetClass="entr" presetID="53">
-                                  <p:stCondLst>
-                                    <p:cond delay="0"/>
-                                  </p:stCondLst>
-                                  <p:childTnLst>
-                                    <p:set>
-                                      <p:cBhvr>
-                                        <p:cTn id="88" dur="1" fill="hold">
-                                          <p:stCondLst>
-                                            <p:cond delay="0"/>
-                                          </p:stCondLst>
-                                        </p:cTn>
-                                        <p:tgtEl>
-                                          <p:spTgt spid="395"/>
-                                        </p:tgtEl>
-                                        <p:attrNameLst>
-                                          <p:attrName>style.visibility</p:attrName>
-                                        </p:attrNameLst>
-                                      </p:cBhvr>
-                                      <p:to>
-                                        <p:strVal val="visible"/>
-                                      </p:to>
-                                    </p:set>
-                                    <p:anim calcmode="lin" valueType="num">
-                                      <p:cBhvr additive="repl">
-                                        <p:cTn id="89" dur="500" fill="hold"/>
-                                        <p:tgtEl>
-                                          <p:spTgt spid="395"/>
-                                        </p:tgtEl>
-                                        <p:attrNameLst>
-                                          <p:attrName>ppt_w</p:attrName>
-                                        </p:attrNameLst>
-                                      </p:cBhvr>
-                                      <p:tavLst>
-                                        <p:tav tm="0">
-                                          <p:val>
-                                            <p:strVal val="0"/>
-                                          </p:val>
-                                        </p:tav>
-                                        <p:tav tm="100000">
-                                          <p:val>
-                                            <p:strVal val="#ppt_w"/>
-                                          </p:val>
-                                        </p:tav>
-                                      </p:tavLst>
-                                    </p:anim>
-                                    <p:anim calcmode="lin" valueType="num">
-                                      <p:cBhvr additive="repl">
-                                        <p:cTn id="90" dur="500" fill="hold"/>
-                                        <p:tgtEl>
-                                          <p:spTgt spid="395"/>
-                                        </p:tgtEl>
-                                        <p:attrNameLst>
-                                          <p:attrName>ppt_h</p:attrName>
-                                        </p:attrNameLst>
-                                      </p:cBhvr>
-                                      <p:tavLst>
-                                        <p:tav tm="0">
-                                          <p:val>
-                                            <p:strVal val="0"/>
-                                          </p:val>
-                                        </p:tav>
-                                        <p:tav tm="100000">
-                                          <p:val>
-                                            <p:strVal val="#ppt_h"/>
-                                          </p:val>
-                                        </p:tav>
-                                      </p:tavLst>
-                                    </p:anim>
-                                    <p:animEffect filter="fade" transition="in">
-                                      <p:cBhvr additive="repl">
-                                        <p:cTn id="91" dur="500"/>
-                                        <p:tgtEl>
-                                          <p:spTgt spid="395"/>
-                                        </p:tgtEl>
-                                      </p:cBhvr>
-                                    </p:animEffect>
-                                  </p:childTnLst>
-                                </p:cTn>
-                              </p:par>
-                            </p:childTnLst>
-                          </p:cTn>
-                        </p:par>
-                      </p:childTnLst>
-                    </p:cTn>
-                  </p:par>
-                  <p:par>
-                    <p:cTn id="92" fill="hold">
-                      <p:stCondLst>
-                        <p:cond delay="indefinite"/>
-                      </p:stCondLst>
-                      <p:childTnLst>
-                        <p:par>
-                          <p:cTn id="93" fill="hold">
-                            <p:stCondLst>
-                              <p:cond delay="0"/>
-                            </p:stCondLst>
-                            <p:childTnLst>
-                              <p:par>
-                                <p:cTn id="94" nodeType="clickEffect" fill="hold" presetClass="entr" presetID="53">
-                                  <p:stCondLst>
-                                    <p:cond delay="0"/>
-                                  </p:stCondLst>
-                                  <p:childTnLst>
-                                    <p:set>
-                                      <p:cBhvr>
-                                        <p:cTn id="95" dur="1" fill="hold">
-                                          <p:stCondLst>
-                                            <p:cond delay="0"/>
-                                          </p:stCondLst>
-                                        </p:cTn>
-                                        <p:tgtEl>
-                                          <p:spTgt spid="394"/>
-                                        </p:tgtEl>
-                                        <p:attrNameLst>
-                                          <p:attrName>style.visibility</p:attrName>
-                                        </p:attrNameLst>
-                                      </p:cBhvr>
-                                      <p:to>
-                                        <p:strVal val="visible"/>
-                                      </p:to>
-                                    </p:set>
-                                    <p:anim calcmode="lin" valueType="num">
-                                      <p:cBhvr additive="repl">
-                                        <p:cTn id="96" dur="500" fill="hold"/>
-                                        <p:tgtEl>
-                                          <p:spTgt spid="394"/>
-                                        </p:tgtEl>
-                                        <p:attrNameLst>
-                                          <p:attrName>ppt_w</p:attrName>
-                                        </p:attrNameLst>
-                                      </p:cBhvr>
-                                      <p:tavLst>
-                                        <p:tav tm="0">
-                                          <p:val>
-                                            <p:strVal val="0"/>
-                                          </p:val>
-                                        </p:tav>
-                                        <p:tav tm="100000">
-                                          <p:val>
-                                            <p:strVal val="#ppt_w"/>
-                                          </p:val>
-                                        </p:tav>
-                                      </p:tavLst>
-                                    </p:anim>
-                                    <p:anim calcmode="lin" valueType="num">
-                                      <p:cBhvr additive="repl">
-                                        <p:cTn id="97" dur="500" fill="hold"/>
-                                        <p:tgtEl>
-                                          <p:spTgt spid="394"/>
-                                        </p:tgtEl>
-                                        <p:attrNameLst>
-                                          <p:attrName>ppt_h</p:attrName>
-                                        </p:attrNameLst>
-                                      </p:cBhvr>
-                                      <p:tavLst>
-                                        <p:tav tm="0">
-                                          <p:val>
-                                            <p:strVal val="0"/>
-                                          </p:val>
-                                        </p:tav>
-                                        <p:tav tm="100000">
-                                          <p:val>
-                                            <p:strVal val="#ppt_h"/>
-                                          </p:val>
-                                        </p:tav>
-                                      </p:tavLst>
-                                    </p:anim>
-                                    <p:animEffect filter="fade" transition="in">
-                                      <p:cBhvr additive="repl">
-                                        <p:cTn id="98" dur="500"/>
-                                        <p:tgtEl>
-                                          <p:spTgt spid="394"/>
-                                        </p:tgtEl>
-                                      </p:cBhvr>
-                                    </p:animEffect>
-                                  </p:childTnLst>
-                                </p:cTn>
-                              </p:par>
-                            </p:childTnLst>
-                          </p:cTn>
-                        </p:par>
-                      </p:childTnLst>
-                    </p:cTn>
-                  </p:par>
-                  <p:par>
-                    <p:cTn id="99" fill="hold">
-                      <p:stCondLst>
-                        <p:cond delay="indefinite"/>
-                      </p:stCondLst>
-                      <p:childTnLst>
-                        <p:par>
-                          <p:cTn id="100" fill="hold">
-                            <p:stCondLst>
-                              <p:cond delay="0"/>
-                            </p:stCondLst>
-                            <p:childTnLst>
-                              <p:par>
-                                <p:cTn id="101" nodeType="clickEffect" fill="hold" presetClass="entr" presetID="53">
-                                  <p:stCondLst>
-                                    <p:cond delay="0"/>
-                                  </p:stCondLst>
-                                  <p:childTnLst>
-                                    <p:set>
-                                      <p:cBhvr>
-                                        <p:cTn id="102" dur="1" fill="hold">
-                                          <p:stCondLst>
-                                            <p:cond delay="0"/>
-                                          </p:stCondLst>
-                                        </p:cTn>
-                                        <p:tgtEl>
-                                          <p:spTgt spid="396"/>
-                                        </p:tgtEl>
-                                        <p:attrNameLst>
-                                          <p:attrName>style.visibility</p:attrName>
-                                        </p:attrNameLst>
-                                      </p:cBhvr>
-                                      <p:to>
-                                        <p:strVal val="visible"/>
-                                      </p:to>
-                                    </p:set>
-                                    <p:anim calcmode="lin" valueType="num">
-                                      <p:cBhvr additive="repl">
-                                        <p:cTn id="103" dur="500" fill="hold"/>
-                                        <p:tgtEl>
-                                          <p:spTgt spid="396"/>
-                                        </p:tgtEl>
-                                        <p:attrNameLst>
-                                          <p:attrName>ppt_w</p:attrName>
-                                        </p:attrNameLst>
-                                      </p:cBhvr>
-                                      <p:tavLst>
-                                        <p:tav tm="0">
-                                          <p:val>
-                                            <p:strVal val="0"/>
-                                          </p:val>
-                                        </p:tav>
-                                        <p:tav tm="100000">
-                                          <p:val>
-                                            <p:strVal val="#ppt_w"/>
-                                          </p:val>
-                                        </p:tav>
-                                      </p:tavLst>
-                                    </p:anim>
-                                    <p:anim calcmode="lin" valueType="num">
-                                      <p:cBhvr additive="repl">
-                                        <p:cTn id="104" dur="500" fill="hold"/>
-                                        <p:tgtEl>
-                                          <p:spTgt spid="396"/>
-                                        </p:tgtEl>
-                                        <p:attrNameLst>
-                                          <p:attrName>ppt_h</p:attrName>
-                                        </p:attrNameLst>
-                                      </p:cBhvr>
-                                      <p:tavLst>
-                                        <p:tav tm="0">
-                                          <p:val>
-                                            <p:strVal val="0"/>
-                                          </p:val>
-                                        </p:tav>
-                                        <p:tav tm="100000">
-                                          <p:val>
-                                            <p:strVal val="#ppt_h"/>
-                                          </p:val>
-                                        </p:tav>
-                                      </p:tavLst>
-                                    </p:anim>
-                                    <p:animEffect filter="fade" transition="in">
-                                      <p:cBhvr additive="repl">
-                                        <p:cTn id="105" dur="500"/>
-                                        <p:tgtEl>
-                                          <p:spTgt spid="396"/>
-                                        </p:tgtEl>
-                                      </p:cBhvr>
-                                    </p:animEffect>
-                                  </p:childTnLst>
-                                </p:cTn>
-                              </p:par>
-                            </p:childTnLst>
-                          </p:cTn>
-                        </p:par>
-                      </p:childTnLst>
-                    </p:cTn>
-                  </p:par>
-                </p:childTnLst>
-              </p:cTn>
-              <p:prevCondLst>
-                <p:cond evt="onPrev">
-                  <p:tgtEl>
-                    <p:sldTgt/>
-                  </p:tgtEl>
-                </p:cond>
-              </p:prevCondLst>
-              <p:nextCondLst>
-                <p:cond evt="onNext">
-                  <p:tgtEl>
-                    <p:sldTgt/>
-                  </p:tgtEl>
-                </p:cond>
-              </p:nextCondLst>
-            </p:seq>
-          </p:childTnLst>
-        </p:cTn>
-      </p:par>
-    </p:tnLst>
-  </p:timing>
 </p:sld>
 </file>
 
@@ -35011,7 +34332,7 @@
       </p:grpSpPr>
       <p:sp>
         <p:nvSpPr>
-          <p:cNvPr id="398" name="PlaceHolder 1"/>
+          <p:cNvPr id="399" name="PlaceHolder 1"/>
           <p:cNvSpPr>
             <a:spLocks noGrp="1"/>
           </p:cNvSpPr>
@@ -35053,7 +34374,7 @@
                 </a:solidFill>
                 <a:latin typeface="Noto Sans"/>
               </a:rPr>
-              <a:t>Conclusion</a:t>
+              <a:t>References</a:t>
             </a:r>
             <a:endParaRPr b="0" lang="en-IN" sz="2700" spc="-1" strike="noStrike">
               <a:solidFill>
@@ -35066,7 +34387,7 @@
       </p:sp>
       <p:sp>
         <p:nvSpPr>
-          <p:cNvPr id="399" name=""/>
+          <p:cNvPr id="400" name=""/>
           <p:cNvSpPr/>
           <p:nvPr/>
         </p:nvSpPr>
@@ -35094,22 +34415,127 @@
             <a:normAutofit/>
           </a:bodyPr>
           <a:p>
-            <a:pPr>
+            <a:pPr marL="432000" indent="-324000">
               <a:lnSpc>
                 <a:spcPct val="100000"/>
               </a:lnSpc>
-            </a:pPr>
-            <a:r>
-              <a:rPr b="1" lang="en-IN" sz="2400" spc="-1" strike="noStrike">
+              <a:spcAft>
+                <a:spcPts val="1057"/>
+              </a:spcAft>
+              <a:buClr>
+                <a:srgbClr val="2c3e50"/>
+              </a:buClr>
+              <a:buSzPct val="45000"/>
+              <a:buFont typeface="Wingdings" charset="2"/>
+              <a:buChar char=""/>
+            </a:pPr>
+            <a:r>
+              <a:rPr b="1" lang="en-IN" sz="1800" spc="-1" strike="noStrike">
                 <a:solidFill>
                   <a:srgbClr val="2c3e50"/>
                 </a:solidFill>
                 <a:latin typeface="Noto Sans"/>
                 <a:ea typeface="DejaVu Sans"/>
               </a:rPr>
-              <a:t>Current research indicates the potential of RNN-based filters in various applications, with ongoing efforts aimed at improving training efficiency, generalization capabilities, and interpretability. As the field continues to evolve, the combination of advanced neural network architectures and signal processing expertise holds the key to unlocking the full potential of digital filters using RNNs.</a:t>
-            </a:r>
-            <a:endParaRPr b="0" lang="en-IN" sz="2400" spc="-1" strike="noStrike">
+              <a:t>K. Hossain, R. Ahmed, A. Haque, and M. Rahman, “A Review of Digital FIR Filter Design in Communication Systems,” International Journal of Science and Research (IJSR), vol. 10, p. 09, 03 2021.</a:t>
+            </a:r>
+            <a:endParaRPr b="0" lang="en-IN" sz="1800" spc="-1" strike="noStrike">
+              <a:solidFill>
+                <a:srgbClr val="000000"/>
+              </a:solidFill>
+              <a:latin typeface="Arial"/>
+            </a:endParaRPr>
+          </a:p>
+          <a:p>
+            <a:pPr marL="432000" indent="-324000">
+              <a:lnSpc>
+                <a:spcPct val="100000"/>
+              </a:lnSpc>
+              <a:spcAft>
+                <a:spcPts val="1057"/>
+              </a:spcAft>
+              <a:buClr>
+                <a:srgbClr val="2c3e50"/>
+              </a:buClr>
+              <a:buSzPct val="45000"/>
+              <a:buFont typeface="Wingdings" charset="2"/>
+              <a:buChar char=""/>
+            </a:pPr>
+            <a:r>
+              <a:rPr b="1" lang="en-IN" sz="1800" spc="-1" strike="noStrike">
+                <a:solidFill>
+                  <a:srgbClr val="2c3e50"/>
+                </a:solidFill>
+                <a:latin typeface="Noto Sans"/>
+                <a:ea typeface="DejaVu Sans"/>
+              </a:rPr>
+              <a:t>R. Hinojosa-Meza, M. M. Rivera, P. Vacas-Jacques, N. Escalante-Garcia, J. A. Dena-Aguilar, A. B. Sanchez, and E. Olvera-Gonzalez, “Comparative Analysis of RNN Versus IIR Digital Filtering to Optimize Resilience to Dynamic Perturbations in pH Sensing for Vertical Farming,” Preprints, May 2023.</a:t>
+            </a:r>
+            <a:endParaRPr b="0" lang="en-IN" sz="1800" spc="-1" strike="noStrike">
+              <a:solidFill>
+                <a:srgbClr val="000000"/>
+              </a:solidFill>
+              <a:latin typeface="Arial"/>
+            </a:endParaRPr>
+          </a:p>
+          <a:p>
+            <a:pPr marL="432000" indent="-324000">
+              <a:lnSpc>
+                <a:spcPct val="100000"/>
+              </a:lnSpc>
+              <a:spcAft>
+                <a:spcPts val="1057"/>
+              </a:spcAft>
+              <a:buClr>
+                <a:srgbClr val="2c3e50"/>
+              </a:buClr>
+              <a:buSzPct val="45000"/>
+              <a:buFont typeface="Wingdings" charset="2"/>
+              <a:buChar char=""/>
+            </a:pPr>
+            <a:r>
+              <a:rPr b="1" lang="en-IN" sz="1800" spc="-1" strike="noStrike">
+                <a:solidFill>
+                  <a:srgbClr val="2c3e50"/>
+                </a:solidFill>
+                <a:latin typeface="Noto Sans"/>
+                <a:ea typeface="DejaVu Sans"/>
+              </a:rPr>
+              <a:t>D. Kumar, “Comparison of Different Types of IIR Filters,” 04 2016.</a:t>
+            </a:r>
+            <a:endParaRPr b="0" lang="en-IN" sz="1800" spc="-1" strike="noStrike">
+              <a:solidFill>
+                <a:srgbClr val="000000"/>
+              </a:solidFill>
+              <a:latin typeface="Arial"/>
+            </a:endParaRPr>
+          </a:p>
+          <a:p>
+            <a:pPr marL="432000" indent="-324000">
+              <a:lnSpc>
+                <a:spcPct val="100000"/>
+              </a:lnSpc>
+              <a:spcAft>
+                <a:spcPts val="1057"/>
+              </a:spcAft>
+              <a:buClr>
+                <a:srgbClr val="2c3e50"/>
+              </a:buClr>
+              <a:buSzPct val="45000"/>
+              <a:buFont typeface="Wingdings" charset="2"/>
+              <a:buChar char=""/>
+            </a:pPr>
+            <a:r>
+              <a:rPr b="1" lang="en-IN" sz="1800" spc="-1" strike="noStrike">
+                <a:solidFill>
+                  <a:srgbClr val="2c3e50"/>
+                </a:solidFill>
+                <a:latin typeface="Noto Sans"/>
+                <a:ea typeface="DejaVu Sans"/>
+              </a:rPr>
+              <a:t>R. Pal, “Comparison of the design of FIR and IIR filters for a given specification and removal of phase distortion from IIR filters,” 12 2017.</a:t>
+            </a:r>
+            <a:endParaRPr b="0" lang="en-IN" sz="1800" spc="-1" strike="noStrike">
               <a:solidFill>
                 <a:srgbClr val="000000"/>
               </a:solidFill>
@@ -35150,7 +34576,7 @@
       </p:grpSpPr>
       <p:sp>
         <p:nvSpPr>
-          <p:cNvPr id="400" name="PlaceHolder 1"/>
+          <p:cNvPr id="401" name="PlaceHolder 1"/>
           <p:cNvSpPr>
             <a:spLocks noGrp="1"/>
           </p:cNvSpPr>
@@ -35205,7 +34631,7 @@
       </p:sp>
       <p:sp>
         <p:nvSpPr>
-          <p:cNvPr id="401" name=""/>
+          <p:cNvPr id="402" name=""/>
           <p:cNvSpPr/>
           <p:nvPr/>
         </p:nvSpPr>
@@ -35255,7 +34681,7 @@
                 <a:latin typeface="Noto Sans"/>
                 <a:ea typeface="DejaVu Sans"/>
               </a:rPr>
-              <a:t>K. Hossain, R. Ahmed, A. Haque, and M. Rahman, “A Review of Digital FIR Filter Design in Communication Systems,” International Journal of Science and Research (IJSR), vol. 10, p. 09, 03 2021.</a:t>
+              <a:t>S. Zargar, “Introduction to Sequence Learning Models: RNN, LSTM, GRU,” 04 2021.</a:t>
             </a:r>
             <a:endParaRPr b="0" lang="en-IN" sz="1800" spc="-1" strike="noStrike">
               <a:solidFill>
@@ -35287,7 +34713,7 @@
                 <a:latin typeface="Noto Sans"/>
                 <a:ea typeface="DejaVu Sans"/>
               </a:rPr>
-              <a:t>R. Hinojosa-Meza, M. M. Rivera, P. Vacas-Jacques, N. Escalante-Garcia, J. A. Dena-Aguilar, A. B. Sanchez, and E. Olvera-Gonzalez, “Comparative Analysis of RNN Versus IIR Digital Filtering to Optimize Resilience to Dynamic Perturbations in pH Sensing for Vertical Farming,” Preprints, May 2023.</a:t>
+              <a:t>A. Ali, A. U. Rehman, A. Almogren, E. T. Eldin, and M. Kaleem, “Application of Deep Learning Gated Recurrent Unit in Hybrid Shunt Active Power Filter for Power Quality Enhancement,” Energies, vol. 15, no. 20, 2022.</a:t>
             </a:r>
             <a:endParaRPr b="0" lang="en-IN" sz="1800" spc="-1" strike="noStrike">
               <a:solidFill>
@@ -35319,7 +34745,7 @@
                 <a:latin typeface="Noto Sans"/>
                 <a:ea typeface="DejaVu Sans"/>
               </a:rPr>
-              <a:t>D. Kumar, “Comparison of Different Types of IIR Filters,” 04 2016.</a:t>
+              <a:t>A. Sherstinsky, “Fundamentals of recurrent neural network (RNN) and long short term memory (LSTM) network,” Physica D: Nonlinear Phenomena, vol. 404, p. 132306, 2020.</a:t>
             </a:r>
             <a:endParaRPr b="0" lang="en-IN" sz="1800" spc="-1" strike="noStrike">
               <a:solidFill>
@@ -35351,7 +34777,7 @@
                 <a:latin typeface="Noto Sans"/>
                 <a:ea typeface="DejaVu Sans"/>
               </a:rPr>
-              <a:t>R. Pal, “Comparison of the design of FIR and IIR filters for a given specification and removal of phase distortion from IIR filters,” 12 2017.</a:t>
+              <a:t>M. Ashraf, F. Abid, I. U. Din, J. Rasheed, M. Yesiltepe, S. F. Yeo, and M. T. Ersoy, “A Hybrid CNN and RNN Variant Model for Music Classification,” Applied Sciences, vol. 13, no. 3, 2023.</a:t>
             </a:r>
             <a:endParaRPr b="0" lang="en-IN" sz="1800" spc="-1" strike="noStrike">
               <a:solidFill>
@@ -35394,7 +34820,7 @@
       </p:grpSpPr>
       <p:sp>
         <p:nvSpPr>
-          <p:cNvPr id="402" name="PlaceHolder 1"/>
+          <p:cNvPr id="403" name="PlaceHolder 1"/>
           <p:cNvSpPr>
             <a:spLocks noGrp="1"/>
           </p:cNvSpPr>
@@ -35449,7 +34875,7 @@
       </p:sp>
       <p:sp>
         <p:nvSpPr>
-          <p:cNvPr id="403" name=""/>
+          <p:cNvPr id="404" name=""/>
           <p:cNvSpPr/>
           <p:nvPr/>
         </p:nvSpPr>
@@ -35474,7 +34900,7 @@
         </p:style>
         <p:txBody>
           <a:bodyPr lIns="0" rIns="0" tIns="0" bIns="0" anchor="t">
-            <a:normAutofit/>
+            <a:normAutofit fontScale="93333" lnSpcReduction="10000"/>
           </a:bodyPr>
           <a:p>
             <a:pPr marL="432000" indent="-324000">
@@ -35482,7 +34908,7 @@
                 <a:spcPct val="100000"/>
               </a:lnSpc>
               <a:spcAft>
-                <a:spcPts val="1057"/>
+                <a:spcPts val="1049"/>
               </a:spcAft>
               <a:buClr>
                 <a:srgbClr val="2c3e50"/>
@@ -35499,7 +34925,7 @@
                 <a:latin typeface="Noto Sans"/>
                 <a:ea typeface="DejaVu Sans"/>
               </a:rPr>
-              <a:t>S. Zargar, “Introduction to Sequence Learning Models: RNN, LSTM, GRU,” 04 2021.</a:t>
+              <a:t>S. Stefanova, “One Approach for Training of Recurrent Neural Network Model of IIR Digital Filter,” in Technological Developments in Net working, Education and Automation (K. Elleithy, T. Sobh, M. Iskander, V. Kapila, M. A. Karim, and A. Mahmood, eds.), (Dordrecht), pp. 219 224, Springer Netherlands, 2010.</a:t>
             </a:r>
             <a:endParaRPr b="0" lang="en-IN" sz="1800" spc="-1" strike="noStrike">
               <a:solidFill>
@@ -35514,7 +34940,7 @@
                 <a:spcPct val="100000"/>
               </a:lnSpc>
               <a:spcAft>
-                <a:spcPts val="1057"/>
+                <a:spcPts val="1049"/>
               </a:spcAft>
               <a:buClr>
                 <a:srgbClr val="2c3e50"/>
@@ -35531,7 +34957,7 @@
                 <a:latin typeface="Noto Sans"/>
                 <a:ea typeface="DejaVu Sans"/>
               </a:rPr>
-              <a:t>A. Ali, A. U. Rehman, A. Almogren, E. T. Eldin, and M. Kaleem, “Application of Deep Learning Gated Recurrent Unit in Hybrid Shunt Active Power Filter for Power Quality Enhancement,” Energies, vol. 15, no. 20, 2022.</a:t>
+              <a:t>L. Ma, H. Huang, P. Zhao, and T. Su, “Acoustic Echo Cancellation by Combining Adaptive Digital Filter and Recurrent Neural Network,” CoRR, vol. Abs/2005.09237, 2020.</a:t>
             </a:r>
             <a:endParaRPr b="0" lang="en-IN" sz="1800" spc="-1" strike="noStrike">
               <a:solidFill>
@@ -35546,7 +34972,7 @@
                 <a:spcPct val="100000"/>
               </a:lnSpc>
               <a:spcAft>
-                <a:spcPts val="1057"/>
+                <a:spcPts val="1049"/>
               </a:spcAft>
               <a:buClr>
                 <a:srgbClr val="2c3e50"/>
@@ -35563,7 +34989,7 @@
                 <a:latin typeface="Noto Sans"/>
                 <a:ea typeface="DejaVu Sans"/>
               </a:rPr>
-              <a:t>A. Sherstinsky, “Fundamentals of recurrent neural network (RNN) and long short term memory (LSTM) network,” Physica D: Nonlinear Phenomena, vol. 404, p. 132306, 2020.</a:t>
+              <a:t>S. A. Skogstad, S. Holm, and M. Høvin, “Digital IIR filters with minimal group delay for real-time applications,” in 2012 International Conference on Engineering and Technology (ICET), pp. 1–6, 2012.</a:t>
             </a:r>
             <a:endParaRPr b="0" lang="en-IN" sz="1800" spc="-1" strike="noStrike">
               <a:solidFill>
@@ -35578,7 +35004,7 @@
                 <a:spcPct val="100000"/>
               </a:lnSpc>
               <a:spcAft>
-                <a:spcPts val="1057"/>
+                <a:spcPts val="1049"/>
               </a:spcAft>
               <a:buClr>
                 <a:srgbClr val="2c3e50"/>
@@ -35595,7 +35021,7 @@
                 <a:latin typeface="Noto Sans"/>
                 <a:ea typeface="DejaVu Sans"/>
               </a:rPr>
-              <a:t>M. Ashraf, F. Abid, I. U. Din, J. Rasheed, M. Yesiltepe, S. F. Yeo, and M. T. Ersoy, “A Hybrid CNN and RNN Variant Model for Music Classification,” Applied Sciences, vol. 13, no. 3, 2023.</a:t>
+              <a:t>S. S.A., “One Dimensional IIR Digital Filter Modeling Based on Recur rent Neural Network,” in Technological Developments in Education and Automation (M. Iskander, V. Kapila, and M. A. Karim, eds.), (Dordrecht), pp. 281–286, Springer Netherlands, 2010.</a:t>
             </a:r>
             <a:endParaRPr b="0" lang="en-IN" sz="1800" spc="-1" strike="noStrike">
               <a:solidFill>
@@ -35638,251 +35064,7 @@
       </p:grpSpPr>
       <p:sp>
         <p:nvSpPr>
-          <p:cNvPr id="404" name="PlaceHolder 1"/>
-          <p:cNvSpPr>
-            <a:spLocks noGrp="1"/>
-          </p:cNvSpPr>
-          <p:nvPr>
-            <p:ph type="title"/>
-          </p:nvPr>
-        </p:nvSpPr>
-        <p:spPr>
-          <a:xfrm>
-            <a:off x="360000" y="225720"/>
-            <a:ext cx="9359280" cy="719280"/>
-          </a:xfrm>
-          <a:prstGeom prst="rect">
-            <a:avLst/>
-          </a:prstGeom>
-          <a:noFill/>
-          <a:ln w="0">
-            <a:noFill/>
-          </a:ln>
-        </p:spPr>
-        <p:txBody>
-          <a:bodyPr lIns="0" rIns="0" tIns="0" bIns="0" anchor="ctr">
-            <a:noAutofit/>
-          </a:bodyPr>
-          <a:p>
-            <a:pPr indent="0">
-              <a:lnSpc>
-                <a:spcPct val="100000"/>
-              </a:lnSpc>
-              <a:buNone/>
-              <a:tabLst>
-                <a:tab algn="l" pos="0"/>
-              </a:tabLst>
-            </a:pPr>
-            <a:r>
-              <a:rPr b="1" lang="en-IN" sz="2700" spc="-1" strike="noStrike">
-                <a:solidFill>
-                  <a:srgbClr val="ffffff"/>
-                </a:solidFill>
-                <a:latin typeface="Noto Sans"/>
-              </a:rPr>
-              <a:t>References</a:t>
-            </a:r>
-            <a:endParaRPr b="0" lang="en-IN" sz="2700" spc="-1" strike="noStrike">
-              <a:solidFill>
-                <a:srgbClr val="000000"/>
-              </a:solidFill>
-              <a:latin typeface="Arial"/>
-            </a:endParaRPr>
-          </a:p>
-        </p:txBody>
-      </p:sp>
-      <p:sp>
-        <p:nvSpPr>
-          <p:cNvPr id="405" name=""/>
-          <p:cNvSpPr/>
-          <p:nvPr/>
-        </p:nvSpPr>
-        <p:spPr>
-          <a:xfrm>
-            <a:off x="360000" y="1485000"/>
-            <a:ext cx="9359280" cy="3779280"/>
-          </a:xfrm>
-          <a:prstGeom prst="rect">
-            <a:avLst/>
-          </a:prstGeom>
-          <a:noFill/>
-          <a:ln w="0">
-            <a:noFill/>
-          </a:ln>
-        </p:spPr>
-        <p:style>
-          <a:lnRef idx="0"/>
-          <a:fillRef idx="0"/>
-          <a:effectRef idx="0"/>
-          <a:fontRef idx="minor"/>
-        </p:style>
-        <p:txBody>
-          <a:bodyPr lIns="0" rIns="0" tIns="0" bIns="0" anchor="t">
-            <a:normAutofit fontScale="93333" lnSpcReduction="10000"/>
-          </a:bodyPr>
-          <a:p>
-            <a:pPr marL="432000" indent="-324000">
-              <a:lnSpc>
-                <a:spcPct val="100000"/>
-              </a:lnSpc>
-              <a:spcAft>
-                <a:spcPts val="1049"/>
-              </a:spcAft>
-              <a:buClr>
-                <a:srgbClr val="2c3e50"/>
-              </a:buClr>
-              <a:buSzPct val="45000"/>
-              <a:buFont typeface="Wingdings" charset="2"/>
-              <a:buChar char=""/>
-            </a:pPr>
-            <a:r>
-              <a:rPr b="1" lang="en-IN" sz="1800" spc="-1" strike="noStrike">
-                <a:solidFill>
-                  <a:srgbClr val="2c3e50"/>
-                </a:solidFill>
-                <a:latin typeface="Noto Sans"/>
-                <a:ea typeface="DejaVu Sans"/>
-              </a:rPr>
-              <a:t>S. Stefanova, “One Approach for Training of Recurrent Neural Network Model of IIR Digital Filter,” in Technological Developments in Net working, Education and Automation (K. Elleithy, T. Sobh, M. Iskander, V. Kapila, M. A. Karim, and A. Mahmood, eds.), (Dordrecht), pp. 219 224, Springer Netherlands, 2010.</a:t>
-            </a:r>
-            <a:endParaRPr b="0" lang="en-IN" sz="1800" spc="-1" strike="noStrike">
-              <a:solidFill>
-                <a:srgbClr val="000000"/>
-              </a:solidFill>
-              <a:latin typeface="Arial"/>
-            </a:endParaRPr>
-          </a:p>
-          <a:p>
-            <a:pPr marL="432000" indent="-324000">
-              <a:lnSpc>
-                <a:spcPct val="100000"/>
-              </a:lnSpc>
-              <a:spcAft>
-                <a:spcPts val="1049"/>
-              </a:spcAft>
-              <a:buClr>
-                <a:srgbClr val="2c3e50"/>
-              </a:buClr>
-              <a:buSzPct val="45000"/>
-              <a:buFont typeface="Wingdings" charset="2"/>
-              <a:buChar char=""/>
-            </a:pPr>
-            <a:r>
-              <a:rPr b="1" lang="en-IN" sz="1800" spc="-1" strike="noStrike">
-                <a:solidFill>
-                  <a:srgbClr val="2c3e50"/>
-                </a:solidFill>
-                <a:latin typeface="Noto Sans"/>
-                <a:ea typeface="DejaVu Sans"/>
-              </a:rPr>
-              <a:t>L. Ma, H. Huang, P. Zhao, and T. Su, “Acoustic Echo Cancellation by Combining Adaptive Digital Filter and Recurrent Neural Network,” CoRR, vol. Abs/2005.09237, 2020.</a:t>
-            </a:r>
-            <a:endParaRPr b="0" lang="en-IN" sz="1800" spc="-1" strike="noStrike">
-              <a:solidFill>
-                <a:srgbClr val="000000"/>
-              </a:solidFill>
-              <a:latin typeface="Arial"/>
-            </a:endParaRPr>
-          </a:p>
-          <a:p>
-            <a:pPr marL="432000" indent="-324000">
-              <a:lnSpc>
-                <a:spcPct val="100000"/>
-              </a:lnSpc>
-              <a:spcAft>
-                <a:spcPts val="1049"/>
-              </a:spcAft>
-              <a:buClr>
-                <a:srgbClr val="2c3e50"/>
-              </a:buClr>
-              <a:buSzPct val="45000"/>
-              <a:buFont typeface="Wingdings" charset="2"/>
-              <a:buChar char=""/>
-            </a:pPr>
-            <a:r>
-              <a:rPr b="1" lang="en-IN" sz="1800" spc="-1" strike="noStrike">
-                <a:solidFill>
-                  <a:srgbClr val="2c3e50"/>
-                </a:solidFill>
-                <a:latin typeface="Noto Sans"/>
-                <a:ea typeface="DejaVu Sans"/>
-              </a:rPr>
-              <a:t>S. A. Skogstad, S. Holm, and M. Høvin, “Digital IIR filters with minimal group delay for real-time applications,” in 2012 International Conference on Engineering and Technology (ICET), pp. 1–6, 2012.</a:t>
-            </a:r>
-            <a:endParaRPr b="0" lang="en-IN" sz="1800" spc="-1" strike="noStrike">
-              <a:solidFill>
-                <a:srgbClr val="000000"/>
-              </a:solidFill>
-              <a:latin typeface="Arial"/>
-            </a:endParaRPr>
-          </a:p>
-          <a:p>
-            <a:pPr marL="432000" indent="-324000">
-              <a:lnSpc>
-                <a:spcPct val="100000"/>
-              </a:lnSpc>
-              <a:spcAft>
-                <a:spcPts val="1049"/>
-              </a:spcAft>
-              <a:buClr>
-                <a:srgbClr val="2c3e50"/>
-              </a:buClr>
-              <a:buSzPct val="45000"/>
-              <a:buFont typeface="Wingdings" charset="2"/>
-              <a:buChar char=""/>
-            </a:pPr>
-            <a:r>
-              <a:rPr b="1" lang="en-IN" sz="1800" spc="-1" strike="noStrike">
-                <a:solidFill>
-                  <a:srgbClr val="2c3e50"/>
-                </a:solidFill>
-                <a:latin typeface="Noto Sans"/>
-                <a:ea typeface="DejaVu Sans"/>
-              </a:rPr>
-              <a:t>S. S.A., “One Dimensional IIR Digital Filter Modeling Based on Recur rent Neural Network,” in Technological Developments in Education and Automation (M. Iskander, V. Kapila, and M. A. Karim, eds.), (Dordrecht), pp. 281–286, Springer Netherlands, 2010.</a:t>
-            </a:r>
-            <a:endParaRPr b="0" lang="en-IN" sz="1800" spc="-1" strike="noStrike">
-              <a:solidFill>
-                <a:srgbClr val="000000"/>
-              </a:solidFill>
-              <a:latin typeface="Arial"/>
-            </a:endParaRPr>
-          </a:p>
-        </p:txBody>
-      </p:sp>
-    </p:spTree>
-  </p:cSld>
-  <mc:AlternateContent>
-    <mc:Choice Requires="p14">
-      <p:transition spd="slow" p14:dur="2000"/>
-    </mc:Choice>
-    <mc:Fallback>
-      <p:transition spd="slow"/>
-    </mc:Fallback>
-  </mc:AlternateContent>
-</p:sld>
-</file>
-
-<file path=ppt/slides/slide19.xml><?xml version="1.0" encoding="utf-8"?>
-<p:sld xmlns:a="http://schemas.openxmlformats.org/drawingml/2006/main" xmlns:p="http://schemas.openxmlformats.org/presentationml/2006/main" xmlns:r="http://schemas.openxmlformats.org/officeDocument/2006/relationships" xmlns:p14="http://schemas.microsoft.com/office/powerpoint/2010/main" xmlns:p15="http://schemas.microsoft.com/office/powerpoint/2012/main" xmlns:mc="http://schemas.openxmlformats.org/markup-compatibility/2006">
-  <p:cSld>
-    <p:spTree>
-      <p:nvGrpSpPr>
-        <p:cNvPr id="1" name=""/>
-        <p:cNvGrpSpPr/>
-        <p:nvPr/>
-      </p:nvGrpSpPr>
-      <p:grpSpPr>
-        <a:xfrm>
-          <a:off x="0" y="0"/>
-          <a:ext cx="0" cy="0"/>
-          <a:chOff x="0" y="0"/>
-          <a:chExt cx="0" cy="0"/>
-        </a:xfrm>
-      </p:grpSpPr>
-      <p:sp>
-        <p:nvSpPr>
-          <p:cNvPr id="406" name="PlaceHolder 1"/>
+          <p:cNvPr id="405" name="PlaceHolder 1"/>
           <p:cNvSpPr>
             <a:spLocks noGrp="1"/>
           </p:cNvSpPr>
@@ -35949,8 +35131,8 @@
         <p:txBody>
           <a:bodyPr/>
           <a:p>
-            <a:fld id="{615B31DC-AC15-48F2-AD4E-E1ABF9347DAC}" type="slidenum">
-              <a:t>19</a:t>
+            <a:fld id="{F4D9C0B4-225C-41E6-8D93-D5AEDB9DC2B4}" type="slidenum">
+              <a:t>18</a:t>
             </a:fld>
           </a:p>
         </p:txBody>
@@ -36182,38 +35364,7 @@
                 </a:solidFill>
                 <a:latin typeface="Noto Sans"/>
               </a:rPr>
-              <a:t>Hypothesis Formulation</a:t>
-            </a:r>
-            <a:endParaRPr b="0" lang="en-IN" sz="2400" spc="-1" strike="noStrike">
-              <a:solidFill>
-                <a:srgbClr val="000000"/>
-              </a:solidFill>
-              <a:latin typeface="Arial"/>
-            </a:endParaRPr>
-          </a:p>
-          <a:p>
-            <a:pPr marL="432000" indent="-324000">
-              <a:lnSpc>
-                <a:spcPct val="100000"/>
-              </a:lnSpc>
-              <a:spcAft>
-                <a:spcPts val="1057"/>
-              </a:spcAft>
-              <a:buClr>
-                <a:srgbClr val="2c3e50"/>
-              </a:buClr>
-              <a:buSzPct val="45000"/>
-              <a:buFont typeface="Wingdings" charset="2"/>
-              <a:buChar char=""/>
-            </a:pPr>
-            <a:r>
-              <a:rPr b="1" lang="en-IN" sz="2400" spc="-1" strike="noStrike">
-                <a:solidFill>
-                  <a:srgbClr val="2c3e50"/>
-                </a:solidFill>
-                <a:latin typeface="Noto Sans"/>
-              </a:rPr>
-              <a:t>Research Methodology</a:t>
+              <a:t>Methodology</a:t>
             </a:r>
             <a:endParaRPr b="0" lang="en-IN" sz="2400" spc="-1" strike="noStrike">
               <a:solidFill>
@@ -36670,67 +35821,6 @@
                       </p:childTnLst>
                     </p:cTn>
                   </p:par>
-                  <p:par>
-                    <p:cTn id="33" fill="hold">
-                      <p:stCondLst>
-                        <p:cond delay="indefinite"/>
-                      </p:stCondLst>
-                      <p:childTnLst>
-                        <p:par>
-                          <p:cTn id="34" fill="hold">
-                            <p:stCondLst>
-                              <p:cond delay="0"/>
-                            </p:stCondLst>
-                            <p:childTnLst>
-                              <p:par>
-                                <p:cTn id="35" nodeType="clickEffect" fill="hold" presetClass="entr" presetID="8" presetSubtype="16">
-                                  <p:stCondLst>
-                                    <p:cond delay="0"/>
-                                  </p:stCondLst>
-                                  <p:childTnLst>
-                                    <p:set>
-                                      <p:cBhvr>
-                                        <p:cTn id="36" fill="hold">
-                                          <p:stCondLst>
-                                            <p:cond delay="0"/>
-                                          </p:stCondLst>
-                                        </p:cTn>
-                                        <p:tgtEl>
-                                          <p:spTgt spid="366">
-                                            <p:txEl>
-                                              <p:pRg st="6" end="6"/>
-                                            </p:txEl>
-                                          </p:spTgt>
-                                        </p:tgtEl>
-                                        <p:attrNameLst>
-                                          <p:attrName>style.visibility</p:attrName>
-                                        </p:attrNameLst>
-                                      </p:cBhvr>
-                                      <p:to>
-                                        <p:strVal val="visible"/>
-                                      </p:to>
-                                    </p:set>
-                                    <p:animEffect filter="diamond(in)" transition="in">
-                                      <p:cBhvr additive="repl">
-                                        <p:cTn id="37" dur="800"/>
-                                        <p:tgtEl>
-                                          <p:spTgt spid="366">
-                                            <p:txEl>
-                                              <p:pRg st="6" end="6"/>
-                                            </p:txEl>
-                                          </p:spTgt>
-                                        </p:tgtEl>
-                                      </p:cBhvr>
-                                    </p:animEffect>
-                                  </p:childTnLst>
-                                </p:cTn>
-                              </p:par>
-                            </p:childTnLst>
-                          </p:cTn>
-                        </p:par>
-                      </p:childTnLst>
-                    </p:cTn>
-                  </p:par>
                 </p:childTnLst>
               </p:cTn>
               <p:prevCondLst>
@@ -36980,7 +36070,7 @@
         </p:blipFill>
         <p:spPr>
           <a:xfrm>
-            <a:off x="992520" y="1840320"/>
+            <a:off x="992520" y="2200320"/>
             <a:ext cx="8095680" cy="2637720"/>
           </a:xfrm>
           <a:prstGeom prst="rect">
@@ -36991,6 +36081,58 @@
           </a:ln>
         </p:spPr>
       </p:pic>
+      <p:sp>
+        <p:nvSpPr>
+          <p:cNvPr id="371" name="PlaceHolder 4"/>
+          <p:cNvSpPr txBox="1"/>
+          <p:nvPr/>
+        </p:nvSpPr>
+        <p:spPr>
+          <a:xfrm>
+            <a:off x="360000" y="1584000"/>
+            <a:ext cx="9359280" cy="369000"/>
+          </a:xfrm>
+          <a:prstGeom prst="rect">
+            <a:avLst/>
+          </a:prstGeom>
+          <a:noFill/>
+          <a:ln w="0">
+            <a:noFill/>
+          </a:ln>
+        </p:spPr>
+        <p:txBody>
+          <a:bodyPr lIns="0" rIns="0" tIns="0" bIns="0" anchor="ctr">
+            <a:noAutofit/>
+          </a:bodyPr>
+          <a:p>
+            <a:pPr algn="ctr">
+              <a:lnSpc>
+                <a:spcPct val="100000"/>
+              </a:lnSpc>
+              <a:tabLst>
+                <a:tab algn="l" pos="0"/>
+              </a:tabLst>
+            </a:pPr>
+            <a:r>
+              <a:rPr b="1" lang="en-IN" sz="1600" spc="-1" strike="noStrike" u="sng">
+                <a:solidFill>
+                  <a:srgbClr val="1c1c1c"/>
+                </a:solidFill>
+                <a:uFillTx/>
+                <a:latin typeface="Noto Sans"/>
+              </a:rPr>
+              <a:t>Traditional Digital Filtering</a:t>
+            </a:r>
+            <a:endParaRPr b="0" lang="en-IN" sz="1600" spc="-1" strike="noStrike" u="sng">
+              <a:solidFill>
+                <a:srgbClr val="1c1c1c"/>
+              </a:solidFill>
+              <a:uFillTx/>
+              <a:latin typeface="Arial"/>
+            </a:endParaRPr>
+          </a:p>
+        </p:txBody>
+      </p:sp>
     </p:spTree>
   </p:cSld>
   <mc:AlternateContent>
@@ -37023,7 +36165,7 @@
       </p:grpSpPr>
       <p:sp>
         <p:nvSpPr>
-          <p:cNvPr id="371" name="PlaceHolder 1"/>
+          <p:cNvPr id="372" name="PlaceHolder 1"/>
           <p:cNvSpPr>
             <a:spLocks noGrp="1"/>
           </p:cNvSpPr>
@@ -37078,7 +36220,7 @@
       </p:sp>
       <p:sp>
         <p:nvSpPr>
-          <p:cNvPr id="372" name="PlaceHolder 2"/>
+          <p:cNvPr id="373" name="PlaceHolder 2"/>
           <p:cNvSpPr>
             <a:spLocks noGrp="1"/>
           </p:cNvSpPr>
@@ -37120,7 +36262,7 @@
                 </a:solidFill>
                 <a:latin typeface="Noto Sans"/>
               </a:rPr>
-              <a:t>Traditional digital filter design lacks adaptability to dynamic signals which will introduce the latency problem. The potential benefits of integrating RNN into digital filters remain unclear, creating a research gap that needs exploration.</a:t>
+              <a:t>Traditional digital filter lacks adaptability to dynamic signals which will introduce the latency problem. The potential benefits of integrating RNN into digital filters remain unclear, creating a research gap that needs exploration.</a:t>
             </a:r>
             <a:endParaRPr b="0" lang="en-IN" sz="2400" spc="-1" strike="noStrike">
               <a:solidFill>
@@ -37163,7 +36305,7 @@
       </p:grpSpPr>
       <p:sp>
         <p:nvSpPr>
-          <p:cNvPr id="373" name="PlaceHolder 1"/>
+          <p:cNvPr id="374" name="PlaceHolder 1"/>
           <p:cNvSpPr>
             <a:spLocks noGrp="1"/>
           </p:cNvSpPr>
@@ -37218,7 +36360,7 @@
       </p:sp>
       <p:graphicFrame>
         <p:nvGraphicFramePr>
-          <p:cNvPr id="374" name=""/>
+          <p:cNvPr id="375" name=""/>
           <p:cNvGraphicFramePr/>
           <p:nvPr/>
         </p:nvGraphicFramePr>
@@ -38442,7 +37584,7 @@
       </p:grpSpPr>
       <p:sp>
         <p:nvSpPr>
-          <p:cNvPr id="375" name="PlaceHolder 1"/>
+          <p:cNvPr id="376" name="PlaceHolder 1"/>
           <p:cNvSpPr>
             <a:spLocks noGrp="1"/>
           </p:cNvSpPr>
@@ -38497,7 +37639,7 @@
       </p:sp>
       <p:graphicFrame>
         <p:nvGraphicFramePr>
-          <p:cNvPr id="376" name=""/>
+          <p:cNvPr id="377" name=""/>
           <p:cNvGraphicFramePr/>
           <p:nvPr/>
         </p:nvGraphicFramePr>
@@ -39721,7 +38863,7 @@
       </p:grpSpPr>
       <p:sp>
         <p:nvSpPr>
-          <p:cNvPr id="377" name="PlaceHolder 1"/>
+          <p:cNvPr id="378" name="PlaceHolder 1"/>
           <p:cNvSpPr>
             <a:spLocks noGrp="1"/>
           </p:cNvSpPr>
@@ -39776,7 +38918,7 @@
       </p:sp>
       <p:graphicFrame>
         <p:nvGraphicFramePr>
-          <p:cNvPr id="378" name=""/>
+          <p:cNvPr id="379" name=""/>
           <p:cNvGraphicFramePr/>
           <p:nvPr/>
         </p:nvGraphicFramePr>
@@ -40109,7 +39251,7 @@
                           <a:latin typeface="Noto Sans"/>
                           <a:ea typeface="DejaVu Sans"/>
                         </a:rPr>
-                        <a:t>One Approach for Training of Recurrent Neural Network Model of IIR Digital Filter</a:t>
+                        <a:t>One Approach for Training of RNN Model of IIR Digital Filter</a:t>
                       </a:r>
                       <a:endParaRPr b="0" lang="en-IN" sz="1800" spc="-1" strike="noStrike">
                         <a:solidFill>
@@ -40160,15 +39302,6 @@
                           <a:spcPct val="100000"/>
                         </a:lnSpc>
                       </a:pPr>
-                      <a:r>
-                        <a:rPr b="0" lang="en-IN" sz="1800" spc="-1" strike="noStrike">
-                          <a:solidFill>
-                            <a:srgbClr val="2c3e50"/>
-                          </a:solidFill>
-                          <a:latin typeface="Noto Sans"/>
-                        </a:rPr>
-                        <a:t>Limitations of basic RNN and introduces LSTM, GRU &amp; BRNN</a:t>
-                      </a:r>
                       <a:endParaRPr b="0" lang="en-IN" sz="1800" spc="-1" strike="noStrike">
                         <a:solidFill>
                           <a:srgbClr val="000000"/>
@@ -40347,7 +39480,7 @@
                           <a:latin typeface="Noto Sans"/>
                           <a:ea typeface="DejaVu Sans"/>
                         </a:rPr>
-                        <a:t>Acoustic Echo Cancellation by Combining Adaptive Digital Filter and Recurrent Neural Network</a:t>
+                        <a:t>Echo Cancellation by Digital Filter and RNN</a:t>
                       </a:r>
                       <a:endParaRPr b="0" lang="en-IN" sz="1800" spc="-1" strike="noStrike">
                         <a:solidFill>
@@ -40398,15 +39531,6 @@
                           <a:spcPct val="100000"/>
                         </a:lnSpc>
                       </a:pPr>
-                      <a:r>
-                        <a:rPr b="0" lang="en-IN" sz="1800" spc="-1" strike="noStrike">
-                          <a:solidFill>
-                            <a:srgbClr val="2c3e50"/>
-                          </a:solidFill>
-                          <a:latin typeface="Noto Sans"/>
-                        </a:rPr>
-                        <a:t>Unified filtering capability for power quality improvement</a:t>
-                      </a:r>
                       <a:endParaRPr b="0" lang="en-IN" sz="1800" spc="-1" strike="noStrike">
                         <a:solidFill>
                           <a:srgbClr val="000000"/>
@@ -40585,7 +39709,7 @@
                           <a:latin typeface="Noto Sans"/>
                           <a:ea typeface="DejaVu Sans"/>
                         </a:rPr>
-                        <a:t>Digital IIR filters with minimal group delay for real-time applications</a:t>
+                        <a:t>Digital IIR filters with minimal group delay</a:t>
                       </a:r>
                       <a:endParaRPr b="0" lang="en-IN" sz="1800" spc="-1" strike="noStrike">
                         <a:solidFill>
@@ -40636,15 +39760,6 @@
                           <a:spcPct val="100000"/>
                         </a:lnSpc>
                       </a:pPr>
-                      <a:r>
-                        <a:rPr b="0" lang="en-IN" sz="1800" spc="-1" strike="noStrike">
-                          <a:solidFill>
-                            <a:srgbClr val="2c3e50"/>
-                          </a:solidFill>
-                          <a:latin typeface="Noto Sans"/>
-                        </a:rPr>
-                        <a:t>Approximating an IIR system by an FIR model using LSTM</a:t>
-                      </a:r>
                       <a:endParaRPr b="0" lang="en-IN" sz="1800" spc="-1" strike="noStrike">
                         <a:solidFill>
                           <a:srgbClr val="000000"/>
@@ -40823,7 +39938,7 @@
                           <a:latin typeface="Noto Sans"/>
                           <a:ea typeface="DejaVu Sans"/>
                         </a:rPr>
-                        <a:t>One Dimensional IIR Digital Filter Modeling Based on Recur rent Neural Network</a:t>
+                        <a:t>1D IIR Digital Filter Modelling Based on RNN</a:t>
                       </a:r>
                       <a:endParaRPr b="0" lang="en-IN" sz="1800" spc="-1" strike="noStrike">
                         <a:solidFill>
@@ -40874,15 +39989,6 @@
                           <a:spcPct val="100000"/>
                         </a:lnSpc>
                       </a:pPr>
-                      <a:r>
-                        <a:rPr b="0" lang="en-IN" sz="1800" spc="-1" strike="noStrike">
-                          <a:solidFill>
-                            <a:srgbClr val="2c3e50"/>
-                          </a:solidFill>
-                          <a:latin typeface="Noto Sans"/>
-                        </a:rPr>
-                        <a:t>Music classification task by CNN and variants of RNN</a:t>
-                      </a:r>
                       <a:endParaRPr b="0" lang="en-IN" sz="1800" spc="-1" strike="noStrike">
                         <a:solidFill>
                           <a:srgbClr val="000000"/>
@@ -41016,7 +40122,7 @@
       </p:grpSpPr>
       <p:sp>
         <p:nvSpPr>
-          <p:cNvPr id="379" name="PlaceHolder 1"/>
+          <p:cNvPr id="380" name="PlaceHolder 1"/>
           <p:cNvSpPr>
             <a:spLocks noGrp="1"/>
           </p:cNvSpPr>
@@ -41058,7 +40164,7 @@
                 </a:solidFill>
                 <a:latin typeface="Noto Sans"/>
               </a:rPr>
-              <a:t>Hypothesis Formulation</a:t>
+              <a:t>Methodology</a:t>
             </a:r>
             <a:endParaRPr b="0" lang="en-IN" sz="2700" spc="-1" strike="noStrike">
               <a:solidFill>
@@ -41071,21 +40177,85 @@
       </p:sp>
       <p:sp>
         <p:nvSpPr>
-          <p:cNvPr id="380" name=""/>
-          <p:cNvSpPr/>
-          <p:nvPr/>
+          <p:cNvPr id="381" name="PlaceHolder 2"/>
+          <p:cNvSpPr>
+            <a:spLocks noGrp="1"/>
+          </p:cNvSpPr>
+          <p:nvPr>
+            <p:ph/>
+          </p:nvPr>
         </p:nvSpPr>
         <p:spPr>
           <a:xfrm>
-            <a:off x="360000" y="1485000"/>
-            <a:ext cx="9359280" cy="3779280"/>
+            <a:off x="2520000" y="1485000"/>
+            <a:ext cx="5039280" cy="494280"/>
           </a:xfrm>
           <a:prstGeom prst="rect">
             <a:avLst/>
           </a:prstGeom>
           <a:noFill/>
-          <a:ln w="0">
-            <a:noFill/>
+          <a:ln w="76320">
+            <a:solidFill>
+              <a:srgbClr val="3465a4"/>
+            </a:solidFill>
+            <a:round/>
+          </a:ln>
+        </p:spPr>
+        <p:txBody>
+          <a:bodyPr lIns="37800" rIns="37800" tIns="37800" bIns="37800" anchor="t">
+            <a:normAutofit/>
+          </a:bodyPr>
+          <a:p>
+            <a:pPr indent="0" algn="ctr">
+              <a:lnSpc>
+                <a:spcPct val="100000"/>
+              </a:lnSpc>
+              <a:spcAft>
+                <a:spcPts val="1057"/>
+              </a:spcAft>
+              <a:buNone/>
+              <a:tabLst>
+                <a:tab algn="l" pos="0"/>
+              </a:tabLst>
+            </a:pPr>
+            <a:r>
+              <a:rPr b="1" lang="en-IN" sz="2400" spc="-1" strike="noStrike">
+                <a:solidFill>
+                  <a:srgbClr val="2c3e50"/>
+                </a:solidFill>
+                <a:latin typeface="Noto Sans"/>
+              </a:rPr>
+              <a:t>Calculation of Filter Coefficients</a:t>
+            </a:r>
+            <a:endParaRPr b="0" lang="en-IN" sz="2400" spc="-1" strike="noStrike">
+              <a:solidFill>
+                <a:srgbClr val="000000"/>
+              </a:solidFill>
+              <a:latin typeface="Arial"/>
+            </a:endParaRPr>
+          </a:p>
+        </p:txBody>
+      </p:sp>
+      <p:sp>
+        <p:nvSpPr>
+          <p:cNvPr id="382" name=""/>
+          <p:cNvSpPr/>
+          <p:nvPr/>
+        </p:nvSpPr>
+        <p:spPr>
+          <a:xfrm>
+            <a:off x="2520000" y="2565360"/>
+            <a:ext cx="5039280" cy="494280"/>
+          </a:xfrm>
+          <a:prstGeom prst="rect">
+            <a:avLst/>
+          </a:prstGeom>
+          <a:noFill/>
+          <a:ln w="76320">
+            <a:solidFill>
+              <a:srgbClr val="3465a4"/>
+            </a:solidFill>
+            <a:round/>
           </a:ln>
         </p:spPr>
         <p:style>
@@ -41095,8 +40265,188 @@
           <a:fontRef idx="minor"/>
         </p:style>
         <p:txBody>
-          <a:bodyPr lIns="0" rIns="0" tIns="0" bIns="0" anchor="t">
+          <a:bodyPr lIns="37800" rIns="37800" tIns="37800" bIns="37800" anchor="t">
             <a:normAutofit/>
+          </a:bodyPr>
+          <a:p>
+            <a:pPr algn="ctr">
+              <a:lnSpc>
+                <a:spcPct val="100000"/>
+              </a:lnSpc>
+              <a:spcAft>
+                <a:spcPts val="1057"/>
+              </a:spcAft>
+            </a:pPr>
+            <a:r>
+              <a:rPr b="1" lang="en-IN" sz="2400" spc="-1" strike="noStrike">
+                <a:solidFill>
+                  <a:srgbClr val="2c3e50"/>
+                </a:solidFill>
+                <a:latin typeface="Noto Sans"/>
+                <a:ea typeface="DejaVu Sans"/>
+              </a:rPr>
+              <a:t>Modelling RNN Digital Filter</a:t>
+            </a:r>
+            <a:endParaRPr b="0" lang="en-IN" sz="2400" spc="-1" strike="noStrike">
+              <a:solidFill>
+                <a:srgbClr val="000000"/>
+              </a:solidFill>
+              <a:latin typeface="Arial"/>
+            </a:endParaRPr>
+          </a:p>
+        </p:txBody>
+      </p:sp>
+      <p:sp>
+        <p:nvSpPr>
+          <p:cNvPr id="383" name=""/>
+          <p:cNvSpPr/>
+          <p:nvPr/>
+        </p:nvSpPr>
+        <p:spPr>
+          <a:xfrm>
+            <a:off x="2520000" y="3609720"/>
+            <a:ext cx="5039280" cy="494280"/>
+          </a:xfrm>
+          <a:prstGeom prst="rect">
+            <a:avLst/>
+          </a:prstGeom>
+          <a:noFill/>
+          <a:ln w="76320">
+            <a:solidFill>
+              <a:srgbClr val="3465a4"/>
+            </a:solidFill>
+            <a:round/>
+          </a:ln>
+        </p:spPr>
+        <p:style>
+          <a:lnRef idx="0"/>
+          <a:fillRef idx="0"/>
+          <a:effectRef idx="0"/>
+          <a:fontRef idx="minor"/>
+        </p:style>
+        <p:txBody>
+          <a:bodyPr lIns="37800" rIns="37800" tIns="37800" bIns="37800" anchor="t">
+            <a:normAutofit/>
+          </a:bodyPr>
+          <a:p>
+            <a:pPr algn="ctr">
+              <a:lnSpc>
+                <a:spcPct val="100000"/>
+              </a:lnSpc>
+              <a:spcAft>
+                <a:spcPts val="1057"/>
+              </a:spcAft>
+            </a:pPr>
+            <a:r>
+              <a:rPr b="1" lang="en-IN" sz="2400" spc="-1" strike="noStrike">
+                <a:solidFill>
+                  <a:srgbClr val="2c3e50"/>
+                </a:solidFill>
+                <a:latin typeface="Noto Sans"/>
+                <a:ea typeface="DejaVu Sans"/>
+              </a:rPr>
+              <a:t>Python Code</a:t>
+            </a:r>
+            <a:endParaRPr b="0" lang="en-IN" sz="2400" spc="-1" strike="noStrike">
+              <a:solidFill>
+                <a:srgbClr val="000000"/>
+              </a:solidFill>
+              <a:latin typeface="Arial"/>
+            </a:endParaRPr>
+          </a:p>
+        </p:txBody>
+      </p:sp>
+      <p:sp>
+        <p:nvSpPr>
+          <p:cNvPr id="384" name=""/>
+          <p:cNvSpPr/>
+          <p:nvPr/>
+        </p:nvSpPr>
+        <p:spPr>
+          <a:xfrm>
+            <a:off x="2520000" y="4690080"/>
+            <a:ext cx="5039280" cy="494280"/>
+          </a:xfrm>
+          <a:prstGeom prst="rect">
+            <a:avLst/>
+          </a:prstGeom>
+          <a:noFill/>
+          <a:ln w="76320">
+            <a:solidFill>
+              <a:srgbClr val="3465a4"/>
+            </a:solidFill>
+            <a:round/>
+          </a:ln>
+        </p:spPr>
+        <p:style>
+          <a:lnRef idx="0"/>
+          <a:fillRef idx="0"/>
+          <a:effectRef idx="0"/>
+          <a:fontRef idx="minor"/>
+        </p:style>
+        <p:txBody>
+          <a:bodyPr lIns="37800" rIns="37800" tIns="37800" bIns="37800" anchor="t">
+            <a:normAutofit/>
+          </a:bodyPr>
+          <a:p>
+            <a:pPr algn="ctr">
+              <a:lnSpc>
+                <a:spcPct val="100000"/>
+              </a:lnSpc>
+              <a:spcAft>
+                <a:spcPts val="1057"/>
+              </a:spcAft>
+            </a:pPr>
+            <a:r>
+              <a:rPr b="1" lang="en-IN" sz="2400" spc="-1" strike="noStrike">
+                <a:solidFill>
+                  <a:srgbClr val="2c3e50"/>
+                </a:solidFill>
+                <a:latin typeface="Noto Sans"/>
+                <a:ea typeface="DejaVu Sans"/>
+              </a:rPr>
+              <a:t>Latency Testing</a:t>
+            </a:r>
+            <a:endParaRPr b="0" lang="en-IN" sz="2400" spc="-1" strike="noStrike">
+              <a:solidFill>
+                <a:srgbClr val="000000"/>
+              </a:solidFill>
+              <a:latin typeface="Arial"/>
+            </a:endParaRPr>
+          </a:p>
+        </p:txBody>
+      </p:sp>
+      <p:sp>
+        <p:nvSpPr>
+          <p:cNvPr id="385" name=""/>
+          <p:cNvSpPr/>
+          <p:nvPr/>
+        </p:nvSpPr>
+        <p:spPr>
+          <a:xfrm>
+            <a:off x="5040000" y="2016000"/>
+            <a:ext cx="360" cy="585360"/>
+          </a:xfrm>
+          <a:prstGeom prst="line">
+            <a:avLst/>
+          </a:prstGeom>
+          <a:ln w="76320">
+            <a:solidFill>
+              <a:srgbClr val="355269"/>
+            </a:solidFill>
+            <a:round/>
+            <a:tailEnd len="med" type="triangle" w="med"/>
+          </a:ln>
+        </p:spPr>
+        <p:style>
+          <a:lnRef idx="0"/>
+          <a:fillRef idx="0"/>
+          <a:effectRef idx="0"/>
+          <a:fontRef idx="minor"/>
+        </p:style>
+        <p:txBody>
+          <a:bodyPr lIns="90000" rIns="90000" tIns="45000" bIns="45000" anchor="t" anchorCtr="1">
+            <a:noAutofit/>
           </a:bodyPr>
           <a:p>
             <a:pPr>
@@ -41104,21 +40454,108 @@
                 <a:spcPct val="100000"/>
               </a:lnSpc>
             </a:pPr>
-            <a:r>
-              <a:rPr b="1" lang="en-IN" sz="2400" spc="-1" strike="noStrike">
-                <a:solidFill>
-                  <a:srgbClr val="2c3e50"/>
-                </a:solidFill>
-                <a:latin typeface="Noto Sans"/>
-                <a:ea typeface="DejaVu Sans"/>
-              </a:rPr>
-              <a:t>Better performance of a digital filter can be achieved in terms of latency using RNN with filter coefficients. Incorporating RNNs into digital filter design will enhance adaptability and performance, particularly in handling non-stationary signals and complex patterns.</a:t>
-            </a:r>
-            <a:endParaRPr b="0" lang="en-IN" sz="2400" spc="-1" strike="noStrike">
-              <a:solidFill>
-                <a:srgbClr val="000000"/>
-              </a:solidFill>
-              <a:latin typeface="Arial"/>
+            <a:endParaRPr b="0" lang="en-IN" sz="1800" spc="-1" strike="noStrike">
+              <a:solidFill>
+                <a:srgbClr val="000000"/>
+              </a:solidFill>
+              <a:latin typeface="Arial"/>
+              <a:ea typeface="DejaVu Sans"/>
+            </a:endParaRPr>
+          </a:p>
+        </p:txBody>
+      </p:sp>
+      <p:sp>
+        <p:nvSpPr>
+          <p:cNvPr id="386" name=""/>
+          <p:cNvSpPr/>
+          <p:nvPr/>
+        </p:nvSpPr>
+        <p:spPr>
+          <a:xfrm>
+            <a:off x="5040000" y="3040920"/>
+            <a:ext cx="360" cy="585360"/>
+          </a:xfrm>
+          <a:prstGeom prst="line">
+            <a:avLst/>
+          </a:prstGeom>
+          <a:ln w="76320">
+            <a:solidFill>
+              <a:srgbClr val="355269"/>
+            </a:solidFill>
+            <a:round/>
+            <a:tailEnd len="med" type="triangle" w="med"/>
+          </a:ln>
+        </p:spPr>
+        <p:style>
+          <a:lnRef idx="0"/>
+          <a:fillRef idx="0"/>
+          <a:effectRef idx="0"/>
+          <a:fontRef idx="minor"/>
+        </p:style>
+        <p:txBody>
+          <a:bodyPr lIns="90000" rIns="90000" tIns="45000" bIns="45000" anchor="t" anchorCtr="1">
+            <a:noAutofit/>
+          </a:bodyPr>
+          <a:p>
+            <a:pPr>
+              <a:lnSpc>
+                <a:spcPct val="100000"/>
+              </a:lnSpc>
+            </a:pPr>
+            <a:endParaRPr b="0" lang="en-IN" sz="1800" spc="-1" strike="noStrike">
+              <a:solidFill>
+                <a:srgbClr val="000000"/>
+              </a:solidFill>
+              <a:latin typeface="Arial"/>
+              <a:ea typeface="DejaVu Sans"/>
+            </a:endParaRPr>
+          </a:p>
+        </p:txBody>
+      </p:sp>
+      <p:sp>
+        <p:nvSpPr>
+          <p:cNvPr id="387" name=""/>
+          <p:cNvSpPr/>
+          <p:nvPr/>
+        </p:nvSpPr>
+        <p:spPr>
+          <a:xfrm>
+            <a:off x="5040000" y="4137840"/>
+            <a:ext cx="360" cy="585360"/>
+          </a:xfrm>
+          <a:prstGeom prst="line">
+            <a:avLst/>
+          </a:prstGeom>
+          <a:ln w="76320">
+            <a:solidFill>
+              <a:srgbClr val="355269"/>
+            </a:solidFill>
+            <a:round/>
+            <a:tailEnd len="med" type="triangle" w="med"/>
+          </a:ln>
+        </p:spPr>
+        <p:style>
+          <a:lnRef idx="0"/>
+          <a:fillRef idx="0"/>
+          <a:effectRef idx="0"/>
+          <a:fontRef idx="minor"/>
+        </p:style>
+        <p:txBody>
+          <a:bodyPr lIns="90000" rIns="90000" tIns="45000" bIns="45000" anchor="t" anchorCtr="1">
+            <a:noAutofit/>
+          </a:bodyPr>
+          <a:p>
+            <a:pPr>
+              <a:lnSpc>
+                <a:spcPct val="100000"/>
+              </a:lnSpc>
+            </a:pPr>
+            <a:endParaRPr b="0" lang="en-IN" sz="1800" spc="-1" strike="noStrike">
+              <a:solidFill>
+                <a:srgbClr val="000000"/>
+              </a:solidFill>
+              <a:latin typeface="Arial"/>
+              <a:ea typeface="DejaVu Sans"/>
             </a:endParaRPr>
           </a:p>
         </p:txBody>
@@ -41133,6 +40570,353 @@
       <p:transition spd="slow"/>
     </mc:Fallback>
   </mc:AlternateContent>
+  <p:timing>
+    <p:tnLst>
+      <p:par>
+        <p:cTn id="33" dur="indefinite" restart="never" nodeType="tmRoot">
+          <p:childTnLst>
+            <p:seq>
+              <p:cTn id="34" dur="indefinite" nodeType="mainSeq">
+                <p:childTnLst>
+                  <p:par>
+                    <p:cTn id="35" fill="hold">
+                      <p:stCondLst>
+                        <p:cond delay="indefinite"/>
+                      </p:stCondLst>
+                      <p:childTnLst>
+                        <p:par>
+                          <p:cTn id="36" fill="hold">
+                            <p:stCondLst>
+                              <p:cond delay="0"/>
+                            </p:stCondLst>
+                            <p:childTnLst>
+                              <p:par>
+                                <p:cTn id="37" nodeType="clickEffect" fill="hold" presetClass="entr" presetID="14" presetSubtype="10">
+                                  <p:stCondLst>
+                                    <p:cond delay="0"/>
+                                  </p:stCondLst>
+                                  <p:childTnLst>
+                                    <p:set>
+                                      <p:cBhvr>
+                                        <p:cTn id="38" dur="1" fill="hold">
+                                          <p:stCondLst>
+                                            <p:cond delay="0"/>
+                                          </p:stCondLst>
+                                        </p:cTn>
+                                        <p:tgtEl>
+                                          <p:spTgt spid="381"/>
+                                        </p:tgtEl>
+                                        <p:attrNameLst>
+                                          <p:attrName>style.visibility</p:attrName>
+                                        </p:attrNameLst>
+                                      </p:cBhvr>
+                                      <p:to>
+                                        <p:strVal val="visible"/>
+                                      </p:to>
+                                    </p:set>
+                                    <p:animEffect filter="randombar(horizontal)" transition="in">
+                                      <p:cBhvr additive="repl">
+                                        <p:cTn id="39" dur="500"/>
+                                        <p:tgtEl>
+                                          <p:spTgt spid="381"/>
+                                        </p:tgtEl>
+                                      </p:cBhvr>
+                                    </p:animEffect>
+                                  </p:childTnLst>
+                                </p:cTn>
+                              </p:par>
+                            </p:childTnLst>
+                          </p:cTn>
+                        </p:par>
+                      </p:childTnLst>
+                    </p:cTn>
+                  </p:par>
+                  <p:par>
+                    <p:cTn id="40" fill="hold">
+                      <p:stCondLst>
+                        <p:cond delay="indefinite"/>
+                      </p:stCondLst>
+                      <p:childTnLst>
+                        <p:par>
+                          <p:cTn id="41" fill="hold">
+                            <p:stCondLst>
+                              <p:cond delay="0"/>
+                            </p:stCondLst>
+                            <p:childTnLst>
+                              <p:par>
+                                <p:cTn id="42" nodeType="clickEffect" fill="hold" presetClass="entr" presetID="14" presetSubtype="10">
+                                  <p:stCondLst>
+                                    <p:cond delay="0"/>
+                                  </p:stCondLst>
+                                  <p:childTnLst>
+                                    <p:set>
+                                      <p:cBhvr>
+                                        <p:cTn id="43" dur="1" fill="hold">
+                                          <p:stCondLst>
+                                            <p:cond delay="0"/>
+                                          </p:stCondLst>
+                                        </p:cTn>
+                                        <p:tgtEl>
+                                          <p:spTgt spid="385"/>
+                                        </p:tgtEl>
+                                        <p:attrNameLst>
+                                          <p:attrName>style.visibility</p:attrName>
+                                        </p:attrNameLst>
+                                      </p:cBhvr>
+                                      <p:to>
+                                        <p:strVal val="visible"/>
+                                      </p:to>
+                                    </p:set>
+                                    <p:animEffect filter="randombar(horizontal)" transition="in">
+                                      <p:cBhvr additive="repl">
+                                        <p:cTn id="44" dur="500"/>
+                                        <p:tgtEl>
+                                          <p:spTgt spid="385"/>
+                                        </p:tgtEl>
+                                      </p:cBhvr>
+                                    </p:animEffect>
+                                  </p:childTnLst>
+                                </p:cTn>
+                              </p:par>
+                              <p:par>
+                                <p:cTn id="45" nodeType="withEffect" fill="hold" presetClass="entr" presetID="14" presetSubtype="10">
+                                  <p:stCondLst>
+                                    <p:cond delay="0"/>
+                                  </p:stCondLst>
+                                  <p:childTnLst>
+                                    <p:set>
+                                      <p:cBhvr>
+                                        <p:cTn id="46" dur="1" fill="hold">
+                                          <p:stCondLst>
+                                            <p:cond delay="0"/>
+                                          </p:stCondLst>
+                                        </p:cTn>
+                                        <p:tgtEl>
+                                          <p:spTgt spid="382"/>
+                                        </p:tgtEl>
+                                        <p:attrNameLst>
+                                          <p:attrName>style.visibility</p:attrName>
+                                        </p:attrNameLst>
+                                      </p:cBhvr>
+                                      <p:to>
+                                        <p:strVal val="visible"/>
+                                      </p:to>
+                                    </p:set>
+                                    <p:animEffect filter="randombar(horizontal)" transition="in">
+                                      <p:cBhvr additive="repl">
+                                        <p:cTn id="47" dur="500"/>
+                                        <p:tgtEl>
+                                          <p:spTgt spid="382"/>
+                                        </p:tgtEl>
+                                      </p:cBhvr>
+                                    </p:animEffect>
+                                  </p:childTnLst>
+                                </p:cTn>
+                              </p:par>
+                            </p:childTnLst>
+                          </p:cTn>
+                        </p:par>
+                      </p:childTnLst>
+                    </p:cTn>
+                  </p:par>
+                  <p:par>
+                    <p:cTn id="48" fill="hold">
+                      <p:stCondLst>
+                        <p:cond delay="indefinite"/>
+                      </p:stCondLst>
+                      <p:childTnLst>
+                        <p:par>
+                          <p:cTn id="49" fill="hold">
+                            <p:stCondLst>
+                              <p:cond delay="0"/>
+                            </p:stCondLst>
+                            <p:childTnLst>
+                              <p:par>
+                                <p:cTn id="50" nodeType="clickEffect" fill="hold" presetClass="entr" presetID="14" presetSubtype="10">
+                                  <p:stCondLst>
+                                    <p:cond delay="0"/>
+                                  </p:stCondLst>
+                                  <p:childTnLst>
+                                    <p:set>
+                                      <p:cBhvr>
+                                        <p:cTn id="51" dur="1" fill="hold">
+                                          <p:stCondLst>
+                                            <p:cond delay="0"/>
+                                          </p:stCondLst>
+                                        </p:cTn>
+                                        <p:tgtEl>
+                                          <p:spTgt spid="386"/>
+                                        </p:tgtEl>
+                                        <p:attrNameLst>
+                                          <p:attrName>style.visibility</p:attrName>
+                                        </p:attrNameLst>
+                                      </p:cBhvr>
+                                      <p:to>
+                                        <p:strVal val="visible"/>
+                                      </p:to>
+                                    </p:set>
+                                    <p:animEffect filter="randombar(horizontal)" transition="in">
+                                      <p:cBhvr additive="repl">
+                                        <p:cTn id="52" dur="500"/>
+                                        <p:tgtEl>
+                                          <p:spTgt spid="386"/>
+                                        </p:tgtEl>
+                                      </p:cBhvr>
+                                    </p:animEffect>
+                                  </p:childTnLst>
+                                </p:cTn>
+                              </p:par>
+                              <p:par>
+                                <p:cTn id="53" nodeType="withEffect" fill="hold" presetClass="entr" presetID="14" presetSubtype="10">
+                                  <p:stCondLst>
+                                    <p:cond delay="0"/>
+                                  </p:stCondLst>
+                                  <p:childTnLst>
+                                    <p:set>
+                                      <p:cBhvr>
+                                        <p:cTn id="54" dur="1" fill="hold">
+                                          <p:stCondLst>
+                                            <p:cond delay="0"/>
+                                          </p:stCondLst>
+                                        </p:cTn>
+                                        <p:tgtEl>
+                                          <p:spTgt spid="383"/>
+                                        </p:tgtEl>
+                                        <p:attrNameLst>
+                                          <p:attrName>style.visibility</p:attrName>
+                                        </p:attrNameLst>
+                                      </p:cBhvr>
+                                      <p:to>
+                                        <p:strVal val="visible"/>
+                                      </p:to>
+                                    </p:set>
+                                    <p:animEffect filter="randombar(horizontal)" transition="in">
+                                      <p:cBhvr additive="repl">
+                                        <p:cTn id="55" dur="500"/>
+                                        <p:tgtEl>
+                                          <p:spTgt spid="383"/>
+                                        </p:tgtEl>
+                                      </p:cBhvr>
+                                    </p:animEffect>
+                                  </p:childTnLst>
+                                </p:cTn>
+                              </p:par>
+                            </p:childTnLst>
+                          </p:cTn>
+                        </p:par>
+                      </p:childTnLst>
+                    </p:cTn>
+                  </p:par>
+                  <p:par>
+                    <p:cTn id="56" fill="hold">
+                      <p:stCondLst>
+                        <p:cond delay="indefinite"/>
+                      </p:stCondLst>
+                      <p:childTnLst>
+                        <p:par>
+                          <p:cTn id="57" fill="hold">
+                            <p:stCondLst>
+                              <p:cond delay="0"/>
+                            </p:stCondLst>
+                            <p:childTnLst>
+                              <p:par>
+                                <p:cTn id="58" nodeType="clickEffect" fill="hold" presetClass="entr" presetID="14" presetSubtype="10">
+                                  <p:stCondLst>
+                                    <p:cond delay="0"/>
+                                  </p:stCondLst>
+                                  <p:childTnLst>
+                                    <p:set>
+                                      <p:cBhvr>
+                                        <p:cTn id="59" dur="1" fill="hold">
+                                          <p:stCondLst>
+                                            <p:cond delay="0"/>
+                                          </p:stCondLst>
+                                        </p:cTn>
+                                        <p:tgtEl>
+                                          <p:spTgt spid="387"/>
+                                        </p:tgtEl>
+                                        <p:attrNameLst>
+                                          <p:attrName>style.visibility</p:attrName>
+                                        </p:attrNameLst>
+                                      </p:cBhvr>
+                                      <p:to>
+                                        <p:strVal val="visible"/>
+                                      </p:to>
+                                    </p:set>
+                                    <p:animEffect filter="randombar(horizontal)" transition="in">
+                                      <p:cBhvr additive="repl">
+                                        <p:cTn id="60" dur="500"/>
+                                        <p:tgtEl>
+                                          <p:spTgt spid="387"/>
+                                        </p:tgtEl>
+                                      </p:cBhvr>
+                                    </p:animEffect>
+                                  </p:childTnLst>
+                                </p:cTn>
+                              </p:par>
+                              <p:par>
+                                <p:cTn id="61" nodeType="withEffect" fill="hold" presetClass="entr" presetID="14" presetSubtype="10">
+                                  <p:stCondLst>
+                                    <p:cond delay="0"/>
+                                  </p:stCondLst>
+                                  <p:childTnLst>
+                                    <p:set>
+                                      <p:cBhvr>
+                                        <p:cTn id="62" dur="1" fill="hold">
+                                          <p:stCondLst>
+                                            <p:cond delay="0"/>
+                                          </p:stCondLst>
+                                        </p:cTn>
+                                        <p:tgtEl>
+                                          <p:spTgt spid="384"/>
+                                        </p:tgtEl>
+                                        <p:attrNameLst>
+                                          <p:attrName>style.visibility</p:attrName>
+                                        </p:attrNameLst>
+                                      </p:cBhvr>
+                                      <p:to>
+                                        <p:strVal val="visible"/>
+                                      </p:to>
+                                    </p:set>
+                                    <p:animEffect filter="randombar(horizontal)" transition="in">
+                                      <p:cBhvr additive="repl">
+                                        <p:cTn id="63" dur="500"/>
+                                        <p:tgtEl>
+                                          <p:spTgt spid="384"/>
+                                        </p:tgtEl>
+                                      </p:cBhvr>
+                                    </p:animEffect>
+                                  </p:childTnLst>
+                                </p:cTn>
+                              </p:par>
+                            </p:childTnLst>
+                          </p:cTn>
+                        </p:par>
+                      </p:childTnLst>
+                    </p:cTn>
+                  </p:par>
+                </p:childTnLst>
+              </p:cTn>
+              <p:prevCondLst>
+                <p:cond evt="onPrev">
+                  <p:tgtEl>
+                    <p:sldTgt/>
+                  </p:tgtEl>
+                </p:cond>
+              </p:prevCondLst>
+              <p:nextCondLst>
+                <p:cond evt="onNext">
+                  <p:tgtEl>
+                    <p:sldTgt/>
+                  </p:tgtEl>
+                </p:cond>
+              </p:nextCondLst>
+            </p:seq>
+          </p:childTnLst>
+        </p:cTn>
+      </p:par>
+    </p:tnLst>
+  </p:timing>
 </p:sld>
 </file>
 

--- a/A Low Latency Digital Filter using Recurrent Neural Network/PPT/Presentation.pptx
+++ b/A Low Latency Digital Filter using Recurrent Neural Network/PPT/Presentation.pptx
@@ -1043,7 +1043,7 @@
         <p:txBody>
           <a:bodyPr/>
           <a:p>
-            <a:fld id="{ECCC2E60-D8B7-4698-B1CB-1D0A45EEEEFA}" type="slidenum">
+            <a:fld id="{95270C03-CA92-4402-B067-FE833945B527}" type="slidenum">
               <a:t>&lt;#&gt;</a:t>
             </a:fld>
           </a:p>
@@ -1252,7 +1252,7 @@
         <p:txBody>
           <a:bodyPr/>
           <a:p>
-            <a:fld id="{7A58C7C3-E59A-40C8-A580-EA7A8FFA4F03}" type="slidenum">
+            <a:fld id="{E34D0785-06C9-4554-B965-EAB4A044BEDC}" type="slidenum">
               <a:t>&lt;#&gt;</a:t>
             </a:fld>
           </a:p>
@@ -1547,7 +1547,7 @@
         <p:txBody>
           <a:bodyPr/>
           <a:p>
-            <a:fld id="{21219B56-1541-46E9-B35A-4DD8EFC5CB12}" type="slidenum">
+            <a:fld id="{586B5676-D904-409E-BE75-F261B9B09B06}" type="slidenum">
               <a:t>&lt;#&gt;</a:t>
             </a:fld>
           </a:p>
@@ -1630,7 +1630,7 @@
         <p:txBody>
           <a:bodyPr/>
           <a:p>
-            <a:fld id="{4CBEECB7-AF12-47DF-94E4-90130A666A31}" type="slidenum">
+            <a:fld id="{D24EC227-33A3-4AB0-84E4-A09BCFCA3905}" type="slidenum">
               <a:t>&lt;#&gt;</a:t>
             </a:fld>
           </a:p>
@@ -1713,7 +1713,7 @@
         <p:txBody>
           <a:bodyPr/>
           <a:p>
-            <a:fld id="{0EEA1002-4F73-463D-8476-E12080C0F72C}" type="slidenum">
+            <a:fld id="{60543CB9-069D-40FF-852C-1221027E6504}" type="slidenum">
               <a:t>&lt;#&gt;</a:t>
             </a:fld>
           </a:p>
@@ -1879,7 +1879,7 @@
         <p:txBody>
           <a:bodyPr/>
           <a:p>
-            <a:fld id="{D97B7F2D-C7D8-4146-8624-DA34EF2B82D7}" type="slidenum">
+            <a:fld id="{7DE0A3AE-E4C1-4BBA-B57C-A5C640BF9EDA}" type="slidenum">
               <a:t>&lt;#&gt;</a:t>
             </a:fld>
           </a:p>
@@ -2045,7 +2045,7 @@
         <p:txBody>
           <a:bodyPr/>
           <a:p>
-            <a:fld id="{5FBE0D55-238F-4590-8D79-C401C27086F6}" type="slidenum">
+            <a:fld id="{93F361C0-7E4F-4631-B692-202D8C22280E}" type="slidenum">
               <a:t>&lt;#&gt;</a:t>
             </a:fld>
           </a:p>
@@ -2443,7 +2443,7 @@
         <p:txBody>
           <a:bodyPr/>
           <a:p>
-            <a:fld id="{000F8993-C889-409E-BAAF-FF6C48FD493D}" type="slidenum">
+            <a:fld id="{5BEA1441-05DD-42DB-AA2C-CDFAED2FF114}" type="slidenum">
               <a:t>&lt;#&gt;</a:t>
             </a:fld>
           </a:p>
@@ -2566,7 +2566,7 @@
         <p:txBody>
           <a:bodyPr/>
           <a:p>
-            <a:fld id="{36AD2E63-4BFE-43BC-AED8-1382DDFFB53F}" type="slidenum">
+            <a:fld id="{CE7D72CE-6721-4D5E-97AD-F588DD273627}" type="slidenum">
               <a:t>&lt;#&gt;</a:t>
             </a:fld>
           </a:p>
@@ -2649,7 +2649,7 @@
         <p:txBody>
           <a:bodyPr/>
           <a:p>
-            <a:fld id="{BBF34A99-41F9-4608-A973-64AA780301E7}" type="slidenum">
+            <a:fld id="{A3AE8404-1D19-4E72-B26E-61245D75D4A9}" type="slidenum">
               <a:t>&lt;#&gt;</a:t>
             </a:fld>
           </a:p>
@@ -2901,7 +2901,7 @@
         <p:txBody>
           <a:bodyPr/>
           <a:p>
-            <a:fld id="{3D3FF804-AED6-408A-A1C5-BFD95BCCE30E}" type="slidenum">
+            <a:fld id="{D514EBEF-4584-4856-A91D-D03E7914B179}" type="slidenum">
               <a:t>&lt;#&gt;</a:t>
             </a:fld>
           </a:p>
@@ -3153,7 +3153,7 @@
         <p:txBody>
           <a:bodyPr/>
           <a:p>
-            <a:fld id="{D109D10D-A584-4234-A3C9-6B626575C1E3}" type="slidenum">
+            <a:fld id="{B3A603A3-19F4-4AC3-BB75-2A62A1603228}" type="slidenum">
               <a:t>&lt;#&gt;</a:t>
             </a:fld>
           </a:p>
@@ -3405,7 +3405,7 @@
         <p:txBody>
           <a:bodyPr/>
           <a:p>
-            <a:fld id="{965E1194-350B-479D-8FA6-7232B268B96C}" type="slidenum">
+            <a:fld id="{3F22A1F1-26D7-4D57-946B-065E69352E32}" type="slidenum">
               <a:t>&lt;#&gt;</a:t>
             </a:fld>
           </a:p>
@@ -3614,7 +3614,7 @@
         <p:txBody>
           <a:bodyPr/>
           <a:p>
-            <a:fld id="{5F970E87-350B-40CB-AECB-E7BB7CA475C7}" type="slidenum">
+            <a:fld id="{B1AF3A21-9574-4BCC-8825-43800596144C}" type="slidenum">
               <a:t>&lt;#&gt;</a:t>
             </a:fld>
           </a:p>
@@ -3909,7 +3909,7 @@
         <p:txBody>
           <a:bodyPr/>
           <a:p>
-            <a:fld id="{4D734F9D-81C7-4F01-A926-C73E5C7A3E01}" type="slidenum">
+            <a:fld id="{BBDB1F11-0862-40A2-9FF2-D32C4AA39DC3}" type="slidenum">
               <a:t>&lt;#&gt;</a:t>
             </a:fld>
           </a:p>
@@ -3992,7 +3992,7 @@
         <p:txBody>
           <a:bodyPr/>
           <a:p>
-            <a:fld id="{F9F9931E-8ADA-44B7-8ACC-5409E9F64D76}" type="slidenum">
+            <a:fld id="{1994C7F7-4224-4EE4-A2FC-161A2A87A985}" type="slidenum">
               <a:t>&lt;#&gt;</a:t>
             </a:fld>
           </a:p>
@@ -4075,7 +4075,7 @@
         <p:txBody>
           <a:bodyPr/>
           <a:p>
-            <a:fld id="{BB6B2E32-FC29-466B-ACDD-2ADB85F71901}" type="slidenum">
+            <a:fld id="{35AB0730-2C9F-439A-A8CA-AD766AA5A9B5}" type="slidenum">
               <a:t>&lt;#&gt;</a:t>
             </a:fld>
           </a:p>
@@ -4516,7 +4516,7 @@
         <p:txBody>
           <a:bodyPr/>
           <a:p>
-            <a:fld id="{BE7EBBBC-AAA2-4658-BE58-CBE5676E23AD}" type="slidenum">
+            <a:fld id="{D8050EEE-C5A9-465C-8AD6-BFACA839DBF2}" type="slidenum">
               <a:t>&lt;#&gt;</a:t>
             </a:fld>
           </a:p>
@@ -4682,7 +4682,7 @@
         <p:txBody>
           <a:bodyPr/>
           <a:p>
-            <a:fld id="{68B294A4-872F-4604-86CE-2FEE852B71E0}" type="slidenum">
+            <a:fld id="{F63F0F79-681B-4113-9B4E-AB0D8419B997}" type="slidenum">
               <a:t>&lt;#&gt;</a:t>
             </a:fld>
           </a:p>
@@ -4891,7 +4891,7 @@
         <p:txBody>
           <a:bodyPr/>
           <a:p>
-            <a:fld id="{498DAA85-A141-4E72-B41B-C9F80C2AA6FF}" type="slidenum">
+            <a:fld id="{780B2B28-3BE4-41D4-A2DF-DB6762800F3F}" type="slidenum">
               <a:t>&lt;#&gt;</a:t>
             </a:fld>
           </a:p>
@@ -5014,7 +5014,7 @@
         <p:txBody>
           <a:bodyPr/>
           <a:p>
-            <a:fld id="{BE73B73C-6E0B-4C0E-8A27-912D839BD10E}" type="slidenum">
+            <a:fld id="{B0274D16-6AB2-43FB-ACF6-D3B7FC6C25D8}" type="slidenum">
               <a:t>&lt;#&gt;</a:t>
             </a:fld>
           </a:p>
@@ -5097,7 +5097,7 @@
         <p:txBody>
           <a:bodyPr/>
           <a:p>
-            <a:fld id="{8CA68496-41B9-43E9-9AE6-6621CE4EC21B}" type="slidenum">
+            <a:fld id="{36ACF40A-A777-4004-9917-50FF8460C828}" type="slidenum">
               <a:t>&lt;#&gt;</a:t>
             </a:fld>
           </a:p>
@@ -5349,7 +5349,7 @@
         <p:txBody>
           <a:bodyPr/>
           <a:p>
-            <a:fld id="{E06EABCC-23E6-4DF8-A837-D92546007EFB}" type="slidenum">
+            <a:fld id="{C66DF84A-DF59-458B-ACBB-6DA6B2DDE69C}" type="slidenum">
               <a:t>&lt;#&gt;</a:t>
             </a:fld>
           </a:p>
@@ -5601,7 +5601,7 @@
         <p:txBody>
           <a:bodyPr/>
           <a:p>
-            <a:fld id="{6FC32BBE-0F76-4150-B2B5-511C56C48821}" type="slidenum">
+            <a:fld id="{03C8B352-A96B-48D8-AEA2-6908C3866A41}" type="slidenum">
               <a:t>&lt;#&gt;</a:t>
             </a:fld>
           </a:p>
@@ -6539,7 +6539,7 @@
                 <a:spcPct val="100000"/>
               </a:lnSpc>
             </a:pPr>
-            <a:fld id="{60A613C5-97DF-46CC-B654-F202D4248B0B}" type="slidenum">
+            <a:fld id="{6EAF64B2-EA43-4315-A8C4-BFBD8C098E70}" type="slidenum">
               <a:rPr b="1" lang="en-IN" sz="1800" spc="-1" strike="noStrike">
                 <a:solidFill>
                   <a:srgbClr val="ffffff"/>
@@ -6547,7 +6547,7 @@
                 <a:latin typeface="Noto Sans"/>
                 <a:ea typeface="DejaVu Sans"/>
               </a:rPr>
-              <a:t>&lt;number&gt;</a:t>
+              <a:t>10</a:t>
             </a:fld>
             <a:endParaRPr b="0" lang="en-IN" sz="1800" spc="-1" strike="noStrike">
               <a:solidFill>
@@ -7619,7 +7619,7 @@
                 <a:spcPct val="100000"/>
               </a:lnSpc>
             </a:pPr>
-            <a:fld id="{E248B8DE-E47E-4FFF-A3AD-9BEFAF611492}" type="slidenum">
+            <a:fld id="{29F62C21-3BDD-4D95-9FB4-68AF959213A0}" type="slidenum">
               <a:rPr b="1" lang="en-IN" sz="1800" spc="-1" strike="noStrike">
                 <a:solidFill>
                   <a:srgbClr val="ffffff"/>
@@ -7975,7 +7975,7 @@
                 <a:spcPct val="100000"/>
               </a:lnSpc>
             </a:pPr>
-            <a:fld id="{084463DC-5522-4089-9123-0338B4C6C1BA}" type="slidenum">
+            <a:fld id="{7ABE300A-1F1D-45CF-AE51-6C2FAFD07F61}" type="slidenum">
               <a:rPr b="1" lang="en-IN" sz="1800" spc="-1" strike="noStrike">
                 <a:solidFill>
                   <a:srgbClr val="ffffff"/>
@@ -9055,7 +9055,7 @@
                 <a:spcPct val="100000"/>
               </a:lnSpc>
             </a:pPr>
-            <a:fld id="{527BA04C-A945-4D1D-ABD9-5A8AB07C9FD9}" type="slidenum">
+            <a:fld id="{E7EFE8CE-9F86-4504-BA92-E587EEF29373}" type="slidenum">
               <a:rPr b="1" lang="en-IN" sz="1800" spc="-1" strike="noStrike">
                 <a:solidFill>
                   <a:srgbClr val="ffffff"/>
@@ -10903,7 +10903,7 @@
                 <a:tab algn="l" pos="0"/>
               </a:tabLst>
             </a:pPr>
-            <a:fld id="{7CBA6ED9-E97E-4131-A5DA-85D487CDD9E5}" type="slidenum">
+            <a:fld id="{E9C883AD-E599-4070-9DE1-B0256A3B644E}" type="slidenum">
               <a:rPr b="1" lang="en-IN" sz="1800" spc="-1" strike="noStrike">
                 <a:solidFill>
                   <a:srgbClr val="ffffff"/>
@@ -11729,7 +11729,7 @@
                 <a:tab algn="l" pos="0"/>
               </a:tabLst>
             </a:pPr>
-            <a:fld id="{447158E9-2927-4065-887B-FB1DBAD75DAD}" type="slidenum">
+            <a:fld id="{D26DB40A-EB18-4290-859C-B72BD4416C1F}" type="slidenum">
               <a:rPr b="1" lang="en-IN" sz="1800" spc="-1" strike="noStrike">
                 <a:solidFill>
                   <a:srgbClr val="ffffff"/>
@@ -13005,7 +13005,7 @@
                 <a:tab algn="l" pos="0"/>
               </a:tabLst>
             </a:pPr>
-            <a:fld id="{5C951CC7-6F5B-4268-A72D-AA7262452FEF}" type="slidenum">
+            <a:fld id="{A68C35CF-9925-424B-ADF0-D18D39D54283}" type="slidenum">
               <a:rPr b="1" lang="en-IN" sz="1800" spc="-1" strike="noStrike">
                 <a:solidFill>
                   <a:srgbClr val="ffffff"/>
@@ -13332,7 +13332,7 @@
                 <a:tab algn="l" pos="0"/>
               </a:tabLst>
             </a:pPr>
-            <a:fld id="{B02F738C-4835-4C34-B91D-C099ED36E98F}" type="slidenum">
+            <a:fld id="{133CBBB3-7A34-436B-A644-CA7BF45F1E01}" type="slidenum">
               <a:rPr b="1" lang="en-IN" sz="1800" spc="-1" strike="noStrike">
                 <a:solidFill>
                   <a:srgbClr val="ffffff"/>
@@ -13659,7 +13659,7 @@
                 <a:tab algn="l" pos="0"/>
               </a:tabLst>
             </a:pPr>
-            <a:fld id="{15510340-BDA5-4EB2-ACE9-9F12A4371ACE}" type="slidenum">
+            <a:fld id="{3F7F1CB5-A276-4A38-B024-075F81FB034D}" type="slidenum">
               <a:rPr b="1" lang="en-IN" sz="1800" spc="-1" strike="noStrike">
                 <a:solidFill>
                   <a:srgbClr val="ffffff"/>
@@ -14260,7 +14260,7 @@
                 <a:tab algn="l" pos="0"/>
               </a:tabLst>
             </a:pPr>
-            <a:fld id="{171F66D9-9E94-4D11-9F8E-7CCABE9BA747}" type="slidenum">
+            <a:fld id="{DB5724DD-C1E7-4D70-B69E-F15947B7E72B}" type="slidenum">
               <a:rPr b="1" lang="en-IN" sz="1800" spc="-1" strike="noStrike">
                 <a:solidFill>
                   <a:srgbClr val="ffffff"/>
@@ -14861,7 +14861,7 @@
                 <a:tab algn="l" pos="0"/>
               </a:tabLst>
             </a:pPr>
-            <a:fld id="{4C612D79-EBFB-4B5E-9DA7-E98E9B2B518A}" type="slidenum">
+            <a:fld id="{DAB421CC-FE22-4787-AB40-FEF877C5BB11}" type="slidenum">
               <a:rPr b="1" lang="en-IN" sz="1800" spc="-1" strike="noStrike">
                 <a:solidFill>
                   <a:srgbClr val="ffffff"/>
@@ -15144,7 +15144,7 @@
                 <a:spcPct val="100000"/>
               </a:lnSpc>
             </a:pPr>
-            <a:fld id="{EF7012B5-0F3B-4106-BF81-594B078A36F0}" type="slidenum">
+            <a:fld id="{8BDA15BB-D298-4511-AF8D-9655746D45B7}" type="slidenum">
               <a:rPr b="1" lang="en-IN" sz="1800" spc="-1" strike="noStrike">
                 <a:solidFill>
                   <a:srgbClr val="ffffff"/>
@@ -16542,7 +16542,7 @@
                 <a:tab algn="l" pos="0"/>
               </a:tabLst>
             </a:pPr>
-            <a:fld id="{ED4483BF-D407-4669-8EC1-5CAA5B462AD8}" type="slidenum">
+            <a:fld id="{87C47454-8E25-4116-9B27-EAACF1540DED}" type="slidenum">
               <a:rPr b="1" lang="en-IN" sz="1800" spc="-1" strike="noStrike">
                 <a:solidFill>
                   <a:srgbClr val="ffffff"/>
@@ -16918,7 +16918,7 @@
                 <a:tab algn="l" pos="0"/>
               </a:tabLst>
             </a:pPr>
-            <a:fld id="{DD84A440-E906-4386-B26A-F9D80D52D6E1}" type="slidenum">
+            <a:fld id="{D69370E5-A72F-4240-B0EF-D9AC883C6460}" type="slidenum">
               <a:rPr b="1" lang="en-IN" sz="1800" spc="-1" strike="noStrike">
                 <a:solidFill>
                   <a:srgbClr val="ffffff"/>
@@ -17245,7 +17245,7 @@
                 <a:tab algn="l" pos="0"/>
               </a:tabLst>
             </a:pPr>
-            <a:fld id="{9B82DA78-FD4C-4CA1-B21B-4F3C084F81C7}" type="slidenum">
+            <a:fld id="{B7EE6C24-3321-4240-8BD4-EB513D5506BC}" type="slidenum">
               <a:rPr b="1" lang="en-IN" sz="1800" spc="-1" strike="noStrike">
                 <a:solidFill>
                   <a:srgbClr val="ffffff"/>
@@ -18296,7 +18296,7 @@
                 <a:tab algn="l" pos="0"/>
               </a:tabLst>
             </a:pPr>
-            <a:fld id="{18F6504A-6E48-4D52-83C6-758F8DFD4151}" type="slidenum">
+            <a:fld id="{0352FEC6-1CDF-4522-8854-256B2A84FFFF}" type="slidenum">
               <a:rPr b="1" lang="en-IN" sz="1800" spc="-1" strike="noStrike">
                 <a:solidFill>
                   <a:srgbClr val="ffffff"/>
@@ -19347,7 +19347,7 @@
                 <a:tab algn="l" pos="0"/>
               </a:tabLst>
             </a:pPr>
-            <a:fld id="{FF4C0471-09D0-4E77-BB0A-B537A5227179}" type="slidenum">
+            <a:fld id="{0F8F2148-A275-435E-B161-C408E7F73EF2}" type="slidenum">
               <a:rPr b="1" lang="en-IN" sz="1800" spc="-1" strike="noStrike">
                 <a:solidFill>
                   <a:srgbClr val="ffffff"/>
@@ -20401,7 +20401,7 @@
                 <a:tab algn="l" pos="0"/>
               </a:tabLst>
             </a:pPr>
-            <a:fld id="{2D02C33C-07C2-4008-AB91-E663C6342AE8}" type="slidenum">
+            <a:fld id="{5D161E62-8429-47AE-8DC2-A9C07557FC19}" type="slidenum">
               <a:rPr b="1" lang="en-IN" sz="1800" spc="-1" strike="noStrike">
                 <a:solidFill>
                   <a:srgbClr val="ffffff"/>
@@ -21230,7 +21230,7 @@
                 <a:tab algn="l" pos="0"/>
               </a:tabLst>
             </a:pPr>
-            <a:fld id="{3B77DCAE-E9C1-49A5-A829-D1BF302DC9D5}" type="slidenum">
+            <a:fld id="{1CEAEA9C-8803-424A-91E8-3AAA3C8FEA5E}" type="slidenum">
               <a:rPr b="1" lang="en-IN" sz="1800" spc="-1" strike="noStrike">
                 <a:solidFill>
                   <a:srgbClr val="ffffff"/>
@@ -22509,7 +22509,7 @@
                 <a:tab algn="l" pos="0"/>
               </a:tabLst>
             </a:pPr>
-            <a:fld id="{C5567B6D-F2B3-4204-B1A3-4511F88C0896}" type="slidenum">
+            <a:fld id="{790832D7-72E1-4F14-85D1-47FA4B7EB64A}" type="slidenum">
               <a:rPr b="1" lang="en-IN" sz="1800" spc="-1" strike="noStrike">
                 <a:solidFill>
                   <a:srgbClr val="ffffff"/>
@@ -22839,7 +22839,7 @@
                 <a:tab algn="l" pos="0"/>
               </a:tabLst>
             </a:pPr>
-            <a:fld id="{32742CBB-A0E1-45F9-8FC2-260CD72E1C28}" type="slidenum">
+            <a:fld id="{4D6F4E6E-9DE1-44E2-A21E-E93A1F383CD6}" type="slidenum">
               <a:rPr b="1" lang="en-IN" sz="1800" spc="-1" strike="noStrike">
                 <a:solidFill>
                   <a:srgbClr val="ffffff"/>
@@ -23169,7 +23169,7 @@
                 <a:tab algn="l" pos="0"/>
               </a:tabLst>
             </a:pPr>
-            <a:fld id="{8980532E-440E-4334-8E67-3B316BFBD876}" type="slidenum">
+            <a:fld id="{1307DE47-6F90-40A1-A89C-5B73C003DD2B}" type="slidenum">
               <a:rPr b="1" lang="en-IN" sz="1800" spc="-1" strike="noStrike">
                 <a:solidFill>
                   <a:srgbClr val="ffffff"/>
@@ -23452,7 +23452,7 @@
                 <a:spcPct val="100000"/>
               </a:lnSpc>
             </a:pPr>
-            <a:fld id="{16116BB8-E7EB-46D3-AECA-3D052036AC6B}" type="slidenum">
+            <a:fld id="{CEBC186E-94CF-48C0-AC85-1F93665B3836}" type="slidenum">
               <a:rPr b="1" lang="en-IN" sz="1800" spc="-1" strike="noStrike">
                 <a:solidFill>
                   <a:srgbClr val="ffffff"/>
@@ -25078,7 +25078,7 @@
                 <a:tab algn="l" pos="0"/>
               </a:tabLst>
             </a:pPr>
-            <a:fld id="{7988CA7D-A8E5-4AD3-986C-06DB063A523B}" type="slidenum">
+            <a:fld id="{D837B082-810E-45F5-9CE7-F04FDCAF0816}" type="slidenum">
               <a:rPr b="1" lang="en-IN" sz="1800" spc="-1" strike="noStrike">
                 <a:solidFill>
                   <a:srgbClr val="ffffff"/>
@@ -25682,7 +25682,7 @@
                 <a:tab algn="l" pos="0"/>
               </a:tabLst>
             </a:pPr>
-            <a:fld id="{73E088D2-873C-4359-A961-C39407A97A08}" type="slidenum">
+            <a:fld id="{2F188522-A5F4-4A8C-921B-8D6055E84DE4}" type="slidenum">
               <a:rPr b="1" lang="en-IN" sz="1800" spc="-1" strike="noStrike">
                 <a:solidFill>
                   <a:srgbClr val="ffffff"/>
@@ -26511,7 +26511,7 @@
                 <a:tab algn="l" pos="0"/>
               </a:tabLst>
             </a:pPr>
-            <a:fld id="{4F4DECED-6BAF-4145-BDCE-459DF742BCE9}" type="slidenum">
+            <a:fld id="{1D764201-BE6C-48B2-83B7-0C89D72F93D8}" type="slidenum">
               <a:rPr b="1" lang="en-IN" sz="1800" spc="-1" strike="noStrike">
                 <a:solidFill>
                   <a:srgbClr val="ffffff"/>
@@ -26890,7 +26890,7 @@
                 <a:tab algn="l" pos="0"/>
               </a:tabLst>
             </a:pPr>
-            <a:fld id="{965B0D33-4ED6-4CD7-8B2A-D5DB7FDB9DF9}" type="slidenum">
+            <a:fld id="{FB3A6ACA-93DE-4ECF-969C-A49684C8B631}" type="slidenum">
               <a:rPr b="1" lang="en-IN" sz="1800" spc="-1" strike="noStrike">
                 <a:solidFill>
                   <a:srgbClr val="ffffff"/>
@@ -27220,7 +27220,7 @@
                 <a:tab algn="l" pos="0"/>
               </a:tabLst>
             </a:pPr>
-            <a:fld id="{945BCAFB-B3B9-44AE-8CD4-021F02B66364}" type="slidenum">
+            <a:fld id="{4900CABC-0AAC-44D0-83EF-330FDC0C6DDF}" type="slidenum">
               <a:rPr b="1" lang="en-IN" sz="1800" spc="-1" strike="noStrike">
                 <a:solidFill>
                   <a:srgbClr val="ffffff"/>
@@ -28274,7 +28274,7 @@
                 <a:tab algn="l" pos="0"/>
               </a:tabLst>
             </a:pPr>
-            <a:fld id="{2BF539A6-EFE4-4C94-BCE1-5CFEC840470E}" type="slidenum">
+            <a:fld id="{27F2C5DE-E9EF-4127-B789-E63D06A2216F}" type="slidenum">
               <a:rPr b="1" lang="en-IN" sz="1800" spc="-1" strike="noStrike">
                 <a:solidFill>
                   <a:srgbClr val="ffffff"/>
@@ -29328,7 +29328,7 @@
                 <a:tab algn="l" pos="0"/>
               </a:tabLst>
             </a:pPr>
-            <a:fld id="{304997B4-99DE-42BD-81EF-7327ADE42856}" type="slidenum">
+            <a:fld id="{38A8B75E-12D5-4C5E-946C-06BF19268851}" type="slidenum">
               <a:rPr b="1" lang="en-IN" sz="1800" spc="-1" strike="noStrike">
                 <a:solidFill>
                   <a:srgbClr val="ffffff"/>
@@ -29611,7 +29611,7 @@
                 <a:spcPct val="100000"/>
               </a:lnSpc>
             </a:pPr>
-            <a:fld id="{FBA2ABDF-A46D-4C17-A958-AF2E2BF712DC}" type="slidenum">
+            <a:fld id="{4518D315-29DF-4612-AECE-5F36E500DAD5}" type="slidenum">
               <a:rPr b="1" lang="en-IN" sz="1800" spc="-1" strike="noStrike">
                 <a:solidFill>
                   <a:srgbClr val="ffffff"/>
@@ -29967,7 +29967,7 @@
                 <a:spcPct val="100000"/>
               </a:lnSpc>
             </a:pPr>
-            <a:fld id="{11882C24-B9C8-44A4-9F35-CEC4003F74EE}" type="slidenum">
+            <a:fld id="{B6463B08-CC0F-49F8-86E6-94D14B555099}" type="slidenum">
               <a:rPr b="1" lang="en-IN" sz="1800" spc="-1" strike="noStrike">
                 <a:solidFill>
                   <a:srgbClr val="ffffff"/>
@@ -30323,7 +30323,7 @@
                 <a:spcPct val="100000"/>
               </a:lnSpc>
             </a:pPr>
-            <a:fld id="{35DDECEF-4EA7-4D4E-B9A1-9F0B742DE75F}" type="slidenum">
+            <a:fld id="{40D3135C-F570-48CE-A2D4-E47B698DC471}" type="slidenum">
               <a:rPr b="1" lang="en-IN" sz="1800" spc="-1" strike="noStrike">
                 <a:solidFill>
                   <a:srgbClr val="ffffff"/>
@@ -30953,7 +30953,7 @@
                 <a:spcPct val="100000"/>
               </a:lnSpc>
             </a:pPr>
-            <a:fld id="{69F580B2-9CA5-4668-B033-FC23F5BC8B5A}" type="slidenum">
+            <a:fld id="{697324BB-3BCA-47D3-9119-92389F016B47}" type="slidenum">
               <a:rPr b="1" lang="en-IN" sz="1800" spc="-1" strike="noStrike">
                 <a:solidFill>
                   <a:srgbClr val="ffffff"/>
@@ -31583,7 +31583,7 @@
                 <a:spcPct val="100000"/>
               </a:lnSpc>
             </a:pPr>
-            <a:fld id="{F9DC22DB-8321-4654-9E2E-CD69223E8AE5}" type="slidenum">
+            <a:fld id="{B6D6CE7E-5F6B-4708-A4B5-9D24D3251176}" type="slidenum">
               <a:rPr b="1" lang="en-IN" sz="1800" spc="-1" strike="noStrike">
                 <a:solidFill>
                   <a:srgbClr val="ffffff"/>
@@ -32438,7 +32438,7 @@
                 <a:spcPct val="100000"/>
               </a:lnSpc>
             </a:pPr>
-            <a:fld id="{49404D6E-F86B-4ADC-B01C-D9F08D4708E2}" type="slidenum">
+            <a:fld id="{00E4370B-DB08-4550-8269-429FBAC851A3}" type="slidenum">
               <a:rPr b="1" lang="en-IN" sz="1800" spc="-1" strike="noStrike">
                 <a:solidFill>
                   <a:srgbClr val="ffffff"/>
@@ -33266,6 +33266,158 @@
           </a:p>
         </p:txBody>
       </p:sp>
+      <p:sp>
+        <p:nvSpPr>
+          <p:cNvPr id="389" name="PlaceHolder 8"/>
+          <p:cNvSpPr txBox="1"/>
+          <p:nvPr/>
+        </p:nvSpPr>
+        <p:spPr>
+          <a:xfrm>
+            <a:off x="360000" y="1485000"/>
+            <a:ext cx="9359280" cy="3779280"/>
+          </a:xfrm>
+          <a:prstGeom prst="rect">
+            <a:avLst/>
+          </a:prstGeom>
+          <a:noFill/>
+          <a:ln w="0">
+            <a:noFill/>
+          </a:ln>
+        </p:spPr>
+        <p:txBody>
+          <a:bodyPr lIns="0" rIns="0" tIns="0" bIns="0" anchor="t">
+            <a:normAutofit/>
+          </a:bodyPr>
+          <a:p>
+            <a:pPr marL="432000" indent="-324000">
+              <a:lnSpc>
+                <a:spcPct val="100000"/>
+              </a:lnSpc>
+              <a:spcAft>
+                <a:spcPts val="1057"/>
+              </a:spcAft>
+              <a:buClr>
+                <a:srgbClr val="2c3e50"/>
+              </a:buClr>
+              <a:buSzPct val="45000"/>
+              <a:buFont typeface="Wingdings" charset="2"/>
+              <a:buChar char=""/>
+            </a:pPr>
+            <a:r>
+              <a:rPr b="1" lang="en-IN" sz="2400" spc="-1" strike="noStrike">
+                <a:solidFill>
+                  <a:srgbClr val="2c3e50"/>
+                </a:solidFill>
+                <a:latin typeface="Noto Sans"/>
+              </a:rPr>
+              <a:t>Construct a digital audio sample input signal using “SciPy.Signal” module.</a:t>
+            </a:r>
+            <a:endParaRPr b="0" lang="en-IN" sz="2400" spc="-1" strike="noStrike">
+              <a:solidFill>
+                <a:srgbClr val="000000"/>
+              </a:solidFill>
+              <a:latin typeface="Arial"/>
+            </a:endParaRPr>
+          </a:p>
+          <a:p>
+            <a:pPr marL="432000" indent="-324000">
+              <a:lnSpc>
+                <a:spcPct val="100000"/>
+              </a:lnSpc>
+              <a:spcAft>
+                <a:spcPts val="1057"/>
+              </a:spcAft>
+              <a:buClr>
+                <a:srgbClr val="2c3e50"/>
+              </a:buClr>
+              <a:buSzPct val="45000"/>
+              <a:buFont typeface="Wingdings" charset="2"/>
+              <a:buChar char=""/>
+            </a:pPr>
+            <a:r>
+              <a:rPr b="1" lang="en-IN" sz="2400" spc="-1" strike="noStrike">
+                <a:solidFill>
+                  <a:srgbClr val="2c3e50"/>
+                </a:solidFill>
+                <a:latin typeface="Noto Sans"/>
+              </a:rPr>
+              <a:t>Design a II-Order IIR Digital Filter using “PyTorch”.</a:t>
+            </a:r>
+            <a:endParaRPr b="0" lang="en-IN" sz="2400" spc="-1" strike="noStrike">
+              <a:solidFill>
+                <a:srgbClr val="000000"/>
+              </a:solidFill>
+              <a:latin typeface="Arial"/>
+            </a:endParaRPr>
+          </a:p>
+          <a:p>
+            <a:pPr marL="432000" indent="-324000">
+              <a:lnSpc>
+                <a:spcPct val="100000"/>
+              </a:lnSpc>
+              <a:spcAft>
+                <a:spcPts val="1057"/>
+              </a:spcAft>
+              <a:buClr>
+                <a:srgbClr val="2c3e50"/>
+              </a:buClr>
+              <a:buSzPct val="45000"/>
+              <a:buFont typeface="Wingdings" charset="2"/>
+              <a:buChar char=""/>
+            </a:pPr>
+            <a:r>
+              <a:rPr b="1" lang="en-IN" sz="2400" spc="-1" strike="noStrike">
+                <a:solidFill>
+                  <a:srgbClr val="2c3e50"/>
+                </a:solidFill>
+                <a:latin typeface="Noto Sans"/>
+              </a:rPr>
+              <a:t>Pass the input signal through the filter and start a timer by using python “time” package.</a:t>
+            </a:r>
+            <a:endParaRPr b="0" lang="en-IN" sz="2400" spc="-1" strike="noStrike">
+              <a:solidFill>
+                <a:srgbClr val="000000"/>
+              </a:solidFill>
+              <a:latin typeface="Arial"/>
+            </a:endParaRPr>
+          </a:p>
+          <a:p>
+            <a:pPr marL="432000" indent="-324000">
+              <a:lnSpc>
+                <a:spcPct val="100000"/>
+              </a:lnSpc>
+              <a:spcBef>
+                <a:spcPts val="1191"/>
+              </a:spcBef>
+              <a:spcAft>
+                <a:spcPts val="992"/>
+              </a:spcAft>
+              <a:buClr>
+                <a:srgbClr val="2c3e50"/>
+              </a:buClr>
+              <a:buSzPct val="45000"/>
+              <a:buFont typeface="Wingdings" charset="2"/>
+              <a:buChar char=""/>
+            </a:pPr>
+            <a:r>
+              <a:rPr b="1" lang="en-IN" sz="2400" spc="-1" strike="noStrike">
+                <a:solidFill>
+                  <a:srgbClr val="2c3e50"/>
+                </a:solidFill>
+                <a:latin typeface="Noto Sans"/>
+              </a:rPr>
+              <a:t>Stop the timer as soon as the output comes out from the system.</a:t>
+            </a:r>
+            <a:endParaRPr b="0" lang="en-IN" sz="2400" spc="-1" strike="noStrike">
+              <a:solidFill>
+                <a:srgbClr val="000000"/>
+              </a:solidFill>
+              <a:latin typeface="Arial"/>
+            </a:endParaRPr>
+          </a:p>
+        </p:txBody>
+      </p:sp>
     </p:spTree>
   </p:cSld>
   <mc:AlternateContent>
@@ -33298,7 +33450,7 @@
       </p:grpSpPr>
       <p:sp>
         <p:nvSpPr>
-          <p:cNvPr id="389" name="PlaceHolder 1"/>
+          <p:cNvPr id="390" name="PlaceHolder 1"/>
           <p:cNvSpPr>
             <a:spLocks noGrp="1"/>
           </p:cNvSpPr>
@@ -33383,7 +33535,7 @@
       </p:grpSpPr>
       <p:sp>
         <p:nvSpPr>
-          <p:cNvPr id="390" name="PlaceHolder 1"/>
+          <p:cNvPr id="391" name="PlaceHolder 1"/>
           <p:cNvSpPr>
             <a:spLocks noGrp="1"/>
           </p:cNvSpPr>
@@ -33468,7 +33620,7 @@
       </p:grpSpPr>
       <p:sp>
         <p:nvSpPr>
-          <p:cNvPr id="391" name="PlaceHolder 1"/>
+          <p:cNvPr id="392" name="PlaceHolder 1"/>
           <p:cNvSpPr>
             <a:spLocks noGrp="1"/>
           </p:cNvSpPr>
@@ -33523,7 +33675,7 @@
       </p:sp>
       <p:pic>
         <p:nvPicPr>
-          <p:cNvPr id="392" name="" descr=""/>
+          <p:cNvPr id="393" name="" descr=""/>
           <p:cNvPicPr/>
           <p:nvPr/>
         </p:nvPicPr>
@@ -33546,7 +33698,7 @@
       </p:pic>
       <p:pic>
         <p:nvPicPr>
-          <p:cNvPr id="393" name="" descr=""/>
+          <p:cNvPr id="394" name="" descr=""/>
           <p:cNvPicPr/>
           <p:nvPr/>
         </p:nvPicPr>
@@ -33569,7 +33721,7 @@
       </p:pic>
       <p:pic>
         <p:nvPicPr>
-          <p:cNvPr id="394" name="" descr=""/>
+          <p:cNvPr id="395" name="" descr=""/>
           <p:cNvPicPr/>
           <p:nvPr/>
         </p:nvPicPr>
@@ -33592,7 +33744,7 @@
       </p:pic>
       <p:pic>
         <p:nvPicPr>
-          <p:cNvPr id="395" name="" descr=""/>
+          <p:cNvPr id="396" name="" descr=""/>
           <p:cNvPicPr/>
           <p:nvPr/>
         </p:nvPicPr>
@@ -33615,7 +33767,7 @@
       </p:pic>
       <p:pic>
         <p:nvPicPr>
-          <p:cNvPr id="396" name="" descr=""/>
+          <p:cNvPr id="397" name="" descr=""/>
           <p:cNvPicPr/>
           <p:nvPr/>
         </p:nvPicPr>
@@ -33680,7 +33832,7 @@
                                           </p:stCondLst>
                                         </p:cTn>
                                         <p:tgtEl>
-                                          <p:spTgt spid="392"/>
+                                          <p:spTgt spid="393"/>
                                         </p:tgtEl>
                                         <p:attrNameLst>
                                           <p:attrName>style.visibility</p:attrName>
@@ -33694,7 +33846,7 @@
                                       <p:cBhvr additive="repl">
                                         <p:cTn id="70" dur="500" fill="hold"/>
                                         <p:tgtEl>
-                                          <p:spTgt spid="392"/>
+                                          <p:spTgt spid="393"/>
                                         </p:tgtEl>
                                         <p:attrNameLst>
                                           <p:attrName>ppt_w</p:attrName>
@@ -33717,7 +33869,7 @@
                                       <p:cBhvr additive="repl">
                                         <p:cTn id="71" dur="500" fill="hold"/>
                                         <p:tgtEl>
-                                          <p:spTgt spid="392"/>
+                                          <p:spTgt spid="393"/>
                                         </p:tgtEl>
                                         <p:attrNameLst>
                                           <p:attrName>ppt_h</p:attrName>
@@ -33740,7 +33892,7 @@
                                       <p:cBhvr additive="repl">
                                         <p:cTn id="72" dur="500"/>
                                         <p:tgtEl>
-                                          <p:spTgt spid="392"/>
+                                          <p:spTgt spid="393"/>
                                         </p:tgtEl>
                                       </p:cBhvr>
                                     </p:animEffect>
@@ -33779,7 +33931,7 @@
                                           </p:stCondLst>
                                         </p:cTn>
                                         <p:tgtEl>
-                                          <p:spTgt spid="396"/>
+                                          <p:spTgt spid="397"/>
                                         </p:tgtEl>
                                         <p:attrNameLst>
                                           <p:attrName>style.visibility</p:attrName>
@@ -33793,7 +33945,7 @@
                                       <p:cBhvr additive="repl">
                                         <p:cTn id="77" dur="500" fill="hold"/>
                                         <p:tgtEl>
-                                          <p:spTgt spid="396"/>
+                                          <p:spTgt spid="397"/>
                                         </p:tgtEl>
                                         <p:attrNameLst>
                                           <p:attrName>ppt_w</p:attrName>
@@ -33816,7 +33968,7 @@
                                       <p:cBhvr additive="repl">
                                         <p:cTn id="78" dur="500" fill="hold"/>
                                         <p:tgtEl>
-                                          <p:spTgt spid="396"/>
+                                          <p:spTgt spid="397"/>
                                         </p:tgtEl>
                                         <p:attrNameLst>
                                           <p:attrName>ppt_h</p:attrName>
@@ -33839,7 +33991,7 @@
                                       <p:cBhvr additive="repl">
                                         <p:cTn id="79" dur="500"/>
                                         <p:tgtEl>
-                                          <p:spTgt spid="396"/>
+                                          <p:spTgt spid="397"/>
                                         </p:tgtEl>
                                       </p:cBhvr>
                                     </p:animEffect>
@@ -33878,7 +34030,7 @@
                                           </p:stCondLst>
                                         </p:cTn>
                                         <p:tgtEl>
-                                          <p:spTgt spid="394"/>
+                                          <p:spTgt spid="395"/>
                                         </p:tgtEl>
                                         <p:attrNameLst>
                                           <p:attrName>style.visibility</p:attrName>
@@ -33892,7 +34044,7 @@
                                       <p:cBhvr additive="repl">
                                         <p:cTn id="84" dur="500" fill="hold"/>
                                         <p:tgtEl>
-                                          <p:spTgt spid="394"/>
+                                          <p:spTgt spid="395"/>
                                         </p:tgtEl>
                                         <p:attrNameLst>
                                           <p:attrName>ppt_w</p:attrName>
@@ -33915,7 +34067,7 @@
                                       <p:cBhvr additive="repl">
                                         <p:cTn id="85" dur="500" fill="hold"/>
                                         <p:tgtEl>
-                                          <p:spTgt spid="394"/>
+                                          <p:spTgt spid="395"/>
                                         </p:tgtEl>
                                         <p:attrNameLst>
                                           <p:attrName>ppt_h</p:attrName>
@@ -33938,7 +34090,7 @@
                                       <p:cBhvr additive="repl">
                                         <p:cTn id="86" dur="500"/>
                                         <p:tgtEl>
-                                          <p:spTgt spid="394"/>
+                                          <p:spTgt spid="395"/>
                                         </p:tgtEl>
                                       </p:cBhvr>
                                     </p:animEffect>
@@ -33977,7 +34129,7 @@
                                           </p:stCondLst>
                                         </p:cTn>
                                         <p:tgtEl>
-                                          <p:spTgt spid="393"/>
+                                          <p:spTgt spid="394"/>
                                         </p:tgtEl>
                                         <p:attrNameLst>
                                           <p:attrName>style.visibility</p:attrName>
@@ -33991,7 +34143,7 @@
                                       <p:cBhvr additive="repl">
                                         <p:cTn id="91" dur="500" fill="hold"/>
                                         <p:tgtEl>
-                                          <p:spTgt spid="393"/>
+                                          <p:spTgt spid="394"/>
                                         </p:tgtEl>
                                         <p:attrNameLst>
                                           <p:attrName>ppt_w</p:attrName>
@@ -34014,7 +34166,7 @@
                                       <p:cBhvr additive="repl">
                                         <p:cTn id="92" dur="500" fill="hold"/>
                                         <p:tgtEl>
-                                          <p:spTgt spid="393"/>
+                                          <p:spTgt spid="394"/>
                                         </p:tgtEl>
                                         <p:attrNameLst>
                                           <p:attrName>ppt_h</p:attrName>
@@ -34037,7 +34189,7 @@
                                       <p:cBhvr additive="repl">
                                         <p:cTn id="93" dur="500"/>
                                         <p:tgtEl>
-                                          <p:spTgt spid="393"/>
+                                          <p:spTgt spid="394"/>
                                         </p:tgtEl>
                                       </p:cBhvr>
                                     </p:animEffect>
@@ -34076,7 +34228,7 @@
                                           </p:stCondLst>
                                         </p:cTn>
                                         <p:tgtEl>
-                                          <p:spTgt spid="395"/>
+                                          <p:spTgt spid="396"/>
                                         </p:tgtEl>
                                         <p:attrNameLst>
                                           <p:attrName>style.visibility</p:attrName>
@@ -34090,7 +34242,7 @@
                                       <p:cBhvr additive="repl">
                                         <p:cTn id="98" dur="500" fill="hold"/>
                                         <p:tgtEl>
-                                          <p:spTgt spid="395"/>
+                                          <p:spTgt spid="396"/>
                                         </p:tgtEl>
                                         <p:attrNameLst>
                                           <p:attrName>ppt_w</p:attrName>
@@ -34113,7 +34265,7 @@
                                       <p:cBhvr additive="repl">
                                         <p:cTn id="99" dur="500" fill="hold"/>
                                         <p:tgtEl>
-                                          <p:spTgt spid="395"/>
+                                          <p:spTgt spid="396"/>
                                         </p:tgtEl>
                                         <p:attrNameLst>
                                           <p:attrName>ppt_h</p:attrName>
@@ -34136,7 +34288,7 @@
                                       <p:cBhvr additive="repl">
                                         <p:cTn id="100" dur="500"/>
                                         <p:tgtEl>
-                                          <p:spTgt spid="395"/>
+                                          <p:spTgt spid="396"/>
                                         </p:tgtEl>
                                       </p:cBhvr>
                                     </p:animEffect>
@@ -34193,7 +34345,7 @@
       </p:grpSpPr>
       <p:sp>
         <p:nvSpPr>
-          <p:cNvPr id="397" name="PlaceHolder 1"/>
+          <p:cNvPr id="398" name="PlaceHolder 1"/>
           <p:cNvSpPr>
             <a:spLocks noGrp="1"/>
           </p:cNvSpPr>
@@ -34248,7 +34400,7 @@
       </p:sp>
       <p:sp>
         <p:nvSpPr>
-          <p:cNvPr id="398" name=""/>
+          <p:cNvPr id="399" name=""/>
           <p:cNvSpPr/>
           <p:nvPr/>
         </p:nvSpPr>
@@ -34332,7 +34484,7 @@
       </p:grpSpPr>
       <p:sp>
         <p:nvSpPr>
-          <p:cNvPr id="399" name="PlaceHolder 1"/>
+          <p:cNvPr id="400" name="PlaceHolder 1"/>
           <p:cNvSpPr>
             <a:spLocks noGrp="1"/>
           </p:cNvSpPr>
@@ -34387,7 +34539,7 @@
       </p:sp>
       <p:sp>
         <p:nvSpPr>
-          <p:cNvPr id="400" name=""/>
+          <p:cNvPr id="401" name=""/>
           <p:cNvSpPr/>
           <p:nvPr/>
         </p:nvSpPr>
@@ -34576,7 +34728,7 @@
       </p:grpSpPr>
       <p:sp>
         <p:nvSpPr>
-          <p:cNvPr id="401" name="PlaceHolder 1"/>
+          <p:cNvPr id="402" name="PlaceHolder 1"/>
           <p:cNvSpPr>
             <a:spLocks noGrp="1"/>
           </p:cNvSpPr>
@@ -34631,7 +34783,7 @@
       </p:sp>
       <p:sp>
         <p:nvSpPr>
-          <p:cNvPr id="402" name=""/>
+          <p:cNvPr id="403" name=""/>
           <p:cNvSpPr/>
           <p:nvPr/>
         </p:nvSpPr>
@@ -34820,7 +34972,7 @@
       </p:grpSpPr>
       <p:sp>
         <p:nvSpPr>
-          <p:cNvPr id="403" name="PlaceHolder 1"/>
+          <p:cNvPr id="404" name="PlaceHolder 1"/>
           <p:cNvSpPr>
             <a:spLocks noGrp="1"/>
           </p:cNvSpPr>
@@ -34875,7 +35027,7 @@
       </p:sp>
       <p:sp>
         <p:nvSpPr>
-          <p:cNvPr id="404" name=""/>
+          <p:cNvPr id="405" name=""/>
           <p:cNvSpPr/>
           <p:nvPr/>
         </p:nvSpPr>
@@ -35064,7 +35216,7 @@
       </p:grpSpPr>
       <p:sp>
         <p:nvSpPr>
-          <p:cNvPr id="405" name="PlaceHolder 1"/>
+          <p:cNvPr id="406" name="PlaceHolder 1"/>
           <p:cNvSpPr>
             <a:spLocks noGrp="1"/>
           </p:cNvSpPr>
@@ -35131,7 +35283,7 @@
         <p:txBody>
           <a:bodyPr/>
           <a:p>
-            <a:fld id="{F4D9C0B4-225C-41E6-8D93-D5AEDB9DC2B4}" type="slidenum">
+            <a:fld id="{8F2B9EBE-A551-4A22-97FF-07790ADEF786}" type="slidenum">
               <a:t>18</a:t>
             </a:fld>
           </a:p>

--- a/A Low Latency Digital Filter using Recurrent Neural Network/PPT/Presentation.pptx
+++ b/A Low Latency Digital Filter using Recurrent Neural Network/PPT/Presentation.pptx
@@ -58,6 +58,8 @@
     <p:sldId id="271" r:id="rId53"/>
     <p:sldId id="272" r:id="rId54"/>
     <p:sldId id="273" r:id="rId55"/>
+    <p:sldId id="274" r:id="rId56"/>
+    <p:sldId id="275" r:id="rId57"/>
   </p:sldIdLst>
   <p:sldSz cx="10080625" cy="5670550"/>
   <p:notesSz cx="7559675" cy="10691813"/>
@@ -1043,7 +1045,7 @@
         <p:txBody>
           <a:bodyPr/>
           <a:p>
-            <a:fld id="{95270C03-CA92-4402-B067-FE833945B527}" type="slidenum">
+            <a:fld id="{A3256770-8926-46DA-A58E-0DA9E3AFFA26}" type="slidenum">
               <a:t>&lt;#&gt;</a:t>
             </a:fld>
           </a:p>
@@ -1252,7 +1254,7 @@
         <p:txBody>
           <a:bodyPr/>
           <a:p>
-            <a:fld id="{E34D0785-06C9-4554-B965-EAB4A044BEDC}" type="slidenum">
+            <a:fld id="{A5CD5CD1-AE1A-4606-9AEF-5C3211828141}" type="slidenum">
               <a:t>&lt;#&gt;</a:t>
             </a:fld>
           </a:p>
@@ -1547,7 +1549,7 @@
         <p:txBody>
           <a:bodyPr/>
           <a:p>
-            <a:fld id="{586B5676-D904-409E-BE75-F261B9B09B06}" type="slidenum">
+            <a:fld id="{48A45F87-F783-4A2E-B642-85B9C5D1BE30}" type="slidenum">
               <a:t>&lt;#&gt;</a:t>
             </a:fld>
           </a:p>
@@ -1630,7 +1632,7 @@
         <p:txBody>
           <a:bodyPr/>
           <a:p>
-            <a:fld id="{D24EC227-33A3-4AB0-84E4-A09BCFCA3905}" type="slidenum">
+            <a:fld id="{7CF8FE84-B758-4ADF-ABF1-E8A9F06E19BA}" type="slidenum">
               <a:t>&lt;#&gt;</a:t>
             </a:fld>
           </a:p>
@@ -1713,7 +1715,7 @@
         <p:txBody>
           <a:bodyPr/>
           <a:p>
-            <a:fld id="{60543CB9-069D-40FF-852C-1221027E6504}" type="slidenum">
+            <a:fld id="{8D4FE202-9E2F-4A92-82DC-341812873E35}" type="slidenum">
               <a:t>&lt;#&gt;</a:t>
             </a:fld>
           </a:p>
@@ -1879,7 +1881,7 @@
         <p:txBody>
           <a:bodyPr/>
           <a:p>
-            <a:fld id="{7DE0A3AE-E4C1-4BBA-B57C-A5C640BF9EDA}" type="slidenum">
+            <a:fld id="{76EDF99C-D613-4DA4-9F30-1B4270F53F34}" type="slidenum">
               <a:t>&lt;#&gt;</a:t>
             </a:fld>
           </a:p>
@@ -2045,7 +2047,7 @@
         <p:txBody>
           <a:bodyPr/>
           <a:p>
-            <a:fld id="{93F361C0-7E4F-4631-B692-202D8C22280E}" type="slidenum">
+            <a:fld id="{4156AE05-71FC-42F6-8ABC-36C460070678}" type="slidenum">
               <a:t>&lt;#&gt;</a:t>
             </a:fld>
           </a:p>
@@ -2443,7 +2445,7 @@
         <p:txBody>
           <a:bodyPr/>
           <a:p>
-            <a:fld id="{5BEA1441-05DD-42DB-AA2C-CDFAED2FF114}" type="slidenum">
+            <a:fld id="{2CD5FDD1-5F7B-4A09-8030-752E26006F2E}" type="slidenum">
               <a:t>&lt;#&gt;</a:t>
             </a:fld>
           </a:p>
@@ -2566,7 +2568,7 @@
         <p:txBody>
           <a:bodyPr/>
           <a:p>
-            <a:fld id="{CE7D72CE-6721-4D5E-97AD-F588DD273627}" type="slidenum">
+            <a:fld id="{9A7E0DC5-5CAF-427B-A3F7-F94B2EF31B98}" type="slidenum">
               <a:t>&lt;#&gt;</a:t>
             </a:fld>
           </a:p>
@@ -2649,7 +2651,7 @@
         <p:txBody>
           <a:bodyPr/>
           <a:p>
-            <a:fld id="{A3AE8404-1D19-4E72-B26E-61245D75D4A9}" type="slidenum">
+            <a:fld id="{45575CBF-0619-4199-9031-2AAFC17641B4}" type="slidenum">
               <a:t>&lt;#&gt;</a:t>
             </a:fld>
           </a:p>
@@ -2901,7 +2903,7 @@
         <p:txBody>
           <a:bodyPr/>
           <a:p>
-            <a:fld id="{D514EBEF-4584-4856-A91D-D03E7914B179}" type="slidenum">
+            <a:fld id="{E5F176E5-0F63-4F56-B72C-B3FEA4E8B391}" type="slidenum">
               <a:t>&lt;#&gt;</a:t>
             </a:fld>
           </a:p>
@@ -3153,7 +3155,7 @@
         <p:txBody>
           <a:bodyPr/>
           <a:p>
-            <a:fld id="{B3A603A3-19F4-4AC3-BB75-2A62A1603228}" type="slidenum">
+            <a:fld id="{2E2A1798-19C7-48C5-A9BB-20A00B3E2DFE}" type="slidenum">
               <a:t>&lt;#&gt;</a:t>
             </a:fld>
           </a:p>
@@ -3405,7 +3407,7 @@
         <p:txBody>
           <a:bodyPr/>
           <a:p>
-            <a:fld id="{3F22A1F1-26D7-4D57-946B-065E69352E32}" type="slidenum">
+            <a:fld id="{A2700DEE-A7E6-4EB4-A821-3EA3D1CE2538}" type="slidenum">
               <a:t>&lt;#&gt;</a:t>
             </a:fld>
           </a:p>
@@ -3614,7 +3616,7 @@
         <p:txBody>
           <a:bodyPr/>
           <a:p>
-            <a:fld id="{B1AF3A21-9574-4BCC-8825-43800596144C}" type="slidenum">
+            <a:fld id="{11D0DFB1-6750-47BF-941F-01A58CA57683}" type="slidenum">
               <a:t>&lt;#&gt;</a:t>
             </a:fld>
           </a:p>
@@ -3909,7 +3911,7 @@
         <p:txBody>
           <a:bodyPr/>
           <a:p>
-            <a:fld id="{BBDB1F11-0862-40A2-9FF2-D32C4AA39DC3}" type="slidenum">
+            <a:fld id="{11D9CD4C-ACE0-4522-9531-D8646D747E38}" type="slidenum">
               <a:t>&lt;#&gt;</a:t>
             </a:fld>
           </a:p>
@@ -3992,7 +3994,7 @@
         <p:txBody>
           <a:bodyPr/>
           <a:p>
-            <a:fld id="{1994C7F7-4224-4EE4-A2FC-161A2A87A985}" type="slidenum">
+            <a:fld id="{541AC8C9-8777-4802-9D88-6F38F69580AF}" type="slidenum">
               <a:t>&lt;#&gt;</a:t>
             </a:fld>
           </a:p>
@@ -4075,7 +4077,7 @@
         <p:txBody>
           <a:bodyPr/>
           <a:p>
-            <a:fld id="{35AB0730-2C9F-439A-A8CA-AD766AA5A9B5}" type="slidenum">
+            <a:fld id="{F0474D14-56C5-473E-87B9-39189B22C164}" type="slidenum">
               <a:t>&lt;#&gt;</a:t>
             </a:fld>
           </a:p>
@@ -4516,7 +4518,7 @@
         <p:txBody>
           <a:bodyPr/>
           <a:p>
-            <a:fld id="{D8050EEE-C5A9-465C-8AD6-BFACA839DBF2}" type="slidenum">
+            <a:fld id="{4150AD02-7834-45B1-8A27-8BDD2467B012}" type="slidenum">
               <a:t>&lt;#&gt;</a:t>
             </a:fld>
           </a:p>
@@ -4682,7 +4684,7 @@
         <p:txBody>
           <a:bodyPr/>
           <a:p>
-            <a:fld id="{F63F0F79-681B-4113-9B4E-AB0D8419B997}" type="slidenum">
+            <a:fld id="{3A76DF19-24CC-447E-A3E6-AEE7A25999A7}" type="slidenum">
               <a:t>&lt;#&gt;</a:t>
             </a:fld>
           </a:p>
@@ -4891,7 +4893,7 @@
         <p:txBody>
           <a:bodyPr/>
           <a:p>
-            <a:fld id="{780B2B28-3BE4-41D4-A2DF-DB6762800F3F}" type="slidenum">
+            <a:fld id="{439F3329-9359-46C6-A0FF-DFAB4CC65526}" type="slidenum">
               <a:t>&lt;#&gt;</a:t>
             </a:fld>
           </a:p>
@@ -5014,7 +5016,7 @@
         <p:txBody>
           <a:bodyPr/>
           <a:p>
-            <a:fld id="{B0274D16-6AB2-43FB-ACF6-D3B7FC6C25D8}" type="slidenum">
+            <a:fld id="{0E3FD192-A76C-45A9-A206-88E159A2E568}" type="slidenum">
               <a:t>&lt;#&gt;</a:t>
             </a:fld>
           </a:p>
@@ -5097,7 +5099,7 @@
         <p:txBody>
           <a:bodyPr/>
           <a:p>
-            <a:fld id="{36ACF40A-A777-4004-9917-50FF8460C828}" type="slidenum">
+            <a:fld id="{65E3A854-C27D-4DEC-AAC5-A168254DE56C}" type="slidenum">
               <a:t>&lt;#&gt;</a:t>
             </a:fld>
           </a:p>
@@ -5349,7 +5351,7 @@
         <p:txBody>
           <a:bodyPr/>
           <a:p>
-            <a:fld id="{C66DF84A-DF59-458B-ACBB-6DA6B2DDE69C}" type="slidenum">
+            <a:fld id="{08828FD3-DA49-42C2-A674-FDCA68360C37}" type="slidenum">
               <a:t>&lt;#&gt;</a:t>
             </a:fld>
           </a:p>
@@ -5601,7 +5603,7 @@
         <p:txBody>
           <a:bodyPr/>
           <a:p>
-            <a:fld id="{03C8B352-A96B-48D8-AEA2-6908C3866A41}" type="slidenum">
+            <a:fld id="{2DD8BF35-AC37-4D82-BD45-3AC2991B2E9B}" type="slidenum">
               <a:t>&lt;#&gt;</a:t>
             </a:fld>
           </a:p>
@@ -6539,7 +6541,7 @@
                 <a:spcPct val="100000"/>
               </a:lnSpc>
             </a:pPr>
-            <a:fld id="{6EAF64B2-EA43-4315-A8C4-BFBD8C098E70}" type="slidenum">
+            <a:fld id="{80CCB616-60C7-42AC-BEAC-4356CA9F0F38}" type="slidenum">
               <a:rPr b="1" lang="en-IN" sz="1800" spc="-1" strike="noStrike">
                 <a:solidFill>
                   <a:srgbClr val="ffffff"/>
@@ -6547,7 +6549,7 @@
                 <a:latin typeface="Noto Sans"/>
                 <a:ea typeface="DejaVu Sans"/>
               </a:rPr>
-              <a:t>10</a:t>
+              <a:t>17</a:t>
             </a:fld>
             <a:endParaRPr b="0" lang="en-IN" sz="1800" spc="-1" strike="noStrike">
               <a:solidFill>
@@ -7619,7 +7621,7 @@
                 <a:spcPct val="100000"/>
               </a:lnSpc>
             </a:pPr>
-            <a:fld id="{29F62C21-3BDD-4D95-9FB4-68AF959213A0}" type="slidenum">
+            <a:fld id="{81CA011F-0E59-4E73-A14C-DC779AFBA839}" type="slidenum">
               <a:rPr b="1" lang="en-IN" sz="1800" spc="-1" strike="noStrike">
                 <a:solidFill>
                   <a:srgbClr val="ffffff"/>
@@ -7975,7 +7977,7 @@
                 <a:spcPct val="100000"/>
               </a:lnSpc>
             </a:pPr>
-            <a:fld id="{7ABE300A-1F1D-45CF-AE51-6C2FAFD07F61}" type="slidenum">
+            <a:fld id="{AA408B70-9DB1-42CC-B61C-49FDCB8974EA}" type="slidenum">
               <a:rPr b="1" lang="en-IN" sz="1800" spc="-1" strike="noStrike">
                 <a:solidFill>
                   <a:srgbClr val="ffffff"/>
@@ -9055,7 +9057,7 @@
                 <a:spcPct val="100000"/>
               </a:lnSpc>
             </a:pPr>
-            <a:fld id="{E7EFE8CE-9F86-4504-BA92-E587EEF29373}" type="slidenum">
+            <a:fld id="{6B8FDA25-E5BD-4912-9720-29A8E92B8A86}" type="slidenum">
               <a:rPr b="1" lang="en-IN" sz="1800" spc="-1" strike="noStrike">
                 <a:solidFill>
                   <a:srgbClr val="ffffff"/>
@@ -10903,7 +10905,7 @@
                 <a:tab algn="l" pos="0"/>
               </a:tabLst>
             </a:pPr>
-            <a:fld id="{E9C883AD-E599-4070-9DE1-B0256A3B644E}" type="slidenum">
+            <a:fld id="{146F5542-A1E8-4EAD-B2F7-A85E30B41297}" type="slidenum">
               <a:rPr b="1" lang="en-IN" sz="1800" spc="-1" strike="noStrike">
                 <a:solidFill>
                   <a:srgbClr val="ffffff"/>
@@ -11729,7 +11731,7 @@
                 <a:tab algn="l" pos="0"/>
               </a:tabLst>
             </a:pPr>
-            <a:fld id="{D26DB40A-EB18-4290-859C-B72BD4416C1F}" type="slidenum">
+            <a:fld id="{5208574F-C25E-4DFA-9AE0-3E283140F8CF}" type="slidenum">
               <a:rPr b="1" lang="en-IN" sz="1800" spc="-1" strike="noStrike">
                 <a:solidFill>
                   <a:srgbClr val="ffffff"/>
@@ -13005,7 +13007,7 @@
                 <a:tab algn="l" pos="0"/>
               </a:tabLst>
             </a:pPr>
-            <a:fld id="{A68C35CF-9925-424B-ADF0-D18D39D54283}" type="slidenum">
+            <a:fld id="{F5CBEE1E-EEC0-4F18-89C9-D3F98965A183}" type="slidenum">
               <a:rPr b="1" lang="en-IN" sz="1800" spc="-1" strike="noStrike">
                 <a:solidFill>
                   <a:srgbClr val="ffffff"/>
@@ -13332,7 +13334,7 @@
                 <a:tab algn="l" pos="0"/>
               </a:tabLst>
             </a:pPr>
-            <a:fld id="{133CBBB3-7A34-436B-A644-CA7BF45F1E01}" type="slidenum">
+            <a:fld id="{481D7167-FEC6-4D74-AAC7-959776B0D3C2}" type="slidenum">
               <a:rPr b="1" lang="en-IN" sz="1800" spc="-1" strike="noStrike">
                 <a:solidFill>
                   <a:srgbClr val="ffffff"/>
@@ -13659,7 +13661,7 @@
                 <a:tab algn="l" pos="0"/>
               </a:tabLst>
             </a:pPr>
-            <a:fld id="{3F7F1CB5-A276-4A38-B024-075F81FB034D}" type="slidenum">
+            <a:fld id="{9F2CB17B-6809-40CF-AE84-35B079E2F353}" type="slidenum">
               <a:rPr b="1" lang="en-IN" sz="1800" spc="-1" strike="noStrike">
                 <a:solidFill>
                   <a:srgbClr val="ffffff"/>
@@ -14260,7 +14262,7 @@
                 <a:tab algn="l" pos="0"/>
               </a:tabLst>
             </a:pPr>
-            <a:fld id="{DB5724DD-C1E7-4D70-B69E-F15947B7E72B}" type="slidenum">
+            <a:fld id="{1CF6A280-8C42-4F22-A2A8-F159D0B5474F}" type="slidenum">
               <a:rPr b="1" lang="en-IN" sz="1800" spc="-1" strike="noStrike">
                 <a:solidFill>
                   <a:srgbClr val="ffffff"/>
@@ -14861,7 +14863,7 @@
                 <a:tab algn="l" pos="0"/>
               </a:tabLst>
             </a:pPr>
-            <a:fld id="{DAB421CC-FE22-4787-AB40-FEF877C5BB11}" type="slidenum">
+            <a:fld id="{B29E491B-D1A3-4EF4-B88D-6EA45D73684B}" type="slidenum">
               <a:rPr b="1" lang="en-IN" sz="1800" spc="-1" strike="noStrike">
                 <a:solidFill>
                   <a:srgbClr val="ffffff"/>
@@ -15144,7 +15146,7 @@
                 <a:spcPct val="100000"/>
               </a:lnSpc>
             </a:pPr>
-            <a:fld id="{8BDA15BB-D298-4511-AF8D-9655746D45B7}" type="slidenum">
+            <a:fld id="{0CD69775-DE65-47E9-97C6-4482A112DE31}" type="slidenum">
               <a:rPr b="1" lang="en-IN" sz="1800" spc="-1" strike="noStrike">
                 <a:solidFill>
                   <a:srgbClr val="ffffff"/>
@@ -16542,7 +16544,7 @@
                 <a:tab algn="l" pos="0"/>
               </a:tabLst>
             </a:pPr>
-            <a:fld id="{87C47454-8E25-4116-9B27-EAACF1540DED}" type="slidenum">
+            <a:fld id="{EE9C9A9E-34C3-4D43-9684-934DFF1551FA}" type="slidenum">
               <a:rPr b="1" lang="en-IN" sz="1800" spc="-1" strike="noStrike">
                 <a:solidFill>
                   <a:srgbClr val="ffffff"/>
@@ -16918,7 +16920,7 @@
                 <a:tab algn="l" pos="0"/>
               </a:tabLst>
             </a:pPr>
-            <a:fld id="{D69370E5-A72F-4240-B0EF-D9AC883C6460}" type="slidenum">
+            <a:fld id="{9FE68DEE-BD57-4D25-BAE4-ED38C62AD78A}" type="slidenum">
               <a:rPr b="1" lang="en-IN" sz="1800" spc="-1" strike="noStrike">
                 <a:solidFill>
                   <a:srgbClr val="ffffff"/>
@@ -17245,7 +17247,7 @@
                 <a:tab algn="l" pos="0"/>
               </a:tabLst>
             </a:pPr>
-            <a:fld id="{B7EE6C24-3321-4240-8BD4-EB513D5506BC}" type="slidenum">
+            <a:fld id="{B93799A4-2B55-49C1-AB54-7A18F55A67DB}" type="slidenum">
               <a:rPr b="1" lang="en-IN" sz="1800" spc="-1" strike="noStrike">
                 <a:solidFill>
                   <a:srgbClr val="ffffff"/>
@@ -18296,7 +18298,7 @@
                 <a:tab algn="l" pos="0"/>
               </a:tabLst>
             </a:pPr>
-            <a:fld id="{0352FEC6-1CDF-4522-8854-256B2A84FFFF}" type="slidenum">
+            <a:fld id="{5F12950A-67C9-483B-86E5-02B506FD6472}" type="slidenum">
               <a:rPr b="1" lang="en-IN" sz="1800" spc="-1" strike="noStrike">
                 <a:solidFill>
                   <a:srgbClr val="ffffff"/>
@@ -19347,7 +19349,7 @@
                 <a:tab algn="l" pos="0"/>
               </a:tabLst>
             </a:pPr>
-            <a:fld id="{0F8F2148-A275-435E-B161-C408E7F73EF2}" type="slidenum">
+            <a:fld id="{3D975D55-F2F1-4C60-B2A9-7C2DEB49FAEA}" type="slidenum">
               <a:rPr b="1" lang="en-IN" sz="1800" spc="-1" strike="noStrike">
                 <a:solidFill>
                   <a:srgbClr val="ffffff"/>
@@ -20401,7 +20403,7 @@
                 <a:tab algn="l" pos="0"/>
               </a:tabLst>
             </a:pPr>
-            <a:fld id="{5D161E62-8429-47AE-8DC2-A9C07557FC19}" type="slidenum">
+            <a:fld id="{0DF37815-B267-4303-934C-58C6DC38A89D}" type="slidenum">
               <a:rPr b="1" lang="en-IN" sz="1800" spc="-1" strike="noStrike">
                 <a:solidFill>
                   <a:srgbClr val="ffffff"/>
@@ -21230,7 +21232,7 @@
                 <a:tab algn="l" pos="0"/>
               </a:tabLst>
             </a:pPr>
-            <a:fld id="{1CEAEA9C-8803-424A-91E8-3AAA3C8FEA5E}" type="slidenum">
+            <a:fld id="{38A6C9F2-D388-41C8-B8CB-9714D7B2C073}" type="slidenum">
               <a:rPr b="1" lang="en-IN" sz="1800" spc="-1" strike="noStrike">
                 <a:solidFill>
                   <a:srgbClr val="ffffff"/>
@@ -22509,7 +22511,7 @@
                 <a:tab algn="l" pos="0"/>
               </a:tabLst>
             </a:pPr>
-            <a:fld id="{790832D7-72E1-4F14-85D1-47FA4B7EB64A}" type="slidenum">
+            <a:fld id="{952D7177-4F46-4C57-B6D6-0FD28E2E5AA9}" type="slidenum">
               <a:rPr b="1" lang="en-IN" sz="1800" spc="-1" strike="noStrike">
                 <a:solidFill>
                   <a:srgbClr val="ffffff"/>
@@ -22839,7 +22841,7 @@
                 <a:tab algn="l" pos="0"/>
               </a:tabLst>
             </a:pPr>
-            <a:fld id="{4D6F4E6E-9DE1-44E2-A21E-E93A1F383CD6}" type="slidenum">
+            <a:fld id="{37EB6295-F9CE-4D87-8AAD-37BEFE8C0289}" type="slidenum">
               <a:rPr b="1" lang="en-IN" sz="1800" spc="-1" strike="noStrike">
                 <a:solidFill>
                   <a:srgbClr val="ffffff"/>
@@ -23169,7 +23171,7 @@
                 <a:tab algn="l" pos="0"/>
               </a:tabLst>
             </a:pPr>
-            <a:fld id="{1307DE47-6F90-40A1-A89C-5B73C003DD2B}" type="slidenum">
+            <a:fld id="{D6DFCFB6-BE47-4950-81E1-75A98502DDB3}" type="slidenum">
               <a:rPr b="1" lang="en-IN" sz="1800" spc="-1" strike="noStrike">
                 <a:solidFill>
                   <a:srgbClr val="ffffff"/>
@@ -23452,7 +23454,7 @@
                 <a:spcPct val="100000"/>
               </a:lnSpc>
             </a:pPr>
-            <a:fld id="{CEBC186E-94CF-48C0-AC85-1F93665B3836}" type="slidenum">
+            <a:fld id="{3C331177-4490-478C-B5AE-DD89FA5D7B56}" type="slidenum">
               <a:rPr b="1" lang="en-IN" sz="1800" spc="-1" strike="noStrike">
                 <a:solidFill>
                   <a:srgbClr val="ffffff"/>
@@ -25078,7 +25080,7 @@
                 <a:tab algn="l" pos="0"/>
               </a:tabLst>
             </a:pPr>
-            <a:fld id="{D837B082-810E-45F5-9CE7-F04FDCAF0816}" type="slidenum">
+            <a:fld id="{96938640-3F19-49FD-A901-CA0B2B108021}" type="slidenum">
               <a:rPr b="1" lang="en-IN" sz="1800" spc="-1" strike="noStrike">
                 <a:solidFill>
                   <a:srgbClr val="ffffff"/>
@@ -25682,7 +25684,7 @@
                 <a:tab algn="l" pos="0"/>
               </a:tabLst>
             </a:pPr>
-            <a:fld id="{2F188522-A5F4-4A8C-921B-8D6055E84DE4}" type="slidenum">
+            <a:fld id="{3F9FD807-9C68-4792-B24C-EBB74B66A6F2}" type="slidenum">
               <a:rPr b="1" lang="en-IN" sz="1800" spc="-1" strike="noStrike">
                 <a:solidFill>
                   <a:srgbClr val="ffffff"/>
@@ -26511,7 +26513,7 @@
                 <a:tab algn="l" pos="0"/>
               </a:tabLst>
             </a:pPr>
-            <a:fld id="{1D764201-BE6C-48B2-83B7-0C89D72F93D8}" type="slidenum">
+            <a:fld id="{BE1592CA-0F80-46EE-8F6C-6EB2F90CBDB8}" type="slidenum">
               <a:rPr b="1" lang="en-IN" sz="1800" spc="-1" strike="noStrike">
                 <a:solidFill>
                   <a:srgbClr val="ffffff"/>
@@ -26890,7 +26892,7 @@
                 <a:tab algn="l" pos="0"/>
               </a:tabLst>
             </a:pPr>
-            <a:fld id="{FB3A6ACA-93DE-4ECF-969C-A49684C8B631}" type="slidenum">
+            <a:fld id="{839458B4-8A1D-407D-8690-B7792FB6EE4D}" type="slidenum">
               <a:rPr b="1" lang="en-IN" sz="1800" spc="-1" strike="noStrike">
                 <a:solidFill>
                   <a:srgbClr val="ffffff"/>
@@ -27220,7 +27222,7 @@
                 <a:tab algn="l" pos="0"/>
               </a:tabLst>
             </a:pPr>
-            <a:fld id="{4900CABC-0AAC-44D0-83EF-330FDC0C6DDF}" type="slidenum">
+            <a:fld id="{8517829F-0042-4796-89E9-AA73540703B5}" type="slidenum">
               <a:rPr b="1" lang="en-IN" sz="1800" spc="-1" strike="noStrike">
                 <a:solidFill>
                   <a:srgbClr val="ffffff"/>
@@ -28274,7 +28276,7 @@
                 <a:tab algn="l" pos="0"/>
               </a:tabLst>
             </a:pPr>
-            <a:fld id="{27F2C5DE-E9EF-4127-B789-E63D06A2216F}" type="slidenum">
+            <a:fld id="{C50C7F28-401E-488F-8D10-F4328D7DE1D8}" type="slidenum">
               <a:rPr b="1" lang="en-IN" sz="1800" spc="-1" strike="noStrike">
                 <a:solidFill>
                   <a:srgbClr val="ffffff"/>
@@ -29328,7 +29330,7 @@
                 <a:tab algn="l" pos="0"/>
               </a:tabLst>
             </a:pPr>
-            <a:fld id="{38A8B75E-12D5-4C5E-946C-06BF19268851}" type="slidenum">
+            <a:fld id="{FF21F861-17A9-4193-BFAE-6A00F389EF33}" type="slidenum">
               <a:rPr b="1" lang="en-IN" sz="1800" spc="-1" strike="noStrike">
                 <a:solidFill>
                   <a:srgbClr val="ffffff"/>
@@ -29611,7 +29613,7 @@
                 <a:spcPct val="100000"/>
               </a:lnSpc>
             </a:pPr>
-            <a:fld id="{4518D315-29DF-4612-AECE-5F36E500DAD5}" type="slidenum">
+            <a:fld id="{E677D46A-69B5-4B90-846B-85B81BD2686D}" type="slidenum">
               <a:rPr b="1" lang="en-IN" sz="1800" spc="-1" strike="noStrike">
                 <a:solidFill>
                   <a:srgbClr val="ffffff"/>
@@ -29967,7 +29969,7 @@
                 <a:spcPct val="100000"/>
               </a:lnSpc>
             </a:pPr>
-            <a:fld id="{B6463B08-CC0F-49F8-86E6-94D14B555099}" type="slidenum">
+            <a:fld id="{456B84EF-3933-4245-8C98-00A7F7D873D2}" type="slidenum">
               <a:rPr b="1" lang="en-IN" sz="1800" spc="-1" strike="noStrike">
                 <a:solidFill>
                   <a:srgbClr val="ffffff"/>
@@ -30323,7 +30325,7 @@
                 <a:spcPct val="100000"/>
               </a:lnSpc>
             </a:pPr>
-            <a:fld id="{40D3135C-F570-48CE-A2D4-E47B698DC471}" type="slidenum">
+            <a:fld id="{589B6644-A401-4D68-978A-8EF9DA59F39F}" type="slidenum">
               <a:rPr b="1" lang="en-IN" sz="1800" spc="-1" strike="noStrike">
                 <a:solidFill>
                   <a:srgbClr val="ffffff"/>
@@ -30953,7 +30955,7 @@
                 <a:spcPct val="100000"/>
               </a:lnSpc>
             </a:pPr>
-            <a:fld id="{697324BB-3BCA-47D3-9119-92389F016B47}" type="slidenum">
+            <a:fld id="{65FDAA9C-4366-4F85-8C04-A5D2E1AB908A}" type="slidenum">
               <a:rPr b="1" lang="en-IN" sz="1800" spc="-1" strike="noStrike">
                 <a:solidFill>
                   <a:srgbClr val="ffffff"/>
@@ -31583,7 +31585,7 @@
                 <a:spcPct val="100000"/>
               </a:lnSpc>
             </a:pPr>
-            <a:fld id="{B6D6CE7E-5F6B-4708-A4B5-9D24D3251176}" type="slidenum">
+            <a:fld id="{CEC694A9-E11E-41A5-85B7-4079E9A21D72}" type="slidenum">
               <a:rPr b="1" lang="en-IN" sz="1800" spc="-1" strike="noStrike">
                 <a:solidFill>
                   <a:srgbClr val="ffffff"/>
@@ -32438,7 +32440,7 @@
                 <a:spcPct val="100000"/>
               </a:lnSpc>
             </a:pPr>
-            <a:fld id="{00E4370B-DB08-4550-8269-429FBAC851A3}" type="slidenum">
+            <a:fld id="{71ED7AFB-E1C3-4D27-A9AB-41D903974F91}" type="slidenum">
               <a:rPr b="1" lang="en-IN" sz="1800" spc="-1" strike="noStrike">
                 <a:solidFill>
                   <a:srgbClr val="ffffff"/>
@@ -33255,7 +33257,7 @@
                 </a:solidFill>
                 <a:latin typeface="Noto Sans"/>
               </a:rPr>
-              <a:t>Proposed Algorithm</a:t>
+              <a:t>Methodology</a:t>
             </a:r>
             <a:endParaRPr b="0" lang="en-IN" sz="2700" spc="-1" strike="noStrike">
               <a:solidFill>
@@ -33266,202 +33268,131 @@
           </a:p>
         </p:txBody>
       </p:sp>
+      <p:pic>
+        <p:nvPicPr>
+          <p:cNvPr id="389" name="" descr=""/>
+          <p:cNvPicPr/>
+          <p:nvPr/>
+        </p:nvPicPr>
+        <p:blipFill>
+          <a:blip r:embed="rId1"/>
+          <a:stretch/>
+        </p:blipFill>
+        <p:spPr>
+          <a:xfrm>
+            <a:off x="1188000" y="1656000"/>
+            <a:ext cx="2800440" cy="1260000"/>
+          </a:xfrm>
+          <a:prstGeom prst="rect">
+            <a:avLst/>
+          </a:prstGeom>
+          <a:ln w="0">
+            <a:noFill/>
+          </a:ln>
+        </p:spPr>
+      </p:pic>
+      <p:pic>
+        <p:nvPicPr>
+          <p:cNvPr id="390" name="" descr=""/>
+          <p:cNvPicPr/>
+          <p:nvPr/>
+        </p:nvPicPr>
+        <p:blipFill>
+          <a:blip r:embed="rId2"/>
+          <a:stretch/>
+        </p:blipFill>
+        <p:spPr>
+          <a:xfrm>
+            <a:off x="5639760" y="4392000"/>
+            <a:ext cx="2748240" cy="682560"/>
+          </a:xfrm>
+          <a:prstGeom prst="rect">
+            <a:avLst/>
+          </a:prstGeom>
+          <a:ln w="0">
+            <a:noFill/>
+          </a:ln>
+        </p:spPr>
+      </p:pic>
+      <p:pic>
+        <p:nvPicPr>
+          <p:cNvPr id="391" name="" descr=""/>
+          <p:cNvPicPr/>
+          <p:nvPr/>
+        </p:nvPicPr>
+        <p:blipFill>
+          <a:blip r:embed="rId3"/>
+          <a:stretch/>
+        </p:blipFill>
+        <p:spPr>
+          <a:xfrm>
+            <a:off x="1323720" y="4251960"/>
+            <a:ext cx="2348280" cy="932760"/>
+          </a:xfrm>
+          <a:prstGeom prst="rect">
+            <a:avLst/>
+          </a:prstGeom>
+          <a:ln w="0">
+            <a:noFill/>
+          </a:ln>
+        </p:spPr>
+      </p:pic>
+      <p:pic>
+        <p:nvPicPr>
+          <p:cNvPr id="392" name="" descr=""/>
+          <p:cNvPicPr/>
+          <p:nvPr/>
+        </p:nvPicPr>
+        <p:blipFill>
+          <a:blip r:embed="rId4"/>
+          <a:stretch/>
+        </p:blipFill>
+        <p:spPr>
+          <a:xfrm>
+            <a:off x="2788200" y="3172320"/>
+            <a:ext cx="4879800" cy="628560"/>
+          </a:xfrm>
+          <a:prstGeom prst="rect">
+            <a:avLst/>
+          </a:prstGeom>
+          <a:ln w="0">
+            <a:noFill/>
+          </a:ln>
+        </p:spPr>
+      </p:pic>
+      <p:pic>
+        <p:nvPicPr>
+          <p:cNvPr id="393" name="" descr=""/>
+          <p:cNvPicPr/>
+          <p:nvPr/>
+        </p:nvPicPr>
+        <p:blipFill>
+          <a:blip r:embed="rId5"/>
+          <a:stretch/>
+        </p:blipFill>
+        <p:spPr>
+          <a:xfrm>
+            <a:off x="4998240" y="1678320"/>
+            <a:ext cx="3929760" cy="1309680"/>
+          </a:xfrm>
+          <a:prstGeom prst="rect">
+            <a:avLst/>
+          </a:prstGeom>
+          <a:ln w="0">
+            <a:noFill/>
+          </a:ln>
+        </p:spPr>
+      </p:pic>
       <p:sp>
         <p:nvSpPr>
-          <p:cNvPr id="389" name="PlaceHolder 8"/>
+          <p:cNvPr id="394" name="PlaceHolder 14"/>
           <p:cNvSpPr txBox="1"/>
           <p:nvPr/>
         </p:nvSpPr>
         <p:spPr>
           <a:xfrm>
-            <a:off x="360000" y="1485000"/>
-            <a:ext cx="9359280" cy="3779280"/>
-          </a:xfrm>
-          <a:prstGeom prst="rect">
-            <a:avLst/>
-          </a:prstGeom>
-          <a:noFill/>
-          <a:ln w="0">
-            <a:noFill/>
-          </a:ln>
-        </p:spPr>
-        <p:txBody>
-          <a:bodyPr lIns="0" rIns="0" tIns="0" bIns="0" anchor="t">
-            <a:normAutofit/>
-          </a:bodyPr>
-          <a:p>
-            <a:pPr marL="432000" indent="-324000">
-              <a:lnSpc>
-                <a:spcPct val="100000"/>
-              </a:lnSpc>
-              <a:spcAft>
-                <a:spcPts val="1057"/>
-              </a:spcAft>
-              <a:buClr>
-                <a:srgbClr val="2c3e50"/>
-              </a:buClr>
-              <a:buSzPct val="45000"/>
-              <a:buFont typeface="Wingdings" charset="2"/>
-              <a:buChar char=""/>
-            </a:pPr>
-            <a:r>
-              <a:rPr b="1" lang="en-IN" sz="2400" spc="-1" strike="noStrike">
-                <a:solidFill>
-                  <a:srgbClr val="2c3e50"/>
-                </a:solidFill>
-                <a:latin typeface="Noto Sans"/>
-              </a:rPr>
-              <a:t>Construct a digital audio sample input signal using “SciPy.Signal” module.</a:t>
-            </a:r>
-            <a:endParaRPr b="0" lang="en-IN" sz="2400" spc="-1" strike="noStrike">
-              <a:solidFill>
-                <a:srgbClr val="000000"/>
-              </a:solidFill>
-              <a:latin typeface="Arial"/>
-            </a:endParaRPr>
-          </a:p>
-          <a:p>
-            <a:pPr marL="432000" indent="-324000">
-              <a:lnSpc>
-                <a:spcPct val="100000"/>
-              </a:lnSpc>
-              <a:spcAft>
-                <a:spcPts val="1057"/>
-              </a:spcAft>
-              <a:buClr>
-                <a:srgbClr val="2c3e50"/>
-              </a:buClr>
-              <a:buSzPct val="45000"/>
-              <a:buFont typeface="Wingdings" charset="2"/>
-              <a:buChar char=""/>
-            </a:pPr>
-            <a:r>
-              <a:rPr b="1" lang="en-IN" sz="2400" spc="-1" strike="noStrike">
-                <a:solidFill>
-                  <a:srgbClr val="2c3e50"/>
-                </a:solidFill>
-                <a:latin typeface="Noto Sans"/>
-              </a:rPr>
-              <a:t>Design a II-Order IIR Digital Filter using “PyTorch”.</a:t>
-            </a:r>
-            <a:endParaRPr b="0" lang="en-IN" sz="2400" spc="-1" strike="noStrike">
-              <a:solidFill>
-                <a:srgbClr val="000000"/>
-              </a:solidFill>
-              <a:latin typeface="Arial"/>
-            </a:endParaRPr>
-          </a:p>
-          <a:p>
-            <a:pPr marL="432000" indent="-324000">
-              <a:lnSpc>
-                <a:spcPct val="100000"/>
-              </a:lnSpc>
-              <a:spcAft>
-                <a:spcPts val="1057"/>
-              </a:spcAft>
-              <a:buClr>
-                <a:srgbClr val="2c3e50"/>
-              </a:buClr>
-              <a:buSzPct val="45000"/>
-              <a:buFont typeface="Wingdings" charset="2"/>
-              <a:buChar char=""/>
-            </a:pPr>
-            <a:r>
-              <a:rPr b="1" lang="en-IN" sz="2400" spc="-1" strike="noStrike">
-                <a:solidFill>
-                  <a:srgbClr val="2c3e50"/>
-                </a:solidFill>
-                <a:latin typeface="Noto Sans"/>
-              </a:rPr>
-              <a:t>Pass the input signal through the filter and start a timer by using python “time” package.</a:t>
-            </a:r>
-            <a:endParaRPr b="0" lang="en-IN" sz="2400" spc="-1" strike="noStrike">
-              <a:solidFill>
-                <a:srgbClr val="000000"/>
-              </a:solidFill>
-              <a:latin typeface="Arial"/>
-            </a:endParaRPr>
-          </a:p>
-          <a:p>
-            <a:pPr marL="432000" indent="-324000">
-              <a:lnSpc>
-                <a:spcPct val="100000"/>
-              </a:lnSpc>
-              <a:spcBef>
-                <a:spcPts val="1191"/>
-              </a:spcBef>
-              <a:spcAft>
-                <a:spcPts val="992"/>
-              </a:spcAft>
-              <a:buClr>
-                <a:srgbClr val="2c3e50"/>
-              </a:buClr>
-              <a:buSzPct val="45000"/>
-              <a:buFont typeface="Wingdings" charset="2"/>
-              <a:buChar char=""/>
-            </a:pPr>
-            <a:r>
-              <a:rPr b="1" lang="en-IN" sz="2400" spc="-1" strike="noStrike">
-                <a:solidFill>
-                  <a:srgbClr val="2c3e50"/>
-                </a:solidFill>
-                <a:latin typeface="Noto Sans"/>
-              </a:rPr>
-              <a:t>Stop the timer as soon as the output comes out from the system.</a:t>
-            </a:r>
-            <a:endParaRPr b="0" lang="en-IN" sz="2400" spc="-1" strike="noStrike">
-              <a:solidFill>
-                <a:srgbClr val="000000"/>
-              </a:solidFill>
-              <a:latin typeface="Arial"/>
-            </a:endParaRPr>
-          </a:p>
-        </p:txBody>
-      </p:sp>
-    </p:spTree>
-  </p:cSld>
-  <mc:AlternateContent>
-    <mc:Choice Requires="p14">
-      <p:transition spd="slow" p14:dur="2000"/>
-    </mc:Choice>
-    <mc:Fallback>
-      <p:transition spd="slow"/>
-    </mc:Fallback>
-  </mc:AlternateContent>
-</p:sld>
-</file>
-
-<file path=ppt/slides/slide11.xml><?xml version="1.0" encoding="utf-8"?>
-<p:sld xmlns:a="http://schemas.openxmlformats.org/drawingml/2006/main" xmlns:p="http://schemas.openxmlformats.org/presentationml/2006/main" xmlns:r="http://schemas.openxmlformats.org/officeDocument/2006/relationships" xmlns:p14="http://schemas.microsoft.com/office/powerpoint/2010/main" xmlns:p15="http://schemas.microsoft.com/office/powerpoint/2012/main" xmlns:mc="http://schemas.openxmlformats.org/markup-compatibility/2006">
-  <p:cSld>
-    <p:spTree>
-      <p:nvGrpSpPr>
-        <p:cNvPr id="1" name=""/>
-        <p:cNvGrpSpPr/>
-        <p:nvPr/>
-      </p:nvGrpSpPr>
-      <p:grpSpPr>
-        <a:xfrm>
-          <a:off x="0" y="0"/>
-          <a:ext cx="0" cy="0"/>
-          <a:chOff x="0" y="0"/>
-          <a:chExt cx="0" cy="0"/>
-        </a:xfrm>
-      </p:grpSpPr>
-      <p:sp>
-        <p:nvSpPr>
-          <p:cNvPr id="390" name="PlaceHolder 1"/>
-          <p:cNvSpPr>
-            <a:spLocks noGrp="1"/>
-          </p:cNvSpPr>
-          <p:nvPr>
-            <p:ph type="title"/>
-          </p:nvPr>
-        </p:nvSpPr>
-        <p:spPr>
-          <a:xfrm>
-            <a:off x="360000" y="225720"/>
-            <a:ext cx="9359280" cy="719280"/>
+            <a:off x="360000" y="1404000"/>
+            <a:ext cx="9359280" cy="504000"/>
           </a:xfrm>
           <a:prstGeom prst="rect">
             <a:avLst/>
@@ -33476,318 +33407,32 @@
             <a:noAutofit/>
           </a:bodyPr>
           <a:p>
-            <a:pPr indent="0">
+            <a:pPr algn="ctr">
               <a:lnSpc>
                 <a:spcPct val="100000"/>
               </a:lnSpc>
-              <a:buNone/>
               <a:tabLst>
                 <a:tab algn="l" pos="0"/>
               </a:tabLst>
             </a:pPr>
             <a:r>
-              <a:rPr b="1" lang="en-IN" sz="2700" spc="-1" strike="noStrike">
-                <a:solidFill>
-                  <a:srgbClr val="ffffff"/>
+              <a:rPr b="1" lang="en-IN" sz="2200" spc="-1" strike="noStrike">
+                <a:solidFill>
+                  <a:srgbClr val="1c1c1c"/>
                 </a:solidFill>
                 <a:latin typeface="Noto Sans"/>
               </a:rPr>
-              <a:t>Flowchart</a:t>
-            </a:r>
-            <a:endParaRPr b="0" lang="en-IN" sz="2700" spc="-1" strike="noStrike">
-              <a:solidFill>
-                <a:srgbClr val="000000"/>
+              <a:t>Tools Used</a:t>
+            </a:r>
+            <a:endParaRPr b="0" lang="en-IN" sz="2200" spc="-1" strike="noStrike">
+              <a:solidFill>
+                <a:srgbClr val="1c1c1c"/>
               </a:solidFill>
               <a:latin typeface="Arial"/>
             </a:endParaRPr>
           </a:p>
         </p:txBody>
       </p:sp>
-    </p:spTree>
-  </p:cSld>
-  <mc:AlternateContent>
-    <mc:Choice Requires="p14">
-      <p:transition spd="slow" p14:dur="2000"/>
-    </mc:Choice>
-    <mc:Fallback>
-      <p:transition spd="slow"/>
-    </mc:Fallback>
-  </mc:AlternateContent>
-</p:sld>
-</file>
-
-<file path=ppt/slides/slide12.xml><?xml version="1.0" encoding="utf-8"?>
-<p:sld xmlns:a="http://schemas.openxmlformats.org/drawingml/2006/main" xmlns:p="http://schemas.openxmlformats.org/presentationml/2006/main" xmlns:r="http://schemas.openxmlformats.org/officeDocument/2006/relationships" xmlns:p14="http://schemas.microsoft.com/office/powerpoint/2010/main" xmlns:p15="http://schemas.microsoft.com/office/powerpoint/2012/main" xmlns:mc="http://schemas.openxmlformats.org/markup-compatibility/2006">
-  <p:cSld>
-    <p:spTree>
-      <p:nvGrpSpPr>
-        <p:cNvPr id="1" name=""/>
-        <p:cNvGrpSpPr/>
-        <p:nvPr/>
-      </p:nvGrpSpPr>
-      <p:grpSpPr>
-        <a:xfrm>
-          <a:off x="0" y="0"/>
-          <a:ext cx="0" cy="0"/>
-          <a:chOff x="0" y="0"/>
-          <a:chExt cx="0" cy="0"/>
-        </a:xfrm>
-      </p:grpSpPr>
-      <p:sp>
-        <p:nvSpPr>
-          <p:cNvPr id="391" name="PlaceHolder 1"/>
-          <p:cNvSpPr>
-            <a:spLocks noGrp="1"/>
-          </p:cNvSpPr>
-          <p:nvPr>
-            <p:ph type="title"/>
-          </p:nvPr>
-        </p:nvSpPr>
-        <p:spPr>
-          <a:xfrm>
-            <a:off x="360000" y="225720"/>
-            <a:ext cx="9359280" cy="719280"/>
-          </a:xfrm>
-          <a:prstGeom prst="rect">
-            <a:avLst/>
-          </a:prstGeom>
-          <a:noFill/>
-          <a:ln w="0">
-            <a:noFill/>
-          </a:ln>
-        </p:spPr>
-        <p:txBody>
-          <a:bodyPr lIns="0" rIns="0" tIns="0" bIns="0" anchor="ctr">
-            <a:noAutofit/>
-          </a:bodyPr>
-          <a:p>
-            <a:pPr indent="0">
-              <a:lnSpc>
-                <a:spcPct val="100000"/>
-              </a:lnSpc>
-              <a:buNone/>
-              <a:tabLst>
-                <a:tab algn="l" pos="0"/>
-              </a:tabLst>
-            </a:pPr>
-            <a:r>
-              <a:rPr b="1" lang="en-IN" sz="2700" spc="-1" strike="noStrike">
-                <a:solidFill>
-                  <a:srgbClr val="ffffff"/>
-                </a:solidFill>
-                <a:latin typeface="Noto Sans"/>
-              </a:rPr>
-              <a:t>Comparison Table</a:t>
-            </a:r>
-            <a:endParaRPr b="0" lang="en-IN" sz="2700" spc="-1" strike="noStrike">
-              <a:solidFill>
-                <a:srgbClr val="000000"/>
-              </a:solidFill>
-              <a:latin typeface="Arial"/>
-            </a:endParaRPr>
-          </a:p>
-        </p:txBody>
-      </p:sp>
-    </p:spTree>
-  </p:cSld>
-  <mc:AlternateContent>
-    <mc:Choice Requires="p14">
-      <p:transition spd="slow" p14:dur="2000"/>
-    </mc:Choice>
-    <mc:Fallback>
-      <p:transition spd="slow"/>
-    </mc:Fallback>
-  </mc:AlternateContent>
-</p:sld>
-</file>
-
-<file path=ppt/slides/slide13.xml><?xml version="1.0" encoding="utf-8"?>
-<p:sld xmlns:a="http://schemas.openxmlformats.org/drawingml/2006/main" xmlns:p="http://schemas.openxmlformats.org/presentationml/2006/main" xmlns:r="http://schemas.openxmlformats.org/officeDocument/2006/relationships" xmlns:p14="http://schemas.microsoft.com/office/powerpoint/2010/main" xmlns:p15="http://schemas.microsoft.com/office/powerpoint/2012/main" xmlns:mc="http://schemas.openxmlformats.org/markup-compatibility/2006">
-  <p:cSld>
-    <p:spTree>
-      <p:nvGrpSpPr>
-        <p:cNvPr id="1" name=""/>
-        <p:cNvGrpSpPr/>
-        <p:nvPr/>
-      </p:nvGrpSpPr>
-      <p:grpSpPr>
-        <a:xfrm>
-          <a:off x="0" y="0"/>
-          <a:ext cx="0" cy="0"/>
-          <a:chOff x="0" y="0"/>
-          <a:chExt cx="0" cy="0"/>
-        </a:xfrm>
-      </p:grpSpPr>
-      <p:sp>
-        <p:nvSpPr>
-          <p:cNvPr id="392" name="PlaceHolder 1"/>
-          <p:cNvSpPr>
-            <a:spLocks noGrp="1"/>
-          </p:cNvSpPr>
-          <p:nvPr>
-            <p:ph type="title"/>
-          </p:nvPr>
-        </p:nvSpPr>
-        <p:spPr>
-          <a:xfrm>
-            <a:off x="360000" y="225720"/>
-            <a:ext cx="9359280" cy="719280"/>
-          </a:xfrm>
-          <a:prstGeom prst="rect">
-            <a:avLst/>
-          </a:prstGeom>
-          <a:noFill/>
-          <a:ln w="0">
-            <a:noFill/>
-          </a:ln>
-        </p:spPr>
-        <p:txBody>
-          <a:bodyPr lIns="0" rIns="0" tIns="0" bIns="0" anchor="ctr">
-            <a:noAutofit/>
-          </a:bodyPr>
-          <a:p>
-            <a:pPr indent="0">
-              <a:lnSpc>
-                <a:spcPct val="100000"/>
-              </a:lnSpc>
-              <a:buNone/>
-              <a:tabLst>
-                <a:tab algn="l" pos="0"/>
-              </a:tabLst>
-            </a:pPr>
-            <a:r>
-              <a:rPr b="1" lang="en-IN" sz="2700" spc="-1" strike="noStrike">
-                <a:solidFill>
-                  <a:srgbClr val="ffffff"/>
-                </a:solidFill>
-                <a:latin typeface="Noto Sans"/>
-              </a:rPr>
-              <a:t>Tools Used</a:t>
-            </a:r>
-            <a:endParaRPr b="0" lang="en-IN" sz="2700" spc="-1" strike="noStrike">
-              <a:solidFill>
-                <a:srgbClr val="000000"/>
-              </a:solidFill>
-              <a:latin typeface="Arial"/>
-            </a:endParaRPr>
-          </a:p>
-        </p:txBody>
-      </p:sp>
-      <p:pic>
-        <p:nvPicPr>
-          <p:cNvPr id="393" name="" descr=""/>
-          <p:cNvPicPr/>
-          <p:nvPr/>
-        </p:nvPicPr>
-        <p:blipFill>
-          <a:blip r:embed="rId1"/>
-          <a:stretch/>
-        </p:blipFill>
-        <p:spPr>
-          <a:xfrm>
-            <a:off x="1080000" y="1440000"/>
-            <a:ext cx="2800440" cy="1260000"/>
-          </a:xfrm>
-          <a:prstGeom prst="rect">
-            <a:avLst/>
-          </a:prstGeom>
-          <a:ln w="0">
-            <a:noFill/>
-          </a:ln>
-        </p:spPr>
-      </p:pic>
-      <p:pic>
-        <p:nvPicPr>
-          <p:cNvPr id="394" name="" descr=""/>
-          <p:cNvPicPr/>
-          <p:nvPr/>
-        </p:nvPicPr>
-        <p:blipFill>
-          <a:blip r:embed="rId2"/>
-          <a:stretch/>
-        </p:blipFill>
-        <p:spPr>
-          <a:xfrm>
-            <a:off x="5531760" y="4176000"/>
-            <a:ext cx="2748240" cy="682560"/>
-          </a:xfrm>
-          <a:prstGeom prst="rect">
-            <a:avLst/>
-          </a:prstGeom>
-          <a:ln w="0">
-            <a:noFill/>
-          </a:ln>
-        </p:spPr>
-      </p:pic>
-      <p:pic>
-        <p:nvPicPr>
-          <p:cNvPr id="395" name="" descr=""/>
-          <p:cNvPicPr/>
-          <p:nvPr/>
-        </p:nvPicPr>
-        <p:blipFill>
-          <a:blip r:embed="rId3"/>
-          <a:stretch/>
-        </p:blipFill>
-        <p:spPr>
-          <a:xfrm>
-            <a:off x="1215720" y="4035960"/>
-            <a:ext cx="2348280" cy="932760"/>
-          </a:xfrm>
-          <a:prstGeom prst="rect">
-            <a:avLst/>
-          </a:prstGeom>
-          <a:ln w="0">
-            <a:noFill/>
-          </a:ln>
-        </p:spPr>
-      </p:pic>
-      <p:pic>
-        <p:nvPicPr>
-          <p:cNvPr id="396" name="" descr=""/>
-          <p:cNvPicPr/>
-          <p:nvPr/>
-        </p:nvPicPr>
-        <p:blipFill>
-          <a:blip r:embed="rId4"/>
-          <a:stretch/>
-        </p:blipFill>
-        <p:spPr>
-          <a:xfrm>
-            <a:off x="2680200" y="2956320"/>
-            <a:ext cx="4879800" cy="628560"/>
-          </a:xfrm>
-          <a:prstGeom prst="rect">
-            <a:avLst/>
-          </a:prstGeom>
-          <a:ln w="0">
-            <a:noFill/>
-          </a:ln>
-        </p:spPr>
-      </p:pic>
-      <p:pic>
-        <p:nvPicPr>
-          <p:cNvPr id="397" name="" descr=""/>
-          <p:cNvPicPr/>
-          <p:nvPr/>
-        </p:nvPicPr>
-        <p:blipFill>
-          <a:blip r:embed="rId5"/>
-          <a:stretch/>
-        </p:blipFill>
-        <p:spPr>
-          <a:xfrm>
-            <a:off x="4890240" y="1462320"/>
-            <a:ext cx="3929760" cy="1309680"/>
-          </a:xfrm>
-          <a:prstGeom prst="rect">
-            <a:avLst/>
-          </a:prstGeom>
-          <a:ln w="0">
-            <a:noFill/>
-          </a:ln>
-        </p:spPr>
-      </p:pic>
     </p:spTree>
   </p:cSld>
   <mc:AlternateContent>
@@ -33819,7 +33464,7 @@
                             </p:stCondLst>
                             <p:childTnLst>
                               <p:par>
-                                <p:cTn id="68" nodeType="clickEffect" fill="hold" presetClass="entr" presetID="53">
+                                <p:cTn id="68" nodeType="clickEffect" fill="hold" presetClass="entr" presetID="2" presetSubtype="4">
                                   <p:stCondLst>
                                     <p:cond delay="0"/>
                                   </p:stCondLst>
@@ -33827,6 +33472,208 @@
                                     <p:set>
                                       <p:cBhvr>
                                         <p:cTn id="69" dur="1" fill="hold">
+                                          <p:stCondLst>
+                                            <p:cond delay="0"/>
+                                          </p:stCondLst>
+                                        </p:cTn>
+                                        <p:tgtEl>
+                                          <p:spTgt spid="394">
+                                            <p:txEl>
+                                              <p:pRg st="0" end="0"/>
+                                            </p:txEl>
+                                          </p:spTgt>
+                                        </p:tgtEl>
+                                        <p:attrNameLst>
+                                          <p:attrName>style.visibility</p:attrName>
+                                        </p:attrNameLst>
+                                      </p:cBhvr>
+                                      <p:to>
+                                        <p:strVal val="visible"/>
+                                      </p:to>
+                                    </p:set>
+                                    <p:anim calcmode="lin" valueType="num">
+                                      <p:cBhvr additive="repl">
+                                        <p:cTn id="70" dur="500" fill="hold"/>
+                                        <p:tgtEl>
+                                          <p:spTgt spid="394">
+                                            <p:txEl>
+                                              <p:pRg st="0" end="0"/>
+                                            </p:txEl>
+                                          </p:spTgt>
+                                        </p:tgtEl>
+                                        <p:attrNameLst>
+                                          <p:attrName>ppt_x</p:attrName>
+                                        </p:attrNameLst>
+                                      </p:cBhvr>
+                                      <p:tavLst>
+                                        <p:tav tm="0">
+                                          <p:val>
+                                            <p:strVal val="#ppt_x"/>
+                                          </p:val>
+                                        </p:tav>
+                                        <p:tav tm="100000">
+                                          <p:val>
+                                            <p:strVal val="#ppt_x"/>
+                                          </p:val>
+                                        </p:tav>
+                                      </p:tavLst>
+                                    </p:anim>
+                                    <p:anim calcmode="lin" valueType="num">
+                                      <p:cBhvr additive="repl">
+                                        <p:cTn id="71" dur="500" fill="hold"/>
+                                        <p:tgtEl>
+                                          <p:spTgt spid="394">
+                                            <p:txEl>
+                                              <p:pRg st="0" end="0"/>
+                                            </p:txEl>
+                                          </p:spTgt>
+                                        </p:tgtEl>
+                                        <p:attrNameLst>
+                                          <p:attrName>ppt_y</p:attrName>
+                                        </p:attrNameLst>
+                                      </p:cBhvr>
+                                      <p:tavLst>
+                                        <p:tav tm="0">
+                                          <p:val>
+                                            <p:strVal val="1+#ppt_h/2"/>
+                                          </p:val>
+                                        </p:tav>
+                                        <p:tav tm="100000">
+                                          <p:val>
+                                            <p:strVal val="#ppt_y"/>
+                                          </p:val>
+                                        </p:tav>
+                                      </p:tavLst>
+                                    </p:anim>
+                                  </p:childTnLst>
+                                </p:cTn>
+                              </p:par>
+                            </p:childTnLst>
+                          </p:cTn>
+                        </p:par>
+                      </p:childTnLst>
+                    </p:cTn>
+                  </p:par>
+                  <p:par>
+                    <p:cTn id="72" fill="hold">
+                      <p:stCondLst>
+                        <p:cond delay="indefinite"/>
+                      </p:stCondLst>
+                      <p:childTnLst>
+                        <p:par>
+                          <p:cTn id="73" fill="hold">
+                            <p:stCondLst>
+                              <p:cond delay="0"/>
+                            </p:stCondLst>
+                            <p:childTnLst>
+                              <p:par>
+                                <p:cTn id="74" nodeType="clickEffect" fill="hold" presetClass="entr" presetID="53">
+                                  <p:stCondLst>
+                                    <p:cond delay="0"/>
+                                  </p:stCondLst>
+                                  <p:childTnLst>
+                                    <p:set>
+                                      <p:cBhvr>
+                                        <p:cTn id="75" dur="1" fill="hold">
+                                          <p:stCondLst>
+                                            <p:cond delay="0"/>
+                                          </p:stCondLst>
+                                        </p:cTn>
+                                        <p:tgtEl>
+                                          <p:spTgt spid="389"/>
+                                        </p:tgtEl>
+                                        <p:attrNameLst>
+                                          <p:attrName>style.visibility</p:attrName>
+                                        </p:attrNameLst>
+                                      </p:cBhvr>
+                                      <p:to>
+                                        <p:strVal val="visible"/>
+                                      </p:to>
+                                    </p:set>
+                                    <p:anim calcmode="lin" valueType="num">
+                                      <p:cBhvr additive="repl">
+                                        <p:cTn id="76" dur="500" fill="hold"/>
+                                        <p:tgtEl>
+                                          <p:spTgt spid="389"/>
+                                        </p:tgtEl>
+                                        <p:attrNameLst>
+                                          <p:attrName>ppt_w</p:attrName>
+                                        </p:attrNameLst>
+                                      </p:cBhvr>
+                                      <p:tavLst>
+                                        <p:tav tm="0">
+                                          <p:val>
+                                            <p:strVal val="0"/>
+                                          </p:val>
+                                        </p:tav>
+                                        <p:tav tm="100000">
+                                          <p:val>
+                                            <p:strVal val="#ppt_w"/>
+                                          </p:val>
+                                        </p:tav>
+                                      </p:tavLst>
+                                    </p:anim>
+                                    <p:anim calcmode="lin" valueType="num">
+                                      <p:cBhvr additive="repl">
+                                        <p:cTn id="77" dur="500" fill="hold"/>
+                                        <p:tgtEl>
+                                          <p:spTgt spid="389"/>
+                                        </p:tgtEl>
+                                        <p:attrNameLst>
+                                          <p:attrName>ppt_h</p:attrName>
+                                        </p:attrNameLst>
+                                      </p:cBhvr>
+                                      <p:tavLst>
+                                        <p:tav tm="0">
+                                          <p:val>
+                                            <p:strVal val="0"/>
+                                          </p:val>
+                                        </p:tav>
+                                        <p:tav tm="100000">
+                                          <p:val>
+                                            <p:strVal val="#ppt_h"/>
+                                          </p:val>
+                                        </p:tav>
+                                      </p:tavLst>
+                                    </p:anim>
+                                    <p:animEffect filter="fade" transition="in">
+                                      <p:cBhvr additive="repl">
+                                        <p:cTn id="78" dur="500"/>
+                                        <p:tgtEl>
+                                          <p:spTgt spid="389"/>
+                                        </p:tgtEl>
+                                      </p:cBhvr>
+                                    </p:animEffect>
+                                  </p:childTnLst>
+                                </p:cTn>
+                              </p:par>
+                            </p:childTnLst>
+                          </p:cTn>
+                        </p:par>
+                      </p:childTnLst>
+                    </p:cTn>
+                  </p:par>
+                  <p:par>
+                    <p:cTn id="79" fill="hold">
+                      <p:stCondLst>
+                        <p:cond delay="indefinite"/>
+                      </p:stCondLst>
+                      <p:childTnLst>
+                        <p:par>
+                          <p:cTn id="80" fill="hold">
+                            <p:stCondLst>
+                              <p:cond delay="0"/>
+                            </p:stCondLst>
+                            <p:childTnLst>
+                              <p:par>
+                                <p:cTn id="81" nodeType="clickEffect" fill="hold" presetClass="entr" presetID="53">
+                                  <p:stCondLst>
+                                    <p:cond delay="0"/>
+                                  </p:stCondLst>
+                                  <p:childTnLst>
+                                    <p:set>
+                                      <p:cBhvr>
+                                        <p:cTn id="82" dur="1" fill="hold">
                                           <p:stCondLst>
                                             <p:cond delay="0"/>
                                           </p:stCondLst>
@@ -33844,7 +33691,7 @@
                                     </p:set>
                                     <p:anim calcmode="lin" valueType="num">
                                       <p:cBhvr additive="repl">
-                                        <p:cTn id="70" dur="500" fill="hold"/>
+                                        <p:cTn id="83" dur="500" fill="hold"/>
                                         <p:tgtEl>
                                           <p:spTgt spid="393"/>
                                         </p:tgtEl>
@@ -33867,7 +33714,7 @@
                                     </p:anim>
                                     <p:anim calcmode="lin" valueType="num">
                                       <p:cBhvr additive="repl">
-                                        <p:cTn id="71" dur="500" fill="hold"/>
+                                        <p:cTn id="84" dur="500" fill="hold"/>
                                         <p:tgtEl>
                                           <p:spTgt spid="393"/>
                                         </p:tgtEl>
@@ -33890,7 +33737,7 @@
                                     </p:anim>
                                     <p:animEffect filter="fade" transition="in">
                                       <p:cBhvr additive="repl">
-                                        <p:cTn id="72" dur="500"/>
+                                        <p:cTn id="85" dur="500"/>
                                         <p:tgtEl>
                                           <p:spTgt spid="393"/>
                                         </p:tgtEl>
@@ -33906,32 +33753,32 @@
                     </p:cTn>
                   </p:par>
                   <p:par>
-                    <p:cTn id="73" fill="hold">
+                    <p:cTn id="86" fill="hold">
                       <p:stCondLst>
                         <p:cond delay="indefinite"/>
                       </p:stCondLst>
                       <p:childTnLst>
                         <p:par>
-                          <p:cTn id="74" fill="hold">
+                          <p:cTn id="87" fill="hold">
                             <p:stCondLst>
                               <p:cond delay="0"/>
                             </p:stCondLst>
                             <p:childTnLst>
                               <p:par>
-                                <p:cTn id="75" nodeType="clickEffect" fill="hold" presetClass="entr" presetID="53">
+                                <p:cTn id="88" nodeType="clickEffect" fill="hold" presetClass="entr" presetID="53">
                                   <p:stCondLst>
                                     <p:cond delay="0"/>
                                   </p:stCondLst>
                                   <p:childTnLst>
                                     <p:set>
                                       <p:cBhvr>
-                                        <p:cTn id="76" dur="1" fill="hold">
+                                        <p:cTn id="89" dur="1" fill="hold">
                                           <p:stCondLst>
                                             <p:cond delay="0"/>
                                           </p:stCondLst>
                                         </p:cTn>
                                         <p:tgtEl>
-                                          <p:spTgt spid="397"/>
+                                          <p:spTgt spid="391"/>
                                         </p:tgtEl>
                                         <p:attrNameLst>
                                           <p:attrName>style.visibility</p:attrName>
@@ -33943,9 +33790,9 @@
                                     </p:set>
                                     <p:anim calcmode="lin" valueType="num">
                                       <p:cBhvr additive="repl">
-                                        <p:cTn id="77" dur="500" fill="hold"/>
+                                        <p:cTn id="90" dur="500" fill="hold"/>
                                         <p:tgtEl>
-                                          <p:spTgt spid="397"/>
+                                          <p:spTgt spid="391"/>
                                         </p:tgtEl>
                                         <p:attrNameLst>
                                           <p:attrName>ppt_w</p:attrName>
@@ -33966,9 +33813,9 @@
                                     </p:anim>
                                     <p:anim calcmode="lin" valueType="num">
                                       <p:cBhvr additive="repl">
-                                        <p:cTn id="78" dur="500" fill="hold"/>
+                                        <p:cTn id="91" dur="500" fill="hold"/>
                                         <p:tgtEl>
-                                          <p:spTgt spid="397"/>
+                                          <p:spTgt spid="391"/>
                                         </p:tgtEl>
                                         <p:attrNameLst>
                                           <p:attrName>ppt_h</p:attrName>
@@ -33989,9 +33836,9 @@
                                     </p:anim>
                                     <p:animEffect filter="fade" transition="in">
                                       <p:cBhvr additive="repl">
-                                        <p:cTn id="79" dur="500"/>
+                                        <p:cTn id="92" dur="500"/>
                                         <p:tgtEl>
-                                          <p:spTgt spid="397"/>
+                                          <p:spTgt spid="391"/>
                                         </p:tgtEl>
                                       </p:cBhvr>
                                     </p:animEffect>
@@ -34005,32 +33852,32 @@
                     </p:cTn>
                   </p:par>
                   <p:par>
-                    <p:cTn id="80" fill="hold">
+                    <p:cTn id="93" fill="hold">
                       <p:stCondLst>
                         <p:cond delay="indefinite"/>
                       </p:stCondLst>
                       <p:childTnLst>
                         <p:par>
-                          <p:cTn id="81" fill="hold">
+                          <p:cTn id="94" fill="hold">
                             <p:stCondLst>
                               <p:cond delay="0"/>
                             </p:stCondLst>
                             <p:childTnLst>
                               <p:par>
-                                <p:cTn id="82" nodeType="clickEffect" fill="hold" presetClass="entr" presetID="53">
+                                <p:cTn id="95" nodeType="clickEffect" fill="hold" presetClass="entr" presetID="53">
                                   <p:stCondLst>
                                     <p:cond delay="0"/>
                                   </p:stCondLst>
                                   <p:childTnLst>
                                     <p:set>
                                       <p:cBhvr>
-                                        <p:cTn id="83" dur="1" fill="hold">
+                                        <p:cTn id="96" dur="1" fill="hold">
                                           <p:stCondLst>
                                             <p:cond delay="0"/>
                                           </p:stCondLst>
                                         </p:cTn>
                                         <p:tgtEl>
-                                          <p:spTgt spid="395"/>
+                                          <p:spTgt spid="390"/>
                                         </p:tgtEl>
                                         <p:attrNameLst>
                                           <p:attrName>style.visibility</p:attrName>
@@ -34042,9 +33889,9 @@
                                     </p:set>
                                     <p:anim calcmode="lin" valueType="num">
                                       <p:cBhvr additive="repl">
-                                        <p:cTn id="84" dur="500" fill="hold"/>
+                                        <p:cTn id="97" dur="500" fill="hold"/>
                                         <p:tgtEl>
-                                          <p:spTgt spid="395"/>
+                                          <p:spTgt spid="390"/>
                                         </p:tgtEl>
                                         <p:attrNameLst>
                                           <p:attrName>ppt_w</p:attrName>
@@ -34065,9 +33912,9 @@
                                     </p:anim>
                                     <p:anim calcmode="lin" valueType="num">
                                       <p:cBhvr additive="repl">
-                                        <p:cTn id="85" dur="500" fill="hold"/>
+                                        <p:cTn id="98" dur="500" fill="hold"/>
                                         <p:tgtEl>
-                                          <p:spTgt spid="395"/>
+                                          <p:spTgt spid="390"/>
                                         </p:tgtEl>
                                         <p:attrNameLst>
                                           <p:attrName>ppt_h</p:attrName>
@@ -34088,9 +33935,9 @@
                                     </p:anim>
                                     <p:animEffect filter="fade" transition="in">
                                       <p:cBhvr additive="repl">
-                                        <p:cTn id="86" dur="500"/>
+                                        <p:cTn id="99" dur="500"/>
                                         <p:tgtEl>
-                                          <p:spTgt spid="395"/>
+                                          <p:spTgt spid="390"/>
                                         </p:tgtEl>
                                       </p:cBhvr>
                                     </p:animEffect>
@@ -34104,32 +33951,32 @@
                     </p:cTn>
                   </p:par>
                   <p:par>
-                    <p:cTn id="87" fill="hold">
+                    <p:cTn id="100" fill="hold">
                       <p:stCondLst>
                         <p:cond delay="indefinite"/>
                       </p:stCondLst>
                       <p:childTnLst>
                         <p:par>
-                          <p:cTn id="88" fill="hold">
+                          <p:cTn id="101" fill="hold">
                             <p:stCondLst>
                               <p:cond delay="0"/>
                             </p:stCondLst>
                             <p:childTnLst>
                               <p:par>
-                                <p:cTn id="89" nodeType="clickEffect" fill="hold" presetClass="entr" presetID="53">
+                                <p:cTn id="102" nodeType="clickEffect" fill="hold" presetClass="entr" presetID="53">
                                   <p:stCondLst>
                                     <p:cond delay="0"/>
                                   </p:stCondLst>
                                   <p:childTnLst>
                                     <p:set>
                                       <p:cBhvr>
-                                        <p:cTn id="90" dur="1" fill="hold">
+                                        <p:cTn id="103" dur="1" fill="hold">
                                           <p:stCondLst>
                                             <p:cond delay="0"/>
                                           </p:stCondLst>
                                         </p:cTn>
                                         <p:tgtEl>
-                                          <p:spTgt spid="394"/>
+                                          <p:spTgt spid="392"/>
                                         </p:tgtEl>
                                         <p:attrNameLst>
                                           <p:attrName>style.visibility</p:attrName>
@@ -34141,9 +33988,9 @@
                                     </p:set>
                                     <p:anim calcmode="lin" valueType="num">
                                       <p:cBhvr additive="repl">
-                                        <p:cTn id="91" dur="500" fill="hold"/>
+                                        <p:cTn id="104" dur="500" fill="hold"/>
                                         <p:tgtEl>
-                                          <p:spTgt spid="394"/>
+                                          <p:spTgt spid="392"/>
                                         </p:tgtEl>
                                         <p:attrNameLst>
                                           <p:attrName>ppt_w</p:attrName>
@@ -34164,9 +34011,9 @@
                                     </p:anim>
                                     <p:anim calcmode="lin" valueType="num">
                                       <p:cBhvr additive="repl">
-                                        <p:cTn id="92" dur="500" fill="hold"/>
+                                        <p:cTn id="105" dur="500" fill="hold"/>
                                         <p:tgtEl>
-                                          <p:spTgt spid="394"/>
+                                          <p:spTgt spid="392"/>
                                         </p:tgtEl>
                                         <p:attrNameLst>
                                           <p:attrName>ppt_h</p:attrName>
@@ -34187,9 +34034,375 @@
                                     </p:anim>
                                     <p:animEffect filter="fade" transition="in">
                                       <p:cBhvr additive="repl">
-                                        <p:cTn id="93" dur="500"/>
+                                        <p:cTn id="106" dur="500"/>
                                         <p:tgtEl>
-                                          <p:spTgt spid="394"/>
+                                          <p:spTgt spid="392"/>
+                                        </p:tgtEl>
+                                      </p:cBhvr>
+                                    </p:animEffect>
+                                  </p:childTnLst>
+                                </p:cTn>
+                              </p:par>
+                            </p:childTnLst>
+                          </p:cTn>
+                        </p:par>
+                      </p:childTnLst>
+                    </p:cTn>
+                  </p:par>
+                </p:childTnLst>
+              </p:cTn>
+              <p:prevCondLst>
+                <p:cond evt="onPrev">
+                  <p:tgtEl>
+                    <p:sldTgt/>
+                  </p:tgtEl>
+                </p:cond>
+              </p:prevCondLst>
+              <p:nextCondLst>
+                <p:cond evt="onNext">
+                  <p:tgtEl>
+                    <p:sldTgt/>
+                  </p:tgtEl>
+                </p:cond>
+              </p:nextCondLst>
+            </p:seq>
+          </p:childTnLst>
+        </p:cTn>
+      </p:par>
+    </p:tnLst>
+  </p:timing>
+</p:sld>
+</file>
+
+<file path=ppt/slides/slide11.xml><?xml version="1.0" encoding="utf-8"?>
+<p:sld xmlns:a="http://schemas.openxmlformats.org/drawingml/2006/main" xmlns:p="http://schemas.openxmlformats.org/presentationml/2006/main" xmlns:r="http://schemas.openxmlformats.org/officeDocument/2006/relationships" xmlns:p14="http://schemas.microsoft.com/office/powerpoint/2010/main" xmlns:p15="http://schemas.microsoft.com/office/powerpoint/2012/main" xmlns:mc="http://schemas.openxmlformats.org/markup-compatibility/2006">
+  <p:cSld>
+    <p:spTree>
+      <p:nvGrpSpPr>
+        <p:cNvPr id="1" name=""/>
+        <p:cNvGrpSpPr/>
+        <p:nvPr/>
+      </p:nvGrpSpPr>
+      <p:grpSpPr>
+        <a:xfrm>
+          <a:off x="0" y="0"/>
+          <a:ext cx="0" cy="0"/>
+          <a:chOff x="0" y="0"/>
+          <a:chExt cx="0" cy="0"/>
+        </a:xfrm>
+      </p:grpSpPr>
+      <p:sp>
+        <p:nvSpPr>
+          <p:cNvPr id="395" name="PlaceHolder 1"/>
+          <p:cNvSpPr>
+            <a:spLocks noGrp="1"/>
+          </p:cNvSpPr>
+          <p:nvPr>
+            <p:ph type="title"/>
+          </p:nvPr>
+        </p:nvSpPr>
+        <p:spPr>
+          <a:xfrm>
+            <a:off x="360000" y="225720"/>
+            <a:ext cx="9359280" cy="719280"/>
+          </a:xfrm>
+          <a:prstGeom prst="rect">
+            <a:avLst/>
+          </a:prstGeom>
+          <a:noFill/>
+          <a:ln w="0">
+            <a:noFill/>
+          </a:ln>
+        </p:spPr>
+        <p:txBody>
+          <a:bodyPr lIns="0" rIns="0" tIns="0" bIns="0" anchor="ctr">
+            <a:noAutofit/>
+          </a:bodyPr>
+          <a:p>
+            <a:pPr indent="0">
+              <a:lnSpc>
+                <a:spcPct val="100000"/>
+              </a:lnSpc>
+              <a:buNone/>
+              <a:tabLst>
+                <a:tab algn="l" pos="0"/>
+              </a:tabLst>
+            </a:pPr>
+            <a:r>
+              <a:rPr b="1" lang="en-IN" sz="2700" spc="-1" strike="noStrike">
+                <a:solidFill>
+                  <a:srgbClr val="ffffff"/>
+                </a:solidFill>
+                <a:latin typeface="Noto Sans"/>
+              </a:rPr>
+              <a:t>Proposed Algorithm</a:t>
+            </a:r>
+            <a:endParaRPr b="0" lang="en-IN" sz="2700" spc="-1" strike="noStrike">
+              <a:solidFill>
+                <a:srgbClr val="000000"/>
+              </a:solidFill>
+              <a:latin typeface="Arial"/>
+            </a:endParaRPr>
+          </a:p>
+        </p:txBody>
+      </p:sp>
+      <p:sp>
+        <p:nvSpPr>
+          <p:cNvPr id="396" name="PlaceHolder 8"/>
+          <p:cNvSpPr txBox="1"/>
+          <p:nvPr/>
+        </p:nvSpPr>
+        <p:spPr>
+          <a:xfrm>
+            <a:off x="360000" y="1485000"/>
+            <a:ext cx="9359280" cy="3779280"/>
+          </a:xfrm>
+          <a:prstGeom prst="rect">
+            <a:avLst/>
+          </a:prstGeom>
+          <a:noFill/>
+          <a:ln w="0">
+            <a:noFill/>
+          </a:ln>
+        </p:spPr>
+        <p:txBody>
+          <a:bodyPr lIns="0" rIns="0" tIns="0" bIns="0" anchor="t">
+            <a:normAutofit/>
+          </a:bodyPr>
+          <a:p>
+            <a:pPr marL="432000" indent="-324000">
+              <a:lnSpc>
+                <a:spcPct val="100000"/>
+              </a:lnSpc>
+              <a:spcAft>
+                <a:spcPts val="1057"/>
+              </a:spcAft>
+              <a:buClr>
+                <a:srgbClr val="2c3e50"/>
+              </a:buClr>
+              <a:buSzPct val="45000"/>
+              <a:buFont typeface="Wingdings" charset="2"/>
+              <a:buChar char=""/>
+            </a:pPr>
+            <a:r>
+              <a:rPr b="1" lang="en-IN" sz="2400" spc="-1" strike="noStrike">
+                <a:solidFill>
+                  <a:srgbClr val="2c3e50"/>
+                </a:solidFill>
+                <a:latin typeface="Noto Sans"/>
+              </a:rPr>
+              <a:t>Audio Data Collection.</a:t>
+            </a:r>
+            <a:endParaRPr b="0" lang="en-IN" sz="2400" spc="-1" strike="noStrike">
+              <a:solidFill>
+                <a:srgbClr val="000000"/>
+              </a:solidFill>
+              <a:latin typeface="Arial"/>
+            </a:endParaRPr>
+          </a:p>
+          <a:p>
+            <a:pPr marL="432000" indent="-324000">
+              <a:lnSpc>
+                <a:spcPct val="100000"/>
+              </a:lnSpc>
+              <a:spcAft>
+                <a:spcPts val="1057"/>
+              </a:spcAft>
+              <a:buClr>
+                <a:srgbClr val="2c3e50"/>
+              </a:buClr>
+              <a:buSzPct val="45000"/>
+              <a:buFont typeface="Wingdings" charset="2"/>
+              <a:buChar char=""/>
+            </a:pPr>
+            <a:r>
+              <a:rPr b="1" lang="en-IN" sz="2400" spc="-1" strike="noStrike">
+                <a:solidFill>
+                  <a:srgbClr val="2c3e50"/>
+                </a:solidFill>
+                <a:latin typeface="Noto Sans"/>
+              </a:rPr>
+              <a:t>Data Pre-processing.</a:t>
+            </a:r>
+            <a:endParaRPr b="0" lang="en-IN" sz="2400" spc="-1" strike="noStrike">
+              <a:solidFill>
+                <a:srgbClr val="000000"/>
+              </a:solidFill>
+              <a:latin typeface="Arial"/>
+            </a:endParaRPr>
+          </a:p>
+          <a:p>
+            <a:pPr marL="432000" indent="-324000">
+              <a:lnSpc>
+                <a:spcPct val="100000"/>
+              </a:lnSpc>
+              <a:spcAft>
+                <a:spcPts val="1057"/>
+              </a:spcAft>
+              <a:buClr>
+                <a:srgbClr val="2c3e50"/>
+              </a:buClr>
+              <a:buSzPct val="45000"/>
+              <a:buFont typeface="Wingdings" charset="2"/>
+              <a:buChar char=""/>
+            </a:pPr>
+            <a:r>
+              <a:rPr b="1" lang="en-IN" sz="2400" spc="-1" strike="noStrike">
+                <a:solidFill>
+                  <a:srgbClr val="2c3e50"/>
+                </a:solidFill>
+                <a:latin typeface="Noto Sans"/>
+              </a:rPr>
+              <a:t>Calculation of Filter Coefficients.</a:t>
+            </a:r>
+            <a:endParaRPr b="0" lang="en-IN" sz="2400" spc="-1" strike="noStrike">
+              <a:solidFill>
+                <a:srgbClr val="000000"/>
+              </a:solidFill>
+              <a:latin typeface="Arial"/>
+            </a:endParaRPr>
+          </a:p>
+          <a:p>
+            <a:pPr marL="432000" indent="-324000">
+              <a:lnSpc>
+                <a:spcPct val="100000"/>
+              </a:lnSpc>
+              <a:spcAft>
+                <a:spcPts val="1057"/>
+              </a:spcAft>
+              <a:buClr>
+                <a:srgbClr val="2c3e50"/>
+              </a:buClr>
+              <a:buSzPct val="45000"/>
+              <a:buFont typeface="Wingdings" charset="2"/>
+              <a:buChar char=""/>
+            </a:pPr>
+            <a:r>
+              <a:rPr b="1" lang="en-IN" sz="2400" spc="-1" strike="noStrike">
+                <a:solidFill>
+                  <a:srgbClr val="2c3e50"/>
+                </a:solidFill>
+                <a:latin typeface="Noto Sans"/>
+                <a:ea typeface="Microsoft YaHei"/>
+              </a:rPr>
+              <a:t>Design a traditional II-Order IIR Digital Filter using </a:t>
+            </a:r>
+            <a:r>
+              <a:rPr b="1" lang="en-IN" sz="2400" spc="-1" strike="noStrike">
+                <a:solidFill>
+                  <a:srgbClr val="2c3e50"/>
+                </a:solidFill>
+                <a:latin typeface="Noto Sans"/>
+              </a:rPr>
+              <a:t>“SciPy.Signal” module.</a:t>
+            </a:r>
+            <a:endParaRPr b="0" lang="en-IN" sz="2400" spc="-1" strike="noStrike">
+              <a:solidFill>
+                <a:srgbClr val="000000"/>
+              </a:solidFill>
+              <a:latin typeface="Arial"/>
+            </a:endParaRPr>
+          </a:p>
+          <a:p>
+            <a:pPr marL="432000" indent="-324000">
+              <a:lnSpc>
+                <a:spcPct val="100000"/>
+              </a:lnSpc>
+              <a:spcAft>
+                <a:spcPts val="1057"/>
+              </a:spcAft>
+              <a:buClr>
+                <a:srgbClr val="2c3e50"/>
+              </a:buClr>
+              <a:buSzPct val="45000"/>
+              <a:buFont typeface="Wingdings" charset="2"/>
+              <a:buChar char=""/>
+            </a:pPr>
+            <a:r>
+              <a:rPr b="1" lang="en-IN" sz="2400" spc="-1" strike="noStrike">
+                <a:solidFill>
+                  <a:srgbClr val="2c3e50"/>
+                </a:solidFill>
+                <a:latin typeface="Noto Sans"/>
+              </a:rPr>
+              <a:t>Pass the input signal through the filter and start a timer by using python “time” package.</a:t>
+            </a:r>
+            <a:endParaRPr b="0" lang="en-IN" sz="2400" spc="-1" strike="noStrike">
+              <a:solidFill>
+                <a:srgbClr val="000000"/>
+              </a:solidFill>
+              <a:latin typeface="Arial"/>
+            </a:endParaRPr>
+          </a:p>
+        </p:txBody>
+      </p:sp>
+    </p:spTree>
+  </p:cSld>
+  <mc:AlternateContent>
+    <mc:Choice Requires="p14">
+      <p:transition spd="slow" p14:dur="2000"/>
+    </mc:Choice>
+    <mc:Fallback>
+      <p:transition spd="slow"/>
+    </mc:Fallback>
+  </mc:AlternateContent>
+  <p:timing>
+    <p:tnLst>
+      <p:par>
+        <p:cTn id="107" dur="indefinite" restart="never" nodeType="tmRoot">
+          <p:childTnLst>
+            <p:seq>
+              <p:cTn id="108" dur="indefinite" nodeType="mainSeq">
+                <p:childTnLst>
+                  <p:par>
+                    <p:cTn id="109" fill="hold">
+                      <p:stCondLst>
+                        <p:cond delay="indefinite"/>
+                      </p:stCondLst>
+                      <p:childTnLst>
+                        <p:par>
+                          <p:cTn id="110" fill="hold">
+                            <p:stCondLst>
+                              <p:cond delay="0"/>
+                            </p:stCondLst>
+                            <p:childTnLst>
+                              <p:par>
+                                <p:cTn id="111" nodeType="clickEffect" fill="hold" presetClass="entr" presetID="18" presetSubtype="12">
+                                  <p:stCondLst>
+                                    <p:cond delay="0"/>
+                                  </p:stCondLst>
+                                  <p:childTnLst>
+                                    <p:set>
+                                      <p:cBhvr>
+                                        <p:cTn id="112" dur="1" fill="hold">
+                                          <p:stCondLst>
+                                            <p:cond delay="0"/>
+                                          </p:stCondLst>
+                                        </p:cTn>
+                                        <p:tgtEl>
+                                          <p:spTgt spid="396">
+                                            <p:txEl>
+                                              <p:pRg st="0" end="0"/>
+                                            </p:txEl>
+                                          </p:spTgt>
+                                        </p:tgtEl>
+                                        <p:attrNameLst>
+                                          <p:attrName>style.visibility</p:attrName>
+                                        </p:attrNameLst>
+                                      </p:cBhvr>
+                                      <p:to>
+                                        <p:strVal val="visible"/>
+                                      </p:to>
+                                    </p:set>
+                                    <p:animEffect filter="strips(downRight)" transition="in">
+                                      <p:cBhvr additive="repl">
+                                        <p:cTn id="113" dur="500"/>
+                                        <p:tgtEl>
+                                          <p:spTgt spid="396">
+                                            <p:txEl>
+                                              <p:pRg st="0" end="0"/>
+                                            </p:txEl>
+                                          </p:spTgt>
                                         </p:tgtEl>
                                       </p:cBhvr>
                                     </p:animEffect>
@@ -34203,32 +34416,36 @@
                     </p:cTn>
                   </p:par>
                   <p:par>
-                    <p:cTn id="94" fill="hold">
+                    <p:cTn id="114" fill="hold">
                       <p:stCondLst>
                         <p:cond delay="indefinite"/>
                       </p:stCondLst>
                       <p:childTnLst>
                         <p:par>
-                          <p:cTn id="95" fill="hold">
+                          <p:cTn id="115" fill="hold">
                             <p:stCondLst>
                               <p:cond delay="0"/>
                             </p:stCondLst>
                             <p:childTnLst>
                               <p:par>
-                                <p:cTn id="96" nodeType="clickEffect" fill="hold" presetClass="entr" presetID="53">
+                                <p:cTn id="116" nodeType="clickEffect" fill="hold" presetClass="entr" presetID="18" presetSubtype="12">
                                   <p:stCondLst>
                                     <p:cond delay="0"/>
                                   </p:stCondLst>
                                   <p:childTnLst>
                                     <p:set>
                                       <p:cBhvr>
-                                        <p:cTn id="97" dur="1" fill="hold">
+                                        <p:cTn id="117" dur="1" fill="hold">
                                           <p:stCondLst>
                                             <p:cond delay="0"/>
                                           </p:stCondLst>
                                         </p:cTn>
                                         <p:tgtEl>
-                                          <p:spTgt spid="396"/>
+                                          <p:spTgt spid="396">
+                                            <p:txEl>
+                                              <p:pRg st="1" end="1"/>
+                                            </p:txEl>
+                                          </p:spTgt>
                                         </p:tgtEl>
                                         <p:attrNameLst>
                                           <p:attrName>style.visibility</p:attrName>
@@ -34238,57 +34455,953 @@
                                         <p:strVal val="visible"/>
                                       </p:to>
                                     </p:set>
-                                    <p:anim calcmode="lin" valueType="num">
+                                    <p:animEffect filter="strips(downRight)" transition="in">
                                       <p:cBhvr additive="repl">
-                                        <p:cTn id="98" dur="500" fill="hold"/>
+                                        <p:cTn id="118" dur="500"/>
                                         <p:tgtEl>
-                                          <p:spTgt spid="396"/>
+                                          <p:spTgt spid="396">
+                                            <p:txEl>
+                                              <p:pRg st="1" end="1"/>
+                                            </p:txEl>
+                                          </p:spTgt>
+                                        </p:tgtEl>
+                                      </p:cBhvr>
+                                    </p:animEffect>
+                                  </p:childTnLst>
+                                </p:cTn>
+                              </p:par>
+                            </p:childTnLst>
+                          </p:cTn>
+                        </p:par>
+                      </p:childTnLst>
+                    </p:cTn>
+                  </p:par>
+                  <p:par>
+                    <p:cTn id="119" fill="hold">
+                      <p:stCondLst>
+                        <p:cond delay="indefinite"/>
+                      </p:stCondLst>
+                      <p:childTnLst>
+                        <p:par>
+                          <p:cTn id="120" fill="hold">
+                            <p:stCondLst>
+                              <p:cond delay="0"/>
+                            </p:stCondLst>
+                            <p:childTnLst>
+                              <p:par>
+                                <p:cTn id="121" nodeType="clickEffect" fill="hold" presetClass="entr" presetID="18" presetSubtype="12">
+                                  <p:stCondLst>
+                                    <p:cond delay="0"/>
+                                  </p:stCondLst>
+                                  <p:childTnLst>
+                                    <p:set>
+                                      <p:cBhvr>
+                                        <p:cTn id="122" dur="1" fill="hold">
+                                          <p:stCondLst>
+                                            <p:cond delay="0"/>
+                                          </p:stCondLst>
+                                        </p:cTn>
+                                        <p:tgtEl>
+                                          <p:spTgt spid="396">
+                                            <p:txEl>
+                                              <p:pRg st="2" end="2"/>
+                                            </p:txEl>
+                                          </p:spTgt>
                                         </p:tgtEl>
                                         <p:attrNameLst>
-                                          <p:attrName>ppt_w</p:attrName>
+                                          <p:attrName>style.visibility</p:attrName>
                                         </p:attrNameLst>
                                       </p:cBhvr>
-                                      <p:tavLst>
-                                        <p:tav tm="0">
-                                          <p:val>
-                                            <p:strVal val="0"/>
-                                          </p:val>
-                                        </p:tav>
-                                        <p:tav tm="100000">
-                                          <p:val>
-                                            <p:strVal val="#ppt_w"/>
-                                          </p:val>
-                                        </p:tav>
-                                      </p:tavLst>
-                                    </p:anim>
-                                    <p:anim calcmode="lin" valueType="num">
+                                      <p:to>
+                                        <p:strVal val="visible"/>
+                                      </p:to>
+                                    </p:set>
+                                    <p:animEffect filter="strips(downRight)" transition="in">
                                       <p:cBhvr additive="repl">
-                                        <p:cTn id="99" dur="500" fill="hold"/>
+                                        <p:cTn id="123" dur="500"/>
                                         <p:tgtEl>
-                                          <p:spTgt spid="396"/>
+                                          <p:spTgt spid="396">
+                                            <p:txEl>
+                                              <p:pRg st="2" end="2"/>
+                                            </p:txEl>
+                                          </p:spTgt>
+                                        </p:tgtEl>
+                                      </p:cBhvr>
+                                    </p:animEffect>
+                                  </p:childTnLst>
+                                </p:cTn>
+                              </p:par>
+                            </p:childTnLst>
+                          </p:cTn>
+                        </p:par>
+                      </p:childTnLst>
+                    </p:cTn>
+                  </p:par>
+                  <p:par>
+                    <p:cTn id="124" fill="hold">
+                      <p:stCondLst>
+                        <p:cond delay="indefinite"/>
+                      </p:stCondLst>
+                      <p:childTnLst>
+                        <p:par>
+                          <p:cTn id="125" fill="hold">
+                            <p:stCondLst>
+                              <p:cond delay="0"/>
+                            </p:stCondLst>
+                            <p:childTnLst>
+                              <p:par>
+                                <p:cTn id="126" nodeType="clickEffect" fill="hold" presetClass="entr" presetID="18" presetSubtype="12">
+                                  <p:stCondLst>
+                                    <p:cond delay="0"/>
+                                  </p:stCondLst>
+                                  <p:childTnLst>
+                                    <p:set>
+                                      <p:cBhvr>
+                                        <p:cTn id="127" dur="1" fill="hold">
+                                          <p:stCondLst>
+                                            <p:cond delay="0"/>
+                                          </p:stCondLst>
+                                        </p:cTn>
+                                        <p:tgtEl>
+                                          <p:spTgt spid="396">
+                                            <p:txEl>
+                                              <p:pRg st="3" end="3"/>
+                                            </p:txEl>
+                                          </p:spTgt>
                                         </p:tgtEl>
                                         <p:attrNameLst>
-                                          <p:attrName>ppt_h</p:attrName>
+                                          <p:attrName>style.visibility</p:attrName>
                                         </p:attrNameLst>
                                       </p:cBhvr>
-                                      <p:tavLst>
-                                        <p:tav tm="0">
-                                          <p:val>
-                                            <p:strVal val="0"/>
-                                          </p:val>
-                                        </p:tav>
-                                        <p:tav tm="100000">
-                                          <p:val>
-                                            <p:strVal val="#ppt_h"/>
-                                          </p:val>
-                                        </p:tav>
-                                      </p:tavLst>
-                                    </p:anim>
-                                    <p:animEffect filter="fade" transition="in">
+                                      <p:to>
+                                        <p:strVal val="visible"/>
+                                      </p:to>
+                                    </p:set>
+                                    <p:animEffect filter="strips(downRight)" transition="in">
                                       <p:cBhvr additive="repl">
-                                        <p:cTn id="100" dur="500"/>
+                                        <p:cTn id="128" dur="500"/>
                                         <p:tgtEl>
-                                          <p:spTgt spid="396"/>
+                                          <p:spTgt spid="396">
+                                            <p:txEl>
+                                              <p:pRg st="3" end="3"/>
+                                            </p:txEl>
+                                          </p:spTgt>
+                                        </p:tgtEl>
+                                      </p:cBhvr>
+                                    </p:animEffect>
+                                  </p:childTnLst>
+                                </p:cTn>
+                              </p:par>
+                            </p:childTnLst>
+                          </p:cTn>
+                        </p:par>
+                      </p:childTnLst>
+                    </p:cTn>
+                  </p:par>
+                  <p:par>
+                    <p:cTn id="129" fill="hold">
+                      <p:stCondLst>
+                        <p:cond delay="indefinite"/>
+                      </p:stCondLst>
+                      <p:childTnLst>
+                        <p:par>
+                          <p:cTn id="130" fill="hold">
+                            <p:stCondLst>
+                              <p:cond delay="0"/>
+                            </p:stCondLst>
+                            <p:childTnLst>
+                              <p:par>
+                                <p:cTn id="131" nodeType="clickEffect" fill="hold" presetClass="entr" presetID="18" presetSubtype="12">
+                                  <p:stCondLst>
+                                    <p:cond delay="0"/>
+                                  </p:stCondLst>
+                                  <p:childTnLst>
+                                    <p:set>
+                                      <p:cBhvr>
+                                        <p:cTn id="132" dur="1" fill="hold">
+                                          <p:stCondLst>
+                                            <p:cond delay="0"/>
+                                          </p:stCondLst>
+                                        </p:cTn>
+                                        <p:tgtEl>
+                                          <p:spTgt spid="396">
+                                            <p:txEl>
+                                              <p:pRg st="4" end="4"/>
+                                            </p:txEl>
+                                          </p:spTgt>
+                                        </p:tgtEl>
+                                        <p:attrNameLst>
+                                          <p:attrName>style.visibility</p:attrName>
+                                        </p:attrNameLst>
+                                      </p:cBhvr>
+                                      <p:to>
+                                        <p:strVal val="visible"/>
+                                      </p:to>
+                                    </p:set>
+                                    <p:animEffect filter="strips(downRight)" transition="in">
+                                      <p:cBhvr additive="repl">
+                                        <p:cTn id="133" dur="500"/>
+                                        <p:tgtEl>
+                                          <p:spTgt spid="396">
+                                            <p:txEl>
+                                              <p:pRg st="4" end="4"/>
+                                            </p:txEl>
+                                          </p:spTgt>
+                                        </p:tgtEl>
+                                      </p:cBhvr>
+                                    </p:animEffect>
+                                  </p:childTnLst>
+                                </p:cTn>
+                              </p:par>
+                            </p:childTnLst>
+                          </p:cTn>
+                        </p:par>
+                      </p:childTnLst>
+                    </p:cTn>
+                  </p:par>
+                </p:childTnLst>
+              </p:cTn>
+              <p:prevCondLst>
+                <p:cond evt="onPrev">
+                  <p:tgtEl>
+                    <p:sldTgt/>
+                  </p:tgtEl>
+                </p:cond>
+              </p:prevCondLst>
+              <p:nextCondLst>
+                <p:cond evt="onNext">
+                  <p:tgtEl>
+                    <p:sldTgt/>
+                  </p:tgtEl>
+                </p:cond>
+              </p:nextCondLst>
+            </p:seq>
+          </p:childTnLst>
+        </p:cTn>
+      </p:par>
+    </p:tnLst>
+  </p:timing>
+</p:sld>
+</file>
+
+<file path=ppt/slides/slide12.xml><?xml version="1.0" encoding="utf-8"?>
+<p:sld xmlns:a="http://schemas.openxmlformats.org/drawingml/2006/main" xmlns:p="http://schemas.openxmlformats.org/presentationml/2006/main" xmlns:r="http://schemas.openxmlformats.org/officeDocument/2006/relationships" xmlns:p14="http://schemas.microsoft.com/office/powerpoint/2010/main" xmlns:p15="http://schemas.microsoft.com/office/powerpoint/2012/main" xmlns:mc="http://schemas.openxmlformats.org/markup-compatibility/2006">
+  <p:cSld>
+    <p:spTree>
+      <p:nvGrpSpPr>
+        <p:cNvPr id="1" name=""/>
+        <p:cNvGrpSpPr/>
+        <p:nvPr/>
+      </p:nvGrpSpPr>
+      <p:grpSpPr>
+        <a:xfrm>
+          <a:off x="0" y="0"/>
+          <a:ext cx="0" cy="0"/>
+          <a:chOff x="0" y="0"/>
+          <a:chExt cx="0" cy="0"/>
+        </a:xfrm>
+      </p:grpSpPr>
+      <p:sp>
+        <p:nvSpPr>
+          <p:cNvPr id="397" name="PlaceHolder 1"/>
+          <p:cNvSpPr>
+            <a:spLocks noGrp="1"/>
+          </p:cNvSpPr>
+          <p:nvPr>
+            <p:ph type="title"/>
+          </p:nvPr>
+        </p:nvSpPr>
+        <p:spPr>
+          <a:xfrm>
+            <a:off x="360000" y="225720"/>
+            <a:ext cx="9359280" cy="719280"/>
+          </a:xfrm>
+          <a:prstGeom prst="rect">
+            <a:avLst/>
+          </a:prstGeom>
+          <a:noFill/>
+          <a:ln w="0">
+            <a:noFill/>
+          </a:ln>
+        </p:spPr>
+        <p:txBody>
+          <a:bodyPr lIns="0" rIns="0" tIns="0" bIns="0" anchor="ctr">
+            <a:noAutofit/>
+          </a:bodyPr>
+          <a:p>
+            <a:pPr indent="0">
+              <a:lnSpc>
+                <a:spcPct val="100000"/>
+              </a:lnSpc>
+              <a:buNone/>
+              <a:tabLst>
+                <a:tab algn="l" pos="0"/>
+              </a:tabLst>
+            </a:pPr>
+            <a:r>
+              <a:rPr b="1" lang="en-IN" sz="2700" spc="-1" strike="noStrike">
+                <a:solidFill>
+                  <a:srgbClr val="ffffff"/>
+                </a:solidFill>
+                <a:latin typeface="Noto Sans"/>
+              </a:rPr>
+              <a:t>Proposed Algorithm</a:t>
+            </a:r>
+            <a:endParaRPr b="0" lang="en-IN" sz="2700" spc="-1" strike="noStrike">
+              <a:solidFill>
+                <a:srgbClr val="000000"/>
+              </a:solidFill>
+              <a:latin typeface="Arial"/>
+            </a:endParaRPr>
+          </a:p>
+        </p:txBody>
+      </p:sp>
+      <p:sp>
+        <p:nvSpPr>
+          <p:cNvPr id="398" name="PlaceHolder 10"/>
+          <p:cNvSpPr txBox="1"/>
+          <p:nvPr/>
+        </p:nvSpPr>
+        <p:spPr>
+          <a:xfrm>
+            <a:off x="360000" y="1485000"/>
+            <a:ext cx="9359280" cy="3779280"/>
+          </a:xfrm>
+          <a:prstGeom prst="rect">
+            <a:avLst/>
+          </a:prstGeom>
+          <a:noFill/>
+          <a:ln w="0">
+            <a:noFill/>
+          </a:ln>
+        </p:spPr>
+        <p:txBody>
+          <a:bodyPr lIns="0" rIns="0" tIns="0" bIns="0" anchor="t">
+            <a:normAutofit/>
+          </a:bodyPr>
+          <a:p>
+            <a:pPr marL="432000" indent="-324000">
+              <a:lnSpc>
+                <a:spcPct val="100000"/>
+              </a:lnSpc>
+              <a:spcBef>
+                <a:spcPts val="1191"/>
+              </a:spcBef>
+              <a:spcAft>
+                <a:spcPts val="992"/>
+              </a:spcAft>
+              <a:buClr>
+                <a:srgbClr val="2c3e50"/>
+              </a:buClr>
+              <a:buSzPct val="45000"/>
+              <a:buFont typeface="Wingdings" charset="2"/>
+              <a:buChar char=""/>
+            </a:pPr>
+            <a:r>
+              <a:rPr b="1" lang="en-IN" sz="2400" spc="-1" strike="noStrike">
+                <a:solidFill>
+                  <a:srgbClr val="2c3e50"/>
+                </a:solidFill>
+                <a:latin typeface="Noto Sans"/>
+              </a:rPr>
+              <a:t>Stop the timer as soon as the output comes out from the system.</a:t>
+            </a:r>
+            <a:endParaRPr b="0" lang="en-IN" sz="2400" spc="-1" strike="noStrike">
+              <a:solidFill>
+                <a:srgbClr val="000000"/>
+              </a:solidFill>
+              <a:latin typeface="Arial"/>
+            </a:endParaRPr>
+          </a:p>
+          <a:p>
+            <a:pPr marL="432000" indent="-324000">
+              <a:lnSpc>
+                <a:spcPct val="100000"/>
+              </a:lnSpc>
+              <a:spcBef>
+                <a:spcPts val="1191"/>
+              </a:spcBef>
+              <a:spcAft>
+                <a:spcPts val="992"/>
+              </a:spcAft>
+              <a:buClr>
+                <a:srgbClr val="2c3e50"/>
+              </a:buClr>
+              <a:buSzPct val="45000"/>
+              <a:buFont typeface="Wingdings" charset="2"/>
+              <a:buChar char=""/>
+            </a:pPr>
+            <a:r>
+              <a:rPr b="1" lang="en-IN" sz="2400" spc="-1" strike="noStrike">
+                <a:solidFill>
+                  <a:srgbClr val="2c3e50"/>
+                </a:solidFill>
+                <a:latin typeface="Noto Sans"/>
+              </a:rPr>
+              <a:t>Find the latency by calculating the difference between start time stamp and stop time stamp.</a:t>
+            </a:r>
+            <a:endParaRPr b="0" lang="en-IN" sz="2400" spc="-1" strike="noStrike">
+              <a:solidFill>
+                <a:srgbClr val="000000"/>
+              </a:solidFill>
+              <a:latin typeface="Arial"/>
+            </a:endParaRPr>
+          </a:p>
+          <a:p>
+            <a:pPr marL="432000" indent="-324000">
+              <a:lnSpc>
+                <a:spcPct val="100000"/>
+              </a:lnSpc>
+              <a:spcBef>
+                <a:spcPts val="1191"/>
+              </a:spcBef>
+              <a:spcAft>
+                <a:spcPts val="992"/>
+              </a:spcAft>
+              <a:buClr>
+                <a:srgbClr val="2c3e50"/>
+              </a:buClr>
+              <a:buSzPct val="45000"/>
+              <a:buFont typeface="Wingdings" charset="2"/>
+              <a:buChar char=""/>
+            </a:pPr>
+            <a:r>
+              <a:rPr b="1" lang="en-IN" sz="2400" spc="-1" strike="noStrike">
+                <a:solidFill>
+                  <a:srgbClr val="2c3e50"/>
+                </a:solidFill>
+                <a:latin typeface="Noto Sans"/>
+              </a:rPr>
+              <a:t>Design a II-Order 3-Layer RNN-IIR Digital Filter by using the PyTorch and initialize it’s weight matrix with the calculated filter coefficients.</a:t>
+            </a:r>
+            <a:endParaRPr b="0" lang="en-IN" sz="2400" spc="-1" strike="noStrike">
+              <a:solidFill>
+                <a:srgbClr val="000000"/>
+              </a:solidFill>
+              <a:latin typeface="Arial"/>
+            </a:endParaRPr>
+          </a:p>
+        </p:txBody>
+      </p:sp>
+    </p:spTree>
+  </p:cSld>
+  <mc:AlternateContent>
+    <mc:Choice Requires="p14">
+      <p:transition spd="slow" p14:dur="2000"/>
+    </mc:Choice>
+    <mc:Fallback>
+      <p:transition spd="slow"/>
+    </mc:Fallback>
+  </mc:AlternateContent>
+  <p:timing>
+    <p:tnLst>
+      <p:par>
+        <p:cTn id="134" dur="indefinite" restart="never" nodeType="tmRoot">
+          <p:childTnLst>
+            <p:seq>
+              <p:cTn id="135" dur="indefinite" nodeType="mainSeq">
+                <p:childTnLst>
+                  <p:par>
+                    <p:cTn id="136" fill="hold">
+                      <p:stCondLst>
+                        <p:cond delay="indefinite"/>
+                      </p:stCondLst>
+                      <p:childTnLst>
+                        <p:par>
+                          <p:cTn id="137" fill="hold">
+                            <p:stCondLst>
+                              <p:cond delay="0"/>
+                            </p:stCondLst>
+                            <p:childTnLst>
+                              <p:par>
+                                <p:cTn id="138" nodeType="clickEffect" fill="hold" presetClass="entr" presetID="18" presetSubtype="12">
+                                  <p:stCondLst>
+                                    <p:cond delay="0"/>
+                                  </p:stCondLst>
+                                  <p:childTnLst>
+                                    <p:set>
+                                      <p:cBhvr>
+                                        <p:cTn id="139" dur="1" fill="hold">
+                                          <p:stCondLst>
+                                            <p:cond delay="0"/>
+                                          </p:stCondLst>
+                                        </p:cTn>
+                                        <p:tgtEl>
+                                          <p:spTgt spid="398">
+                                            <p:txEl>
+                                              <p:pRg st="0" end="0"/>
+                                            </p:txEl>
+                                          </p:spTgt>
+                                        </p:tgtEl>
+                                        <p:attrNameLst>
+                                          <p:attrName>style.visibility</p:attrName>
+                                        </p:attrNameLst>
+                                      </p:cBhvr>
+                                      <p:to>
+                                        <p:strVal val="visible"/>
+                                      </p:to>
+                                    </p:set>
+                                    <p:animEffect filter="strips(downRight)" transition="in">
+                                      <p:cBhvr additive="repl">
+                                        <p:cTn id="140" dur="500"/>
+                                        <p:tgtEl>
+                                          <p:spTgt spid="398">
+                                            <p:txEl>
+                                              <p:pRg st="0" end="0"/>
+                                            </p:txEl>
+                                          </p:spTgt>
+                                        </p:tgtEl>
+                                      </p:cBhvr>
+                                    </p:animEffect>
+                                  </p:childTnLst>
+                                </p:cTn>
+                              </p:par>
+                            </p:childTnLst>
+                          </p:cTn>
+                        </p:par>
+                      </p:childTnLst>
+                    </p:cTn>
+                  </p:par>
+                  <p:par>
+                    <p:cTn id="141" fill="hold">
+                      <p:stCondLst>
+                        <p:cond delay="indefinite"/>
+                      </p:stCondLst>
+                      <p:childTnLst>
+                        <p:par>
+                          <p:cTn id="142" fill="hold">
+                            <p:stCondLst>
+                              <p:cond delay="0"/>
+                            </p:stCondLst>
+                            <p:childTnLst>
+                              <p:par>
+                                <p:cTn id="143" nodeType="clickEffect" fill="hold" presetClass="entr" presetID="18" presetSubtype="12">
+                                  <p:stCondLst>
+                                    <p:cond delay="0"/>
+                                  </p:stCondLst>
+                                  <p:childTnLst>
+                                    <p:set>
+                                      <p:cBhvr>
+                                        <p:cTn id="144" dur="1" fill="hold">
+                                          <p:stCondLst>
+                                            <p:cond delay="0"/>
+                                          </p:stCondLst>
+                                        </p:cTn>
+                                        <p:tgtEl>
+                                          <p:spTgt spid="398">
+                                            <p:txEl>
+                                              <p:pRg st="1" end="1"/>
+                                            </p:txEl>
+                                          </p:spTgt>
+                                        </p:tgtEl>
+                                        <p:attrNameLst>
+                                          <p:attrName>style.visibility</p:attrName>
+                                        </p:attrNameLst>
+                                      </p:cBhvr>
+                                      <p:to>
+                                        <p:strVal val="visible"/>
+                                      </p:to>
+                                    </p:set>
+                                    <p:animEffect filter="strips(downRight)" transition="in">
+                                      <p:cBhvr additive="repl">
+                                        <p:cTn id="145" dur="500"/>
+                                        <p:tgtEl>
+                                          <p:spTgt spid="398">
+                                            <p:txEl>
+                                              <p:pRg st="1" end="1"/>
+                                            </p:txEl>
+                                          </p:spTgt>
+                                        </p:tgtEl>
+                                      </p:cBhvr>
+                                    </p:animEffect>
+                                  </p:childTnLst>
+                                </p:cTn>
+                              </p:par>
+                            </p:childTnLst>
+                          </p:cTn>
+                        </p:par>
+                      </p:childTnLst>
+                    </p:cTn>
+                  </p:par>
+                  <p:par>
+                    <p:cTn id="146" fill="hold">
+                      <p:stCondLst>
+                        <p:cond delay="indefinite"/>
+                      </p:stCondLst>
+                      <p:childTnLst>
+                        <p:par>
+                          <p:cTn id="147" fill="hold">
+                            <p:stCondLst>
+                              <p:cond delay="0"/>
+                            </p:stCondLst>
+                            <p:childTnLst>
+                              <p:par>
+                                <p:cTn id="148" nodeType="clickEffect" fill="hold" presetClass="entr" presetID="18" presetSubtype="12">
+                                  <p:stCondLst>
+                                    <p:cond delay="0"/>
+                                  </p:stCondLst>
+                                  <p:childTnLst>
+                                    <p:set>
+                                      <p:cBhvr>
+                                        <p:cTn id="149" dur="1" fill="hold">
+                                          <p:stCondLst>
+                                            <p:cond delay="0"/>
+                                          </p:stCondLst>
+                                        </p:cTn>
+                                        <p:tgtEl>
+                                          <p:spTgt spid="398">
+                                            <p:txEl>
+                                              <p:pRg st="2" end="2"/>
+                                            </p:txEl>
+                                          </p:spTgt>
+                                        </p:tgtEl>
+                                        <p:attrNameLst>
+                                          <p:attrName>style.visibility</p:attrName>
+                                        </p:attrNameLst>
+                                      </p:cBhvr>
+                                      <p:to>
+                                        <p:strVal val="visible"/>
+                                      </p:to>
+                                    </p:set>
+                                    <p:animEffect filter="strips(downRight)" transition="in">
+                                      <p:cBhvr additive="repl">
+                                        <p:cTn id="150" dur="500"/>
+                                        <p:tgtEl>
+                                          <p:spTgt spid="398">
+                                            <p:txEl>
+                                              <p:pRg st="2" end="2"/>
+                                            </p:txEl>
+                                          </p:spTgt>
+                                        </p:tgtEl>
+                                      </p:cBhvr>
+                                    </p:animEffect>
+                                  </p:childTnLst>
+                                </p:cTn>
+                              </p:par>
+                            </p:childTnLst>
+                          </p:cTn>
+                        </p:par>
+                      </p:childTnLst>
+                    </p:cTn>
+                  </p:par>
+                </p:childTnLst>
+              </p:cTn>
+              <p:prevCondLst>
+                <p:cond evt="onPrev">
+                  <p:tgtEl>
+                    <p:sldTgt/>
+                  </p:tgtEl>
+                </p:cond>
+              </p:prevCondLst>
+              <p:nextCondLst>
+                <p:cond evt="onNext">
+                  <p:tgtEl>
+                    <p:sldTgt/>
+                  </p:tgtEl>
+                </p:cond>
+              </p:nextCondLst>
+            </p:seq>
+          </p:childTnLst>
+        </p:cTn>
+      </p:par>
+    </p:tnLst>
+  </p:timing>
+</p:sld>
+</file>
+
+<file path=ppt/slides/slide13.xml><?xml version="1.0" encoding="utf-8"?>
+<p:sld xmlns:a="http://schemas.openxmlformats.org/drawingml/2006/main" xmlns:p="http://schemas.openxmlformats.org/presentationml/2006/main" xmlns:r="http://schemas.openxmlformats.org/officeDocument/2006/relationships" xmlns:p14="http://schemas.microsoft.com/office/powerpoint/2010/main" xmlns:p15="http://schemas.microsoft.com/office/powerpoint/2012/main" xmlns:mc="http://schemas.openxmlformats.org/markup-compatibility/2006">
+  <p:cSld>
+    <p:spTree>
+      <p:nvGrpSpPr>
+        <p:cNvPr id="1" name=""/>
+        <p:cNvGrpSpPr/>
+        <p:nvPr/>
+      </p:nvGrpSpPr>
+      <p:grpSpPr>
+        <a:xfrm>
+          <a:off x="0" y="0"/>
+          <a:ext cx="0" cy="0"/>
+          <a:chOff x="0" y="0"/>
+          <a:chExt cx="0" cy="0"/>
+        </a:xfrm>
+      </p:grpSpPr>
+      <p:sp>
+        <p:nvSpPr>
+          <p:cNvPr id="399" name="PlaceHolder 1"/>
+          <p:cNvSpPr>
+            <a:spLocks noGrp="1"/>
+          </p:cNvSpPr>
+          <p:nvPr>
+            <p:ph type="title"/>
+          </p:nvPr>
+        </p:nvSpPr>
+        <p:spPr>
+          <a:xfrm>
+            <a:off x="360000" y="225720"/>
+            <a:ext cx="9359280" cy="719280"/>
+          </a:xfrm>
+          <a:prstGeom prst="rect">
+            <a:avLst/>
+          </a:prstGeom>
+          <a:noFill/>
+          <a:ln w="0">
+            <a:noFill/>
+          </a:ln>
+        </p:spPr>
+        <p:txBody>
+          <a:bodyPr lIns="0" rIns="0" tIns="0" bIns="0" anchor="ctr">
+            <a:noAutofit/>
+          </a:bodyPr>
+          <a:p>
+            <a:pPr indent="0">
+              <a:lnSpc>
+                <a:spcPct val="100000"/>
+              </a:lnSpc>
+              <a:buNone/>
+              <a:tabLst>
+                <a:tab algn="l" pos="0"/>
+              </a:tabLst>
+            </a:pPr>
+            <a:r>
+              <a:rPr b="1" lang="en-IN" sz="2700" spc="-1" strike="noStrike">
+                <a:solidFill>
+                  <a:srgbClr val="ffffff"/>
+                </a:solidFill>
+                <a:latin typeface="Noto Sans"/>
+              </a:rPr>
+              <a:t>Proposed Algorithm</a:t>
+            </a:r>
+            <a:endParaRPr b="0" lang="en-IN" sz="2700" spc="-1" strike="noStrike">
+              <a:solidFill>
+                <a:srgbClr val="000000"/>
+              </a:solidFill>
+              <a:latin typeface="Arial"/>
+            </a:endParaRPr>
+          </a:p>
+        </p:txBody>
+      </p:sp>
+      <p:sp>
+        <p:nvSpPr>
+          <p:cNvPr id="400" name="PlaceHolder 13"/>
+          <p:cNvSpPr txBox="1"/>
+          <p:nvPr/>
+        </p:nvSpPr>
+        <p:spPr>
+          <a:xfrm>
+            <a:off x="360000" y="1485000"/>
+            <a:ext cx="9359280" cy="3779280"/>
+          </a:xfrm>
+          <a:prstGeom prst="rect">
+            <a:avLst/>
+          </a:prstGeom>
+          <a:noFill/>
+          <a:ln w="0">
+            <a:noFill/>
+          </a:ln>
+        </p:spPr>
+        <p:txBody>
+          <a:bodyPr lIns="0" rIns="0" tIns="0" bIns="0" anchor="t">
+            <a:normAutofit/>
+          </a:bodyPr>
+          <a:p>
+            <a:pPr marL="432000" indent="-324000">
+              <a:lnSpc>
+                <a:spcPct val="100000"/>
+              </a:lnSpc>
+              <a:spcBef>
+                <a:spcPts val="1191"/>
+              </a:spcBef>
+              <a:spcAft>
+                <a:spcPts val="992"/>
+              </a:spcAft>
+              <a:buClr>
+                <a:srgbClr val="2c3e50"/>
+              </a:buClr>
+              <a:buSzPct val="45000"/>
+              <a:buFont typeface="Wingdings" charset="2"/>
+              <a:buChar char=""/>
+            </a:pPr>
+            <a:r>
+              <a:rPr b="1" lang="en-IN" sz="2400" spc="-1" strike="noStrike">
+                <a:solidFill>
+                  <a:srgbClr val="2c3e50"/>
+                </a:solidFill>
+                <a:latin typeface="Noto Sans"/>
+              </a:rPr>
+              <a:t>Apply the input signal to the RNN-IIR Digital Filter and calculate the it’s latency by the same process as in case of traditional filter.</a:t>
+            </a:r>
+            <a:endParaRPr b="0" lang="en-IN" sz="2400" spc="-1" strike="noStrike">
+              <a:solidFill>
+                <a:srgbClr val="000000"/>
+              </a:solidFill>
+              <a:latin typeface="Arial"/>
+            </a:endParaRPr>
+          </a:p>
+          <a:p>
+            <a:pPr marL="432000" indent="-324000">
+              <a:lnSpc>
+                <a:spcPct val="100000"/>
+              </a:lnSpc>
+              <a:spcBef>
+                <a:spcPts val="1191"/>
+              </a:spcBef>
+              <a:spcAft>
+                <a:spcPts val="992"/>
+              </a:spcAft>
+              <a:buClr>
+                <a:srgbClr val="2c3e50"/>
+              </a:buClr>
+              <a:buSzPct val="45000"/>
+              <a:buFont typeface="Wingdings" charset="2"/>
+              <a:buChar char=""/>
+            </a:pPr>
+            <a:r>
+              <a:rPr b="1" lang="en-IN" sz="2400" spc="-1" strike="noStrike">
+                <a:solidFill>
+                  <a:srgbClr val="2c3e50"/>
+                </a:solidFill>
+                <a:latin typeface="Noto Sans"/>
+              </a:rPr>
+              <a:t>Now, compare the latency of traditional Digital Filter with RNN-IIR Digital Filter.</a:t>
+            </a:r>
+            <a:endParaRPr b="0" lang="en-IN" sz="2400" spc="-1" strike="noStrike">
+              <a:solidFill>
+                <a:srgbClr val="000000"/>
+              </a:solidFill>
+              <a:latin typeface="Arial"/>
+            </a:endParaRPr>
+          </a:p>
+        </p:txBody>
+      </p:sp>
+    </p:spTree>
+  </p:cSld>
+  <mc:AlternateContent>
+    <mc:Choice Requires="p14">
+      <p:transition spd="slow" p14:dur="2000"/>
+    </mc:Choice>
+    <mc:Fallback>
+      <p:transition spd="slow"/>
+    </mc:Fallback>
+  </mc:AlternateContent>
+  <p:timing>
+    <p:tnLst>
+      <p:par>
+        <p:cTn id="151" dur="indefinite" restart="never" nodeType="tmRoot">
+          <p:childTnLst>
+            <p:seq>
+              <p:cTn id="152" dur="indefinite" nodeType="mainSeq">
+                <p:childTnLst>
+                  <p:par>
+                    <p:cTn id="153" fill="hold">
+                      <p:stCondLst>
+                        <p:cond delay="indefinite"/>
+                      </p:stCondLst>
+                      <p:childTnLst>
+                        <p:par>
+                          <p:cTn id="154" fill="hold">
+                            <p:stCondLst>
+                              <p:cond delay="0"/>
+                            </p:stCondLst>
+                            <p:childTnLst>
+                              <p:par>
+                                <p:cTn id="155" nodeType="clickEffect" fill="hold" presetClass="entr" presetID="18" presetSubtype="12">
+                                  <p:stCondLst>
+                                    <p:cond delay="0"/>
+                                  </p:stCondLst>
+                                  <p:childTnLst>
+                                    <p:set>
+                                      <p:cBhvr>
+                                        <p:cTn id="156" dur="0" fill="hold">
+                                          <p:stCondLst>
+                                            <p:cond delay="0"/>
+                                          </p:stCondLst>
+                                        </p:cTn>
+                                        <p:tgtEl>
+                                          <p:spTgt spid="400">
+                                            <p:txEl>
+                                              <p:pRg st="0" end="0"/>
+                                            </p:txEl>
+                                          </p:spTgt>
+                                        </p:tgtEl>
+                                        <p:attrNameLst>
+                                          <p:attrName>style.visibility</p:attrName>
+                                        </p:attrNameLst>
+                                      </p:cBhvr>
+                                      <p:to>
+                                        <p:strVal val="visible"/>
+                                      </p:to>
+                                    </p:set>
+                                    <p:animEffect filter="strips(downRight)" transition="in">
+                                      <p:cBhvr additive="repl">
+                                        <p:cTn id="157" dur="125"/>
+                                        <p:tgtEl>
+                                          <p:spTgt spid="400">
+                                            <p:txEl>
+                                              <p:pRg st="0" end="0"/>
+                                            </p:txEl>
+                                          </p:spTgt>
+                                        </p:tgtEl>
+                                      </p:cBhvr>
+                                    </p:animEffect>
+                                  </p:childTnLst>
+                                </p:cTn>
+                              </p:par>
+                            </p:childTnLst>
+                          </p:cTn>
+                        </p:par>
+                      </p:childTnLst>
+                    </p:cTn>
+                  </p:par>
+                  <p:par>
+                    <p:cTn id="158" fill="hold">
+                      <p:stCondLst>
+                        <p:cond delay="indefinite"/>
+                      </p:stCondLst>
+                      <p:childTnLst>
+                        <p:par>
+                          <p:cTn id="159" fill="hold">
+                            <p:stCondLst>
+                              <p:cond delay="0"/>
+                            </p:stCondLst>
+                            <p:childTnLst>
+                              <p:par>
+                                <p:cTn id="160" nodeType="clickEffect" fill="hold" presetClass="entr" presetID="18" presetSubtype="12">
+                                  <p:stCondLst>
+                                    <p:cond delay="0"/>
+                                  </p:stCondLst>
+                                  <p:childTnLst>
+                                    <p:set>
+                                      <p:cBhvr>
+                                        <p:cTn id="161" dur="0" fill="hold">
+                                          <p:stCondLst>
+                                            <p:cond delay="0"/>
+                                          </p:stCondLst>
+                                        </p:cTn>
+                                        <p:tgtEl>
+                                          <p:spTgt spid="400">
+                                            <p:txEl>
+                                              <p:pRg st="1" end="1"/>
+                                            </p:txEl>
+                                          </p:spTgt>
+                                        </p:tgtEl>
+                                        <p:attrNameLst>
+                                          <p:attrName>style.visibility</p:attrName>
+                                        </p:attrNameLst>
+                                      </p:cBhvr>
+                                      <p:to>
+                                        <p:strVal val="visible"/>
+                                      </p:to>
+                                    </p:set>
+                                    <p:animEffect filter="strips(downRight)" transition="in">
+                                      <p:cBhvr additive="repl">
+                                        <p:cTn id="162" dur="125"/>
+                                        <p:tgtEl>
+                                          <p:spTgt spid="400">
+                                            <p:txEl>
+                                              <p:pRg st="1" end="1"/>
+                                            </p:txEl>
+                                          </p:spTgt>
                                         </p:tgtEl>
                                       </p:cBhvr>
                                     </p:animEffect>
@@ -34345,7 +35458,7 @@
       </p:grpSpPr>
       <p:sp>
         <p:nvSpPr>
-          <p:cNvPr id="398" name="PlaceHolder 1"/>
+          <p:cNvPr id="401" name="PlaceHolder 1"/>
           <p:cNvSpPr>
             <a:spLocks noGrp="1"/>
           </p:cNvSpPr>
@@ -34387,7 +35500,7 @@
                 </a:solidFill>
                 <a:latin typeface="Noto Sans"/>
               </a:rPr>
-              <a:t>Conclusion</a:t>
+              <a:t>Flowchart</a:t>
             </a:r>
             <a:endParaRPr b="0" lang="en-IN" sz="2700" spc="-1" strike="noStrike">
               <a:solidFill>
@@ -34400,21 +35513,26 @@
       </p:sp>
       <p:sp>
         <p:nvSpPr>
-          <p:cNvPr id="399" name=""/>
+          <p:cNvPr id="402" name="Start-End"/>
           <p:cNvSpPr/>
           <p:nvPr/>
         </p:nvSpPr>
         <p:spPr>
           <a:xfrm>
-            <a:off x="360000" y="1485000"/>
-            <a:ext cx="9359280" cy="3779280"/>
+            <a:off x="864000" y="1404000"/>
+            <a:ext cx="1240200" cy="359640"/>
           </a:xfrm>
-          <a:prstGeom prst="rect">
+          <a:prstGeom prst="flowChartTerminator">
             <a:avLst/>
           </a:prstGeom>
-          <a:noFill/>
-          <a:ln w="0">
-            <a:noFill/>
+          <a:solidFill>
+            <a:srgbClr val="ffffff"/>
+          </a:solidFill>
+          <a:ln w="10800">
+            <a:solidFill>
+              <a:srgbClr val="000000"/>
+            </a:solidFill>
+            <a:round/>
           </a:ln>
         </p:spPr>
         <p:style>
@@ -34424,34 +35542,1149 @@
           <a:fontRef idx="minor"/>
         </p:style>
         <p:txBody>
-          <a:bodyPr lIns="0" rIns="0" tIns="0" bIns="0" anchor="t">
-            <a:normAutofit/>
+          <a:bodyPr wrap="none" lIns="90000" rIns="90000" tIns="45000" bIns="45000" anchor="ctr">
+            <a:noAutofit/>
           </a:bodyPr>
           <a:p>
-            <a:pPr>
+            <a:pPr algn="ctr">
               <a:lnSpc>
                 <a:spcPct val="100000"/>
               </a:lnSpc>
             </a:pPr>
             <a:r>
-              <a:rPr b="1" lang="en-IN" sz="2400" spc="-1" strike="noStrike">
-                <a:solidFill>
-                  <a:srgbClr val="2c3e50"/>
+              <a:rPr b="1" lang="en-GB" sz="1200" spc="-1" strike="noStrike">
+                <a:solidFill>
+                  <a:srgbClr val="000000"/>
                 </a:solidFill>
                 <a:latin typeface="Noto Sans"/>
-                <a:ea typeface="DejaVu Sans"/>
-              </a:rPr>
-              <a:t>Current research indicates the potential of RNN-based filters in various applications, with ongoing efforts aimed at improving training efficiency, generalization capabilities, and interpretability. As the field continues to evolve, the combination of advanced neural network architectures and signal processing expertise holds the key to unlocking the full potential of digital filters using RNNs.</a:t>
-            </a:r>
-            <a:endParaRPr b="0" lang="en-IN" sz="2400" spc="-1" strike="noStrike">
-              <a:solidFill>
-                <a:srgbClr val="000000"/>
-              </a:solidFill>
-              <a:latin typeface="Arial"/>
+                <a:ea typeface="Microsoft YaHei"/>
+              </a:rPr>
+              <a:t>BEGIN</a:t>
+            </a:r>
+            <a:endParaRPr b="1" lang="en-GB" sz="1200" spc="-1" strike="noStrike">
+              <a:solidFill>
+                <a:srgbClr val="000000"/>
+              </a:solidFill>
+              <a:latin typeface="Noto Sans"/>
+              <a:ea typeface="Microsoft YaHei"/>
             </a:endParaRPr>
           </a:p>
         </p:txBody>
       </p:sp>
+      <p:sp>
+        <p:nvSpPr>
+          <p:cNvPr id="403" name="Manual-Operation"/>
+          <p:cNvSpPr/>
+          <p:nvPr/>
+        </p:nvSpPr>
+        <p:spPr>
+          <a:xfrm>
+            <a:off x="756000" y="2304000"/>
+            <a:ext cx="1476000" cy="720000"/>
+          </a:xfrm>
+          <a:prstGeom prst="flowChartManualOperation">
+            <a:avLst/>
+          </a:prstGeom>
+          <a:solidFill>
+            <a:srgbClr val="ffffff"/>
+          </a:solidFill>
+          <a:ln w="10800">
+            <a:solidFill>
+              <a:srgbClr val="000000"/>
+            </a:solidFill>
+            <a:round/>
+          </a:ln>
+        </p:spPr>
+        <p:style>
+          <a:lnRef idx="0"/>
+          <a:fillRef idx="0"/>
+          <a:effectRef idx="0"/>
+          <a:fontRef idx="minor"/>
+        </p:style>
+        <p:txBody>
+          <a:bodyPr wrap="none" lIns="90000" rIns="90000" tIns="45000" bIns="45000" anchor="ctr">
+            <a:noAutofit/>
+          </a:bodyPr>
+          <a:p>
+            <a:pPr algn="ctr">
+              <a:lnSpc>
+                <a:spcPct val="100000"/>
+              </a:lnSpc>
+            </a:pPr>
+            <a:r>
+              <a:rPr b="1" lang="en-GB" sz="1200" spc="-1" strike="noStrike">
+                <a:solidFill>
+                  <a:srgbClr val="000000"/>
+                </a:solidFill>
+                <a:latin typeface="Noto Sans"/>
+                <a:ea typeface="Microsoft YaHei"/>
+              </a:rPr>
+              <a:t>Calculate Filter</a:t>
+            </a:r>
+            <a:endParaRPr b="1" lang="en-GB" sz="1200" spc="-1" strike="noStrike">
+              <a:solidFill>
+                <a:srgbClr val="000000"/>
+              </a:solidFill>
+              <a:latin typeface="Noto Sans"/>
+              <a:ea typeface="Microsoft YaHei"/>
+            </a:endParaRPr>
+          </a:p>
+          <a:p>
+            <a:pPr algn="ctr">
+              <a:lnSpc>
+                <a:spcPct val="100000"/>
+              </a:lnSpc>
+            </a:pPr>
+            <a:r>
+              <a:rPr b="1" lang="en-GB" sz="1200" spc="-1" strike="noStrike">
+                <a:solidFill>
+                  <a:srgbClr val="000000"/>
+                </a:solidFill>
+                <a:latin typeface="Noto Sans"/>
+                <a:ea typeface="Microsoft YaHei"/>
+              </a:rPr>
+              <a:t>Coefficients</a:t>
+            </a:r>
+            <a:endParaRPr b="1" lang="en-GB" sz="1200" spc="-1" strike="noStrike">
+              <a:solidFill>
+                <a:srgbClr val="000000"/>
+              </a:solidFill>
+              <a:latin typeface="Noto Sans"/>
+              <a:ea typeface="Microsoft YaHei"/>
+            </a:endParaRPr>
+          </a:p>
+        </p:txBody>
+      </p:sp>
+      <p:sp>
+        <p:nvSpPr>
+          <p:cNvPr id="404" name="Process"/>
+          <p:cNvSpPr/>
+          <p:nvPr/>
+        </p:nvSpPr>
+        <p:spPr>
+          <a:xfrm>
+            <a:off x="3060000" y="2340000"/>
+            <a:ext cx="2340000" cy="720000"/>
+          </a:xfrm>
+          <a:prstGeom prst="flowChartProcess">
+            <a:avLst/>
+          </a:prstGeom>
+          <a:solidFill>
+            <a:srgbClr val="ffffff"/>
+          </a:solidFill>
+          <a:ln w="10800">
+            <a:solidFill>
+              <a:srgbClr val="000000"/>
+            </a:solidFill>
+            <a:round/>
+          </a:ln>
+        </p:spPr>
+        <p:style>
+          <a:lnRef idx="0"/>
+          <a:fillRef idx="0"/>
+          <a:effectRef idx="0"/>
+          <a:fontRef idx="minor"/>
+        </p:style>
+        <p:txBody>
+          <a:bodyPr wrap="none" lIns="90000" rIns="90000" tIns="45000" bIns="45000" anchor="ctr">
+            <a:noAutofit/>
+          </a:bodyPr>
+          <a:p>
+            <a:pPr algn="ctr">
+              <a:lnSpc>
+                <a:spcPct val="100000"/>
+              </a:lnSpc>
+            </a:pPr>
+            <a:r>
+              <a:rPr b="1" lang="en-GB" sz="1200" spc="-1" strike="noStrike">
+                <a:solidFill>
+                  <a:srgbClr val="000000"/>
+                </a:solidFill>
+                <a:latin typeface="Noto Sans"/>
+                <a:ea typeface="Microsoft YaHei"/>
+              </a:rPr>
+              <a:t>Design Traditional IIR Filter</a:t>
+            </a:r>
+            <a:endParaRPr b="1" lang="en-GB" sz="1200" spc="-1" strike="noStrike">
+              <a:solidFill>
+                <a:srgbClr val="000000"/>
+              </a:solidFill>
+              <a:latin typeface="Noto Sans"/>
+              <a:ea typeface="Microsoft YaHei"/>
+            </a:endParaRPr>
+          </a:p>
+          <a:p>
+            <a:pPr algn="ctr">
+              <a:lnSpc>
+                <a:spcPct val="100000"/>
+              </a:lnSpc>
+            </a:pPr>
+            <a:r>
+              <a:rPr b="1" lang="en-GB" sz="1200" spc="-1" strike="noStrike">
+                <a:solidFill>
+                  <a:srgbClr val="000000"/>
+                </a:solidFill>
+                <a:latin typeface="Noto Sans"/>
+                <a:ea typeface="Microsoft YaHei"/>
+              </a:rPr>
+              <a:t>Using</a:t>
+            </a:r>
+            <a:endParaRPr b="1" lang="en-GB" sz="1200" spc="-1" strike="noStrike">
+              <a:solidFill>
+                <a:srgbClr val="000000"/>
+              </a:solidFill>
+              <a:latin typeface="Noto Sans"/>
+              <a:ea typeface="Microsoft YaHei"/>
+            </a:endParaRPr>
+          </a:p>
+          <a:p>
+            <a:pPr algn="ctr">
+              <a:lnSpc>
+                <a:spcPct val="100000"/>
+              </a:lnSpc>
+            </a:pPr>
+            <a:r>
+              <a:rPr b="1" lang="en-GB" sz="1200" spc="-1" strike="noStrike">
+                <a:solidFill>
+                  <a:srgbClr val="000000"/>
+                </a:solidFill>
+                <a:latin typeface="Noto Sans"/>
+                <a:ea typeface="Microsoft YaHei"/>
+              </a:rPr>
+              <a:t>SciPy.Signal</a:t>
+            </a:r>
+            <a:endParaRPr b="1" lang="en-GB" sz="1200" spc="-1" strike="noStrike">
+              <a:solidFill>
+                <a:srgbClr val="000000"/>
+              </a:solidFill>
+              <a:latin typeface="Noto Sans"/>
+              <a:ea typeface="Microsoft YaHei"/>
+            </a:endParaRPr>
+          </a:p>
+        </p:txBody>
+      </p:sp>
+      <p:sp>
+        <p:nvSpPr>
+          <p:cNvPr id="405" name="Decision"/>
+          <p:cNvSpPr/>
+          <p:nvPr/>
+        </p:nvSpPr>
+        <p:spPr>
+          <a:xfrm>
+            <a:off x="5652000" y="3096000"/>
+            <a:ext cx="1620000" cy="900000"/>
+          </a:xfrm>
+          <a:prstGeom prst="flowChartDecision">
+            <a:avLst/>
+          </a:prstGeom>
+          <a:solidFill>
+            <a:srgbClr val="ffffff"/>
+          </a:solidFill>
+          <a:ln w="10800">
+            <a:solidFill>
+              <a:srgbClr val="000000"/>
+            </a:solidFill>
+            <a:round/>
+          </a:ln>
+        </p:spPr>
+        <p:style>
+          <a:lnRef idx="0"/>
+          <a:fillRef idx="0"/>
+          <a:effectRef idx="0"/>
+          <a:fontRef idx="minor"/>
+        </p:style>
+        <p:txBody>
+          <a:bodyPr wrap="none" lIns="90000" rIns="90000" tIns="45000" bIns="45000" anchor="ctr">
+            <a:noAutofit/>
+          </a:bodyPr>
+          <a:p>
+            <a:pPr algn="ctr">
+              <a:lnSpc>
+                <a:spcPct val="100000"/>
+              </a:lnSpc>
+            </a:pPr>
+            <a:r>
+              <a:rPr b="1" lang="en-GB" sz="1200" spc="-1" strike="noStrike">
+                <a:solidFill>
+                  <a:srgbClr val="000000"/>
+                </a:solidFill>
+                <a:latin typeface="Noto Sans"/>
+                <a:ea typeface="Microsoft YaHei"/>
+              </a:rPr>
+              <a:t>Compare Latency</a:t>
+            </a:r>
+            <a:endParaRPr b="1" lang="en-GB" sz="1200" spc="-1" strike="noStrike">
+              <a:solidFill>
+                <a:srgbClr val="000000"/>
+              </a:solidFill>
+              <a:latin typeface="Noto Sans"/>
+              <a:ea typeface="Microsoft YaHei"/>
+            </a:endParaRPr>
+          </a:p>
+        </p:txBody>
+      </p:sp>
+      <p:sp>
+        <p:nvSpPr>
+          <p:cNvPr id="406" name="Process 1"/>
+          <p:cNvSpPr/>
+          <p:nvPr/>
+        </p:nvSpPr>
+        <p:spPr>
+          <a:xfrm>
+            <a:off x="7776000" y="2358000"/>
+            <a:ext cx="1872000" cy="738000"/>
+          </a:xfrm>
+          <a:prstGeom prst="flowChartProcess">
+            <a:avLst/>
+          </a:prstGeom>
+          <a:solidFill>
+            <a:srgbClr val="ffffff"/>
+          </a:solidFill>
+          <a:ln w="10800">
+            <a:solidFill>
+              <a:srgbClr val="000000"/>
+            </a:solidFill>
+            <a:round/>
+          </a:ln>
+        </p:spPr>
+        <p:style>
+          <a:lnRef idx="0"/>
+          <a:fillRef idx="0"/>
+          <a:effectRef idx="0"/>
+          <a:fontRef idx="minor"/>
+        </p:style>
+        <p:txBody>
+          <a:bodyPr wrap="none" lIns="90000" rIns="90000" tIns="45000" bIns="45000" anchor="ctr">
+            <a:noAutofit/>
+          </a:bodyPr>
+          <a:p>
+            <a:pPr algn="ctr">
+              <a:lnSpc>
+                <a:spcPct val="100000"/>
+              </a:lnSpc>
+            </a:pPr>
+            <a:r>
+              <a:rPr b="1" lang="en-GB" sz="1200" spc="-1" strike="noStrike">
+                <a:solidFill>
+                  <a:srgbClr val="000000"/>
+                </a:solidFill>
+                <a:latin typeface="Noto Sans"/>
+                <a:ea typeface="Microsoft YaHei"/>
+              </a:rPr>
+              <a:t>Design RNN-IIR Filter</a:t>
+            </a:r>
+            <a:endParaRPr b="1" lang="en-GB" sz="1200" spc="-1" strike="noStrike">
+              <a:solidFill>
+                <a:srgbClr val="000000"/>
+              </a:solidFill>
+              <a:latin typeface="Noto Sans"/>
+              <a:ea typeface="Microsoft YaHei"/>
+            </a:endParaRPr>
+          </a:p>
+          <a:p>
+            <a:pPr algn="ctr">
+              <a:lnSpc>
+                <a:spcPct val="100000"/>
+              </a:lnSpc>
+            </a:pPr>
+            <a:r>
+              <a:rPr b="1" lang="en-GB" sz="1200" spc="-1" strike="noStrike">
+                <a:solidFill>
+                  <a:srgbClr val="000000"/>
+                </a:solidFill>
+                <a:latin typeface="Noto Sans"/>
+                <a:ea typeface="Microsoft YaHei"/>
+              </a:rPr>
+              <a:t>Using</a:t>
+            </a:r>
+            <a:endParaRPr b="1" lang="en-GB" sz="1200" spc="-1" strike="noStrike">
+              <a:solidFill>
+                <a:srgbClr val="000000"/>
+              </a:solidFill>
+              <a:latin typeface="Noto Sans"/>
+              <a:ea typeface="Microsoft YaHei"/>
+            </a:endParaRPr>
+          </a:p>
+          <a:p>
+            <a:pPr algn="ctr">
+              <a:lnSpc>
+                <a:spcPct val="100000"/>
+              </a:lnSpc>
+            </a:pPr>
+            <a:r>
+              <a:rPr b="1" lang="en-GB" sz="1200" spc="-1" strike="noStrike">
+                <a:solidFill>
+                  <a:srgbClr val="000000"/>
+                </a:solidFill>
+                <a:latin typeface="Noto Sans"/>
+                <a:ea typeface="Microsoft YaHei"/>
+              </a:rPr>
+              <a:t>PyTorch</a:t>
+            </a:r>
+            <a:endParaRPr b="1" lang="en-GB" sz="1200" spc="-1" strike="noStrike">
+              <a:solidFill>
+                <a:srgbClr val="000000"/>
+              </a:solidFill>
+              <a:latin typeface="Noto Sans"/>
+              <a:ea typeface="Microsoft YaHei"/>
+            </a:endParaRPr>
+          </a:p>
+        </p:txBody>
+      </p:sp>
+      <p:sp>
+        <p:nvSpPr>
+          <p:cNvPr id="407" name="Data"/>
+          <p:cNvSpPr/>
+          <p:nvPr/>
+        </p:nvSpPr>
+        <p:spPr>
+          <a:xfrm>
+            <a:off x="5652000" y="1620000"/>
+            <a:ext cx="1620000" cy="360000"/>
+          </a:xfrm>
+          <a:prstGeom prst="flowChartInputOutput">
+            <a:avLst/>
+          </a:prstGeom>
+          <a:solidFill>
+            <a:srgbClr val="ffffff"/>
+          </a:solidFill>
+          <a:ln w="10800">
+            <a:solidFill>
+              <a:srgbClr val="000000"/>
+            </a:solidFill>
+            <a:round/>
+          </a:ln>
+        </p:spPr>
+        <p:style>
+          <a:lnRef idx="0"/>
+          <a:fillRef idx="0"/>
+          <a:effectRef idx="0"/>
+          <a:fontRef idx="minor"/>
+        </p:style>
+        <p:txBody>
+          <a:bodyPr wrap="none" lIns="90000" rIns="90000" tIns="45000" bIns="45000" anchor="ctr">
+            <a:noAutofit/>
+          </a:bodyPr>
+          <a:p>
+            <a:pPr algn="ctr">
+              <a:lnSpc>
+                <a:spcPct val="100000"/>
+              </a:lnSpc>
+            </a:pPr>
+            <a:r>
+              <a:rPr b="1" lang="en-GB" sz="1200" spc="-1" strike="noStrike">
+                <a:solidFill>
+                  <a:srgbClr val="000000"/>
+                </a:solidFill>
+                <a:latin typeface="Noto Sans"/>
+                <a:ea typeface="Microsoft YaHei"/>
+              </a:rPr>
+              <a:t>Audio Data</a:t>
+            </a:r>
+            <a:endParaRPr b="1" lang="en-GB" sz="1200" spc="-1" strike="noStrike">
+              <a:solidFill>
+                <a:srgbClr val="000000"/>
+              </a:solidFill>
+              <a:latin typeface="Noto Sans"/>
+              <a:ea typeface="Microsoft YaHei"/>
+            </a:endParaRPr>
+          </a:p>
+        </p:txBody>
+      </p:sp>
+      <p:sp>
+        <p:nvSpPr>
+          <p:cNvPr id="408" name="Process 2"/>
+          <p:cNvSpPr/>
+          <p:nvPr/>
+        </p:nvSpPr>
+        <p:spPr>
+          <a:xfrm>
+            <a:off x="684000" y="4572000"/>
+            <a:ext cx="1620000" cy="360000"/>
+          </a:xfrm>
+          <a:prstGeom prst="flowChartProcess">
+            <a:avLst/>
+          </a:prstGeom>
+          <a:solidFill>
+            <a:srgbClr val="ffffff"/>
+          </a:solidFill>
+          <a:ln w="10800">
+            <a:solidFill>
+              <a:srgbClr val="000000"/>
+            </a:solidFill>
+            <a:round/>
+          </a:ln>
+        </p:spPr>
+        <p:style>
+          <a:lnRef idx="0"/>
+          <a:fillRef idx="0"/>
+          <a:effectRef idx="0"/>
+          <a:fontRef idx="minor"/>
+        </p:style>
+        <p:txBody>
+          <a:bodyPr wrap="none" lIns="90000" rIns="90000" tIns="45000" bIns="45000" anchor="ctr">
+            <a:noAutofit/>
+          </a:bodyPr>
+          <a:p>
+            <a:pPr algn="ctr">
+              <a:lnSpc>
+                <a:spcPct val="100000"/>
+              </a:lnSpc>
+            </a:pPr>
+            <a:r>
+              <a:rPr b="1" lang="en-GB" sz="1200" spc="-1" strike="noStrike">
+                <a:solidFill>
+                  <a:srgbClr val="000000"/>
+                </a:solidFill>
+                <a:latin typeface="Noto Sans"/>
+                <a:ea typeface="Microsoft YaHei"/>
+              </a:rPr>
+              <a:t>Data Pre-Processing</a:t>
+            </a:r>
+            <a:endParaRPr b="1" lang="en-GB" sz="1200" spc="-1" strike="noStrike">
+              <a:solidFill>
+                <a:srgbClr val="000000"/>
+              </a:solidFill>
+              <a:latin typeface="Noto Sans"/>
+              <a:ea typeface="Microsoft YaHei"/>
+            </a:endParaRPr>
+          </a:p>
+        </p:txBody>
+      </p:sp>
+      <p:sp>
+        <p:nvSpPr>
+          <p:cNvPr id="409" name="Process 3"/>
+          <p:cNvSpPr/>
+          <p:nvPr/>
+        </p:nvSpPr>
+        <p:spPr>
+          <a:xfrm>
+            <a:off x="3132000" y="3349080"/>
+            <a:ext cx="2138400" cy="394920"/>
+          </a:xfrm>
+          <a:prstGeom prst="flowChartProcess">
+            <a:avLst/>
+          </a:prstGeom>
+          <a:solidFill>
+            <a:srgbClr val="ffffff"/>
+          </a:solidFill>
+          <a:ln w="10800">
+            <a:solidFill>
+              <a:srgbClr val="000000"/>
+            </a:solidFill>
+            <a:round/>
+          </a:ln>
+        </p:spPr>
+        <p:style>
+          <a:lnRef idx="0"/>
+          <a:fillRef idx="0"/>
+          <a:effectRef idx="0"/>
+          <a:fontRef idx="minor"/>
+        </p:style>
+        <p:txBody>
+          <a:bodyPr wrap="none" lIns="90000" rIns="90000" tIns="45000" bIns="45000" anchor="ctr">
+            <a:noAutofit/>
+          </a:bodyPr>
+          <a:p>
+            <a:pPr algn="ctr">
+              <a:lnSpc>
+                <a:spcPct val="100000"/>
+              </a:lnSpc>
+            </a:pPr>
+            <a:r>
+              <a:rPr b="1" lang="en-GB" sz="1200" spc="-1" strike="noStrike">
+                <a:solidFill>
+                  <a:srgbClr val="000000"/>
+                </a:solidFill>
+                <a:latin typeface="Noto Sans"/>
+                <a:ea typeface="Microsoft YaHei"/>
+              </a:rPr>
+              <a:t>Calculate Average Latency</a:t>
+            </a:r>
+            <a:endParaRPr b="1" lang="en-GB" sz="1200" spc="-1" strike="noStrike">
+              <a:solidFill>
+                <a:srgbClr val="000000"/>
+              </a:solidFill>
+              <a:latin typeface="Noto Sans"/>
+              <a:ea typeface="Microsoft YaHei"/>
+            </a:endParaRPr>
+          </a:p>
+        </p:txBody>
+      </p:sp>
+      <p:sp>
+        <p:nvSpPr>
+          <p:cNvPr id="410" name="Process 5"/>
+          <p:cNvSpPr/>
+          <p:nvPr/>
+        </p:nvSpPr>
+        <p:spPr>
+          <a:xfrm>
+            <a:off x="576000" y="3600000"/>
+            <a:ext cx="1836000" cy="360000"/>
+          </a:xfrm>
+          <a:prstGeom prst="flowChartProcess">
+            <a:avLst/>
+          </a:prstGeom>
+          <a:solidFill>
+            <a:srgbClr val="ffffff"/>
+          </a:solidFill>
+          <a:ln w="10800">
+            <a:solidFill>
+              <a:srgbClr val="000000"/>
+            </a:solidFill>
+            <a:round/>
+          </a:ln>
+        </p:spPr>
+        <p:style>
+          <a:lnRef idx="0"/>
+          <a:fillRef idx="0"/>
+          <a:effectRef idx="0"/>
+          <a:fontRef idx="minor"/>
+        </p:style>
+        <p:txBody>
+          <a:bodyPr wrap="none" lIns="90000" rIns="90000" tIns="45000" bIns="45000" anchor="ctr">
+            <a:noAutofit/>
+          </a:bodyPr>
+          <a:p>
+            <a:pPr algn="ctr">
+              <a:lnSpc>
+                <a:spcPct val="100000"/>
+              </a:lnSpc>
+            </a:pPr>
+            <a:r>
+              <a:rPr b="1" lang="en-GB" sz="1200" spc="-1" strike="noStrike">
+                <a:solidFill>
+                  <a:srgbClr val="000000"/>
+                </a:solidFill>
+                <a:latin typeface="Noto Sans"/>
+                <a:ea typeface="Microsoft YaHei"/>
+              </a:rPr>
+              <a:t>Audio Data Collection</a:t>
+            </a:r>
+            <a:endParaRPr b="1" lang="en-GB" sz="1200" spc="-1" strike="noStrike">
+              <a:solidFill>
+                <a:srgbClr val="000000"/>
+              </a:solidFill>
+              <a:latin typeface="Noto Sans"/>
+              <a:ea typeface="Microsoft YaHei"/>
+            </a:endParaRPr>
+          </a:p>
+        </p:txBody>
+      </p:sp>
+      <p:sp>
+        <p:nvSpPr>
+          <p:cNvPr id="411" name="Process 4"/>
+          <p:cNvSpPr/>
+          <p:nvPr/>
+        </p:nvSpPr>
+        <p:spPr>
+          <a:xfrm>
+            <a:off x="7596000" y="3348000"/>
+            <a:ext cx="2196000" cy="394920"/>
+          </a:xfrm>
+          <a:prstGeom prst="flowChartProcess">
+            <a:avLst/>
+          </a:prstGeom>
+          <a:solidFill>
+            <a:srgbClr val="ffffff"/>
+          </a:solidFill>
+          <a:ln w="10800">
+            <a:solidFill>
+              <a:srgbClr val="000000"/>
+            </a:solidFill>
+            <a:round/>
+          </a:ln>
+        </p:spPr>
+        <p:style>
+          <a:lnRef idx="0"/>
+          <a:fillRef idx="0"/>
+          <a:effectRef idx="0"/>
+          <a:fontRef idx="minor"/>
+        </p:style>
+        <p:txBody>
+          <a:bodyPr wrap="none" lIns="90000" rIns="90000" tIns="45000" bIns="45000" anchor="ctr">
+            <a:noAutofit/>
+          </a:bodyPr>
+          <a:p>
+            <a:pPr algn="ctr">
+              <a:lnSpc>
+                <a:spcPct val="100000"/>
+              </a:lnSpc>
+            </a:pPr>
+            <a:r>
+              <a:rPr b="1" lang="en-GB" sz="1200" spc="-1" strike="noStrike">
+                <a:solidFill>
+                  <a:srgbClr val="000000"/>
+                </a:solidFill>
+                <a:latin typeface="Noto Sans"/>
+                <a:ea typeface="Microsoft YaHei"/>
+              </a:rPr>
+              <a:t>Calculate Average Latency</a:t>
+            </a:r>
+            <a:endParaRPr b="1" lang="en-GB" sz="1200" spc="-1" strike="noStrike">
+              <a:solidFill>
+                <a:srgbClr val="000000"/>
+              </a:solidFill>
+              <a:latin typeface="Noto Sans"/>
+              <a:ea typeface="Microsoft YaHei"/>
+            </a:endParaRPr>
+          </a:p>
+        </p:txBody>
+      </p:sp>
+      <p:sp>
+        <p:nvSpPr>
+          <p:cNvPr id="412" name="Process 6"/>
+          <p:cNvSpPr/>
+          <p:nvPr/>
+        </p:nvSpPr>
+        <p:spPr>
+          <a:xfrm>
+            <a:off x="6120000" y="4248000"/>
+            <a:ext cx="720000" cy="394920"/>
+          </a:xfrm>
+          <a:prstGeom prst="flowChartProcess">
+            <a:avLst/>
+          </a:prstGeom>
+          <a:solidFill>
+            <a:srgbClr val="ffffff"/>
+          </a:solidFill>
+          <a:ln w="10800">
+            <a:solidFill>
+              <a:srgbClr val="000000"/>
+            </a:solidFill>
+            <a:round/>
+          </a:ln>
+        </p:spPr>
+        <p:style>
+          <a:lnRef idx="0"/>
+          <a:fillRef idx="0"/>
+          <a:effectRef idx="0"/>
+          <a:fontRef idx="minor"/>
+        </p:style>
+        <p:txBody>
+          <a:bodyPr wrap="none" lIns="90000" rIns="90000" tIns="45000" bIns="45000" anchor="ctr">
+            <a:noAutofit/>
+          </a:bodyPr>
+          <a:p>
+            <a:pPr algn="ctr">
+              <a:lnSpc>
+                <a:spcPct val="100000"/>
+              </a:lnSpc>
+            </a:pPr>
+            <a:r>
+              <a:rPr b="1" lang="en-GB" sz="1200" spc="-1" strike="noStrike">
+                <a:solidFill>
+                  <a:srgbClr val="000000"/>
+                </a:solidFill>
+                <a:latin typeface="Noto Sans"/>
+                <a:ea typeface="Microsoft YaHei"/>
+              </a:rPr>
+              <a:t>Result</a:t>
+            </a:r>
+            <a:endParaRPr b="1" lang="en-GB" sz="1200" spc="-1" strike="noStrike">
+              <a:solidFill>
+                <a:srgbClr val="000000"/>
+              </a:solidFill>
+              <a:latin typeface="Noto Sans"/>
+              <a:ea typeface="Microsoft YaHei"/>
+            </a:endParaRPr>
+          </a:p>
+        </p:txBody>
+      </p:sp>
+      <p:sp>
+        <p:nvSpPr>
+          <p:cNvPr id="413" name="Start-End 1"/>
+          <p:cNvSpPr/>
+          <p:nvPr/>
+        </p:nvSpPr>
+        <p:spPr>
+          <a:xfrm>
+            <a:off x="5868000" y="4896000"/>
+            <a:ext cx="1240200" cy="359640"/>
+          </a:xfrm>
+          <a:prstGeom prst="flowChartTerminator">
+            <a:avLst/>
+          </a:prstGeom>
+          <a:solidFill>
+            <a:srgbClr val="ffffff"/>
+          </a:solidFill>
+          <a:ln w="10800">
+            <a:solidFill>
+              <a:srgbClr val="000000"/>
+            </a:solidFill>
+            <a:round/>
+          </a:ln>
+        </p:spPr>
+        <p:style>
+          <a:lnRef idx="0"/>
+          <a:fillRef idx="0"/>
+          <a:effectRef idx="0"/>
+          <a:fontRef idx="minor"/>
+        </p:style>
+        <p:txBody>
+          <a:bodyPr wrap="none" lIns="90000" rIns="90000" tIns="45000" bIns="45000" anchor="ctr">
+            <a:noAutofit/>
+          </a:bodyPr>
+          <a:p>
+            <a:pPr algn="ctr">
+              <a:lnSpc>
+                <a:spcPct val="100000"/>
+              </a:lnSpc>
+            </a:pPr>
+            <a:r>
+              <a:rPr b="1" lang="en-GB" sz="1200" spc="-1" strike="noStrike">
+                <a:solidFill>
+                  <a:srgbClr val="000000"/>
+                </a:solidFill>
+                <a:latin typeface="Noto Sans"/>
+                <a:ea typeface="Microsoft YaHei"/>
+              </a:rPr>
+              <a:t>END</a:t>
+            </a:r>
+            <a:endParaRPr b="1" lang="en-GB" sz="1200" spc="-1" strike="noStrike">
+              <a:solidFill>
+                <a:srgbClr val="000000"/>
+              </a:solidFill>
+              <a:latin typeface="Noto Sans"/>
+              <a:ea typeface="Microsoft YaHei"/>
+            </a:endParaRPr>
+          </a:p>
+        </p:txBody>
+      </p:sp>
+      <p:cxnSp>
+        <p:nvCxnSpPr>
+          <p:cNvPr id="414" name="Connector"/>
+          <p:cNvCxnSpPr>
+            <a:stCxn id="402" idx="2"/>
+            <a:endCxn id="403" idx="0"/>
+          </p:cNvCxnSpPr>
+          <p:nvPr/>
+        </p:nvCxnSpPr>
+        <p:spPr>
+          <a:xfrm flipH="1" rot="16200000">
+            <a:off x="1218960" y="2028600"/>
+            <a:ext cx="540720" cy="10080"/>
+          </a:xfrm>
+          <a:prstGeom prst="bentConnector3">
+            <a:avLst>
+              <a:gd name="adj1" fmla="val 50033"/>
+            </a:avLst>
+          </a:prstGeom>
+          <a:ln w="10800">
+            <a:solidFill>
+              <a:srgbClr val="000000"/>
+            </a:solidFill>
+            <a:round/>
+            <a:tailEnd len="med" type="triangle" w="med"/>
+          </a:ln>
+        </p:spPr>
+      </p:cxnSp>
+      <p:cxnSp>
+        <p:nvCxnSpPr>
+          <p:cNvPr id="415" name="Connector 1"/>
+          <p:cNvCxnSpPr>
+            <a:stCxn id="403" idx="2"/>
+            <a:endCxn id="410" idx="0"/>
+          </p:cNvCxnSpPr>
+          <p:nvPr/>
+        </p:nvCxnSpPr>
+        <p:spPr>
+          <a:xfrm rot="16200000">
+            <a:off x="1206000" y="3312000"/>
+            <a:ext cx="576360" cy="360"/>
+          </a:xfrm>
+          <a:prstGeom prst="bentConnector2">
+            <a:avLst/>
+          </a:prstGeom>
+          <a:ln w="10800">
+            <a:solidFill>
+              <a:srgbClr val="000000"/>
+            </a:solidFill>
+            <a:round/>
+            <a:tailEnd len="med" type="triangle" w="med"/>
+          </a:ln>
+        </p:spPr>
+      </p:cxnSp>
+      <p:cxnSp>
+        <p:nvCxnSpPr>
+          <p:cNvPr id="416" name="Connector 2"/>
+          <p:cNvCxnSpPr>
+            <a:stCxn id="410" idx="2"/>
+            <a:endCxn id="408" idx="0"/>
+          </p:cNvCxnSpPr>
+          <p:nvPr/>
+        </p:nvCxnSpPr>
+        <p:spPr>
+          <a:xfrm rot="16200000">
+            <a:off x="1188000" y="4266000"/>
+            <a:ext cx="612360" cy="360"/>
+          </a:xfrm>
+          <a:prstGeom prst="bentConnector2">
+            <a:avLst/>
+          </a:prstGeom>
+          <a:ln w="10800">
+            <a:solidFill>
+              <a:srgbClr val="000000"/>
+            </a:solidFill>
+            <a:round/>
+            <a:tailEnd len="med" type="triangle" w="med"/>
+          </a:ln>
+        </p:spPr>
+      </p:cxnSp>
+      <p:cxnSp>
+        <p:nvCxnSpPr>
+          <p:cNvPr id="417" name="Connector 3"/>
+          <p:cNvCxnSpPr>
+            <a:stCxn id="408" idx="2"/>
+            <a:endCxn id="407" idx="1"/>
+          </p:cNvCxnSpPr>
+          <p:nvPr/>
+        </p:nvCxnSpPr>
+        <p:spPr>
+          <a:xfrm flipH="1" flipV="1" rot="5400000">
+            <a:off x="2322000" y="792000"/>
+            <a:ext cx="3312360" cy="4968360"/>
+          </a:xfrm>
+          <a:prstGeom prst="bentConnector5">
+            <a:avLst>
+              <a:gd name="adj1" fmla="val -8695"/>
+              <a:gd name="adj2" fmla="val 24275"/>
+              <a:gd name="adj3" fmla="val 105434"/>
+            </a:avLst>
+          </a:prstGeom>
+          <a:ln w="10800">
+            <a:solidFill>
+              <a:srgbClr val="000000"/>
+            </a:solidFill>
+            <a:round/>
+            <a:tailEnd len="med" type="triangle" w="med"/>
+          </a:ln>
+        </p:spPr>
+      </p:cxnSp>
+      <p:cxnSp>
+        <p:nvCxnSpPr>
+          <p:cNvPr id="418" name="Connector 4"/>
+          <p:cNvCxnSpPr>
+            <a:stCxn id="407" idx="4"/>
+            <a:endCxn id="404" idx="0"/>
+          </p:cNvCxnSpPr>
+          <p:nvPr/>
+        </p:nvCxnSpPr>
+        <p:spPr>
+          <a:xfrm rot="5400000">
+            <a:off x="5166000" y="1044000"/>
+            <a:ext cx="360360" cy="2232360"/>
+          </a:xfrm>
+          <a:prstGeom prst="bentConnector3">
+            <a:avLst>
+              <a:gd name="adj1" fmla="val 40000"/>
+            </a:avLst>
+          </a:prstGeom>
+          <a:ln w="10800">
+            <a:solidFill>
+              <a:srgbClr val="000000"/>
+            </a:solidFill>
+            <a:round/>
+            <a:tailEnd len="med" type="triangle" w="med"/>
+          </a:ln>
+        </p:spPr>
+      </p:cxnSp>
+      <p:cxnSp>
+        <p:nvCxnSpPr>
+          <p:cNvPr id="419" name="Connector 5"/>
+          <p:cNvCxnSpPr>
+            <a:stCxn id="407" idx="4"/>
+            <a:endCxn id="406" idx="0"/>
+          </p:cNvCxnSpPr>
+          <p:nvPr/>
+        </p:nvCxnSpPr>
+        <p:spPr>
+          <a:xfrm flipH="1" rot="16200000">
+            <a:off x="7398000" y="1044000"/>
+            <a:ext cx="378360" cy="2250360"/>
+          </a:xfrm>
+          <a:prstGeom prst="bentConnector3">
+            <a:avLst>
+              <a:gd name="adj1" fmla="val 38095"/>
+            </a:avLst>
+          </a:prstGeom>
+          <a:ln w="10800">
+            <a:solidFill>
+              <a:srgbClr val="000000"/>
+            </a:solidFill>
+            <a:round/>
+            <a:tailEnd len="med" type="triangle" w="med"/>
+          </a:ln>
+        </p:spPr>
+      </p:cxnSp>
+      <p:cxnSp>
+        <p:nvCxnSpPr>
+          <p:cNvPr id="420" name="Connector 6"/>
+          <p:cNvCxnSpPr>
+            <a:stCxn id="404" idx="2"/>
+            <a:endCxn id="409" idx="0"/>
+          </p:cNvCxnSpPr>
+          <p:nvPr/>
+        </p:nvCxnSpPr>
+        <p:spPr>
+          <a:xfrm rot="5400000">
+            <a:off x="4070880" y="3189960"/>
+            <a:ext cx="289440" cy="29160"/>
+          </a:xfrm>
+          <a:prstGeom prst="bentConnector3">
+            <a:avLst>
+              <a:gd name="adj1" fmla="val 50062"/>
+            </a:avLst>
+          </a:prstGeom>
+          <a:ln w="10800">
+            <a:solidFill>
+              <a:srgbClr val="000000"/>
+            </a:solidFill>
+            <a:round/>
+            <a:tailEnd len="med" type="triangle" w="med"/>
+          </a:ln>
+        </p:spPr>
+      </p:cxnSp>
+      <p:cxnSp>
+        <p:nvCxnSpPr>
+          <p:cNvPr id="421" name="Connector 7"/>
+          <p:cNvCxnSpPr>
+            <a:stCxn id="406" idx="2"/>
+            <a:endCxn id="411" idx="0"/>
+          </p:cNvCxnSpPr>
+          <p:nvPr/>
+        </p:nvCxnSpPr>
+        <p:spPr>
+          <a:xfrm rot="5400000">
+            <a:off x="8577000" y="3213000"/>
+            <a:ext cx="252360" cy="18360"/>
+          </a:xfrm>
+          <a:prstGeom prst="bentConnector3">
+            <a:avLst>
+              <a:gd name="adj1" fmla="val 50000"/>
+            </a:avLst>
+          </a:prstGeom>
+          <a:ln w="10800">
+            <a:solidFill>
+              <a:srgbClr val="000000"/>
+            </a:solidFill>
+            <a:round/>
+            <a:tailEnd len="med" type="triangle" w="med"/>
+          </a:ln>
+        </p:spPr>
+      </p:cxnSp>
+      <p:cxnSp>
+        <p:nvCxnSpPr>
+          <p:cNvPr id="422" name="Connector 10"/>
+          <p:cNvCxnSpPr>
+            <a:stCxn id="405" idx="2"/>
+            <a:endCxn id="412" idx="0"/>
+          </p:cNvCxnSpPr>
+          <p:nvPr/>
+        </p:nvCxnSpPr>
+        <p:spPr>
+          <a:xfrm flipH="1" rot="16200000">
+            <a:off x="6345000" y="4113000"/>
+            <a:ext cx="252360" cy="18360"/>
+          </a:xfrm>
+          <a:prstGeom prst="bentConnector3">
+            <a:avLst>
+              <a:gd name="adj1" fmla="val 50000"/>
+            </a:avLst>
+          </a:prstGeom>
+          <a:ln w="10800">
+            <a:solidFill>
+              <a:srgbClr val="000000"/>
+            </a:solidFill>
+            <a:round/>
+            <a:tailEnd len="med" type="triangle" w="med"/>
+          </a:ln>
+        </p:spPr>
+      </p:cxnSp>
+      <p:cxnSp>
+        <p:nvCxnSpPr>
+          <p:cNvPr id="423" name="Connector 11"/>
+          <p:cNvCxnSpPr>
+            <a:stCxn id="412" idx="2"/>
+            <a:endCxn id="413" idx="0"/>
+          </p:cNvCxnSpPr>
+          <p:nvPr/>
+        </p:nvCxnSpPr>
+        <p:spPr>
+          <a:xfrm flipH="1" rot="16200000">
+            <a:off x="6357600" y="4764960"/>
+            <a:ext cx="253440" cy="8640"/>
+          </a:xfrm>
+          <a:prstGeom prst="bentConnector3">
+            <a:avLst>
+              <a:gd name="adj1" fmla="val 50071"/>
+            </a:avLst>
+          </a:prstGeom>
+          <a:ln w="10800">
+            <a:solidFill>
+              <a:srgbClr val="000000"/>
+            </a:solidFill>
+            <a:round/>
+            <a:tailEnd len="med" type="triangle" w="med"/>
+          </a:ln>
+        </p:spPr>
+      </p:cxnSp>
+      <p:cxnSp>
+        <p:nvCxnSpPr>
+          <p:cNvPr id="424" name="Connector 8"/>
+          <p:cNvCxnSpPr>
+            <a:stCxn id="409" idx="3"/>
+            <a:endCxn id="405" idx="1"/>
+          </p:cNvCxnSpPr>
+          <p:nvPr/>
+        </p:nvCxnSpPr>
+        <p:spPr>
+          <a:xfrm flipV="1">
+            <a:off x="5270400" y="3546000"/>
+            <a:ext cx="381960" cy="1080"/>
+          </a:xfrm>
+          <a:prstGeom prst="bentConnector3">
+            <a:avLst>
+              <a:gd name="adj1" fmla="val 50000"/>
+            </a:avLst>
+          </a:prstGeom>
+          <a:ln w="10800">
+            <a:solidFill>
+              <a:srgbClr val="000000"/>
+            </a:solidFill>
+            <a:round/>
+            <a:tailEnd len="med" type="triangle" w="med"/>
+          </a:ln>
+        </p:spPr>
+      </p:cxnSp>
+      <p:cxnSp>
+        <p:nvCxnSpPr>
+          <p:cNvPr id="425" name="Connector 9"/>
+          <p:cNvCxnSpPr>
+            <a:stCxn id="411" idx="1"/>
+            <a:endCxn id="405" idx="3"/>
+          </p:cNvCxnSpPr>
+          <p:nvPr/>
+        </p:nvCxnSpPr>
+        <p:spPr>
+          <a:xfrm flipV="1" rot="10800000">
+            <a:off x="7272000" y="3545280"/>
+            <a:ext cx="324360" cy="720"/>
+          </a:xfrm>
+          <a:prstGeom prst="bentConnector3">
+            <a:avLst>
+              <a:gd name="adj1" fmla="val 50000"/>
+            </a:avLst>
+          </a:prstGeom>
+          <a:ln w="10800">
+            <a:solidFill>
+              <a:srgbClr val="000000"/>
+            </a:solidFill>
+            <a:round/>
+            <a:tailEnd len="med" type="triangle" w="med"/>
+          </a:ln>
+        </p:spPr>
+      </p:cxnSp>
     </p:spTree>
   </p:cSld>
   <mc:AlternateContent>
@@ -34462,6 +36695,1056 @@
       <p:transition spd="slow"/>
     </mc:Fallback>
   </mc:AlternateContent>
+  <p:timing>
+    <p:tnLst>
+      <p:par>
+        <p:cTn id="163" dur="indefinite" restart="never" nodeType="tmRoot">
+          <p:childTnLst>
+            <p:seq>
+              <p:cTn id="164" dur="indefinite" nodeType="mainSeq">
+                <p:childTnLst>
+                  <p:par>
+                    <p:cTn id="165" fill="hold">
+                      <p:stCondLst>
+                        <p:cond delay="indefinite"/>
+                      </p:stCondLst>
+                      <p:childTnLst>
+                        <p:par>
+                          <p:cTn id="166" fill="hold">
+                            <p:stCondLst>
+                              <p:cond delay="0"/>
+                            </p:stCondLst>
+                            <p:childTnLst>
+                              <p:par>
+                                <p:cTn id="167" nodeType="clickEffect" fill="hold" presetClass="entr" presetID="3" presetSubtype="10">
+                                  <p:stCondLst>
+                                    <p:cond delay="0"/>
+                                  </p:stCondLst>
+                                  <p:childTnLst>
+                                    <p:set>
+                                      <p:cBhvr>
+                                        <p:cTn id="168" dur="1" fill="hold">
+                                          <p:stCondLst>
+                                            <p:cond delay="0"/>
+                                          </p:stCondLst>
+                                        </p:cTn>
+                                        <p:tgtEl>
+                                          <p:spTgt spid="402"/>
+                                        </p:tgtEl>
+                                        <p:attrNameLst>
+                                          <p:attrName>style.visibility</p:attrName>
+                                        </p:attrNameLst>
+                                      </p:cBhvr>
+                                      <p:to>
+                                        <p:strVal val="visible"/>
+                                      </p:to>
+                                    </p:set>
+                                    <p:animEffect filter="blinds(horizontal)" transition="in">
+                                      <p:cBhvr additive="repl">
+                                        <p:cTn id="169" dur="500"/>
+                                        <p:tgtEl>
+                                          <p:spTgt spid="402"/>
+                                        </p:tgtEl>
+                                      </p:cBhvr>
+                                    </p:animEffect>
+                                  </p:childTnLst>
+                                </p:cTn>
+                              </p:par>
+                            </p:childTnLst>
+                          </p:cTn>
+                        </p:par>
+                      </p:childTnLst>
+                    </p:cTn>
+                  </p:par>
+                  <p:par>
+                    <p:cTn id="170" fill="hold">
+                      <p:stCondLst>
+                        <p:cond delay="indefinite"/>
+                      </p:stCondLst>
+                      <p:childTnLst>
+                        <p:par>
+                          <p:cTn id="171" fill="hold">
+                            <p:stCondLst>
+                              <p:cond delay="0"/>
+                            </p:stCondLst>
+                            <p:childTnLst>
+                              <p:par>
+                                <p:cTn id="172" nodeType="clickEffect" fill="hold" presetClass="entr" presetID="3" presetSubtype="10">
+                                  <p:stCondLst>
+                                    <p:cond delay="0"/>
+                                  </p:stCondLst>
+                                  <p:childTnLst>
+                                    <p:set>
+                                      <p:cBhvr>
+                                        <p:cTn id="173" dur="1" fill="hold">
+                                          <p:stCondLst>
+                                            <p:cond delay="0"/>
+                                          </p:stCondLst>
+                                        </p:cTn>
+                                        <p:tgtEl>
+                                          <p:spTgt spid="414"/>
+                                        </p:tgtEl>
+                                        <p:attrNameLst>
+                                          <p:attrName>style.visibility</p:attrName>
+                                        </p:attrNameLst>
+                                      </p:cBhvr>
+                                      <p:to>
+                                        <p:strVal val="visible"/>
+                                      </p:to>
+                                    </p:set>
+                                    <p:animEffect filter="blinds(horizontal)" transition="in">
+                                      <p:cBhvr additive="repl">
+                                        <p:cTn id="174" dur="500"/>
+                                        <p:tgtEl>
+                                          <p:spTgt spid="414"/>
+                                        </p:tgtEl>
+                                      </p:cBhvr>
+                                    </p:animEffect>
+                                  </p:childTnLst>
+                                </p:cTn>
+                              </p:par>
+                              <p:par>
+                                <p:cTn id="175" nodeType="withEffect" fill="hold" presetClass="entr" presetID="3" presetSubtype="10">
+                                  <p:stCondLst>
+                                    <p:cond delay="0"/>
+                                  </p:stCondLst>
+                                  <p:childTnLst>
+                                    <p:set>
+                                      <p:cBhvr>
+                                        <p:cTn id="176" dur="1" fill="hold">
+                                          <p:stCondLst>
+                                            <p:cond delay="0"/>
+                                          </p:stCondLst>
+                                        </p:cTn>
+                                        <p:tgtEl>
+                                          <p:spTgt spid="403"/>
+                                        </p:tgtEl>
+                                        <p:attrNameLst>
+                                          <p:attrName>style.visibility</p:attrName>
+                                        </p:attrNameLst>
+                                      </p:cBhvr>
+                                      <p:to>
+                                        <p:strVal val="visible"/>
+                                      </p:to>
+                                    </p:set>
+                                    <p:animEffect filter="blinds(horizontal)" transition="in">
+                                      <p:cBhvr additive="repl">
+                                        <p:cTn id="177" dur="500"/>
+                                        <p:tgtEl>
+                                          <p:spTgt spid="403"/>
+                                        </p:tgtEl>
+                                      </p:cBhvr>
+                                    </p:animEffect>
+                                  </p:childTnLst>
+                                </p:cTn>
+                              </p:par>
+                            </p:childTnLst>
+                          </p:cTn>
+                        </p:par>
+                      </p:childTnLst>
+                    </p:cTn>
+                  </p:par>
+                  <p:par>
+                    <p:cTn id="178" fill="hold">
+                      <p:stCondLst>
+                        <p:cond delay="indefinite"/>
+                      </p:stCondLst>
+                      <p:childTnLst>
+                        <p:par>
+                          <p:cTn id="179" fill="hold">
+                            <p:stCondLst>
+                              <p:cond delay="0"/>
+                            </p:stCondLst>
+                            <p:childTnLst>
+                              <p:par>
+                                <p:cTn id="180" nodeType="clickEffect" fill="hold" presetClass="entr" presetID="3" presetSubtype="10">
+                                  <p:stCondLst>
+                                    <p:cond delay="0"/>
+                                  </p:stCondLst>
+                                  <p:childTnLst>
+                                    <p:set>
+                                      <p:cBhvr>
+                                        <p:cTn id="181" dur="1" fill="hold">
+                                          <p:stCondLst>
+                                            <p:cond delay="0"/>
+                                          </p:stCondLst>
+                                        </p:cTn>
+                                        <p:tgtEl>
+                                          <p:spTgt spid="415"/>
+                                        </p:tgtEl>
+                                        <p:attrNameLst>
+                                          <p:attrName>style.visibility</p:attrName>
+                                        </p:attrNameLst>
+                                      </p:cBhvr>
+                                      <p:to>
+                                        <p:strVal val="visible"/>
+                                      </p:to>
+                                    </p:set>
+                                    <p:animEffect filter="blinds(horizontal)" transition="in">
+                                      <p:cBhvr additive="repl">
+                                        <p:cTn id="182" dur="500"/>
+                                        <p:tgtEl>
+                                          <p:spTgt spid="415"/>
+                                        </p:tgtEl>
+                                      </p:cBhvr>
+                                    </p:animEffect>
+                                  </p:childTnLst>
+                                </p:cTn>
+                              </p:par>
+                              <p:par>
+                                <p:cTn id="183" nodeType="withEffect" fill="hold" presetClass="entr" presetID="3" presetSubtype="10">
+                                  <p:stCondLst>
+                                    <p:cond delay="0"/>
+                                  </p:stCondLst>
+                                  <p:childTnLst>
+                                    <p:set>
+                                      <p:cBhvr>
+                                        <p:cTn id="184" dur="1" fill="hold">
+                                          <p:stCondLst>
+                                            <p:cond delay="0"/>
+                                          </p:stCondLst>
+                                        </p:cTn>
+                                        <p:tgtEl>
+                                          <p:spTgt spid="410"/>
+                                        </p:tgtEl>
+                                        <p:attrNameLst>
+                                          <p:attrName>style.visibility</p:attrName>
+                                        </p:attrNameLst>
+                                      </p:cBhvr>
+                                      <p:to>
+                                        <p:strVal val="visible"/>
+                                      </p:to>
+                                    </p:set>
+                                    <p:animEffect filter="blinds(horizontal)" transition="in">
+                                      <p:cBhvr additive="repl">
+                                        <p:cTn id="185" dur="500"/>
+                                        <p:tgtEl>
+                                          <p:spTgt spid="410"/>
+                                        </p:tgtEl>
+                                      </p:cBhvr>
+                                    </p:animEffect>
+                                  </p:childTnLst>
+                                </p:cTn>
+                              </p:par>
+                            </p:childTnLst>
+                          </p:cTn>
+                        </p:par>
+                      </p:childTnLst>
+                    </p:cTn>
+                  </p:par>
+                  <p:par>
+                    <p:cTn id="186" fill="hold">
+                      <p:stCondLst>
+                        <p:cond delay="indefinite"/>
+                      </p:stCondLst>
+                      <p:childTnLst>
+                        <p:par>
+                          <p:cTn id="187" fill="hold">
+                            <p:stCondLst>
+                              <p:cond delay="0"/>
+                            </p:stCondLst>
+                            <p:childTnLst>
+                              <p:par>
+                                <p:cTn id="188" nodeType="clickEffect" fill="hold" presetClass="entr" presetID="3" presetSubtype="10">
+                                  <p:stCondLst>
+                                    <p:cond delay="0"/>
+                                  </p:stCondLst>
+                                  <p:childTnLst>
+                                    <p:set>
+                                      <p:cBhvr>
+                                        <p:cTn id="189" dur="1" fill="hold">
+                                          <p:stCondLst>
+                                            <p:cond delay="0"/>
+                                          </p:stCondLst>
+                                        </p:cTn>
+                                        <p:tgtEl>
+                                          <p:spTgt spid="416"/>
+                                        </p:tgtEl>
+                                        <p:attrNameLst>
+                                          <p:attrName>style.visibility</p:attrName>
+                                        </p:attrNameLst>
+                                      </p:cBhvr>
+                                      <p:to>
+                                        <p:strVal val="visible"/>
+                                      </p:to>
+                                    </p:set>
+                                    <p:animEffect filter="blinds(horizontal)" transition="in">
+                                      <p:cBhvr additive="repl">
+                                        <p:cTn id="190" dur="500"/>
+                                        <p:tgtEl>
+                                          <p:spTgt spid="416"/>
+                                        </p:tgtEl>
+                                      </p:cBhvr>
+                                    </p:animEffect>
+                                  </p:childTnLst>
+                                </p:cTn>
+                              </p:par>
+                              <p:par>
+                                <p:cTn id="191" nodeType="withEffect" fill="hold" presetClass="entr" presetID="3" presetSubtype="10">
+                                  <p:stCondLst>
+                                    <p:cond delay="0"/>
+                                  </p:stCondLst>
+                                  <p:childTnLst>
+                                    <p:set>
+                                      <p:cBhvr>
+                                        <p:cTn id="192" dur="1" fill="hold">
+                                          <p:stCondLst>
+                                            <p:cond delay="0"/>
+                                          </p:stCondLst>
+                                        </p:cTn>
+                                        <p:tgtEl>
+                                          <p:spTgt spid="408"/>
+                                        </p:tgtEl>
+                                        <p:attrNameLst>
+                                          <p:attrName>style.visibility</p:attrName>
+                                        </p:attrNameLst>
+                                      </p:cBhvr>
+                                      <p:to>
+                                        <p:strVal val="visible"/>
+                                      </p:to>
+                                    </p:set>
+                                    <p:animEffect filter="blinds(horizontal)" transition="in">
+                                      <p:cBhvr additive="repl">
+                                        <p:cTn id="193" dur="500"/>
+                                        <p:tgtEl>
+                                          <p:spTgt spid="408"/>
+                                        </p:tgtEl>
+                                      </p:cBhvr>
+                                    </p:animEffect>
+                                  </p:childTnLst>
+                                </p:cTn>
+                              </p:par>
+                            </p:childTnLst>
+                          </p:cTn>
+                        </p:par>
+                      </p:childTnLst>
+                    </p:cTn>
+                  </p:par>
+                  <p:par>
+                    <p:cTn id="194" fill="hold">
+                      <p:stCondLst>
+                        <p:cond delay="indefinite"/>
+                      </p:stCondLst>
+                      <p:childTnLst>
+                        <p:par>
+                          <p:cTn id="195" fill="hold">
+                            <p:stCondLst>
+                              <p:cond delay="0"/>
+                            </p:stCondLst>
+                            <p:childTnLst>
+                              <p:par>
+                                <p:cTn id="196" nodeType="clickEffect" fill="hold" presetClass="entr" presetID="3" presetSubtype="10">
+                                  <p:stCondLst>
+                                    <p:cond delay="0"/>
+                                  </p:stCondLst>
+                                  <p:childTnLst>
+                                    <p:set>
+                                      <p:cBhvr>
+                                        <p:cTn id="197" dur="1" fill="hold">
+                                          <p:stCondLst>
+                                            <p:cond delay="0"/>
+                                          </p:stCondLst>
+                                        </p:cTn>
+                                        <p:tgtEl>
+                                          <p:spTgt spid="417"/>
+                                        </p:tgtEl>
+                                        <p:attrNameLst>
+                                          <p:attrName>style.visibility</p:attrName>
+                                        </p:attrNameLst>
+                                      </p:cBhvr>
+                                      <p:to>
+                                        <p:strVal val="visible"/>
+                                      </p:to>
+                                    </p:set>
+                                    <p:animEffect filter="blinds(horizontal)" transition="in">
+                                      <p:cBhvr additive="repl">
+                                        <p:cTn id="198" dur="500"/>
+                                        <p:tgtEl>
+                                          <p:spTgt spid="417"/>
+                                        </p:tgtEl>
+                                      </p:cBhvr>
+                                    </p:animEffect>
+                                  </p:childTnLst>
+                                </p:cTn>
+                              </p:par>
+                              <p:par>
+                                <p:cTn id="199" nodeType="withEffect" fill="hold" presetClass="entr" presetID="3" presetSubtype="10">
+                                  <p:stCondLst>
+                                    <p:cond delay="0"/>
+                                  </p:stCondLst>
+                                  <p:childTnLst>
+                                    <p:set>
+                                      <p:cBhvr>
+                                        <p:cTn id="200" dur="1" fill="hold">
+                                          <p:stCondLst>
+                                            <p:cond delay="0"/>
+                                          </p:stCondLst>
+                                        </p:cTn>
+                                        <p:tgtEl>
+                                          <p:spTgt spid="407"/>
+                                        </p:tgtEl>
+                                        <p:attrNameLst>
+                                          <p:attrName>style.visibility</p:attrName>
+                                        </p:attrNameLst>
+                                      </p:cBhvr>
+                                      <p:to>
+                                        <p:strVal val="visible"/>
+                                      </p:to>
+                                    </p:set>
+                                    <p:animEffect filter="blinds(horizontal)" transition="in">
+                                      <p:cBhvr additive="repl">
+                                        <p:cTn id="201" dur="500"/>
+                                        <p:tgtEl>
+                                          <p:spTgt spid="407"/>
+                                        </p:tgtEl>
+                                      </p:cBhvr>
+                                    </p:animEffect>
+                                  </p:childTnLst>
+                                </p:cTn>
+                              </p:par>
+                            </p:childTnLst>
+                          </p:cTn>
+                        </p:par>
+                      </p:childTnLst>
+                    </p:cTn>
+                  </p:par>
+                  <p:par>
+                    <p:cTn id="202" fill="hold">
+                      <p:stCondLst>
+                        <p:cond delay="indefinite"/>
+                      </p:stCondLst>
+                      <p:childTnLst>
+                        <p:par>
+                          <p:cTn id="203" fill="hold">
+                            <p:stCondLst>
+                              <p:cond delay="0"/>
+                            </p:stCondLst>
+                            <p:childTnLst>
+                              <p:par>
+                                <p:cTn id="204" nodeType="clickEffect" fill="hold" presetClass="entr" presetID="3" presetSubtype="10">
+                                  <p:stCondLst>
+                                    <p:cond delay="0"/>
+                                  </p:stCondLst>
+                                  <p:childTnLst>
+                                    <p:set>
+                                      <p:cBhvr>
+                                        <p:cTn id="205" dur="1" fill="hold">
+                                          <p:stCondLst>
+                                            <p:cond delay="0"/>
+                                          </p:stCondLst>
+                                        </p:cTn>
+                                        <p:tgtEl>
+                                          <p:spTgt spid="418"/>
+                                        </p:tgtEl>
+                                        <p:attrNameLst>
+                                          <p:attrName>style.visibility</p:attrName>
+                                        </p:attrNameLst>
+                                      </p:cBhvr>
+                                      <p:to>
+                                        <p:strVal val="visible"/>
+                                      </p:to>
+                                    </p:set>
+                                    <p:animEffect filter="blinds(horizontal)" transition="in">
+                                      <p:cBhvr additive="repl">
+                                        <p:cTn id="206" dur="500"/>
+                                        <p:tgtEl>
+                                          <p:spTgt spid="418"/>
+                                        </p:tgtEl>
+                                      </p:cBhvr>
+                                    </p:animEffect>
+                                  </p:childTnLst>
+                                </p:cTn>
+                              </p:par>
+                              <p:par>
+                                <p:cTn id="207" nodeType="withEffect" fill="hold" presetClass="entr" presetID="3" presetSubtype="10">
+                                  <p:stCondLst>
+                                    <p:cond delay="0"/>
+                                  </p:stCondLst>
+                                  <p:childTnLst>
+                                    <p:set>
+                                      <p:cBhvr>
+                                        <p:cTn id="208" dur="1" fill="hold">
+                                          <p:stCondLst>
+                                            <p:cond delay="0"/>
+                                          </p:stCondLst>
+                                        </p:cTn>
+                                        <p:tgtEl>
+                                          <p:spTgt spid="419"/>
+                                        </p:tgtEl>
+                                        <p:attrNameLst>
+                                          <p:attrName>style.visibility</p:attrName>
+                                        </p:attrNameLst>
+                                      </p:cBhvr>
+                                      <p:to>
+                                        <p:strVal val="visible"/>
+                                      </p:to>
+                                    </p:set>
+                                    <p:animEffect filter="blinds(horizontal)" transition="in">
+                                      <p:cBhvr additive="repl">
+                                        <p:cTn id="209" dur="500"/>
+                                        <p:tgtEl>
+                                          <p:spTgt spid="419"/>
+                                        </p:tgtEl>
+                                      </p:cBhvr>
+                                    </p:animEffect>
+                                  </p:childTnLst>
+                                </p:cTn>
+                              </p:par>
+                              <p:par>
+                                <p:cTn id="210" nodeType="withEffect" fill="hold" presetClass="entr" presetID="3" presetSubtype="10">
+                                  <p:stCondLst>
+                                    <p:cond delay="0"/>
+                                  </p:stCondLst>
+                                  <p:childTnLst>
+                                    <p:set>
+                                      <p:cBhvr>
+                                        <p:cTn id="211" dur="1" fill="hold">
+                                          <p:stCondLst>
+                                            <p:cond delay="0"/>
+                                          </p:stCondLst>
+                                        </p:cTn>
+                                        <p:tgtEl>
+                                          <p:spTgt spid="404"/>
+                                        </p:tgtEl>
+                                        <p:attrNameLst>
+                                          <p:attrName>style.visibility</p:attrName>
+                                        </p:attrNameLst>
+                                      </p:cBhvr>
+                                      <p:to>
+                                        <p:strVal val="visible"/>
+                                      </p:to>
+                                    </p:set>
+                                    <p:animEffect filter="blinds(horizontal)" transition="in">
+                                      <p:cBhvr additive="repl">
+                                        <p:cTn id="212" dur="500"/>
+                                        <p:tgtEl>
+                                          <p:spTgt spid="404"/>
+                                        </p:tgtEl>
+                                      </p:cBhvr>
+                                    </p:animEffect>
+                                  </p:childTnLst>
+                                </p:cTn>
+                              </p:par>
+                              <p:par>
+                                <p:cTn id="213" nodeType="withEffect" fill="hold" presetClass="entr" presetID="3" presetSubtype="10">
+                                  <p:stCondLst>
+                                    <p:cond delay="0"/>
+                                  </p:stCondLst>
+                                  <p:childTnLst>
+                                    <p:set>
+                                      <p:cBhvr>
+                                        <p:cTn id="214" dur="1" fill="hold">
+                                          <p:stCondLst>
+                                            <p:cond delay="0"/>
+                                          </p:stCondLst>
+                                        </p:cTn>
+                                        <p:tgtEl>
+                                          <p:spTgt spid="406"/>
+                                        </p:tgtEl>
+                                        <p:attrNameLst>
+                                          <p:attrName>style.visibility</p:attrName>
+                                        </p:attrNameLst>
+                                      </p:cBhvr>
+                                      <p:to>
+                                        <p:strVal val="visible"/>
+                                      </p:to>
+                                    </p:set>
+                                    <p:animEffect filter="blinds(horizontal)" transition="in">
+                                      <p:cBhvr additive="repl">
+                                        <p:cTn id="215" dur="500"/>
+                                        <p:tgtEl>
+                                          <p:spTgt spid="406"/>
+                                        </p:tgtEl>
+                                      </p:cBhvr>
+                                    </p:animEffect>
+                                  </p:childTnLst>
+                                </p:cTn>
+                              </p:par>
+                            </p:childTnLst>
+                          </p:cTn>
+                        </p:par>
+                      </p:childTnLst>
+                    </p:cTn>
+                  </p:par>
+                  <p:par>
+                    <p:cTn id="216" fill="hold">
+                      <p:stCondLst>
+                        <p:cond delay="indefinite"/>
+                      </p:stCondLst>
+                      <p:childTnLst>
+                        <p:par>
+                          <p:cTn id="217" fill="hold">
+                            <p:stCondLst>
+                              <p:cond delay="0"/>
+                            </p:stCondLst>
+                            <p:childTnLst>
+                              <p:par>
+                                <p:cTn id="218" nodeType="clickEffect" fill="hold" presetClass="entr" presetID="3" presetSubtype="10">
+                                  <p:stCondLst>
+                                    <p:cond delay="0"/>
+                                  </p:stCondLst>
+                                  <p:childTnLst>
+                                    <p:set>
+                                      <p:cBhvr>
+                                        <p:cTn id="219" dur="1" fill="hold">
+                                          <p:stCondLst>
+                                            <p:cond delay="0"/>
+                                          </p:stCondLst>
+                                        </p:cTn>
+                                        <p:tgtEl>
+                                          <p:spTgt spid="420"/>
+                                        </p:tgtEl>
+                                        <p:attrNameLst>
+                                          <p:attrName>style.visibility</p:attrName>
+                                        </p:attrNameLst>
+                                      </p:cBhvr>
+                                      <p:to>
+                                        <p:strVal val="visible"/>
+                                      </p:to>
+                                    </p:set>
+                                    <p:animEffect filter="blinds(horizontal)" transition="in">
+                                      <p:cBhvr additive="repl">
+                                        <p:cTn id="220" dur="500"/>
+                                        <p:tgtEl>
+                                          <p:spTgt spid="420"/>
+                                        </p:tgtEl>
+                                      </p:cBhvr>
+                                    </p:animEffect>
+                                  </p:childTnLst>
+                                </p:cTn>
+                              </p:par>
+                              <p:par>
+                                <p:cTn id="221" nodeType="withEffect" fill="hold" presetClass="entr" presetID="3" presetSubtype="10">
+                                  <p:stCondLst>
+                                    <p:cond delay="0"/>
+                                  </p:stCondLst>
+                                  <p:childTnLst>
+                                    <p:set>
+                                      <p:cBhvr>
+                                        <p:cTn id="222" dur="1" fill="hold">
+                                          <p:stCondLst>
+                                            <p:cond delay="0"/>
+                                          </p:stCondLst>
+                                        </p:cTn>
+                                        <p:tgtEl>
+                                          <p:spTgt spid="421"/>
+                                        </p:tgtEl>
+                                        <p:attrNameLst>
+                                          <p:attrName>style.visibility</p:attrName>
+                                        </p:attrNameLst>
+                                      </p:cBhvr>
+                                      <p:to>
+                                        <p:strVal val="visible"/>
+                                      </p:to>
+                                    </p:set>
+                                    <p:animEffect filter="blinds(horizontal)" transition="in">
+                                      <p:cBhvr additive="repl">
+                                        <p:cTn id="223" dur="500"/>
+                                        <p:tgtEl>
+                                          <p:spTgt spid="421"/>
+                                        </p:tgtEl>
+                                      </p:cBhvr>
+                                    </p:animEffect>
+                                  </p:childTnLst>
+                                </p:cTn>
+                              </p:par>
+                              <p:par>
+                                <p:cTn id="224" nodeType="withEffect" fill="hold" presetClass="entr" presetID="3" presetSubtype="10">
+                                  <p:stCondLst>
+                                    <p:cond delay="0"/>
+                                  </p:stCondLst>
+                                  <p:childTnLst>
+                                    <p:set>
+                                      <p:cBhvr>
+                                        <p:cTn id="225" dur="1" fill="hold">
+                                          <p:stCondLst>
+                                            <p:cond delay="0"/>
+                                          </p:stCondLst>
+                                        </p:cTn>
+                                        <p:tgtEl>
+                                          <p:spTgt spid="409"/>
+                                        </p:tgtEl>
+                                        <p:attrNameLst>
+                                          <p:attrName>style.visibility</p:attrName>
+                                        </p:attrNameLst>
+                                      </p:cBhvr>
+                                      <p:to>
+                                        <p:strVal val="visible"/>
+                                      </p:to>
+                                    </p:set>
+                                    <p:animEffect filter="blinds(horizontal)" transition="in">
+                                      <p:cBhvr additive="repl">
+                                        <p:cTn id="226" dur="500"/>
+                                        <p:tgtEl>
+                                          <p:spTgt spid="409"/>
+                                        </p:tgtEl>
+                                      </p:cBhvr>
+                                    </p:animEffect>
+                                  </p:childTnLst>
+                                </p:cTn>
+                              </p:par>
+                              <p:par>
+                                <p:cTn id="227" nodeType="withEffect" fill="hold" presetClass="entr" presetID="3" presetSubtype="10">
+                                  <p:stCondLst>
+                                    <p:cond delay="0"/>
+                                  </p:stCondLst>
+                                  <p:childTnLst>
+                                    <p:set>
+                                      <p:cBhvr>
+                                        <p:cTn id="228" dur="1" fill="hold">
+                                          <p:stCondLst>
+                                            <p:cond delay="0"/>
+                                          </p:stCondLst>
+                                        </p:cTn>
+                                        <p:tgtEl>
+                                          <p:spTgt spid="411"/>
+                                        </p:tgtEl>
+                                        <p:attrNameLst>
+                                          <p:attrName>style.visibility</p:attrName>
+                                        </p:attrNameLst>
+                                      </p:cBhvr>
+                                      <p:to>
+                                        <p:strVal val="visible"/>
+                                      </p:to>
+                                    </p:set>
+                                    <p:animEffect filter="blinds(horizontal)" transition="in">
+                                      <p:cBhvr additive="repl">
+                                        <p:cTn id="229" dur="500"/>
+                                        <p:tgtEl>
+                                          <p:spTgt spid="411"/>
+                                        </p:tgtEl>
+                                      </p:cBhvr>
+                                    </p:animEffect>
+                                  </p:childTnLst>
+                                </p:cTn>
+                              </p:par>
+                            </p:childTnLst>
+                          </p:cTn>
+                        </p:par>
+                      </p:childTnLst>
+                    </p:cTn>
+                  </p:par>
+                  <p:par>
+                    <p:cTn id="230" fill="hold">
+                      <p:stCondLst>
+                        <p:cond delay="indefinite"/>
+                      </p:stCondLst>
+                      <p:childTnLst>
+                        <p:par>
+                          <p:cTn id="231" fill="hold">
+                            <p:stCondLst>
+                              <p:cond delay="0"/>
+                            </p:stCondLst>
+                            <p:childTnLst>
+                              <p:par>
+                                <p:cTn id="232" nodeType="clickEffect" fill="hold" presetClass="entr" presetID="3" presetSubtype="10">
+                                  <p:stCondLst>
+                                    <p:cond delay="0"/>
+                                  </p:stCondLst>
+                                  <p:childTnLst>
+                                    <p:set>
+                                      <p:cBhvr>
+                                        <p:cTn id="233" dur="1" fill="hold">
+                                          <p:stCondLst>
+                                            <p:cond delay="0"/>
+                                          </p:stCondLst>
+                                        </p:cTn>
+                                        <p:tgtEl>
+                                          <p:spTgt spid="424"/>
+                                        </p:tgtEl>
+                                        <p:attrNameLst>
+                                          <p:attrName>style.visibility</p:attrName>
+                                        </p:attrNameLst>
+                                      </p:cBhvr>
+                                      <p:to>
+                                        <p:strVal val="visible"/>
+                                      </p:to>
+                                    </p:set>
+                                    <p:animEffect filter="blinds(horizontal)" transition="in">
+                                      <p:cBhvr additive="repl">
+                                        <p:cTn id="234" dur="500"/>
+                                        <p:tgtEl>
+                                          <p:spTgt spid="424"/>
+                                        </p:tgtEl>
+                                      </p:cBhvr>
+                                    </p:animEffect>
+                                  </p:childTnLst>
+                                </p:cTn>
+                              </p:par>
+                              <p:par>
+                                <p:cTn id="235" nodeType="withEffect" fill="hold" presetClass="entr" presetID="3" presetSubtype="10">
+                                  <p:stCondLst>
+                                    <p:cond delay="0"/>
+                                  </p:stCondLst>
+                                  <p:childTnLst>
+                                    <p:set>
+                                      <p:cBhvr>
+                                        <p:cTn id="236" dur="1" fill="hold">
+                                          <p:stCondLst>
+                                            <p:cond delay="0"/>
+                                          </p:stCondLst>
+                                        </p:cTn>
+                                        <p:tgtEl>
+                                          <p:spTgt spid="425"/>
+                                        </p:tgtEl>
+                                        <p:attrNameLst>
+                                          <p:attrName>style.visibility</p:attrName>
+                                        </p:attrNameLst>
+                                      </p:cBhvr>
+                                      <p:to>
+                                        <p:strVal val="visible"/>
+                                      </p:to>
+                                    </p:set>
+                                    <p:animEffect filter="blinds(horizontal)" transition="in">
+                                      <p:cBhvr additive="repl">
+                                        <p:cTn id="237" dur="500"/>
+                                        <p:tgtEl>
+                                          <p:spTgt spid="425"/>
+                                        </p:tgtEl>
+                                      </p:cBhvr>
+                                    </p:animEffect>
+                                  </p:childTnLst>
+                                </p:cTn>
+                              </p:par>
+                              <p:par>
+                                <p:cTn id="238" nodeType="withEffect" fill="hold" presetClass="entr" presetID="3" presetSubtype="10">
+                                  <p:stCondLst>
+                                    <p:cond delay="0"/>
+                                  </p:stCondLst>
+                                  <p:childTnLst>
+                                    <p:set>
+                                      <p:cBhvr>
+                                        <p:cTn id="239" dur="1" fill="hold">
+                                          <p:stCondLst>
+                                            <p:cond delay="0"/>
+                                          </p:stCondLst>
+                                        </p:cTn>
+                                        <p:tgtEl>
+                                          <p:spTgt spid="405"/>
+                                        </p:tgtEl>
+                                        <p:attrNameLst>
+                                          <p:attrName>style.visibility</p:attrName>
+                                        </p:attrNameLst>
+                                      </p:cBhvr>
+                                      <p:to>
+                                        <p:strVal val="visible"/>
+                                      </p:to>
+                                    </p:set>
+                                    <p:animEffect filter="blinds(horizontal)" transition="in">
+                                      <p:cBhvr additive="repl">
+                                        <p:cTn id="240" dur="500"/>
+                                        <p:tgtEl>
+                                          <p:spTgt spid="405"/>
+                                        </p:tgtEl>
+                                      </p:cBhvr>
+                                    </p:animEffect>
+                                  </p:childTnLst>
+                                </p:cTn>
+                              </p:par>
+                            </p:childTnLst>
+                          </p:cTn>
+                        </p:par>
+                      </p:childTnLst>
+                    </p:cTn>
+                  </p:par>
+                  <p:par>
+                    <p:cTn id="241" fill="hold">
+                      <p:stCondLst>
+                        <p:cond delay="indefinite"/>
+                      </p:stCondLst>
+                      <p:childTnLst>
+                        <p:par>
+                          <p:cTn id="242" fill="hold">
+                            <p:stCondLst>
+                              <p:cond delay="0"/>
+                            </p:stCondLst>
+                            <p:childTnLst>
+                              <p:par>
+                                <p:cTn id="243" nodeType="clickEffect" fill="hold" presetClass="entr" presetID="3" presetSubtype="10">
+                                  <p:stCondLst>
+                                    <p:cond delay="0"/>
+                                  </p:stCondLst>
+                                  <p:childTnLst>
+                                    <p:set>
+                                      <p:cBhvr>
+                                        <p:cTn id="244" dur="1" fill="hold">
+                                          <p:stCondLst>
+                                            <p:cond delay="0"/>
+                                          </p:stCondLst>
+                                        </p:cTn>
+                                        <p:tgtEl>
+                                          <p:spTgt spid="422"/>
+                                        </p:tgtEl>
+                                        <p:attrNameLst>
+                                          <p:attrName>style.visibility</p:attrName>
+                                        </p:attrNameLst>
+                                      </p:cBhvr>
+                                      <p:to>
+                                        <p:strVal val="visible"/>
+                                      </p:to>
+                                    </p:set>
+                                    <p:animEffect filter="blinds(horizontal)" transition="in">
+                                      <p:cBhvr additive="repl">
+                                        <p:cTn id="245" dur="500"/>
+                                        <p:tgtEl>
+                                          <p:spTgt spid="422"/>
+                                        </p:tgtEl>
+                                      </p:cBhvr>
+                                    </p:animEffect>
+                                  </p:childTnLst>
+                                </p:cTn>
+                              </p:par>
+                              <p:par>
+                                <p:cTn id="246" nodeType="withEffect" fill="hold" presetClass="entr" presetID="3" presetSubtype="10">
+                                  <p:stCondLst>
+                                    <p:cond delay="0"/>
+                                  </p:stCondLst>
+                                  <p:childTnLst>
+                                    <p:set>
+                                      <p:cBhvr>
+                                        <p:cTn id="247" dur="1" fill="hold">
+                                          <p:stCondLst>
+                                            <p:cond delay="0"/>
+                                          </p:stCondLst>
+                                        </p:cTn>
+                                        <p:tgtEl>
+                                          <p:spTgt spid="412"/>
+                                        </p:tgtEl>
+                                        <p:attrNameLst>
+                                          <p:attrName>style.visibility</p:attrName>
+                                        </p:attrNameLst>
+                                      </p:cBhvr>
+                                      <p:to>
+                                        <p:strVal val="visible"/>
+                                      </p:to>
+                                    </p:set>
+                                    <p:animEffect filter="blinds(horizontal)" transition="in">
+                                      <p:cBhvr additive="repl">
+                                        <p:cTn id="248" dur="500"/>
+                                        <p:tgtEl>
+                                          <p:spTgt spid="412"/>
+                                        </p:tgtEl>
+                                      </p:cBhvr>
+                                    </p:animEffect>
+                                  </p:childTnLst>
+                                </p:cTn>
+                              </p:par>
+                            </p:childTnLst>
+                          </p:cTn>
+                        </p:par>
+                      </p:childTnLst>
+                    </p:cTn>
+                  </p:par>
+                  <p:par>
+                    <p:cTn id="249" fill="hold">
+                      <p:stCondLst>
+                        <p:cond delay="indefinite"/>
+                      </p:stCondLst>
+                      <p:childTnLst>
+                        <p:par>
+                          <p:cTn id="250" fill="hold">
+                            <p:stCondLst>
+                              <p:cond delay="0"/>
+                            </p:stCondLst>
+                            <p:childTnLst>
+                              <p:par>
+                                <p:cTn id="251" nodeType="clickEffect" fill="hold" presetClass="entr" presetID="3" presetSubtype="10">
+                                  <p:stCondLst>
+                                    <p:cond delay="0"/>
+                                  </p:stCondLst>
+                                  <p:childTnLst>
+                                    <p:set>
+                                      <p:cBhvr>
+                                        <p:cTn id="252" dur="1" fill="hold">
+                                          <p:stCondLst>
+                                            <p:cond delay="0"/>
+                                          </p:stCondLst>
+                                        </p:cTn>
+                                        <p:tgtEl>
+                                          <p:spTgt spid="423"/>
+                                        </p:tgtEl>
+                                        <p:attrNameLst>
+                                          <p:attrName>style.visibility</p:attrName>
+                                        </p:attrNameLst>
+                                      </p:cBhvr>
+                                      <p:to>
+                                        <p:strVal val="visible"/>
+                                      </p:to>
+                                    </p:set>
+                                    <p:animEffect filter="blinds(horizontal)" transition="in">
+                                      <p:cBhvr additive="repl">
+                                        <p:cTn id="253" dur="500"/>
+                                        <p:tgtEl>
+                                          <p:spTgt spid="423"/>
+                                        </p:tgtEl>
+                                      </p:cBhvr>
+                                    </p:animEffect>
+                                  </p:childTnLst>
+                                </p:cTn>
+                              </p:par>
+                              <p:par>
+                                <p:cTn id="254" nodeType="withEffect" fill="hold" presetClass="entr" presetID="3" presetSubtype="10">
+                                  <p:stCondLst>
+                                    <p:cond delay="0"/>
+                                  </p:stCondLst>
+                                  <p:childTnLst>
+                                    <p:set>
+                                      <p:cBhvr>
+                                        <p:cTn id="255" dur="1" fill="hold">
+                                          <p:stCondLst>
+                                            <p:cond delay="0"/>
+                                          </p:stCondLst>
+                                        </p:cTn>
+                                        <p:tgtEl>
+                                          <p:spTgt spid="413"/>
+                                        </p:tgtEl>
+                                        <p:attrNameLst>
+                                          <p:attrName>style.visibility</p:attrName>
+                                        </p:attrNameLst>
+                                      </p:cBhvr>
+                                      <p:to>
+                                        <p:strVal val="visible"/>
+                                      </p:to>
+                                    </p:set>
+                                    <p:animEffect filter="blinds(horizontal)" transition="in">
+                                      <p:cBhvr additive="repl">
+                                        <p:cTn id="256" dur="500"/>
+                                        <p:tgtEl>
+                                          <p:spTgt spid="413"/>
+                                        </p:tgtEl>
+                                      </p:cBhvr>
+                                    </p:animEffect>
+                                  </p:childTnLst>
+                                </p:cTn>
+                              </p:par>
+                            </p:childTnLst>
+                          </p:cTn>
+                        </p:par>
+                      </p:childTnLst>
+                    </p:cTn>
+                  </p:par>
+                </p:childTnLst>
+              </p:cTn>
+              <p:prevCondLst>
+                <p:cond evt="onPrev">
+                  <p:tgtEl>
+                    <p:sldTgt/>
+                  </p:tgtEl>
+                </p:cond>
+              </p:prevCondLst>
+              <p:nextCondLst>
+                <p:cond evt="onNext">
+                  <p:tgtEl>
+                    <p:sldTgt/>
+                  </p:tgtEl>
+                </p:cond>
+              </p:nextCondLst>
+            </p:seq>
+          </p:childTnLst>
+        </p:cTn>
+      </p:par>
+    </p:tnLst>
+  </p:timing>
 </p:sld>
 </file>
 
@@ -34484,7 +37767,7 @@
       </p:grpSpPr>
       <p:sp>
         <p:nvSpPr>
-          <p:cNvPr id="400" name="PlaceHolder 1"/>
+          <p:cNvPr id="426" name="PlaceHolder 1"/>
           <p:cNvSpPr>
             <a:spLocks noGrp="1"/>
           </p:cNvSpPr>
@@ -34526,168 +37809,9 @@
                 </a:solidFill>
                 <a:latin typeface="Noto Sans"/>
               </a:rPr>
-              <a:t>References</a:t>
+              <a:t>Comparison Table</a:t>
             </a:r>
             <a:endParaRPr b="0" lang="en-IN" sz="2700" spc="-1" strike="noStrike">
-              <a:solidFill>
-                <a:srgbClr val="000000"/>
-              </a:solidFill>
-              <a:latin typeface="Arial"/>
-            </a:endParaRPr>
-          </a:p>
-        </p:txBody>
-      </p:sp>
-      <p:sp>
-        <p:nvSpPr>
-          <p:cNvPr id="401" name=""/>
-          <p:cNvSpPr/>
-          <p:nvPr/>
-        </p:nvSpPr>
-        <p:spPr>
-          <a:xfrm>
-            <a:off x="360000" y="1485000"/>
-            <a:ext cx="9359280" cy="3779280"/>
-          </a:xfrm>
-          <a:prstGeom prst="rect">
-            <a:avLst/>
-          </a:prstGeom>
-          <a:noFill/>
-          <a:ln w="0">
-            <a:noFill/>
-          </a:ln>
-        </p:spPr>
-        <p:style>
-          <a:lnRef idx="0"/>
-          <a:fillRef idx="0"/>
-          <a:effectRef idx="0"/>
-          <a:fontRef idx="minor"/>
-        </p:style>
-        <p:txBody>
-          <a:bodyPr lIns="0" rIns="0" tIns="0" bIns="0" anchor="t">
-            <a:normAutofit/>
-          </a:bodyPr>
-          <a:p>
-            <a:pPr marL="432000" indent="-324000">
-              <a:lnSpc>
-                <a:spcPct val="100000"/>
-              </a:lnSpc>
-              <a:spcAft>
-                <a:spcPts val="1057"/>
-              </a:spcAft>
-              <a:buClr>
-                <a:srgbClr val="2c3e50"/>
-              </a:buClr>
-              <a:buSzPct val="45000"/>
-              <a:buFont typeface="Wingdings" charset="2"/>
-              <a:buChar char=""/>
-            </a:pPr>
-            <a:r>
-              <a:rPr b="1" lang="en-IN" sz="1800" spc="-1" strike="noStrike">
-                <a:solidFill>
-                  <a:srgbClr val="2c3e50"/>
-                </a:solidFill>
-                <a:latin typeface="Noto Sans"/>
-                <a:ea typeface="DejaVu Sans"/>
-              </a:rPr>
-              <a:t>K. Hossain, R. Ahmed, A. Haque, and M. Rahman, “A Review of Digital FIR Filter Design in Communication Systems,” International Journal of Science and Research (IJSR), vol. 10, p. 09, 03 2021.</a:t>
-            </a:r>
-            <a:endParaRPr b="0" lang="en-IN" sz="1800" spc="-1" strike="noStrike">
-              <a:solidFill>
-                <a:srgbClr val="000000"/>
-              </a:solidFill>
-              <a:latin typeface="Arial"/>
-            </a:endParaRPr>
-          </a:p>
-          <a:p>
-            <a:pPr marL="432000" indent="-324000">
-              <a:lnSpc>
-                <a:spcPct val="100000"/>
-              </a:lnSpc>
-              <a:spcAft>
-                <a:spcPts val="1057"/>
-              </a:spcAft>
-              <a:buClr>
-                <a:srgbClr val="2c3e50"/>
-              </a:buClr>
-              <a:buSzPct val="45000"/>
-              <a:buFont typeface="Wingdings" charset="2"/>
-              <a:buChar char=""/>
-            </a:pPr>
-            <a:r>
-              <a:rPr b="1" lang="en-IN" sz="1800" spc="-1" strike="noStrike">
-                <a:solidFill>
-                  <a:srgbClr val="2c3e50"/>
-                </a:solidFill>
-                <a:latin typeface="Noto Sans"/>
-                <a:ea typeface="DejaVu Sans"/>
-              </a:rPr>
-              <a:t>R. Hinojosa-Meza, M. M. Rivera, P. Vacas-Jacques, N. Escalante-Garcia, J. A. Dena-Aguilar, A. B. Sanchez, and E. Olvera-Gonzalez, “Comparative Analysis of RNN Versus IIR Digital Filtering to Optimize Resilience to Dynamic Perturbations in pH Sensing for Vertical Farming,” Preprints, May 2023.</a:t>
-            </a:r>
-            <a:endParaRPr b="0" lang="en-IN" sz="1800" spc="-1" strike="noStrike">
-              <a:solidFill>
-                <a:srgbClr val="000000"/>
-              </a:solidFill>
-              <a:latin typeface="Arial"/>
-            </a:endParaRPr>
-          </a:p>
-          <a:p>
-            <a:pPr marL="432000" indent="-324000">
-              <a:lnSpc>
-                <a:spcPct val="100000"/>
-              </a:lnSpc>
-              <a:spcAft>
-                <a:spcPts val="1057"/>
-              </a:spcAft>
-              <a:buClr>
-                <a:srgbClr val="2c3e50"/>
-              </a:buClr>
-              <a:buSzPct val="45000"/>
-              <a:buFont typeface="Wingdings" charset="2"/>
-              <a:buChar char=""/>
-            </a:pPr>
-            <a:r>
-              <a:rPr b="1" lang="en-IN" sz="1800" spc="-1" strike="noStrike">
-                <a:solidFill>
-                  <a:srgbClr val="2c3e50"/>
-                </a:solidFill>
-                <a:latin typeface="Noto Sans"/>
-                <a:ea typeface="DejaVu Sans"/>
-              </a:rPr>
-              <a:t>D. Kumar, “Comparison of Different Types of IIR Filters,” 04 2016.</a:t>
-            </a:r>
-            <a:endParaRPr b="0" lang="en-IN" sz="1800" spc="-1" strike="noStrike">
-              <a:solidFill>
-                <a:srgbClr val="000000"/>
-              </a:solidFill>
-              <a:latin typeface="Arial"/>
-            </a:endParaRPr>
-          </a:p>
-          <a:p>
-            <a:pPr marL="432000" indent="-324000">
-              <a:lnSpc>
-                <a:spcPct val="100000"/>
-              </a:lnSpc>
-              <a:spcAft>
-                <a:spcPts val="1057"/>
-              </a:spcAft>
-              <a:buClr>
-                <a:srgbClr val="2c3e50"/>
-              </a:buClr>
-              <a:buSzPct val="45000"/>
-              <a:buFont typeface="Wingdings" charset="2"/>
-              <a:buChar char=""/>
-            </a:pPr>
-            <a:r>
-              <a:rPr b="1" lang="en-IN" sz="1800" spc="-1" strike="noStrike">
-                <a:solidFill>
-                  <a:srgbClr val="2c3e50"/>
-                </a:solidFill>
-                <a:latin typeface="Noto Sans"/>
-                <a:ea typeface="DejaVu Sans"/>
-              </a:rPr>
-              <a:t>R. Pal, “Comparison of the design of FIR and IIR filters for a given specification and removal of phase distortion from IIR filters,” 12 2017.</a:t>
-            </a:r>
-            <a:endParaRPr b="0" lang="en-IN" sz="1800" spc="-1" strike="noStrike">
               <a:solidFill>
                 <a:srgbClr val="000000"/>
               </a:solidFill>
@@ -34728,7 +37852,7 @@
       </p:grpSpPr>
       <p:sp>
         <p:nvSpPr>
-          <p:cNvPr id="402" name="PlaceHolder 1"/>
+          <p:cNvPr id="427" name="PlaceHolder 1"/>
           <p:cNvSpPr>
             <a:spLocks noGrp="1"/>
           </p:cNvSpPr>
@@ -34770,7 +37894,7 @@
                 </a:solidFill>
                 <a:latin typeface="Noto Sans"/>
               </a:rPr>
-              <a:t>References</a:t>
+              <a:t>Conclusion</a:t>
             </a:r>
             <a:endParaRPr b="0" lang="en-IN" sz="2700" spc="-1" strike="noStrike">
               <a:solidFill>
@@ -34783,7 +37907,7 @@
       </p:sp>
       <p:sp>
         <p:nvSpPr>
-          <p:cNvPr id="403" name=""/>
+          <p:cNvPr id="428" name=""/>
           <p:cNvSpPr/>
           <p:nvPr/>
         </p:nvSpPr>
@@ -34811,127 +37935,22 @@
             <a:normAutofit/>
           </a:bodyPr>
           <a:p>
-            <a:pPr marL="432000" indent="-324000">
+            <a:pPr>
               <a:lnSpc>
                 <a:spcPct val="100000"/>
               </a:lnSpc>
-              <a:spcAft>
-                <a:spcPts val="1057"/>
-              </a:spcAft>
-              <a:buClr>
-                <a:srgbClr val="2c3e50"/>
-              </a:buClr>
-              <a:buSzPct val="45000"/>
-              <a:buFont typeface="Wingdings" charset="2"/>
-              <a:buChar char=""/>
-            </a:pPr>
-            <a:r>
-              <a:rPr b="1" lang="en-IN" sz="1800" spc="-1" strike="noStrike">
+            </a:pPr>
+            <a:r>
+              <a:rPr b="1" lang="en-IN" sz="2400" spc="-1" strike="noStrike">
                 <a:solidFill>
                   <a:srgbClr val="2c3e50"/>
                 </a:solidFill>
                 <a:latin typeface="Noto Sans"/>
                 <a:ea typeface="DejaVu Sans"/>
               </a:rPr>
-              <a:t>S. Zargar, “Introduction to Sequence Learning Models: RNN, LSTM, GRU,” 04 2021.</a:t>
-            </a:r>
-            <a:endParaRPr b="0" lang="en-IN" sz="1800" spc="-1" strike="noStrike">
-              <a:solidFill>
-                <a:srgbClr val="000000"/>
-              </a:solidFill>
-              <a:latin typeface="Arial"/>
-            </a:endParaRPr>
-          </a:p>
-          <a:p>
-            <a:pPr marL="432000" indent="-324000">
-              <a:lnSpc>
-                <a:spcPct val="100000"/>
-              </a:lnSpc>
-              <a:spcAft>
-                <a:spcPts val="1057"/>
-              </a:spcAft>
-              <a:buClr>
-                <a:srgbClr val="2c3e50"/>
-              </a:buClr>
-              <a:buSzPct val="45000"/>
-              <a:buFont typeface="Wingdings" charset="2"/>
-              <a:buChar char=""/>
-            </a:pPr>
-            <a:r>
-              <a:rPr b="1" lang="en-IN" sz="1800" spc="-1" strike="noStrike">
-                <a:solidFill>
-                  <a:srgbClr val="2c3e50"/>
-                </a:solidFill>
-                <a:latin typeface="Noto Sans"/>
-                <a:ea typeface="DejaVu Sans"/>
-              </a:rPr>
-              <a:t>A. Ali, A. U. Rehman, A. Almogren, E. T. Eldin, and M. Kaleem, “Application of Deep Learning Gated Recurrent Unit in Hybrid Shunt Active Power Filter for Power Quality Enhancement,” Energies, vol. 15, no. 20, 2022.</a:t>
-            </a:r>
-            <a:endParaRPr b="0" lang="en-IN" sz="1800" spc="-1" strike="noStrike">
-              <a:solidFill>
-                <a:srgbClr val="000000"/>
-              </a:solidFill>
-              <a:latin typeface="Arial"/>
-            </a:endParaRPr>
-          </a:p>
-          <a:p>
-            <a:pPr marL="432000" indent="-324000">
-              <a:lnSpc>
-                <a:spcPct val="100000"/>
-              </a:lnSpc>
-              <a:spcAft>
-                <a:spcPts val="1057"/>
-              </a:spcAft>
-              <a:buClr>
-                <a:srgbClr val="2c3e50"/>
-              </a:buClr>
-              <a:buSzPct val="45000"/>
-              <a:buFont typeface="Wingdings" charset="2"/>
-              <a:buChar char=""/>
-            </a:pPr>
-            <a:r>
-              <a:rPr b="1" lang="en-IN" sz="1800" spc="-1" strike="noStrike">
-                <a:solidFill>
-                  <a:srgbClr val="2c3e50"/>
-                </a:solidFill>
-                <a:latin typeface="Noto Sans"/>
-                <a:ea typeface="DejaVu Sans"/>
-              </a:rPr>
-              <a:t>A. Sherstinsky, “Fundamentals of recurrent neural network (RNN) and long short term memory (LSTM) network,” Physica D: Nonlinear Phenomena, vol. 404, p. 132306, 2020.</a:t>
-            </a:r>
-            <a:endParaRPr b="0" lang="en-IN" sz="1800" spc="-1" strike="noStrike">
-              <a:solidFill>
-                <a:srgbClr val="000000"/>
-              </a:solidFill>
-              <a:latin typeface="Arial"/>
-            </a:endParaRPr>
-          </a:p>
-          <a:p>
-            <a:pPr marL="432000" indent="-324000">
-              <a:lnSpc>
-                <a:spcPct val="100000"/>
-              </a:lnSpc>
-              <a:spcAft>
-                <a:spcPts val="1057"/>
-              </a:spcAft>
-              <a:buClr>
-                <a:srgbClr val="2c3e50"/>
-              </a:buClr>
-              <a:buSzPct val="45000"/>
-              <a:buFont typeface="Wingdings" charset="2"/>
-              <a:buChar char=""/>
-            </a:pPr>
-            <a:r>
-              <a:rPr b="1" lang="en-IN" sz="1800" spc="-1" strike="noStrike">
-                <a:solidFill>
-                  <a:srgbClr val="2c3e50"/>
-                </a:solidFill>
-                <a:latin typeface="Noto Sans"/>
-                <a:ea typeface="DejaVu Sans"/>
-              </a:rPr>
-              <a:t>M. Ashraf, F. Abid, I. U. Din, J. Rasheed, M. Yesiltepe, S. F. Yeo, and M. T. Ersoy, “A Hybrid CNN and RNN Variant Model for Music Classification,” Applied Sciences, vol. 13, no. 3, 2023.</a:t>
-            </a:r>
-            <a:endParaRPr b="0" lang="en-IN" sz="1800" spc="-1" strike="noStrike">
+              <a:t>Current research indicates the potential of RNN-based filters in various applications, with ongoing efforts aimed at improving training efficiency, generalization capabilities, and interpretability. As the field continues to evolve, the combination of advanced neural network architectures and signal processing expertise holds the key to unlocking the full potential of digital filters using RNNs.</a:t>
+            </a:r>
+            <a:endParaRPr b="0" lang="en-IN" sz="2400" spc="-1" strike="noStrike">
               <a:solidFill>
                 <a:srgbClr val="000000"/>
               </a:solidFill>
@@ -34972,7 +37991,7 @@
       </p:grpSpPr>
       <p:sp>
         <p:nvSpPr>
-          <p:cNvPr id="404" name="PlaceHolder 1"/>
+          <p:cNvPr id="429" name="PlaceHolder 1"/>
           <p:cNvSpPr>
             <a:spLocks noGrp="1"/>
           </p:cNvSpPr>
@@ -35027,7 +38046,7 @@
       </p:sp>
       <p:sp>
         <p:nvSpPr>
-          <p:cNvPr id="405" name=""/>
+          <p:cNvPr id="430" name=""/>
           <p:cNvSpPr/>
           <p:nvPr/>
         </p:nvSpPr>
@@ -35052,7 +38071,7 @@
         </p:style>
         <p:txBody>
           <a:bodyPr lIns="0" rIns="0" tIns="0" bIns="0" anchor="t">
-            <a:normAutofit fontScale="93333" lnSpcReduction="10000"/>
+            <a:normAutofit/>
           </a:bodyPr>
           <a:p>
             <a:pPr marL="432000" indent="-324000">
@@ -35060,7 +38079,7 @@
                 <a:spcPct val="100000"/>
               </a:lnSpc>
               <a:spcAft>
-                <a:spcPts val="1049"/>
+                <a:spcPts val="1057"/>
               </a:spcAft>
               <a:buClr>
                 <a:srgbClr val="2c3e50"/>
@@ -35077,7 +38096,7 @@
                 <a:latin typeface="Noto Sans"/>
                 <a:ea typeface="DejaVu Sans"/>
               </a:rPr>
-              <a:t>S. Stefanova, “One Approach for Training of Recurrent Neural Network Model of IIR Digital Filter,” in Technological Developments in Net working, Education and Automation (K. Elleithy, T. Sobh, M. Iskander, V. Kapila, M. A. Karim, and A. Mahmood, eds.), (Dordrecht), pp. 219 224, Springer Netherlands, 2010.</a:t>
+              <a:t>K. Hossain, R. Ahmed, A. Haque, and M. Rahman, “A Review of Digital FIR Filter Design in Communication Systems,” International Journal of Science and Research (IJSR), vol. 10, p. 09, 03 2021.</a:t>
             </a:r>
             <a:endParaRPr b="0" lang="en-IN" sz="1800" spc="-1" strike="noStrike">
               <a:solidFill>
@@ -35092,7 +38111,7 @@
                 <a:spcPct val="100000"/>
               </a:lnSpc>
               <a:spcAft>
-                <a:spcPts val="1049"/>
+                <a:spcPts val="1057"/>
               </a:spcAft>
               <a:buClr>
                 <a:srgbClr val="2c3e50"/>
@@ -35109,7 +38128,7 @@
                 <a:latin typeface="Noto Sans"/>
                 <a:ea typeface="DejaVu Sans"/>
               </a:rPr>
-              <a:t>L. Ma, H. Huang, P. Zhao, and T. Su, “Acoustic Echo Cancellation by Combining Adaptive Digital Filter and Recurrent Neural Network,” CoRR, vol. Abs/2005.09237, 2020.</a:t>
+              <a:t>R. Hinojosa-Meza, M. M. Rivera, P. Vacas-Jacques, N. Escalante-Garcia, J. A. Dena-Aguilar, A. B. Sanchez, and E. Olvera-Gonzalez, “Comparative Analysis of RNN Versus IIR Digital Filtering to Optimize Resilience to Dynamic Perturbations in pH Sensing for Vertical Farming,” Preprints, May 2023.</a:t>
             </a:r>
             <a:endParaRPr b="0" lang="en-IN" sz="1800" spc="-1" strike="noStrike">
               <a:solidFill>
@@ -35124,7 +38143,7 @@
                 <a:spcPct val="100000"/>
               </a:lnSpc>
               <a:spcAft>
-                <a:spcPts val="1049"/>
+                <a:spcPts val="1057"/>
               </a:spcAft>
               <a:buClr>
                 <a:srgbClr val="2c3e50"/>
@@ -35141,7 +38160,7 @@
                 <a:latin typeface="Noto Sans"/>
                 <a:ea typeface="DejaVu Sans"/>
               </a:rPr>
-              <a:t>S. A. Skogstad, S. Holm, and M. Høvin, “Digital IIR filters with minimal group delay for real-time applications,” in 2012 International Conference on Engineering and Technology (ICET), pp. 1–6, 2012.</a:t>
+              <a:t>D. Kumar, “Comparison of Different Types of IIR Filters,” 04 2016.</a:t>
             </a:r>
             <a:endParaRPr b="0" lang="en-IN" sz="1800" spc="-1" strike="noStrike">
               <a:solidFill>
@@ -35156,7 +38175,7 @@
                 <a:spcPct val="100000"/>
               </a:lnSpc>
               <a:spcAft>
-                <a:spcPts val="1049"/>
+                <a:spcPts val="1057"/>
               </a:spcAft>
               <a:buClr>
                 <a:srgbClr val="2c3e50"/>
@@ -35173,7 +38192,7 @@
                 <a:latin typeface="Noto Sans"/>
                 <a:ea typeface="DejaVu Sans"/>
               </a:rPr>
-              <a:t>S. S.A., “One Dimensional IIR Digital Filter Modeling Based on Recur rent Neural Network,” in Technological Developments in Education and Automation (M. Iskander, V. Kapila, and M. A. Karim, eds.), (Dordrecht), pp. 281–286, Springer Netherlands, 2010.</a:t>
+              <a:t>R. Pal, “Comparison of the design of FIR and IIR filters for a given specification and removal of phase distortion from IIR filters,” 12 2017.</a:t>
             </a:r>
             <a:endParaRPr b="0" lang="en-IN" sz="1800" spc="-1" strike="noStrike">
               <a:solidFill>
@@ -35216,7 +38235,7 @@
       </p:grpSpPr>
       <p:sp>
         <p:nvSpPr>
-          <p:cNvPr id="406" name="PlaceHolder 1"/>
+          <p:cNvPr id="431" name="PlaceHolder 1"/>
           <p:cNvSpPr>
             <a:spLocks noGrp="1"/>
           </p:cNvSpPr>
@@ -35226,8 +38245,8 @@
         </p:nvSpPr>
         <p:spPr>
           <a:xfrm>
-            <a:off x="2700000" y="1440000"/>
-            <a:ext cx="4679280" cy="1619280"/>
+            <a:off x="360000" y="225720"/>
+            <a:ext cx="9359280" cy="719280"/>
           </a:xfrm>
           <a:prstGeom prst="rect">
             <a:avLst/>
@@ -35238,11 +38257,11 @@
           </a:ln>
         </p:spPr>
         <p:txBody>
-          <a:bodyPr lIns="0" rIns="0" tIns="0" bIns="0" anchor="ctr" anchorCtr="1">
+          <a:bodyPr lIns="0" rIns="0" tIns="0" bIns="0" anchor="ctr">
             <a:noAutofit/>
           </a:bodyPr>
           <a:p>
-            <a:pPr indent="0" algn="ctr">
+            <a:pPr indent="0">
               <a:lnSpc>
                 <a:spcPct val="100000"/>
               </a:lnSpc>
@@ -35254,11 +38273,11 @@
             <a:r>
               <a:rPr b="1" lang="en-IN" sz="2700" spc="-1" strike="noStrike">
                 <a:solidFill>
-                  <a:srgbClr val="2c3e50"/>
+                  <a:srgbClr val="ffffff"/>
                 </a:solidFill>
                 <a:latin typeface="Noto Sans"/>
               </a:rPr>
-              <a:t>Thank You!</a:t>
+              <a:t>References</a:t>
             </a:r>
             <a:endParaRPr b="0" lang="en-IN" sz="2700" spc="-1" strike="noStrike">
               <a:solidFill>
@@ -35271,21 +38290,404 @@
       </p:sp>
       <p:sp>
         <p:nvSpPr>
-          <p:cNvPr id="3" name="PlaceHolder 2"/>
+          <p:cNvPr id="432" name=""/>
+          <p:cNvSpPr/>
+          <p:nvPr/>
+        </p:nvSpPr>
+        <p:spPr>
+          <a:xfrm>
+            <a:off x="360000" y="1485000"/>
+            <a:ext cx="9359280" cy="3779280"/>
+          </a:xfrm>
+          <a:prstGeom prst="rect">
+            <a:avLst/>
+          </a:prstGeom>
+          <a:noFill/>
+          <a:ln w="0">
+            <a:noFill/>
+          </a:ln>
+        </p:spPr>
+        <p:style>
+          <a:lnRef idx="0"/>
+          <a:fillRef idx="0"/>
+          <a:effectRef idx="0"/>
+          <a:fontRef idx="minor"/>
+        </p:style>
+        <p:txBody>
+          <a:bodyPr lIns="0" rIns="0" tIns="0" bIns="0" anchor="t">
+            <a:normAutofit/>
+          </a:bodyPr>
+          <a:p>
+            <a:pPr marL="432000" indent="-324000">
+              <a:lnSpc>
+                <a:spcPct val="100000"/>
+              </a:lnSpc>
+              <a:spcAft>
+                <a:spcPts val="1057"/>
+              </a:spcAft>
+              <a:buClr>
+                <a:srgbClr val="2c3e50"/>
+              </a:buClr>
+              <a:buSzPct val="45000"/>
+              <a:buFont typeface="Wingdings" charset="2"/>
+              <a:buChar char=""/>
+            </a:pPr>
+            <a:r>
+              <a:rPr b="1" lang="en-IN" sz="1800" spc="-1" strike="noStrike">
+                <a:solidFill>
+                  <a:srgbClr val="2c3e50"/>
+                </a:solidFill>
+                <a:latin typeface="Noto Sans"/>
+                <a:ea typeface="DejaVu Sans"/>
+              </a:rPr>
+              <a:t>S. Zargar, “Introduction to Sequence Learning Models: RNN, LSTM, GRU,” 04 2021.</a:t>
+            </a:r>
+            <a:endParaRPr b="0" lang="en-IN" sz="1800" spc="-1" strike="noStrike">
+              <a:solidFill>
+                <a:srgbClr val="000000"/>
+              </a:solidFill>
+              <a:latin typeface="Arial"/>
+            </a:endParaRPr>
+          </a:p>
+          <a:p>
+            <a:pPr marL="432000" indent="-324000">
+              <a:lnSpc>
+                <a:spcPct val="100000"/>
+              </a:lnSpc>
+              <a:spcAft>
+                <a:spcPts val="1057"/>
+              </a:spcAft>
+              <a:buClr>
+                <a:srgbClr val="2c3e50"/>
+              </a:buClr>
+              <a:buSzPct val="45000"/>
+              <a:buFont typeface="Wingdings" charset="2"/>
+              <a:buChar char=""/>
+            </a:pPr>
+            <a:r>
+              <a:rPr b="1" lang="en-IN" sz="1800" spc="-1" strike="noStrike">
+                <a:solidFill>
+                  <a:srgbClr val="2c3e50"/>
+                </a:solidFill>
+                <a:latin typeface="Noto Sans"/>
+                <a:ea typeface="DejaVu Sans"/>
+              </a:rPr>
+              <a:t>A. Ali, A. U. Rehman, A. Almogren, E. T. Eldin, and M. Kaleem, “Application of Deep Learning Gated Recurrent Unit in Hybrid Shunt Active Power Filter for Power Quality Enhancement,” Energies, vol. 15, no. 20, 2022.</a:t>
+            </a:r>
+            <a:endParaRPr b="0" lang="en-IN" sz="1800" spc="-1" strike="noStrike">
+              <a:solidFill>
+                <a:srgbClr val="000000"/>
+              </a:solidFill>
+              <a:latin typeface="Arial"/>
+            </a:endParaRPr>
+          </a:p>
+          <a:p>
+            <a:pPr marL="432000" indent="-324000">
+              <a:lnSpc>
+                <a:spcPct val="100000"/>
+              </a:lnSpc>
+              <a:spcAft>
+                <a:spcPts val="1057"/>
+              </a:spcAft>
+              <a:buClr>
+                <a:srgbClr val="2c3e50"/>
+              </a:buClr>
+              <a:buSzPct val="45000"/>
+              <a:buFont typeface="Wingdings" charset="2"/>
+              <a:buChar char=""/>
+            </a:pPr>
+            <a:r>
+              <a:rPr b="1" lang="en-IN" sz="1800" spc="-1" strike="noStrike">
+                <a:solidFill>
+                  <a:srgbClr val="2c3e50"/>
+                </a:solidFill>
+                <a:latin typeface="Noto Sans"/>
+                <a:ea typeface="DejaVu Sans"/>
+              </a:rPr>
+              <a:t>A. Sherstinsky, “Fundamentals of recurrent neural network (RNN) and long short term memory (LSTM) network,” Physica D: Nonlinear Phenomena, vol. 404, p. 132306, 2020.</a:t>
+            </a:r>
+            <a:endParaRPr b="0" lang="en-IN" sz="1800" spc="-1" strike="noStrike">
+              <a:solidFill>
+                <a:srgbClr val="000000"/>
+              </a:solidFill>
+              <a:latin typeface="Arial"/>
+            </a:endParaRPr>
+          </a:p>
+          <a:p>
+            <a:pPr marL="432000" indent="-324000">
+              <a:lnSpc>
+                <a:spcPct val="100000"/>
+              </a:lnSpc>
+              <a:spcAft>
+                <a:spcPts val="1057"/>
+              </a:spcAft>
+              <a:buClr>
+                <a:srgbClr val="2c3e50"/>
+              </a:buClr>
+              <a:buSzPct val="45000"/>
+              <a:buFont typeface="Wingdings" charset="2"/>
+              <a:buChar char=""/>
+            </a:pPr>
+            <a:r>
+              <a:rPr b="1" lang="en-IN" sz="1800" spc="-1" strike="noStrike">
+                <a:solidFill>
+                  <a:srgbClr val="2c3e50"/>
+                </a:solidFill>
+                <a:latin typeface="Noto Sans"/>
+                <a:ea typeface="DejaVu Sans"/>
+              </a:rPr>
+              <a:t>M. Ashraf, F. Abid, I. U. Din, J. Rasheed, M. Yesiltepe, S. F. Yeo, and M. T. Ersoy, “A Hybrid CNN and RNN Variant Model for Music Classification,” Applied Sciences, vol. 13, no. 3, 2023.</a:t>
+            </a:r>
+            <a:endParaRPr b="0" lang="en-IN" sz="1800" spc="-1" strike="noStrike">
+              <a:solidFill>
+                <a:srgbClr val="000000"/>
+              </a:solidFill>
+              <a:latin typeface="Arial"/>
+            </a:endParaRPr>
+          </a:p>
+        </p:txBody>
+      </p:sp>
+    </p:spTree>
+  </p:cSld>
+  <mc:AlternateContent>
+    <mc:Choice Requires="p14">
+      <p:transition spd="slow" p14:dur="2000"/>
+    </mc:Choice>
+    <mc:Fallback>
+      <p:transition spd="slow"/>
+    </mc:Fallback>
+  </mc:AlternateContent>
+</p:sld>
+</file>
+
+<file path=ppt/slides/slide19.xml><?xml version="1.0" encoding="utf-8"?>
+<p:sld xmlns:a="http://schemas.openxmlformats.org/drawingml/2006/main" xmlns:p="http://schemas.openxmlformats.org/presentationml/2006/main" xmlns:r="http://schemas.openxmlformats.org/officeDocument/2006/relationships" xmlns:p14="http://schemas.microsoft.com/office/powerpoint/2010/main" xmlns:p15="http://schemas.microsoft.com/office/powerpoint/2012/main" xmlns:mc="http://schemas.openxmlformats.org/markup-compatibility/2006">
+  <p:cSld>
+    <p:spTree>
+      <p:nvGrpSpPr>
+        <p:cNvPr id="1" name=""/>
+        <p:cNvGrpSpPr/>
+        <p:nvPr/>
+      </p:nvGrpSpPr>
+      <p:grpSpPr>
+        <a:xfrm>
+          <a:off x="0" y="0"/>
+          <a:ext cx="0" cy="0"/>
+          <a:chOff x="0" y="0"/>
+          <a:chExt cx="0" cy="0"/>
+        </a:xfrm>
+      </p:grpSpPr>
+      <p:sp>
+        <p:nvSpPr>
+          <p:cNvPr id="433" name="PlaceHolder 1"/>
           <p:cNvSpPr>
             <a:spLocks noGrp="1"/>
           </p:cNvSpPr>
           <p:nvPr>
-            <p:ph type="sldNum" idx="80"/>
+            <p:ph type="title"/>
           </p:nvPr>
         </p:nvSpPr>
-        <p:spPr/>
+        <p:spPr>
+          <a:xfrm>
+            <a:off x="360000" y="225720"/>
+            <a:ext cx="9359280" cy="719280"/>
+          </a:xfrm>
+          <a:prstGeom prst="rect">
+            <a:avLst/>
+          </a:prstGeom>
+          <a:noFill/>
+          <a:ln w="0">
+            <a:noFill/>
+          </a:ln>
+        </p:spPr>
         <p:txBody>
-          <a:bodyPr/>
-          <a:p>
-            <a:fld id="{8F2B9EBE-A551-4A22-97FF-07790ADEF786}" type="slidenum">
-              <a:t>18</a:t>
-            </a:fld>
+          <a:bodyPr lIns="0" rIns="0" tIns="0" bIns="0" anchor="ctr">
+            <a:noAutofit/>
+          </a:bodyPr>
+          <a:p>
+            <a:pPr indent="0">
+              <a:lnSpc>
+                <a:spcPct val="100000"/>
+              </a:lnSpc>
+              <a:buNone/>
+              <a:tabLst>
+                <a:tab algn="l" pos="0"/>
+              </a:tabLst>
+            </a:pPr>
+            <a:r>
+              <a:rPr b="1" lang="en-IN" sz="2700" spc="-1" strike="noStrike">
+                <a:solidFill>
+                  <a:srgbClr val="ffffff"/>
+                </a:solidFill>
+                <a:latin typeface="Noto Sans"/>
+              </a:rPr>
+              <a:t>References</a:t>
+            </a:r>
+            <a:endParaRPr b="0" lang="en-IN" sz="2700" spc="-1" strike="noStrike">
+              <a:solidFill>
+                <a:srgbClr val="000000"/>
+              </a:solidFill>
+              <a:latin typeface="Arial"/>
+            </a:endParaRPr>
+          </a:p>
+        </p:txBody>
+      </p:sp>
+      <p:sp>
+        <p:nvSpPr>
+          <p:cNvPr id="434" name=""/>
+          <p:cNvSpPr/>
+          <p:nvPr/>
+        </p:nvSpPr>
+        <p:spPr>
+          <a:xfrm>
+            <a:off x="360000" y="1485000"/>
+            <a:ext cx="9359280" cy="3779280"/>
+          </a:xfrm>
+          <a:prstGeom prst="rect">
+            <a:avLst/>
+          </a:prstGeom>
+          <a:noFill/>
+          <a:ln w="0">
+            <a:noFill/>
+          </a:ln>
+        </p:spPr>
+        <p:style>
+          <a:lnRef idx="0"/>
+          <a:fillRef idx="0"/>
+          <a:effectRef idx="0"/>
+          <a:fontRef idx="minor"/>
+        </p:style>
+        <p:txBody>
+          <a:bodyPr lIns="0" rIns="0" tIns="0" bIns="0" anchor="t">
+            <a:normAutofit fontScale="93333" lnSpcReduction="10000"/>
+          </a:bodyPr>
+          <a:p>
+            <a:pPr marL="432000" indent="-324000">
+              <a:lnSpc>
+                <a:spcPct val="100000"/>
+              </a:lnSpc>
+              <a:spcAft>
+                <a:spcPts val="1049"/>
+              </a:spcAft>
+              <a:buClr>
+                <a:srgbClr val="2c3e50"/>
+              </a:buClr>
+              <a:buSzPct val="45000"/>
+              <a:buFont typeface="Wingdings" charset="2"/>
+              <a:buChar char=""/>
+            </a:pPr>
+            <a:r>
+              <a:rPr b="1" lang="en-IN" sz="1800" spc="-1" strike="noStrike">
+                <a:solidFill>
+                  <a:srgbClr val="2c3e50"/>
+                </a:solidFill>
+                <a:latin typeface="Noto Sans"/>
+                <a:ea typeface="DejaVu Sans"/>
+              </a:rPr>
+              <a:t>S. Stefanova, “One Approach for Training of Recurrent Neural Network Model of IIR Digital Filter,” in Technological Developments in Net working, Education and Automation (K. Elleithy, T. Sobh, M. Iskander, V. Kapila, M. A. Karim, and A. Mahmood, eds.), (Dordrecht), pp. 219 224, Springer Netherlands, 2010.</a:t>
+            </a:r>
+            <a:endParaRPr b="0" lang="en-IN" sz="1800" spc="-1" strike="noStrike">
+              <a:solidFill>
+                <a:srgbClr val="000000"/>
+              </a:solidFill>
+              <a:latin typeface="Arial"/>
+            </a:endParaRPr>
+          </a:p>
+          <a:p>
+            <a:pPr marL="432000" indent="-324000">
+              <a:lnSpc>
+                <a:spcPct val="100000"/>
+              </a:lnSpc>
+              <a:spcAft>
+                <a:spcPts val="1049"/>
+              </a:spcAft>
+              <a:buClr>
+                <a:srgbClr val="2c3e50"/>
+              </a:buClr>
+              <a:buSzPct val="45000"/>
+              <a:buFont typeface="Wingdings" charset="2"/>
+              <a:buChar char=""/>
+            </a:pPr>
+            <a:r>
+              <a:rPr b="1" lang="en-IN" sz="1800" spc="-1" strike="noStrike">
+                <a:solidFill>
+                  <a:srgbClr val="2c3e50"/>
+                </a:solidFill>
+                <a:latin typeface="Noto Sans"/>
+                <a:ea typeface="DejaVu Sans"/>
+              </a:rPr>
+              <a:t>L. Ma, H. Huang, P. Zhao, and T. Su, “Acoustic Echo Cancellation by Combining Adaptive Digital Filter and Recurrent Neural Network,” CoRR, vol. Abs/2005.09237, 2020.</a:t>
+            </a:r>
+            <a:endParaRPr b="0" lang="en-IN" sz="1800" spc="-1" strike="noStrike">
+              <a:solidFill>
+                <a:srgbClr val="000000"/>
+              </a:solidFill>
+              <a:latin typeface="Arial"/>
+            </a:endParaRPr>
+          </a:p>
+          <a:p>
+            <a:pPr marL="432000" indent="-324000">
+              <a:lnSpc>
+                <a:spcPct val="100000"/>
+              </a:lnSpc>
+              <a:spcAft>
+                <a:spcPts val="1049"/>
+              </a:spcAft>
+              <a:buClr>
+                <a:srgbClr val="2c3e50"/>
+              </a:buClr>
+              <a:buSzPct val="45000"/>
+              <a:buFont typeface="Wingdings" charset="2"/>
+              <a:buChar char=""/>
+            </a:pPr>
+            <a:r>
+              <a:rPr b="1" lang="en-IN" sz="1800" spc="-1" strike="noStrike">
+                <a:solidFill>
+                  <a:srgbClr val="2c3e50"/>
+                </a:solidFill>
+                <a:latin typeface="Noto Sans"/>
+                <a:ea typeface="DejaVu Sans"/>
+              </a:rPr>
+              <a:t>S. A. Skogstad, S. Holm, and M. Høvin, “Digital IIR filters with minimal group delay for real-time applications,” in 2012 International Conference on Engineering and Technology (ICET), pp. 1–6, 2012.</a:t>
+            </a:r>
+            <a:endParaRPr b="0" lang="en-IN" sz="1800" spc="-1" strike="noStrike">
+              <a:solidFill>
+                <a:srgbClr val="000000"/>
+              </a:solidFill>
+              <a:latin typeface="Arial"/>
+            </a:endParaRPr>
+          </a:p>
+          <a:p>
+            <a:pPr marL="432000" indent="-324000">
+              <a:lnSpc>
+                <a:spcPct val="100000"/>
+              </a:lnSpc>
+              <a:spcAft>
+                <a:spcPts val="1049"/>
+              </a:spcAft>
+              <a:buClr>
+                <a:srgbClr val="2c3e50"/>
+              </a:buClr>
+              <a:buSzPct val="45000"/>
+              <a:buFont typeface="Wingdings" charset="2"/>
+              <a:buChar char=""/>
+            </a:pPr>
+            <a:r>
+              <a:rPr b="1" lang="en-IN" sz="1800" spc="-1" strike="noStrike">
+                <a:solidFill>
+                  <a:srgbClr val="2c3e50"/>
+                </a:solidFill>
+                <a:latin typeface="Noto Sans"/>
+                <a:ea typeface="DejaVu Sans"/>
+              </a:rPr>
+              <a:t>S. S.A., “One Dimensional IIR Digital Filter Modeling Based on Recur rent Neural Network,” in Technological Developments in Education and Automation (M. Iskander, V. Kapila, and M. A. Karim, eds.), (Dordrecht), pp. 281–286, Springer Netherlands, 2010.</a:t>
+            </a:r>
+            <a:endParaRPr b="0" lang="en-IN" sz="1800" spc="-1" strike="noStrike">
+              <a:solidFill>
+                <a:srgbClr val="000000"/>
+              </a:solidFill>
+              <a:latin typeface="Arial"/>
+            </a:endParaRPr>
           </a:p>
         </p:txBody>
       </p:sp>
@@ -35517,6 +38919,37 @@
                 <a:latin typeface="Noto Sans"/>
               </a:rPr>
               <a:t>Methodology</a:t>
+            </a:r>
+            <a:endParaRPr b="0" lang="en-IN" sz="2400" spc="-1" strike="noStrike">
+              <a:solidFill>
+                <a:srgbClr val="000000"/>
+              </a:solidFill>
+              <a:latin typeface="Arial"/>
+            </a:endParaRPr>
+          </a:p>
+          <a:p>
+            <a:pPr marL="432000" indent="-324000">
+              <a:lnSpc>
+                <a:spcPct val="100000"/>
+              </a:lnSpc>
+              <a:spcAft>
+                <a:spcPts val="1057"/>
+              </a:spcAft>
+              <a:buClr>
+                <a:srgbClr val="2c3e50"/>
+              </a:buClr>
+              <a:buSzPct val="45000"/>
+              <a:buFont typeface="Wingdings" charset="2"/>
+              <a:buChar char=""/>
+            </a:pPr>
+            <a:r>
+              <a:rPr b="1" lang="en-IN" sz="2400" spc="-1" strike="noStrike">
+                <a:solidFill>
+                  <a:srgbClr val="2c3e50"/>
+                </a:solidFill>
+                <a:latin typeface="Noto Sans"/>
+              </a:rPr>
+              <a:t>Tools Used</a:t>
             </a:r>
             <a:endParaRPr b="0" lang="en-IN" sz="2400" spc="-1" strike="noStrike">
               <a:solidFill>
@@ -35995,6 +39428,111 @@
       </p:par>
     </p:tnLst>
   </p:timing>
+</p:sld>
+</file>
+
+<file path=ppt/slides/slide20.xml><?xml version="1.0" encoding="utf-8"?>
+<p:sld xmlns:a="http://schemas.openxmlformats.org/drawingml/2006/main" xmlns:p="http://schemas.openxmlformats.org/presentationml/2006/main" xmlns:r="http://schemas.openxmlformats.org/officeDocument/2006/relationships" xmlns:p14="http://schemas.microsoft.com/office/powerpoint/2010/main" xmlns:p15="http://schemas.microsoft.com/office/powerpoint/2012/main" xmlns:mc="http://schemas.openxmlformats.org/markup-compatibility/2006">
+  <p:cSld>
+    <p:spTree>
+      <p:nvGrpSpPr>
+        <p:cNvPr id="1" name=""/>
+        <p:cNvGrpSpPr/>
+        <p:nvPr/>
+      </p:nvGrpSpPr>
+      <p:grpSpPr>
+        <a:xfrm>
+          <a:off x="0" y="0"/>
+          <a:ext cx="0" cy="0"/>
+          <a:chOff x="0" y="0"/>
+          <a:chExt cx="0" cy="0"/>
+        </a:xfrm>
+      </p:grpSpPr>
+      <p:sp>
+        <p:nvSpPr>
+          <p:cNvPr id="435" name="PlaceHolder 1"/>
+          <p:cNvSpPr>
+            <a:spLocks noGrp="1"/>
+          </p:cNvSpPr>
+          <p:nvPr>
+            <p:ph type="title"/>
+          </p:nvPr>
+        </p:nvSpPr>
+        <p:spPr>
+          <a:xfrm>
+            <a:off x="2700000" y="1440000"/>
+            <a:ext cx="4679280" cy="1619280"/>
+          </a:xfrm>
+          <a:prstGeom prst="rect">
+            <a:avLst/>
+          </a:prstGeom>
+          <a:noFill/>
+          <a:ln w="0">
+            <a:noFill/>
+          </a:ln>
+        </p:spPr>
+        <p:txBody>
+          <a:bodyPr lIns="0" rIns="0" tIns="0" bIns="0" anchor="ctr" anchorCtr="1">
+            <a:noAutofit/>
+          </a:bodyPr>
+          <a:p>
+            <a:pPr indent="0" algn="ctr">
+              <a:lnSpc>
+                <a:spcPct val="100000"/>
+              </a:lnSpc>
+              <a:buNone/>
+              <a:tabLst>
+                <a:tab algn="l" pos="0"/>
+              </a:tabLst>
+            </a:pPr>
+            <a:r>
+              <a:rPr b="1" lang="en-IN" sz="2700" spc="-1" strike="noStrike">
+                <a:solidFill>
+                  <a:srgbClr val="2c3e50"/>
+                </a:solidFill>
+                <a:latin typeface="Noto Sans"/>
+              </a:rPr>
+              <a:t>Thank You!</a:t>
+            </a:r>
+            <a:endParaRPr b="0" lang="en-IN" sz="2700" spc="-1" strike="noStrike">
+              <a:solidFill>
+                <a:srgbClr val="000000"/>
+              </a:solidFill>
+              <a:latin typeface="Arial"/>
+            </a:endParaRPr>
+          </a:p>
+        </p:txBody>
+      </p:sp>
+      <p:sp>
+        <p:nvSpPr>
+          <p:cNvPr id="3" name="PlaceHolder 2"/>
+          <p:cNvSpPr>
+            <a:spLocks noGrp="1"/>
+          </p:cNvSpPr>
+          <p:nvPr>
+            <p:ph type="sldNum" idx="80"/>
+          </p:nvPr>
+        </p:nvSpPr>
+        <p:spPr/>
+        <p:txBody>
+          <a:bodyPr/>
+          <a:p>
+            <a:fld id="{909FADB3-7825-4029-93E3-5C5D06A28D17}" type="slidenum">
+              <a:t>20</a:t>
+            </a:fld>
+          </a:p>
+        </p:txBody>
+      </p:sp>
+    </p:spTree>
+  </p:cSld>
+  <mc:AlternateContent>
+    <mc:Choice Requires="p14">
+      <p:transition spd="slow" p14:dur="2000"/>
+    </mc:Choice>
+    <mc:Fallback>
+      <p:transition spd="slow"/>
+    </mc:Fallback>
+  </mc:AlternateContent>
 </p:sld>
 </file>
 
@@ -40377,7 +43915,7 @@
                 </a:solidFill>
                 <a:latin typeface="Noto Sans"/>
               </a:rPr>
-              <a:t>Calculation of Filter Coefficients</a:t>
+              <a:t>Audio Data Collection</a:t>
             </a:r>
             <a:endParaRPr b="0" lang="en-IN" sz="2400" spc="-1" strike="noStrike">
               <a:solidFill>
@@ -40437,7 +43975,7 @@
                 <a:latin typeface="Noto Sans"/>
                 <a:ea typeface="DejaVu Sans"/>
               </a:rPr>
-              <a:t>Modelling RNN Digital Filter</a:t>
+              <a:t>Modelling RNN-IIR Digital Filter</a:t>
             </a:r>
             <a:endParaRPr b="0" lang="en-IN" sz="2400" spc="-1" strike="noStrike">
               <a:solidFill>
@@ -40557,7 +44095,7 @@
                 <a:latin typeface="Noto Sans"/>
                 <a:ea typeface="DejaVu Sans"/>
               </a:rPr>
-              <a:t>Latency Testing</a:t>
+              <a:t>Testing</a:t>
             </a:r>
             <a:endParaRPr b="0" lang="en-IN" sz="2400" spc="-1" strike="noStrike">
               <a:solidFill>
